--- a/Presentation.pptx
+++ b/Presentation.pptx
@@ -5,7 +5,7 @@
     <p:sldMasterId id="2147483648" r:id="rId1"/>
   </p:sldMasterIdLst>
   <p:notesMasterIdLst>
-    <p:notesMasterId r:id="rId23"/>
+    <p:notesMasterId r:id="rId27"/>
   </p:notesMasterIdLst>
   <p:sldIdLst>
     <p:sldId id="258" r:id="rId2"/>
@@ -16,19 +16,23 @@
     <p:sldId id="280" r:id="rId7"/>
     <p:sldId id="283" r:id="rId8"/>
     <p:sldId id="285" r:id="rId9"/>
-    <p:sldId id="287" r:id="rId10"/>
-    <p:sldId id="294" r:id="rId11"/>
-    <p:sldId id="290" r:id="rId12"/>
-    <p:sldId id="291" r:id="rId13"/>
-    <p:sldId id="292" r:id="rId14"/>
-    <p:sldId id="293" r:id="rId15"/>
-    <p:sldId id="289" r:id="rId16"/>
-    <p:sldId id="286" r:id="rId17"/>
-    <p:sldId id="270" r:id="rId18"/>
-    <p:sldId id="256" r:id="rId19"/>
-    <p:sldId id="295" r:id="rId20"/>
-    <p:sldId id="296" r:id="rId21"/>
-    <p:sldId id="297" r:id="rId22"/>
+    <p:sldId id="289" r:id="rId10"/>
+    <p:sldId id="287" r:id="rId11"/>
+    <p:sldId id="294" r:id="rId12"/>
+    <p:sldId id="298" r:id="rId13"/>
+    <p:sldId id="291" r:id="rId14"/>
+    <p:sldId id="299" r:id="rId15"/>
+    <p:sldId id="292" r:id="rId16"/>
+    <p:sldId id="293" r:id="rId17"/>
+    <p:sldId id="286" r:id="rId18"/>
+    <p:sldId id="270" r:id="rId19"/>
+    <p:sldId id="256" r:id="rId20"/>
+    <p:sldId id="300" r:id="rId21"/>
+    <p:sldId id="301" r:id="rId22"/>
+    <p:sldId id="302" r:id="rId23"/>
+    <p:sldId id="297" r:id="rId24"/>
+    <p:sldId id="303" r:id="rId25"/>
+    <p:sldId id="304" r:id="rId26"/>
   </p:sldIdLst>
   <p:sldSz cx="12192000" cy="6858000"/>
   <p:notesSz cx="6858000" cy="9144000"/>
@@ -217,7 +221,7 @@
           <a:p>
             <a:fld id="{2580FC0D-554C-4C6F-803A-2A2A2A1D6B9C}" type="datetimeFigureOut">
               <a:rPr lang="fr-CH" smtClean="0"/>
-              <a:t>10.05.2020</a:t>
+              <a:t>12.05.2020</a:t>
             </a:fld>
             <a:endParaRPr lang="fr-CH"/>
           </a:p>
@@ -728,7 +732,7 @@
           <a:p>
             <a:fld id="{FBE19751-BD6C-4399-B088-8DD8399288A9}" type="datetimeFigureOut">
               <a:rPr lang="fr-CH" smtClean="0"/>
-              <a:t>10.05.2020</a:t>
+              <a:t>12.05.2020</a:t>
             </a:fld>
             <a:endParaRPr lang="fr-CH"/>
           </a:p>
@@ -928,7 +932,7 @@
           <a:p>
             <a:fld id="{FBE19751-BD6C-4399-B088-8DD8399288A9}" type="datetimeFigureOut">
               <a:rPr lang="fr-CH" smtClean="0"/>
-              <a:t>10.05.2020</a:t>
+              <a:t>12.05.2020</a:t>
             </a:fld>
             <a:endParaRPr lang="fr-CH"/>
           </a:p>
@@ -1138,7 +1142,7 @@
           <a:p>
             <a:fld id="{FBE19751-BD6C-4399-B088-8DD8399288A9}" type="datetimeFigureOut">
               <a:rPr lang="fr-CH" smtClean="0"/>
-              <a:t>10.05.2020</a:t>
+              <a:t>12.05.2020</a:t>
             </a:fld>
             <a:endParaRPr lang="fr-CH"/>
           </a:p>
@@ -1395,7 +1399,7 @@
           <a:p>
             <a:fld id="{FBE19751-BD6C-4399-B088-8DD8399288A9}" type="datetimeFigureOut">
               <a:rPr lang="fr-CH" smtClean="0"/>
-              <a:t>10.05.2020</a:t>
+              <a:t>12.05.2020</a:t>
             </a:fld>
             <a:endParaRPr lang="fr-CH"/>
           </a:p>
@@ -1671,7 +1675,7 @@
           <a:p>
             <a:fld id="{FBE19751-BD6C-4399-B088-8DD8399288A9}" type="datetimeFigureOut">
               <a:rPr lang="fr-CH" smtClean="0"/>
-              <a:t>10.05.2020</a:t>
+              <a:t>12.05.2020</a:t>
             </a:fld>
             <a:endParaRPr lang="fr-CH"/>
           </a:p>
@@ -1939,7 +1943,7 @@
           <a:p>
             <a:fld id="{FBE19751-BD6C-4399-B088-8DD8399288A9}" type="datetimeFigureOut">
               <a:rPr lang="fr-CH" smtClean="0"/>
-              <a:t>10.05.2020</a:t>
+              <a:t>12.05.2020</a:t>
             </a:fld>
             <a:endParaRPr lang="fr-CH"/>
           </a:p>
@@ -2354,7 +2358,7 @@
           <a:p>
             <a:fld id="{FBE19751-BD6C-4399-B088-8DD8399288A9}" type="datetimeFigureOut">
               <a:rPr lang="fr-CH" smtClean="0"/>
-              <a:t>10.05.2020</a:t>
+              <a:t>12.05.2020</a:t>
             </a:fld>
             <a:endParaRPr lang="fr-CH"/>
           </a:p>
@@ -2496,7 +2500,7 @@
           <a:p>
             <a:fld id="{FBE19751-BD6C-4399-B088-8DD8399288A9}" type="datetimeFigureOut">
               <a:rPr lang="fr-CH" smtClean="0"/>
-              <a:t>10.05.2020</a:t>
+              <a:t>12.05.2020</a:t>
             </a:fld>
             <a:endParaRPr lang="fr-CH"/>
           </a:p>
@@ -2609,7 +2613,7 @@
           <a:p>
             <a:fld id="{FBE19751-BD6C-4399-B088-8DD8399288A9}" type="datetimeFigureOut">
               <a:rPr lang="fr-CH" smtClean="0"/>
-              <a:t>10.05.2020</a:t>
+              <a:t>12.05.2020</a:t>
             </a:fld>
             <a:endParaRPr lang="fr-CH"/>
           </a:p>
@@ -2922,7 +2926,7 @@
           <a:p>
             <a:fld id="{FBE19751-BD6C-4399-B088-8DD8399288A9}" type="datetimeFigureOut">
               <a:rPr lang="fr-CH" smtClean="0"/>
-              <a:t>10.05.2020</a:t>
+              <a:t>12.05.2020</a:t>
             </a:fld>
             <a:endParaRPr lang="fr-CH"/>
           </a:p>
@@ -3211,7 +3215,7 @@
           <a:p>
             <a:fld id="{FBE19751-BD6C-4399-B088-8DD8399288A9}" type="datetimeFigureOut">
               <a:rPr lang="fr-CH" smtClean="0"/>
-              <a:t>10.05.2020</a:t>
+              <a:t>12.05.2020</a:t>
             </a:fld>
             <a:endParaRPr lang="fr-CH"/>
           </a:p>
@@ -3454,7 +3458,7 @@
           <a:p>
             <a:fld id="{FBE19751-BD6C-4399-B088-8DD8399288A9}" type="datetimeFigureOut">
               <a:rPr lang="fr-CH" smtClean="0"/>
-              <a:t>10.05.2020</a:t>
+              <a:t>12.05.2020</a:t>
             </a:fld>
             <a:endParaRPr lang="fr-CH"/>
           </a:p>
@@ -3947,7 +3951,7 @@
           </a:ln>
           <a:extLst>
             <a:ext uri="{C572A759-6A51-4108-AA02-DFA0A04FC94B}">
-              <ma14:wrappingTextBoxFlag xmlns:ma14="http://schemas.microsoft.com/office/mac/drawingml/2011/main" xmlns="" val="1"/>
+              <ma14:wrappingTextBoxFlag xmlns="" xmlns:ma14="http://schemas.microsoft.com/office/mac/drawingml/2011/main" val="1"/>
             </a:ext>
           </a:extLst>
         </p:spPr>
@@ -4145,6 +4149,321 @@
         </p:nvGrpSpPr>
         <p:grpSpPr>
           <a:xfrm>
+            <a:off x="524284" y="506745"/>
+            <a:ext cx="5640210" cy="2394440"/>
+            <a:chOff x="0" y="1693528"/>
+            <a:chExt cx="11280419" cy="4788879"/>
+          </a:xfrm>
+        </p:grpSpPr>
+        <p:sp>
+          <p:nvSpPr>
+            <p:cNvPr id="430" name="Shape 430"/>
+            <p:cNvSpPr/>
+            <p:nvPr/>
+          </p:nvSpPr>
+          <p:spPr>
+            <a:xfrm>
+              <a:off x="0" y="1693528"/>
+              <a:ext cx="11280419" cy="1274452"/>
+            </a:xfrm>
+            <a:prstGeom prst="rect">
+              <a:avLst/>
+            </a:prstGeom>
+            <a:noFill/>
+            <a:ln w="12700" cap="flat">
+              <a:noFill/>
+              <a:miter lim="400000"/>
+            </a:ln>
+            <a:effectLst/>
+            <a:extLst>
+              <a:ext uri="{C572A759-6A51-4108-AA02-DFA0A04FC94B}">
+                <ma14:wrappingTextBoxFlag xmlns="" xmlns:ma14="http://schemas.microsoft.com/office/mac/drawingml/2011/main" val="1"/>
+              </a:ext>
+            </a:extLst>
+          </p:spPr>
+          <p:txBody>
+            <a:bodyPr wrap="square" lIns="0" tIns="0" rIns="0" bIns="0" numCol="1" anchor="b">
+              <a:spAutoFit/>
+            </a:bodyPr>
+            <a:lstStyle/>
+            <a:p>
+              <a:pPr>
+                <a:lnSpc>
+                  <a:spcPct val="80000"/>
+                </a:lnSpc>
+                <a:defRPr sz="10100" b="1">
+                  <a:latin typeface="Didot"/>
+                  <a:ea typeface="Didot"/>
+                  <a:cs typeface="Didot"/>
+                  <a:sym typeface="Didot"/>
+                </a:defRPr>
+              </a:pPr>
+              <a:r>
+                <a:rPr lang="fr-CH" sz="5050" dirty="0"/>
+                <a:t>Sentiment </a:t>
+              </a:r>
+              <a:r>
+                <a:rPr lang="fr-CH" sz="5050" dirty="0" err="1"/>
+                <a:t>Analysis</a:t>
+              </a:r>
+              <a:endParaRPr sz="5050" dirty="0"/>
+            </a:p>
+          </p:txBody>
+        </p:sp>
+        <p:sp>
+          <p:nvSpPr>
+            <p:cNvPr id="431" name="Shape 431"/>
+            <p:cNvSpPr/>
+            <p:nvPr/>
+          </p:nvSpPr>
+          <p:spPr>
+            <a:xfrm>
+              <a:off x="43512" y="2967980"/>
+              <a:ext cx="2195216" cy="482570"/>
+            </a:xfrm>
+            <a:prstGeom prst="rect">
+              <a:avLst/>
+            </a:prstGeom>
+            <a:noFill/>
+            <a:ln w="12700" cap="flat">
+              <a:noFill/>
+              <a:miter lim="400000"/>
+            </a:ln>
+            <a:effectLst/>
+            <a:extLst>
+              <a:ext uri="{C572A759-6A51-4108-AA02-DFA0A04FC94B}">
+                <ma14:wrappingTextBoxFlag xmlns="" xmlns:ma14="http://schemas.microsoft.com/office/mac/drawingml/2011/main" val="1"/>
+              </a:ext>
+            </a:extLst>
+          </p:spPr>
+          <p:txBody>
+            <a:bodyPr wrap="none" lIns="0" tIns="0" rIns="0" bIns="0" numCol="1" anchor="ctr">
+              <a:spAutoFit/>
+            </a:bodyPr>
+            <a:lstStyle/>
+            <a:p>
+              <a:pPr>
+                <a:lnSpc>
+                  <a:spcPct val="120000"/>
+                </a:lnSpc>
+                <a:defRPr sz="2400" spc="647"/>
+              </a:pPr>
+              <a:r>
+                <a:rPr lang="fr-CH" sz="1400" spc="300" dirty="0" err="1"/>
+                <a:t>Procedure</a:t>
+              </a:r>
+              <a:endParaRPr sz="1400" spc="300" dirty="0"/>
+            </a:p>
+          </p:txBody>
+        </p:sp>
+        <p:sp>
+          <p:nvSpPr>
+            <p:cNvPr id="432" name="Shape 432"/>
+            <p:cNvSpPr/>
+            <p:nvPr/>
+          </p:nvSpPr>
+          <p:spPr>
+            <a:xfrm>
+              <a:off x="43512" y="4888765"/>
+              <a:ext cx="8264367" cy="1593642"/>
+            </a:xfrm>
+            <a:prstGeom prst="rect">
+              <a:avLst/>
+            </a:prstGeom>
+            <a:noFill/>
+            <a:ln w="12700" cap="flat">
+              <a:noFill/>
+              <a:miter lim="400000"/>
+            </a:ln>
+            <a:effectLst/>
+            <a:extLst>
+              <a:ext uri="{C572A759-6A51-4108-AA02-DFA0A04FC94B}">
+                <ma14:wrappingTextBoxFlag xmlns="" xmlns:ma14="http://schemas.microsoft.com/office/mac/drawingml/2011/main" val="1"/>
+              </a:ext>
+            </a:extLst>
+          </p:spPr>
+          <p:txBody>
+            <a:bodyPr wrap="square" lIns="0" tIns="0" rIns="0" bIns="0" numCol="1" anchor="t">
+              <a:spAutoFit/>
+            </a:bodyPr>
+            <a:lstStyle>
+              <a:lvl1pPr algn="l" defTabSz="1828800">
+                <a:lnSpc>
+                  <a:spcPct val="110000"/>
+                </a:lnSpc>
+                <a:defRPr sz="2400">
+                  <a:latin typeface="PT Sans"/>
+                  <a:ea typeface="PT Sans"/>
+                  <a:cs typeface="PT Sans"/>
+                  <a:sym typeface="PT Sans"/>
+                </a:defRPr>
+              </a:lvl1pPr>
+            </a:lstStyle>
+            <a:p>
+              <a:pPr marL="171450" indent="-171450">
+                <a:buFont typeface="Arial" panose="020B0604020202020204" pitchFamily="34" charset="0"/>
+                <a:buChar char="•"/>
+              </a:pPr>
+              <a:r>
+                <a:rPr lang="fr-CH" sz="1200" dirty="0" err="1"/>
+                <a:t>Choosing</a:t>
+              </a:r>
+              <a:r>
+                <a:rPr lang="fr-CH" sz="1200" dirty="0"/>
+                <a:t> and </a:t>
+              </a:r>
+              <a:r>
+                <a:rPr lang="fr-CH" sz="1200" dirty="0" err="1"/>
+                <a:t>getting</a:t>
+              </a:r>
+              <a:r>
+                <a:rPr lang="fr-CH" sz="1200" dirty="0"/>
+                <a:t> the data: </a:t>
+              </a:r>
+              <a:r>
+                <a:rPr lang="fr-CH" sz="1200" dirty="0" err="1"/>
+                <a:t>from</a:t>
+              </a:r>
+              <a:r>
+                <a:rPr lang="fr-CH" sz="1200" dirty="0"/>
+                <a:t> </a:t>
+              </a:r>
+              <a:r>
+                <a:rPr lang="fr-CH" sz="1200" dirty="0" err="1"/>
+                <a:t>February</a:t>
+              </a:r>
+              <a:r>
+                <a:rPr lang="fr-CH" sz="1200" dirty="0"/>
+                <a:t> – all the tweets?</a:t>
+              </a:r>
+            </a:p>
+            <a:p>
+              <a:pPr marL="171450" indent="-171450">
+                <a:buFont typeface="Arial" panose="020B0604020202020204" pitchFamily="34" charset="0"/>
+                <a:buChar char="•"/>
+              </a:pPr>
+              <a:r>
+                <a:rPr lang="fr-CH" sz="1200" dirty="0" err="1"/>
+                <a:t>Analyzing</a:t>
+              </a:r>
+              <a:r>
+                <a:rPr lang="fr-CH" sz="1200" dirty="0"/>
+                <a:t> and </a:t>
+              </a:r>
+              <a:r>
+                <a:rPr lang="fr-CH" sz="1200" dirty="0" err="1"/>
+                <a:t>exporting</a:t>
+              </a:r>
+              <a:r>
+                <a:rPr lang="fr-CH" sz="1200" dirty="0"/>
+                <a:t> </a:t>
+              </a:r>
+              <a:r>
+                <a:rPr lang="fr-CH" sz="1200" dirty="0" err="1"/>
+                <a:t>results</a:t>
+              </a:r>
+              <a:endParaRPr lang="fr-CH" sz="1200" dirty="0"/>
+            </a:p>
+            <a:p>
+              <a:pPr marL="171450" indent="-171450">
+                <a:buFont typeface="Arial" panose="020B0604020202020204" pitchFamily="34" charset="0"/>
+                <a:buChar char="•"/>
+              </a:pPr>
+              <a:r>
+                <a:rPr lang="fr-CH" sz="1200" dirty="0" err="1"/>
+                <a:t>Wordcloud</a:t>
+              </a:r>
+              <a:endParaRPr lang="fr-CH" sz="1200" dirty="0"/>
+            </a:p>
+          </p:txBody>
+        </p:sp>
+      </p:grpSp>
+      <p:pic>
+        <p:nvPicPr>
+          <p:cNvPr id="7" name="Image 6">
+            <a:extLst>
+              <a:ext uri="{FF2B5EF4-FFF2-40B4-BE49-F238E27FC236}">
+                <a16:creationId xmlns:a16="http://schemas.microsoft.com/office/drawing/2014/main" id="{B4FCBFFE-A783-489C-B4D6-FA305817AF0A}"/>
+              </a:ext>
+            </a:extLst>
+          </p:cNvPr>
+          <p:cNvPicPr>
+            <a:picLocks noChangeAspect="1"/>
+          </p:cNvPicPr>
+          <p:nvPr/>
+        </p:nvPicPr>
+        <p:blipFill>
+          <a:blip r:embed="rId2">
+            <a:extLst>
+              <a:ext uri="{28A0092B-C50C-407E-A947-70E740481C1C}">
+                <a14:useLocalDpi xmlns:a14="http://schemas.microsoft.com/office/drawing/2010/main" val="0"/>
+              </a:ext>
+            </a:extLst>
+          </a:blip>
+          <a:stretch>
+            <a:fillRect/>
+          </a:stretch>
+        </p:blipFill>
+        <p:spPr>
+          <a:xfrm>
+            <a:off x="10635101" y="116166"/>
+            <a:ext cx="1380897" cy="301035"/>
+          </a:xfrm>
+          <a:prstGeom prst="rect">
+            <a:avLst/>
+          </a:prstGeom>
+        </p:spPr>
+      </p:pic>
+    </p:spTree>
+    <p:extLst>
+      <p:ext uri="{BB962C8B-B14F-4D97-AF65-F5344CB8AC3E}">
+        <p14:creationId xmlns:p14="http://schemas.microsoft.com/office/powerpoint/2010/main" val="3635757278"/>
+      </p:ext>
+    </p:extLst>
+  </p:cSld>
+  <p:clrMapOvr>
+    <a:masterClrMapping/>
+  </p:clrMapOvr>
+  <mc:AlternateContent xmlns:mc="http://schemas.openxmlformats.org/markup-compatibility/2006" xmlns:p14="http://schemas.microsoft.com/office/powerpoint/2010/main">
+    <mc:Choice Requires="p14">
+      <p:transition spd="slow" p14:dur="1700">
+        <p14:prism dir="r" isContent="1"/>
+      </p:transition>
+    </mc:Choice>
+    <mc:Fallback xmlns="">
+      <p:transition spd="slow">
+        <p:fade/>
+      </p:transition>
+    </mc:Fallback>
+  </mc:AlternateContent>
+</p:sld>
+</file>
+
+<file path=ppt/slides/slide11.xml><?xml version="1.0" encoding="utf-8"?>
+<p:sld xmlns:a="http://schemas.openxmlformats.org/drawingml/2006/main" xmlns:r="http://schemas.openxmlformats.org/officeDocument/2006/relationships" xmlns:p="http://schemas.openxmlformats.org/presentationml/2006/main">
+  <p:cSld>
+    <p:spTree>
+      <p:nvGrpSpPr>
+        <p:cNvPr id="1" name=""/>
+        <p:cNvGrpSpPr/>
+        <p:nvPr/>
+      </p:nvGrpSpPr>
+      <p:grpSpPr>
+        <a:xfrm>
+          <a:off x="0" y="0"/>
+          <a:ext cx="0" cy="0"/>
+          <a:chOff x="0" y="0"/>
+          <a:chExt cx="0" cy="0"/>
+        </a:xfrm>
+      </p:grpSpPr>
+      <p:grpSp>
+        <p:nvGrpSpPr>
+          <p:cNvPr id="433" name="Group 433"/>
+          <p:cNvGrpSpPr/>
+          <p:nvPr/>
+        </p:nvGrpSpPr>
+        <p:grpSpPr>
+          <a:xfrm>
             <a:off x="455790" y="116166"/>
             <a:ext cx="5640210" cy="3420081"/>
             <a:chOff x="43510" y="-764018"/>
@@ -4173,7 +4492,7 @@
             <a:effectLst/>
             <a:extLst>
               <a:ext uri="{C572A759-6A51-4108-AA02-DFA0A04FC94B}">
-                <ma14:wrappingTextBoxFlag xmlns:ma14="http://schemas.microsoft.com/office/mac/drawingml/2011/main" xmlns="" val="1"/>
+                <ma14:wrappingTextBoxFlag xmlns="" xmlns:ma14="http://schemas.microsoft.com/office/mac/drawingml/2011/main" val="1"/>
               </a:ext>
             </a:extLst>
           </p:spPr>
@@ -4218,7 +4537,7 @@
           <p:spPr>
             <a:xfrm>
               <a:off x="43510" y="2007002"/>
-              <a:ext cx="2959784" cy="482570"/>
+              <a:ext cx="8517203" cy="482570"/>
             </a:xfrm>
             <a:prstGeom prst="rect">
               <a:avLst/>
@@ -4231,7 +4550,7 @@
             <a:effectLst/>
             <a:extLst>
               <a:ext uri="{C572A759-6A51-4108-AA02-DFA0A04FC94B}">
-                <ma14:wrappingTextBoxFlag xmlns:ma14="http://schemas.microsoft.com/office/mac/drawingml/2011/main" xmlns="" val="1"/>
+                <ma14:wrappingTextBoxFlag xmlns="" xmlns:ma14="http://schemas.microsoft.com/office/mac/drawingml/2011/main" val="1"/>
               </a:ext>
             </a:extLst>
           </p:spPr>
@@ -4249,7 +4568,11 @@
               </a:pPr>
               <a:r>
                 <a:rPr lang="fr-CH" sz="1400" spc="300" dirty="0"/>
-                <a:t>United States</a:t>
+                <a:t>United States – Opinion Leaders’ </a:t>
+              </a:r>
+              <a:r>
+                <a:rPr lang="fr-CH" sz="1400" spc="300" dirty="0" err="1"/>
+                <a:t>Level</a:t>
               </a:r>
               <a:endParaRPr sz="1400" spc="300" dirty="0"/>
             </a:p>
@@ -4277,7 +4600,7 @@
             <a:effectLst/>
             <a:extLst>
               <a:ext uri="{C572A759-6A51-4108-AA02-DFA0A04FC94B}">
-                <ma14:wrappingTextBoxFlag xmlns:ma14="http://schemas.microsoft.com/office/mac/drawingml/2011/main" xmlns="" val="1"/>
+                <ma14:wrappingTextBoxFlag xmlns="" xmlns:ma14="http://schemas.microsoft.com/office/mac/drawingml/2011/main" val="1"/>
               </a:ext>
             </a:extLst>
           </p:spPr>
@@ -4335,7 +4658,18 @@
                 <a:rPr lang="fr-CH" sz="1200" dirty="0" err="1"/>
                 <a:t>Health</a:t>
               </a:r>
-              <a:endParaRPr lang="fr-CH" sz="1200" dirty="0"/>
+              <a:r>
+                <a:rPr lang="fr-CH" sz="1200" dirty="0"/>
+                <a:t> (</a:t>
+              </a:r>
+              <a:r>
+                <a:rPr lang="fr-CH" sz="1200" dirty="0" err="1"/>
+                <a:t>wordclouds</a:t>
+              </a:r>
+              <a:r>
+                <a:rPr lang="fr-CH" sz="1200" dirty="0"/>
+                <a:t> in Appendix)</a:t>
+              </a:r>
             </a:p>
             <a:p>
               <a:pPr marL="171450" indent="-171450">
@@ -4520,7 +4854,1141 @@
 </p:sld>
 </file>
 
-<file path=ppt/slides/slide11.xml><?xml version="1.0" encoding="utf-8"?>
+<file path=ppt/slides/slide12.xml><?xml version="1.0" encoding="utf-8"?>
+<p:sld xmlns:a="http://schemas.openxmlformats.org/drawingml/2006/main" xmlns:r="http://schemas.openxmlformats.org/officeDocument/2006/relationships" xmlns:p="http://schemas.openxmlformats.org/presentationml/2006/main">
+  <p:cSld>
+    <p:spTree>
+      <p:nvGrpSpPr>
+        <p:cNvPr id="1" name=""/>
+        <p:cNvGrpSpPr/>
+        <p:nvPr/>
+      </p:nvGrpSpPr>
+      <p:grpSpPr>
+        <a:xfrm>
+          <a:off x="0" y="0"/>
+          <a:ext cx="0" cy="0"/>
+          <a:chOff x="0" y="0"/>
+          <a:chExt cx="0" cy="0"/>
+        </a:xfrm>
+      </p:grpSpPr>
+      <p:grpSp>
+        <p:nvGrpSpPr>
+          <p:cNvPr id="433" name="Group 433"/>
+          <p:cNvGrpSpPr/>
+          <p:nvPr/>
+        </p:nvGrpSpPr>
+        <p:grpSpPr>
+          <a:xfrm>
+            <a:off x="455790" y="116166"/>
+            <a:ext cx="5640210" cy="2540673"/>
+            <a:chOff x="43510" y="-764018"/>
+            <a:chExt cx="11280419" cy="5081345"/>
+          </a:xfrm>
+        </p:grpSpPr>
+        <p:sp>
+          <p:nvSpPr>
+            <p:cNvPr id="430" name="Shape 430"/>
+            <p:cNvSpPr/>
+            <p:nvPr/>
+          </p:nvSpPr>
+          <p:spPr>
+            <a:xfrm>
+              <a:off x="43510" y="-764018"/>
+              <a:ext cx="11280419" cy="2517868"/>
+            </a:xfrm>
+            <a:prstGeom prst="rect">
+              <a:avLst/>
+            </a:prstGeom>
+            <a:noFill/>
+            <a:ln w="12700" cap="flat">
+              <a:noFill/>
+              <a:miter lim="400000"/>
+            </a:ln>
+            <a:effectLst/>
+            <a:extLst>
+              <a:ext uri="{C572A759-6A51-4108-AA02-DFA0A04FC94B}">
+                <ma14:wrappingTextBoxFlag xmlns="" xmlns:ma14="http://schemas.microsoft.com/office/mac/drawingml/2011/main" val="1"/>
+              </a:ext>
+            </a:extLst>
+          </p:spPr>
+          <p:txBody>
+            <a:bodyPr wrap="square" lIns="0" tIns="0" rIns="0" bIns="0" numCol="1" anchor="b">
+              <a:spAutoFit/>
+            </a:bodyPr>
+            <a:lstStyle/>
+            <a:p>
+              <a:pPr>
+                <a:lnSpc>
+                  <a:spcPct val="80000"/>
+                </a:lnSpc>
+                <a:defRPr sz="10100" b="1">
+                  <a:latin typeface="Didot"/>
+                  <a:ea typeface="Didot"/>
+                  <a:cs typeface="Didot"/>
+                  <a:sym typeface="Didot"/>
+                </a:defRPr>
+              </a:pPr>
+              <a:r>
+                <a:rPr lang="fr-CH" sz="5050" dirty="0"/>
+                <a:t>Sentiment </a:t>
+              </a:r>
+              <a:r>
+                <a:rPr lang="fr-CH" sz="5050" dirty="0" err="1"/>
+                <a:t>Analysis</a:t>
+              </a:r>
+              <a:r>
+                <a:rPr lang="fr-CH" sz="5050" dirty="0"/>
+                <a:t> by country</a:t>
+              </a:r>
+            </a:p>
+          </p:txBody>
+        </p:sp>
+        <p:sp>
+          <p:nvSpPr>
+            <p:cNvPr id="431" name="Shape 431"/>
+            <p:cNvSpPr/>
+            <p:nvPr/>
+          </p:nvSpPr>
+          <p:spPr>
+            <a:xfrm>
+              <a:off x="43510" y="2007001"/>
+              <a:ext cx="6904583" cy="482570"/>
+            </a:xfrm>
+            <a:prstGeom prst="rect">
+              <a:avLst/>
+            </a:prstGeom>
+            <a:noFill/>
+            <a:ln w="12700" cap="flat">
+              <a:noFill/>
+              <a:miter lim="400000"/>
+            </a:ln>
+            <a:effectLst/>
+            <a:extLst>
+              <a:ext uri="{C572A759-6A51-4108-AA02-DFA0A04FC94B}">
+                <ma14:wrappingTextBoxFlag xmlns="" xmlns:ma14="http://schemas.microsoft.com/office/mac/drawingml/2011/main" val="1"/>
+              </a:ext>
+            </a:extLst>
+          </p:spPr>
+          <p:txBody>
+            <a:bodyPr wrap="none" lIns="0" tIns="0" rIns="0" bIns="0" numCol="1" anchor="ctr">
+              <a:spAutoFit/>
+            </a:bodyPr>
+            <a:lstStyle/>
+            <a:p>
+              <a:pPr>
+                <a:lnSpc>
+                  <a:spcPct val="120000"/>
+                </a:lnSpc>
+                <a:defRPr sz="2400" spc="647"/>
+              </a:pPr>
+              <a:r>
+                <a:rPr lang="fr-CH" sz="1400" spc="300" dirty="0"/>
+                <a:t>United States – </a:t>
+              </a:r>
+              <a:r>
+                <a:rPr lang="fr-CH" sz="1400" spc="300" dirty="0" err="1"/>
+                <a:t>Country’s</a:t>
+              </a:r>
+              <a:r>
+                <a:rPr lang="fr-CH" sz="1400" spc="300" dirty="0"/>
+                <a:t> </a:t>
+              </a:r>
+              <a:r>
+                <a:rPr lang="fr-CH" sz="1400" spc="300" dirty="0" err="1"/>
+                <a:t>Level</a:t>
+              </a:r>
+              <a:endParaRPr sz="1400" spc="300" dirty="0"/>
+            </a:p>
+          </p:txBody>
+        </p:sp>
+        <p:sp>
+          <p:nvSpPr>
+            <p:cNvPr id="432" name="Shape 432"/>
+            <p:cNvSpPr/>
+            <p:nvPr/>
+          </p:nvSpPr>
+          <p:spPr>
+            <a:xfrm>
+              <a:off x="43510" y="3536215"/>
+              <a:ext cx="7175619" cy="781112"/>
+            </a:xfrm>
+            <a:prstGeom prst="rect">
+              <a:avLst/>
+            </a:prstGeom>
+            <a:noFill/>
+            <a:ln w="12700" cap="flat">
+              <a:noFill/>
+              <a:miter lim="400000"/>
+            </a:ln>
+            <a:effectLst/>
+            <a:extLst>
+              <a:ext uri="{C572A759-6A51-4108-AA02-DFA0A04FC94B}">
+                <ma14:wrappingTextBoxFlag xmlns="" xmlns:ma14="http://schemas.microsoft.com/office/mac/drawingml/2011/main" val="1"/>
+              </a:ext>
+            </a:extLst>
+          </p:spPr>
+          <p:txBody>
+            <a:bodyPr wrap="square" lIns="0" tIns="0" rIns="0" bIns="0" numCol="1" anchor="t">
+              <a:spAutoFit/>
+            </a:bodyPr>
+            <a:lstStyle>
+              <a:lvl1pPr algn="l" defTabSz="1828800">
+                <a:lnSpc>
+                  <a:spcPct val="110000"/>
+                </a:lnSpc>
+                <a:defRPr sz="2400">
+                  <a:latin typeface="PT Sans"/>
+                  <a:ea typeface="PT Sans"/>
+                  <a:cs typeface="PT Sans"/>
+                  <a:sym typeface="PT Sans"/>
+                </a:defRPr>
+              </a:lvl1pPr>
+            </a:lstStyle>
+            <a:p>
+              <a:pPr marL="171450" indent="-171450">
+                <a:buFont typeface="Arial" panose="020B0604020202020204" pitchFamily="34" charset="0"/>
+                <a:buChar char="•"/>
+              </a:pPr>
+              <a:r>
+                <a:rPr lang="fr-CH" sz="1200" dirty="0" err="1"/>
+                <a:t>Inferences</a:t>
+              </a:r>
+              <a:r>
+                <a:rPr lang="fr-CH" sz="1200" dirty="0"/>
+                <a:t> </a:t>
+              </a:r>
+              <a:r>
+                <a:rPr lang="fr-CH" sz="1200" dirty="0" err="1"/>
+                <a:t>from</a:t>
+              </a:r>
+              <a:r>
+                <a:rPr lang="fr-CH" sz="1200" dirty="0"/>
+                <a:t> </a:t>
+              </a:r>
+              <a:r>
+                <a:rPr lang="fr-CH" sz="1200" dirty="0" err="1"/>
+                <a:t>measures</a:t>
+              </a:r>
+              <a:endParaRPr lang="fr-CH" sz="1200" dirty="0"/>
+            </a:p>
+            <a:p>
+              <a:pPr marL="171450" indent="-171450">
+                <a:buFont typeface="Arial" panose="020B0604020202020204" pitchFamily="34" charset="0"/>
+                <a:buChar char="•"/>
+              </a:pPr>
+              <a:r>
+                <a:rPr lang="fr-CH" sz="1200" dirty="0" err="1"/>
+                <a:t>Wordcloud</a:t>
+              </a:r>
+              <a:endParaRPr lang="fr-CH" sz="1200" dirty="0"/>
+            </a:p>
+          </p:txBody>
+        </p:sp>
+      </p:grpSp>
+      <p:pic>
+        <p:nvPicPr>
+          <p:cNvPr id="7" name="Image 6">
+            <a:extLst>
+              <a:ext uri="{FF2B5EF4-FFF2-40B4-BE49-F238E27FC236}">
+                <a16:creationId xmlns:a16="http://schemas.microsoft.com/office/drawing/2014/main" id="{11958A7E-3223-4BD3-A74F-AE6280F643C5}"/>
+              </a:ext>
+            </a:extLst>
+          </p:cNvPr>
+          <p:cNvPicPr>
+            <a:picLocks noChangeAspect="1"/>
+          </p:cNvPicPr>
+          <p:nvPr/>
+        </p:nvPicPr>
+        <p:blipFill>
+          <a:blip r:embed="rId2">
+            <a:extLst>
+              <a:ext uri="{28A0092B-C50C-407E-A947-70E740481C1C}">
+                <a14:useLocalDpi xmlns:a14="http://schemas.microsoft.com/office/drawing/2010/main" val="0"/>
+              </a:ext>
+            </a:extLst>
+          </a:blip>
+          <a:stretch>
+            <a:fillRect/>
+          </a:stretch>
+        </p:blipFill>
+        <p:spPr>
+          <a:xfrm>
+            <a:off x="10635101" y="116166"/>
+            <a:ext cx="1380897" cy="301035"/>
+          </a:xfrm>
+          <a:prstGeom prst="rect">
+            <a:avLst/>
+          </a:prstGeom>
+        </p:spPr>
+      </p:pic>
+      <p:pic>
+        <p:nvPicPr>
+          <p:cNvPr id="10" name="Image 9" descr="Une image contenant eau, plage&#10;&#10;Description générée automatiquement">
+            <a:extLst>
+              <a:ext uri="{FF2B5EF4-FFF2-40B4-BE49-F238E27FC236}">
+                <a16:creationId xmlns:a16="http://schemas.microsoft.com/office/drawing/2014/main" id="{A2DBB42C-6767-4A66-B08B-3B34B61A6F6D}"/>
+              </a:ext>
+            </a:extLst>
+          </p:cNvPr>
+          <p:cNvPicPr>
+            <a:picLocks noChangeAspect="1"/>
+          </p:cNvPicPr>
+          <p:nvPr/>
+        </p:nvPicPr>
+        <p:blipFill>
+          <a:blip r:embed="rId3">
+            <a:extLst>
+              <a:ext uri="{28A0092B-C50C-407E-A947-70E740481C1C}">
+                <a14:useLocalDpi xmlns:a14="http://schemas.microsoft.com/office/drawing/2010/main" val="0"/>
+              </a:ext>
+            </a:extLst>
+          </a:blip>
+          <a:stretch>
+            <a:fillRect/>
+          </a:stretch>
+        </p:blipFill>
+        <p:spPr>
+          <a:xfrm>
+            <a:off x="935557" y="3827006"/>
+            <a:ext cx="9108838" cy="2914828"/>
+          </a:xfrm>
+          <a:prstGeom prst="rect">
+            <a:avLst/>
+          </a:prstGeom>
+        </p:spPr>
+      </p:pic>
+      <p:pic>
+        <p:nvPicPr>
+          <p:cNvPr id="12" name="Image 11">
+            <a:extLst>
+              <a:ext uri="{FF2B5EF4-FFF2-40B4-BE49-F238E27FC236}">
+                <a16:creationId xmlns:a16="http://schemas.microsoft.com/office/drawing/2014/main" id="{1D337F00-1666-4098-9673-6D2F9E1850B8}"/>
+              </a:ext>
+            </a:extLst>
+          </p:cNvPr>
+          <p:cNvPicPr>
+            <a:picLocks noChangeAspect="1"/>
+          </p:cNvPicPr>
+          <p:nvPr/>
+        </p:nvPicPr>
+        <p:blipFill rotWithShape="1">
+          <a:blip r:embed="rId4">
+            <a:extLst>
+              <a:ext uri="{28A0092B-C50C-407E-A947-70E740481C1C}">
+                <a14:useLocalDpi xmlns:a14="http://schemas.microsoft.com/office/drawing/2010/main" val="0"/>
+              </a:ext>
+            </a:extLst>
+          </a:blip>
+          <a:srcRect l="39087" r="38569"/>
+          <a:stretch/>
+        </p:blipFill>
+        <p:spPr>
+          <a:xfrm>
+            <a:off x="9012060" y="853631"/>
+            <a:ext cx="2724150" cy="3901440"/>
+          </a:xfrm>
+          <a:prstGeom prst="rect">
+            <a:avLst/>
+          </a:prstGeom>
+        </p:spPr>
+      </p:pic>
+    </p:spTree>
+    <p:extLst>
+      <p:ext uri="{BB962C8B-B14F-4D97-AF65-F5344CB8AC3E}">
+        <p14:creationId xmlns:p14="http://schemas.microsoft.com/office/powerpoint/2010/main" val="1334989693"/>
+      </p:ext>
+    </p:extLst>
+  </p:cSld>
+  <p:clrMapOvr>
+    <a:masterClrMapping/>
+  </p:clrMapOvr>
+  <mc:AlternateContent xmlns:mc="http://schemas.openxmlformats.org/markup-compatibility/2006" xmlns:p14="http://schemas.microsoft.com/office/powerpoint/2010/main">
+    <mc:Choice Requires="p14">
+      <p:transition spd="slow" p14:dur="1700">
+        <p14:prism dir="r" isContent="1"/>
+      </p:transition>
+    </mc:Choice>
+    <mc:Fallback xmlns="">
+      <p:transition spd="slow">
+        <p:fade/>
+      </p:transition>
+    </mc:Fallback>
+  </mc:AlternateContent>
+</p:sld>
+</file>
+
+<file path=ppt/slides/slide13.xml><?xml version="1.0" encoding="utf-8"?>
+<p:sld xmlns:a="http://schemas.openxmlformats.org/drawingml/2006/main" xmlns:r="http://schemas.openxmlformats.org/officeDocument/2006/relationships" xmlns:p="http://schemas.openxmlformats.org/presentationml/2006/main">
+  <p:cSld>
+    <p:spTree>
+      <p:nvGrpSpPr>
+        <p:cNvPr id="1" name=""/>
+        <p:cNvGrpSpPr/>
+        <p:nvPr/>
+      </p:nvGrpSpPr>
+      <p:grpSpPr>
+        <a:xfrm>
+          <a:off x="0" y="0"/>
+          <a:ext cx="0" cy="0"/>
+          <a:chOff x="0" y="0"/>
+          <a:chExt cx="0" cy="0"/>
+        </a:xfrm>
+      </p:grpSpPr>
+      <p:grpSp>
+        <p:nvGrpSpPr>
+          <p:cNvPr id="433" name="Group 433"/>
+          <p:cNvGrpSpPr/>
+          <p:nvPr/>
+        </p:nvGrpSpPr>
+        <p:grpSpPr>
+          <a:xfrm>
+            <a:off x="362359" y="212605"/>
+            <a:ext cx="5640210" cy="3539615"/>
+            <a:chOff x="-400050" y="286098"/>
+            <a:chExt cx="11280419" cy="7079229"/>
+          </a:xfrm>
+        </p:grpSpPr>
+        <p:sp>
+          <p:nvSpPr>
+            <p:cNvPr id="430" name="Shape 430"/>
+            <p:cNvSpPr/>
+            <p:nvPr/>
+          </p:nvSpPr>
+          <p:spPr>
+            <a:xfrm>
+              <a:off x="-400050" y="286098"/>
+              <a:ext cx="11280419" cy="2517868"/>
+            </a:xfrm>
+            <a:prstGeom prst="rect">
+              <a:avLst/>
+            </a:prstGeom>
+            <a:noFill/>
+            <a:ln w="12700" cap="flat">
+              <a:noFill/>
+              <a:miter lim="400000"/>
+            </a:ln>
+            <a:effectLst/>
+            <a:extLst>
+              <a:ext uri="{C572A759-6A51-4108-AA02-DFA0A04FC94B}">
+                <ma14:wrappingTextBoxFlag xmlns="" xmlns:ma14="http://schemas.microsoft.com/office/mac/drawingml/2011/main" val="1"/>
+              </a:ext>
+            </a:extLst>
+          </p:spPr>
+          <p:txBody>
+            <a:bodyPr wrap="square" lIns="0" tIns="0" rIns="0" bIns="0" numCol="1" anchor="b">
+              <a:spAutoFit/>
+            </a:bodyPr>
+            <a:lstStyle/>
+            <a:p>
+              <a:pPr>
+                <a:lnSpc>
+                  <a:spcPct val="80000"/>
+                </a:lnSpc>
+                <a:defRPr sz="10100" b="1">
+                  <a:latin typeface="Didot"/>
+                  <a:ea typeface="Didot"/>
+                  <a:cs typeface="Didot"/>
+                  <a:sym typeface="Didot"/>
+                </a:defRPr>
+              </a:pPr>
+              <a:r>
+                <a:rPr lang="fr-CH" sz="5050" dirty="0"/>
+                <a:t>Sentiment </a:t>
+              </a:r>
+              <a:r>
+                <a:rPr lang="fr-CH" sz="5050" dirty="0" err="1"/>
+                <a:t>Analysis</a:t>
+              </a:r>
+              <a:r>
+                <a:rPr lang="fr-CH" sz="5050" dirty="0"/>
+                <a:t> by country</a:t>
+              </a:r>
+              <a:endParaRPr sz="5050" dirty="0"/>
+            </a:p>
+          </p:txBody>
+        </p:sp>
+        <p:sp>
+          <p:nvSpPr>
+            <p:cNvPr id="431" name="Shape 431"/>
+            <p:cNvSpPr/>
+            <p:nvPr/>
+          </p:nvSpPr>
+          <p:spPr>
+            <a:xfrm>
+              <a:off x="-400050" y="2991080"/>
+              <a:ext cx="8993487" cy="482570"/>
+            </a:xfrm>
+            <a:prstGeom prst="rect">
+              <a:avLst/>
+            </a:prstGeom>
+            <a:noFill/>
+            <a:ln w="12700" cap="flat">
+              <a:noFill/>
+              <a:miter lim="400000"/>
+            </a:ln>
+            <a:effectLst/>
+            <a:extLst>
+              <a:ext uri="{C572A759-6A51-4108-AA02-DFA0A04FC94B}">
+                <ma14:wrappingTextBoxFlag xmlns="" xmlns:ma14="http://schemas.microsoft.com/office/mac/drawingml/2011/main" val="1"/>
+              </a:ext>
+            </a:extLst>
+          </p:spPr>
+          <p:txBody>
+            <a:bodyPr wrap="none" lIns="0" tIns="0" rIns="0" bIns="0" numCol="1" anchor="ctr">
+              <a:spAutoFit/>
+            </a:bodyPr>
+            <a:lstStyle/>
+            <a:p>
+              <a:pPr>
+                <a:lnSpc>
+                  <a:spcPct val="120000"/>
+                </a:lnSpc>
+                <a:defRPr sz="2400" spc="647"/>
+              </a:pPr>
+              <a:r>
+                <a:rPr lang="fr-CH" sz="1400" spc="300" dirty="0"/>
+                <a:t>United </a:t>
+              </a:r>
+              <a:r>
+                <a:rPr lang="fr-CH" sz="1400" spc="300" dirty="0" err="1"/>
+                <a:t>Kingdom</a:t>
+              </a:r>
+              <a:r>
+                <a:rPr lang="fr-CH" sz="1400" spc="300" dirty="0"/>
+                <a:t> – Opinion Leaders’ </a:t>
+              </a:r>
+              <a:r>
+                <a:rPr lang="fr-CH" sz="1400" spc="300" dirty="0" err="1"/>
+                <a:t>Level</a:t>
+              </a:r>
+              <a:endParaRPr sz="1400" spc="300" dirty="0"/>
+            </a:p>
+          </p:txBody>
+        </p:sp>
+        <p:sp>
+          <p:nvSpPr>
+            <p:cNvPr id="432" name="Shape 432"/>
+            <p:cNvSpPr/>
+            <p:nvPr/>
+          </p:nvSpPr>
+          <p:spPr>
+            <a:xfrm>
+              <a:off x="-204138" y="6584215"/>
+              <a:ext cx="8264367" cy="781112"/>
+            </a:xfrm>
+            <a:prstGeom prst="rect">
+              <a:avLst/>
+            </a:prstGeom>
+            <a:noFill/>
+            <a:ln w="12700" cap="flat">
+              <a:noFill/>
+              <a:miter lim="400000"/>
+            </a:ln>
+            <a:effectLst/>
+            <a:extLst>
+              <a:ext uri="{C572A759-6A51-4108-AA02-DFA0A04FC94B}">
+                <ma14:wrappingTextBoxFlag xmlns="" xmlns:ma14="http://schemas.microsoft.com/office/mac/drawingml/2011/main" val="1"/>
+              </a:ext>
+            </a:extLst>
+          </p:spPr>
+          <p:txBody>
+            <a:bodyPr wrap="square" lIns="0" tIns="0" rIns="0" bIns="0" numCol="1" anchor="t">
+              <a:spAutoFit/>
+            </a:bodyPr>
+            <a:lstStyle>
+              <a:lvl1pPr algn="l" defTabSz="1828800">
+                <a:lnSpc>
+                  <a:spcPct val="110000"/>
+                </a:lnSpc>
+                <a:defRPr sz="2400">
+                  <a:latin typeface="PT Sans"/>
+                  <a:ea typeface="PT Sans"/>
+                  <a:cs typeface="PT Sans"/>
+                  <a:sym typeface="PT Sans"/>
+                </a:defRPr>
+              </a:lvl1pPr>
+            </a:lstStyle>
+            <a:p>
+              <a:pPr marL="171450" indent="-171450">
+                <a:buFont typeface="Arial" panose="020B0604020202020204" pitchFamily="34" charset="0"/>
+                <a:buChar char="•"/>
+              </a:pPr>
+              <a:r>
+                <a:rPr lang="fr-CH" sz="1200" dirty="0"/>
+                <a:t>Boris Johnson, Emily </a:t>
+              </a:r>
+              <a:r>
+                <a:rPr lang="fr-CH" sz="1200" dirty="0" err="1"/>
+                <a:t>Maitlis</a:t>
+              </a:r>
+              <a:r>
+                <a:rPr lang="fr-CH" sz="1200" dirty="0"/>
+                <a:t>, BBC </a:t>
+              </a:r>
+              <a:r>
+                <a:rPr lang="fr-CH" sz="1200" dirty="0" err="1"/>
+                <a:t>Health</a:t>
+              </a:r>
+              <a:r>
+                <a:rPr lang="fr-CH" sz="1200" dirty="0"/>
+                <a:t> News</a:t>
+              </a:r>
+            </a:p>
+            <a:p>
+              <a:pPr marL="171450" indent="-171450">
+                <a:buFont typeface="Arial" panose="020B0604020202020204" pitchFamily="34" charset="0"/>
+                <a:buChar char="•"/>
+              </a:pPr>
+              <a:r>
+                <a:rPr lang="fr-CH" sz="1200" dirty="0" err="1"/>
+                <a:t>Differences</a:t>
+              </a:r>
+              <a:endParaRPr lang="fr-CH" sz="1200" dirty="0"/>
+            </a:p>
+          </p:txBody>
+        </p:sp>
+      </p:grpSp>
+      <p:pic>
+        <p:nvPicPr>
+          <p:cNvPr id="7" name="Image 6">
+            <a:extLst>
+              <a:ext uri="{FF2B5EF4-FFF2-40B4-BE49-F238E27FC236}">
+                <a16:creationId xmlns:a16="http://schemas.microsoft.com/office/drawing/2014/main" id="{F6DCB3E1-3D44-4043-BC50-C3FBD75FD0A7}"/>
+              </a:ext>
+            </a:extLst>
+          </p:cNvPr>
+          <p:cNvPicPr>
+            <a:picLocks noChangeAspect="1"/>
+          </p:cNvPicPr>
+          <p:nvPr/>
+        </p:nvPicPr>
+        <p:blipFill>
+          <a:blip r:embed="rId2">
+            <a:extLst>
+              <a:ext uri="{28A0092B-C50C-407E-A947-70E740481C1C}">
+                <a14:useLocalDpi xmlns:a14="http://schemas.microsoft.com/office/drawing/2010/main" val="0"/>
+              </a:ext>
+            </a:extLst>
+          </a:blip>
+          <a:stretch>
+            <a:fillRect/>
+          </a:stretch>
+        </p:blipFill>
+        <p:spPr>
+          <a:xfrm>
+            <a:off x="10635101" y="116166"/>
+            <a:ext cx="1380897" cy="301035"/>
+          </a:xfrm>
+          <a:prstGeom prst="rect">
+            <a:avLst/>
+          </a:prstGeom>
+        </p:spPr>
+      </p:pic>
+      <p:pic>
+        <p:nvPicPr>
+          <p:cNvPr id="8" name="Image 7">
+            <a:extLst>
+              <a:ext uri="{FF2B5EF4-FFF2-40B4-BE49-F238E27FC236}">
+                <a16:creationId xmlns:a16="http://schemas.microsoft.com/office/drawing/2014/main" id="{4533AFA6-6851-457C-9706-FB69C93991A1}"/>
+              </a:ext>
+            </a:extLst>
+          </p:cNvPr>
+          <p:cNvPicPr>
+            <a:picLocks noChangeAspect="1"/>
+          </p:cNvPicPr>
+          <p:nvPr/>
+        </p:nvPicPr>
+        <p:blipFill>
+          <a:blip r:embed="rId3">
+            <a:extLst>
+              <a:ext uri="{28A0092B-C50C-407E-A947-70E740481C1C}">
+                <a14:useLocalDpi xmlns:a14="http://schemas.microsoft.com/office/drawing/2010/main" val="0"/>
+              </a:ext>
+            </a:extLst>
+          </a:blip>
+          <a:stretch>
+            <a:fillRect/>
+          </a:stretch>
+        </p:blipFill>
+        <p:spPr>
+          <a:xfrm>
+            <a:off x="5181600" y="797599"/>
+            <a:ext cx="6834397" cy="2187007"/>
+          </a:xfrm>
+          <a:prstGeom prst="rect">
+            <a:avLst/>
+          </a:prstGeom>
+        </p:spPr>
+      </p:pic>
+      <p:pic>
+        <p:nvPicPr>
+          <p:cNvPr id="5" name="Image 4" descr="Une image contenant miroir&#10;&#10;Description générée automatiquement">
+            <a:extLst>
+              <a:ext uri="{FF2B5EF4-FFF2-40B4-BE49-F238E27FC236}">
+                <a16:creationId xmlns:a16="http://schemas.microsoft.com/office/drawing/2014/main" id="{1FFDE5A4-773B-4CD8-B889-C790E98B6F04}"/>
+              </a:ext>
+            </a:extLst>
+          </p:cNvPr>
+          <p:cNvPicPr>
+            <a:picLocks noChangeAspect="1"/>
+          </p:cNvPicPr>
+          <p:nvPr/>
+        </p:nvPicPr>
+        <p:blipFill>
+          <a:blip r:embed="rId4">
+            <a:extLst>
+              <a:ext uri="{28A0092B-C50C-407E-A947-70E740481C1C}">
+                <a14:useLocalDpi xmlns:a14="http://schemas.microsoft.com/office/drawing/2010/main" val="0"/>
+              </a:ext>
+            </a:extLst>
+          </a:blip>
+          <a:stretch>
+            <a:fillRect/>
+          </a:stretch>
+        </p:blipFill>
+        <p:spPr>
+          <a:xfrm>
+            <a:off x="5181600" y="2658716"/>
+            <a:ext cx="6834397" cy="2187007"/>
+          </a:xfrm>
+          <a:prstGeom prst="rect">
+            <a:avLst/>
+          </a:prstGeom>
+        </p:spPr>
+      </p:pic>
+      <p:pic>
+        <p:nvPicPr>
+          <p:cNvPr id="12" name="Image 11" descr="Une image contenant photo, debout, homme, groupe&#10;&#10;Description générée automatiquement">
+            <a:extLst>
+              <a:ext uri="{FF2B5EF4-FFF2-40B4-BE49-F238E27FC236}">
+                <a16:creationId xmlns:a16="http://schemas.microsoft.com/office/drawing/2014/main" id="{30DAA3D4-342A-4389-82DD-F1BCEC0ED035}"/>
+              </a:ext>
+            </a:extLst>
+          </p:cNvPr>
+          <p:cNvPicPr>
+            <a:picLocks noChangeAspect="1"/>
+          </p:cNvPicPr>
+          <p:nvPr/>
+        </p:nvPicPr>
+        <p:blipFill>
+          <a:blip r:embed="rId5">
+            <a:extLst>
+              <a:ext uri="{28A0092B-C50C-407E-A947-70E740481C1C}">
+                <a14:useLocalDpi xmlns:a14="http://schemas.microsoft.com/office/drawing/2010/main" val="0"/>
+              </a:ext>
+            </a:extLst>
+          </a:blip>
+          <a:stretch>
+            <a:fillRect/>
+          </a:stretch>
+        </p:blipFill>
+        <p:spPr>
+          <a:xfrm>
+            <a:off x="5181599" y="4554827"/>
+            <a:ext cx="6834397" cy="2187007"/>
+          </a:xfrm>
+          <a:prstGeom prst="rect">
+            <a:avLst/>
+          </a:prstGeom>
+        </p:spPr>
+      </p:pic>
+    </p:spTree>
+    <p:extLst>
+      <p:ext uri="{BB962C8B-B14F-4D97-AF65-F5344CB8AC3E}">
+        <p14:creationId xmlns:p14="http://schemas.microsoft.com/office/powerpoint/2010/main" val="1073906213"/>
+      </p:ext>
+    </p:extLst>
+  </p:cSld>
+  <p:clrMapOvr>
+    <a:masterClrMapping/>
+  </p:clrMapOvr>
+  <mc:AlternateContent xmlns:mc="http://schemas.openxmlformats.org/markup-compatibility/2006" xmlns:p14="http://schemas.microsoft.com/office/powerpoint/2010/main">
+    <mc:Choice Requires="p14">
+      <p:transition spd="slow" p14:dur="1700">
+        <p14:prism dir="r" isContent="1"/>
+      </p:transition>
+    </mc:Choice>
+    <mc:Fallback xmlns="">
+      <p:transition spd="slow">
+        <p:fade/>
+      </p:transition>
+    </mc:Fallback>
+  </mc:AlternateContent>
+</p:sld>
+</file>
+
+<file path=ppt/slides/slide14.xml><?xml version="1.0" encoding="utf-8"?>
+<p:sld xmlns:a="http://schemas.openxmlformats.org/drawingml/2006/main" xmlns:r="http://schemas.openxmlformats.org/officeDocument/2006/relationships" xmlns:p="http://schemas.openxmlformats.org/presentationml/2006/main">
+  <p:cSld>
+    <p:spTree>
+      <p:nvGrpSpPr>
+        <p:cNvPr id="1" name=""/>
+        <p:cNvGrpSpPr/>
+        <p:nvPr/>
+      </p:nvGrpSpPr>
+      <p:grpSpPr>
+        <a:xfrm>
+          <a:off x="0" y="0"/>
+          <a:ext cx="0" cy="0"/>
+          <a:chOff x="0" y="0"/>
+          <a:chExt cx="0" cy="0"/>
+        </a:xfrm>
+      </p:grpSpPr>
+      <p:grpSp>
+        <p:nvGrpSpPr>
+          <p:cNvPr id="433" name="Group 433"/>
+          <p:cNvGrpSpPr/>
+          <p:nvPr/>
+        </p:nvGrpSpPr>
+        <p:grpSpPr>
+          <a:xfrm>
+            <a:off x="455790" y="116166"/>
+            <a:ext cx="5640210" cy="2540673"/>
+            <a:chOff x="43510" y="-764018"/>
+            <a:chExt cx="11280419" cy="5081345"/>
+          </a:xfrm>
+        </p:grpSpPr>
+        <p:sp>
+          <p:nvSpPr>
+            <p:cNvPr id="430" name="Shape 430"/>
+            <p:cNvSpPr/>
+            <p:nvPr/>
+          </p:nvSpPr>
+          <p:spPr>
+            <a:xfrm>
+              <a:off x="43510" y="-764018"/>
+              <a:ext cx="11280419" cy="2517868"/>
+            </a:xfrm>
+            <a:prstGeom prst="rect">
+              <a:avLst/>
+            </a:prstGeom>
+            <a:noFill/>
+            <a:ln w="12700" cap="flat">
+              <a:noFill/>
+              <a:miter lim="400000"/>
+            </a:ln>
+            <a:effectLst/>
+            <a:extLst>
+              <a:ext uri="{C572A759-6A51-4108-AA02-DFA0A04FC94B}">
+                <ma14:wrappingTextBoxFlag xmlns="" xmlns:ma14="http://schemas.microsoft.com/office/mac/drawingml/2011/main" val="1"/>
+              </a:ext>
+            </a:extLst>
+          </p:spPr>
+          <p:txBody>
+            <a:bodyPr wrap="square" lIns="0" tIns="0" rIns="0" bIns="0" numCol="1" anchor="b">
+              <a:spAutoFit/>
+            </a:bodyPr>
+            <a:lstStyle/>
+            <a:p>
+              <a:pPr>
+                <a:lnSpc>
+                  <a:spcPct val="80000"/>
+                </a:lnSpc>
+                <a:defRPr sz="10100" b="1">
+                  <a:latin typeface="Didot"/>
+                  <a:ea typeface="Didot"/>
+                  <a:cs typeface="Didot"/>
+                  <a:sym typeface="Didot"/>
+                </a:defRPr>
+              </a:pPr>
+              <a:r>
+                <a:rPr lang="fr-CH" sz="5050" dirty="0"/>
+                <a:t>Sentiment </a:t>
+              </a:r>
+              <a:r>
+                <a:rPr lang="fr-CH" sz="5050" dirty="0" err="1"/>
+                <a:t>Analysis</a:t>
+              </a:r>
+              <a:r>
+                <a:rPr lang="fr-CH" sz="5050" dirty="0"/>
+                <a:t> by country</a:t>
+              </a:r>
+            </a:p>
+          </p:txBody>
+        </p:sp>
+        <p:sp>
+          <p:nvSpPr>
+            <p:cNvPr id="431" name="Shape 431"/>
+            <p:cNvSpPr/>
+            <p:nvPr/>
+          </p:nvSpPr>
+          <p:spPr>
+            <a:xfrm>
+              <a:off x="43510" y="2007001"/>
+              <a:ext cx="7380867" cy="482570"/>
+            </a:xfrm>
+            <a:prstGeom prst="rect">
+              <a:avLst/>
+            </a:prstGeom>
+            <a:noFill/>
+            <a:ln w="12700" cap="flat">
+              <a:noFill/>
+              <a:miter lim="400000"/>
+            </a:ln>
+            <a:effectLst/>
+            <a:extLst>
+              <a:ext uri="{C572A759-6A51-4108-AA02-DFA0A04FC94B}">
+                <ma14:wrappingTextBoxFlag xmlns="" xmlns:ma14="http://schemas.microsoft.com/office/mac/drawingml/2011/main" val="1"/>
+              </a:ext>
+            </a:extLst>
+          </p:spPr>
+          <p:txBody>
+            <a:bodyPr wrap="none" lIns="0" tIns="0" rIns="0" bIns="0" numCol="1" anchor="ctr">
+              <a:spAutoFit/>
+            </a:bodyPr>
+            <a:lstStyle/>
+            <a:p>
+              <a:pPr>
+                <a:lnSpc>
+                  <a:spcPct val="120000"/>
+                </a:lnSpc>
+                <a:defRPr sz="2400" spc="647"/>
+              </a:pPr>
+              <a:r>
+                <a:rPr lang="fr-CH" sz="1400" spc="300" dirty="0"/>
+                <a:t>United </a:t>
+              </a:r>
+              <a:r>
+                <a:rPr lang="fr-CH" sz="1400" spc="300" dirty="0" err="1"/>
+                <a:t>Kingdom</a:t>
+              </a:r>
+              <a:r>
+                <a:rPr lang="fr-CH" sz="1400" spc="300" dirty="0"/>
+                <a:t> – </a:t>
+              </a:r>
+              <a:r>
+                <a:rPr lang="fr-CH" sz="1400" spc="300" dirty="0" err="1"/>
+                <a:t>Country’s</a:t>
+              </a:r>
+              <a:r>
+                <a:rPr lang="fr-CH" sz="1400" spc="300" dirty="0"/>
+                <a:t> </a:t>
+              </a:r>
+              <a:r>
+                <a:rPr lang="fr-CH" sz="1400" spc="300" dirty="0" err="1"/>
+                <a:t>Level</a:t>
+              </a:r>
+              <a:endParaRPr sz="1400" spc="300" dirty="0"/>
+            </a:p>
+          </p:txBody>
+        </p:sp>
+        <p:sp>
+          <p:nvSpPr>
+            <p:cNvPr id="432" name="Shape 432"/>
+            <p:cNvSpPr/>
+            <p:nvPr/>
+          </p:nvSpPr>
+          <p:spPr>
+            <a:xfrm>
+              <a:off x="43510" y="3536215"/>
+              <a:ext cx="7175619" cy="781112"/>
+            </a:xfrm>
+            <a:prstGeom prst="rect">
+              <a:avLst/>
+            </a:prstGeom>
+            <a:noFill/>
+            <a:ln w="12700" cap="flat">
+              <a:noFill/>
+              <a:miter lim="400000"/>
+            </a:ln>
+            <a:effectLst/>
+            <a:extLst>
+              <a:ext uri="{C572A759-6A51-4108-AA02-DFA0A04FC94B}">
+                <ma14:wrappingTextBoxFlag xmlns="" xmlns:ma14="http://schemas.microsoft.com/office/mac/drawingml/2011/main" val="1"/>
+              </a:ext>
+            </a:extLst>
+          </p:spPr>
+          <p:txBody>
+            <a:bodyPr wrap="square" lIns="0" tIns="0" rIns="0" bIns="0" numCol="1" anchor="t">
+              <a:spAutoFit/>
+            </a:bodyPr>
+            <a:lstStyle>
+              <a:lvl1pPr algn="l" defTabSz="1828800">
+                <a:lnSpc>
+                  <a:spcPct val="110000"/>
+                </a:lnSpc>
+                <a:defRPr sz="2400">
+                  <a:latin typeface="PT Sans"/>
+                  <a:ea typeface="PT Sans"/>
+                  <a:cs typeface="PT Sans"/>
+                  <a:sym typeface="PT Sans"/>
+                </a:defRPr>
+              </a:lvl1pPr>
+            </a:lstStyle>
+            <a:p>
+              <a:pPr marL="171450" indent="-171450">
+                <a:buFont typeface="Arial" panose="020B0604020202020204" pitchFamily="34" charset="0"/>
+                <a:buChar char="•"/>
+              </a:pPr>
+              <a:r>
+                <a:rPr lang="fr-CH" sz="1200" dirty="0" err="1"/>
+                <a:t>Inferences</a:t>
+              </a:r>
+              <a:r>
+                <a:rPr lang="fr-CH" sz="1200" dirty="0"/>
+                <a:t> </a:t>
+              </a:r>
+              <a:r>
+                <a:rPr lang="fr-CH" sz="1200" dirty="0" err="1"/>
+                <a:t>from</a:t>
+              </a:r>
+              <a:r>
+                <a:rPr lang="fr-CH" sz="1200" dirty="0"/>
+                <a:t> </a:t>
+              </a:r>
+              <a:r>
+                <a:rPr lang="fr-CH" sz="1200" dirty="0" err="1"/>
+                <a:t>measures</a:t>
+              </a:r>
+              <a:endParaRPr lang="fr-CH" sz="1200" dirty="0"/>
+            </a:p>
+            <a:p>
+              <a:pPr marL="171450" indent="-171450">
+                <a:buFont typeface="Arial" panose="020B0604020202020204" pitchFamily="34" charset="0"/>
+                <a:buChar char="•"/>
+              </a:pPr>
+              <a:r>
+                <a:rPr lang="fr-CH" sz="1200" dirty="0" err="1"/>
+                <a:t>Wordcloud</a:t>
+              </a:r>
+              <a:endParaRPr lang="fr-CH" sz="1200" dirty="0"/>
+            </a:p>
+          </p:txBody>
+        </p:sp>
+      </p:grpSp>
+      <p:pic>
+        <p:nvPicPr>
+          <p:cNvPr id="7" name="Image 6">
+            <a:extLst>
+              <a:ext uri="{FF2B5EF4-FFF2-40B4-BE49-F238E27FC236}">
+                <a16:creationId xmlns:a16="http://schemas.microsoft.com/office/drawing/2014/main" id="{11958A7E-3223-4BD3-A74F-AE6280F643C5}"/>
+              </a:ext>
+            </a:extLst>
+          </p:cNvPr>
+          <p:cNvPicPr>
+            <a:picLocks noChangeAspect="1"/>
+          </p:cNvPicPr>
+          <p:nvPr/>
+        </p:nvPicPr>
+        <p:blipFill>
+          <a:blip r:embed="rId2">
+            <a:extLst>
+              <a:ext uri="{28A0092B-C50C-407E-A947-70E740481C1C}">
+                <a14:useLocalDpi xmlns:a14="http://schemas.microsoft.com/office/drawing/2010/main" val="0"/>
+              </a:ext>
+            </a:extLst>
+          </a:blip>
+          <a:stretch>
+            <a:fillRect/>
+          </a:stretch>
+        </p:blipFill>
+        <p:spPr>
+          <a:xfrm>
+            <a:off x="10635101" y="116166"/>
+            <a:ext cx="1380897" cy="301035"/>
+          </a:xfrm>
+          <a:prstGeom prst="rect">
+            <a:avLst/>
+          </a:prstGeom>
+        </p:spPr>
+      </p:pic>
+      <p:pic>
+        <p:nvPicPr>
+          <p:cNvPr id="3" name="Image 2" descr="Une image contenant table&#10;&#10;Description générée automatiquement">
+            <a:extLst>
+              <a:ext uri="{FF2B5EF4-FFF2-40B4-BE49-F238E27FC236}">
+                <a16:creationId xmlns:a16="http://schemas.microsoft.com/office/drawing/2014/main" id="{CD9AB4EB-FF2F-4320-A70F-1913FA5418CE}"/>
+              </a:ext>
+            </a:extLst>
+          </p:cNvPr>
+          <p:cNvPicPr>
+            <a:picLocks noChangeAspect="1"/>
+          </p:cNvPicPr>
+          <p:nvPr/>
+        </p:nvPicPr>
+        <p:blipFill>
+          <a:blip r:embed="rId3">
+            <a:extLst>
+              <a:ext uri="{28A0092B-C50C-407E-A947-70E740481C1C}">
+                <a14:useLocalDpi xmlns:a14="http://schemas.microsoft.com/office/drawing/2010/main" val="0"/>
+              </a:ext>
+            </a:extLst>
+          </a:blip>
+          <a:stretch>
+            <a:fillRect/>
+          </a:stretch>
+        </p:blipFill>
+        <p:spPr>
+          <a:xfrm>
+            <a:off x="704850" y="3505921"/>
+            <a:ext cx="10056990" cy="3218237"/>
+          </a:xfrm>
+          <a:prstGeom prst="rect">
+            <a:avLst/>
+          </a:prstGeom>
+        </p:spPr>
+      </p:pic>
+      <p:pic>
+        <p:nvPicPr>
+          <p:cNvPr id="5" name="Image 4" descr="Une image contenant capture d’écran&#10;&#10;Description générée automatiquement">
+            <a:extLst>
+              <a:ext uri="{FF2B5EF4-FFF2-40B4-BE49-F238E27FC236}">
+                <a16:creationId xmlns:a16="http://schemas.microsoft.com/office/drawing/2014/main" id="{BE422D5F-012F-4319-BD30-B4063C2A7E89}"/>
+              </a:ext>
+            </a:extLst>
+          </p:cNvPr>
+          <p:cNvPicPr>
+            <a:picLocks noChangeAspect="1"/>
+          </p:cNvPicPr>
+          <p:nvPr/>
+        </p:nvPicPr>
+        <p:blipFill rotWithShape="1">
+          <a:blip r:embed="rId4">
+            <a:extLst>
+              <a:ext uri="{28A0092B-C50C-407E-A947-70E740481C1C}">
+                <a14:useLocalDpi xmlns:a14="http://schemas.microsoft.com/office/drawing/2010/main" val="0"/>
+              </a:ext>
+            </a:extLst>
+          </a:blip>
+          <a:srcRect l="32422" r="31875"/>
+          <a:stretch/>
+        </p:blipFill>
+        <p:spPr>
+          <a:xfrm>
+            <a:off x="6096000" y="417201"/>
+            <a:ext cx="4352925" cy="3901440"/>
+          </a:xfrm>
+          <a:prstGeom prst="rect">
+            <a:avLst/>
+          </a:prstGeom>
+        </p:spPr>
+      </p:pic>
+    </p:spTree>
+    <p:extLst>
+      <p:ext uri="{BB962C8B-B14F-4D97-AF65-F5344CB8AC3E}">
+        <p14:creationId xmlns:p14="http://schemas.microsoft.com/office/powerpoint/2010/main" val="1901185873"/>
+      </p:ext>
+    </p:extLst>
+  </p:cSld>
+  <p:clrMapOvr>
+    <a:masterClrMapping/>
+  </p:clrMapOvr>
+  <mc:AlternateContent xmlns:mc="http://schemas.openxmlformats.org/markup-compatibility/2006" xmlns:p14="http://schemas.microsoft.com/office/powerpoint/2010/main">
+    <mc:Choice Requires="p14">
+      <p:transition spd="slow" p14:dur="1700">
+        <p14:prism dir="r" isContent="1"/>
+      </p:transition>
+    </mc:Choice>
+    <mc:Fallback xmlns="">
+      <p:transition spd="slow">
+        <p:fade/>
+      </p:transition>
+    </mc:Fallback>
+  </mc:AlternateContent>
+</p:sld>
+</file>
+
+<file path=ppt/slides/slide15.xml><?xml version="1.0" encoding="utf-8"?>
 <p:sld xmlns:a="http://schemas.openxmlformats.org/drawingml/2006/main" xmlns:r="http://schemas.openxmlformats.org/officeDocument/2006/relationships" xmlns:p="http://schemas.openxmlformats.org/presentationml/2006/main">
   <p:cSld>
     <p:spTree>
@@ -4573,7 +6041,7 @@
             <a:effectLst/>
             <a:extLst>
               <a:ext uri="{C572A759-6A51-4108-AA02-DFA0A04FC94B}">
-                <ma14:wrappingTextBoxFlag xmlns:ma14="http://schemas.microsoft.com/office/mac/drawingml/2011/main" xmlns="" val="1"/>
+                <ma14:wrappingTextBoxFlag xmlns="" xmlns:ma14="http://schemas.microsoft.com/office/mac/drawingml/2011/main" val="1"/>
               </a:ext>
             </a:extLst>
           </p:spPr>
@@ -4619,7 +6087,7 @@
           <p:spPr>
             <a:xfrm>
               <a:off x="43510" y="3711313"/>
-              <a:ext cx="2292422" cy="413702"/>
+              <a:ext cx="1680590" cy="413702"/>
             </a:xfrm>
             <a:prstGeom prst="rect">
               <a:avLst/>
@@ -4632,7 +6100,7 @@
             <a:effectLst/>
             <a:extLst>
               <a:ext uri="{C572A759-6A51-4108-AA02-DFA0A04FC94B}">
-                <ma14:wrappingTextBoxFlag xmlns:ma14="http://schemas.microsoft.com/office/mac/drawingml/2011/main" xmlns="" val="1"/>
+                <ma14:wrappingTextBoxFlag xmlns="" xmlns:ma14="http://schemas.microsoft.com/office/mac/drawingml/2011/main" val="1"/>
               </a:ext>
             </a:extLst>
           </p:spPr>
@@ -4649,8 +6117,8 @@
                 <a:defRPr sz="2400" spc="647"/>
               </a:pPr>
               <a:r>
-                <a:rPr lang="fr-CH" sz="1200" spc="300" dirty="0" err="1"/>
-                <a:t>Switzerland</a:t>
+                <a:rPr lang="fr-CH" sz="1200" spc="300" dirty="0"/>
+                <a:t>Germany</a:t>
               </a:r>
               <a:endParaRPr sz="1200" spc="300" dirty="0"/>
             </a:p>
@@ -4678,655 +6146,7 @@
             <a:effectLst/>
             <a:extLst>
               <a:ext uri="{C572A759-6A51-4108-AA02-DFA0A04FC94B}">
-                <ma14:wrappingTextBoxFlag xmlns:ma14="http://schemas.microsoft.com/office/mac/drawingml/2011/main" xmlns="" val="1"/>
-              </a:ext>
-            </a:extLst>
-          </p:spPr>
-          <p:txBody>
-            <a:bodyPr wrap="square" lIns="0" tIns="0" rIns="0" bIns="0" numCol="1" anchor="t">
-              <a:spAutoFit/>
-            </a:bodyPr>
-            <a:lstStyle>
-              <a:lvl1pPr algn="l" defTabSz="1828800">
-                <a:lnSpc>
-                  <a:spcPct val="110000"/>
-                </a:lnSpc>
-                <a:defRPr sz="2400">
-                  <a:latin typeface="PT Sans"/>
-                  <a:ea typeface="PT Sans"/>
-                  <a:cs typeface="PT Sans"/>
-                  <a:sym typeface="PT Sans"/>
-                </a:defRPr>
-              </a:lvl1pPr>
-            </a:lstStyle>
-            <a:p>
-              <a:pPr marL="171450" indent="-171450">
-                <a:buFont typeface="Arial" panose="020B0604020202020204" pitchFamily="34" charset="0"/>
-                <a:buChar char="•"/>
-              </a:pPr>
-              <a:r>
-                <a:rPr lang="fr-CH" sz="1200" dirty="0"/>
-                <a:t>Alain Berset, Roger Federer, NZZ</a:t>
-              </a:r>
-            </a:p>
-            <a:p>
-              <a:pPr marL="171450" indent="-171450">
-                <a:buFont typeface="Arial" panose="020B0604020202020204" pitchFamily="34" charset="0"/>
-                <a:buChar char="•"/>
-              </a:pPr>
-              <a:r>
-                <a:rPr lang="fr-CH" sz="1200" dirty="0" err="1"/>
-                <a:t>Differences</a:t>
-              </a:r>
-              <a:endParaRPr lang="fr-CH" sz="1200" dirty="0"/>
-            </a:p>
-          </p:txBody>
-        </p:sp>
-      </p:grpSp>
-      <p:pic>
-        <p:nvPicPr>
-          <p:cNvPr id="7" name="Image 6">
-            <a:extLst>
-              <a:ext uri="{FF2B5EF4-FFF2-40B4-BE49-F238E27FC236}">
-                <a16:creationId xmlns:a16="http://schemas.microsoft.com/office/drawing/2014/main" id="{B4444ABC-5CCA-4658-AEF0-0FEEC78340BD}"/>
-              </a:ext>
-            </a:extLst>
-          </p:cNvPr>
-          <p:cNvPicPr>
-            <a:picLocks noChangeAspect="1"/>
-          </p:cNvPicPr>
-          <p:nvPr/>
-        </p:nvPicPr>
-        <p:blipFill>
-          <a:blip r:embed="rId2">
-            <a:extLst>
-              <a:ext uri="{28A0092B-C50C-407E-A947-70E740481C1C}">
-                <a14:useLocalDpi xmlns:a14="http://schemas.microsoft.com/office/drawing/2010/main" val="0"/>
-              </a:ext>
-            </a:extLst>
-          </a:blip>
-          <a:stretch>
-            <a:fillRect/>
-          </a:stretch>
-        </p:blipFill>
-        <p:spPr>
-          <a:xfrm>
-            <a:off x="10635101" y="116166"/>
-            <a:ext cx="1380897" cy="301035"/>
-          </a:xfrm>
-          <a:prstGeom prst="rect">
-            <a:avLst/>
-          </a:prstGeom>
-        </p:spPr>
-      </p:pic>
-    </p:spTree>
-    <p:extLst>
-      <p:ext uri="{BB962C8B-B14F-4D97-AF65-F5344CB8AC3E}">
-        <p14:creationId xmlns:p14="http://schemas.microsoft.com/office/powerpoint/2010/main" val="2477835305"/>
-      </p:ext>
-    </p:extLst>
-  </p:cSld>
-  <p:clrMapOvr>
-    <a:masterClrMapping/>
-  </p:clrMapOvr>
-  <mc:AlternateContent xmlns:mc="http://schemas.openxmlformats.org/markup-compatibility/2006" xmlns:p14="http://schemas.microsoft.com/office/powerpoint/2010/main">
-    <mc:Choice Requires="p14">
-      <p:transition spd="slow" p14:dur="1700">
-        <p14:prism dir="r" isContent="1"/>
-      </p:transition>
-    </mc:Choice>
-    <mc:Fallback xmlns="">
-      <p:transition spd="slow">
-        <p:fade/>
-      </p:transition>
-    </mc:Fallback>
-  </mc:AlternateContent>
-</p:sld>
-</file>
-
-<file path=ppt/slides/slide12.xml><?xml version="1.0" encoding="utf-8"?>
-<p:sld xmlns:a="http://schemas.openxmlformats.org/drawingml/2006/main" xmlns:r="http://schemas.openxmlformats.org/officeDocument/2006/relationships" xmlns:p="http://schemas.openxmlformats.org/presentationml/2006/main">
-  <p:cSld>
-    <p:spTree>
-      <p:nvGrpSpPr>
-        <p:cNvPr id="1" name=""/>
-        <p:cNvGrpSpPr/>
-        <p:nvPr/>
-      </p:nvGrpSpPr>
-      <p:grpSpPr>
-        <a:xfrm>
-          <a:off x="0" y="0"/>
-          <a:ext cx="0" cy="0"/>
-          <a:chOff x="0" y="0"/>
-          <a:chExt cx="0" cy="0"/>
-        </a:xfrm>
-      </p:grpSpPr>
-      <p:grpSp>
-        <p:nvGrpSpPr>
-          <p:cNvPr id="433" name="Group 433"/>
-          <p:cNvGrpSpPr/>
-          <p:nvPr/>
-        </p:nvGrpSpPr>
-        <p:grpSpPr>
-          <a:xfrm>
-            <a:off x="362359" y="212605"/>
-            <a:ext cx="5640210" cy="3539615"/>
-            <a:chOff x="-400050" y="286098"/>
-            <a:chExt cx="11280419" cy="7079229"/>
-          </a:xfrm>
-        </p:grpSpPr>
-        <p:sp>
-          <p:nvSpPr>
-            <p:cNvPr id="430" name="Shape 430"/>
-            <p:cNvSpPr/>
-            <p:nvPr/>
-          </p:nvSpPr>
-          <p:spPr>
-            <a:xfrm>
-              <a:off x="-400050" y="286098"/>
-              <a:ext cx="11280419" cy="2517868"/>
-            </a:xfrm>
-            <a:prstGeom prst="rect">
-              <a:avLst/>
-            </a:prstGeom>
-            <a:noFill/>
-            <a:ln w="12700" cap="flat">
-              <a:noFill/>
-              <a:miter lim="400000"/>
-            </a:ln>
-            <a:effectLst/>
-            <a:extLst>
-              <a:ext uri="{C572A759-6A51-4108-AA02-DFA0A04FC94B}">
-                <ma14:wrappingTextBoxFlag xmlns:ma14="http://schemas.microsoft.com/office/mac/drawingml/2011/main" xmlns="" val="1"/>
-              </a:ext>
-            </a:extLst>
-          </p:spPr>
-          <p:txBody>
-            <a:bodyPr wrap="square" lIns="0" tIns="0" rIns="0" bIns="0" numCol="1" anchor="b">
-              <a:spAutoFit/>
-            </a:bodyPr>
-            <a:lstStyle/>
-            <a:p>
-              <a:pPr>
-                <a:lnSpc>
-                  <a:spcPct val="80000"/>
-                </a:lnSpc>
-                <a:defRPr sz="10100" b="1">
-                  <a:latin typeface="Didot"/>
-                  <a:ea typeface="Didot"/>
-                  <a:cs typeface="Didot"/>
-                  <a:sym typeface="Didot"/>
-                </a:defRPr>
-              </a:pPr>
-              <a:r>
-                <a:rPr lang="fr-CH" sz="5050" dirty="0"/>
-                <a:t>Sentiment </a:t>
-              </a:r>
-              <a:r>
-                <a:rPr lang="fr-CH" sz="5050" dirty="0" err="1"/>
-                <a:t>Analysis</a:t>
-              </a:r>
-              <a:r>
-                <a:rPr lang="fr-CH" sz="5050" dirty="0"/>
-                <a:t> by country</a:t>
-              </a:r>
-              <a:endParaRPr sz="5050" dirty="0"/>
-            </a:p>
-          </p:txBody>
-        </p:sp>
-        <p:sp>
-          <p:nvSpPr>
-            <p:cNvPr id="431" name="Shape 431"/>
-            <p:cNvSpPr/>
-            <p:nvPr/>
-          </p:nvSpPr>
-          <p:spPr>
-            <a:xfrm>
-              <a:off x="-400050" y="2991079"/>
-              <a:ext cx="3436068" cy="482570"/>
-            </a:xfrm>
-            <a:prstGeom prst="rect">
-              <a:avLst/>
-            </a:prstGeom>
-            <a:noFill/>
-            <a:ln w="12700" cap="flat">
-              <a:noFill/>
-              <a:miter lim="400000"/>
-            </a:ln>
-            <a:effectLst/>
-            <a:extLst>
-              <a:ext uri="{C572A759-6A51-4108-AA02-DFA0A04FC94B}">
-                <ma14:wrappingTextBoxFlag xmlns:ma14="http://schemas.microsoft.com/office/mac/drawingml/2011/main" xmlns="" val="1"/>
-              </a:ext>
-            </a:extLst>
-          </p:spPr>
-          <p:txBody>
-            <a:bodyPr wrap="none" lIns="0" tIns="0" rIns="0" bIns="0" numCol="1" anchor="ctr">
-              <a:spAutoFit/>
-            </a:bodyPr>
-            <a:lstStyle/>
-            <a:p>
-              <a:pPr>
-                <a:lnSpc>
-                  <a:spcPct val="120000"/>
-                </a:lnSpc>
-                <a:defRPr sz="2400" spc="647"/>
-              </a:pPr>
-              <a:r>
-                <a:rPr lang="fr-CH" sz="1400" spc="300" dirty="0"/>
-                <a:t>United </a:t>
-              </a:r>
-              <a:r>
-                <a:rPr lang="fr-CH" sz="1400" spc="300" dirty="0" err="1"/>
-                <a:t>Kingdom</a:t>
-              </a:r>
-              <a:endParaRPr sz="1400" spc="300" dirty="0"/>
-            </a:p>
-          </p:txBody>
-        </p:sp>
-        <p:sp>
-          <p:nvSpPr>
-            <p:cNvPr id="432" name="Shape 432"/>
-            <p:cNvSpPr/>
-            <p:nvPr/>
-          </p:nvSpPr>
-          <p:spPr>
-            <a:xfrm>
-              <a:off x="-204138" y="6584215"/>
-              <a:ext cx="8264367" cy="781112"/>
-            </a:xfrm>
-            <a:prstGeom prst="rect">
-              <a:avLst/>
-            </a:prstGeom>
-            <a:noFill/>
-            <a:ln w="12700" cap="flat">
-              <a:noFill/>
-              <a:miter lim="400000"/>
-            </a:ln>
-            <a:effectLst/>
-            <a:extLst>
-              <a:ext uri="{C572A759-6A51-4108-AA02-DFA0A04FC94B}">
-                <ma14:wrappingTextBoxFlag xmlns:ma14="http://schemas.microsoft.com/office/mac/drawingml/2011/main" xmlns="" val="1"/>
-              </a:ext>
-            </a:extLst>
-          </p:spPr>
-          <p:txBody>
-            <a:bodyPr wrap="square" lIns="0" tIns="0" rIns="0" bIns="0" numCol="1" anchor="t">
-              <a:spAutoFit/>
-            </a:bodyPr>
-            <a:lstStyle>
-              <a:lvl1pPr algn="l" defTabSz="1828800">
-                <a:lnSpc>
-                  <a:spcPct val="110000"/>
-                </a:lnSpc>
-                <a:defRPr sz="2400">
-                  <a:latin typeface="PT Sans"/>
-                  <a:ea typeface="PT Sans"/>
-                  <a:cs typeface="PT Sans"/>
-                  <a:sym typeface="PT Sans"/>
-                </a:defRPr>
-              </a:lvl1pPr>
-            </a:lstStyle>
-            <a:p>
-              <a:pPr marL="171450" indent="-171450">
-                <a:buFont typeface="Arial" panose="020B0604020202020204" pitchFamily="34" charset="0"/>
-                <a:buChar char="•"/>
-              </a:pPr>
-              <a:r>
-                <a:rPr lang="fr-CH" sz="1200" dirty="0"/>
-                <a:t>Boris Johnson, Liam Payne, BBC </a:t>
-              </a:r>
-              <a:r>
-                <a:rPr lang="fr-CH" sz="1200" dirty="0" err="1"/>
-                <a:t>Health</a:t>
-              </a:r>
-              <a:r>
-                <a:rPr lang="fr-CH" sz="1200" dirty="0"/>
-                <a:t> News</a:t>
-              </a:r>
-            </a:p>
-            <a:p>
-              <a:pPr marL="171450" indent="-171450">
-                <a:buFont typeface="Arial" panose="020B0604020202020204" pitchFamily="34" charset="0"/>
-                <a:buChar char="•"/>
-              </a:pPr>
-              <a:r>
-                <a:rPr lang="fr-CH" sz="1200" dirty="0" err="1"/>
-                <a:t>Differences</a:t>
-              </a:r>
-              <a:endParaRPr lang="fr-CH" sz="1200" dirty="0"/>
-            </a:p>
-          </p:txBody>
-        </p:sp>
-      </p:grpSp>
-      <p:pic>
-        <p:nvPicPr>
-          <p:cNvPr id="7" name="Image 6">
-            <a:extLst>
-              <a:ext uri="{FF2B5EF4-FFF2-40B4-BE49-F238E27FC236}">
-                <a16:creationId xmlns:a16="http://schemas.microsoft.com/office/drawing/2014/main" id="{F6DCB3E1-3D44-4043-BC50-C3FBD75FD0A7}"/>
-              </a:ext>
-            </a:extLst>
-          </p:cNvPr>
-          <p:cNvPicPr>
-            <a:picLocks noChangeAspect="1"/>
-          </p:cNvPicPr>
-          <p:nvPr/>
-        </p:nvPicPr>
-        <p:blipFill>
-          <a:blip r:embed="rId2">
-            <a:extLst>
-              <a:ext uri="{28A0092B-C50C-407E-A947-70E740481C1C}">
-                <a14:useLocalDpi xmlns:a14="http://schemas.microsoft.com/office/drawing/2010/main" val="0"/>
-              </a:ext>
-            </a:extLst>
-          </a:blip>
-          <a:stretch>
-            <a:fillRect/>
-          </a:stretch>
-        </p:blipFill>
-        <p:spPr>
-          <a:xfrm>
-            <a:off x="10635101" y="116166"/>
-            <a:ext cx="1380897" cy="301035"/>
-          </a:xfrm>
-          <a:prstGeom prst="rect">
-            <a:avLst/>
-          </a:prstGeom>
-        </p:spPr>
-      </p:pic>
-      <p:pic>
-        <p:nvPicPr>
-          <p:cNvPr id="9" name="Image 8">
-            <a:extLst>
-              <a:ext uri="{FF2B5EF4-FFF2-40B4-BE49-F238E27FC236}">
-                <a16:creationId xmlns:a16="http://schemas.microsoft.com/office/drawing/2014/main" id="{527F8E92-9811-457E-A4BA-DF3AC9758243}"/>
-              </a:ext>
-            </a:extLst>
-          </p:cNvPr>
-          <p:cNvPicPr>
-            <a:picLocks noChangeAspect="1"/>
-          </p:cNvPicPr>
-          <p:nvPr/>
-        </p:nvPicPr>
-        <p:blipFill>
-          <a:blip r:embed="rId3">
-            <a:extLst>
-              <a:ext uri="{28A0092B-C50C-407E-A947-70E740481C1C}">
-                <a14:useLocalDpi xmlns:a14="http://schemas.microsoft.com/office/drawing/2010/main" val="0"/>
-              </a:ext>
-            </a:extLst>
-          </a:blip>
-          <a:stretch>
-            <a:fillRect/>
-          </a:stretch>
-        </p:blipFill>
-        <p:spPr>
-          <a:xfrm>
-            <a:off x="4929397" y="791357"/>
-            <a:ext cx="7086601" cy="2267712"/>
-          </a:xfrm>
-          <a:prstGeom prst="rect">
-            <a:avLst/>
-          </a:prstGeom>
-        </p:spPr>
-      </p:pic>
-      <p:pic>
-        <p:nvPicPr>
-          <p:cNvPr id="13" name="Image 12">
-            <a:extLst>
-              <a:ext uri="{FF2B5EF4-FFF2-40B4-BE49-F238E27FC236}">
-                <a16:creationId xmlns:a16="http://schemas.microsoft.com/office/drawing/2014/main" id="{737DC459-1510-476E-8A66-8165D444B3A3}"/>
-              </a:ext>
-            </a:extLst>
-          </p:cNvPr>
-          <p:cNvPicPr>
-            <a:picLocks noChangeAspect="1"/>
-          </p:cNvPicPr>
-          <p:nvPr/>
-        </p:nvPicPr>
-        <p:blipFill>
-          <a:blip r:embed="rId4">
-            <a:extLst>
-              <a:ext uri="{28A0092B-C50C-407E-A947-70E740481C1C}">
-                <a14:useLocalDpi xmlns:a14="http://schemas.microsoft.com/office/drawing/2010/main" val="0"/>
-              </a:ext>
-            </a:extLst>
-          </a:blip>
-          <a:stretch>
-            <a:fillRect/>
-          </a:stretch>
-        </p:blipFill>
-        <p:spPr>
-          <a:xfrm>
-            <a:off x="4929397" y="2719682"/>
-            <a:ext cx="7086600" cy="2267712"/>
-          </a:xfrm>
-          <a:prstGeom prst="rect">
-            <a:avLst/>
-          </a:prstGeom>
-        </p:spPr>
-      </p:pic>
-      <p:pic>
-        <p:nvPicPr>
-          <p:cNvPr id="11" name="Image 10">
-            <a:extLst>
-              <a:ext uri="{FF2B5EF4-FFF2-40B4-BE49-F238E27FC236}">
-                <a16:creationId xmlns:a16="http://schemas.microsoft.com/office/drawing/2014/main" id="{F784B3F9-82F8-4438-9511-9B8F5FBFB16D}"/>
-              </a:ext>
-            </a:extLst>
-          </p:cNvPr>
-          <p:cNvPicPr>
-            <a:picLocks noChangeAspect="1"/>
-          </p:cNvPicPr>
-          <p:nvPr/>
-        </p:nvPicPr>
-        <p:blipFill>
-          <a:blip r:embed="rId5">
-            <a:extLst>
-              <a:ext uri="{28A0092B-C50C-407E-A947-70E740481C1C}">
-                <a14:useLocalDpi xmlns:a14="http://schemas.microsoft.com/office/drawing/2010/main" val="0"/>
-              </a:ext>
-            </a:extLst>
-          </a:blip>
-          <a:stretch>
-            <a:fillRect/>
-          </a:stretch>
-        </p:blipFill>
-        <p:spPr>
-          <a:xfrm>
-            <a:off x="4929397" y="4597043"/>
-            <a:ext cx="7086600" cy="2267712"/>
-          </a:xfrm>
-          <a:prstGeom prst="rect">
-            <a:avLst/>
-          </a:prstGeom>
-        </p:spPr>
-      </p:pic>
-    </p:spTree>
-    <p:extLst>
-      <p:ext uri="{BB962C8B-B14F-4D97-AF65-F5344CB8AC3E}">
-        <p14:creationId xmlns:p14="http://schemas.microsoft.com/office/powerpoint/2010/main" val="1073906213"/>
-      </p:ext>
-    </p:extLst>
-  </p:cSld>
-  <p:clrMapOvr>
-    <a:masterClrMapping/>
-  </p:clrMapOvr>
-  <mc:AlternateContent xmlns:mc="http://schemas.openxmlformats.org/markup-compatibility/2006" xmlns:p14="http://schemas.microsoft.com/office/powerpoint/2010/main">
-    <mc:Choice Requires="p14">
-      <p:transition spd="slow" p14:dur="1700">
-        <p14:prism dir="r" isContent="1"/>
-      </p:transition>
-    </mc:Choice>
-    <mc:Fallback xmlns="">
-      <p:transition spd="slow">
-        <p:fade/>
-      </p:transition>
-    </mc:Fallback>
-  </mc:AlternateContent>
-</p:sld>
-</file>
-
-<file path=ppt/slides/slide13.xml><?xml version="1.0" encoding="utf-8"?>
-<p:sld xmlns:a="http://schemas.openxmlformats.org/drawingml/2006/main" xmlns:r="http://schemas.openxmlformats.org/officeDocument/2006/relationships" xmlns:p="http://schemas.openxmlformats.org/presentationml/2006/main">
-  <p:cSld>
-    <p:spTree>
-      <p:nvGrpSpPr>
-        <p:cNvPr id="1" name=""/>
-        <p:cNvGrpSpPr/>
-        <p:nvPr/>
-      </p:nvGrpSpPr>
-      <p:grpSpPr>
-        <a:xfrm>
-          <a:off x="0" y="0"/>
-          <a:ext cx="0" cy="0"/>
-          <a:chOff x="0" y="0"/>
-          <a:chExt cx="0" cy="0"/>
-        </a:xfrm>
-      </p:grpSpPr>
-      <p:grpSp>
-        <p:nvGrpSpPr>
-          <p:cNvPr id="433" name="Group 433"/>
-          <p:cNvGrpSpPr/>
-          <p:nvPr/>
-        </p:nvGrpSpPr>
-        <p:grpSpPr>
-          <a:xfrm>
-            <a:off x="562384" y="294612"/>
-            <a:ext cx="5640210" cy="2609883"/>
-            <a:chOff x="0" y="450112"/>
-            <a:chExt cx="11280419" cy="5219765"/>
-          </a:xfrm>
-        </p:grpSpPr>
-        <p:sp>
-          <p:nvSpPr>
-            <p:cNvPr id="430" name="Shape 430"/>
-            <p:cNvSpPr/>
-            <p:nvPr/>
-          </p:nvSpPr>
-          <p:spPr>
-            <a:xfrm>
-              <a:off x="0" y="450112"/>
-              <a:ext cx="11280419" cy="2517867"/>
-            </a:xfrm>
-            <a:prstGeom prst="rect">
-              <a:avLst/>
-            </a:prstGeom>
-            <a:noFill/>
-            <a:ln w="12700" cap="flat">
-              <a:noFill/>
-              <a:miter lim="400000"/>
-            </a:ln>
-            <a:effectLst/>
-            <a:extLst>
-              <a:ext uri="{C572A759-6A51-4108-AA02-DFA0A04FC94B}">
-                <ma14:wrappingTextBoxFlag xmlns:ma14="http://schemas.microsoft.com/office/mac/drawingml/2011/main" xmlns="" val="1"/>
-              </a:ext>
-            </a:extLst>
-          </p:spPr>
-          <p:txBody>
-            <a:bodyPr wrap="square" lIns="0" tIns="0" rIns="0" bIns="0" numCol="1" anchor="b">
-              <a:spAutoFit/>
-            </a:bodyPr>
-            <a:lstStyle/>
-            <a:p>
-              <a:pPr>
-                <a:lnSpc>
-                  <a:spcPct val="80000"/>
-                </a:lnSpc>
-                <a:defRPr sz="10100" b="1">
-                  <a:latin typeface="Didot"/>
-                  <a:ea typeface="Didot"/>
-                  <a:cs typeface="Didot"/>
-                  <a:sym typeface="Didot"/>
-                </a:defRPr>
-              </a:pPr>
-              <a:r>
-                <a:rPr lang="fr-CH" sz="5050" dirty="0"/>
-                <a:t>Sentiment </a:t>
-              </a:r>
-              <a:r>
-                <a:rPr lang="fr-CH" sz="5050" dirty="0" err="1"/>
-                <a:t>Analysis</a:t>
-              </a:r>
-              <a:r>
-                <a:rPr lang="fr-CH" sz="5050" dirty="0"/>
-                <a:t> by country</a:t>
-              </a:r>
-              <a:endParaRPr sz="5050" dirty="0"/>
-            </a:p>
-          </p:txBody>
-        </p:sp>
-        <p:sp>
-          <p:nvSpPr>
-            <p:cNvPr id="431" name="Shape 431"/>
-            <p:cNvSpPr/>
-            <p:nvPr/>
-          </p:nvSpPr>
-          <p:spPr>
-            <a:xfrm>
-              <a:off x="43510" y="3711313"/>
-              <a:ext cx="1680590" cy="413702"/>
-            </a:xfrm>
-            <a:prstGeom prst="rect">
-              <a:avLst/>
-            </a:prstGeom>
-            <a:noFill/>
-            <a:ln w="12700" cap="flat">
-              <a:noFill/>
-              <a:miter lim="400000"/>
-            </a:ln>
-            <a:effectLst/>
-            <a:extLst>
-              <a:ext uri="{C572A759-6A51-4108-AA02-DFA0A04FC94B}">
-                <ma14:wrappingTextBoxFlag xmlns:ma14="http://schemas.microsoft.com/office/mac/drawingml/2011/main" xmlns="" val="1"/>
-              </a:ext>
-            </a:extLst>
-          </p:spPr>
-          <p:txBody>
-            <a:bodyPr wrap="none" lIns="0" tIns="0" rIns="0" bIns="0" numCol="1" anchor="ctr">
-              <a:spAutoFit/>
-            </a:bodyPr>
-            <a:lstStyle/>
-            <a:p>
-              <a:pPr>
-                <a:lnSpc>
-                  <a:spcPct val="120000"/>
-                </a:lnSpc>
-                <a:defRPr sz="2400" spc="647"/>
-              </a:pPr>
-              <a:r>
-                <a:rPr lang="fr-CH" sz="1200" spc="300" dirty="0"/>
-                <a:t>Germany</a:t>
-              </a:r>
-              <a:endParaRPr sz="1200" spc="300" dirty="0"/>
-            </a:p>
-          </p:txBody>
-        </p:sp>
-        <p:sp>
-          <p:nvSpPr>
-            <p:cNvPr id="432" name="Shape 432"/>
-            <p:cNvSpPr/>
-            <p:nvPr/>
-          </p:nvSpPr>
-          <p:spPr>
-            <a:xfrm>
-              <a:off x="43512" y="4888765"/>
-              <a:ext cx="8264367" cy="781112"/>
-            </a:xfrm>
-            <a:prstGeom prst="rect">
-              <a:avLst/>
-            </a:prstGeom>
-            <a:noFill/>
-            <a:ln w="12700" cap="flat">
-              <a:noFill/>
-              <a:miter lim="400000"/>
-            </a:ln>
-            <a:effectLst/>
-            <a:extLst>
-              <a:ext uri="{C572A759-6A51-4108-AA02-DFA0A04FC94B}">
-                <ma14:wrappingTextBoxFlag xmlns:ma14="http://schemas.microsoft.com/office/mac/drawingml/2011/main" xmlns="" val="1"/>
+                <ma14:wrappingTextBoxFlag xmlns="" xmlns:ma14="http://schemas.microsoft.com/office/mac/drawingml/2011/main" val="1"/>
               </a:ext>
             </a:extLst>
           </p:spPr>
@@ -5440,7 +6260,7 @@
 </p:sld>
 </file>
 
-<file path=ppt/slides/slide14.xml><?xml version="1.0" encoding="utf-8"?>
+<file path=ppt/slides/slide16.xml><?xml version="1.0" encoding="utf-8"?>
 <p:sld xmlns:a="http://schemas.openxmlformats.org/drawingml/2006/main" xmlns:r="http://schemas.openxmlformats.org/officeDocument/2006/relationships" xmlns:p="http://schemas.openxmlformats.org/presentationml/2006/main">
   <p:cSld>
     <p:spTree>
@@ -5466,9 +6286,9 @@
         <p:grpSpPr>
           <a:xfrm>
             <a:off x="562384" y="294612"/>
-            <a:ext cx="5640210" cy="2609883"/>
+            <a:ext cx="5640210" cy="2813016"/>
             <a:chOff x="0" y="450112"/>
-            <a:chExt cx="11280419" cy="5219765"/>
+            <a:chExt cx="11280419" cy="5626031"/>
           </a:xfrm>
         </p:grpSpPr>
         <p:sp>
@@ -5493,7 +6313,7 @@
             <a:effectLst/>
             <a:extLst>
               <a:ext uri="{C572A759-6A51-4108-AA02-DFA0A04FC94B}">
-                <ma14:wrappingTextBoxFlag xmlns:ma14="http://schemas.microsoft.com/office/mac/drawingml/2011/main" xmlns="" val="1"/>
+                <ma14:wrappingTextBoxFlag xmlns="" xmlns:ma14="http://schemas.microsoft.com/office/mac/drawingml/2011/main" val="1"/>
               </a:ext>
             </a:extLst>
           </p:spPr>
@@ -5547,7 +6367,7 @@
           <p:spPr>
             <a:xfrm>
               <a:off x="43510" y="3711313"/>
-              <a:ext cx="7562711" cy="413702"/>
+              <a:ext cx="4409284" cy="413702"/>
             </a:xfrm>
             <a:prstGeom prst="rect">
               <a:avLst/>
@@ -5560,7 +6380,7 @@
             <a:effectLst/>
             <a:extLst>
               <a:ext uri="{C572A759-6A51-4108-AA02-DFA0A04FC94B}">
-                <ma14:wrappingTextBoxFlag xmlns:ma14="http://schemas.microsoft.com/office/mac/drawingml/2011/main" xmlns="" val="1"/>
+                <ma14:wrappingTextBoxFlag xmlns="" xmlns:ma14="http://schemas.microsoft.com/office/mac/drawingml/2011/main" val="1"/>
               </a:ext>
             </a:extLst>
           </p:spPr>
@@ -5578,15 +6398,7 @@
               </a:pPr>
               <a:r>
                 <a:rPr lang="fr-CH" sz="1200" spc="300" dirty="0"/>
-                <a:t>US vs. </a:t>
-              </a:r>
-              <a:r>
-                <a:rPr lang="fr-CH" sz="1200" spc="300" dirty="0" err="1"/>
-                <a:t>Switzerland</a:t>
-              </a:r>
-              <a:r>
-                <a:rPr lang="fr-CH" sz="1200" spc="300" dirty="0"/>
-                <a:t> vs. UK vs. Germany</a:t>
+                <a:t>US vs. UK vs. Germany</a:t>
               </a:r>
               <a:endParaRPr sz="1200" spc="300" dirty="0"/>
             </a:p>
@@ -5601,7 +6413,7 @@
           <p:spPr>
             <a:xfrm>
               <a:off x="43512" y="4888765"/>
-              <a:ext cx="8264367" cy="781112"/>
+              <a:ext cx="8264367" cy="1187378"/>
             </a:xfrm>
             <a:prstGeom prst="rect">
               <a:avLst/>
@@ -5614,7 +6426,7 @@
             <a:effectLst/>
             <a:extLst>
               <a:ext uri="{C572A759-6A51-4108-AA02-DFA0A04FC94B}">
-                <ma14:wrappingTextBoxFlag xmlns:ma14="http://schemas.microsoft.com/office/mac/drawingml/2011/main" xmlns="" val="1"/>
+                <ma14:wrappingTextBoxFlag xmlns="" xmlns:ma14="http://schemas.microsoft.com/office/mac/drawingml/2011/main" val="1"/>
               </a:ext>
             </a:extLst>
           </p:spPr>
@@ -5657,6 +6469,33 @@
               </a:r>
               <a:endParaRPr lang="fr-CH" sz="1200" dirty="0"/>
             </a:p>
+            <a:p>
+              <a:pPr marL="171450" indent="-171450">
+                <a:buFont typeface="Arial" panose="020B0604020202020204" pitchFamily="34" charset="0"/>
+                <a:buChar char="•"/>
+              </a:pPr>
+              <a:r>
+                <a:rPr lang="fr-CH" sz="1200" dirty="0" err="1"/>
+                <a:t>Comparison</a:t>
+              </a:r>
+              <a:r>
+                <a:rPr lang="fr-CH" sz="1200" dirty="0"/>
+                <a:t> </a:t>
+              </a:r>
+              <a:r>
+                <a:rPr lang="fr-CH" sz="1200" dirty="0" err="1"/>
+                <a:t>with</a:t>
+              </a:r>
+              <a:r>
+                <a:rPr lang="fr-CH" sz="1200" dirty="0"/>
+                <a:t> </a:t>
+              </a:r>
+              <a:r>
+                <a:rPr lang="fr-CH" sz="1200" dirty="0" err="1"/>
+                <a:t>strategy</a:t>
+              </a:r>
+              <a:endParaRPr lang="fr-CH" sz="1200" dirty="0"/>
+            </a:p>
           </p:txBody>
         </p:sp>
       </p:grpSp>
@@ -5698,10 +6537,10 @@
       </p:pic>
       <p:pic>
         <p:nvPicPr>
-          <p:cNvPr id="3" name="Image 2" descr="Une image contenant eau, plage&#10;&#10;Description générée automatiquement">
+          <p:cNvPr id="9" name="Image 8" descr="Une image contenant eau, plage&#10;&#10;Description générée automatiquement">
             <a:extLst>
               <a:ext uri="{FF2B5EF4-FFF2-40B4-BE49-F238E27FC236}">
-                <a16:creationId xmlns:a16="http://schemas.microsoft.com/office/drawing/2014/main" id="{ECFCDE28-BD0B-40AD-BC27-CCD54E549CA9}"/>
+                <a16:creationId xmlns:a16="http://schemas.microsoft.com/office/drawing/2014/main" id="{CED1812C-8902-43C0-9B78-FE3B288D8866}"/>
               </a:ext>
             </a:extLst>
           </p:cNvPr>
@@ -5724,8 +6563,8 @@
         </p:blipFill>
         <p:spPr>
           <a:xfrm>
-            <a:off x="4889897" y="980491"/>
-            <a:ext cx="7197328" cy="2303145"/>
+            <a:off x="5842051" y="1008191"/>
+            <a:ext cx="6349949" cy="2031983"/>
           </a:xfrm>
           <a:prstGeom prst="rect">
             <a:avLst/>
@@ -5734,10 +6573,10 @@
       </p:pic>
       <p:pic>
         <p:nvPicPr>
-          <p:cNvPr id="5" name="Image 4" descr="Une image contenant miroir&#10;&#10;Description générée automatiquement">
+          <p:cNvPr id="10" name="Image 9" descr="Une image contenant miroir&#10;&#10;Description générée automatiquement">
             <a:extLst>
               <a:ext uri="{FF2B5EF4-FFF2-40B4-BE49-F238E27FC236}">
-                <a16:creationId xmlns:a16="http://schemas.microsoft.com/office/drawing/2014/main" id="{21E0FBE4-1DD2-44E7-B4C6-269C8CA7E1D4}"/>
+                <a16:creationId xmlns:a16="http://schemas.microsoft.com/office/drawing/2014/main" id="{CB36D26E-14CC-43F7-AE2C-88F43048B9D8}"/>
               </a:ext>
             </a:extLst>
           </p:cNvPr>
@@ -5760,8 +6599,8 @@
         </p:blipFill>
         <p:spPr>
           <a:xfrm>
-            <a:off x="447675" y="3665511"/>
-            <a:ext cx="6912494" cy="2211998"/>
+            <a:off x="5842051" y="3040174"/>
+            <a:ext cx="6349949" cy="2031984"/>
           </a:xfrm>
           <a:prstGeom prst="rect">
             <a:avLst/>
@@ -5793,334 +6632,7 @@
 </p:sld>
 </file>
 
-<file path=ppt/slides/slide15.xml><?xml version="1.0" encoding="utf-8"?>
-<p:sld xmlns:a="http://schemas.openxmlformats.org/drawingml/2006/main" xmlns:r="http://schemas.openxmlformats.org/officeDocument/2006/relationships" xmlns:p="http://schemas.openxmlformats.org/presentationml/2006/main">
-  <p:cSld>
-    <p:spTree>
-      <p:nvGrpSpPr>
-        <p:cNvPr id="1" name=""/>
-        <p:cNvGrpSpPr/>
-        <p:nvPr/>
-      </p:nvGrpSpPr>
-      <p:grpSpPr>
-        <a:xfrm>
-          <a:off x="0" y="0"/>
-          <a:ext cx="0" cy="0"/>
-          <a:chOff x="0" y="0"/>
-          <a:chExt cx="0" cy="0"/>
-        </a:xfrm>
-      </p:grpSpPr>
-      <p:grpSp>
-        <p:nvGrpSpPr>
-          <p:cNvPr id="433" name="Group 433"/>
-          <p:cNvGrpSpPr/>
-          <p:nvPr/>
-        </p:nvGrpSpPr>
-        <p:grpSpPr>
-          <a:xfrm>
-            <a:off x="562383" y="478170"/>
-            <a:ext cx="6076541" cy="2191308"/>
-            <a:chOff x="-2" y="1693528"/>
-            <a:chExt cx="12153081" cy="4382615"/>
-          </a:xfrm>
-        </p:grpSpPr>
-        <p:sp>
-          <p:nvSpPr>
-            <p:cNvPr id="430" name="Shape 430"/>
-            <p:cNvSpPr/>
-            <p:nvPr/>
-          </p:nvSpPr>
-          <p:spPr>
-            <a:xfrm>
-              <a:off x="-2" y="1693528"/>
-              <a:ext cx="12153081" cy="1274452"/>
-            </a:xfrm>
-            <a:prstGeom prst="rect">
-              <a:avLst/>
-            </a:prstGeom>
-            <a:noFill/>
-            <a:ln w="12700" cap="flat">
-              <a:noFill/>
-              <a:miter lim="400000"/>
-            </a:ln>
-            <a:effectLst/>
-            <a:extLst>
-              <a:ext uri="{C572A759-6A51-4108-AA02-DFA0A04FC94B}">
-                <ma14:wrappingTextBoxFlag xmlns:ma14="http://schemas.microsoft.com/office/mac/drawingml/2011/main" xmlns="" val="1"/>
-              </a:ext>
-            </a:extLst>
-          </p:spPr>
-          <p:txBody>
-            <a:bodyPr wrap="square" lIns="0" tIns="0" rIns="0" bIns="0" numCol="1" anchor="b">
-              <a:spAutoFit/>
-            </a:bodyPr>
-            <a:lstStyle/>
-            <a:p>
-              <a:pPr>
-                <a:lnSpc>
-                  <a:spcPct val="80000"/>
-                </a:lnSpc>
-                <a:defRPr sz="10100" b="1">
-                  <a:latin typeface="Didot"/>
-                  <a:ea typeface="Didot"/>
-                  <a:cs typeface="Didot"/>
-                  <a:sym typeface="Didot"/>
-                </a:defRPr>
-              </a:pPr>
-              <a:r>
-                <a:rPr lang="fr-CH" sz="5050" dirty="0" err="1"/>
-                <a:t>Measures</a:t>
-              </a:r>
-              <a:r>
-                <a:rPr lang="fr-CH" sz="5050" dirty="0"/>
-                <a:t> </a:t>
-              </a:r>
-              <a:r>
-                <a:rPr lang="fr-CH" sz="5050" dirty="0" err="1"/>
-                <a:t>Comparison</a:t>
-              </a:r>
-              <a:endParaRPr sz="5050" dirty="0"/>
-            </a:p>
-          </p:txBody>
-        </p:sp>
-        <p:sp>
-          <p:nvSpPr>
-            <p:cNvPr id="431" name="Shape 431"/>
-            <p:cNvSpPr/>
-            <p:nvPr/>
-          </p:nvSpPr>
-          <p:spPr>
-            <a:xfrm>
-              <a:off x="43510" y="3711313"/>
-              <a:ext cx="9101595" cy="413702"/>
-            </a:xfrm>
-            <a:prstGeom prst="rect">
-              <a:avLst/>
-            </a:prstGeom>
-            <a:noFill/>
-            <a:ln w="12700" cap="flat">
-              <a:noFill/>
-              <a:miter lim="400000"/>
-            </a:ln>
-            <a:effectLst/>
-            <a:extLst>
-              <a:ext uri="{C572A759-6A51-4108-AA02-DFA0A04FC94B}">
-                <ma14:wrappingTextBoxFlag xmlns:ma14="http://schemas.microsoft.com/office/mac/drawingml/2011/main" xmlns="" val="1"/>
-              </a:ext>
-            </a:extLst>
-          </p:spPr>
-          <p:txBody>
-            <a:bodyPr wrap="none" lIns="0" tIns="0" rIns="0" bIns="0" numCol="1" anchor="ctr">
-              <a:spAutoFit/>
-            </a:bodyPr>
-            <a:lstStyle/>
-            <a:p>
-              <a:pPr>
-                <a:lnSpc>
-                  <a:spcPct val="120000"/>
-                </a:lnSpc>
-                <a:defRPr sz="2400" spc="647"/>
-              </a:pPr>
-              <a:r>
-                <a:rPr lang="fr-CH" sz="1200" spc="300" dirty="0" err="1"/>
-                <a:t>Correlation</a:t>
-              </a:r>
-              <a:r>
-                <a:rPr lang="fr-CH" sz="1200" spc="300" dirty="0"/>
-                <a:t> </a:t>
-              </a:r>
-              <a:r>
-                <a:rPr lang="fr-CH" sz="1200" spc="300" dirty="0" err="1"/>
-                <a:t>with</a:t>
-              </a:r>
-              <a:r>
-                <a:rPr lang="fr-CH" sz="1200" spc="300" dirty="0"/>
-                <a:t> the actions </a:t>
-              </a:r>
-              <a:r>
-                <a:rPr lang="fr-CH" sz="1200" spc="300" dirty="0" err="1"/>
-                <a:t>taken</a:t>
-              </a:r>
-              <a:r>
-                <a:rPr lang="fr-CH" sz="1200" spc="300" dirty="0"/>
-                <a:t> by country</a:t>
-              </a:r>
-              <a:endParaRPr sz="1200" spc="300" dirty="0"/>
-            </a:p>
-          </p:txBody>
-        </p:sp>
-        <p:sp>
-          <p:nvSpPr>
-            <p:cNvPr id="432" name="Shape 432"/>
-            <p:cNvSpPr/>
-            <p:nvPr/>
-          </p:nvSpPr>
-          <p:spPr>
-            <a:xfrm>
-              <a:off x="43512" y="4888765"/>
-              <a:ext cx="8264367" cy="1187378"/>
-            </a:xfrm>
-            <a:prstGeom prst="rect">
-              <a:avLst/>
-            </a:prstGeom>
-            <a:noFill/>
-            <a:ln w="12700" cap="flat">
-              <a:noFill/>
-              <a:miter lim="400000"/>
-            </a:ln>
-            <a:effectLst/>
-            <a:extLst>
-              <a:ext uri="{C572A759-6A51-4108-AA02-DFA0A04FC94B}">
-                <ma14:wrappingTextBoxFlag xmlns:ma14="http://schemas.microsoft.com/office/mac/drawingml/2011/main" xmlns="" val="1"/>
-              </a:ext>
-            </a:extLst>
-          </p:spPr>
-          <p:txBody>
-            <a:bodyPr wrap="square" lIns="0" tIns="0" rIns="0" bIns="0" numCol="1" anchor="t">
-              <a:spAutoFit/>
-            </a:bodyPr>
-            <a:lstStyle>
-              <a:lvl1pPr algn="l" defTabSz="1828800">
-                <a:lnSpc>
-                  <a:spcPct val="110000"/>
-                </a:lnSpc>
-                <a:defRPr sz="2400">
-                  <a:latin typeface="PT Sans"/>
-                  <a:ea typeface="PT Sans"/>
-                  <a:cs typeface="PT Sans"/>
-                  <a:sym typeface="PT Sans"/>
-                </a:defRPr>
-              </a:lvl1pPr>
-            </a:lstStyle>
-            <a:p>
-              <a:pPr marL="171450" indent="-171450">
-                <a:buFont typeface="Arial" panose="020B0604020202020204" pitchFamily="34" charset="0"/>
-                <a:buChar char="•"/>
-              </a:pPr>
-              <a:r>
-                <a:rPr lang="fr-CH" sz="1200" dirty="0"/>
-                <a:t>Time to </a:t>
-              </a:r>
-              <a:r>
-                <a:rPr lang="fr-CH" sz="1200" dirty="0" err="1"/>
-                <a:t>take</a:t>
-              </a:r>
-              <a:r>
-                <a:rPr lang="fr-CH" sz="1200" dirty="0"/>
-                <a:t> the </a:t>
-              </a:r>
-              <a:r>
-                <a:rPr lang="fr-CH" sz="1200" dirty="0" err="1"/>
-                <a:t>measures</a:t>
-              </a:r>
-              <a:endParaRPr lang="fr-CH" sz="1200" dirty="0"/>
-            </a:p>
-            <a:p>
-              <a:pPr marL="171450" indent="-171450">
-                <a:buFont typeface="Arial" panose="020B0604020202020204" pitchFamily="34" charset="0"/>
-                <a:buChar char="•"/>
-              </a:pPr>
-              <a:r>
-                <a:rPr lang="fr-CH" sz="1200" dirty="0" err="1"/>
-                <a:t>Correlation</a:t>
-              </a:r>
-              <a:r>
-                <a:rPr lang="fr-CH" sz="1200" dirty="0"/>
-                <a:t> </a:t>
-              </a:r>
-              <a:r>
-                <a:rPr lang="fr-CH" sz="1200" dirty="0" err="1"/>
-                <a:t>with</a:t>
-              </a:r>
-              <a:r>
-                <a:rPr lang="fr-CH" sz="1200" dirty="0"/>
-                <a:t> sentiment and topic</a:t>
-              </a:r>
-            </a:p>
-            <a:p>
-              <a:pPr marL="171450" indent="-171450">
-                <a:buFont typeface="Arial" panose="020B0604020202020204" pitchFamily="34" charset="0"/>
-                <a:buChar char="•"/>
-              </a:pPr>
-              <a:r>
-                <a:rPr lang="fr-CH" sz="1200" dirty="0" err="1"/>
-                <a:t>Effectiveness</a:t>
-              </a:r>
-              <a:r>
-                <a:rPr lang="fr-CH" sz="1200" dirty="0"/>
-                <a:t> of </a:t>
-              </a:r>
-              <a:r>
-                <a:rPr lang="fr-CH" sz="1200" dirty="0" err="1"/>
-                <a:t>measures</a:t>
-              </a:r>
-              <a:endParaRPr lang="fr-CH" sz="1200" dirty="0"/>
-            </a:p>
-          </p:txBody>
-        </p:sp>
-      </p:grpSp>
-      <p:pic>
-        <p:nvPicPr>
-          <p:cNvPr id="7" name="Image 6">
-            <a:extLst>
-              <a:ext uri="{FF2B5EF4-FFF2-40B4-BE49-F238E27FC236}">
-                <a16:creationId xmlns:a16="http://schemas.microsoft.com/office/drawing/2014/main" id="{10C8246A-582D-4075-9861-F2535ECF1CFA}"/>
-              </a:ext>
-            </a:extLst>
-          </p:cNvPr>
-          <p:cNvPicPr>
-            <a:picLocks noChangeAspect="1"/>
-          </p:cNvPicPr>
-          <p:nvPr/>
-        </p:nvPicPr>
-        <p:blipFill>
-          <a:blip r:embed="rId2">
-            <a:extLst>
-              <a:ext uri="{28A0092B-C50C-407E-A947-70E740481C1C}">
-                <a14:useLocalDpi xmlns:a14="http://schemas.microsoft.com/office/drawing/2010/main" val="0"/>
-              </a:ext>
-            </a:extLst>
-          </a:blip>
-          <a:stretch>
-            <a:fillRect/>
-          </a:stretch>
-        </p:blipFill>
-        <p:spPr>
-          <a:xfrm>
-            <a:off x="10635101" y="116166"/>
-            <a:ext cx="1380897" cy="301035"/>
-          </a:xfrm>
-          <a:prstGeom prst="rect">
-            <a:avLst/>
-          </a:prstGeom>
-        </p:spPr>
-      </p:pic>
-    </p:spTree>
-    <p:extLst>
-      <p:ext uri="{BB962C8B-B14F-4D97-AF65-F5344CB8AC3E}">
-        <p14:creationId xmlns:p14="http://schemas.microsoft.com/office/powerpoint/2010/main" val="3747161261"/>
-      </p:ext>
-    </p:extLst>
-  </p:cSld>
-  <p:clrMapOvr>
-    <a:masterClrMapping/>
-  </p:clrMapOvr>
-  <mc:AlternateContent xmlns:mc="http://schemas.openxmlformats.org/markup-compatibility/2006" xmlns:p14="http://schemas.microsoft.com/office/powerpoint/2010/main">
-    <mc:Choice Requires="p14">
-      <p:transition spd="slow" p14:dur="1700">
-        <p14:prism dir="r" isContent="1"/>
-      </p:transition>
-    </mc:Choice>
-    <mc:Fallback xmlns="">
-      <p:transition spd="slow">
-        <p:fade/>
-      </p:transition>
-    </mc:Fallback>
-  </mc:AlternateContent>
-</p:sld>
-</file>
-
-<file path=ppt/slides/slide16.xml><?xml version="1.0" encoding="utf-8"?>
+<file path=ppt/slides/slide17.xml><?xml version="1.0" encoding="utf-8"?>
 <p:sld xmlns:a="http://schemas.openxmlformats.org/drawingml/2006/main" xmlns:r="http://schemas.openxmlformats.org/officeDocument/2006/relationships" xmlns:p="http://schemas.openxmlformats.org/presentationml/2006/main">
   <p:cSld>
     <p:spTree>
@@ -6285,7 +6797,7 @@
             <a:effectLst/>
             <a:extLst>
               <a:ext uri="{C572A759-6A51-4108-AA02-DFA0A04FC94B}">
-                <ma14:wrappingTextBoxFlag xmlns:ma14="http://schemas.microsoft.com/office/mac/drawingml/2011/main" xmlns="" val="1"/>
+                <ma14:wrappingTextBoxFlag xmlns="" xmlns:ma14="http://schemas.microsoft.com/office/mac/drawingml/2011/main" val="1"/>
               </a:ext>
             </a:extLst>
           </p:spPr>
@@ -6344,7 +6856,7 @@
             <a:effectLst/>
             <a:extLst>
               <a:ext uri="{C572A759-6A51-4108-AA02-DFA0A04FC94B}">
-                <ma14:wrappingTextBoxFlag xmlns:ma14="http://schemas.microsoft.com/office/mac/drawingml/2011/main" xmlns="" val="1"/>
+                <ma14:wrappingTextBoxFlag xmlns="" xmlns:ma14="http://schemas.microsoft.com/office/mac/drawingml/2011/main" val="1"/>
               </a:ext>
             </a:extLst>
           </p:spPr>
@@ -6486,7 +6998,7 @@
             <a:effectLst/>
             <a:extLst>
               <a:ext uri="{C572A759-6A51-4108-AA02-DFA0A04FC94B}">
-                <ma14:wrappingTextBoxFlag xmlns:ma14="http://schemas.microsoft.com/office/mac/drawingml/2011/main" xmlns="" val="1"/>
+                <ma14:wrappingTextBoxFlag xmlns="" xmlns:ma14="http://schemas.microsoft.com/office/mac/drawingml/2011/main" val="1"/>
               </a:ext>
             </a:extLst>
           </p:spPr>
@@ -6548,7 +7060,7 @@
             <a:effectLst/>
             <a:extLst>
               <a:ext uri="{C572A759-6A51-4108-AA02-DFA0A04FC94B}">
-                <ma14:wrappingTextBoxFlag xmlns:ma14="http://schemas.microsoft.com/office/mac/drawingml/2011/main" xmlns="" val="1"/>
+                <ma14:wrappingTextBoxFlag xmlns="" xmlns:ma14="http://schemas.microsoft.com/office/mac/drawingml/2011/main" val="1"/>
               </a:ext>
             </a:extLst>
           </p:spPr>
@@ -6635,7 +7147,7 @@
           </a:ln>
           <a:extLst>
             <a:ext uri="{C572A759-6A51-4108-AA02-DFA0A04FC94B}">
-              <ma14:wrappingTextBoxFlag xmlns:ma14="http://schemas.microsoft.com/office/mac/drawingml/2011/main" xmlns="" val="1"/>
+              <ma14:wrappingTextBoxFlag xmlns="" xmlns:ma14="http://schemas.microsoft.com/office/mac/drawingml/2011/main" val="1"/>
             </a:ext>
           </a:extLst>
         </p:spPr>
@@ -6689,7 +7201,7 @@
 </p:sld>
 </file>
 
-<file path=ppt/slides/slide17.xml><?xml version="1.0" encoding="utf-8"?>
+<file path=ppt/slides/slide18.xml><?xml version="1.0" encoding="utf-8"?>
 <p:sld xmlns:a="http://schemas.openxmlformats.org/drawingml/2006/main" xmlns:r="http://schemas.openxmlformats.org/officeDocument/2006/relationships" xmlns:p="http://schemas.openxmlformats.org/presentationml/2006/main">
   <p:cSld>
     <p:spTree>
@@ -6898,7 +7410,7 @@
             <a:effectLst/>
             <a:extLst>
               <a:ext uri="{C572A759-6A51-4108-AA02-DFA0A04FC94B}">
-                <ma14:wrappingTextBoxFlag xmlns:ma14="http://schemas.microsoft.com/office/mac/drawingml/2011/main" xmlns="" val="1"/>
+                <ma14:wrappingTextBoxFlag xmlns="" xmlns:ma14="http://schemas.microsoft.com/office/mac/drawingml/2011/main" val="1"/>
               </a:ext>
             </a:extLst>
           </p:spPr>
@@ -6947,7 +7459,7 @@
             <a:effectLst/>
             <a:extLst>
               <a:ext uri="{C572A759-6A51-4108-AA02-DFA0A04FC94B}">
-                <ma14:wrappingTextBoxFlag xmlns:ma14="http://schemas.microsoft.com/office/mac/drawingml/2011/main" xmlns="" val="1"/>
+                <ma14:wrappingTextBoxFlag xmlns="" xmlns:ma14="http://schemas.microsoft.com/office/mac/drawingml/2011/main" val="1"/>
               </a:ext>
             </a:extLst>
           </p:spPr>
@@ -6994,7 +7506,7 @@
           </a:ln>
           <a:extLst>
             <a:ext uri="{C572A759-6A51-4108-AA02-DFA0A04FC94B}">
-              <ma14:wrappingTextBoxFlag xmlns:ma14="http://schemas.microsoft.com/office/mac/drawingml/2011/main" xmlns="" val="1"/>
+              <ma14:wrappingTextBoxFlag xmlns="" xmlns:ma14="http://schemas.microsoft.com/office/mac/drawingml/2011/main" val="1"/>
             </a:ext>
           </a:extLst>
         </p:spPr>
@@ -7055,7 +7567,7 @@
 </p:sld>
 </file>
 
-<file path=ppt/slides/slide18.xml><?xml version="1.0" encoding="utf-8"?>
+<file path=ppt/slides/slide19.xml><?xml version="1.0" encoding="utf-8"?>
 <p:sld xmlns:a="http://schemas.openxmlformats.org/drawingml/2006/main" xmlns:r="http://schemas.openxmlformats.org/officeDocument/2006/relationships" xmlns:p="http://schemas.openxmlformats.org/presentationml/2006/main">
   <p:cSld>
     <p:bg>
@@ -7101,7 +7613,7 @@
           </a:ln>
           <a:extLst>
             <a:ext uri="{C572A759-6A51-4108-AA02-DFA0A04FC94B}">
-              <ma14:wrappingTextBoxFlag xmlns:ma14="http://schemas.microsoft.com/office/mac/drawingml/2011/main" xmlns="" val="1"/>
+              <ma14:wrappingTextBoxFlag xmlns="" xmlns:ma14="http://schemas.microsoft.com/office/mac/drawingml/2011/main" val="1"/>
             </a:ext>
           </a:extLst>
         </p:spPr>
@@ -7150,7 +7662,7 @@
           </a:ln>
           <a:extLst>
             <a:ext uri="{C572A759-6A51-4108-AA02-DFA0A04FC94B}">
-              <ma14:wrappingTextBoxFlag xmlns:ma14="http://schemas.microsoft.com/office/mac/drawingml/2011/main" xmlns="" val="1"/>
+              <ma14:wrappingTextBoxFlag xmlns="" xmlns:ma14="http://schemas.microsoft.com/office/mac/drawingml/2011/main" val="1"/>
             </a:ext>
           </a:extLst>
         </p:spPr>
@@ -7190,586 +7702,6 @@
     <a:masterClrMapping/>
   </p:clrMapOvr>
   <p:transition spd="med"/>
-</p:sld>
-</file>
-
-<file path=ppt/slides/slide19.xml><?xml version="1.0" encoding="utf-8"?>
-<p:sld xmlns:a="http://schemas.openxmlformats.org/drawingml/2006/main" xmlns:r="http://schemas.openxmlformats.org/officeDocument/2006/relationships" xmlns:p="http://schemas.openxmlformats.org/presentationml/2006/main">
-  <p:cSld>
-    <p:spTree>
-      <p:nvGrpSpPr>
-        <p:cNvPr id="1" name=""/>
-        <p:cNvGrpSpPr/>
-        <p:nvPr/>
-      </p:nvGrpSpPr>
-      <p:grpSpPr>
-        <a:xfrm>
-          <a:off x="0" y="0"/>
-          <a:ext cx="0" cy="0"/>
-          <a:chOff x="0" y="0"/>
-          <a:chExt cx="0" cy="0"/>
-        </a:xfrm>
-      </p:grpSpPr>
-      <p:grpSp>
-        <p:nvGrpSpPr>
-          <p:cNvPr id="433" name="Group 433"/>
-          <p:cNvGrpSpPr/>
-          <p:nvPr/>
-        </p:nvGrpSpPr>
-        <p:grpSpPr>
-          <a:xfrm>
-            <a:off x="457608" y="293359"/>
-            <a:ext cx="6076541" cy="878511"/>
-            <a:chOff x="-2" y="1693528"/>
-            <a:chExt cx="12153081" cy="1757022"/>
-          </a:xfrm>
-        </p:grpSpPr>
-        <p:sp>
-          <p:nvSpPr>
-            <p:cNvPr id="430" name="Shape 430"/>
-            <p:cNvSpPr/>
-            <p:nvPr/>
-          </p:nvSpPr>
-          <p:spPr>
-            <a:xfrm>
-              <a:off x="-2" y="1693528"/>
-              <a:ext cx="12153081" cy="1274452"/>
-            </a:xfrm>
-            <a:prstGeom prst="rect">
-              <a:avLst/>
-            </a:prstGeom>
-            <a:noFill/>
-            <a:ln w="12700" cap="flat">
-              <a:noFill/>
-              <a:miter lim="400000"/>
-            </a:ln>
-            <a:effectLst/>
-            <a:extLst>
-              <a:ext uri="{C572A759-6A51-4108-AA02-DFA0A04FC94B}">
-                <ma14:wrappingTextBoxFlag xmlns:ma14="http://schemas.microsoft.com/office/mac/drawingml/2011/main" xmlns="" val="1"/>
-              </a:ext>
-            </a:extLst>
-          </p:spPr>
-          <p:txBody>
-            <a:bodyPr wrap="square" lIns="0" tIns="0" rIns="0" bIns="0" numCol="1" anchor="b">
-              <a:spAutoFit/>
-            </a:bodyPr>
-            <a:lstStyle/>
-            <a:p>
-              <a:pPr>
-                <a:lnSpc>
-                  <a:spcPct val="80000"/>
-                </a:lnSpc>
-                <a:defRPr sz="10100" b="1">
-                  <a:latin typeface="Didot"/>
-                  <a:ea typeface="Didot"/>
-                  <a:cs typeface="Didot"/>
-                  <a:sym typeface="Didot"/>
-                </a:defRPr>
-              </a:pPr>
-              <a:r>
-                <a:rPr lang="fr-CH" sz="5050" dirty="0" err="1"/>
-                <a:t>Wordclouds</a:t>
-              </a:r>
-              <a:endParaRPr sz="5050" dirty="0"/>
-            </a:p>
-          </p:txBody>
-        </p:sp>
-        <p:sp>
-          <p:nvSpPr>
-            <p:cNvPr id="431" name="Shape 431"/>
-            <p:cNvSpPr/>
-            <p:nvPr/>
-          </p:nvSpPr>
-          <p:spPr>
-            <a:xfrm>
-              <a:off x="-2" y="2967980"/>
-              <a:ext cx="2959784" cy="482570"/>
-            </a:xfrm>
-            <a:prstGeom prst="rect">
-              <a:avLst/>
-            </a:prstGeom>
-            <a:noFill/>
-            <a:ln w="12700" cap="flat">
-              <a:noFill/>
-              <a:miter lim="400000"/>
-            </a:ln>
-            <a:effectLst/>
-            <a:extLst>
-              <a:ext uri="{C572A759-6A51-4108-AA02-DFA0A04FC94B}">
-                <ma14:wrappingTextBoxFlag xmlns:ma14="http://schemas.microsoft.com/office/mac/drawingml/2011/main" xmlns="" val="1"/>
-              </a:ext>
-            </a:extLst>
-          </p:spPr>
-          <p:txBody>
-            <a:bodyPr wrap="none" lIns="0" tIns="0" rIns="0" bIns="0" numCol="1" anchor="ctr">
-              <a:spAutoFit/>
-            </a:bodyPr>
-            <a:lstStyle/>
-            <a:p>
-              <a:pPr>
-                <a:lnSpc>
-                  <a:spcPct val="120000"/>
-                </a:lnSpc>
-                <a:defRPr sz="2400" spc="647"/>
-              </a:pPr>
-              <a:r>
-                <a:rPr lang="fr-CH" sz="1400" spc="300" dirty="0"/>
-                <a:t>United States</a:t>
-              </a:r>
-              <a:endParaRPr sz="1400" spc="300" dirty="0"/>
-            </a:p>
-          </p:txBody>
-        </p:sp>
-      </p:grpSp>
-      <p:pic>
-        <p:nvPicPr>
-          <p:cNvPr id="7" name="Image 6">
-            <a:extLst>
-              <a:ext uri="{FF2B5EF4-FFF2-40B4-BE49-F238E27FC236}">
-                <a16:creationId xmlns:a16="http://schemas.microsoft.com/office/drawing/2014/main" id="{10C8246A-582D-4075-9861-F2535ECF1CFA}"/>
-              </a:ext>
-            </a:extLst>
-          </p:cNvPr>
-          <p:cNvPicPr>
-            <a:picLocks noChangeAspect="1"/>
-          </p:cNvPicPr>
-          <p:nvPr/>
-        </p:nvPicPr>
-        <p:blipFill>
-          <a:blip r:embed="rId2">
-            <a:extLst>
-              <a:ext uri="{28A0092B-C50C-407E-A947-70E740481C1C}">
-                <a14:useLocalDpi xmlns:a14="http://schemas.microsoft.com/office/drawing/2010/main" val="0"/>
-              </a:ext>
-            </a:extLst>
-          </a:blip>
-          <a:stretch>
-            <a:fillRect/>
-          </a:stretch>
-        </p:blipFill>
-        <p:spPr>
-          <a:xfrm>
-            <a:off x="10635101" y="116166"/>
-            <a:ext cx="1380897" cy="301035"/>
-          </a:xfrm>
-          <a:prstGeom prst="rect">
-            <a:avLst/>
-          </a:prstGeom>
-        </p:spPr>
-      </p:pic>
-      <p:pic>
-        <p:nvPicPr>
-          <p:cNvPr id="3" name="Image 2">
-            <a:extLst>
-              <a:ext uri="{FF2B5EF4-FFF2-40B4-BE49-F238E27FC236}">
-                <a16:creationId xmlns:a16="http://schemas.microsoft.com/office/drawing/2014/main" id="{22BEF0AD-155D-4FE7-B378-39BA0640D383}"/>
-              </a:ext>
-            </a:extLst>
-          </p:cNvPr>
-          <p:cNvPicPr>
-            <a:picLocks noChangeAspect="1"/>
-          </p:cNvPicPr>
-          <p:nvPr/>
-        </p:nvPicPr>
-        <p:blipFill rotWithShape="1">
-          <a:blip r:embed="rId3">
-            <a:extLst>
-              <a:ext uri="{28A0092B-C50C-407E-A947-70E740481C1C}">
-                <a14:useLocalDpi xmlns:a14="http://schemas.microsoft.com/office/drawing/2010/main" val="0"/>
-              </a:ext>
-            </a:extLst>
-          </a:blip>
-          <a:srcRect l="39531" r="38125"/>
-          <a:stretch/>
-        </p:blipFill>
-        <p:spPr>
-          <a:xfrm>
-            <a:off x="276225" y="1478280"/>
-            <a:ext cx="2724150" cy="3901440"/>
-          </a:xfrm>
-          <a:prstGeom prst="rect">
-            <a:avLst/>
-          </a:prstGeom>
-        </p:spPr>
-      </p:pic>
-      <p:sp>
-        <p:nvSpPr>
-          <p:cNvPr id="9" name="Shape 432">
-            <a:extLst>
-              <a:ext uri="{FF2B5EF4-FFF2-40B4-BE49-F238E27FC236}">
-                <a16:creationId xmlns:a16="http://schemas.microsoft.com/office/drawing/2014/main" id="{DA70FCA4-09FF-4997-AE5E-E00F7704B268}"/>
-              </a:ext>
-            </a:extLst>
-          </p:cNvPr>
-          <p:cNvSpPr/>
-          <p:nvPr/>
-        </p:nvSpPr>
-        <p:spPr>
-          <a:xfrm>
-            <a:off x="911195" y="5592418"/>
-            <a:ext cx="1454210" cy="187424"/>
-          </a:xfrm>
-          <a:prstGeom prst="rect">
-            <a:avLst/>
-          </a:prstGeom>
-          <a:noFill/>
-          <a:ln w="12700" cap="flat">
-            <a:noFill/>
-            <a:miter lim="400000"/>
-          </a:ln>
-          <a:effectLst/>
-          <a:extLst>
-            <a:ext uri="{C572A759-6A51-4108-AA02-DFA0A04FC94B}">
-              <ma14:wrappingTextBoxFlag xmlns:ma14="http://schemas.microsoft.com/office/mac/drawingml/2011/main" xmlns="" val="1"/>
-            </a:ext>
-          </a:extLst>
-        </p:spPr>
-        <p:txBody>
-          <a:bodyPr wrap="square" lIns="0" tIns="0" rIns="0" bIns="0" numCol="1" anchor="t">
-            <a:spAutoFit/>
-          </a:bodyPr>
-          <a:lstStyle>
-            <a:lvl1pPr algn="l" defTabSz="1828800">
-              <a:lnSpc>
-                <a:spcPct val="110000"/>
-              </a:lnSpc>
-              <a:defRPr sz="2400">
-                <a:latin typeface="PT Sans"/>
-                <a:ea typeface="PT Sans"/>
-                <a:cs typeface="PT Sans"/>
-                <a:sym typeface="PT Sans"/>
-              </a:defRPr>
-            </a:lvl1pPr>
-          </a:lstStyle>
-          <a:p>
-            <a:pPr algn="ctr"/>
-            <a:r>
-              <a:rPr lang="fr-CH" sz="1200" dirty="0"/>
-              <a:t>Ellen </a:t>
-            </a:r>
-            <a:r>
-              <a:rPr lang="fr-CH" sz="1200" dirty="0" err="1"/>
-              <a:t>DeGeneres</a:t>
-            </a:r>
-            <a:endParaRPr lang="fr-CH" sz="1200" dirty="0"/>
-          </a:p>
-        </p:txBody>
-      </p:sp>
-      <p:pic>
-        <p:nvPicPr>
-          <p:cNvPr id="5" name="Image 4" descr="Une image contenant capture d’écran&#10;&#10;Description générée automatiquement">
-            <a:extLst>
-              <a:ext uri="{FF2B5EF4-FFF2-40B4-BE49-F238E27FC236}">
-                <a16:creationId xmlns:a16="http://schemas.microsoft.com/office/drawing/2014/main" id="{BE5C5659-8059-4A5D-BDF1-8886DC42DB8B}"/>
-              </a:ext>
-            </a:extLst>
-          </p:cNvPr>
-          <p:cNvPicPr>
-            <a:picLocks noChangeAspect="1"/>
-          </p:cNvPicPr>
-          <p:nvPr/>
-        </p:nvPicPr>
-        <p:blipFill rotWithShape="1">
-          <a:blip r:embed="rId4">
-            <a:extLst>
-              <a:ext uri="{28A0092B-C50C-407E-A947-70E740481C1C}">
-                <a14:useLocalDpi xmlns:a14="http://schemas.microsoft.com/office/drawing/2010/main" val="0"/>
-              </a:ext>
-            </a:extLst>
-          </a:blip>
-          <a:srcRect l="38047" r="38516"/>
-          <a:stretch/>
-        </p:blipFill>
-        <p:spPr>
-          <a:xfrm>
-            <a:off x="3321050" y="1478280"/>
-            <a:ext cx="2857501" cy="3901440"/>
-          </a:xfrm>
-          <a:prstGeom prst="rect">
-            <a:avLst/>
-          </a:prstGeom>
-        </p:spPr>
-      </p:pic>
-      <p:sp>
-        <p:nvSpPr>
-          <p:cNvPr id="12" name="Shape 432">
-            <a:extLst>
-              <a:ext uri="{FF2B5EF4-FFF2-40B4-BE49-F238E27FC236}">
-                <a16:creationId xmlns:a16="http://schemas.microsoft.com/office/drawing/2014/main" id="{DEFF7EE1-656E-49D3-849C-52AC25A2F860}"/>
-              </a:ext>
-            </a:extLst>
-          </p:cNvPr>
-          <p:cNvSpPr/>
-          <p:nvPr/>
-        </p:nvSpPr>
-        <p:spPr>
-          <a:xfrm>
-            <a:off x="4022695" y="5592418"/>
-            <a:ext cx="1454210" cy="187424"/>
-          </a:xfrm>
-          <a:prstGeom prst="rect">
-            <a:avLst/>
-          </a:prstGeom>
-          <a:noFill/>
-          <a:ln w="12700" cap="flat">
-            <a:noFill/>
-            <a:miter lim="400000"/>
-          </a:ln>
-          <a:effectLst/>
-          <a:extLst>
-            <a:ext uri="{C572A759-6A51-4108-AA02-DFA0A04FC94B}">
-              <ma14:wrappingTextBoxFlag xmlns:ma14="http://schemas.microsoft.com/office/mac/drawingml/2011/main" xmlns="" val="1"/>
-            </a:ext>
-          </a:extLst>
-        </p:spPr>
-        <p:txBody>
-          <a:bodyPr wrap="square" lIns="0" tIns="0" rIns="0" bIns="0" numCol="1" anchor="t">
-            <a:spAutoFit/>
-          </a:bodyPr>
-          <a:lstStyle>
-            <a:lvl1pPr algn="l" defTabSz="1828800">
-              <a:lnSpc>
-                <a:spcPct val="110000"/>
-              </a:lnSpc>
-              <a:defRPr sz="2400">
-                <a:latin typeface="PT Sans"/>
-                <a:ea typeface="PT Sans"/>
-                <a:cs typeface="PT Sans"/>
-                <a:sym typeface="PT Sans"/>
-              </a:defRPr>
-            </a:lvl1pPr>
-          </a:lstStyle>
-          <a:p>
-            <a:pPr algn="ctr"/>
-            <a:r>
-              <a:rPr lang="fr-CH" sz="1200" dirty="0"/>
-              <a:t>Donald Trump</a:t>
-            </a:r>
-          </a:p>
-        </p:txBody>
-      </p:sp>
-      <p:pic>
-        <p:nvPicPr>
-          <p:cNvPr id="8" name="Image 7">
-            <a:extLst>
-              <a:ext uri="{FF2B5EF4-FFF2-40B4-BE49-F238E27FC236}">
-                <a16:creationId xmlns:a16="http://schemas.microsoft.com/office/drawing/2014/main" id="{B653B315-4283-4892-9B95-EE76AE843FEC}"/>
-              </a:ext>
-            </a:extLst>
-          </p:cNvPr>
-          <p:cNvPicPr>
-            <a:picLocks noChangeAspect="1"/>
-          </p:cNvPicPr>
-          <p:nvPr/>
-        </p:nvPicPr>
-        <p:blipFill rotWithShape="1">
-          <a:blip r:embed="rId5">
-            <a:extLst>
-              <a:ext uri="{28A0092B-C50C-407E-A947-70E740481C1C}">
-                <a14:useLocalDpi xmlns:a14="http://schemas.microsoft.com/office/drawing/2010/main" val="0"/>
-              </a:ext>
-            </a:extLst>
-          </a:blip>
-          <a:srcRect l="42813" r="40547"/>
-          <a:stretch/>
-        </p:blipFill>
-        <p:spPr>
-          <a:xfrm>
-            <a:off x="6499226" y="1478280"/>
-            <a:ext cx="2028825" cy="3901440"/>
-          </a:xfrm>
-          <a:prstGeom prst="rect">
-            <a:avLst/>
-          </a:prstGeom>
-        </p:spPr>
-      </p:pic>
-      <p:sp>
-        <p:nvSpPr>
-          <p:cNvPr id="15" name="Shape 432">
-            <a:extLst>
-              <a:ext uri="{FF2B5EF4-FFF2-40B4-BE49-F238E27FC236}">
-                <a16:creationId xmlns:a16="http://schemas.microsoft.com/office/drawing/2014/main" id="{F18CE8F7-71C4-4B00-9F3E-4BF889AFC2D7}"/>
-              </a:ext>
-            </a:extLst>
-          </p:cNvPr>
-          <p:cNvSpPr/>
-          <p:nvPr/>
-        </p:nvSpPr>
-        <p:spPr>
-          <a:xfrm>
-            <a:off x="6786533" y="5576233"/>
-            <a:ext cx="1454210" cy="187424"/>
-          </a:xfrm>
-          <a:prstGeom prst="rect">
-            <a:avLst/>
-          </a:prstGeom>
-          <a:noFill/>
-          <a:ln w="12700" cap="flat">
-            <a:noFill/>
-            <a:miter lim="400000"/>
-          </a:ln>
-          <a:effectLst/>
-          <a:extLst>
-            <a:ext uri="{C572A759-6A51-4108-AA02-DFA0A04FC94B}">
-              <ma14:wrappingTextBoxFlag xmlns:ma14="http://schemas.microsoft.com/office/mac/drawingml/2011/main" xmlns="" val="1"/>
-            </a:ext>
-          </a:extLst>
-        </p:spPr>
-        <p:txBody>
-          <a:bodyPr wrap="square" lIns="0" tIns="0" rIns="0" bIns="0" numCol="1" anchor="t">
-            <a:spAutoFit/>
-          </a:bodyPr>
-          <a:lstStyle>
-            <a:lvl1pPr algn="l" defTabSz="1828800">
-              <a:lnSpc>
-                <a:spcPct val="110000"/>
-              </a:lnSpc>
-              <a:defRPr sz="2400">
-                <a:latin typeface="PT Sans"/>
-                <a:ea typeface="PT Sans"/>
-                <a:cs typeface="PT Sans"/>
-                <a:sym typeface="PT Sans"/>
-              </a:defRPr>
-            </a:lvl1pPr>
-          </a:lstStyle>
-          <a:p>
-            <a:pPr algn="ctr"/>
-            <a:r>
-              <a:rPr lang="fr-CH" sz="1200" dirty="0"/>
-              <a:t>USA </a:t>
-            </a:r>
-            <a:r>
-              <a:rPr lang="fr-CH" sz="1200" dirty="0" err="1"/>
-              <a:t>Today</a:t>
-            </a:r>
-            <a:r>
-              <a:rPr lang="fr-CH" sz="1200" dirty="0"/>
-              <a:t> </a:t>
-            </a:r>
-            <a:r>
-              <a:rPr lang="fr-CH" sz="1200" dirty="0" err="1"/>
-              <a:t>Health</a:t>
-            </a:r>
-            <a:endParaRPr lang="fr-CH" sz="1200" dirty="0"/>
-          </a:p>
-        </p:txBody>
-      </p:sp>
-      <p:pic>
-        <p:nvPicPr>
-          <p:cNvPr id="11" name="Image 10">
-            <a:extLst>
-              <a:ext uri="{FF2B5EF4-FFF2-40B4-BE49-F238E27FC236}">
-                <a16:creationId xmlns:a16="http://schemas.microsoft.com/office/drawing/2014/main" id="{A9368100-A6F5-4E10-96AF-F38BFE5298DA}"/>
-              </a:ext>
-            </a:extLst>
-          </p:cNvPr>
-          <p:cNvPicPr>
-            <a:picLocks noChangeAspect="1"/>
-          </p:cNvPicPr>
-          <p:nvPr/>
-        </p:nvPicPr>
-        <p:blipFill rotWithShape="1">
-          <a:blip r:embed="rId6">
-            <a:extLst>
-              <a:ext uri="{28A0092B-C50C-407E-A947-70E740481C1C}">
-                <a14:useLocalDpi xmlns:a14="http://schemas.microsoft.com/office/drawing/2010/main" val="0"/>
-              </a:ext>
-            </a:extLst>
-          </a:blip>
-          <a:srcRect l="39087" r="38569"/>
-          <a:stretch/>
-        </p:blipFill>
-        <p:spPr>
-          <a:xfrm>
-            <a:off x="8848725" y="1478280"/>
-            <a:ext cx="2724150" cy="3901440"/>
-          </a:xfrm>
-          <a:prstGeom prst="rect">
-            <a:avLst/>
-          </a:prstGeom>
-        </p:spPr>
-      </p:pic>
-      <p:sp>
-        <p:nvSpPr>
-          <p:cNvPr id="18" name="Shape 432">
-            <a:extLst>
-              <a:ext uri="{FF2B5EF4-FFF2-40B4-BE49-F238E27FC236}">
-                <a16:creationId xmlns:a16="http://schemas.microsoft.com/office/drawing/2014/main" id="{734AD325-E438-4C9C-8D06-AD827B4A96EF}"/>
-              </a:ext>
-            </a:extLst>
-          </p:cNvPr>
-          <p:cNvSpPr/>
-          <p:nvPr/>
-        </p:nvSpPr>
-        <p:spPr>
-          <a:xfrm>
-            <a:off x="9483695" y="5592418"/>
-            <a:ext cx="1454210" cy="187424"/>
-          </a:xfrm>
-          <a:prstGeom prst="rect">
-            <a:avLst/>
-          </a:prstGeom>
-          <a:noFill/>
-          <a:ln w="12700" cap="flat">
-            <a:noFill/>
-            <a:miter lim="400000"/>
-          </a:ln>
-          <a:effectLst/>
-          <a:extLst>
-            <a:ext uri="{C572A759-6A51-4108-AA02-DFA0A04FC94B}">
-              <ma14:wrappingTextBoxFlag xmlns:ma14="http://schemas.microsoft.com/office/mac/drawingml/2011/main" xmlns="" val="1"/>
-            </a:ext>
-          </a:extLst>
-        </p:spPr>
-        <p:txBody>
-          <a:bodyPr wrap="square" lIns="0" tIns="0" rIns="0" bIns="0" numCol="1" anchor="t">
-            <a:spAutoFit/>
-          </a:bodyPr>
-          <a:lstStyle>
-            <a:lvl1pPr algn="l" defTabSz="1828800">
-              <a:lnSpc>
-                <a:spcPct val="110000"/>
-              </a:lnSpc>
-              <a:defRPr sz="2400">
-                <a:latin typeface="PT Sans"/>
-                <a:ea typeface="PT Sans"/>
-                <a:cs typeface="PT Sans"/>
-                <a:sym typeface="PT Sans"/>
-              </a:defRPr>
-            </a:lvl1pPr>
-          </a:lstStyle>
-          <a:p>
-            <a:pPr algn="ctr"/>
-            <a:r>
-              <a:rPr lang="fr-CH" sz="1200" dirty="0"/>
-              <a:t>General</a:t>
-            </a:r>
-          </a:p>
-        </p:txBody>
-      </p:sp>
-    </p:spTree>
-    <p:extLst>
-      <p:ext uri="{BB962C8B-B14F-4D97-AF65-F5344CB8AC3E}">
-        <p14:creationId xmlns:p14="http://schemas.microsoft.com/office/powerpoint/2010/main" val="1704055720"/>
-      </p:ext>
-    </p:extLst>
-  </p:cSld>
-  <p:clrMapOvr>
-    <a:masterClrMapping/>
-  </p:clrMapOvr>
-  <mc:AlternateContent xmlns:mc="http://schemas.openxmlformats.org/markup-compatibility/2006" xmlns:p14="http://schemas.microsoft.com/office/powerpoint/2010/main">
-    <mc:Choice Requires="p14">
-      <p:transition spd="slow" p14:dur="1700">
-        <p14:prism dir="r" isContent="1"/>
-      </p:transition>
-    </mc:Choice>
-    <mc:Fallback xmlns="">
-      <p:transition spd="slow">
-        <p:fade/>
-      </p:transition>
-    </mc:Fallback>
-  </mc:AlternateContent>
 </p:sld>
 </file>
 
@@ -7854,7 +7786,7 @@
           </a:ln>
           <a:extLst>
             <a:ext uri="{C572A759-6A51-4108-AA02-DFA0A04FC94B}">
-              <ma14:wrappingTextBoxFlag xmlns:ma14="http://schemas.microsoft.com/office/mac/drawingml/2011/main" xmlns="" val="1"/>
+              <ma14:wrappingTextBoxFlag xmlns="" xmlns:ma14="http://schemas.microsoft.com/office/mac/drawingml/2011/main" val="1"/>
             </a:ext>
           </a:extLst>
         </p:spPr>
@@ -7904,7 +7836,7 @@
           </a:ln>
           <a:extLst>
             <a:ext uri="{C572A759-6A51-4108-AA02-DFA0A04FC94B}">
-              <ma14:wrappingTextBoxFlag xmlns:ma14="http://schemas.microsoft.com/office/mac/drawingml/2011/main" xmlns="" val="1"/>
+              <ma14:wrappingTextBoxFlag xmlns="" xmlns:ma14="http://schemas.microsoft.com/office/mac/drawingml/2011/main" val="1"/>
             </a:ext>
           </a:extLst>
         </p:spPr>
@@ -7954,7 +7886,7 @@
           </a:ln>
           <a:extLst>
             <a:ext uri="{C572A759-6A51-4108-AA02-DFA0A04FC94B}">
-              <ma14:wrappingTextBoxFlag xmlns:ma14="http://schemas.microsoft.com/office/mac/drawingml/2011/main" xmlns="" val="1"/>
+              <ma14:wrappingTextBoxFlag xmlns="" xmlns:ma14="http://schemas.microsoft.com/office/mac/drawingml/2011/main" val="1"/>
             </a:ext>
           </a:extLst>
         </p:spPr>
@@ -8004,7 +7936,7 @@
           </a:ln>
           <a:extLst>
             <a:ext uri="{C572A759-6A51-4108-AA02-DFA0A04FC94B}">
-              <ma14:wrappingTextBoxFlag xmlns:ma14="http://schemas.microsoft.com/office/mac/drawingml/2011/main" xmlns="" val="1"/>
+              <ma14:wrappingTextBoxFlag xmlns="" xmlns:ma14="http://schemas.microsoft.com/office/mac/drawingml/2011/main" val="1"/>
             </a:ext>
           </a:extLst>
         </p:spPr>
@@ -8186,7 +8118,7 @@
           </a:ln>
           <a:extLst>
             <a:ext uri="{C572A759-6A51-4108-AA02-DFA0A04FC94B}">
-              <ma14:wrappingTextBoxFlag xmlns:ma14="http://schemas.microsoft.com/office/mac/drawingml/2011/main" xmlns="" val="1"/>
+              <ma14:wrappingTextBoxFlag xmlns="" xmlns:ma14="http://schemas.microsoft.com/office/mac/drawingml/2011/main" val="1"/>
             </a:ext>
           </a:extLst>
         </p:spPr>
@@ -8236,7 +8168,7 @@
           </a:ln>
           <a:extLst>
             <a:ext uri="{C572A759-6A51-4108-AA02-DFA0A04FC94B}">
-              <ma14:wrappingTextBoxFlag xmlns:ma14="http://schemas.microsoft.com/office/mac/drawingml/2011/main" xmlns="" val="1"/>
+              <ma14:wrappingTextBoxFlag xmlns="" xmlns:ma14="http://schemas.microsoft.com/office/mac/drawingml/2011/main" val="1"/>
             </a:ext>
           </a:extLst>
         </p:spPr>
@@ -8286,7 +8218,7 @@
           </a:ln>
           <a:extLst>
             <a:ext uri="{C572A759-6A51-4108-AA02-DFA0A04FC94B}">
-              <ma14:wrappingTextBoxFlag xmlns:ma14="http://schemas.microsoft.com/office/mac/drawingml/2011/main" xmlns="" val="1"/>
+              <ma14:wrappingTextBoxFlag xmlns="" xmlns:ma14="http://schemas.microsoft.com/office/mac/drawingml/2011/main" val="1"/>
             </a:ext>
           </a:extLst>
         </p:spPr>
@@ -8336,7 +8268,7 @@
           </a:ln>
           <a:extLst>
             <a:ext uri="{C572A759-6A51-4108-AA02-DFA0A04FC94B}">
-              <ma14:wrappingTextBoxFlag xmlns:ma14="http://schemas.microsoft.com/office/mac/drawingml/2011/main" xmlns="" val="1"/>
+              <ma14:wrappingTextBoxFlag xmlns="" xmlns:ma14="http://schemas.microsoft.com/office/mac/drawingml/2011/main" val="1"/>
             </a:ext>
           </a:extLst>
         </p:spPr>
@@ -8386,7 +8318,7 @@
           </a:ln>
           <a:extLst>
             <a:ext uri="{C572A759-6A51-4108-AA02-DFA0A04FC94B}">
-              <ma14:wrappingTextBoxFlag xmlns:ma14="http://schemas.microsoft.com/office/mac/drawingml/2011/main" xmlns="" val="1"/>
+              <ma14:wrappingTextBoxFlag xmlns="" xmlns:ma14="http://schemas.microsoft.com/office/mac/drawingml/2011/main" val="1"/>
             </a:ext>
           </a:extLst>
         </p:spPr>
@@ -8572,7 +8504,7 @@
             <a:effectLst/>
             <a:extLst>
               <a:ext uri="{C572A759-6A51-4108-AA02-DFA0A04FC94B}">
-                <ma14:wrappingTextBoxFlag xmlns:ma14="http://schemas.microsoft.com/office/mac/drawingml/2011/main" xmlns="" val="1"/>
+                <ma14:wrappingTextBoxFlag xmlns="" xmlns:ma14="http://schemas.microsoft.com/office/mac/drawingml/2011/main" val="1"/>
               </a:ext>
             </a:extLst>
           </p:spPr>
@@ -8594,8 +8526,8 @@
                 </a:defRPr>
               </a:pPr>
               <a:r>
-                <a:rPr lang="fr-CH" sz="5050" dirty="0" err="1"/>
-                <a:t>Wordclouds</a:t>
+                <a:rPr lang="fr-CH" sz="5050" dirty="0"/>
+                <a:t>Donal Trump</a:t>
               </a:r>
               <a:endParaRPr sz="5050" dirty="0"/>
             </a:p>
@@ -8610,7 +8542,7 @@
           <p:spPr>
             <a:xfrm>
               <a:off x="-2" y="2967980"/>
-              <a:ext cx="3436068" cy="482570"/>
+              <a:ext cx="4510210" cy="482570"/>
             </a:xfrm>
             <a:prstGeom prst="rect">
               <a:avLst/>
@@ -8623,7 +8555,7 @@
             <a:effectLst/>
             <a:extLst>
               <a:ext uri="{C572A759-6A51-4108-AA02-DFA0A04FC94B}">
-                <ma14:wrappingTextBoxFlag xmlns:ma14="http://schemas.microsoft.com/office/mac/drawingml/2011/main" xmlns="" val="1"/>
+                <ma14:wrappingTextBoxFlag xmlns="" xmlns:ma14="http://schemas.microsoft.com/office/mac/drawingml/2011/main" val="1"/>
               </a:ext>
             </a:extLst>
           </p:spPr>
@@ -8640,12 +8572,12 @@
                 <a:defRPr sz="2400" spc="647"/>
               </a:pPr>
               <a:r>
+                <a:rPr lang="fr-CH" sz="1400" spc="300" dirty="0" err="1"/>
+                <a:t>Wordclouds</a:t>
+              </a:r>
+              <a:r>
                 <a:rPr lang="fr-CH" sz="1400" spc="300" dirty="0"/>
-                <a:t>United </a:t>
-              </a:r>
-              <a:r>
-                <a:rPr lang="fr-CH" sz="1400" spc="300" dirty="0" err="1"/>
-                <a:t>Kingdom</a:t>
+                <a:t> &amp; Topics</a:t>
               </a:r>
               <a:endParaRPr sz="1400" spc="300" dirty="0"/>
             </a:p>
@@ -8688,249 +8620,12 @@
           </a:prstGeom>
         </p:spPr>
       </p:pic>
-      <p:sp>
-        <p:nvSpPr>
-          <p:cNvPr id="9" name="Shape 432">
-            <a:extLst>
-              <a:ext uri="{FF2B5EF4-FFF2-40B4-BE49-F238E27FC236}">
-                <a16:creationId xmlns:a16="http://schemas.microsoft.com/office/drawing/2014/main" id="{DA70FCA4-09FF-4997-AE5E-E00F7704B268}"/>
-              </a:ext>
-            </a:extLst>
-          </p:cNvPr>
-          <p:cNvSpPr/>
-          <p:nvPr/>
-        </p:nvSpPr>
-        <p:spPr>
-          <a:xfrm>
-            <a:off x="911195" y="5592418"/>
-            <a:ext cx="1454210" cy="187424"/>
-          </a:xfrm>
-          <a:prstGeom prst="rect">
-            <a:avLst/>
-          </a:prstGeom>
-          <a:noFill/>
-          <a:ln w="12700" cap="flat">
-            <a:noFill/>
-            <a:miter lim="400000"/>
-          </a:ln>
-          <a:effectLst/>
-          <a:extLst>
-            <a:ext uri="{C572A759-6A51-4108-AA02-DFA0A04FC94B}">
-              <ma14:wrappingTextBoxFlag xmlns:ma14="http://schemas.microsoft.com/office/mac/drawingml/2011/main" xmlns="" val="1"/>
-            </a:ext>
-          </a:extLst>
-        </p:spPr>
-        <p:txBody>
-          <a:bodyPr wrap="square" lIns="0" tIns="0" rIns="0" bIns="0" numCol="1" anchor="t">
-            <a:spAutoFit/>
-          </a:bodyPr>
-          <a:lstStyle>
-            <a:lvl1pPr algn="l" defTabSz="1828800">
-              <a:lnSpc>
-                <a:spcPct val="110000"/>
-              </a:lnSpc>
-              <a:defRPr sz="2400">
-                <a:latin typeface="PT Sans"/>
-                <a:ea typeface="PT Sans"/>
-                <a:cs typeface="PT Sans"/>
-                <a:sym typeface="PT Sans"/>
-              </a:defRPr>
-            </a:lvl1pPr>
-          </a:lstStyle>
-          <a:p>
-            <a:pPr algn="ctr"/>
-            <a:r>
-              <a:rPr lang="fr-CH" sz="1200" dirty="0"/>
-              <a:t>BBC </a:t>
-            </a:r>
-            <a:r>
-              <a:rPr lang="fr-CH" sz="1200" dirty="0" err="1"/>
-              <a:t>Health</a:t>
-            </a:r>
-            <a:endParaRPr lang="fr-CH" sz="1200" dirty="0"/>
-          </a:p>
-        </p:txBody>
-      </p:sp>
-      <p:sp>
-        <p:nvSpPr>
-          <p:cNvPr id="12" name="Shape 432">
-            <a:extLst>
-              <a:ext uri="{FF2B5EF4-FFF2-40B4-BE49-F238E27FC236}">
-                <a16:creationId xmlns:a16="http://schemas.microsoft.com/office/drawing/2014/main" id="{DEFF7EE1-656E-49D3-849C-52AC25A2F860}"/>
-              </a:ext>
-            </a:extLst>
-          </p:cNvPr>
-          <p:cNvSpPr/>
-          <p:nvPr/>
-        </p:nvSpPr>
-        <p:spPr>
-          <a:xfrm>
-            <a:off x="4022695" y="5592418"/>
-            <a:ext cx="1454210" cy="187424"/>
-          </a:xfrm>
-          <a:prstGeom prst="rect">
-            <a:avLst/>
-          </a:prstGeom>
-          <a:noFill/>
-          <a:ln w="12700" cap="flat">
-            <a:noFill/>
-            <a:miter lim="400000"/>
-          </a:ln>
-          <a:effectLst/>
-          <a:extLst>
-            <a:ext uri="{C572A759-6A51-4108-AA02-DFA0A04FC94B}">
-              <ma14:wrappingTextBoxFlag xmlns:ma14="http://schemas.microsoft.com/office/mac/drawingml/2011/main" xmlns="" val="1"/>
-            </a:ext>
-          </a:extLst>
-        </p:spPr>
-        <p:txBody>
-          <a:bodyPr wrap="square" lIns="0" tIns="0" rIns="0" bIns="0" numCol="1" anchor="t">
-            <a:spAutoFit/>
-          </a:bodyPr>
-          <a:lstStyle>
-            <a:lvl1pPr algn="l" defTabSz="1828800">
-              <a:lnSpc>
-                <a:spcPct val="110000"/>
-              </a:lnSpc>
-              <a:defRPr sz="2400">
-                <a:latin typeface="PT Sans"/>
-                <a:ea typeface="PT Sans"/>
-                <a:cs typeface="PT Sans"/>
-                <a:sym typeface="PT Sans"/>
-              </a:defRPr>
-            </a:lvl1pPr>
-          </a:lstStyle>
-          <a:p>
-            <a:pPr algn="ctr"/>
-            <a:r>
-              <a:rPr lang="fr-CH" sz="1200" dirty="0"/>
-              <a:t>Boris Johnson</a:t>
-            </a:r>
-          </a:p>
-        </p:txBody>
-      </p:sp>
-      <p:sp>
-        <p:nvSpPr>
-          <p:cNvPr id="15" name="Shape 432">
-            <a:extLst>
-              <a:ext uri="{FF2B5EF4-FFF2-40B4-BE49-F238E27FC236}">
-                <a16:creationId xmlns:a16="http://schemas.microsoft.com/office/drawing/2014/main" id="{F18CE8F7-71C4-4B00-9F3E-4BF889AFC2D7}"/>
-              </a:ext>
-            </a:extLst>
-          </p:cNvPr>
-          <p:cNvSpPr/>
-          <p:nvPr/>
-        </p:nvSpPr>
-        <p:spPr>
-          <a:xfrm>
-            <a:off x="6786533" y="5576233"/>
-            <a:ext cx="1454210" cy="187424"/>
-          </a:xfrm>
-          <a:prstGeom prst="rect">
-            <a:avLst/>
-          </a:prstGeom>
-          <a:noFill/>
-          <a:ln w="12700" cap="flat">
-            <a:noFill/>
-            <a:miter lim="400000"/>
-          </a:ln>
-          <a:effectLst/>
-          <a:extLst>
-            <a:ext uri="{C572A759-6A51-4108-AA02-DFA0A04FC94B}">
-              <ma14:wrappingTextBoxFlag xmlns:ma14="http://schemas.microsoft.com/office/mac/drawingml/2011/main" xmlns="" val="1"/>
-            </a:ext>
-          </a:extLst>
-        </p:spPr>
-        <p:txBody>
-          <a:bodyPr wrap="square" lIns="0" tIns="0" rIns="0" bIns="0" numCol="1" anchor="t">
-            <a:spAutoFit/>
-          </a:bodyPr>
-          <a:lstStyle>
-            <a:lvl1pPr algn="l" defTabSz="1828800">
-              <a:lnSpc>
-                <a:spcPct val="110000"/>
-              </a:lnSpc>
-              <a:defRPr sz="2400">
-                <a:latin typeface="PT Sans"/>
-                <a:ea typeface="PT Sans"/>
-                <a:cs typeface="PT Sans"/>
-                <a:sym typeface="PT Sans"/>
-              </a:defRPr>
-            </a:lvl1pPr>
-          </a:lstStyle>
-          <a:p>
-            <a:pPr algn="ctr"/>
-            <a:r>
-              <a:rPr lang="fr-CH" sz="1200" dirty="0"/>
-              <a:t>Liam Payne</a:t>
-            </a:r>
-          </a:p>
-        </p:txBody>
-      </p:sp>
-      <p:sp>
-        <p:nvSpPr>
-          <p:cNvPr id="18" name="Shape 432">
-            <a:extLst>
-              <a:ext uri="{FF2B5EF4-FFF2-40B4-BE49-F238E27FC236}">
-                <a16:creationId xmlns:a16="http://schemas.microsoft.com/office/drawing/2014/main" id="{734AD325-E438-4C9C-8D06-AD827B4A96EF}"/>
-              </a:ext>
-            </a:extLst>
-          </p:cNvPr>
-          <p:cNvSpPr/>
-          <p:nvPr/>
-        </p:nvSpPr>
-        <p:spPr>
-          <a:xfrm>
-            <a:off x="9483695" y="5592418"/>
-            <a:ext cx="1454210" cy="187424"/>
-          </a:xfrm>
-          <a:prstGeom prst="rect">
-            <a:avLst/>
-          </a:prstGeom>
-          <a:noFill/>
-          <a:ln w="12700" cap="flat">
-            <a:noFill/>
-            <a:miter lim="400000"/>
-          </a:ln>
-          <a:effectLst/>
-          <a:extLst>
-            <a:ext uri="{C572A759-6A51-4108-AA02-DFA0A04FC94B}">
-              <ma14:wrappingTextBoxFlag xmlns:ma14="http://schemas.microsoft.com/office/mac/drawingml/2011/main" xmlns="" val="1"/>
-            </a:ext>
-          </a:extLst>
-        </p:spPr>
-        <p:txBody>
-          <a:bodyPr wrap="square" lIns="0" tIns="0" rIns="0" bIns="0" numCol="1" anchor="t">
-            <a:spAutoFit/>
-          </a:bodyPr>
-          <a:lstStyle>
-            <a:lvl1pPr algn="l" defTabSz="1828800">
-              <a:lnSpc>
-                <a:spcPct val="110000"/>
-              </a:lnSpc>
-              <a:defRPr sz="2400">
-                <a:latin typeface="PT Sans"/>
-                <a:ea typeface="PT Sans"/>
-                <a:cs typeface="PT Sans"/>
-                <a:sym typeface="PT Sans"/>
-              </a:defRPr>
-            </a:lvl1pPr>
-          </a:lstStyle>
-          <a:p>
-            <a:pPr algn="ctr"/>
-            <a:r>
-              <a:rPr lang="fr-CH" sz="1200" dirty="0"/>
-              <a:t>General</a:t>
-            </a:r>
-          </a:p>
-        </p:txBody>
-      </p:sp>
       <p:pic>
         <p:nvPicPr>
-          <p:cNvPr id="4" name="Image 3">
+          <p:cNvPr id="8" name="Image 7" descr="Une image contenant capture d’écran&#10;&#10;Description générée automatiquement">
             <a:extLst>
               <a:ext uri="{FF2B5EF4-FFF2-40B4-BE49-F238E27FC236}">
-                <a16:creationId xmlns:a16="http://schemas.microsoft.com/office/drawing/2014/main" id="{1C6C0641-52C6-4828-90AA-1E183E1F24CB}"/>
+                <a16:creationId xmlns:a16="http://schemas.microsoft.com/office/drawing/2014/main" id="{C3DBB0E4-ACE5-47B9-B0DA-E48FE589BF5C}"/>
               </a:ext>
             </a:extLst>
           </p:cNvPr>
@@ -8947,118 +8642,13 @@
               </a:ext>
             </a:extLst>
           </a:blip>
-          <a:srcRect l="37760" r="37083"/>
+          <a:srcRect l="38047" r="38516"/>
           <a:stretch/>
         </p:blipFill>
         <p:spPr>
           <a:xfrm>
-            <a:off x="234949" y="1478280"/>
-            <a:ext cx="3067050" cy="3901440"/>
-          </a:xfrm>
-          <a:prstGeom prst="rect">
-            <a:avLst/>
-          </a:prstGeom>
-        </p:spPr>
-      </p:pic>
-      <p:pic>
-        <p:nvPicPr>
-          <p:cNvPr id="10" name="Image 9">
-            <a:extLst>
-              <a:ext uri="{FF2B5EF4-FFF2-40B4-BE49-F238E27FC236}">
-                <a16:creationId xmlns:a16="http://schemas.microsoft.com/office/drawing/2014/main" id="{AEBD42BA-223C-41BB-BD8F-3F42BDFFAF9A}"/>
-              </a:ext>
-            </a:extLst>
-          </p:cNvPr>
-          <p:cNvPicPr>
-            <a:picLocks noChangeAspect="1"/>
-          </p:cNvPicPr>
-          <p:nvPr/>
-        </p:nvPicPr>
-        <p:blipFill rotWithShape="1">
-          <a:blip r:embed="rId4">
-            <a:extLst>
-              <a:ext uri="{28A0092B-C50C-407E-A947-70E740481C1C}">
-                <a14:useLocalDpi xmlns:a14="http://schemas.microsoft.com/office/drawing/2010/main" val="0"/>
-              </a:ext>
-            </a:extLst>
-          </a:blip>
-          <a:srcRect l="41016" r="39531"/>
-          <a:stretch/>
-        </p:blipFill>
-        <p:spPr>
-          <a:xfrm>
-            <a:off x="3563937" y="1478280"/>
-            <a:ext cx="2371725" cy="3901440"/>
-          </a:xfrm>
-          <a:prstGeom prst="rect">
-            <a:avLst/>
-          </a:prstGeom>
-        </p:spPr>
-      </p:pic>
-      <p:pic>
-        <p:nvPicPr>
-          <p:cNvPr id="14" name="Image 13">
-            <a:extLst>
-              <a:ext uri="{FF2B5EF4-FFF2-40B4-BE49-F238E27FC236}">
-                <a16:creationId xmlns:a16="http://schemas.microsoft.com/office/drawing/2014/main" id="{8B567790-CBC3-4F09-B80C-9B203C111479}"/>
-              </a:ext>
-            </a:extLst>
-          </p:cNvPr>
-          <p:cNvPicPr>
-            <a:picLocks noChangeAspect="1"/>
-          </p:cNvPicPr>
-          <p:nvPr/>
-        </p:nvPicPr>
-        <p:blipFill rotWithShape="1">
-          <a:blip r:embed="rId5">
-            <a:extLst>
-              <a:ext uri="{28A0092B-C50C-407E-A947-70E740481C1C}">
-                <a14:useLocalDpi xmlns:a14="http://schemas.microsoft.com/office/drawing/2010/main" val="0"/>
-              </a:ext>
-            </a:extLst>
-          </a:blip>
-          <a:srcRect l="40833" r="40573"/>
-          <a:stretch/>
-        </p:blipFill>
-        <p:spPr>
-          <a:xfrm>
-            <a:off x="6380163" y="1478280"/>
-            <a:ext cx="2266950" cy="3901440"/>
-          </a:xfrm>
-          <a:prstGeom prst="rect">
-            <a:avLst/>
-          </a:prstGeom>
-        </p:spPr>
-      </p:pic>
-      <p:pic>
-        <p:nvPicPr>
-          <p:cNvPr id="17" name="Image 16" descr="Une image contenant capture d’écran&#10;&#10;Description générée automatiquement">
-            <a:extLst>
-              <a:ext uri="{FF2B5EF4-FFF2-40B4-BE49-F238E27FC236}">
-                <a16:creationId xmlns:a16="http://schemas.microsoft.com/office/drawing/2014/main" id="{FF128935-151D-4F2C-B992-C48D66BD8285}"/>
-              </a:ext>
-            </a:extLst>
-          </p:cNvPr>
-          <p:cNvPicPr>
-            <a:picLocks noChangeAspect="1"/>
-          </p:cNvPicPr>
-          <p:nvPr/>
-        </p:nvPicPr>
-        <p:blipFill rotWithShape="1">
-          <a:blip r:embed="rId6">
-            <a:extLst>
-              <a:ext uri="{28A0092B-C50C-407E-A947-70E740481C1C}">
-                <a14:useLocalDpi xmlns:a14="http://schemas.microsoft.com/office/drawing/2010/main" val="0"/>
-              </a:ext>
-            </a:extLst>
-          </a:blip>
-          <a:srcRect l="38906" r="37734"/>
-          <a:stretch/>
-        </p:blipFill>
-        <p:spPr>
-          <a:xfrm>
-            <a:off x="8786812" y="1478280"/>
-            <a:ext cx="2847975" cy="3901440"/>
+            <a:off x="457608" y="2025975"/>
+            <a:ext cx="2857501" cy="3901440"/>
           </a:xfrm>
           <a:prstGeom prst="rect">
             <a:avLst/>
@@ -9068,7 +8658,7 @@
     </p:spTree>
     <p:extLst>
       <p:ext uri="{BB962C8B-B14F-4D97-AF65-F5344CB8AC3E}">
-        <p14:creationId xmlns:p14="http://schemas.microsoft.com/office/powerpoint/2010/main" val="2023617550"/>
+        <p14:creationId xmlns:p14="http://schemas.microsoft.com/office/powerpoint/2010/main" val="4247085195"/>
       </p:ext>
     </p:extLst>
   </p:cSld>
@@ -9143,7 +8733,481 @@
             <a:effectLst/>
             <a:extLst>
               <a:ext uri="{C572A759-6A51-4108-AA02-DFA0A04FC94B}">
-                <ma14:wrappingTextBoxFlag xmlns:ma14="http://schemas.microsoft.com/office/mac/drawingml/2011/main" xmlns="" val="1"/>
+                <ma14:wrappingTextBoxFlag xmlns="" xmlns:ma14="http://schemas.microsoft.com/office/mac/drawingml/2011/main" val="1"/>
+              </a:ext>
+            </a:extLst>
+          </p:spPr>
+          <p:txBody>
+            <a:bodyPr wrap="square" lIns="0" tIns="0" rIns="0" bIns="0" numCol="1" anchor="b">
+              <a:spAutoFit/>
+            </a:bodyPr>
+            <a:lstStyle/>
+            <a:p>
+              <a:pPr>
+                <a:lnSpc>
+                  <a:spcPct val="80000"/>
+                </a:lnSpc>
+                <a:defRPr sz="10100" b="1">
+                  <a:latin typeface="Didot"/>
+                  <a:ea typeface="Didot"/>
+                  <a:cs typeface="Didot"/>
+                  <a:sym typeface="Didot"/>
+                </a:defRPr>
+              </a:pPr>
+              <a:r>
+                <a:rPr lang="fr-CH" sz="5050" dirty="0"/>
+                <a:t>Ellen </a:t>
+              </a:r>
+              <a:r>
+                <a:rPr lang="fr-CH" sz="5050" dirty="0" err="1"/>
+                <a:t>DeGeneres</a:t>
+              </a:r>
+              <a:endParaRPr sz="5050" dirty="0"/>
+            </a:p>
+          </p:txBody>
+        </p:sp>
+        <p:sp>
+          <p:nvSpPr>
+            <p:cNvPr id="431" name="Shape 431"/>
+            <p:cNvSpPr/>
+            <p:nvPr/>
+          </p:nvSpPr>
+          <p:spPr>
+            <a:xfrm>
+              <a:off x="-2" y="2967980"/>
+              <a:ext cx="4510210" cy="482570"/>
+            </a:xfrm>
+            <a:prstGeom prst="rect">
+              <a:avLst/>
+            </a:prstGeom>
+            <a:noFill/>
+            <a:ln w="12700" cap="flat">
+              <a:noFill/>
+              <a:miter lim="400000"/>
+            </a:ln>
+            <a:effectLst/>
+            <a:extLst>
+              <a:ext uri="{C572A759-6A51-4108-AA02-DFA0A04FC94B}">
+                <ma14:wrappingTextBoxFlag xmlns="" xmlns:ma14="http://schemas.microsoft.com/office/mac/drawingml/2011/main" val="1"/>
+              </a:ext>
+            </a:extLst>
+          </p:spPr>
+          <p:txBody>
+            <a:bodyPr wrap="none" lIns="0" tIns="0" rIns="0" bIns="0" numCol="1" anchor="ctr">
+              <a:spAutoFit/>
+            </a:bodyPr>
+            <a:lstStyle/>
+            <a:p>
+              <a:pPr>
+                <a:lnSpc>
+                  <a:spcPct val="120000"/>
+                </a:lnSpc>
+                <a:defRPr sz="2400" spc="647"/>
+              </a:pPr>
+              <a:r>
+                <a:rPr lang="fr-CH" sz="1400" spc="300" dirty="0" err="1"/>
+                <a:t>Wordclouds</a:t>
+              </a:r>
+              <a:r>
+                <a:rPr lang="fr-CH" sz="1400" spc="300" dirty="0"/>
+                <a:t> &amp; Topics</a:t>
+              </a:r>
+              <a:endParaRPr sz="1400" spc="300" dirty="0"/>
+            </a:p>
+          </p:txBody>
+        </p:sp>
+      </p:grpSp>
+      <p:pic>
+        <p:nvPicPr>
+          <p:cNvPr id="7" name="Image 6">
+            <a:extLst>
+              <a:ext uri="{FF2B5EF4-FFF2-40B4-BE49-F238E27FC236}">
+                <a16:creationId xmlns:a16="http://schemas.microsoft.com/office/drawing/2014/main" id="{10C8246A-582D-4075-9861-F2535ECF1CFA}"/>
+              </a:ext>
+            </a:extLst>
+          </p:cNvPr>
+          <p:cNvPicPr>
+            <a:picLocks noChangeAspect="1"/>
+          </p:cNvPicPr>
+          <p:nvPr/>
+        </p:nvPicPr>
+        <p:blipFill>
+          <a:blip r:embed="rId2">
+            <a:extLst>
+              <a:ext uri="{28A0092B-C50C-407E-A947-70E740481C1C}">
+                <a14:useLocalDpi xmlns:a14="http://schemas.microsoft.com/office/drawing/2010/main" val="0"/>
+              </a:ext>
+            </a:extLst>
+          </a:blip>
+          <a:stretch>
+            <a:fillRect/>
+          </a:stretch>
+        </p:blipFill>
+        <p:spPr>
+          <a:xfrm>
+            <a:off x="10635101" y="116166"/>
+            <a:ext cx="1380897" cy="301035"/>
+          </a:xfrm>
+          <a:prstGeom prst="rect">
+            <a:avLst/>
+          </a:prstGeom>
+        </p:spPr>
+      </p:pic>
+      <p:pic>
+        <p:nvPicPr>
+          <p:cNvPr id="9" name="Image 8">
+            <a:extLst>
+              <a:ext uri="{FF2B5EF4-FFF2-40B4-BE49-F238E27FC236}">
+                <a16:creationId xmlns:a16="http://schemas.microsoft.com/office/drawing/2014/main" id="{BD65ACF3-DC4C-4BDF-835D-24297016DA17}"/>
+              </a:ext>
+            </a:extLst>
+          </p:cNvPr>
+          <p:cNvPicPr>
+            <a:picLocks noChangeAspect="1"/>
+          </p:cNvPicPr>
+          <p:nvPr/>
+        </p:nvPicPr>
+        <p:blipFill rotWithShape="1">
+          <a:blip r:embed="rId3">
+            <a:extLst>
+              <a:ext uri="{28A0092B-C50C-407E-A947-70E740481C1C}">
+                <a14:useLocalDpi xmlns:a14="http://schemas.microsoft.com/office/drawing/2010/main" val="0"/>
+              </a:ext>
+            </a:extLst>
+          </a:blip>
+          <a:srcRect l="39531" r="38125"/>
+          <a:stretch/>
+        </p:blipFill>
+        <p:spPr>
+          <a:xfrm>
+            <a:off x="457608" y="2073600"/>
+            <a:ext cx="2724150" cy="3901440"/>
+          </a:xfrm>
+          <a:prstGeom prst="rect">
+            <a:avLst/>
+          </a:prstGeom>
+        </p:spPr>
+      </p:pic>
+    </p:spTree>
+    <p:extLst>
+      <p:ext uri="{BB962C8B-B14F-4D97-AF65-F5344CB8AC3E}">
+        <p14:creationId xmlns:p14="http://schemas.microsoft.com/office/powerpoint/2010/main" val="4091344023"/>
+      </p:ext>
+    </p:extLst>
+  </p:cSld>
+  <p:clrMapOvr>
+    <a:masterClrMapping/>
+  </p:clrMapOvr>
+  <mc:AlternateContent xmlns:mc="http://schemas.openxmlformats.org/markup-compatibility/2006" xmlns:p14="http://schemas.microsoft.com/office/powerpoint/2010/main">
+    <mc:Choice Requires="p14">
+      <p:transition spd="slow" p14:dur="1700">
+        <p14:prism dir="r" isContent="1"/>
+      </p:transition>
+    </mc:Choice>
+    <mc:Fallback xmlns="">
+      <p:transition spd="slow">
+        <p:fade/>
+      </p:transition>
+    </mc:Fallback>
+  </mc:AlternateContent>
+</p:sld>
+</file>
+
+<file path=ppt/slides/slide22.xml><?xml version="1.0" encoding="utf-8"?>
+<p:sld xmlns:a="http://schemas.openxmlformats.org/drawingml/2006/main" xmlns:r="http://schemas.openxmlformats.org/officeDocument/2006/relationships" xmlns:p="http://schemas.openxmlformats.org/presentationml/2006/main">
+  <p:cSld>
+    <p:spTree>
+      <p:nvGrpSpPr>
+        <p:cNvPr id="1" name=""/>
+        <p:cNvGrpSpPr/>
+        <p:nvPr/>
+      </p:nvGrpSpPr>
+      <p:grpSpPr>
+        <a:xfrm>
+          <a:off x="0" y="0"/>
+          <a:ext cx="0" cy="0"/>
+          <a:chOff x="0" y="0"/>
+          <a:chExt cx="0" cy="0"/>
+        </a:xfrm>
+      </p:grpSpPr>
+      <p:grpSp>
+        <p:nvGrpSpPr>
+          <p:cNvPr id="433" name="Group 433"/>
+          <p:cNvGrpSpPr/>
+          <p:nvPr/>
+        </p:nvGrpSpPr>
+        <p:grpSpPr>
+          <a:xfrm>
+            <a:off x="457608" y="293359"/>
+            <a:ext cx="6076541" cy="878511"/>
+            <a:chOff x="-2" y="1693528"/>
+            <a:chExt cx="12153081" cy="1757022"/>
+          </a:xfrm>
+        </p:grpSpPr>
+        <p:sp>
+          <p:nvSpPr>
+            <p:cNvPr id="430" name="Shape 430"/>
+            <p:cNvSpPr/>
+            <p:nvPr/>
+          </p:nvSpPr>
+          <p:spPr>
+            <a:xfrm>
+              <a:off x="-2" y="1693528"/>
+              <a:ext cx="12153081" cy="1274452"/>
+            </a:xfrm>
+            <a:prstGeom prst="rect">
+              <a:avLst/>
+            </a:prstGeom>
+            <a:noFill/>
+            <a:ln w="12700" cap="flat">
+              <a:noFill/>
+              <a:miter lim="400000"/>
+            </a:ln>
+            <a:effectLst/>
+            <a:extLst>
+              <a:ext uri="{C572A759-6A51-4108-AA02-DFA0A04FC94B}">
+                <ma14:wrappingTextBoxFlag xmlns="" xmlns:ma14="http://schemas.microsoft.com/office/mac/drawingml/2011/main" val="1"/>
+              </a:ext>
+            </a:extLst>
+          </p:spPr>
+          <p:txBody>
+            <a:bodyPr wrap="square" lIns="0" tIns="0" rIns="0" bIns="0" numCol="1" anchor="b">
+              <a:spAutoFit/>
+            </a:bodyPr>
+            <a:lstStyle/>
+            <a:p>
+              <a:pPr>
+                <a:lnSpc>
+                  <a:spcPct val="80000"/>
+                </a:lnSpc>
+                <a:defRPr sz="10100" b="1">
+                  <a:latin typeface="Didot"/>
+                  <a:ea typeface="Didot"/>
+                  <a:cs typeface="Didot"/>
+                  <a:sym typeface="Didot"/>
+                </a:defRPr>
+              </a:pPr>
+              <a:r>
+                <a:rPr lang="fr-CH" sz="5050" dirty="0"/>
+                <a:t>USA </a:t>
+              </a:r>
+              <a:r>
+                <a:rPr lang="fr-CH" sz="5050" dirty="0" err="1"/>
+                <a:t>Today</a:t>
+              </a:r>
+              <a:r>
+                <a:rPr lang="fr-CH" sz="5050" dirty="0"/>
+                <a:t> </a:t>
+              </a:r>
+              <a:r>
+                <a:rPr lang="fr-CH" sz="5050" dirty="0" err="1"/>
+                <a:t>Health</a:t>
+              </a:r>
+              <a:endParaRPr sz="5050" dirty="0"/>
+            </a:p>
+          </p:txBody>
+        </p:sp>
+        <p:sp>
+          <p:nvSpPr>
+            <p:cNvPr id="431" name="Shape 431"/>
+            <p:cNvSpPr/>
+            <p:nvPr/>
+          </p:nvSpPr>
+          <p:spPr>
+            <a:xfrm>
+              <a:off x="-2" y="2967980"/>
+              <a:ext cx="4510210" cy="482570"/>
+            </a:xfrm>
+            <a:prstGeom prst="rect">
+              <a:avLst/>
+            </a:prstGeom>
+            <a:noFill/>
+            <a:ln w="12700" cap="flat">
+              <a:noFill/>
+              <a:miter lim="400000"/>
+            </a:ln>
+            <a:effectLst/>
+            <a:extLst>
+              <a:ext uri="{C572A759-6A51-4108-AA02-DFA0A04FC94B}">
+                <ma14:wrappingTextBoxFlag xmlns="" xmlns:ma14="http://schemas.microsoft.com/office/mac/drawingml/2011/main" val="1"/>
+              </a:ext>
+            </a:extLst>
+          </p:spPr>
+          <p:txBody>
+            <a:bodyPr wrap="none" lIns="0" tIns="0" rIns="0" bIns="0" numCol="1" anchor="ctr">
+              <a:spAutoFit/>
+            </a:bodyPr>
+            <a:lstStyle/>
+            <a:p>
+              <a:pPr>
+                <a:lnSpc>
+                  <a:spcPct val="120000"/>
+                </a:lnSpc>
+                <a:defRPr sz="2400" spc="647"/>
+              </a:pPr>
+              <a:r>
+                <a:rPr lang="fr-CH" sz="1400" spc="300" dirty="0" err="1"/>
+                <a:t>Wordclouds</a:t>
+              </a:r>
+              <a:r>
+                <a:rPr lang="fr-CH" sz="1400" spc="300" dirty="0"/>
+                <a:t> &amp; Topics</a:t>
+              </a:r>
+              <a:endParaRPr sz="1400" spc="300" dirty="0"/>
+            </a:p>
+          </p:txBody>
+        </p:sp>
+      </p:grpSp>
+      <p:pic>
+        <p:nvPicPr>
+          <p:cNvPr id="7" name="Image 6">
+            <a:extLst>
+              <a:ext uri="{FF2B5EF4-FFF2-40B4-BE49-F238E27FC236}">
+                <a16:creationId xmlns:a16="http://schemas.microsoft.com/office/drawing/2014/main" id="{10C8246A-582D-4075-9861-F2535ECF1CFA}"/>
+              </a:ext>
+            </a:extLst>
+          </p:cNvPr>
+          <p:cNvPicPr>
+            <a:picLocks noChangeAspect="1"/>
+          </p:cNvPicPr>
+          <p:nvPr/>
+        </p:nvPicPr>
+        <p:blipFill>
+          <a:blip r:embed="rId2">
+            <a:extLst>
+              <a:ext uri="{28A0092B-C50C-407E-A947-70E740481C1C}">
+                <a14:useLocalDpi xmlns:a14="http://schemas.microsoft.com/office/drawing/2010/main" val="0"/>
+              </a:ext>
+            </a:extLst>
+          </a:blip>
+          <a:stretch>
+            <a:fillRect/>
+          </a:stretch>
+        </p:blipFill>
+        <p:spPr>
+          <a:xfrm>
+            <a:off x="10635101" y="116166"/>
+            <a:ext cx="1380897" cy="301035"/>
+          </a:xfrm>
+          <a:prstGeom prst="rect">
+            <a:avLst/>
+          </a:prstGeom>
+        </p:spPr>
+      </p:pic>
+      <p:pic>
+        <p:nvPicPr>
+          <p:cNvPr id="8" name="Image 7">
+            <a:extLst>
+              <a:ext uri="{FF2B5EF4-FFF2-40B4-BE49-F238E27FC236}">
+                <a16:creationId xmlns:a16="http://schemas.microsoft.com/office/drawing/2014/main" id="{CC71F026-F59C-4B00-B772-EA5B6773B24C}"/>
+              </a:ext>
+            </a:extLst>
+          </p:cNvPr>
+          <p:cNvPicPr>
+            <a:picLocks noChangeAspect="1"/>
+          </p:cNvPicPr>
+          <p:nvPr/>
+        </p:nvPicPr>
+        <p:blipFill rotWithShape="1">
+          <a:blip r:embed="rId3">
+            <a:extLst>
+              <a:ext uri="{28A0092B-C50C-407E-A947-70E740481C1C}">
+                <a14:useLocalDpi xmlns:a14="http://schemas.microsoft.com/office/drawing/2010/main" val="0"/>
+              </a:ext>
+            </a:extLst>
+          </a:blip>
+          <a:srcRect l="42813" r="40547"/>
+          <a:stretch/>
+        </p:blipFill>
+        <p:spPr>
+          <a:xfrm>
+            <a:off x="683888" y="2025975"/>
+            <a:ext cx="2028825" cy="3901440"/>
+          </a:xfrm>
+          <a:prstGeom prst="rect">
+            <a:avLst/>
+          </a:prstGeom>
+        </p:spPr>
+      </p:pic>
+    </p:spTree>
+    <p:extLst>
+      <p:ext uri="{BB962C8B-B14F-4D97-AF65-F5344CB8AC3E}">
+        <p14:creationId xmlns:p14="http://schemas.microsoft.com/office/powerpoint/2010/main" val="1842959994"/>
+      </p:ext>
+    </p:extLst>
+  </p:cSld>
+  <p:clrMapOvr>
+    <a:masterClrMapping/>
+  </p:clrMapOvr>
+  <mc:AlternateContent xmlns:mc="http://schemas.openxmlformats.org/markup-compatibility/2006" xmlns:p14="http://schemas.microsoft.com/office/powerpoint/2010/main">
+    <mc:Choice Requires="p14">
+      <p:transition spd="slow" p14:dur="1700">
+        <p14:prism dir="r" isContent="1"/>
+      </p:transition>
+    </mc:Choice>
+    <mc:Fallback xmlns="">
+      <p:transition spd="slow">
+        <p:fade/>
+      </p:transition>
+    </mc:Fallback>
+  </mc:AlternateContent>
+</p:sld>
+</file>
+
+<file path=ppt/slides/slide23.xml><?xml version="1.0" encoding="utf-8"?>
+<p:sld xmlns:a="http://schemas.openxmlformats.org/drawingml/2006/main" xmlns:r="http://schemas.openxmlformats.org/officeDocument/2006/relationships" xmlns:p="http://schemas.openxmlformats.org/presentationml/2006/main">
+  <p:cSld>
+    <p:spTree>
+      <p:nvGrpSpPr>
+        <p:cNvPr id="1" name=""/>
+        <p:cNvGrpSpPr/>
+        <p:nvPr/>
+      </p:nvGrpSpPr>
+      <p:grpSpPr>
+        <a:xfrm>
+          <a:off x="0" y="0"/>
+          <a:ext cx="0" cy="0"/>
+          <a:chOff x="0" y="0"/>
+          <a:chExt cx="0" cy="0"/>
+        </a:xfrm>
+      </p:grpSpPr>
+      <p:grpSp>
+        <p:nvGrpSpPr>
+          <p:cNvPr id="433" name="Group 433"/>
+          <p:cNvGrpSpPr/>
+          <p:nvPr/>
+        </p:nvGrpSpPr>
+        <p:grpSpPr>
+          <a:xfrm>
+            <a:off x="457608" y="293359"/>
+            <a:ext cx="6076541" cy="878511"/>
+            <a:chOff x="-2" y="1693528"/>
+            <a:chExt cx="12153081" cy="1757022"/>
+          </a:xfrm>
+        </p:grpSpPr>
+        <p:sp>
+          <p:nvSpPr>
+            <p:cNvPr id="430" name="Shape 430"/>
+            <p:cNvSpPr/>
+            <p:nvPr/>
+          </p:nvSpPr>
+          <p:spPr>
+            <a:xfrm>
+              <a:off x="-2" y="1693528"/>
+              <a:ext cx="12153081" cy="1274452"/>
+            </a:xfrm>
+            <a:prstGeom prst="rect">
+              <a:avLst/>
+            </a:prstGeom>
+            <a:noFill/>
+            <a:ln w="12700" cap="flat">
+              <a:noFill/>
+              <a:miter lim="400000"/>
+            </a:ln>
+            <a:effectLst/>
+            <a:extLst>
+              <a:ext uri="{C572A759-6A51-4108-AA02-DFA0A04FC94B}">
+                <ma14:wrappingTextBoxFlag xmlns="" xmlns:ma14="http://schemas.microsoft.com/office/mac/drawingml/2011/main" val="1"/>
               </a:ext>
             </a:extLst>
           </p:spPr>
@@ -9194,7 +9258,7 @@
             <a:effectLst/>
             <a:extLst>
               <a:ext uri="{C572A759-6A51-4108-AA02-DFA0A04FC94B}">
-                <ma14:wrappingTextBoxFlag xmlns:ma14="http://schemas.microsoft.com/office/mac/drawingml/2011/main" xmlns="" val="1"/>
+                <ma14:wrappingTextBoxFlag xmlns="" xmlns:ma14="http://schemas.microsoft.com/office/mac/drawingml/2011/main" val="1"/>
               </a:ext>
             </a:extLst>
           </p:spPr>
@@ -9225,6 +9289,41 @@
       </p:grpSp>
       <p:pic>
         <p:nvPicPr>
+          <p:cNvPr id="12" name="Image 11">
+            <a:extLst>
+              <a:ext uri="{FF2B5EF4-FFF2-40B4-BE49-F238E27FC236}">
+                <a16:creationId xmlns:a16="http://schemas.microsoft.com/office/drawing/2014/main" id="{24392170-7254-4AC5-AAAA-49341283A230}"/>
+              </a:ext>
+            </a:extLst>
+          </p:cNvPr>
+          <p:cNvPicPr>
+            <a:picLocks noChangeAspect="1"/>
+          </p:cNvPicPr>
+          <p:nvPr/>
+        </p:nvPicPr>
+        <p:blipFill rotWithShape="1">
+          <a:blip r:embed="rId2">
+            <a:extLst>
+              <a:ext uri="{28A0092B-C50C-407E-A947-70E740481C1C}">
+                <a14:useLocalDpi xmlns:a14="http://schemas.microsoft.com/office/drawing/2010/main" val="0"/>
+              </a:ext>
+            </a:extLst>
+          </a:blip>
+          <a:srcRect l="38965" r="35175"/>
+          <a:stretch/>
+        </p:blipFill>
+        <p:spPr>
+          <a:xfrm>
+            <a:off x="6118365" y="120702"/>
+            <a:ext cx="3152775" cy="3901440"/>
+          </a:xfrm>
+          <a:prstGeom prst="rect">
+            <a:avLst/>
+          </a:prstGeom>
+        </p:spPr>
+      </p:pic>
+      <p:pic>
+        <p:nvPicPr>
           <p:cNvPr id="7" name="Image 6">
             <a:extLst>
               <a:ext uri="{FF2B5EF4-FFF2-40B4-BE49-F238E27FC236}">
@@ -9238,7 +9337,7 @@
           <p:nvPr/>
         </p:nvPicPr>
         <p:blipFill>
-          <a:blip r:embed="rId2">
+          <a:blip r:embed="rId3">
             <a:extLst>
               <a:ext uri="{28A0092B-C50C-407E-A947-70E740481C1C}">
                 <a14:useLocalDpi xmlns:a14="http://schemas.microsoft.com/office/drawing/2010/main" val="0"/>
@@ -9261,10 +9360,10 @@
       </p:pic>
       <p:pic>
         <p:nvPicPr>
-          <p:cNvPr id="3" name="Image 2">
+          <p:cNvPr id="4" name="Image 3">
             <a:extLst>
               <a:ext uri="{FF2B5EF4-FFF2-40B4-BE49-F238E27FC236}">
-                <a16:creationId xmlns:a16="http://schemas.microsoft.com/office/drawing/2014/main" id="{2FCA40B6-E744-4B28-8988-C132463EB02A}"/>
+                <a16:creationId xmlns:a16="http://schemas.microsoft.com/office/drawing/2014/main" id="{5C6395AC-6D79-4F74-96AD-154FA1F0449F}"/>
               </a:ext>
             </a:extLst>
           </p:cNvPr>
@@ -9274,20 +9373,20 @@
           <p:nvPr/>
         </p:nvPicPr>
         <p:blipFill rotWithShape="1">
-          <a:blip r:embed="rId3">
+          <a:blip r:embed="rId4">
             <a:extLst>
               <a:ext uri="{28A0092B-C50C-407E-A947-70E740481C1C}">
                 <a14:useLocalDpi xmlns:a14="http://schemas.microsoft.com/office/drawing/2010/main" val="0"/>
               </a:ext>
             </a:extLst>
           </a:blip>
-          <a:srcRect l="32578" r="32344"/>
+          <a:srcRect l="36003" r="34905"/>
           <a:stretch/>
         </p:blipFill>
         <p:spPr>
           <a:xfrm>
-            <a:off x="6626213" y="116166"/>
-            <a:ext cx="3746312" cy="3417571"/>
+            <a:off x="8238629" y="2956560"/>
+            <a:ext cx="3546902" cy="3901440"/>
           </a:xfrm>
           <a:prstGeom prst="rect">
             <a:avLst/>
@@ -9296,10 +9395,10 @@
       </p:pic>
       <p:pic>
         <p:nvPicPr>
-          <p:cNvPr id="6" name="Image 5" descr="Une image contenant capture d’écran&#10;&#10;Description générée automatiquement">
+          <p:cNvPr id="8" name="Image 7" descr="Une image contenant capture d’écran, bateau&#10;&#10;Description générée automatiquement">
             <a:extLst>
               <a:ext uri="{FF2B5EF4-FFF2-40B4-BE49-F238E27FC236}">
-                <a16:creationId xmlns:a16="http://schemas.microsoft.com/office/drawing/2014/main" id="{4E786719-F21A-4C54-92DB-A6637EF57CFC}"/>
+                <a16:creationId xmlns:a16="http://schemas.microsoft.com/office/drawing/2014/main" id="{F0CBF740-AC4D-470A-B58C-BBA1299C73B2}"/>
               </a:ext>
             </a:extLst>
           </p:cNvPr>
@@ -9309,7 +9408,7 @@
           <p:nvPr/>
         </p:nvPicPr>
         <p:blipFill>
-          <a:blip r:embed="rId4">
+          <a:blip r:embed="rId5">
             <a:extLst>
               <a:ext uri="{28A0092B-C50C-407E-A947-70E740481C1C}">
                 <a14:useLocalDpi xmlns:a14="http://schemas.microsoft.com/office/drawing/2010/main" val="0"/>
@@ -9322,8 +9421,44 @@
         </p:blipFill>
         <p:spPr>
           <a:xfrm>
-            <a:off x="219483" y="3324264"/>
-            <a:ext cx="10679906" cy="3417570"/>
+            <a:off x="198825" y="1567811"/>
+            <a:ext cx="5664975" cy="1812792"/>
+          </a:xfrm>
+          <a:prstGeom prst="rect">
+            <a:avLst/>
+          </a:prstGeom>
+        </p:spPr>
+      </p:pic>
+      <p:pic>
+        <p:nvPicPr>
+          <p:cNvPr id="10" name="Image 9" descr="Une image contenant capture d’écran&#10;&#10;Description générée automatiquement">
+            <a:extLst>
+              <a:ext uri="{FF2B5EF4-FFF2-40B4-BE49-F238E27FC236}">
+                <a16:creationId xmlns:a16="http://schemas.microsoft.com/office/drawing/2014/main" id="{B7135865-C03E-45F1-9C5F-4CD71B721FF9}"/>
+              </a:ext>
+            </a:extLst>
+          </p:cNvPr>
+          <p:cNvPicPr>
+            <a:picLocks noChangeAspect="1"/>
+          </p:cNvPicPr>
+          <p:nvPr/>
+        </p:nvPicPr>
+        <p:blipFill>
+          <a:blip r:embed="rId6">
+            <a:extLst>
+              <a:ext uri="{28A0092B-C50C-407E-A947-70E740481C1C}">
+                <a14:useLocalDpi xmlns:a14="http://schemas.microsoft.com/office/drawing/2010/main" val="0"/>
+              </a:ext>
+            </a:extLst>
+          </a:blip>
+          <a:stretch>
+            <a:fillRect/>
+          </a:stretch>
+        </p:blipFill>
+        <p:spPr>
+          <a:xfrm>
+            <a:off x="198825" y="4139343"/>
+            <a:ext cx="8129550" cy="2601456"/>
           </a:xfrm>
           <a:prstGeom prst="rect">
             <a:avLst/>
@@ -9334,6 +9469,690 @@
     <p:extLst>
       <p:ext uri="{BB962C8B-B14F-4D97-AF65-F5344CB8AC3E}">
         <p14:creationId xmlns:p14="http://schemas.microsoft.com/office/powerpoint/2010/main" val="2766095161"/>
+      </p:ext>
+    </p:extLst>
+  </p:cSld>
+  <p:clrMapOvr>
+    <a:masterClrMapping/>
+  </p:clrMapOvr>
+  <mc:AlternateContent xmlns:mc="http://schemas.openxmlformats.org/markup-compatibility/2006" xmlns:p14="http://schemas.microsoft.com/office/powerpoint/2010/main">
+    <mc:Choice Requires="p14">
+      <p:transition spd="slow" p14:dur="1700">
+        <p14:prism dir="r" isContent="1"/>
+      </p:transition>
+    </mc:Choice>
+    <mc:Fallback xmlns="">
+      <p:transition spd="slow">
+        <p:fade/>
+      </p:transition>
+    </mc:Fallback>
+  </mc:AlternateContent>
+</p:sld>
+</file>
+
+<file path=ppt/slides/slide24.xml><?xml version="1.0" encoding="utf-8"?>
+<p:sld xmlns:a="http://schemas.openxmlformats.org/drawingml/2006/main" xmlns:r="http://schemas.openxmlformats.org/officeDocument/2006/relationships" xmlns:p="http://schemas.openxmlformats.org/presentationml/2006/main">
+  <p:cSld>
+    <p:spTree>
+      <p:nvGrpSpPr>
+        <p:cNvPr id="1" name=""/>
+        <p:cNvGrpSpPr/>
+        <p:nvPr/>
+      </p:nvGrpSpPr>
+      <p:grpSpPr>
+        <a:xfrm>
+          <a:off x="0" y="0"/>
+          <a:ext cx="0" cy="0"/>
+          <a:chOff x="0" y="0"/>
+          <a:chExt cx="0" cy="0"/>
+        </a:xfrm>
+      </p:grpSpPr>
+      <p:grpSp>
+        <p:nvGrpSpPr>
+          <p:cNvPr id="433" name="Group 433"/>
+          <p:cNvGrpSpPr/>
+          <p:nvPr/>
+        </p:nvGrpSpPr>
+        <p:grpSpPr>
+          <a:xfrm>
+            <a:off x="457608" y="293359"/>
+            <a:ext cx="6076541" cy="878511"/>
+            <a:chOff x="-2" y="1693528"/>
+            <a:chExt cx="12153081" cy="1757022"/>
+          </a:xfrm>
+        </p:grpSpPr>
+        <p:sp>
+          <p:nvSpPr>
+            <p:cNvPr id="430" name="Shape 430"/>
+            <p:cNvSpPr/>
+            <p:nvPr/>
+          </p:nvSpPr>
+          <p:spPr>
+            <a:xfrm>
+              <a:off x="-2" y="1693528"/>
+              <a:ext cx="12153081" cy="1274452"/>
+            </a:xfrm>
+            <a:prstGeom prst="rect">
+              <a:avLst/>
+            </a:prstGeom>
+            <a:noFill/>
+            <a:ln w="12700" cap="flat">
+              <a:noFill/>
+              <a:miter lim="400000"/>
+            </a:ln>
+            <a:effectLst/>
+            <a:extLst>
+              <a:ext uri="{C572A759-6A51-4108-AA02-DFA0A04FC94B}">
+                <ma14:wrappingTextBoxFlag xmlns="" xmlns:ma14="http://schemas.microsoft.com/office/mac/drawingml/2011/main" val="1"/>
+              </a:ext>
+            </a:extLst>
+          </p:spPr>
+          <p:txBody>
+            <a:bodyPr wrap="square" lIns="0" tIns="0" rIns="0" bIns="0" numCol="1" anchor="b">
+              <a:spAutoFit/>
+            </a:bodyPr>
+            <a:lstStyle/>
+            <a:p>
+              <a:pPr>
+                <a:lnSpc>
+                  <a:spcPct val="80000"/>
+                </a:lnSpc>
+                <a:defRPr sz="10100" b="1">
+                  <a:latin typeface="Didot"/>
+                  <a:ea typeface="Didot"/>
+                  <a:cs typeface="Didot"/>
+                  <a:sym typeface="Didot"/>
+                </a:defRPr>
+              </a:pPr>
+              <a:r>
+                <a:rPr lang="fr-CH" sz="5050" dirty="0"/>
+                <a:t>Emily </a:t>
+              </a:r>
+              <a:r>
+                <a:rPr lang="fr-CH" sz="5050" dirty="0" err="1"/>
+                <a:t>Maitlis</a:t>
+              </a:r>
+              <a:endParaRPr sz="5050" dirty="0"/>
+            </a:p>
+          </p:txBody>
+        </p:sp>
+        <p:sp>
+          <p:nvSpPr>
+            <p:cNvPr id="431" name="Shape 431"/>
+            <p:cNvSpPr/>
+            <p:nvPr/>
+          </p:nvSpPr>
+          <p:spPr>
+            <a:xfrm>
+              <a:off x="-2" y="2967980"/>
+              <a:ext cx="4292200" cy="482570"/>
+            </a:xfrm>
+            <a:prstGeom prst="rect">
+              <a:avLst/>
+            </a:prstGeom>
+            <a:noFill/>
+            <a:ln w="12700" cap="flat">
+              <a:noFill/>
+              <a:miter lim="400000"/>
+            </a:ln>
+            <a:effectLst/>
+            <a:extLst>
+              <a:ext uri="{C572A759-6A51-4108-AA02-DFA0A04FC94B}">
+                <ma14:wrappingTextBoxFlag xmlns="" xmlns:ma14="http://schemas.microsoft.com/office/mac/drawingml/2011/main" val="1"/>
+              </a:ext>
+            </a:extLst>
+          </p:spPr>
+          <p:txBody>
+            <a:bodyPr wrap="none" lIns="0" tIns="0" rIns="0" bIns="0" numCol="1" anchor="ctr">
+              <a:spAutoFit/>
+            </a:bodyPr>
+            <a:lstStyle/>
+            <a:p>
+              <a:pPr>
+                <a:lnSpc>
+                  <a:spcPct val="120000"/>
+                </a:lnSpc>
+                <a:defRPr sz="2400" spc="647"/>
+              </a:pPr>
+              <a:r>
+                <a:rPr lang="fr-CH" sz="1400" spc="300" dirty="0" err="1"/>
+                <a:t>Wordcloud</a:t>
+              </a:r>
+              <a:r>
+                <a:rPr lang="fr-CH" sz="1400" spc="300" dirty="0"/>
+                <a:t> &amp; Topics</a:t>
+              </a:r>
+              <a:endParaRPr sz="1400" spc="300" dirty="0"/>
+            </a:p>
+          </p:txBody>
+        </p:sp>
+      </p:grpSp>
+      <p:pic>
+        <p:nvPicPr>
+          <p:cNvPr id="7" name="Image 6">
+            <a:extLst>
+              <a:ext uri="{FF2B5EF4-FFF2-40B4-BE49-F238E27FC236}">
+                <a16:creationId xmlns:a16="http://schemas.microsoft.com/office/drawing/2014/main" id="{10C8246A-582D-4075-9861-F2535ECF1CFA}"/>
+              </a:ext>
+            </a:extLst>
+          </p:cNvPr>
+          <p:cNvPicPr>
+            <a:picLocks noChangeAspect="1"/>
+          </p:cNvPicPr>
+          <p:nvPr/>
+        </p:nvPicPr>
+        <p:blipFill>
+          <a:blip r:embed="rId2">
+            <a:extLst>
+              <a:ext uri="{28A0092B-C50C-407E-A947-70E740481C1C}">
+                <a14:useLocalDpi xmlns:a14="http://schemas.microsoft.com/office/drawing/2010/main" val="0"/>
+              </a:ext>
+            </a:extLst>
+          </a:blip>
+          <a:stretch>
+            <a:fillRect/>
+          </a:stretch>
+        </p:blipFill>
+        <p:spPr>
+          <a:xfrm>
+            <a:off x="10635101" y="116166"/>
+            <a:ext cx="1380897" cy="301035"/>
+          </a:xfrm>
+          <a:prstGeom prst="rect">
+            <a:avLst/>
+          </a:prstGeom>
+        </p:spPr>
+      </p:pic>
+      <p:pic>
+        <p:nvPicPr>
+          <p:cNvPr id="4" name="Image 3" descr="Une image contenant bateau, eau, groupe, oiseau&#10;&#10;Description générée automatiquement">
+            <a:extLst>
+              <a:ext uri="{FF2B5EF4-FFF2-40B4-BE49-F238E27FC236}">
+                <a16:creationId xmlns:a16="http://schemas.microsoft.com/office/drawing/2014/main" id="{AA54F410-C8F0-4CF1-A2B1-CA86F5C36D98}"/>
+              </a:ext>
+            </a:extLst>
+          </p:cNvPr>
+          <p:cNvPicPr>
+            <a:picLocks noChangeAspect="1"/>
+          </p:cNvPicPr>
+          <p:nvPr/>
+        </p:nvPicPr>
+        <p:blipFill>
+          <a:blip r:embed="rId3">
+            <a:extLst>
+              <a:ext uri="{28A0092B-C50C-407E-A947-70E740481C1C}">
+                <a14:useLocalDpi xmlns:a14="http://schemas.microsoft.com/office/drawing/2010/main" val="0"/>
+              </a:ext>
+            </a:extLst>
+          </a:blip>
+          <a:stretch>
+            <a:fillRect/>
+          </a:stretch>
+        </p:blipFill>
+        <p:spPr>
+          <a:xfrm>
+            <a:off x="357398" y="1425617"/>
+            <a:ext cx="7229475" cy="2313432"/>
+          </a:xfrm>
+          <a:prstGeom prst="rect">
+            <a:avLst/>
+          </a:prstGeom>
+        </p:spPr>
+      </p:pic>
+      <p:pic>
+        <p:nvPicPr>
+          <p:cNvPr id="10" name="Image 9">
+            <a:extLst>
+              <a:ext uri="{FF2B5EF4-FFF2-40B4-BE49-F238E27FC236}">
+                <a16:creationId xmlns:a16="http://schemas.microsoft.com/office/drawing/2014/main" id="{2F7CF3CE-101F-46D0-BCB0-DEEFB36462B2}"/>
+              </a:ext>
+            </a:extLst>
+          </p:cNvPr>
+          <p:cNvPicPr>
+            <a:picLocks noChangeAspect="1"/>
+          </p:cNvPicPr>
+          <p:nvPr/>
+        </p:nvPicPr>
+        <p:blipFill rotWithShape="1">
+          <a:blip r:embed="rId4">
+            <a:extLst>
+              <a:ext uri="{28A0092B-C50C-407E-A947-70E740481C1C}">
+                <a14:useLocalDpi xmlns:a14="http://schemas.microsoft.com/office/drawing/2010/main" val="0"/>
+              </a:ext>
+            </a:extLst>
+          </a:blip>
+          <a:srcRect l="35312" r="33672"/>
+          <a:stretch/>
+        </p:blipFill>
+        <p:spPr>
+          <a:xfrm>
+            <a:off x="8629362" y="3258288"/>
+            <a:ext cx="3426189" cy="3534929"/>
+          </a:xfrm>
+          <a:prstGeom prst="rect">
+            <a:avLst/>
+          </a:prstGeom>
+        </p:spPr>
+      </p:pic>
+      <p:pic>
+        <p:nvPicPr>
+          <p:cNvPr id="8" name="Image 7" descr="Une image contenant capture d’écran&#10;&#10;Description générée automatiquement">
+            <a:extLst>
+              <a:ext uri="{FF2B5EF4-FFF2-40B4-BE49-F238E27FC236}">
+                <a16:creationId xmlns:a16="http://schemas.microsoft.com/office/drawing/2014/main" id="{788DF3CE-4952-45CD-B740-A16B46938ED0}"/>
+              </a:ext>
+            </a:extLst>
+          </p:cNvPr>
+          <p:cNvPicPr>
+            <a:picLocks noChangeAspect="1"/>
+          </p:cNvPicPr>
+          <p:nvPr/>
+        </p:nvPicPr>
+        <p:blipFill rotWithShape="1">
+          <a:blip r:embed="rId5">
+            <a:extLst>
+              <a:ext uri="{28A0092B-C50C-407E-A947-70E740481C1C}">
+                <a14:useLocalDpi xmlns:a14="http://schemas.microsoft.com/office/drawing/2010/main" val="0"/>
+              </a:ext>
+            </a:extLst>
+          </a:blip>
+          <a:srcRect l="34922" r="32188"/>
+          <a:stretch/>
+        </p:blipFill>
+        <p:spPr>
+          <a:xfrm>
+            <a:off x="8067267" y="169671"/>
+            <a:ext cx="3429000" cy="3336148"/>
+          </a:xfrm>
+          <a:prstGeom prst="rect">
+            <a:avLst/>
+          </a:prstGeom>
+        </p:spPr>
+      </p:pic>
+      <p:pic>
+        <p:nvPicPr>
+          <p:cNvPr id="12" name="Image 11" descr="Une image contenant capture d’écran&#10;&#10;Description générée automatiquement">
+            <a:extLst>
+              <a:ext uri="{FF2B5EF4-FFF2-40B4-BE49-F238E27FC236}">
+                <a16:creationId xmlns:a16="http://schemas.microsoft.com/office/drawing/2014/main" id="{816A30EB-6C65-4D07-9D90-01F27597428D}"/>
+              </a:ext>
+            </a:extLst>
+          </p:cNvPr>
+          <p:cNvPicPr>
+            <a:picLocks noChangeAspect="1"/>
+          </p:cNvPicPr>
+          <p:nvPr/>
+        </p:nvPicPr>
+        <p:blipFill>
+          <a:blip r:embed="rId6">
+            <a:extLst>
+              <a:ext uri="{28A0092B-C50C-407E-A947-70E740481C1C}">
+                <a14:useLocalDpi xmlns:a14="http://schemas.microsoft.com/office/drawing/2010/main" val="0"/>
+              </a:ext>
+            </a:extLst>
+          </a:blip>
+          <a:stretch>
+            <a:fillRect/>
+          </a:stretch>
+        </p:blipFill>
+        <p:spPr>
+          <a:xfrm>
+            <a:off x="136449" y="3895963"/>
+            <a:ext cx="8477250" cy="2712720"/>
+          </a:xfrm>
+          <a:prstGeom prst="rect">
+            <a:avLst/>
+          </a:prstGeom>
+        </p:spPr>
+      </p:pic>
+    </p:spTree>
+    <p:extLst>
+      <p:ext uri="{BB962C8B-B14F-4D97-AF65-F5344CB8AC3E}">
+        <p14:creationId xmlns:p14="http://schemas.microsoft.com/office/powerpoint/2010/main" val="3638724992"/>
+      </p:ext>
+    </p:extLst>
+  </p:cSld>
+  <p:clrMapOvr>
+    <a:masterClrMapping/>
+  </p:clrMapOvr>
+  <mc:AlternateContent xmlns:mc="http://schemas.openxmlformats.org/markup-compatibility/2006" xmlns:p14="http://schemas.microsoft.com/office/powerpoint/2010/main">
+    <mc:Choice Requires="p14">
+      <p:transition spd="slow" p14:dur="1700">
+        <p14:prism dir="r" isContent="1"/>
+      </p:transition>
+    </mc:Choice>
+    <mc:Fallback xmlns="">
+      <p:transition spd="slow">
+        <p:fade/>
+      </p:transition>
+    </mc:Fallback>
+  </mc:AlternateContent>
+</p:sld>
+</file>
+
+<file path=ppt/slides/slide25.xml><?xml version="1.0" encoding="utf-8"?>
+<p:sld xmlns:a="http://schemas.openxmlformats.org/drawingml/2006/main" xmlns:r="http://schemas.openxmlformats.org/officeDocument/2006/relationships" xmlns:p="http://schemas.openxmlformats.org/presentationml/2006/main">
+  <p:cSld>
+    <p:spTree>
+      <p:nvGrpSpPr>
+        <p:cNvPr id="1" name=""/>
+        <p:cNvGrpSpPr/>
+        <p:nvPr/>
+      </p:nvGrpSpPr>
+      <p:grpSpPr>
+        <a:xfrm>
+          <a:off x="0" y="0"/>
+          <a:ext cx="0" cy="0"/>
+          <a:chOff x="0" y="0"/>
+          <a:chExt cx="0" cy="0"/>
+        </a:xfrm>
+      </p:grpSpPr>
+      <p:grpSp>
+        <p:nvGrpSpPr>
+          <p:cNvPr id="433" name="Group 433"/>
+          <p:cNvGrpSpPr/>
+          <p:nvPr/>
+        </p:nvGrpSpPr>
+        <p:grpSpPr>
+          <a:xfrm>
+            <a:off x="457608" y="293359"/>
+            <a:ext cx="6076541" cy="878511"/>
+            <a:chOff x="-2" y="1693528"/>
+            <a:chExt cx="12153081" cy="1757022"/>
+          </a:xfrm>
+        </p:grpSpPr>
+        <p:sp>
+          <p:nvSpPr>
+            <p:cNvPr id="430" name="Shape 430"/>
+            <p:cNvSpPr/>
+            <p:nvPr/>
+          </p:nvSpPr>
+          <p:spPr>
+            <a:xfrm>
+              <a:off x="-2" y="1693528"/>
+              <a:ext cx="12153081" cy="1274452"/>
+            </a:xfrm>
+            <a:prstGeom prst="rect">
+              <a:avLst/>
+            </a:prstGeom>
+            <a:noFill/>
+            <a:ln w="12700" cap="flat">
+              <a:noFill/>
+              <a:miter lim="400000"/>
+            </a:ln>
+            <a:effectLst/>
+            <a:extLst>
+              <a:ext uri="{C572A759-6A51-4108-AA02-DFA0A04FC94B}">
+                <ma14:wrappingTextBoxFlag xmlns="" xmlns:ma14="http://schemas.microsoft.com/office/mac/drawingml/2011/main" val="1"/>
+              </a:ext>
+            </a:extLst>
+          </p:spPr>
+          <p:txBody>
+            <a:bodyPr wrap="square" lIns="0" tIns="0" rIns="0" bIns="0" numCol="1" anchor="b">
+              <a:spAutoFit/>
+            </a:bodyPr>
+            <a:lstStyle/>
+            <a:p>
+              <a:pPr>
+                <a:lnSpc>
+                  <a:spcPct val="80000"/>
+                </a:lnSpc>
+                <a:defRPr sz="10100" b="1">
+                  <a:latin typeface="Didot"/>
+                  <a:ea typeface="Didot"/>
+                  <a:cs typeface="Didot"/>
+                  <a:sym typeface="Didot"/>
+                </a:defRPr>
+              </a:pPr>
+              <a:r>
+                <a:rPr lang="fr-CH" sz="5050" dirty="0"/>
+                <a:t>BBC </a:t>
+              </a:r>
+              <a:r>
+                <a:rPr lang="fr-CH" sz="5050" dirty="0" err="1"/>
+                <a:t>Health</a:t>
+              </a:r>
+              <a:r>
+                <a:rPr lang="fr-CH" sz="5050" dirty="0"/>
+                <a:t> News</a:t>
+              </a:r>
+              <a:endParaRPr sz="5050" dirty="0"/>
+            </a:p>
+          </p:txBody>
+        </p:sp>
+        <p:sp>
+          <p:nvSpPr>
+            <p:cNvPr id="431" name="Shape 431"/>
+            <p:cNvSpPr/>
+            <p:nvPr/>
+          </p:nvSpPr>
+          <p:spPr>
+            <a:xfrm>
+              <a:off x="-2" y="2967980"/>
+              <a:ext cx="4292200" cy="482570"/>
+            </a:xfrm>
+            <a:prstGeom prst="rect">
+              <a:avLst/>
+            </a:prstGeom>
+            <a:noFill/>
+            <a:ln w="12700" cap="flat">
+              <a:noFill/>
+              <a:miter lim="400000"/>
+            </a:ln>
+            <a:effectLst/>
+            <a:extLst>
+              <a:ext uri="{C572A759-6A51-4108-AA02-DFA0A04FC94B}">
+                <ma14:wrappingTextBoxFlag xmlns="" xmlns:ma14="http://schemas.microsoft.com/office/mac/drawingml/2011/main" val="1"/>
+              </a:ext>
+            </a:extLst>
+          </p:spPr>
+          <p:txBody>
+            <a:bodyPr wrap="none" lIns="0" tIns="0" rIns="0" bIns="0" numCol="1" anchor="ctr">
+              <a:spAutoFit/>
+            </a:bodyPr>
+            <a:lstStyle/>
+            <a:p>
+              <a:pPr>
+                <a:lnSpc>
+                  <a:spcPct val="120000"/>
+                </a:lnSpc>
+                <a:defRPr sz="2400" spc="647"/>
+              </a:pPr>
+              <a:r>
+                <a:rPr lang="fr-CH" sz="1400" spc="300" dirty="0" err="1"/>
+                <a:t>Wordcloud</a:t>
+              </a:r>
+              <a:r>
+                <a:rPr lang="fr-CH" sz="1400" spc="300" dirty="0"/>
+                <a:t> &amp; Topics</a:t>
+              </a:r>
+              <a:endParaRPr sz="1400" spc="300" dirty="0"/>
+            </a:p>
+          </p:txBody>
+        </p:sp>
+      </p:grpSp>
+      <p:pic>
+        <p:nvPicPr>
+          <p:cNvPr id="7" name="Image 6">
+            <a:extLst>
+              <a:ext uri="{FF2B5EF4-FFF2-40B4-BE49-F238E27FC236}">
+                <a16:creationId xmlns:a16="http://schemas.microsoft.com/office/drawing/2014/main" id="{10C8246A-582D-4075-9861-F2535ECF1CFA}"/>
+              </a:ext>
+            </a:extLst>
+          </p:cNvPr>
+          <p:cNvPicPr>
+            <a:picLocks noChangeAspect="1"/>
+          </p:cNvPicPr>
+          <p:nvPr/>
+        </p:nvPicPr>
+        <p:blipFill>
+          <a:blip r:embed="rId2">
+            <a:extLst>
+              <a:ext uri="{28A0092B-C50C-407E-A947-70E740481C1C}">
+                <a14:useLocalDpi xmlns:a14="http://schemas.microsoft.com/office/drawing/2010/main" val="0"/>
+              </a:ext>
+            </a:extLst>
+          </a:blip>
+          <a:stretch>
+            <a:fillRect/>
+          </a:stretch>
+        </p:blipFill>
+        <p:spPr>
+          <a:xfrm>
+            <a:off x="10635101" y="116166"/>
+            <a:ext cx="1380897" cy="301035"/>
+          </a:xfrm>
+          <a:prstGeom prst="rect">
+            <a:avLst/>
+          </a:prstGeom>
+        </p:spPr>
+      </p:pic>
+      <p:pic>
+        <p:nvPicPr>
+          <p:cNvPr id="3" name="Image 2" descr="Une image contenant bateau, oiseau, troupeau, table&#10;&#10;Description générée automatiquement">
+            <a:extLst>
+              <a:ext uri="{FF2B5EF4-FFF2-40B4-BE49-F238E27FC236}">
+                <a16:creationId xmlns:a16="http://schemas.microsoft.com/office/drawing/2014/main" id="{294A15C5-E0DF-42E6-A8F8-6ADFB454FD32}"/>
+              </a:ext>
+            </a:extLst>
+          </p:cNvPr>
+          <p:cNvPicPr>
+            <a:picLocks noChangeAspect="1"/>
+          </p:cNvPicPr>
+          <p:nvPr/>
+        </p:nvPicPr>
+        <p:blipFill>
+          <a:blip r:embed="rId3">
+            <a:extLst>
+              <a:ext uri="{28A0092B-C50C-407E-A947-70E740481C1C}">
+                <a14:useLocalDpi xmlns:a14="http://schemas.microsoft.com/office/drawing/2010/main" val="0"/>
+              </a:ext>
+            </a:extLst>
+          </a:blip>
+          <a:stretch>
+            <a:fillRect/>
+          </a:stretch>
+        </p:blipFill>
+        <p:spPr>
+          <a:xfrm>
+            <a:off x="228600" y="1339981"/>
+            <a:ext cx="7178769" cy="2297206"/>
+          </a:xfrm>
+          <a:prstGeom prst="rect">
+            <a:avLst/>
+          </a:prstGeom>
+        </p:spPr>
+      </p:pic>
+      <p:pic>
+        <p:nvPicPr>
+          <p:cNvPr id="11" name="Image 10" descr="Une image contenant oiseau, fleur&#10;&#10;Description générée automatiquement">
+            <a:extLst>
+              <a:ext uri="{FF2B5EF4-FFF2-40B4-BE49-F238E27FC236}">
+                <a16:creationId xmlns:a16="http://schemas.microsoft.com/office/drawing/2014/main" id="{942B7024-6CCB-44C6-84BB-62D88B068813}"/>
+              </a:ext>
+            </a:extLst>
+          </p:cNvPr>
+          <p:cNvPicPr>
+            <a:picLocks noChangeAspect="1"/>
+          </p:cNvPicPr>
+          <p:nvPr/>
+        </p:nvPicPr>
+        <p:blipFill rotWithShape="1">
+          <a:blip r:embed="rId4">
+            <a:extLst>
+              <a:ext uri="{28A0092B-C50C-407E-A947-70E740481C1C}">
+                <a14:useLocalDpi xmlns:a14="http://schemas.microsoft.com/office/drawing/2010/main" val="0"/>
+              </a:ext>
+            </a:extLst>
+          </a:blip>
+          <a:srcRect l="36481" t="20559" r="35941" b="18525"/>
+          <a:stretch/>
+        </p:blipFill>
+        <p:spPr>
+          <a:xfrm>
+            <a:off x="7865528" y="3683727"/>
+            <a:ext cx="4326472" cy="3058107"/>
+          </a:xfrm>
+          <a:prstGeom prst="rect">
+            <a:avLst/>
+          </a:prstGeom>
+        </p:spPr>
+      </p:pic>
+      <p:pic>
+        <p:nvPicPr>
+          <p:cNvPr id="6" name="Image 5" descr="Une image contenant capture d’écran&#10;&#10;Description générée automatiquement">
+            <a:extLst>
+              <a:ext uri="{FF2B5EF4-FFF2-40B4-BE49-F238E27FC236}">
+                <a16:creationId xmlns:a16="http://schemas.microsoft.com/office/drawing/2014/main" id="{8480F3DC-EFAB-462B-8B91-6B611D77E5DA}"/>
+              </a:ext>
+            </a:extLst>
+          </p:cNvPr>
+          <p:cNvPicPr>
+            <a:picLocks noChangeAspect="1"/>
+          </p:cNvPicPr>
+          <p:nvPr/>
+        </p:nvPicPr>
+        <p:blipFill>
+          <a:blip r:embed="rId5">
+            <a:extLst>
+              <a:ext uri="{28A0092B-C50C-407E-A947-70E740481C1C}">
+                <a14:useLocalDpi xmlns:a14="http://schemas.microsoft.com/office/drawing/2010/main" val="0"/>
+              </a:ext>
+            </a:extLst>
+          </a:blip>
+          <a:stretch>
+            <a:fillRect/>
+          </a:stretch>
+        </p:blipFill>
+        <p:spPr>
+          <a:xfrm>
+            <a:off x="505232" y="3878472"/>
+            <a:ext cx="7779525" cy="2489448"/>
+          </a:xfrm>
+          <a:prstGeom prst="rect">
+            <a:avLst/>
+          </a:prstGeom>
+        </p:spPr>
+      </p:pic>
+      <p:pic>
+        <p:nvPicPr>
+          <p:cNvPr id="14" name="Image 13">
+            <a:extLst>
+              <a:ext uri="{FF2B5EF4-FFF2-40B4-BE49-F238E27FC236}">
+                <a16:creationId xmlns:a16="http://schemas.microsoft.com/office/drawing/2014/main" id="{F87FFFA6-7EAB-488C-B409-E715A3B6965D}"/>
+              </a:ext>
+            </a:extLst>
+          </p:cNvPr>
+          <p:cNvPicPr>
+            <a:picLocks noChangeAspect="1"/>
+          </p:cNvPicPr>
+          <p:nvPr/>
+        </p:nvPicPr>
+        <p:blipFill rotWithShape="1">
+          <a:blip r:embed="rId6">
+            <a:extLst>
+              <a:ext uri="{28A0092B-C50C-407E-A947-70E740481C1C}">
+                <a14:useLocalDpi xmlns:a14="http://schemas.microsoft.com/office/drawing/2010/main" val="0"/>
+              </a:ext>
+            </a:extLst>
+          </a:blip>
+          <a:srcRect l="32466" r="32048"/>
+          <a:stretch/>
+        </p:blipFill>
+        <p:spPr>
+          <a:xfrm>
+            <a:off x="7754680" y="698169"/>
+            <a:ext cx="3391264" cy="3058107"/>
+          </a:xfrm>
+          <a:prstGeom prst="rect">
+            <a:avLst/>
+          </a:prstGeom>
+        </p:spPr>
+      </p:pic>
+    </p:spTree>
+    <p:extLst>
+      <p:ext uri="{BB962C8B-B14F-4D97-AF65-F5344CB8AC3E}">
+        <p14:creationId xmlns:p14="http://schemas.microsoft.com/office/powerpoint/2010/main" val="3027683373"/>
       </p:ext>
     </p:extLst>
   </p:cSld>
@@ -9494,7 +10313,7 @@
             <a:effectLst/>
             <a:extLst>
               <a:ext uri="{C572A759-6A51-4108-AA02-DFA0A04FC94B}">
-                <ma14:wrappingTextBoxFlag xmlns:ma14="http://schemas.microsoft.com/office/mac/drawingml/2011/main" xmlns="" val="1"/>
+                <ma14:wrappingTextBoxFlag xmlns="" xmlns:ma14="http://schemas.microsoft.com/office/mac/drawingml/2011/main" val="1"/>
               </a:ext>
             </a:extLst>
           </p:spPr>
@@ -9557,7 +10376,7 @@
             <a:effectLst/>
             <a:extLst>
               <a:ext uri="{C572A759-6A51-4108-AA02-DFA0A04FC94B}">
-                <ma14:wrappingTextBoxFlag xmlns:ma14="http://schemas.microsoft.com/office/mac/drawingml/2011/main" xmlns="" val="1"/>
+                <ma14:wrappingTextBoxFlag xmlns="" xmlns:ma14="http://schemas.microsoft.com/office/mac/drawingml/2011/main" val="1"/>
               </a:ext>
             </a:extLst>
           </p:spPr>
@@ -9608,7 +10427,7 @@
             <a:effectLst/>
             <a:extLst>
               <a:ext uri="{C572A759-6A51-4108-AA02-DFA0A04FC94B}">
-                <ma14:wrappingTextBoxFlag xmlns:ma14="http://schemas.microsoft.com/office/mac/drawingml/2011/main" xmlns="" val="1"/>
+                <ma14:wrappingTextBoxFlag xmlns="" xmlns:ma14="http://schemas.microsoft.com/office/mac/drawingml/2011/main" val="1"/>
               </a:ext>
             </a:extLst>
           </p:spPr>
@@ -9941,7 +10760,7 @@
             <a:effectLst/>
             <a:extLst>
               <a:ext uri="{C572A759-6A51-4108-AA02-DFA0A04FC94B}">
-                <ma14:wrappingTextBoxFlag xmlns:ma14="http://schemas.microsoft.com/office/mac/drawingml/2011/main" xmlns="" val="1"/>
+                <ma14:wrappingTextBoxFlag xmlns="" xmlns:ma14="http://schemas.microsoft.com/office/mac/drawingml/2011/main" val="1"/>
               </a:ext>
             </a:extLst>
           </p:spPr>
@@ -10044,7 +10863,7 @@
             <a:effectLst/>
             <a:extLst>
               <a:ext uri="{C572A759-6A51-4108-AA02-DFA0A04FC94B}">
-                <ma14:wrappingTextBoxFlag xmlns:ma14="http://schemas.microsoft.com/office/mac/drawingml/2011/main" xmlns="" val="1"/>
+                <ma14:wrappingTextBoxFlag xmlns="" xmlns:ma14="http://schemas.microsoft.com/office/mac/drawingml/2011/main" val="1"/>
               </a:ext>
             </a:extLst>
           </p:spPr>
@@ -10186,7 +11005,7 @@
             <a:effectLst/>
             <a:extLst>
               <a:ext uri="{C572A759-6A51-4108-AA02-DFA0A04FC94B}">
-                <ma14:wrappingTextBoxFlag xmlns:ma14="http://schemas.microsoft.com/office/mac/drawingml/2011/main" xmlns="" val="1"/>
+                <ma14:wrappingTextBoxFlag xmlns="" xmlns:ma14="http://schemas.microsoft.com/office/mac/drawingml/2011/main" val="1"/>
               </a:ext>
             </a:extLst>
           </p:spPr>
@@ -10258,7 +11077,7 @@
             <a:effectLst/>
             <a:extLst>
               <a:ext uri="{C572A759-6A51-4108-AA02-DFA0A04FC94B}">
-                <ma14:wrappingTextBoxFlag xmlns:ma14="http://schemas.microsoft.com/office/mac/drawingml/2011/main" xmlns="" val="1"/>
+                <ma14:wrappingTextBoxFlag xmlns="" xmlns:ma14="http://schemas.microsoft.com/office/mac/drawingml/2011/main" val="1"/>
               </a:ext>
             </a:extLst>
           </p:spPr>
@@ -10345,7 +11164,7 @@
           </a:ln>
           <a:extLst>
             <a:ext uri="{C572A759-6A51-4108-AA02-DFA0A04FC94B}">
-              <ma14:wrappingTextBoxFlag xmlns:ma14="http://schemas.microsoft.com/office/mac/drawingml/2011/main" xmlns="" val="1"/>
+              <ma14:wrappingTextBoxFlag xmlns="" xmlns:ma14="http://schemas.microsoft.com/office/mac/drawingml/2011/main" val="1"/>
             </a:ext>
           </a:extLst>
         </p:spPr>
@@ -10495,7 +11314,7 @@
             <a:effectLst/>
             <a:extLst>
               <a:ext uri="{C572A759-6A51-4108-AA02-DFA0A04FC94B}">
-                <ma14:wrappingTextBoxFlag xmlns:ma14="http://schemas.microsoft.com/office/mac/drawingml/2011/main" xmlns="" val="1"/>
+                <ma14:wrappingTextBoxFlag xmlns="" xmlns:ma14="http://schemas.microsoft.com/office/mac/drawingml/2011/main" val="1"/>
               </a:ext>
             </a:extLst>
           </p:spPr>
@@ -10552,7 +11371,7 @@
             <a:effectLst/>
             <a:extLst>
               <a:ext uri="{C572A759-6A51-4108-AA02-DFA0A04FC94B}">
-                <ma14:wrappingTextBoxFlag xmlns:ma14="http://schemas.microsoft.com/office/mac/drawingml/2011/main" xmlns="" val="1"/>
+                <ma14:wrappingTextBoxFlag xmlns="" xmlns:ma14="http://schemas.microsoft.com/office/mac/drawingml/2011/main" val="1"/>
               </a:ext>
             </a:extLst>
           </p:spPr>
@@ -10604,7 +11423,7 @@
             <a:effectLst/>
             <a:extLst>
               <a:ext uri="{C572A759-6A51-4108-AA02-DFA0A04FC94B}">
-                <ma14:wrappingTextBoxFlag xmlns:ma14="http://schemas.microsoft.com/office/mac/drawingml/2011/main" xmlns="" val="1"/>
+                <ma14:wrappingTextBoxFlag xmlns="" xmlns:ma14="http://schemas.microsoft.com/office/mac/drawingml/2011/main" val="1"/>
               </a:ext>
             </a:extLst>
           </p:spPr>
@@ -10760,7 +11579,7 @@
           <a:effectLst/>
           <a:extLst>
             <a:ext uri="{C572A759-6A51-4108-AA02-DFA0A04FC94B}">
-              <ma14:wrappingTextBoxFlag xmlns:ma14="http://schemas.microsoft.com/office/mac/drawingml/2011/main" xmlns="" val="1"/>
+              <ma14:wrappingTextBoxFlag xmlns="" xmlns:ma14="http://schemas.microsoft.com/office/mac/drawingml/2011/main" val="1"/>
             </a:ext>
           </a:extLst>
         </p:spPr>
@@ -11749,7 +12568,7 @@
             <a:effectLst/>
             <a:extLst>
               <a:ext uri="{C572A759-6A51-4108-AA02-DFA0A04FC94B}">
-                <ma14:wrappingTextBoxFlag xmlns:ma14="http://schemas.microsoft.com/office/mac/drawingml/2011/main" xmlns="" val="1"/>
+                <ma14:wrappingTextBoxFlag xmlns="" xmlns:ma14="http://schemas.microsoft.com/office/mac/drawingml/2011/main" val="1"/>
               </a:ext>
             </a:extLst>
           </p:spPr>
@@ -11805,7 +12624,7 @@
             <a:effectLst/>
             <a:extLst>
               <a:ext uri="{C572A759-6A51-4108-AA02-DFA0A04FC94B}">
-                <ma14:wrappingTextBoxFlag xmlns:ma14="http://schemas.microsoft.com/office/mac/drawingml/2011/main" xmlns="" val="1"/>
+                <ma14:wrappingTextBoxFlag xmlns="" xmlns:ma14="http://schemas.microsoft.com/office/mac/drawingml/2011/main" val="1"/>
               </a:ext>
             </a:extLst>
           </p:spPr>
@@ -11856,7 +12675,7 @@
             <a:effectLst/>
             <a:extLst>
               <a:ext uri="{C572A759-6A51-4108-AA02-DFA0A04FC94B}">
-                <ma14:wrappingTextBoxFlag xmlns:ma14="http://schemas.microsoft.com/office/mac/drawingml/2011/main" xmlns="" val="1"/>
+                <ma14:wrappingTextBoxFlag xmlns="" xmlns:ma14="http://schemas.microsoft.com/office/mac/drawingml/2011/main" val="1"/>
               </a:ext>
             </a:extLst>
           </p:spPr>
@@ -12885,9 +13704,9 @@
         <p:grpSpPr>
           <a:xfrm>
             <a:off x="437533" y="813480"/>
-            <a:ext cx="11042311" cy="5235311"/>
+            <a:ext cx="11042311" cy="5050645"/>
             <a:chOff x="-36514" y="2486086"/>
-            <a:chExt cx="22084620" cy="10470619"/>
+            <a:chExt cx="22084620" cy="10101287"/>
           </a:xfrm>
         </p:grpSpPr>
         <p:sp>
@@ -12912,7 +13731,7 @@
             <a:effectLst/>
             <a:extLst>
               <a:ext uri="{C572A759-6A51-4108-AA02-DFA0A04FC94B}">
-                <ma14:wrappingTextBoxFlag xmlns:ma14="http://schemas.microsoft.com/office/mac/drawingml/2011/main" xmlns="" val="1"/>
+                <ma14:wrappingTextBoxFlag xmlns="" xmlns:ma14="http://schemas.microsoft.com/office/mac/drawingml/2011/main" val="1"/>
               </a:ext>
             </a:extLst>
           </p:spPr>
@@ -12962,7 +13781,7 @@
             <a:effectLst/>
             <a:extLst>
               <a:ext uri="{C572A759-6A51-4108-AA02-DFA0A04FC94B}">
-                <ma14:wrappingTextBoxFlag xmlns:ma14="http://schemas.microsoft.com/office/mac/drawingml/2011/main" xmlns="" val="1"/>
+                <ma14:wrappingTextBoxFlag xmlns="" xmlns:ma14="http://schemas.microsoft.com/office/mac/drawingml/2011/main" val="1"/>
               </a:ext>
             </a:extLst>
           </p:spPr>
@@ -12994,7 +13813,7 @@
           <p:spPr>
             <a:xfrm>
               <a:off x="-36514" y="9928184"/>
-              <a:ext cx="7508519" cy="3028521"/>
+              <a:ext cx="7508519" cy="2659189"/>
             </a:xfrm>
             <a:prstGeom prst="rect">
               <a:avLst/>
@@ -13007,7 +13826,7 @@
             <a:effectLst/>
             <a:extLst>
               <a:ext uri="{C572A759-6A51-4108-AA02-DFA0A04FC94B}">
-                <ma14:wrappingTextBoxFlag xmlns:ma14="http://schemas.microsoft.com/office/mac/drawingml/2011/main" xmlns="" val="1"/>
+                <ma14:wrappingTextBoxFlag xmlns="" xmlns:ma14="http://schemas.microsoft.com/office/mac/drawingml/2011/main" val="1"/>
               </a:ext>
             </a:extLst>
           </p:spPr>
@@ -13051,14 +13870,17 @@
                 <a:rPr lang="en-US" sz="1200" u="sng" dirty="0">
                   <a:latin typeface="PT Sans"/>
                 </a:rPr>
-                <a:t>Germany</a:t>
+                <a:t>US</a:t>
               </a:r>
               <a:r>
                 <a:rPr lang="en-US" sz="1200" dirty="0">
                   <a:latin typeface="PT Sans"/>
                 </a:rPr>
-                <a:t>: second biggest hub, but not too strongly touched</a:t>
-              </a:r>
+                <a:t>: main hub and strongly touched</a:t>
+              </a:r>
+              <a:endParaRPr lang="en-US" sz="1200" u="sng" dirty="0">
+                <a:latin typeface="PT Sans"/>
+              </a:endParaRPr>
             </a:p>
             <a:p>
               <a:pPr marL="628650" lvl="1" indent="-171450" algn="just">
@@ -13069,13 +13891,13 @@
                 <a:rPr lang="en-US" sz="1200" u="sng" dirty="0">
                   <a:latin typeface="PT Sans"/>
                 </a:rPr>
-                <a:t>UK</a:t>
+                <a:t>Germany</a:t>
               </a:r>
               <a:r>
                 <a:rPr lang="en-US" sz="1200" dirty="0">
                   <a:latin typeface="PT Sans"/>
                 </a:rPr>
-                <a:t>: big hub and rather strongly touched</a:t>
+                <a:t>: second biggest hub, but not too strongly touched</a:t>
               </a:r>
             </a:p>
             <a:p>
@@ -13087,31 +13909,13 @@
                 <a:rPr lang="en-US" sz="1200" u="sng" dirty="0">
                   <a:latin typeface="PT Sans"/>
                 </a:rPr>
-                <a:t>US</a:t>
+                <a:t>UK</a:t>
               </a:r>
               <a:r>
                 <a:rPr lang="en-US" sz="1200" dirty="0">
                   <a:latin typeface="PT Sans"/>
                 </a:rPr>
-                <a:t>: main hub and strongly touched</a:t>
-              </a:r>
-            </a:p>
-            <a:p>
-              <a:pPr marL="628650" lvl="1" indent="-171450" algn="just">
-                <a:buFont typeface="Arial" panose="020B0604020202020204" pitchFamily="34" charset="0"/>
-                <a:buChar char="•"/>
-              </a:pPr>
-              <a:r>
-                <a:rPr lang="en-US" sz="1200" u="sng" dirty="0">
-                  <a:latin typeface="PT Sans"/>
-                </a:rPr>
-                <a:t>Switzerland</a:t>
-              </a:r>
-              <a:r>
-                <a:rPr lang="en-US" sz="1200" dirty="0">
-                  <a:latin typeface="PT Sans"/>
-                </a:rPr>
-                <a:t>: not the biggest hub, but rather strongly touched</a:t>
+                <a:t>: third hub and interesting change of strategy</a:t>
               </a:r>
             </a:p>
           </p:txBody>
@@ -13252,7 +14056,7 @@
           <a:effectLst/>
           <a:extLst>
             <a:ext uri="{C572A759-6A51-4108-AA02-DFA0A04FC94B}">
-              <ma14:wrappingTextBoxFlag xmlns:ma14="http://schemas.microsoft.com/office/mac/drawingml/2011/main" xmlns="" val="1"/>
+              <ma14:wrappingTextBoxFlag xmlns="" xmlns:ma14="http://schemas.microsoft.com/office/mac/drawingml/2011/main" val="1"/>
             </a:ext>
           </a:extLst>
         </p:spPr>
@@ -13508,7 +14312,7 @@
             <a:effectLst/>
             <a:extLst>
               <a:ext uri="{C572A759-6A51-4108-AA02-DFA0A04FC94B}">
-                <ma14:wrappingTextBoxFlag xmlns:ma14="http://schemas.microsoft.com/office/mac/drawingml/2011/main" xmlns="" val="1"/>
+                <ma14:wrappingTextBoxFlag xmlns="" xmlns:ma14="http://schemas.microsoft.com/office/mac/drawingml/2011/main" val="1"/>
               </a:ext>
             </a:extLst>
           </p:spPr>
@@ -13543,7 +14347,7 @@
               </a:pPr>
               <a:r>
                 <a:rPr lang="en-US" sz="1400" dirty="0"/>
-                <a:t>Switzerland, US, UK, Germany</a:t>
+                <a:t>US, UK, Germany</a:t>
               </a:r>
             </a:p>
             <a:p>
@@ -13587,7 +14391,7 @@
             <a:effectLst/>
             <a:extLst>
               <a:ext uri="{C572A759-6A51-4108-AA02-DFA0A04FC94B}">
-                <ma14:wrappingTextBoxFlag xmlns:ma14="http://schemas.microsoft.com/office/mac/drawingml/2011/main" xmlns="" val="1"/>
+                <ma14:wrappingTextBoxFlag xmlns="" xmlns:ma14="http://schemas.microsoft.com/office/mac/drawingml/2011/main" val="1"/>
               </a:ext>
             </a:extLst>
           </p:spPr>
@@ -13729,7 +14533,7 @@
             <a:effectLst/>
             <a:extLst>
               <a:ext uri="{C572A759-6A51-4108-AA02-DFA0A04FC94B}">
-                <ma14:wrappingTextBoxFlag xmlns:ma14="http://schemas.microsoft.com/office/mac/drawingml/2011/main" xmlns="" val="1"/>
+                <ma14:wrappingTextBoxFlag xmlns="" xmlns:ma14="http://schemas.microsoft.com/office/mac/drawingml/2011/main" val="1"/>
               </a:ext>
             </a:extLst>
           </p:spPr>
@@ -13754,7 +14558,7 @@
               </a:pPr>
               <a:r>
                 <a:rPr lang="en-US" sz="1400" dirty="0"/>
-                <a:t>Sentiment analysis over time </a:t>
+                <a:t>Measures of the three countries</a:t>
               </a:r>
             </a:p>
             <a:p>
@@ -13764,7 +14568,7 @@
               </a:pPr>
               <a:r>
                 <a:rPr lang="en-US" sz="1400" dirty="0"/>
-                <a:t>Comparison between opinion leaders in each country</a:t>
+                <a:t>Sentiment analysis over time </a:t>
               </a:r>
             </a:p>
             <a:p>
@@ -13774,7 +14578,7 @@
               </a:pPr>
               <a:r>
                 <a:rPr lang="en-US" sz="1400" dirty="0"/>
-                <a:t>Comparison across countries</a:t>
+                <a:t>Comparison between opinion leaders in each country</a:t>
               </a:r>
             </a:p>
             <a:p>
@@ -13784,7 +14588,7 @@
               </a:pPr>
               <a:r>
                 <a:rPr lang="en-US" sz="1400" dirty="0"/>
-                <a:t>Measures comparison</a:t>
+                <a:t>Comparison across countries</a:t>
               </a:r>
             </a:p>
           </p:txBody>
@@ -13811,7 +14615,7 @@
             <a:effectLst/>
             <a:extLst>
               <a:ext uri="{C572A759-6A51-4108-AA02-DFA0A04FC94B}">
-                <ma14:wrappingTextBoxFlag xmlns:ma14="http://schemas.microsoft.com/office/mac/drawingml/2011/main" xmlns="" val="1"/>
+                <ma14:wrappingTextBoxFlag xmlns="" xmlns:ma14="http://schemas.microsoft.com/office/mac/drawingml/2011/main" val="1"/>
               </a:ext>
             </a:extLst>
           </p:spPr>
@@ -13898,7 +14702,7 @@
           </a:ln>
           <a:extLst>
             <a:ext uri="{C572A759-6A51-4108-AA02-DFA0A04FC94B}">
-              <ma14:wrappingTextBoxFlag xmlns:ma14="http://schemas.microsoft.com/office/mac/drawingml/2011/main" xmlns="" val="1"/>
+              <ma14:wrappingTextBoxFlag xmlns="" xmlns:ma14="http://schemas.microsoft.com/office/mac/drawingml/2011/main" val="1"/>
             </a:ext>
           </a:extLst>
         </p:spPr>
@@ -13977,10 +14781,10 @@
         </p:nvGrpSpPr>
         <p:grpSpPr>
           <a:xfrm>
-            <a:off x="524284" y="506745"/>
-            <a:ext cx="5640210" cy="2394440"/>
-            <a:chOff x="0" y="1693528"/>
-            <a:chExt cx="11280419" cy="4788879"/>
+            <a:off x="562383" y="478170"/>
+            <a:ext cx="6076541" cy="1988175"/>
+            <a:chOff x="-2" y="1693528"/>
+            <a:chExt cx="12153081" cy="3976349"/>
           </a:xfrm>
         </p:grpSpPr>
         <p:sp>
@@ -13991,8 +14795,8 @@
           </p:nvSpPr>
           <p:spPr>
             <a:xfrm>
-              <a:off x="0" y="1693528"/>
-              <a:ext cx="11280419" cy="1274452"/>
+              <a:off x="-2" y="1693528"/>
+              <a:ext cx="12153081" cy="1274452"/>
             </a:xfrm>
             <a:prstGeom prst="rect">
               <a:avLst/>
@@ -14005,7 +14809,7 @@
             <a:effectLst/>
             <a:extLst>
               <a:ext uri="{C572A759-6A51-4108-AA02-DFA0A04FC94B}">
-                <ma14:wrappingTextBoxFlag xmlns:ma14="http://schemas.microsoft.com/office/mac/drawingml/2011/main" xmlns="" val="1"/>
+                <ma14:wrappingTextBoxFlag xmlns="" xmlns:ma14="http://schemas.microsoft.com/office/mac/drawingml/2011/main" val="1"/>
               </a:ext>
             </a:extLst>
           </p:spPr>
@@ -14028,11 +14832,7 @@
               </a:pPr>
               <a:r>
                 <a:rPr lang="fr-CH" sz="5050" dirty="0"/>
-                <a:t>Sentiment </a:t>
-              </a:r>
-              <a:r>
-                <a:rPr lang="fr-CH" sz="5050" dirty="0" err="1"/>
-                <a:t>Analysis</a:t>
+                <a:t>Countries’ Actions </a:t>
               </a:r>
               <a:endParaRPr sz="5050" dirty="0"/>
             </a:p>
@@ -14046,8 +14846,8 @@
           </p:nvSpPr>
           <p:spPr>
             <a:xfrm>
-              <a:off x="43510" y="3711313"/>
-              <a:ext cx="1978620" cy="413702"/>
+              <a:off x="43512" y="2967980"/>
+              <a:ext cx="8898589" cy="482570"/>
             </a:xfrm>
             <a:prstGeom prst="rect">
               <a:avLst/>
@@ -14060,7 +14860,7 @@
             <a:effectLst/>
             <a:extLst>
               <a:ext uri="{C572A759-6A51-4108-AA02-DFA0A04FC94B}">
-                <ma14:wrappingTextBoxFlag xmlns:ma14="http://schemas.microsoft.com/office/mac/drawingml/2011/main" xmlns="" val="1"/>
+                <ma14:wrappingTextBoxFlag xmlns="" xmlns:ma14="http://schemas.microsoft.com/office/mac/drawingml/2011/main" val="1"/>
               </a:ext>
             </a:extLst>
           </p:spPr>
@@ -14077,10 +14877,38 @@
                 <a:defRPr sz="2400" spc="647"/>
               </a:pPr>
               <a:r>
-                <a:rPr lang="fr-CH" sz="1200" spc="300" dirty="0" err="1"/>
-                <a:t>Procedure</a:t>
-              </a:r>
-              <a:endParaRPr sz="1200" spc="300" dirty="0"/>
+                <a:rPr lang="fr-CH" sz="1400" spc="300" dirty="0" err="1"/>
+                <a:t>Specific</a:t>
+              </a:r>
+              <a:r>
+                <a:rPr lang="fr-CH" sz="1400" spc="300" dirty="0"/>
+                <a:t> </a:t>
+              </a:r>
+              <a:r>
+                <a:rPr lang="fr-CH" sz="1400" spc="300" dirty="0" err="1"/>
+                <a:t>measures</a:t>
+              </a:r>
+              <a:r>
+                <a:rPr lang="fr-CH" sz="1400" spc="300" dirty="0"/>
+                <a:t> </a:t>
+              </a:r>
+              <a:r>
+                <a:rPr lang="fr-CH" sz="1400" spc="300" dirty="0" err="1"/>
+                <a:t>taken</a:t>
+              </a:r>
+              <a:r>
+                <a:rPr lang="fr-CH" sz="1400" spc="300" dirty="0"/>
+                <a:t> by </a:t>
+              </a:r>
+              <a:r>
+                <a:rPr lang="fr-CH" sz="1400" spc="300" dirty="0" err="1"/>
+                <a:t>each</a:t>
+              </a:r>
+              <a:r>
+                <a:rPr lang="fr-CH" sz="1400" spc="300" dirty="0"/>
+                <a:t> country</a:t>
+              </a:r>
+              <a:endParaRPr sz="1400" spc="300" dirty="0"/>
             </a:p>
           </p:txBody>
         </p:sp>
@@ -14093,7 +14921,7 @@
           <p:spPr>
             <a:xfrm>
               <a:off x="43512" y="4888765"/>
-              <a:ext cx="8264367" cy="1593642"/>
+              <a:ext cx="8264367" cy="781112"/>
             </a:xfrm>
             <a:prstGeom prst="rect">
               <a:avLst/>
@@ -14106,7 +14934,7 @@
             <a:effectLst/>
             <a:extLst>
               <a:ext uri="{C572A759-6A51-4108-AA02-DFA0A04FC94B}">
-                <ma14:wrappingTextBoxFlag xmlns:ma14="http://schemas.microsoft.com/office/mac/drawingml/2011/main" xmlns="" val="1"/>
+                <ma14:wrappingTextBoxFlag xmlns="" xmlns:ma14="http://schemas.microsoft.com/office/mac/drawingml/2011/main" val="1"/>
               </a:ext>
             </a:extLst>
           </p:spPr>
@@ -14133,62 +14961,20 @@
                 <a:buChar char="•"/>
               </a:pPr>
               <a:r>
+                <a:rPr lang="fr-CH" sz="1200" dirty="0"/>
+                <a:t>Time to </a:t>
+              </a:r>
+              <a:r>
                 <a:rPr lang="fr-CH" sz="1200" dirty="0" err="1"/>
-                <a:t>Choosing</a:t>
+                <a:t>take</a:t>
               </a:r>
               <a:r>
                 <a:rPr lang="fr-CH" sz="1200" dirty="0"/>
-                <a:t> and </a:t>
+                <a:t> the </a:t>
               </a:r>
               <a:r>
                 <a:rPr lang="fr-CH" sz="1200" dirty="0" err="1"/>
-                <a:t>getting</a:t>
-              </a:r>
-              <a:r>
-                <a:rPr lang="fr-CH" sz="1200" dirty="0"/>
-                <a:t> the data: </a:t>
-              </a:r>
-              <a:r>
-                <a:rPr lang="fr-CH" sz="1200" dirty="0" err="1"/>
-                <a:t>from</a:t>
-              </a:r>
-              <a:r>
-                <a:rPr lang="fr-CH" sz="1200" dirty="0"/>
-                <a:t> </a:t>
-              </a:r>
-              <a:r>
-                <a:rPr lang="fr-CH" sz="1200" dirty="0" err="1"/>
-                <a:t>February</a:t>
-              </a:r>
-              <a:r>
-                <a:rPr lang="fr-CH" sz="1200" dirty="0"/>
-                <a:t> – all the tweets?</a:t>
-              </a:r>
-            </a:p>
-            <a:p>
-              <a:pPr marL="171450" indent="-171450">
-                <a:buFont typeface="Arial" panose="020B0604020202020204" pitchFamily="34" charset="0"/>
-                <a:buChar char="•"/>
-              </a:pPr>
-              <a:r>
-                <a:rPr lang="fr-CH" sz="1200" dirty="0" err="1"/>
-                <a:t>Analyzing</a:t>
-              </a:r>
-              <a:r>
-                <a:rPr lang="fr-CH" sz="1200" dirty="0"/>
-                <a:t> and </a:t>
-              </a:r>
-              <a:r>
-                <a:rPr lang="fr-CH" sz="1200" dirty="0" err="1"/>
-                <a:t>exporting</a:t>
-              </a:r>
-              <a:r>
-                <a:rPr lang="fr-CH" sz="1200" dirty="0"/>
-                <a:t> </a:t>
-              </a:r>
-              <a:r>
-                <a:rPr lang="fr-CH" sz="1200" dirty="0" err="1"/>
-                <a:t>results</a:t>
+                <a:t>measures</a:t>
               </a:r>
               <a:endParaRPr lang="fr-CH" sz="1200" dirty="0"/>
             </a:p>
@@ -14199,7 +14985,15 @@
               </a:pPr>
               <a:r>
                 <a:rPr lang="fr-CH" sz="1200" dirty="0" err="1"/>
-                <a:t>Wordcloud</a:t>
+                <a:t>Effectiveness</a:t>
+              </a:r>
+              <a:r>
+                <a:rPr lang="fr-CH" sz="1200" dirty="0"/>
+                <a:t> of </a:t>
+              </a:r>
+              <a:r>
+                <a:rPr lang="fr-CH" sz="1200" dirty="0" err="1"/>
+                <a:t>measures</a:t>
               </a:r>
               <a:endParaRPr lang="fr-CH" sz="1200" dirty="0"/>
             </a:p>
@@ -14211,7 +15005,7 @@
           <p:cNvPr id="7" name="Image 6">
             <a:extLst>
               <a:ext uri="{FF2B5EF4-FFF2-40B4-BE49-F238E27FC236}">
-                <a16:creationId xmlns:a16="http://schemas.microsoft.com/office/drawing/2014/main" id="{B4FCBFFE-A783-489C-B4D6-FA305817AF0A}"/>
+                <a16:creationId xmlns:a16="http://schemas.microsoft.com/office/drawing/2014/main" id="{10C8246A-582D-4075-9861-F2535ECF1CFA}"/>
               </a:ext>
             </a:extLst>
           </p:cNvPr>
@@ -14245,7 +15039,7 @@
     </p:spTree>
     <p:extLst>
       <p:ext uri="{BB962C8B-B14F-4D97-AF65-F5344CB8AC3E}">
-        <p14:creationId xmlns:p14="http://schemas.microsoft.com/office/powerpoint/2010/main" val="3635757278"/>
+        <p14:creationId xmlns:p14="http://schemas.microsoft.com/office/powerpoint/2010/main" val="3747161261"/>
       </p:ext>
     </p:extLst>
   </p:cSld>

--- a/Presentation.pptx
+++ b/Presentation.pptx
@@ -3951,7 +3951,7 @@
           </a:ln>
           <a:extLst>
             <a:ext uri="{C572A759-6A51-4108-AA02-DFA0A04FC94B}">
-              <ma14:wrappingTextBoxFlag xmlns="" xmlns:ma14="http://schemas.microsoft.com/office/mac/drawingml/2011/main" val="1"/>
+              <ma14:wrappingTextBoxFlag xmlns:ma14="http://schemas.microsoft.com/office/mac/drawingml/2011/main" xmlns="" val="1"/>
             </a:ext>
           </a:extLst>
         </p:spPr>
@@ -4177,7 +4177,7 @@
             <a:effectLst/>
             <a:extLst>
               <a:ext uri="{C572A759-6A51-4108-AA02-DFA0A04FC94B}">
-                <ma14:wrappingTextBoxFlag xmlns="" xmlns:ma14="http://schemas.microsoft.com/office/mac/drawingml/2011/main" val="1"/>
+                <ma14:wrappingTextBoxFlag xmlns:ma14="http://schemas.microsoft.com/office/mac/drawingml/2011/main" xmlns="" val="1"/>
               </a:ext>
             </a:extLst>
           </p:spPr>
@@ -4232,7 +4232,7 @@
             <a:effectLst/>
             <a:extLst>
               <a:ext uri="{C572A759-6A51-4108-AA02-DFA0A04FC94B}">
-                <ma14:wrappingTextBoxFlag xmlns="" xmlns:ma14="http://schemas.microsoft.com/office/mac/drawingml/2011/main" val="1"/>
+                <ma14:wrappingTextBoxFlag xmlns:ma14="http://schemas.microsoft.com/office/mac/drawingml/2011/main" xmlns="" val="1"/>
               </a:ext>
             </a:extLst>
           </p:spPr>
@@ -4278,7 +4278,7 @@
             <a:effectLst/>
             <a:extLst>
               <a:ext uri="{C572A759-6A51-4108-AA02-DFA0A04FC94B}">
-                <ma14:wrappingTextBoxFlag xmlns="" xmlns:ma14="http://schemas.microsoft.com/office/mac/drawingml/2011/main" val="1"/>
+                <ma14:wrappingTextBoxFlag xmlns:ma14="http://schemas.microsoft.com/office/mac/drawingml/2011/main" xmlns="" val="1"/>
               </a:ext>
             </a:extLst>
           </p:spPr>
@@ -4492,7 +4492,7 @@
             <a:effectLst/>
             <a:extLst>
               <a:ext uri="{C572A759-6A51-4108-AA02-DFA0A04FC94B}">
-                <ma14:wrappingTextBoxFlag xmlns="" xmlns:ma14="http://schemas.microsoft.com/office/mac/drawingml/2011/main" val="1"/>
+                <ma14:wrappingTextBoxFlag xmlns:ma14="http://schemas.microsoft.com/office/mac/drawingml/2011/main" xmlns="" val="1"/>
               </a:ext>
             </a:extLst>
           </p:spPr>
@@ -4550,7 +4550,7 @@
             <a:effectLst/>
             <a:extLst>
               <a:ext uri="{C572A759-6A51-4108-AA02-DFA0A04FC94B}">
-                <ma14:wrappingTextBoxFlag xmlns="" xmlns:ma14="http://schemas.microsoft.com/office/mac/drawingml/2011/main" val="1"/>
+                <ma14:wrappingTextBoxFlag xmlns:ma14="http://schemas.microsoft.com/office/mac/drawingml/2011/main" xmlns="" val="1"/>
               </a:ext>
             </a:extLst>
           </p:spPr>
@@ -4600,7 +4600,7 @@
             <a:effectLst/>
             <a:extLst>
               <a:ext uri="{C572A759-6A51-4108-AA02-DFA0A04FC94B}">
-                <ma14:wrappingTextBoxFlag xmlns="" xmlns:ma14="http://schemas.microsoft.com/office/mac/drawingml/2011/main" val="1"/>
+                <ma14:wrappingTextBoxFlag xmlns:ma14="http://schemas.microsoft.com/office/mac/drawingml/2011/main" xmlns="" val="1"/>
               </a:ext>
             </a:extLst>
           </p:spPr>
@@ -4723,10 +4723,10 @@
       </p:pic>
       <p:pic>
         <p:nvPicPr>
-          <p:cNvPr id="11" name="Image 10">
+          <p:cNvPr id="3" name="Image 2">
             <a:extLst>
               <a:ext uri="{FF2B5EF4-FFF2-40B4-BE49-F238E27FC236}">
-                <a16:creationId xmlns:a16="http://schemas.microsoft.com/office/drawing/2014/main" id="{9F05FCAE-3C2D-4975-8EAC-AF6D4345810A}"/>
+                <a16:creationId xmlns:a16="http://schemas.microsoft.com/office/drawing/2014/main" id="{A1823561-B747-4C23-AF57-4BEDBE3C5716}"/>
               </a:ext>
             </a:extLst>
           </p:cNvPr>
@@ -4749,8 +4749,8 @@
         </p:blipFill>
         <p:spPr>
           <a:xfrm>
-            <a:off x="5078942" y="748058"/>
-            <a:ext cx="6937056" cy="2219858"/>
+            <a:off x="5074525" y="745633"/>
+            <a:ext cx="6937057" cy="2219858"/>
           </a:xfrm>
           <a:prstGeom prst="rect">
             <a:avLst/>
@@ -4907,7 +4907,7 @@
             <a:effectLst/>
             <a:extLst>
               <a:ext uri="{C572A759-6A51-4108-AA02-DFA0A04FC94B}">
-                <ma14:wrappingTextBoxFlag xmlns="" xmlns:ma14="http://schemas.microsoft.com/office/mac/drawingml/2011/main" val="1"/>
+                <ma14:wrappingTextBoxFlag xmlns:ma14="http://schemas.microsoft.com/office/mac/drawingml/2011/main" xmlns="" val="1"/>
               </a:ext>
             </a:extLst>
           </p:spPr>
@@ -4965,7 +4965,7 @@
             <a:effectLst/>
             <a:extLst>
               <a:ext uri="{C572A759-6A51-4108-AA02-DFA0A04FC94B}">
-                <ma14:wrappingTextBoxFlag xmlns="" xmlns:ma14="http://schemas.microsoft.com/office/mac/drawingml/2011/main" val="1"/>
+                <ma14:wrappingTextBoxFlag xmlns:ma14="http://schemas.microsoft.com/office/mac/drawingml/2011/main" xmlns="" val="1"/>
               </a:ext>
             </a:extLst>
           </p:spPr>
@@ -5023,7 +5023,7 @@
             <a:effectLst/>
             <a:extLst>
               <a:ext uri="{C572A759-6A51-4108-AA02-DFA0A04FC94B}">
-                <ma14:wrappingTextBoxFlag xmlns="" xmlns:ma14="http://schemas.microsoft.com/office/mac/drawingml/2011/main" val="1"/>
+                <ma14:wrappingTextBoxFlag xmlns:ma14="http://schemas.microsoft.com/office/mac/drawingml/2011/main" xmlns="" val="1"/>
               </a:ext>
             </a:extLst>
           </p:spPr>
@@ -5115,77 +5115,6 @@
           <a:xfrm>
             <a:off x="10635101" y="116166"/>
             <a:ext cx="1380897" cy="301035"/>
-          </a:xfrm>
-          <a:prstGeom prst="rect">
-            <a:avLst/>
-          </a:prstGeom>
-        </p:spPr>
-      </p:pic>
-      <p:pic>
-        <p:nvPicPr>
-          <p:cNvPr id="10" name="Image 9" descr="Une image contenant eau, plage&#10;&#10;Description générée automatiquement">
-            <a:extLst>
-              <a:ext uri="{FF2B5EF4-FFF2-40B4-BE49-F238E27FC236}">
-                <a16:creationId xmlns:a16="http://schemas.microsoft.com/office/drawing/2014/main" id="{A2DBB42C-6767-4A66-B08B-3B34B61A6F6D}"/>
-              </a:ext>
-            </a:extLst>
-          </p:cNvPr>
-          <p:cNvPicPr>
-            <a:picLocks noChangeAspect="1"/>
-          </p:cNvPicPr>
-          <p:nvPr/>
-        </p:nvPicPr>
-        <p:blipFill>
-          <a:blip r:embed="rId3">
-            <a:extLst>
-              <a:ext uri="{28A0092B-C50C-407E-A947-70E740481C1C}">
-                <a14:useLocalDpi xmlns:a14="http://schemas.microsoft.com/office/drawing/2010/main" val="0"/>
-              </a:ext>
-            </a:extLst>
-          </a:blip>
-          <a:stretch>
-            <a:fillRect/>
-          </a:stretch>
-        </p:blipFill>
-        <p:spPr>
-          <a:xfrm>
-            <a:off x="935557" y="3827006"/>
-            <a:ext cx="9108838" cy="2914828"/>
-          </a:xfrm>
-          <a:prstGeom prst="rect">
-            <a:avLst/>
-          </a:prstGeom>
-        </p:spPr>
-      </p:pic>
-      <p:pic>
-        <p:nvPicPr>
-          <p:cNvPr id="12" name="Image 11">
-            <a:extLst>
-              <a:ext uri="{FF2B5EF4-FFF2-40B4-BE49-F238E27FC236}">
-                <a16:creationId xmlns:a16="http://schemas.microsoft.com/office/drawing/2014/main" id="{1D337F00-1666-4098-9673-6D2F9E1850B8}"/>
-              </a:ext>
-            </a:extLst>
-          </p:cNvPr>
-          <p:cNvPicPr>
-            <a:picLocks noChangeAspect="1"/>
-          </p:cNvPicPr>
-          <p:nvPr/>
-        </p:nvPicPr>
-        <p:blipFill rotWithShape="1">
-          <a:blip r:embed="rId4">
-            <a:extLst>
-              <a:ext uri="{28A0092B-C50C-407E-A947-70E740481C1C}">
-                <a14:useLocalDpi xmlns:a14="http://schemas.microsoft.com/office/drawing/2010/main" val="0"/>
-              </a:ext>
-            </a:extLst>
-          </a:blip>
-          <a:srcRect l="39087" r="38569"/>
-          <a:stretch/>
-        </p:blipFill>
-        <p:spPr>
-          <a:xfrm>
-            <a:off x="9012060" y="853631"/>
-            <a:ext cx="2724150" cy="3901440"/>
           </a:xfrm>
           <a:prstGeom prst="rect">
             <a:avLst/>
@@ -5243,9 +5172,9 @@
         <p:grpSpPr>
           <a:xfrm>
             <a:off x="362359" y="212605"/>
-            <a:ext cx="5640210" cy="3539615"/>
+            <a:ext cx="5640210" cy="3742748"/>
             <a:chOff x="-400050" y="286098"/>
-            <a:chExt cx="11280419" cy="7079229"/>
+            <a:chExt cx="11280419" cy="7485495"/>
           </a:xfrm>
         </p:grpSpPr>
         <p:sp>
@@ -5270,7 +5199,7 @@
             <a:effectLst/>
             <a:extLst>
               <a:ext uri="{C572A759-6A51-4108-AA02-DFA0A04FC94B}">
-                <ma14:wrappingTextBoxFlag xmlns="" xmlns:ma14="http://schemas.microsoft.com/office/mac/drawingml/2011/main" val="1"/>
+                <ma14:wrappingTextBoxFlag xmlns:ma14="http://schemas.microsoft.com/office/mac/drawingml/2011/main" xmlns="" val="1"/>
               </a:ext>
             </a:extLst>
           </p:spPr>
@@ -5329,7 +5258,7 @@
             <a:effectLst/>
             <a:extLst>
               <a:ext uri="{C572A759-6A51-4108-AA02-DFA0A04FC94B}">
-                <ma14:wrappingTextBoxFlag xmlns="" xmlns:ma14="http://schemas.microsoft.com/office/mac/drawingml/2011/main" val="1"/>
+                <ma14:wrappingTextBoxFlag xmlns:ma14="http://schemas.microsoft.com/office/mac/drawingml/2011/main" xmlns="" val="1"/>
               </a:ext>
             </a:extLst>
           </p:spPr>
@@ -5374,7 +5303,7 @@
           <p:spPr>
             <a:xfrm>
               <a:off x="-204138" y="6584215"/>
-              <a:ext cx="8264367" cy="781112"/>
+              <a:ext cx="8264367" cy="1187378"/>
             </a:xfrm>
             <a:prstGeom prst="rect">
               <a:avLst/>
@@ -5387,7 +5316,7 @@
             <a:effectLst/>
             <a:extLst>
               <a:ext uri="{C572A759-6A51-4108-AA02-DFA0A04FC94B}">
-                <ma14:wrappingTextBoxFlag xmlns="" xmlns:ma14="http://schemas.microsoft.com/office/mac/drawingml/2011/main" val="1"/>
+                <ma14:wrappingTextBoxFlag xmlns:ma14="http://schemas.microsoft.com/office/mac/drawingml/2011/main" xmlns="" val="1"/>
               </a:ext>
             </a:extLst>
           </p:spPr>
@@ -5423,7 +5352,15 @@
               </a:r>
               <a:r>
                 <a:rPr lang="fr-CH" sz="1200" dirty="0"/>
-                <a:t>, BBC </a:t>
+                <a:t> (</a:t>
+              </a:r>
+              <a:r>
+                <a:rPr lang="fr-CH" sz="1200" dirty="0" err="1"/>
+                <a:t>with</a:t>
+              </a:r>
+              <a:r>
+                <a:rPr lang="fr-CH" sz="1200" dirty="0"/>
+                <a:t> retweets), BBC </a:t>
               </a:r>
               <a:r>
                 <a:rPr lang="fr-CH" sz="1200" dirty="0" err="1"/>
@@ -5670,7 +5607,7 @@
             <a:effectLst/>
             <a:extLst>
               <a:ext uri="{C572A759-6A51-4108-AA02-DFA0A04FC94B}">
-                <ma14:wrappingTextBoxFlag xmlns="" xmlns:ma14="http://schemas.microsoft.com/office/mac/drawingml/2011/main" val="1"/>
+                <ma14:wrappingTextBoxFlag xmlns:ma14="http://schemas.microsoft.com/office/mac/drawingml/2011/main" xmlns="" val="1"/>
               </a:ext>
             </a:extLst>
           </p:spPr>
@@ -5728,7 +5665,7 @@
             <a:effectLst/>
             <a:extLst>
               <a:ext uri="{C572A759-6A51-4108-AA02-DFA0A04FC94B}">
-                <ma14:wrappingTextBoxFlag xmlns="" xmlns:ma14="http://schemas.microsoft.com/office/mac/drawingml/2011/main" val="1"/>
+                <ma14:wrappingTextBoxFlag xmlns:ma14="http://schemas.microsoft.com/office/mac/drawingml/2011/main" xmlns="" val="1"/>
               </a:ext>
             </a:extLst>
           </p:spPr>
@@ -5794,7 +5731,7 @@
             <a:effectLst/>
             <a:extLst>
               <a:ext uri="{C572A759-6A51-4108-AA02-DFA0A04FC94B}">
-                <ma14:wrappingTextBoxFlag xmlns="" xmlns:ma14="http://schemas.microsoft.com/office/mac/drawingml/2011/main" val="1"/>
+                <ma14:wrappingTextBoxFlag xmlns:ma14="http://schemas.microsoft.com/office/mac/drawingml/2011/main" xmlns="" val="1"/>
               </a:ext>
             </a:extLst>
           </p:spPr>
@@ -6041,7 +5978,7 @@
             <a:effectLst/>
             <a:extLst>
               <a:ext uri="{C572A759-6A51-4108-AA02-DFA0A04FC94B}">
-                <ma14:wrappingTextBoxFlag xmlns="" xmlns:ma14="http://schemas.microsoft.com/office/mac/drawingml/2011/main" val="1"/>
+                <ma14:wrappingTextBoxFlag xmlns:ma14="http://schemas.microsoft.com/office/mac/drawingml/2011/main" xmlns="" val="1"/>
               </a:ext>
             </a:extLst>
           </p:spPr>
@@ -6100,7 +6037,7 @@
             <a:effectLst/>
             <a:extLst>
               <a:ext uri="{C572A759-6A51-4108-AA02-DFA0A04FC94B}">
-                <ma14:wrappingTextBoxFlag xmlns="" xmlns:ma14="http://schemas.microsoft.com/office/mac/drawingml/2011/main" val="1"/>
+                <ma14:wrappingTextBoxFlag xmlns:ma14="http://schemas.microsoft.com/office/mac/drawingml/2011/main" xmlns="" val="1"/>
               </a:ext>
             </a:extLst>
           </p:spPr>
@@ -6146,7 +6083,7 @@
             <a:effectLst/>
             <a:extLst>
               <a:ext uri="{C572A759-6A51-4108-AA02-DFA0A04FC94B}">
-                <ma14:wrappingTextBoxFlag xmlns="" xmlns:ma14="http://schemas.microsoft.com/office/mac/drawingml/2011/main" val="1"/>
+                <ma14:wrappingTextBoxFlag xmlns:ma14="http://schemas.microsoft.com/office/mac/drawingml/2011/main" xmlns="" val="1"/>
               </a:ext>
             </a:extLst>
           </p:spPr>
@@ -6313,7 +6250,7 @@
             <a:effectLst/>
             <a:extLst>
               <a:ext uri="{C572A759-6A51-4108-AA02-DFA0A04FC94B}">
-                <ma14:wrappingTextBoxFlag xmlns="" xmlns:ma14="http://schemas.microsoft.com/office/mac/drawingml/2011/main" val="1"/>
+                <ma14:wrappingTextBoxFlag xmlns:ma14="http://schemas.microsoft.com/office/mac/drawingml/2011/main" xmlns="" val="1"/>
               </a:ext>
             </a:extLst>
           </p:spPr>
@@ -6380,7 +6317,7 @@
             <a:effectLst/>
             <a:extLst>
               <a:ext uri="{C572A759-6A51-4108-AA02-DFA0A04FC94B}">
-                <ma14:wrappingTextBoxFlag xmlns="" xmlns:ma14="http://schemas.microsoft.com/office/mac/drawingml/2011/main" val="1"/>
+                <ma14:wrappingTextBoxFlag xmlns:ma14="http://schemas.microsoft.com/office/mac/drawingml/2011/main" xmlns="" val="1"/>
               </a:ext>
             </a:extLst>
           </p:spPr>
@@ -6426,7 +6363,7 @@
             <a:effectLst/>
             <a:extLst>
               <a:ext uri="{C572A759-6A51-4108-AA02-DFA0A04FC94B}">
-                <ma14:wrappingTextBoxFlag xmlns="" xmlns:ma14="http://schemas.microsoft.com/office/mac/drawingml/2011/main" val="1"/>
+                <ma14:wrappingTextBoxFlag xmlns:ma14="http://schemas.microsoft.com/office/mac/drawingml/2011/main" xmlns="" val="1"/>
               </a:ext>
             </a:extLst>
           </p:spPr>
@@ -6797,7 +6734,7 @@
             <a:effectLst/>
             <a:extLst>
               <a:ext uri="{C572A759-6A51-4108-AA02-DFA0A04FC94B}">
-                <ma14:wrappingTextBoxFlag xmlns="" xmlns:ma14="http://schemas.microsoft.com/office/mac/drawingml/2011/main" val="1"/>
+                <ma14:wrappingTextBoxFlag xmlns:ma14="http://schemas.microsoft.com/office/mac/drawingml/2011/main" xmlns="" val="1"/>
               </a:ext>
             </a:extLst>
           </p:spPr>
@@ -6856,7 +6793,7 @@
             <a:effectLst/>
             <a:extLst>
               <a:ext uri="{C572A759-6A51-4108-AA02-DFA0A04FC94B}">
-                <ma14:wrappingTextBoxFlag xmlns="" xmlns:ma14="http://schemas.microsoft.com/office/mac/drawingml/2011/main" val="1"/>
+                <ma14:wrappingTextBoxFlag xmlns:ma14="http://schemas.microsoft.com/office/mac/drawingml/2011/main" xmlns="" val="1"/>
               </a:ext>
             </a:extLst>
           </p:spPr>
@@ -6998,7 +6935,7 @@
             <a:effectLst/>
             <a:extLst>
               <a:ext uri="{C572A759-6A51-4108-AA02-DFA0A04FC94B}">
-                <ma14:wrappingTextBoxFlag xmlns="" xmlns:ma14="http://schemas.microsoft.com/office/mac/drawingml/2011/main" val="1"/>
+                <ma14:wrappingTextBoxFlag xmlns:ma14="http://schemas.microsoft.com/office/mac/drawingml/2011/main" xmlns="" val="1"/>
               </a:ext>
             </a:extLst>
           </p:spPr>
@@ -7060,7 +6997,7 @@
             <a:effectLst/>
             <a:extLst>
               <a:ext uri="{C572A759-6A51-4108-AA02-DFA0A04FC94B}">
-                <ma14:wrappingTextBoxFlag xmlns="" xmlns:ma14="http://schemas.microsoft.com/office/mac/drawingml/2011/main" val="1"/>
+                <ma14:wrappingTextBoxFlag xmlns:ma14="http://schemas.microsoft.com/office/mac/drawingml/2011/main" xmlns="" val="1"/>
               </a:ext>
             </a:extLst>
           </p:spPr>
@@ -7147,7 +7084,7 @@
           </a:ln>
           <a:extLst>
             <a:ext uri="{C572A759-6A51-4108-AA02-DFA0A04FC94B}">
-              <ma14:wrappingTextBoxFlag xmlns="" xmlns:ma14="http://schemas.microsoft.com/office/mac/drawingml/2011/main" val="1"/>
+              <ma14:wrappingTextBoxFlag xmlns:ma14="http://schemas.microsoft.com/office/mac/drawingml/2011/main" xmlns="" val="1"/>
             </a:ext>
           </a:extLst>
         </p:spPr>
@@ -7410,7 +7347,7 @@
             <a:effectLst/>
             <a:extLst>
               <a:ext uri="{C572A759-6A51-4108-AA02-DFA0A04FC94B}">
-                <ma14:wrappingTextBoxFlag xmlns="" xmlns:ma14="http://schemas.microsoft.com/office/mac/drawingml/2011/main" val="1"/>
+                <ma14:wrappingTextBoxFlag xmlns:ma14="http://schemas.microsoft.com/office/mac/drawingml/2011/main" xmlns="" val="1"/>
               </a:ext>
             </a:extLst>
           </p:spPr>
@@ -7459,7 +7396,7 @@
             <a:effectLst/>
             <a:extLst>
               <a:ext uri="{C572A759-6A51-4108-AA02-DFA0A04FC94B}">
-                <ma14:wrappingTextBoxFlag xmlns="" xmlns:ma14="http://schemas.microsoft.com/office/mac/drawingml/2011/main" val="1"/>
+                <ma14:wrappingTextBoxFlag xmlns:ma14="http://schemas.microsoft.com/office/mac/drawingml/2011/main" xmlns="" val="1"/>
               </a:ext>
             </a:extLst>
           </p:spPr>
@@ -7506,7 +7443,7 @@
           </a:ln>
           <a:extLst>
             <a:ext uri="{C572A759-6A51-4108-AA02-DFA0A04FC94B}">
-              <ma14:wrappingTextBoxFlag xmlns="" xmlns:ma14="http://schemas.microsoft.com/office/mac/drawingml/2011/main" val="1"/>
+              <ma14:wrappingTextBoxFlag xmlns:ma14="http://schemas.microsoft.com/office/mac/drawingml/2011/main" xmlns="" val="1"/>
             </a:ext>
           </a:extLst>
         </p:spPr>
@@ -7613,7 +7550,7 @@
           </a:ln>
           <a:extLst>
             <a:ext uri="{C572A759-6A51-4108-AA02-DFA0A04FC94B}">
-              <ma14:wrappingTextBoxFlag xmlns="" xmlns:ma14="http://schemas.microsoft.com/office/mac/drawingml/2011/main" val="1"/>
+              <ma14:wrappingTextBoxFlag xmlns:ma14="http://schemas.microsoft.com/office/mac/drawingml/2011/main" xmlns="" val="1"/>
             </a:ext>
           </a:extLst>
         </p:spPr>
@@ -7662,7 +7599,7 @@
           </a:ln>
           <a:extLst>
             <a:ext uri="{C572A759-6A51-4108-AA02-DFA0A04FC94B}">
-              <ma14:wrappingTextBoxFlag xmlns="" xmlns:ma14="http://schemas.microsoft.com/office/mac/drawingml/2011/main" val="1"/>
+              <ma14:wrappingTextBoxFlag xmlns:ma14="http://schemas.microsoft.com/office/mac/drawingml/2011/main" xmlns="" val="1"/>
             </a:ext>
           </a:extLst>
         </p:spPr>
@@ -7786,7 +7723,7 @@
           </a:ln>
           <a:extLst>
             <a:ext uri="{C572A759-6A51-4108-AA02-DFA0A04FC94B}">
-              <ma14:wrappingTextBoxFlag xmlns="" xmlns:ma14="http://schemas.microsoft.com/office/mac/drawingml/2011/main" val="1"/>
+              <ma14:wrappingTextBoxFlag xmlns:ma14="http://schemas.microsoft.com/office/mac/drawingml/2011/main" xmlns="" val="1"/>
             </a:ext>
           </a:extLst>
         </p:spPr>
@@ -7836,7 +7773,7 @@
           </a:ln>
           <a:extLst>
             <a:ext uri="{C572A759-6A51-4108-AA02-DFA0A04FC94B}">
-              <ma14:wrappingTextBoxFlag xmlns="" xmlns:ma14="http://schemas.microsoft.com/office/mac/drawingml/2011/main" val="1"/>
+              <ma14:wrappingTextBoxFlag xmlns:ma14="http://schemas.microsoft.com/office/mac/drawingml/2011/main" xmlns="" val="1"/>
             </a:ext>
           </a:extLst>
         </p:spPr>
@@ -7886,7 +7823,7 @@
           </a:ln>
           <a:extLst>
             <a:ext uri="{C572A759-6A51-4108-AA02-DFA0A04FC94B}">
-              <ma14:wrappingTextBoxFlag xmlns="" xmlns:ma14="http://schemas.microsoft.com/office/mac/drawingml/2011/main" val="1"/>
+              <ma14:wrappingTextBoxFlag xmlns:ma14="http://schemas.microsoft.com/office/mac/drawingml/2011/main" xmlns="" val="1"/>
             </a:ext>
           </a:extLst>
         </p:spPr>
@@ -7936,7 +7873,7 @@
           </a:ln>
           <a:extLst>
             <a:ext uri="{C572A759-6A51-4108-AA02-DFA0A04FC94B}">
-              <ma14:wrappingTextBoxFlag xmlns="" xmlns:ma14="http://schemas.microsoft.com/office/mac/drawingml/2011/main" val="1"/>
+              <ma14:wrappingTextBoxFlag xmlns:ma14="http://schemas.microsoft.com/office/mac/drawingml/2011/main" xmlns="" val="1"/>
             </a:ext>
           </a:extLst>
         </p:spPr>
@@ -8118,7 +8055,7 @@
           </a:ln>
           <a:extLst>
             <a:ext uri="{C572A759-6A51-4108-AA02-DFA0A04FC94B}">
-              <ma14:wrappingTextBoxFlag xmlns="" xmlns:ma14="http://schemas.microsoft.com/office/mac/drawingml/2011/main" val="1"/>
+              <ma14:wrappingTextBoxFlag xmlns:ma14="http://schemas.microsoft.com/office/mac/drawingml/2011/main" xmlns="" val="1"/>
             </a:ext>
           </a:extLst>
         </p:spPr>
@@ -8168,7 +8105,7 @@
           </a:ln>
           <a:extLst>
             <a:ext uri="{C572A759-6A51-4108-AA02-DFA0A04FC94B}">
-              <ma14:wrappingTextBoxFlag xmlns="" xmlns:ma14="http://schemas.microsoft.com/office/mac/drawingml/2011/main" val="1"/>
+              <ma14:wrappingTextBoxFlag xmlns:ma14="http://schemas.microsoft.com/office/mac/drawingml/2011/main" xmlns="" val="1"/>
             </a:ext>
           </a:extLst>
         </p:spPr>
@@ -8218,7 +8155,7 @@
           </a:ln>
           <a:extLst>
             <a:ext uri="{C572A759-6A51-4108-AA02-DFA0A04FC94B}">
-              <ma14:wrappingTextBoxFlag xmlns="" xmlns:ma14="http://schemas.microsoft.com/office/mac/drawingml/2011/main" val="1"/>
+              <ma14:wrappingTextBoxFlag xmlns:ma14="http://schemas.microsoft.com/office/mac/drawingml/2011/main" xmlns="" val="1"/>
             </a:ext>
           </a:extLst>
         </p:spPr>
@@ -8268,7 +8205,7 @@
           </a:ln>
           <a:extLst>
             <a:ext uri="{C572A759-6A51-4108-AA02-DFA0A04FC94B}">
-              <ma14:wrappingTextBoxFlag xmlns="" xmlns:ma14="http://schemas.microsoft.com/office/mac/drawingml/2011/main" val="1"/>
+              <ma14:wrappingTextBoxFlag xmlns:ma14="http://schemas.microsoft.com/office/mac/drawingml/2011/main" xmlns="" val="1"/>
             </a:ext>
           </a:extLst>
         </p:spPr>
@@ -8318,7 +8255,7 @@
           </a:ln>
           <a:extLst>
             <a:ext uri="{C572A759-6A51-4108-AA02-DFA0A04FC94B}">
-              <ma14:wrappingTextBoxFlag xmlns="" xmlns:ma14="http://schemas.microsoft.com/office/mac/drawingml/2011/main" val="1"/>
+              <ma14:wrappingTextBoxFlag xmlns:ma14="http://schemas.microsoft.com/office/mac/drawingml/2011/main" xmlns="" val="1"/>
             </a:ext>
           </a:extLst>
         </p:spPr>
@@ -8504,7 +8441,7 @@
             <a:effectLst/>
             <a:extLst>
               <a:ext uri="{C572A759-6A51-4108-AA02-DFA0A04FC94B}">
-                <ma14:wrappingTextBoxFlag xmlns="" xmlns:ma14="http://schemas.microsoft.com/office/mac/drawingml/2011/main" val="1"/>
+                <ma14:wrappingTextBoxFlag xmlns:ma14="http://schemas.microsoft.com/office/mac/drawingml/2011/main" xmlns="" val="1"/>
               </a:ext>
             </a:extLst>
           </p:spPr>
@@ -8555,7 +8492,7 @@
             <a:effectLst/>
             <a:extLst>
               <a:ext uri="{C572A759-6A51-4108-AA02-DFA0A04FC94B}">
-                <ma14:wrappingTextBoxFlag xmlns="" xmlns:ma14="http://schemas.microsoft.com/office/mac/drawingml/2011/main" val="1"/>
+                <ma14:wrappingTextBoxFlag xmlns:ma14="http://schemas.microsoft.com/office/mac/drawingml/2011/main" xmlns="" val="1"/>
               </a:ext>
             </a:extLst>
           </p:spPr>
@@ -8622,10 +8559,10 @@
       </p:pic>
       <p:pic>
         <p:nvPicPr>
-          <p:cNvPr id="8" name="Image 7" descr="Une image contenant capture d’écran&#10;&#10;Description générée automatiquement">
+          <p:cNvPr id="3" name="Image 2" descr="Une image contenant capture d’écran&#10;&#10;Description générée automatiquement">
             <a:extLst>
               <a:ext uri="{FF2B5EF4-FFF2-40B4-BE49-F238E27FC236}">
-                <a16:creationId xmlns:a16="http://schemas.microsoft.com/office/drawing/2014/main" id="{C3DBB0E4-ACE5-47B9-B0DA-E48FE589BF5C}"/>
+                <a16:creationId xmlns:a16="http://schemas.microsoft.com/office/drawing/2014/main" id="{DD1B550A-A702-4F49-B843-D0EFA23C0953}"/>
               </a:ext>
             </a:extLst>
           </p:cNvPr>
@@ -8642,13 +8579,120 @@
               </a:ext>
             </a:extLst>
           </a:blip>
-          <a:srcRect l="38047" r="38516"/>
+          <a:srcRect l="34531" r="33359"/>
           <a:stretch/>
         </p:blipFill>
         <p:spPr>
           <a:xfrm>
-            <a:off x="457608" y="2025975"/>
-            <a:ext cx="2857501" cy="3901440"/>
+            <a:off x="8905875" y="3733923"/>
+            <a:ext cx="2933700" cy="2923707"/>
+          </a:xfrm>
+          <a:prstGeom prst="rect">
+            <a:avLst/>
+          </a:prstGeom>
+        </p:spPr>
+      </p:pic>
+      <p:pic>
+        <p:nvPicPr>
+          <p:cNvPr id="5" name="Image 4" descr="Une image contenant bateau, capture d’écran, photo, différent&#10;&#10;Description générée automatiquement">
+            <a:extLst>
+              <a:ext uri="{FF2B5EF4-FFF2-40B4-BE49-F238E27FC236}">
+                <a16:creationId xmlns:a16="http://schemas.microsoft.com/office/drawing/2014/main" id="{7E611FB5-05CE-4822-899F-9F0E3BE74B4D}"/>
+              </a:ext>
+            </a:extLst>
+          </p:cNvPr>
+          <p:cNvPicPr>
+            <a:picLocks noChangeAspect="1"/>
+          </p:cNvPicPr>
+          <p:nvPr/>
+        </p:nvPicPr>
+        <p:blipFill>
+          <a:blip r:embed="rId4">
+            <a:extLst>
+              <a:ext uri="{28A0092B-C50C-407E-A947-70E740481C1C}">
+                <a14:useLocalDpi xmlns:a14="http://schemas.microsoft.com/office/drawing/2010/main" val="0"/>
+              </a:ext>
+            </a:extLst>
+          </a:blip>
+          <a:stretch>
+            <a:fillRect/>
+          </a:stretch>
+        </p:blipFill>
+        <p:spPr>
+          <a:xfrm>
+            <a:off x="150000" y="1710885"/>
+            <a:ext cx="6165075" cy="1972824"/>
+          </a:xfrm>
+          <a:prstGeom prst="rect">
+            <a:avLst/>
+          </a:prstGeom>
+        </p:spPr>
+      </p:pic>
+      <p:pic>
+        <p:nvPicPr>
+          <p:cNvPr id="9" name="Image 8">
+            <a:extLst>
+              <a:ext uri="{FF2B5EF4-FFF2-40B4-BE49-F238E27FC236}">
+                <a16:creationId xmlns:a16="http://schemas.microsoft.com/office/drawing/2014/main" id="{DBD4A2ED-5850-407A-8698-8B838A20DEC9}"/>
+              </a:ext>
+            </a:extLst>
+          </p:cNvPr>
+          <p:cNvPicPr>
+            <a:picLocks noChangeAspect="1"/>
+          </p:cNvPicPr>
+          <p:nvPr/>
+        </p:nvPicPr>
+        <p:blipFill>
+          <a:blip r:embed="rId5">
+            <a:extLst>
+              <a:ext uri="{28A0092B-C50C-407E-A947-70E740481C1C}">
+                <a14:useLocalDpi xmlns:a14="http://schemas.microsoft.com/office/drawing/2010/main" val="0"/>
+              </a:ext>
+            </a:extLst>
+          </a:blip>
+          <a:stretch>
+            <a:fillRect/>
+          </a:stretch>
+        </p:blipFill>
+        <p:spPr>
+          <a:xfrm>
+            <a:off x="352425" y="3950194"/>
+            <a:ext cx="7993800" cy="2558016"/>
+          </a:xfrm>
+          <a:prstGeom prst="rect">
+            <a:avLst/>
+          </a:prstGeom>
+        </p:spPr>
+      </p:pic>
+      <p:pic>
+        <p:nvPicPr>
+          <p:cNvPr id="11" name="Image 10" descr="Une image contenant capture d’écran&#10;&#10;Description générée automatiquement">
+            <a:extLst>
+              <a:ext uri="{FF2B5EF4-FFF2-40B4-BE49-F238E27FC236}">
+                <a16:creationId xmlns:a16="http://schemas.microsoft.com/office/drawing/2014/main" id="{DA8BB05D-CC56-4D61-90C6-520664B13994}"/>
+              </a:ext>
+            </a:extLst>
+          </p:cNvPr>
+          <p:cNvPicPr>
+            <a:picLocks noChangeAspect="1"/>
+          </p:cNvPicPr>
+          <p:nvPr/>
+        </p:nvPicPr>
+        <p:blipFill rotWithShape="1">
+          <a:blip r:embed="rId6">
+            <a:extLst>
+              <a:ext uri="{28A0092B-C50C-407E-A947-70E740481C1C}">
+                <a14:useLocalDpi xmlns:a14="http://schemas.microsoft.com/office/drawing/2010/main" val="0"/>
+              </a:ext>
+            </a:extLst>
+          </a:blip>
+          <a:srcRect l="37481" r="37832"/>
+          <a:stretch/>
+        </p:blipFill>
+        <p:spPr>
+          <a:xfrm>
+            <a:off x="6737465" y="309066"/>
+            <a:ext cx="2725649" cy="3532993"/>
           </a:xfrm>
           <a:prstGeom prst="rect">
             <a:avLst/>
@@ -8733,7 +8777,7 @@
             <a:effectLst/>
             <a:extLst>
               <a:ext uri="{C572A759-6A51-4108-AA02-DFA0A04FC94B}">
-                <ma14:wrappingTextBoxFlag xmlns="" xmlns:ma14="http://schemas.microsoft.com/office/mac/drawingml/2011/main" val="1"/>
+                <ma14:wrappingTextBoxFlag xmlns:ma14="http://schemas.microsoft.com/office/mac/drawingml/2011/main" xmlns="" val="1"/>
               </a:ext>
             </a:extLst>
           </p:spPr>
@@ -8788,7 +8832,7 @@
             <a:effectLst/>
             <a:extLst>
               <a:ext uri="{C572A759-6A51-4108-AA02-DFA0A04FC94B}">
-                <ma14:wrappingTextBoxFlag xmlns="" xmlns:ma14="http://schemas.microsoft.com/office/mac/drawingml/2011/main" val="1"/>
+                <ma14:wrappingTextBoxFlag xmlns:ma14="http://schemas.microsoft.com/office/mac/drawingml/2011/main" xmlns="" val="1"/>
               </a:ext>
             </a:extLst>
           </p:spPr>
@@ -8966,7 +9010,7 @@
             <a:effectLst/>
             <a:extLst>
               <a:ext uri="{C572A759-6A51-4108-AA02-DFA0A04FC94B}">
-                <ma14:wrappingTextBoxFlag xmlns="" xmlns:ma14="http://schemas.microsoft.com/office/mac/drawingml/2011/main" val="1"/>
+                <ma14:wrappingTextBoxFlag xmlns:ma14="http://schemas.microsoft.com/office/mac/drawingml/2011/main" xmlns="" val="1"/>
               </a:ext>
             </a:extLst>
           </p:spPr>
@@ -9029,7 +9073,7 @@
             <a:effectLst/>
             <a:extLst>
               <a:ext uri="{C572A759-6A51-4108-AA02-DFA0A04FC94B}">
-                <ma14:wrappingTextBoxFlag xmlns="" xmlns:ma14="http://schemas.microsoft.com/office/mac/drawingml/2011/main" val="1"/>
+                <ma14:wrappingTextBoxFlag xmlns:ma14="http://schemas.microsoft.com/office/mac/drawingml/2011/main" xmlns="" val="1"/>
               </a:ext>
             </a:extLst>
           </p:spPr>
@@ -9207,7 +9251,7 @@
             <a:effectLst/>
             <a:extLst>
               <a:ext uri="{C572A759-6A51-4108-AA02-DFA0A04FC94B}">
-                <ma14:wrappingTextBoxFlag xmlns="" xmlns:ma14="http://schemas.microsoft.com/office/mac/drawingml/2011/main" val="1"/>
+                <ma14:wrappingTextBoxFlag xmlns:ma14="http://schemas.microsoft.com/office/mac/drawingml/2011/main" xmlns="" val="1"/>
               </a:ext>
             </a:extLst>
           </p:spPr>
@@ -9258,7 +9302,7 @@
             <a:effectLst/>
             <a:extLst>
               <a:ext uri="{C572A759-6A51-4108-AA02-DFA0A04FC94B}">
-                <ma14:wrappingTextBoxFlag xmlns="" xmlns:ma14="http://schemas.microsoft.com/office/mac/drawingml/2011/main" val="1"/>
+                <ma14:wrappingTextBoxFlag xmlns:ma14="http://schemas.microsoft.com/office/mac/drawingml/2011/main" xmlns="" val="1"/>
               </a:ext>
             </a:extLst>
           </p:spPr>
@@ -9543,7 +9587,7 @@
             <a:effectLst/>
             <a:extLst>
               <a:ext uri="{C572A759-6A51-4108-AA02-DFA0A04FC94B}">
-                <ma14:wrappingTextBoxFlag xmlns="" xmlns:ma14="http://schemas.microsoft.com/office/mac/drawingml/2011/main" val="1"/>
+                <ma14:wrappingTextBoxFlag xmlns:ma14="http://schemas.microsoft.com/office/mac/drawingml/2011/main" xmlns="" val="1"/>
               </a:ext>
             </a:extLst>
           </p:spPr>
@@ -9598,7 +9642,7 @@
             <a:effectLst/>
             <a:extLst>
               <a:ext uri="{C572A759-6A51-4108-AA02-DFA0A04FC94B}">
-                <ma14:wrappingTextBoxFlag xmlns="" xmlns:ma14="http://schemas.microsoft.com/office/mac/drawingml/2011/main" val="1"/>
+                <ma14:wrappingTextBoxFlag xmlns:ma14="http://schemas.microsoft.com/office/mac/drawingml/2011/main" xmlns="" val="1"/>
               </a:ext>
             </a:extLst>
           </p:spPr>
@@ -9883,7 +9927,7 @@
             <a:effectLst/>
             <a:extLst>
               <a:ext uri="{C572A759-6A51-4108-AA02-DFA0A04FC94B}">
-                <ma14:wrappingTextBoxFlag xmlns="" xmlns:ma14="http://schemas.microsoft.com/office/mac/drawingml/2011/main" val="1"/>
+                <ma14:wrappingTextBoxFlag xmlns:ma14="http://schemas.microsoft.com/office/mac/drawingml/2011/main" xmlns="" val="1"/>
               </a:ext>
             </a:extLst>
           </p:spPr>
@@ -9942,7 +9986,7 @@
             <a:effectLst/>
             <a:extLst>
               <a:ext uri="{C572A759-6A51-4108-AA02-DFA0A04FC94B}">
-                <ma14:wrappingTextBoxFlag xmlns="" xmlns:ma14="http://schemas.microsoft.com/office/mac/drawingml/2011/main" val="1"/>
+                <ma14:wrappingTextBoxFlag xmlns:ma14="http://schemas.microsoft.com/office/mac/drawingml/2011/main" xmlns="" val="1"/>
               </a:ext>
             </a:extLst>
           </p:spPr>
@@ -10313,7 +10357,7 @@
             <a:effectLst/>
             <a:extLst>
               <a:ext uri="{C572A759-6A51-4108-AA02-DFA0A04FC94B}">
-                <ma14:wrappingTextBoxFlag xmlns="" xmlns:ma14="http://schemas.microsoft.com/office/mac/drawingml/2011/main" val="1"/>
+                <ma14:wrappingTextBoxFlag xmlns:ma14="http://schemas.microsoft.com/office/mac/drawingml/2011/main" xmlns="" val="1"/>
               </a:ext>
             </a:extLst>
           </p:spPr>
@@ -10376,7 +10420,7 @@
             <a:effectLst/>
             <a:extLst>
               <a:ext uri="{C572A759-6A51-4108-AA02-DFA0A04FC94B}">
-                <ma14:wrappingTextBoxFlag xmlns="" xmlns:ma14="http://schemas.microsoft.com/office/mac/drawingml/2011/main" val="1"/>
+                <ma14:wrappingTextBoxFlag xmlns:ma14="http://schemas.microsoft.com/office/mac/drawingml/2011/main" xmlns="" val="1"/>
               </a:ext>
             </a:extLst>
           </p:spPr>
@@ -10427,7 +10471,7 @@
             <a:effectLst/>
             <a:extLst>
               <a:ext uri="{C572A759-6A51-4108-AA02-DFA0A04FC94B}">
-                <ma14:wrappingTextBoxFlag xmlns="" xmlns:ma14="http://schemas.microsoft.com/office/mac/drawingml/2011/main" val="1"/>
+                <ma14:wrappingTextBoxFlag xmlns:ma14="http://schemas.microsoft.com/office/mac/drawingml/2011/main" xmlns="" val="1"/>
               </a:ext>
             </a:extLst>
           </p:spPr>
@@ -10760,7 +10804,7 @@
             <a:effectLst/>
             <a:extLst>
               <a:ext uri="{C572A759-6A51-4108-AA02-DFA0A04FC94B}">
-                <ma14:wrappingTextBoxFlag xmlns="" xmlns:ma14="http://schemas.microsoft.com/office/mac/drawingml/2011/main" val="1"/>
+                <ma14:wrappingTextBoxFlag xmlns:ma14="http://schemas.microsoft.com/office/mac/drawingml/2011/main" xmlns="" val="1"/>
               </a:ext>
             </a:extLst>
           </p:spPr>
@@ -10863,7 +10907,7 @@
             <a:effectLst/>
             <a:extLst>
               <a:ext uri="{C572A759-6A51-4108-AA02-DFA0A04FC94B}">
-                <ma14:wrappingTextBoxFlag xmlns="" xmlns:ma14="http://schemas.microsoft.com/office/mac/drawingml/2011/main" val="1"/>
+                <ma14:wrappingTextBoxFlag xmlns:ma14="http://schemas.microsoft.com/office/mac/drawingml/2011/main" xmlns="" val="1"/>
               </a:ext>
             </a:extLst>
           </p:spPr>
@@ -11005,7 +11049,7 @@
             <a:effectLst/>
             <a:extLst>
               <a:ext uri="{C572A759-6A51-4108-AA02-DFA0A04FC94B}">
-                <ma14:wrappingTextBoxFlag xmlns="" xmlns:ma14="http://schemas.microsoft.com/office/mac/drawingml/2011/main" val="1"/>
+                <ma14:wrappingTextBoxFlag xmlns:ma14="http://schemas.microsoft.com/office/mac/drawingml/2011/main" xmlns="" val="1"/>
               </a:ext>
             </a:extLst>
           </p:spPr>
@@ -11077,7 +11121,7 @@
             <a:effectLst/>
             <a:extLst>
               <a:ext uri="{C572A759-6A51-4108-AA02-DFA0A04FC94B}">
-                <ma14:wrappingTextBoxFlag xmlns="" xmlns:ma14="http://schemas.microsoft.com/office/mac/drawingml/2011/main" val="1"/>
+                <ma14:wrappingTextBoxFlag xmlns:ma14="http://schemas.microsoft.com/office/mac/drawingml/2011/main" xmlns="" val="1"/>
               </a:ext>
             </a:extLst>
           </p:spPr>
@@ -11164,7 +11208,7 @@
           </a:ln>
           <a:extLst>
             <a:ext uri="{C572A759-6A51-4108-AA02-DFA0A04FC94B}">
-              <ma14:wrappingTextBoxFlag xmlns="" xmlns:ma14="http://schemas.microsoft.com/office/mac/drawingml/2011/main" val="1"/>
+              <ma14:wrappingTextBoxFlag xmlns:ma14="http://schemas.microsoft.com/office/mac/drawingml/2011/main" xmlns="" val="1"/>
             </a:ext>
           </a:extLst>
         </p:spPr>
@@ -11314,7 +11358,7 @@
             <a:effectLst/>
             <a:extLst>
               <a:ext uri="{C572A759-6A51-4108-AA02-DFA0A04FC94B}">
-                <ma14:wrappingTextBoxFlag xmlns="" xmlns:ma14="http://schemas.microsoft.com/office/mac/drawingml/2011/main" val="1"/>
+                <ma14:wrappingTextBoxFlag xmlns:ma14="http://schemas.microsoft.com/office/mac/drawingml/2011/main" xmlns="" val="1"/>
               </a:ext>
             </a:extLst>
           </p:spPr>
@@ -11371,7 +11415,7 @@
             <a:effectLst/>
             <a:extLst>
               <a:ext uri="{C572A759-6A51-4108-AA02-DFA0A04FC94B}">
-                <ma14:wrappingTextBoxFlag xmlns="" xmlns:ma14="http://schemas.microsoft.com/office/mac/drawingml/2011/main" val="1"/>
+                <ma14:wrappingTextBoxFlag xmlns:ma14="http://schemas.microsoft.com/office/mac/drawingml/2011/main" xmlns="" val="1"/>
               </a:ext>
             </a:extLst>
           </p:spPr>
@@ -11423,7 +11467,7 @@
             <a:effectLst/>
             <a:extLst>
               <a:ext uri="{C572A759-6A51-4108-AA02-DFA0A04FC94B}">
-                <ma14:wrappingTextBoxFlag xmlns="" xmlns:ma14="http://schemas.microsoft.com/office/mac/drawingml/2011/main" val="1"/>
+                <ma14:wrappingTextBoxFlag xmlns:ma14="http://schemas.microsoft.com/office/mac/drawingml/2011/main" xmlns="" val="1"/>
               </a:ext>
             </a:extLst>
           </p:spPr>
@@ -11579,7 +11623,7 @@
           <a:effectLst/>
           <a:extLst>
             <a:ext uri="{C572A759-6A51-4108-AA02-DFA0A04FC94B}">
-              <ma14:wrappingTextBoxFlag xmlns="" xmlns:ma14="http://schemas.microsoft.com/office/mac/drawingml/2011/main" val="1"/>
+              <ma14:wrappingTextBoxFlag xmlns:ma14="http://schemas.microsoft.com/office/mac/drawingml/2011/main" xmlns="" val="1"/>
             </a:ext>
           </a:extLst>
         </p:spPr>
@@ -12568,7 +12612,7 @@
             <a:effectLst/>
             <a:extLst>
               <a:ext uri="{C572A759-6A51-4108-AA02-DFA0A04FC94B}">
-                <ma14:wrappingTextBoxFlag xmlns="" xmlns:ma14="http://schemas.microsoft.com/office/mac/drawingml/2011/main" val="1"/>
+                <ma14:wrappingTextBoxFlag xmlns:ma14="http://schemas.microsoft.com/office/mac/drawingml/2011/main" xmlns="" val="1"/>
               </a:ext>
             </a:extLst>
           </p:spPr>
@@ -12624,7 +12668,7 @@
             <a:effectLst/>
             <a:extLst>
               <a:ext uri="{C572A759-6A51-4108-AA02-DFA0A04FC94B}">
-                <ma14:wrappingTextBoxFlag xmlns="" xmlns:ma14="http://schemas.microsoft.com/office/mac/drawingml/2011/main" val="1"/>
+                <ma14:wrappingTextBoxFlag xmlns:ma14="http://schemas.microsoft.com/office/mac/drawingml/2011/main" xmlns="" val="1"/>
               </a:ext>
             </a:extLst>
           </p:spPr>
@@ -12675,7 +12719,7 @@
             <a:effectLst/>
             <a:extLst>
               <a:ext uri="{C572A759-6A51-4108-AA02-DFA0A04FC94B}">
-                <ma14:wrappingTextBoxFlag xmlns="" xmlns:ma14="http://schemas.microsoft.com/office/mac/drawingml/2011/main" val="1"/>
+                <ma14:wrappingTextBoxFlag xmlns:ma14="http://schemas.microsoft.com/office/mac/drawingml/2011/main" xmlns="" val="1"/>
               </a:ext>
             </a:extLst>
           </p:spPr>
@@ -13731,7 +13775,7 @@
             <a:effectLst/>
             <a:extLst>
               <a:ext uri="{C572A759-6A51-4108-AA02-DFA0A04FC94B}">
-                <ma14:wrappingTextBoxFlag xmlns="" xmlns:ma14="http://schemas.microsoft.com/office/mac/drawingml/2011/main" val="1"/>
+                <ma14:wrappingTextBoxFlag xmlns:ma14="http://schemas.microsoft.com/office/mac/drawingml/2011/main" xmlns="" val="1"/>
               </a:ext>
             </a:extLst>
           </p:spPr>
@@ -13781,7 +13825,7 @@
             <a:effectLst/>
             <a:extLst>
               <a:ext uri="{C572A759-6A51-4108-AA02-DFA0A04FC94B}">
-                <ma14:wrappingTextBoxFlag xmlns="" xmlns:ma14="http://schemas.microsoft.com/office/mac/drawingml/2011/main" val="1"/>
+                <ma14:wrappingTextBoxFlag xmlns:ma14="http://schemas.microsoft.com/office/mac/drawingml/2011/main" xmlns="" val="1"/>
               </a:ext>
             </a:extLst>
           </p:spPr>
@@ -13826,7 +13870,7 @@
             <a:effectLst/>
             <a:extLst>
               <a:ext uri="{C572A759-6A51-4108-AA02-DFA0A04FC94B}">
-                <ma14:wrappingTextBoxFlag xmlns="" xmlns:ma14="http://schemas.microsoft.com/office/mac/drawingml/2011/main" val="1"/>
+                <ma14:wrappingTextBoxFlag xmlns:ma14="http://schemas.microsoft.com/office/mac/drawingml/2011/main" xmlns="" val="1"/>
               </a:ext>
             </a:extLst>
           </p:spPr>
@@ -14056,7 +14100,7 @@
           <a:effectLst/>
           <a:extLst>
             <a:ext uri="{C572A759-6A51-4108-AA02-DFA0A04FC94B}">
-              <ma14:wrappingTextBoxFlag xmlns="" xmlns:ma14="http://schemas.microsoft.com/office/mac/drawingml/2011/main" val="1"/>
+              <ma14:wrappingTextBoxFlag xmlns:ma14="http://schemas.microsoft.com/office/mac/drawingml/2011/main" xmlns="" val="1"/>
             </a:ext>
           </a:extLst>
         </p:spPr>
@@ -14312,7 +14356,7 @@
             <a:effectLst/>
             <a:extLst>
               <a:ext uri="{C572A759-6A51-4108-AA02-DFA0A04FC94B}">
-                <ma14:wrappingTextBoxFlag xmlns="" xmlns:ma14="http://schemas.microsoft.com/office/mac/drawingml/2011/main" val="1"/>
+                <ma14:wrappingTextBoxFlag xmlns:ma14="http://schemas.microsoft.com/office/mac/drawingml/2011/main" xmlns="" val="1"/>
               </a:ext>
             </a:extLst>
           </p:spPr>
@@ -14391,7 +14435,7 @@
             <a:effectLst/>
             <a:extLst>
               <a:ext uri="{C572A759-6A51-4108-AA02-DFA0A04FC94B}">
-                <ma14:wrappingTextBoxFlag xmlns="" xmlns:ma14="http://schemas.microsoft.com/office/mac/drawingml/2011/main" val="1"/>
+                <ma14:wrappingTextBoxFlag xmlns:ma14="http://schemas.microsoft.com/office/mac/drawingml/2011/main" xmlns="" val="1"/>
               </a:ext>
             </a:extLst>
           </p:spPr>
@@ -14533,7 +14577,7 @@
             <a:effectLst/>
             <a:extLst>
               <a:ext uri="{C572A759-6A51-4108-AA02-DFA0A04FC94B}">
-                <ma14:wrappingTextBoxFlag xmlns="" xmlns:ma14="http://schemas.microsoft.com/office/mac/drawingml/2011/main" val="1"/>
+                <ma14:wrappingTextBoxFlag xmlns:ma14="http://schemas.microsoft.com/office/mac/drawingml/2011/main" xmlns="" val="1"/>
               </a:ext>
             </a:extLst>
           </p:spPr>
@@ -14615,7 +14659,7 @@
             <a:effectLst/>
             <a:extLst>
               <a:ext uri="{C572A759-6A51-4108-AA02-DFA0A04FC94B}">
-                <ma14:wrappingTextBoxFlag xmlns="" xmlns:ma14="http://schemas.microsoft.com/office/mac/drawingml/2011/main" val="1"/>
+                <ma14:wrappingTextBoxFlag xmlns:ma14="http://schemas.microsoft.com/office/mac/drawingml/2011/main" xmlns="" val="1"/>
               </a:ext>
             </a:extLst>
           </p:spPr>
@@ -14702,7 +14746,7 @@
           </a:ln>
           <a:extLst>
             <a:ext uri="{C572A759-6A51-4108-AA02-DFA0A04FC94B}">
-              <ma14:wrappingTextBoxFlag xmlns="" xmlns:ma14="http://schemas.microsoft.com/office/mac/drawingml/2011/main" val="1"/>
+              <ma14:wrappingTextBoxFlag xmlns:ma14="http://schemas.microsoft.com/office/mac/drawingml/2011/main" xmlns="" val="1"/>
             </a:ext>
           </a:extLst>
         </p:spPr>
@@ -14809,7 +14853,7 @@
             <a:effectLst/>
             <a:extLst>
               <a:ext uri="{C572A759-6A51-4108-AA02-DFA0A04FC94B}">
-                <ma14:wrappingTextBoxFlag xmlns="" xmlns:ma14="http://schemas.microsoft.com/office/mac/drawingml/2011/main" val="1"/>
+                <ma14:wrappingTextBoxFlag xmlns:ma14="http://schemas.microsoft.com/office/mac/drawingml/2011/main" xmlns="" val="1"/>
               </a:ext>
             </a:extLst>
           </p:spPr>
@@ -14860,7 +14904,7 @@
             <a:effectLst/>
             <a:extLst>
               <a:ext uri="{C572A759-6A51-4108-AA02-DFA0A04FC94B}">
-                <ma14:wrappingTextBoxFlag xmlns="" xmlns:ma14="http://schemas.microsoft.com/office/mac/drawingml/2011/main" val="1"/>
+                <ma14:wrappingTextBoxFlag xmlns:ma14="http://schemas.microsoft.com/office/mac/drawingml/2011/main" xmlns="" val="1"/>
               </a:ext>
             </a:extLst>
           </p:spPr>
@@ -14934,7 +14978,7 @@
             <a:effectLst/>
             <a:extLst>
               <a:ext uri="{C572A759-6A51-4108-AA02-DFA0A04FC94B}">
-                <ma14:wrappingTextBoxFlag xmlns="" xmlns:ma14="http://schemas.microsoft.com/office/mac/drawingml/2011/main" val="1"/>
+                <ma14:wrappingTextBoxFlag xmlns:ma14="http://schemas.microsoft.com/office/mac/drawingml/2011/main" xmlns="" val="1"/>
               </a:ext>
             </a:extLst>
           </p:spPr>

--- a/Presentation.pptx
+++ b/Presentation.pptx
@@ -5,7 +5,7 @@
     <p:sldMasterId id="2147483648" r:id="rId1"/>
   </p:sldMasterIdLst>
   <p:notesMasterIdLst>
-    <p:notesMasterId r:id="rId27"/>
+    <p:notesMasterId r:id="rId28"/>
   </p:notesMasterIdLst>
   <p:sldIdLst>
     <p:sldId id="258" r:id="rId2"/>
@@ -16,23 +16,24 @@
     <p:sldId id="280" r:id="rId7"/>
     <p:sldId id="283" r:id="rId8"/>
     <p:sldId id="285" r:id="rId9"/>
-    <p:sldId id="289" r:id="rId10"/>
-    <p:sldId id="287" r:id="rId11"/>
+    <p:sldId id="287" r:id="rId10"/>
+    <p:sldId id="289" r:id="rId11"/>
     <p:sldId id="294" r:id="rId12"/>
     <p:sldId id="298" r:id="rId13"/>
     <p:sldId id="291" r:id="rId14"/>
     <p:sldId id="299" r:id="rId15"/>
-    <p:sldId id="292" r:id="rId16"/>
-    <p:sldId id="293" r:id="rId17"/>
-    <p:sldId id="286" r:id="rId18"/>
-    <p:sldId id="270" r:id="rId19"/>
-    <p:sldId id="256" r:id="rId20"/>
-    <p:sldId id="300" r:id="rId21"/>
-    <p:sldId id="301" r:id="rId22"/>
-    <p:sldId id="302" r:id="rId23"/>
-    <p:sldId id="297" r:id="rId24"/>
-    <p:sldId id="303" r:id="rId25"/>
-    <p:sldId id="304" r:id="rId26"/>
+    <p:sldId id="306" r:id="rId16"/>
+    <p:sldId id="307" r:id="rId17"/>
+    <p:sldId id="293" r:id="rId18"/>
+    <p:sldId id="286" r:id="rId19"/>
+    <p:sldId id="270" r:id="rId20"/>
+    <p:sldId id="256" r:id="rId21"/>
+    <p:sldId id="300" r:id="rId22"/>
+    <p:sldId id="305" r:id="rId23"/>
+    <p:sldId id="302" r:id="rId24"/>
+    <p:sldId id="297" r:id="rId25"/>
+    <p:sldId id="303" r:id="rId26"/>
+    <p:sldId id="304" r:id="rId27"/>
   </p:sldIdLst>
   <p:sldSz cx="12192000" cy="6858000"/>
   <p:notesSz cx="6858000" cy="9144000"/>
@@ -4149,10 +4150,10 @@
         </p:nvGrpSpPr>
         <p:grpSpPr>
           <a:xfrm>
-            <a:off x="524284" y="506745"/>
-            <a:ext cx="5640210" cy="2394440"/>
-            <a:chOff x="0" y="1693528"/>
-            <a:chExt cx="11280419" cy="4788879"/>
+            <a:off x="562383" y="478170"/>
+            <a:ext cx="6076541" cy="1988175"/>
+            <a:chOff x="-2" y="1693528"/>
+            <a:chExt cx="12153081" cy="3976349"/>
           </a:xfrm>
         </p:grpSpPr>
         <p:sp>
@@ -4163,8 +4164,8 @@
           </p:nvSpPr>
           <p:spPr>
             <a:xfrm>
-              <a:off x="0" y="1693528"/>
-              <a:ext cx="11280419" cy="1274452"/>
+              <a:off x="-2" y="1693528"/>
+              <a:ext cx="12153081" cy="1274452"/>
             </a:xfrm>
             <a:prstGeom prst="rect">
               <a:avLst/>
@@ -4200,11 +4201,7 @@
               </a:pPr>
               <a:r>
                 <a:rPr lang="fr-CH" sz="5050" dirty="0"/>
-                <a:t>Sentiment </a:t>
-              </a:r>
-              <a:r>
-                <a:rPr lang="fr-CH" sz="5050" dirty="0" err="1"/>
-                <a:t>Analysis</a:t>
+                <a:t>Countries’ Actions </a:t>
               </a:r>
               <a:endParaRPr sz="5050" dirty="0"/>
             </a:p>
@@ -4219,7 +4216,7 @@
           <p:spPr>
             <a:xfrm>
               <a:off x="43512" y="2967980"/>
-              <a:ext cx="2195216" cy="482570"/>
+              <a:ext cx="8898589" cy="482570"/>
             </a:xfrm>
             <a:prstGeom prst="rect">
               <a:avLst/>
@@ -4250,7 +4247,35 @@
               </a:pPr>
               <a:r>
                 <a:rPr lang="fr-CH" sz="1400" spc="300" dirty="0" err="1"/>
-                <a:t>Procedure</a:t>
+                <a:t>Specific</a:t>
+              </a:r>
+              <a:r>
+                <a:rPr lang="fr-CH" sz="1400" spc="300" dirty="0"/>
+                <a:t> </a:t>
+              </a:r>
+              <a:r>
+                <a:rPr lang="fr-CH" sz="1400" spc="300" dirty="0" err="1"/>
+                <a:t>measures</a:t>
+              </a:r>
+              <a:r>
+                <a:rPr lang="fr-CH" sz="1400" spc="300" dirty="0"/>
+                <a:t> </a:t>
+              </a:r>
+              <a:r>
+                <a:rPr lang="fr-CH" sz="1400" spc="300" dirty="0" err="1"/>
+                <a:t>taken</a:t>
+              </a:r>
+              <a:r>
+                <a:rPr lang="fr-CH" sz="1400" spc="300" dirty="0"/>
+                <a:t> by </a:t>
+              </a:r>
+              <a:r>
+                <a:rPr lang="fr-CH" sz="1400" spc="300" dirty="0" err="1"/>
+                <a:t>each</a:t>
+              </a:r>
+              <a:r>
+                <a:rPr lang="fr-CH" sz="1400" spc="300" dirty="0"/>
+                <a:t> country</a:t>
               </a:r>
               <a:endParaRPr sz="1400" spc="300" dirty="0"/>
             </a:p>
@@ -4265,7 +4290,7 @@
           <p:spPr>
             <a:xfrm>
               <a:off x="43512" y="4888765"/>
-              <a:ext cx="8264367" cy="1593642"/>
+              <a:ext cx="8264367" cy="781112"/>
             </a:xfrm>
             <a:prstGeom prst="rect">
               <a:avLst/>
@@ -4305,62 +4330,20 @@
                 <a:buChar char="•"/>
               </a:pPr>
               <a:r>
+                <a:rPr lang="fr-CH" sz="1200" dirty="0"/>
+                <a:t>Time to </a:t>
+              </a:r>
+              <a:r>
                 <a:rPr lang="fr-CH" sz="1200" dirty="0" err="1"/>
-                <a:t>Choosing</a:t>
+                <a:t>take</a:t>
               </a:r>
               <a:r>
                 <a:rPr lang="fr-CH" sz="1200" dirty="0"/>
-                <a:t> and </a:t>
+                <a:t> the </a:t>
               </a:r>
               <a:r>
                 <a:rPr lang="fr-CH" sz="1200" dirty="0" err="1"/>
-                <a:t>getting</a:t>
-              </a:r>
-              <a:r>
-                <a:rPr lang="fr-CH" sz="1200" dirty="0"/>
-                <a:t> the data: </a:t>
-              </a:r>
-              <a:r>
-                <a:rPr lang="fr-CH" sz="1200" dirty="0" err="1"/>
-                <a:t>from</a:t>
-              </a:r>
-              <a:r>
-                <a:rPr lang="fr-CH" sz="1200" dirty="0"/>
-                <a:t> </a:t>
-              </a:r>
-              <a:r>
-                <a:rPr lang="fr-CH" sz="1200" dirty="0" err="1"/>
-                <a:t>February</a:t>
-              </a:r>
-              <a:r>
-                <a:rPr lang="fr-CH" sz="1200" dirty="0"/>
-                <a:t> – all the tweets?</a:t>
-              </a:r>
-            </a:p>
-            <a:p>
-              <a:pPr marL="171450" indent="-171450">
-                <a:buFont typeface="Arial" panose="020B0604020202020204" pitchFamily="34" charset="0"/>
-                <a:buChar char="•"/>
-              </a:pPr>
-              <a:r>
-                <a:rPr lang="fr-CH" sz="1200" dirty="0" err="1"/>
-                <a:t>Analyzing</a:t>
-              </a:r>
-              <a:r>
-                <a:rPr lang="fr-CH" sz="1200" dirty="0"/>
-                <a:t> and </a:t>
-              </a:r>
-              <a:r>
-                <a:rPr lang="fr-CH" sz="1200" dirty="0" err="1"/>
-                <a:t>exporting</a:t>
-              </a:r>
-              <a:r>
-                <a:rPr lang="fr-CH" sz="1200" dirty="0"/>
-                <a:t> </a:t>
-              </a:r>
-              <a:r>
-                <a:rPr lang="fr-CH" sz="1200" dirty="0" err="1"/>
-                <a:t>results</a:t>
+                <a:t>measures</a:t>
               </a:r>
               <a:endParaRPr lang="fr-CH" sz="1200" dirty="0"/>
             </a:p>
@@ -4371,7 +4354,15 @@
               </a:pPr>
               <a:r>
                 <a:rPr lang="fr-CH" sz="1200" dirty="0" err="1"/>
-                <a:t>Wordcloud</a:t>
+                <a:t>Effectiveness</a:t>
+              </a:r>
+              <a:r>
+                <a:rPr lang="fr-CH" sz="1200" dirty="0"/>
+                <a:t> of </a:t>
+              </a:r>
+              <a:r>
+                <a:rPr lang="fr-CH" sz="1200" dirty="0" err="1"/>
+                <a:t>measures</a:t>
               </a:r>
               <a:endParaRPr lang="fr-CH" sz="1200" dirty="0"/>
             </a:p>
@@ -4383,7 +4374,7 @@
           <p:cNvPr id="7" name="Image 6">
             <a:extLst>
               <a:ext uri="{FF2B5EF4-FFF2-40B4-BE49-F238E27FC236}">
-                <a16:creationId xmlns:a16="http://schemas.microsoft.com/office/drawing/2014/main" id="{B4FCBFFE-A783-489C-B4D6-FA305817AF0A}"/>
+                <a16:creationId xmlns:a16="http://schemas.microsoft.com/office/drawing/2014/main" id="{10C8246A-582D-4075-9861-F2535ECF1CFA}"/>
               </a:ext>
             </a:extLst>
           </p:cNvPr>
@@ -4417,7 +4408,7 @@
     </p:spTree>
     <p:extLst>
       <p:ext uri="{BB962C8B-B14F-4D97-AF65-F5344CB8AC3E}">
-        <p14:creationId xmlns:p14="http://schemas.microsoft.com/office/powerpoint/2010/main" val="3635757278"/>
+        <p14:creationId xmlns:p14="http://schemas.microsoft.com/office/powerpoint/2010/main" val="3747161261"/>
       </p:ext>
     </p:extLst>
   </p:cSld>
@@ -4464,10 +4455,10 @@
         </p:nvGrpSpPr>
         <p:grpSpPr>
           <a:xfrm>
-            <a:off x="455790" y="116166"/>
-            <a:ext cx="5640210" cy="3420081"/>
-            <a:chOff x="43510" y="-764018"/>
-            <a:chExt cx="11280419" cy="6840161"/>
+            <a:off x="455790" y="266683"/>
+            <a:ext cx="5640210" cy="2798373"/>
+            <a:chOff x="43510" y="479398"/>
+            <a:chExt cx="11280419" cy="5596745"/>
           </a:xfrm>
         </p:grpSpPr>
         <p:sp>
@@ -4478,8 +4469,8 @@
           </p:nvSpPr>
           <p:spPr>
             <a:xfrm>
-              <a:off x="43510" y="-764018"/>
-              <a:ext cx="11280419" cy="2517868"/>
+              <a:off x="43510" y="479398"/>
+              <a:ext cx="11280419" cy="1274452"/>
             </a:xfrm>
             <a:prstGeom prst="rect">
               <a:avLst/>
@@ -4515,15 +4506,7 @@
               </a:pPr>
               <a:r>
                 <a:rPr lang="fr-CH" sz="5050" dirty="0"/>
-                <a:t>Sentiment </a:t>
-              </a:r>
-              <a:r>
-                <a:rPr lang="fr-CH" sz="5050" dirty="0" err="1"/>
-                <a:t>Analysis</a:t>
-              </a:r>
-              <a:r>
-                <a:rPr lang="fr-CH" sz="5050" dirty="0"/>
-                <a:t> by country</a:t>
+                <a:t>United States</a:t>
               </a:r>
             </a:p>
           </p:txBody>
@@ -4537,7 +4520,7 @@
           <p:spPr>
             <a:xfrm>
               <a:off x="43510" y="2007002"/>
-              <a:ext cx="8517203" cy="482570"/>
+              <a:ext cx="4986750" cy="482570"/>
             </a:xfrm>
             <a:prstGeom prst="rect">
               <a:avLst/>
@@ -4568,7 +4551,7 @@
               </a:pPr>
               <a:r>
                 <a:rPr lang="fr-CH" sz="1400" spc="300" dirty="0"/>
-                <a:t>United States – Opinion Leaders’ </a:t>
+                <a:t>Opinion Leaders’ </a:t>
               </a:r>
               <a:r>
                 <a:rPr lang="fr-CH" sz="1400" spc="300" dirty="0" err="1"/>
@@ -4636,15 +4619,23 @@
               </a:r>
               <a:r>
                 <a:rPr lang="fr-CH" sz="1200" dirty="0"/>
-                <a:t> retweets), Ellen </a:t>
+                <a:t> retweets), </a:t>
               </a:r>
               <a:r>
                 <a:rPr lang="fr-CH" sz="1200" dirty="0" err="1"/>
-                <a:t>DeGeneres</a:t>
+                <a:t>Oprah</a:t>
               </a:r>
               <a:r>
                 <a:rPr lang="fr-CH" sz="1200" dirty="0"/>
-                <a:t>, USA </a:t>
+                <a:t> Winfrey (</a:t>
+              </a:r>
+              <a:r>
+                <a:rPr lang="fr-CH" sz="1200" dirty="0" err="1"/>
+                <a:t>with</a:t>
+              </a:r>
+              <a:r>
+                <a:rPr lang="fr-CH" sz="1200" dirty="0"/>
+                <a:t> retweets), USA </a:t>
               </a:r>
               <a:r>
                 <a:rPr lang="fr-CH" sz="1200" dirty="0" err="1"/>
@@ -4658,18 +4649,7 @@
                 <a:rPr lang="fr-CH" sz="1200" dirty="0" err="1"/>
                 <a:t>Health</a:t>
               </a:r>
-              <a:r>
-                <a:rPr lang="fr-CH" sz="1200" dirty="0"/>
-                <a:t> (</a:t>
-              </a:r>
-              <a:r>
-                <a:rPr lang="fr-CH" sz="1200" dirty="0" err="1"/>
-                <a:t>wordclouds</a:t>
-              </a:r>
-              <a:r>
-                <a:rPr lang="fr-CH" sz="1200" dirty="0"/>
-                <a:t> in Appendix)</a:t>
-              </a:r>
+              <a:endParaRPr lang="fr-CH" sz="1200" dirty="0"/>
             </a:p>
             <a:p>
               <a:pPr marL="171450" indent="-171450">
@@ -4679,6 +4659,14 @@
               <a:r>
                 <a:rPr lang="fr-CH" sz="1200" dirty="0" err="1"/>
                 <a:t>Differences</a:t>
+              </a:r>
+              <a:r>
+                <a:rPr lang="fr-CH" sz="1200" dirty="0"/>
+                <a:t> &amp; </a:t>
+              </a:r>
+              <a:r>
+                <a:rPr lang="fr-CH" sz="1200" dirty="0" err="1"/>
+                <a:t>similarities</a:t>
               </a:r>
               <a:endParaRPr lang="fr-CH" sz="1200" dirty="0"/>
             </a:p>
@@ -4723,10 +4711,10 @@
       </p:pic>
       <p:pic>
         <p:nvPicPr>
-          <p:cNvPr id="3" name="Image 2">
+          <p:cNvPr id="4" name="Image 3">
             <a:extLst>
               <a:ext uri="{FF2B5EF4-FFF2-40B4-BE49-F238E27FC236}">
-                <a16:creationId xmlns:a16="http://schemas.microsoft.com/office/drawing/2014/main" id="{A1823561-B747-4C23-AF57-4BEDBE3C5716}"/>
+                <a16:creationId xmlns:a16="http://schemas.microsoft.com/office/drawing/2014/main" id="{0EA37355-D16D-456E-9F71-A7302EA6B30F}"/>
               </a:ext>
             </a:extLst>
           </p:cNvPr>
@@ -4749,7 +4737,7 @@
         </p:blipFill>
         <p:spPr>
           <a:xfrm>
-            <a:off x="5074525" y="745633"/>
+            <a:off x="5074522" y="548353"/>
             <a:ext cx="6937057" cy="2219858"/>
           </a:xfrm>
           <a:prstGeom prst="rect">
@@ -4759,10 +4747,10 @@
       </p:pic>
       <p:pic>
         <p:nvPicPr>
-          <p:cNvPr id="9" name="Image 8">
+          <p:cNvPr id="10" name="Image 9">
             <a:extLst>
               <a:ext uri="{FF2B5EF4-FFF2-40B4-BE49-F238E27FC236}">
-                <a16:creationId xmlns:a16="http://schemas.microsoft.com/office/drawing/2014/main" id="{0D3D5E77-9F51-46B0-9410-5D650EAED804}"/>
+                <a16:creationId xmlns:a16="http://schemas.microsoft.com/office/drawing/2014/main" id="{23F03B60-DF6C-43F6-A2D8-FAB3AF03F2EE}"/>
               </a:ext>
             </a:extLst>
           </p:cNvPr>
@@ -4785,8 +4773,8 @@
         </p:blipFill>
         <p:spPr>
           <a:xfrm>
-            <a:off x="5078942" y="2671071"/>
-            <a:ext cx="6937056" cy="2219858"/>
+            <a:off x="5074522" y="2471367"/>
+            <a:ext cx="6937057" cy="2219858"/>
           </a:xfrm>
           <a:prstGeom prst="rect">
             <a:avLst/>
@@ -4795,10 +4783,10 @@
       </p:pic>
       <p:pic>
         <p:nvPicPr>
-          <p:cNvPr id="13" name="Image 12">
+          <p:cNvPr id="12" name="Image 11">
             <a:extLst>
               <a:ext uri="{FF2B5EF4-FFF2-40B4-BE49-F238E27FC236}">
-                <a16:creationId xmlns:a16="http://schemas.microsoft.com/office/drawing/2014/main" id="{9B79E7D7-2C12-45D7-8627-D8E67AE32D41}"/>
+                <a16:creationId xmlns:a16="http://schemas.microsoft.com/office/drawing/2014/main" id="{54E48E97-0ECF-4A0C-A387-95284798E6B1}"/>
               </a:ext>
             </a:extLst>
           </p:cNvPr>
@@ -4821,8 +4809,8 @@
         </p:blipFill>
         <p:spPr>
           <a:xfrm>
-            <a:off x="5074526" y="4411981"/>
-            <a:ext cx="6937057" cy="2219858"/>
+            <a:off x="5074523" y="4521976"/>
+            <a:ext cx="6937056" cy="2219858"/>
           </a:xfrm>
           <a:prstGeom prst="rect">
             <a:avLst/>
@@ -4879,10 +4867,10 @@
         </p:nvGrpSpPr>
         <p:grpSpPr>
           <a:xfrm>
-            <a:off x="455790" y="116166"/>
-            <a:ext cx="5640210" cy="2540673"/>
-            <a:chOff x="43510" y="-764018"/>
-            <a:chExt cx="11280419" cy="5081345"/>
+            <a:off x="455790" y="417201"/>
+            <a:ext cx="5640210" cy="1918965"/>
+            <a:chOff x="43510" y="479398"/>
+            <a:chExt cx="11280419" cy="3837929"/>
           </a:xfrm>
         </p:grpSpPr>
         <p:sp>
@@ -4893,8 +4881,8 @@
           </p:nvSpPr>
           <p:spPr>
             <a:xfrm>
-              <a:off x="43510" y="-764018"/>
-              <a:ext cx="11280419" cy="2517868"/>
+              <a:off x="43510" y="479398"/>
+              <a:ext cx="11280419" cy="1274452"/>
             </a:xfrm>
             <a:prstGeom prst="rect">
               <a:avLst/>
@@ -4930,15 +4918,7 @@
               </a:pPr>
               <a:r>
                 <a:rPr lang="fr-CH" sz="5050" dirty="0"/>
-                <a:t>Sentiment </a:t>
-              </a:r>
-              <a:r>
-                <a:rPr lang="fr-CH" sz="5050" dirty="0" err="1"/>
-                <a:t>Analysis</a:t>
-              </a:r>
-              <a:r>
-                <a:rPr lang="fr-CH" sz="5050" dirty="0"/>
-                <a:t> by country</a:t>
+                <a:t>United States</a:t>
               </a:r>
             </a:p>
           </p:txBody>
@@ -4951,8 +4931,8 @@
           </p:nvSpPr>
           <p:spPr>
             <a:xfrm>
-              <a:off x="43510" y="2007001"/>
-              <a:ext cx="6904583" cy="482570"/>
+              <a:off x="43510" y="2007002"/>
+              <a:ext cx="3374130" cy="482570"/>
             </a:xfrm>
             <a:prstGeom prst="rect">
               <a:avLst/>
@@ -4981,10 +4961,6 @@
                 </a:lnSpc>
                 <a:defRPr sz="2400" spc="647"/>
               </a:pPr>
-              <a:r>
-                <a:rPr lang="fr-CH" sz="1400" spc="300" dirty="0"/>
-                <a:t>United States – </a:t>
-              </a:r>
               <a:r>
                 <a:rPr lang="fr-CH" sz="1400" spc="300" dirty="0" err="1"/>
                 <a:t>Country’s</a:t>
@@ -5115,6 +5091,77 @@
           <a:xfrm>
             <a:off x="10635101" y="116166"/>
             <a:ext cx="1380897" cy="301035"/>
+          </a:xfrm>
+          <a:prstGeom prst="rect">
+            <a:avLst/>
+          </a:prstGeom>
+        </p:spPr>
+      </p:pic>
+      <p:pic>
+        <p:nvPicPr>
+          <p:cNvPr id="3" name="Image 2">
+            <a:extLst>
+              <a:ext uri="{FF2B5EF4-FFF2-40B4-BE49-F238E27FC236}">
+                <a16:creationId xmlns:a16="http://schemas.microsoft.com/office/drawing/2014/main" id="{3D47457E-D4D4-4C79-9C04-6CE65747474F}"/>
+              </a:ext>
+            </a:extLst>
+          </p:cNvPr>
+          <p:cNvPicPr>
+            <a:picLocks noChangeAspect="1"/>
+          </p:cNvPicPr>
+          <p:nvPr/>
+        </p:nvPicPr>
+        <p:blipFill>
+          <a:blip r:embed="rId3">
+            <a:extLst>
+              <a:ext uri="{28A0092B-C50C-407E-A947-70E740481C1C}">
+                <a14:useLocalDpi xmlns:a14="http://schemas.microsoft.com/office/drawing/2010/main" val="0"/>
+              </a:ext>
+            </a:extLst>
+          </a:blip>
+          <a:stretch>
+            <a:fillRect/>
+          </a:stretch>
+        </p:blipFill>
+        <p:spPr>
+          <a:xfrm>
+            <a:off x="342900" y="3227490"/>
+            <a:ext cx="10982325" cy="3514344"/>
+          </a:xfrm>
+          <a:prstGeom prst="rect">
+            <a:avLst/>
+          </a:prstGeom>
+        </p:spPr>
+      </p:pic>
+      <p:pic>
+        <p:nvPicPr>
+          <p:cNvPr id="5" name="Image 4" descr="Une image contenant capture d’écran&#10;&#10;Description générée automatiquement">
+            <a:extLst>
+              <a:ext uri="{FF2B5EF4-FFF2-40B4-BE49-F238E27FC236}">
+                <a16:creationId xmlns:a16="http://schemas.microsoft.com/office/drawing/2014/main" id="{87752ECC-FC67-431E-B0F8-7EBF1354032C}"/>
+              </a:ext>
+            </a:extLst>
+          </p:cNvPr>
+          <p:cNvPicPr>
+            <a:picLocks noChangeAspect="1"/>
+          </p:cNvPicPr>
+          <p:nvPr/>
+        </p:nvPicPr>
+        <p:blipFill rotWithShape="1">
+          <a:blip r:embed="rId4">
+            <a:extLst>
+              <a:ext uri="{28A0092B-C50C-407E-A947-70E740481C1C}">
+                <a14:useLocalDpi xmlns:a14="http://schemas.microsoft.com/office/drawing/2010/main" val="0"/>
+              </a:ext>
+            </a:extLst>
+          </a:blip>
+          <a:srcRect l="35859" r="34140"/>
+          <a:stretch/>
+        </p:blipFill>
+        <p:spPr>
+          <a:xfrm>
+            <a:off x="6557774" y="175916"/>
+            <a:ext cx="3452291" cy="3682444"/>
           </a:xfrm>
           <a:prstGeom prst="rect">
             <a:avLst/>
@@ -5171,10 +5218,10 @@
         </p:nvGrpSpPr>
         <p:grpSpPr>
           <a:xfrm>
-            <a:off x="362359" y="212605"/>
-            <a:ext cx="5640210" cy="3742748"/>
-            <a:chOff x="-400050" y="286098"/>
-            <a:chExt cx="11280419" cy="7485495"/>
+            <a:off x="343309" y="266683"/>
+            <a:ext cx="5640210" cy="3121040"/>
+            <a:chOff x="-400050" y="1529514"/>
+            <a:chExt cx="11280419" cy="6242079"/>
           </a:xfrm>
         </p:grpSpPr>
         <p:sp>
@@ -5185,8 +5232,8 @@
           </p:nvSpPr>
           <p:spPr>
             <a:xfrm>
-              <a:off x="-400050" y="286098"/>
-              <a:ext cx="11280419" cy="2517868"/>
+              <a:off x="-400050" y="1529514"/>
+              <a:ext cx="11280419" cy="1274452"/>
             </a:xfrm>
             <a:prstGeom prst="rect">
               <a:avLst/>
@@ -5222,15 +5269,11 @@
               </a:pPr>
               <a:r>
                 <a:rPr lang="fr-CH" sz="5050" dirty="0"/>
-                <a:t>Sentiment </a:t>
+                <a:t>United </a:t>
               </a:r>
               <a:r>
                 <a:rPr lang="fr-CH" sz="5050" dirty="0" err="1"/>
-                <a:t>Analysis</a:t>
-              </a:r>
-              <a:r>
-                <a:rPr lang="fr-CH" sz="5050" dirty="0"/>
-                <a:t> by country</a:t>
+                <a:t>Kingdom</a:t>
               </a:r>
               <a:endParaRPr sz="5050" dirty="0"/>
             </a:p>
@@ -5245,7 +5288,7 @@
           <p:spPr>
             <a:xfrm>
               <a:off x="-400050" y="2991080"/>
-              <a:ext cx="8993487" cy="482570"/>
+              <a:ext cx="4986750" cy="482570"/>
             </a:xfrm>
             <a:prstGeom prst="rect">
               <a:avLst/>
@@ -5276,15 +5319,7 @@
               </a:pPr>
               <a:r>
                 <a:rPr lang="fr-CH" sz="1400" spc="300" dirty="0"/>
-                <a:t>United </a:t>
-              </a:r>
-              <a:r>
-                <a:rPr lang="fr-CH" sz="1400" spc="300" dirty="0" err="1"/>
-                <a:t>Kingdom</a:t>
-              </a:r>
-              <a:r>
-                <a:rPr lang="fr-CH" sz="1400" spc="300" dirty="0"/>
-                <a:t> – Opinion Leaders’ </a:t>
+                <a:t>Opinion Leaders’ </a:t>
               </a:r>
               <a:r>
                 <a:rPr lang="fr-CH" sz="1400" spc="300" dirty="0" err="1"/>
@@ -5344,7 +5379,31 @@
               </a:pPr>
               <a:r>
                 <a:rPr lang="fr-CH" sz="1200" dirty="0"/>
-                <a:t>Boris Johnson, Emily </a:t>
+                <a:t>Boris Johnson (</a:t>
+              </a:r>
+              <a:r>
+                <a:rPr lang="fr-CH" sz="1200" dirty="0" err="1"/>
+                <a:t>only</a:t>
+              </a:r>
+              <a:r>
+                <a:rPr lang="fr-CH" sz="1200" dirty="0"/>
+                <a:t> </a:t>
+              </a:r>
+              <a:r>
+                <a:rPr lang="fr-CH" sz="1200" dirty="0" err="1"/>
+                <a:t>from</a:t>
+              </a:r>
+              <a:r>
+                <a:rPr lang="fr-CH" sz="1200" dirty="0"/>
+                <a:t> </a:t>
+              </a:r>
+              <a:r>
+                <a:rPr lang="fr-CH" sz="1200" dirty="0" err="1"/>
+                <a:t>mid</a:t>
+              </a:r>
+              <a:r>
+                <a:rPr lang="fr-CH" sz="1200" dirty="0"/>
+                <a:t>-March), Emily </a:t>
               </a:r>
               <a:r>
                 <a:rPr lang="fr-CH" sz="1200" dirty="0" err="1"/>
@@ -5449,7 +5508,7 @@
         </p:blipFill>
         <p:spPr>
           <a:xfrm>
-            <a:off x="5181600" y="797599"/>
+            <a:off x="5181599" y="865341"/>
             <a:ext cx="6834397" cy="2187007"/>
           </a:xfrm>
           <a:prstGeom prst="rect">
@@ -5579,10 +5638,10 @@
         </p:nvGrpSpPr>
         <p:grpSpPr>
           <a:xfrm>
-            <a:off x="455790" y="116166"/>
-            <a:ext cx="5640210" cy="2540673"/>
-            <a:chOff x="43510" y="-764018"/>
-            <a:chExt cx="11280419" cy="5081345"/>
+            <a:off x="455790" y="266683"/>
+            <a:ext cx="5640210" cy="1918965"/>
+            <a:chOff x="43510" y="479398"/>
+            <a:chExt cx="11280419" cy="3837929"/>
           </a:xfrm>
         </p:grpSpPr>
         <p:sp>
@@ -5593,8 +5652,8 @@
           </p:nvSpPr>
           <p:spPr>
             <a:xfrm>
-              <a:off x="43510" y="-764018"/>
-              <a:ext cx="11280419" cy="2517868"/>
+              <a:off x="43510" y="479398"/>
+              <a:ext cx="11280419" cy="1274452"/>
             </a:xfrm>
             <a:prstGeom prst="rect">
               <a:avLst/>
@@ -5630,16 +5689,13 @@
               </a:pPr>
               <a:r>
                 <a:rPr lang="fr-CH" sz="5050" dirty="0"/>
-                <a:t>Sentiment </a:t>
+                <a:t>United </a:t>
               </a:r>
               <a:r>
                 <a:rPr lang="fr-CH" sz="5050" dirty="0" err="1"/>
-                <a:t>Analysis</a:t>
-              </a:r>
-              <a:r>
-                <a:rPr lang="fr-CH" sz="5050" dirty="0"/>
-                <a:t> by country</a:t>
-              </a:r>
+                <a:t>Kingdom</a:t>
+              </a:r>
+              <a:endParaRPr lang="fr-CH" sz="5050" dirty="0"/>
             </a:p>
           </p:txBody>
         </p:sp>
@@ -5651,8 +5707,8 @@
           </p:nvSpPr>
           <p:spPr>
             <a:xfrm>
-              <a:off x="43510" y="2007001"/>
-              <a:ext cx="7380867" cy="482570"/>
+              <a:off x="43510" y="2007002"/>
+              <a:ext cx="3374130" cy="482570"/>
             </a:xfrm>
             <a:prstGeom prst="rect">
               <a:avLst/>
@@ -5681,18 +5737,6 @@
                 </a:lnSpc>
                 <a:defRPr sz="2400" spc="647"/>
               </a:pPr>
-              <a:r>
-                <a:rPr lang="fr-CH" sz="1400" spc="300" dirty="0"/>
-                <a:t>United </a:t>
-              </a:r>
-              <a:r>
-                <a:rPr lang="fr-CH" sz="1400" spc="300" dirty="0" err="1"/>
-                <a:t>Kingdom</a:t>
-              </a:r>
-              <a:r>
-                <a:rPr lang="fr-CH" sz="1400" spc="300" dirty="0"/>
-                <a:t> – </a:t>
-              </a:r>
               <a:r>
                 <a:rPr lang="fr-CH" sz="1400" spc="300" dirty="0" err="1"/>
                 <a:t>Country’s</a:t>
@@ -5950,10 +5994,10 @@
         </p:nvGrpSpPr>
         <p:grpSpPr>
           <a:xfrm>
-            <a:off x="562384" y="294612"/>
-            <a:ext cx="5640210" cy="2609883"/>
-            <a:chOff x="0" y="450112"/>
-            <a:chExt cx="11280419" cy="5219765"/>
+            <a:off x="455790" y="266683"/>
+            <a:ext cx="5640210" cy="2917907"/>
+            <a:chOff x="-400050" y="1529514"/>
+            <a:chExt cx="11280419" cy="5835813"/>
           </a:xfrm>
         </p:grpSpPr>
         <p:sp>
@@ -5964,8 +6008,8 @@
           </p:nvSpPr>
           <p:spPr>
             <a:xfrm>
-              <a:off x="0" y="450112"/>
-              <a:ext cx="11280419" cy="2517867"/>
+              <a:off x="-400050" y="1529514"/>
+              <a:ext cx="11280419" cy="1274452"/>
             </a:xfrm>
             <a:prstGeom prst="rect">
               <a:avLst/>
@@ -6001,15 +6045,7 @@
               </a:pPr>
               <a:r>
                 <a:rPr lang="fr-CH" sz="5050" dirty="0"/>
-                <a:t>Sentiment </a:t>
-              </a:r>
-              <a:r>
-                <a:rPr lang="fr-CH" sz="5050" dirty="0" err="1"/>
-                <a:t>Analysis</a:t>
-              </a:r>
-              <a:r>
-                <a:rPr lang="fr-CH" sz="5050" dirty="0"/>
-                <a:t> by country</a:t>
+                <a:t>Germany</a:t>
               </a:r>
               <a:endParaRPr sz="5050" dirty="0"/>
             </a:p>
@@ -6023,8 +6059,8 @@
           </p:nvSpPr>
           <p:spPr>
             <a:xfrm>
-              <a:off x="43510" y="3711313"/>
-              <a:ext cx="1680590" cy="413702"/>
+              <a:off x="-400050" y="2991080"/>
+              <a:ext cx="4986750" cy="482570"/>
             </a:xfrm>
             <a:prstGeom prst="rect">
               <a:avLst/>
@@ -6054,10 +6090,14 @@
                 <a:defRPr sz="2400" spc="647"/>
               </a:pPr>
               <a:r>
-                <a:rPr lang="fr-CH" sz="1200" spc="300" dirty="0"/>
-                <a:t>Germany</a:t>
-              </a:r>
-              <a:endParaRPr sz="1200" spc="300" dirty="0"/>
+                <a:rPr lang="fr-CH" sz="1400" spc="300" dirty="0"/>
+                <a:t>Opinion Leaders’ </a:t>
+              </a:r>
+              <a:r>
+                <a:rPr lang="fr-CH" sz="1400" spc="300" dirty="0" err="1"/>
+                <a:t>Level</a:t>
+              </a:r>
+              <a:endParaRPr sz="1400" spc="300" dirty="0"/>
             </a:p>
           </p:txBody>
         </p:sp>
@@ -6069,7 +6109,7 @@
           </p:nvSpPr>
           <p:spPr>
             <a:xfrm>
-              <a:off x="43512" y="4888765"/>
+              <a:off x="-204138" y="6584215"/>
               <a:ext cx="8264367" cy="781112"/>
             </a:xfrm>
             <a:prstGeom prst="rect">
@@ -6111,15 +6151,7 @@
               </a:pPr>
               <a:r>
                 <a:rPr lang="fr-CH" sz="1200" dirty="0"/>
-                <a:t>Angela Merkel, Lisa and Lena, </a:t>
-              </a:r>
-              <a:r>
-                <a:rPr lang="fr-CH" sz="1200" dirty="0" err="1"/>
-                <a:t>Süddeutsche</a:t>
-              </a:r>
-              <a:r>
-                <a:rPr lang="fr-CH" sz="1200" dirty="0"/>
-                <a:t> Zeitung</a:t>
+                <a:t>Angela Merkel,…</a:t>
               </a:r>
             </a:p>
             <a:p>
@@ -6141,7 +6173,7 @@
           <p:cNvPr id="7" name="Image 6">
             <a:extLst>
               <a:ext uri="{FF2B5EF4-FFF2-40B4-BE49-F238E27FC236}">
-                <a16:creationId xmlns:a16="http://schemas.microsoft.com/office/drawing/2014/main" id="{2EE3D3AC-5EC2-4878-AFB4-92BBE1E8F9D0}"/>
+                <a16:creationId xmlns:a16="http://schemas.microsoft.com/office/drawing/2014/main" id="{F6DCB3E1-3D44-4043-BC50-C3FBD75FD0A7}"/>
               </a:ext>
             </a:extLst>
           </p:cNvPr>
@@ -6175,7 +6207,7 @@
     </p:spTree>
     <p:extLst>
       <p:ext uri="{BB962C8B-B14F-4D97-AF65-F5344CB8AC3E}">
-        <p14:creationId xmlns:p14="http://schemas.microsoft.com/office/powerpoint/2010/main" val="2847088763"/>
+        <p14:creationId xmlns:p14="http://schemas.microsoft.com/office/powerpoint/2010/main" val="2413552011"/>
       </p:ext>
     </p:extLst>
   </p:cSld>
@@ -6222,10 +6254,10 @@
         </p:nvGrpSpPr>
         <p:grpSpPr>
           <a:xfrm>
-            <a:off x="562384" y="294612"/>
-            <a:ext cx="5640210" cy="2813016"/>
-            <a:chOff x="0" y="450112"/>
-            <a:chExt cx="11280419" cy="5626031"/>
+            <a:off x="455790" y="266683"/>
+            <a:ext cx="5640210" cy="1918965"/>
+            <a:chOff x="43510" y="479398"/>
+            <a:chExt cx="11280419" cy="3837929"/>
           </a:xfrm>
         </p:grpSpPr>
         <p:sp>
@@ -6236,8 +6268,8 @@
           </p:nvSpPr>
           <p:spPr>
             <a:xfrm>
-              <a:off x="0" y="450112"/>
-              <a:ext cx="11280419" cy="2517867"/>
+              <a:off x="43510" y="479398"/>
+              <a:ext cx="11280419" cy="1274452"/>
             </a:xfrm>
             <a:prstGeom prst="rect">
               <a:avLst/>
@@ -6273,25 +6305,8 @@
               </a:pPr>
               <a:r>
                 <a:rPr lang="fr-CH" sz="5050" dirty="0"/>
-                <a:t>Sentiment </a:t>
-              </a:r>
-              <a:r>
-                <a:rPr lang="fr-CH" sz="5050" dirty="0" err="1"/>
-                <a:t>Analysis</a:t>
-              </a:r>
-              <a:r>
-                <a:rPr lang="fr-CH" sz="5050" dirty="0"/>
-                <a:t> </a:t>
-              </a:r>
-              <a:r>
-                <a:rPr lang="fr-CH" sz="5050" dirty="0" err="1"/>
-                <a:t>across</a:t>
-              </a:r>
-              <a:r>
-                <a:rPr lang="fr-CH" sz="5050" dirty="0"/>
-                <a:t> countries</a:t>
-              </a:r>
-              <a:endParaRPr sz="5050" dirty="0"/>
+                <a:t>Germany</a:t>
+              </a:r>
             </a:p>
           </p:txBody>
         </p:sp>
@@ -6303,8 +6318,8 @@
           </p:nvSpPr>
           <p:spPr>
             <a:xfrm>
-              <a:off x="43510" y="3711313"/>
-              <a:ext cx="4409284" cy="413702"/>
+              <a:off x="43510" y="2007002"/>
+              <a:ext cx="3374130" cy="482570"/>
             </a:xfrm>
             <a:prstGeom prst="rect">
               <a:avLst/>
@@ -6334,10 +6349,311 @@
                 <a:defRPr sz="2400" spc="647"/>
               </a:pPr>
               <a:r>
-                <a:rPr lang="fr-CH" sz="1200" spc="300" dirty="0"/>
-                <a:t>US vs. UK vs. Germany</a:t>
-              </a:r>
-              <a:endParaRPr sz="1200" spc="300" dirty="0"/>
+                <a:rPr lang="fr-CH" sz="1400" spc="300" dirty="0" err="1"/>
+                <a:t>Country’s</a:t>
+              </a:r>
+              <a:r>
+                <a:rPr lang="fr-CH" sz="1400" spc="300" dirty="0"/>
+                <a:t> </a:t>
+              </a:r>
+              <a:r>
+                <a:rPr lang="fr-CH" sz="1400" spc="300" dirty="0" err="1"/>
+                <a:t>Level</a:t>
+              </a:r>
+              <a:endParaRPr sz="1400" spc="300" dirty="0"/>
+            </a:p>
+          </p:txBody>
+        </p:sp>
+        <p:sp>
+          <p:nvSpPr>
+            <p:cNvPr id="432" name="Shape 432"/>
+            <p:cNvSpPr/>
+            <p:nvPr/>
+          </p:nvSpPr>
+          <p:spPr>
+            <a:xfrm>
+              <a:off x="43510" y="3536215"/>
+              <a:ext cx="7175619" cy="781112"/>
+            </a:xfrm>
+            <a:prstGeom prst="rect">
+              <a:avLst/>
+            </a:prstGeom>
+            <a:noFill/>
+            <a:ln w="12700" cap="flat">
+              <a:noFill/>
+              <a:miter lim="400000"/>
+            </a:ln>
+            <a:effectLst/>
+            <a:extLst>
+              <a:ext uri="{C572A759-6A51-4108-AA02-DFA0A04FC94B}">
+                <ma14:wrappingTextBoxFlag xmlns:ma14="http://schemas.microsoft.com/office/mac/drawingml/2011/main" xmlns="" val="1"/>
+              </a:ext>
+            </a:extLst>
+          </p:spPr>
+          <p:txBody>
+            <a:bodyPr wrap="square" lIns="0" tIns="0" rIns="0" bIns="0" numCol="1" anchor="t">
+              <a:spAutoFit/>
+            </a:bodyPr>
+            <a:lstStyle>
+              <a:lvl1pPr algn="l" defTabSz="1828800">
+                <a:lnSpc>
+                  <a:spcPct val="110000"/>
+                </a:lnSpc>
+                <a:defRPr sz="2400">
+                  <a:latin typeface="PT Sans"/>
+                  <a:ea typeface="PT Sans"/>
+                  <a:cs typeface="PT Sans"/>
+                  <a:sym typeface="PT Sans"/>
+                </a:defRPr>
+              </a:lvl1pPr>
+            </a:lstStyle>
+            <a:p>
+              <a:pPr marL="171450" indent="-171450">
+                <a:buFont typeface="Arial" panose="020B0604020202020204" pitchFamily="34" charset="0"/>
+                <a:buChar char="•"/>
+              </a:pPr>
+              <a:r>
+                <a:rPr lang="fr-CH" sz="1200" dirty="0" err="1"/>
+                <a:t>Inferences</a:t>
+              </a:r>
+              <a:r>
+                <a:rPr lang="fr-CH" sz="1200" dirty="0"/>
+                <a:t> </a:t>
+              </a:r>
+              <a:r>
+                <a:rPr lang="fr-CH" sz="1200" dirty="0" err="1"/>
+                <a:t>from</a:t>
+              </a:r>
+              <a:r>
+                <a:rPr lang="fr-CH" sz="1200" dirty="0"/>
+                <a:t> </a:t>
+              </a:r>
+              <a:r>
+                <a:rPr lang="fr-CH" sz="1200" dirty="0" err="1"/>
+                <a:t>measures</a:t>
+              </a:r>
+              <a:endParaRPr lang="fr-CH" sz="1200" dirty="0"/>
+            </a:p>
+            <a:p>
+              <a:pPr marL="171450" indent="-171450">
+                <a:buFont typeface="Arial" panose="020B0604020202020204" pitchFamily="34" charset="0"/>
+                <a:buChar char="•"/>
+              </a:pPr>
+              <a:r>
+                <a:rPr lang="fr-CH" sz="1200" dirty="0" err="1"/>
+                <a:t>Wordcloud</a:t>
+              </a:r>
+              <a:endParaRPr lang="fr-CH" sz="1200" dirty="0"/>
+            </a:p>
+          </p:txBody>
+        </p:sp>
+      </p:grpSp>
+      <p:pic>
+        <p:nvPicPr>
+          <p:cNvPr id="7" name="Image 6">
+            <a:extLst>
+              <a:ext uri="{FF2B5EF4-FFF2-40B4-BE49-F238E27FC236}">
+                <a16:creationId xmlns:a16="http://schemas.microsoft.com/office/drawing/2014/main" id="{11958A7E-3223-4BD3-A74F-AE6280F643C5}"/>
+              </a:ext>
+            </a:extLst>
+          </p:cNvPr>
+          <p:cNvPicPr>
+            <a:picLocks noChangeAspect="1"/>
+          </p:cNvPicPr>
+          <p:nvPr/>
+        </p:nvPicPr>
+        <p:blipFill>
+          <a:blip r:embed="rId2">
+            <a:extLst>
+              <a:ext uri="{28A0092B-C50C-407E-A947-70E740481C1C}">
+                <a14:useLocalDpi xmlns:a14="http://schemas.microsoft.com/office/drawing/2010/main" val="0"/>
+              </a:ext>
+            </a:extLst>
+          </a:blip>
+          <a:stretch>
+            <a:fillRect/>
+          </a:stretch>
+        </p:blipFill>
+        <p:spPr>
+          <a:xfrm>
+            <a:off x="10635101" y="116166"/>
+            <a:ext cx="1380897" cy="301035"/>
+          </a:xfrm>
+          <a:prstGeom prst="rect">
+            <a:avLst/>
+          </a:prstGeom>
+        </p:spPr>
+      </p:pic>
+    </p:spTree>
+    <p:extLst>
+      <p:ext uri="{BB962C8B-B14F-4D97-AF65-F5344CB8AC3E}">
+        <p14:creationId xmlns:p14="http://schemas.microsoft.com/office/powerpoint/2010/main" val="257771837"/>
+      </p:ext>
+    </p:extLst>
+  </p:cSld>
+  <p:clrMapOvr>
+    <a:masterClrMapping/>
+  </p:clrMapOvr>
+  <mc:AlternateContent xmlns:mc="http://schemas.openxmlformats.org/markup-compatibility/2006" xmlns:p14="http://schemas.microsoft.com/office/powerpoint/2010/main">
+    <mc:Choice Requires="p14">
+      <p:transition spd="slow" p14:dur="1700">
+        <p14:prism dir="r" isContent="1"/>
+      </p:transition>
+    </mc:Choice>
+    <mc:Fallback xmlns="">
+      <p:transition spd="slow">
+        <p:fade/>
+      </p:transition>
+    </mc:Fallback>
+  </mc:AlternateContent>
+</p:sld>
+</file>
+
+<file path=ppt/slides/slide17.xml><?xml version="1.0" encoding="utf-8"?>
+<p:sld xmlns:a="http://schemas.openxmlformats.org/drawingml/2006/main" xmlns:r="http://schemas.openxmlformats.org/officeDocument/2006/relationships" xmlns:p="http://schemas.openxmlformats.org/presentationml/2006/main">
+  <p:cSld>
+    <p:spTree>
+      <p:nvGrpSpPr>
+        <p:cNvPr id="1" name=""/>
+        <p:cNvGrpSpPr/>
+        <p:nvPr/>
+      </p:nvGrpSpPr>
+      <p:grpSpPr>
+        <a:xfrm>
+          <a:off x="0" y="0"/>
+          <a:ext cx="0" cy="0"/>
+          <a:chOff x="0" y="0"/>
+          <a:chExt cx="0" cy="0"/>
+        </a:xfrm>
+      </p:grpSpPr>
+      <p:grpSp>
+        <p:nvGrpSpPr>
+          <p:cNvPr id="433" name="Group 433"/>
+          <p:cNvGrpSpPr/>
+          <p:nvPr/>
+        </p:nvGrpSpPr>
+        <p:grpSpPr>
+          <a:xfrm>
+            <a:off x="474839" y="266683"/>
+            <a:ext cx="6106935" cy="2191308"/>
+            <a:chOff x="-2" y="1693528"/>
+            <a:chExt cx="12213869" cy="4382615"/>
+          </a:xfrm>
+        </p:grpSpPr>
+        <p:sp>
+          <p:nvSpPr>
+            <p:cNvPr id="430" name="Shape 430"/>
+            <p:cNvSpPr/>
+            <p:nvPr/>
+          </p:nvSpPr>
+          <p:spPr>
+            <a:xfrm>
+              <a:off x="-2" y="1693528"/>
+              <a:ext cx="12213869" cy="1274452"/>
+            </a:xfrm>
+            <a:prstGeom prst="rect">
+              <a:avLst/>
+            </a:prstGeom>
+            <a:noFill/>
+            <a:ln w="12700" cap="flat">
+              <a:noFill/>
+              <a:miter lim="400000"/>
+            </a:ln>
+            <a:effectLst/>
+            <a:extLst>
+              <a:ext uri="{C572A759-6A51-4108-AA02-DFA0A04FC94B}">
+                <ma14:wrappingTextBoxFlag xmlns:ma14="http://schemas.microsoft.com/office/mac/drawingml/2011/main" xmlns="" val="1"/>
+              </a:ext>
+            </a:extLst>
+          </p:spPr>
+          <p:txBody>
+            <a:bodyPr wrap="square" lIns="0" tIns="0" rIns="0" bIns="0" numCol="1" anchor="b">
+              <a:spAutoFit/>
+            </a:bodyPr>
+            <a:lstStyle/>
+            <a:p>
+              <a:pPr>
+                <a:lnSpc>
+                  <a:spcPct val="80000"/>
+                </a:lnSpc>
+                <a:defRPr sz="10100" b="1">
+                  <a:latin typeface="Didot"/>
+                  <a:ea typeface="Didot"/>
+                  <a:cs typeface="Didot"/>
+                  <a:sym typeface="Didot"/>
+                </a:defRPr>
+              </a:pPr>
+              <a:r>
+                <a:rPr lang="fr-CH" sz="5050" dirty="0"/>
+                <a:t>Countries’ </a:t>
+              </a:r>
+              <a:r>
+                <a:rPr lang="fr-CH" sz="5050" dirty="0" err="1"/>
+                <a:t>Comparison</a:t>
+              </a:r>
+              <a:endParaRPr sz="5050" dirty="0"/>
+            </a:p>
+          </p:txBody>
+        </p:sp>
+        <p:sp>
+          <p:nvSpPr>
+            <p:cNvPr id="431" name="Shape 431"/>
+            <p:cNvSpPr/>
+            <p:nvPr/>
+          </p:nvSpPr>
+          <p:spPr>
+            <a:xfrm>
+              <a:off x="0" y="3198582"/>
+              <a:ext cx="8133765" cy="482570"/>
+            </a:xfrm>
+            <a:prstGeom prst="rect">
+              <a:avLst/>
+            </a:prstGeom>
+            <a:noFill/>
+            <a:ln w="12700" cap="flat">
+              <a:noFill/>
+              <a:miter lim="400000"/>
+            </a:ln>
+            <a:effectLst/>
+            <a:extLst>
+              <a:ext uri="{C572A759-6A51-4108-AA02-DFA0A04FC94B}">
+                <ma14:wrappingTextBoxFlag xmlns:ma14="http://schemas.microsoft.com/office/mac/drawingml/2011/main" xmlns="" val="1"/>
+              </a:ext>
+            </a:extLst>
+          </p:spPr>
+          <p:txBody>
+            <a:bodyPr wrap="none" lIns="0" tIns="0" rIns="0" bIns="0" numCol="1" anchor="ctr">
+              <a:spAutoFit/>
+            </a:bodyPr>
+            <a:lstStyle/>
+            <a:p>
+              <a:pPr>
+                <a:lnSpc>
+                  <a:spcPct val="120000"/>
+                </a:lnSpc>
+                <a:defRPr sz="2400" spc="647"/>
+              </a:pPr>
+              <a:r>
+                <a:rPr lang="fr-CH" sz="1400" spc="300" dirty="0"/>
+                <a:t>Sentiment </a:t>
+              </a:r>
+              <a:r>
+                <a:rPr lang="fr-CH" sz="1400" spc="300" dirty="0" err="1"/>
+                <a:t>Analysis</a:t>
+              </a:r>
+              <a:r>
+                <a:rPr lang="fr-CH" sz="1400" spc="300" dirty="0"/>
+                <a:t> </a:t>
+              </a:r>
+              <a:r>
+                <a:rPr lang="fr-CH" sz="1400" spc="300" dirty="0" err="1"/>
+                <a:t>Across</a:t>
+              </a:r>
+              <a:r>
+                <a:rPr lang="fr-CH" sz="1400" spc="300" dirty="0"/>
+                <a:t> Countries </a:t>
+              </a:r>
+              <a:endParaRPr sz="1400" spc="300" dirty="0"/>
             </a:p>
           </p:txBody>
         </p:sp>
@@ -6474,10 +6790,10 @@
       </p:pic>
       <p:pic>
         <p:nvPicPr>
-          <p:cNvPr id="9" name="Image 8" descr="Une image contenant eau, plage&#10;&#10;Description générée automatiquement">
+          <p:cNvPr id="11" name="Image 10">
             <a:extLst>
               <a:ext uri="{FF2B5EF4-FFF2-40B4-BE49-F238E27FC236}">
-                <a16:creationId xmlns:a16="http://schemas.microsoft.com/office/drawing/2014/main" id="{CED1812C-8902-43C0-9B78-FE3B288D8866}"/>
+                <a16:creationId xmlns:a16="http://schemas.microsoft.com/office/drawing/2014/main" id="{0C471408-BC54-481C-8F4F-09E61C1E80D1}"/>
               </a:ext>
             </a:extLst>
           </p:cNvPr>
@@ -6500,8 +6816,8 @@
         </p:blipFill>
         <p:spPr>
           <a:xfrm>
-            <a:off x="5842051" y="1008191"/>
-            <a:ext cx="6349949" cy="2031983"/>
+            <a:off x="4888717" y="913975"/>
+            <a:ext cx="7267575" cy="2325624"/>
           </a:xfrm>
           <a:prstGeom prst="rect">
             <a:avLst/>
@@ -6510,10 +6826,10 @@
       </p:pic>
       <p:pic>
         <p:nvPicPr>
-          <p:cNvPr id="10" name="Image 9" descr="Une image contenant miroir&#10;&#10;Description générée automatiquement">
+          <p:cNvPr id="12" name="Image 11" descr="Une image contenant table&#10;&#10;Description générée automatiquement">
             <a:extLst>
               <a:ext uri="{FF2B5EF4-FFF2-40B4-BE49-F238E27FC236}">
-                <a16:creationId xmlns:a16="http://schemas.microsoft.com/office/drawing/2014/main" id="{CB36D26E-14CC-43F7-AE2C-88F43048B9D8}"/>
+                <a16:creationId xmlns:a16="http://schemas.microsoft.com/office/drawing/2014/main" id="{D5D4A005-CC9C-4EE3-ACAE-0549B56F325A}"/>
               </a:ext>
             </a:extLst>
           </p:cNvPr>
@@ -6536,8 +6852,8 @@
         </p:blipFill>
         <p:spPr>
           <a:xfrm>
-            <a:off x="5842051" y="3040174"/>
-            <a:ext cx="6349949" cy="2031984"/>
+            <a:off x="4810125" y="2861773"/>
+            <a:ext cx="7346167" cy="2350774"/>
           </a:xfrm>
           <a:prstGeom prst="rect">
             <a:avLst/>
@@ -6569,7 +6885,7 @@
 </p:sld>
 </file>
 
-<file path=ppt/slides/slide17.xml><?xml version="1.0" encoding="utf-8"?>
+<file path=ppt/slides/slide18.xml><?xml version="1.0" encoding="utf-8"?>
 <p:sld xmlns:a="http://schemas.openxmlformats.org/drawingml/2006/main" xmlns:r="http://schemas.openxmlformats.org/officeDocument/2006/relationships" xmlns:p="http://schemas.openxmlformats.org/presentationml/2006/main">
   <p:cSld>
     <p:spTree>
@@ -6754,8 +7070,8 @@
             </a:lstStyle>
             <a:p>
               <a:pPr marL="285750" indent="-285750">
-                <a:buFont typeface="Arial" panose="020B0604020202020204" pitchFamily="34" charset="0"/>
-                <a:buChar char="•"/>
+                <a:buFont typeface="Wingdings" panose="05000000000000000000" pitchFamily="2" charset="2"/>
+                <a:buChar char="§"/>
               </a:pPr>
               <a:r>
                 <a:rPr lang="en-US" sz="1215" dirty="0"/>
@@ -6764,8 +7080,8 @@
             </a:p>
             <a:p>
               <a:pPr marL="285750" indent="-285750">
-                <a:buFont typeface="Arial" panose="020B0604020202020204" pitchFamily="34" charset="0"/>
-                <a:buChar char="•"/>
+                <a:buFont typeface="Wingdings" panose="05000000000000000000" pitchFamily="2" charset="2"/>
+                <a:buChar char="§"/>
               </a:pPr>
               <a:endParaRPr lang="en-US" sz="1215" dirty="0"/>
             </a:p>
@@ -6971,6 +7287,16 @@
               <a:r>
                 <a:rPr lang="en-US" sz="1215" dirty="0"/>
                 <a:t>Limited data</a:t>
+              </a:r>
+            </a:p>
+            <a:p>
+              <a:pPr marL="285750" indent="-285750">
+                <a:buFont typeface="Wingdings" panose="05000000000000000000" pitchFamily="2" charset="2"/>
+                <a:buChar char="§"/>
+              </a:pPr>
+              <a:r>
+                <a:rPr lang="en-US" sz="1215" dirty="0"/>
+                <a:t>Non-representative</a:t>
               </a:r>
             </a:p>
           </p:txBody>
@@ -7138,7 +7464,7 @@
 </p:sld>
 </file>
 
-<file path=ppt/slides/slide18.xml><?xml version="1.0" encoding="utf-8"?>
+<file path=ppt/slides/slide19.xml><?xml version="1.0" encoding="utf-8"?>
 <p:sld xmlns:a="http://schemas.openxmlformats.org/drawingml/2006/main" xmlns:r="http://schemas.openxmlformats.org/officeDocument/2006/relationships" xmlns:p="http://schemas.openxmlformats.org/presentationml/2006/main">
   <p:cSld>
     <p:spTree>
@@ -7501,144 +7827,6 @@
       </p:transition>
     </mc:Fallback>
   </mc:AlternateContent>
-</p:sld>
-</file>
-
-<file path=ppt/slides/slide19.xml><?xml version="1.0" encoding="utf-8"?>
-<p:sld xmlns:a="http://schemas.openxmlformats.org/drawingml/2006/main" xmlns:r="http://schemas.openxmlformats.org/officeDocument/2006/relationships" xmlns:p="http://schemas.openxmlformats.org/presentationml/2006/main">
-  <p:cSld>
-    <p:bg>
-      <p:bgPr>
-        <a:solidFill>
-          <a:schemeClr val="bg2">
-            <a:lumMod val="75000"/>
-          </a:schemeClr>
-        </a:solidFill>
-        <a:effectLst/>
-      </p:bgPr>
-    </p:bg>
-    <p:spTree>
-      <p:nvGrpSpPr>
-        <p:cNvPr id="1" name=""/>
-        <p:cNvGrpSpPr/>
-        <p:nvPr/>
-      </p:nvGrpSpPr>
-      <p:grpSpPr>
-        <a:xfrm>
-          <a:off x="0" y="0"/>
-          <a:ext cx="0" cy="0"/>
-          <a:chOff x="0" y="0"/>
-          <a:chExt cx="0" cy="0"/>
-        </a:xfrm>
-      </p:grpSpPr>
-      <p:sp>
-        <p:nvSpPr>
-          <p:cNvPr id="50" name="Shape 50"/>
-          <p:cNvSpPr/>
-          <p:nvPr/>
-        </p:nvSpPr>
-        <p:spPr>
-          <a:xfrm>
-            <a:off x="3250259" y="2152228"/>
-            <a:ext cx="5144700" cy="1883554"/>
-          </a:xfrm>
-          <a:prstGeom prst="rect">
-            <a:avLst/>
-          </a:prstGeom>
-          <a:ln w="12700">
-            <a:miter lim="400000"/>
-          </a:ln>
-          <a:extLst>
-            <a:ext uri="{C572A759-6A51-4108-AA02-DFA0A04FC94B}">
-              <ma14:wrappingTextBoxFlag xmlns:ma14="http://schemas.microsoft.com/office/mac/drawingml/2011/main" xmlns="" val="1"/>
-            </a:ext>
-          </a:extLst>
-        </p:spPr>
-        <p:txBody>
-          <a:bodyPr lIns="35719" tIns="35719" rIns="35719" bIns="35719" anchor="ctr">
-            <a:normAutofit fontScale="92500"/>
-          </a:bodyPr>
-          <a:lstStyle>
-            <a:lvl1pPr>
-              <a:defRPr sz="15200" cap="all" spc="1367">
-                <a:solidFill>
-                  <a:srgbClr val="FFFFFF"/>
-                </a:solidFill>
-                <a:latin typeface="Didot"/>
-                <a:ea typeface="Didot"/>
-                <a:cs typeface="Didot"/>
-                <a:sym typeface="Didot"/>
-              </a:defRPr>
-            </a:lvl1pPr>
-          </a:lstStyle>
-          <a:p>
-            <a:r>
-              <a:rPr lang="fr-CH" sz="7600" dirty="0"/>
-              <a:t>Appendix</a:t>
-            </a:r>
-            <a:endParaRPr sz="7600" dirty="0"/>
-          </a:p>
-        </p:txBody>
-      </p:sp>
-      <p:sp>
-        <p:nvSpPr>
-          <p:cNvPr id="51" name="Shape 51"/>
-          <p:cNvSpPr/>
-          <p:nvPr/>
-        </p:nvSpPr>
-        <p:spPr>
-          <a:xfrm>
-            <a:off x="4499999" y="3235341"/>
-            <a:ext cx="4441743" cy="1470432"/>
-          </a:xfrm>
-          <a:prstGeom prst="rect">
-            <a:avLst/>
-          </a:prstGeom>
-          <a:ln w="12700">
-            <a:miter lim="400000"/>
-          </a:ln>
-          <a:extLst>
-            <a:ext uri="{C572A759-6A51-4108-AA02-DFA0A04FC94B}">
-              <ma14:wrappingTextBoxFlag xmlns:ma14="http://schemas.microsoft.com/office/mac/drawingml/2011/main" xmlns="" val="1"/>
-            </a:ext>
-          </a:extLst>
-        </p:spPr>
-        <p:txBody>
-          <a:bodyPr lIns="35719" tIns="35719" rIns="35719" bIns="35719" anchor="ctr">
-            <a:normAutofit/>
-          </a:bodyPr>
-          <a:lstStyle>
-            <a:lvl1pPr>
-              <a:defRPr sz="8900">
-                <a:solidFill>
-                  <a:srgbClr val="FFFFFF"/>
-                </a:solidFill>
-                <a:latin typeface="Autumn Chant"/>
-                <a:ea typeface="Autumn Chant"/>
-                <a:cs typeface="Autumn Chant"/>
-                <a:sym typeface="Autumn Chant"/>
-              </a:defRPr>
-            </a:lvl1pPr>
-          </a:lstStyle>
-          <a:p>
-            <a:r>
-              <a:rPr lang="fr-CH" sz="4450" dirty="0" err="1"/>
-              <a:t>Additional</a:t>
-            </a:r>
-            <a:r>
-              <a:rPr lang="fr-CH" sz="4450" dirty="0"/>
-              <a:t> data</a:t>
-            </a:r>
-            <a:endParaRPr sz="4450" dirty="0"/>
-          </a:p>
-        </p:txBody>
-      </p:sp>
-    </p:spTree>
-  </p:cSld>
-  <p:clrMapOvr>
-    <a:masterClrMapping/>
-  </p:clrMapOvr>
-  <p:transition spd="med"/>
 </p:sld>
 </file>
 
@@ -8391,6 +8579,16 @@
 <file path=ppt/slides/slide20.xml><?xml version="1.0" encoding="utf-8"?>
 <p:sld xmlns:a="http://schemas.openxmlformats.org/drawingml/2006/main" xmlns:r="http://schemas.openxmlformats.org/officeDocument/2006/relationships" xmlns:p="http://schemas.openxmlformats.org/presentationml/2006/main">
   <p:cSld>
+    <p:bg>
+      <p:bgPr>
+        <a:solidFill>
+          <a:schemeClr val="bg2">
+            <a:lumMod val="75000"/>
+          </a:schemeClr>
+        </a:solidFill>
+        <a:effectLst/>
+      </p:bgPr>
+    </p:bg>
     <p:spTree>
       <p:nvGrpSpPr>
         <p:cNvPr id="1" name=""/>
@@ -8405,322 +8603,114 @@
           <a:chExt cx="0" cy="0"/>
         </a:xfrm>
       </p:grpSpPr>
-      <p:grpSp>
-        <p:nvGrpSpPr>
-          <p:cNvPr id="433" name="Group 433"/>
-          <p:cNvGrpSpPr/>
+      <p:sp>
+        <p:nvSpPr>
+          <p:cNvPr id="50" name="Shape 50"/>
+          <p:cNvSpPr/>
           <p:nvPr/>
-        </p:nvGrpSpPr>
-        <p:grpSpPr>
-          <a:xfrm>
-            <a:off x="457608" y="293359"/>
-            <a:ext cx="6076541" cy="878511"/>
-            <a:chOff x="-2" y="1693528"/>
-            <a:chExt cx="12153081" cy="1757022"/>
-          </a:xfrm>
-        </p:grpSpPr>
-        <p:sp>
-          <p:nvSpPr>
-            <p:cNvPr id="430" name="Shape 430"/>
-            <p:cNvSpPr/>
-            <p:nvPr/>
-          </p:nvSpPr>
-          <p:spPr>
-            <a:xfrm>
-              <a:off x="-2" y="1693528"/>
-              <a:ext cx="12153081" cy="1274452"/>
-            </a:xfrm>
-            <a:prstGeom prst="rect">
-              <a:avLst/>
-            </a:prstGeom>
-            <a:noFill/>
-            <a:ln w="12700" cap="flat">
-              <a:noFill/>
-              <a:miter lim="400000"/>
-            </a:ln>
-            <a:effectLst/>
-            <a:extLst>
-              <a:ext uri="{C572A759-6A51-4108-AA02-DFA0A04FC94B}">
-                <ma14:wrappingTextBoxFlag xmlns:ma14="http://schemas.microsoft.com/office/mac/drawingml/2011/main" xmlns="" val="1"/>
-              </a:ext>
-            </a:extLst>
-          </p:spPr>
-          <p:txBody>
-            <a:bodyPr wrap="square" lIns="0" tIns="0" rIns="0" bIns="0" numCol="1" anchor="b">
-              <a:spAutoFit/>
-            </a:bodyPr>
-            <a:lstStyle/>
-            <a:p>
-              <a:pPr>
-                <a:lnSpc>
-                  <a:spcPct val="80000"/>
-                </a:lnSpc>
-                <a:defRPr sz="10100" b="1">
-                  <a:latin typeface="Didot"/>
-                  <a:ea typeface="Didot"/>
-                  <a:cs typeface="Didot"/>
-                  <a:sym typeface="Didot"/>
-                </a:defRPr>
-              </a:pPr>
-              <a:r>
-                <a:rPr lang="fr-CH" sz="5050" dirty="0"/>
-                <a:t>Donal Trump</a:t>
-              </a:r>
-              <a:endParaRPr sz="5050" dirty="0"/>
-            </a:p>
-          </p:txBody>
-        </p:sp>
-        <p:sp>
-          <p:nvSpPr>
-            <p:cNvPr id="431" name="Shape 431"/>
-            <p:cNvSpPr/>
-            <p:nvPr/>
-          </p:nvSpPr>
-          <p:spPr>
-            <a:xfrm>
-              <a:off x="-2" y="2967980"/>
-              <a:ext cx="4510210" cy="482570"/>
-            </a:xfrm>
-            <a:prstGeom prst="rect">
-              <a:avLst/>
-            </a:prstGeom>
-            <a:noFill/>
-            <a:ln w="12700" cap="flat">
-              <a:noFill/>
-              <a:miter lim="400000"/>
-            </a:ln>
-            <a:effectLst/>
-            <a:extLst>
-              <a:ext uri="{C572A759-6A51-4108-AA02-DFA0A04FC94B}">
-                <ma14:wrappingTextBoxFlag xmlns:ma14="http://schemas.microsoft.com/office/mac/drawingml/2011/main" xmlns="" val="1"/>
-              </a:ext>
-            </a:extLst>
-          </p:spPr>
-          <p:txBody>
-            <a:bodyPr wrap="none" lIns="0" tIns="0" rIns="0" bIns="0" numCol="1" anchor="ctr">
-              <a:spAutoFit/>
-            </a:bodyPr>
-            <a:lstStyle/>
-            <a:p>
-              <a:pPr>
-                <a:lnSpc>
-                  <a:spcPct val="120000"/>
-                </a:lnSpc>
-                <a:defRPr sz="2400" spc="647"/>
-              </a:pPr>
-              <a:r>
-                <a:rPr lang="fr-CH" sz="1400" spc="300" dirty="0" err="1"/>
-                <a:t>Wordclouds</a:t>
-              </a:r>
-              <a:r>
-                <a:rPr lang="fr-CH" sz="1400" spc="300" dirty="0"/>
-                <a:t> &amp; Topics</a:t>
-              </a:r>
-              <a:endParaRPr sz="1400" spc="300" dirty="0"/>
-            </a:p>
-          </p:txBody>
-        </p:sp>
-      </p:grpSp>
-      <p:pic>
-        <p:nvPicPr>
-          <p:cNvPr id="7" name="Image 6">
-            <a:extLst>
-              <a:ext uri="{FF2B5EF4-FFF2-40B4-BE49-F238E27FC236}">
-                <a16:creationId xmlns:a16="http://schemas.microsoft.com/office/drawing/2014/main" id="{10C8246A-582D-4075-9861-F2535ECF1CFA}"/>
-              </a:ext>
-            </a:extLst>
-          </p:cNvPr>
-          <p:cNvPicPr>
-            <a:picLocks noChangeAspect="1"/>
-          </p:cNvPicPr>
-          <p:nvPr/>
-        </p:nvPicPr>
-        <p:blipFill>
-          <a:blip r:embed="rId2">
-            <a:extLst>
-              <a:ext uri="{28A0092B-C50C-407E-A947-70E740481C1C}">
-                <a14:useLocalDpi xmlns:a14="http://schemas.microsoft.com/office/drawing/2010/main" val="0"/>
-              </a:ext>
-            </a:extLst>
-          </a:blip>
-          <a:stretch>
-            <a:fillRect/>
-          </a:stretch>
-        </p:blipFill>
+        </p:nvSpPr>
         <p:spPr>
           <a:xfrm>
-            <a:off x="10635101" y="116166"/>
-            <a:ext cx="1380897" cy="301035"/>
+            <a:off x="3250259" y="2152228"/>
+            <a:ext cx="5144700" cy="1883554"/>
           </a:xfrm>
           <a:prstGeom prst="rect">
             <a:avLst/>
           </a:prstGeom>
+          <a:ln w="12700">
+            <a:miter lim="400000"/>
+          </a:ln>
+          <a:extLst>
+            <a:ext uri="{C572A759-6A51-4108-AA02-DFA0A04FC94B}">
+              <ma14:wrappingTextBoxFlag xmlns:ma14="http://schemas.microsoft.com/office/mac/drawingml/2011/main" xmlns="" val="1"/>
+            </a:ext>
+          </a:extLst>
         </p:spPr>
-      </p:pic>
-      <p:pic>
-        <p:nvPicPr>
-          <p:cNvPr id="3" name="Image 2" descr="Une image contenant capture d’écran&#10;&#10;Description générée automatiquement">
-            <a:extLst>
-              <a:ext uri="{FF2B5EF4-FFF2-40B4-BE49-F238E27FC236}">
-                <a16:creationId xmlns:a16="http://schemas.microsoft.com/office/drawing/2014/main" id="{DD1B550A-A702-4F49-B843-D0EFA23C0953}"/>
-              </a:ext>
-            </a:extLst>
-          </p:cNvPr>
-          <p:cNvPicPr>
-            <a:picLocks noChangeAspect="1"/>
-          </p:cNvPicPr>
+        <p:txBody>
+          <a:bodyPr lIns="35719" tIns="35719" rIns="35719" bIns="35719" anchor="ctr">
+            <a:normAutofit fontScale="92500"/>
+          </a:bodyPr>
+          <a:lstStyle>
+            <a:lvl1pPr>
+              <a:defRPr sz="15200" cap="all" spc="1367">
+                <a:solidFill>
+                  <a:srgbClr val="FFFFFF"/>
+                </a:solidFill>
+                <a:latin typeface="Didot"/>
+                <a:ea typeface="Didot"/>
+                <a:cs typeface="Didot"/>
+                <a:sym typeface="Didot"/>
+              </a:defRPr>
+            </a:lvl1pPr>
+          </a:lstStyle>
+          <a:p>
+            <a:r>
+              <a:rPr lang="fr-CH" sz="7600" dirty="0"/>
+              <a:t>Appendix</a:t>
+            </a:r>
+            <a:endParaRPr sz="7600" dirty="0"/>
+          </a:p>
+        </p:txBody>
+      </p:sp>
+      <p:sp>
+        <p:nvSpPr>
+          <p:cNvPr id="51" name="Shape 51"/>
+          <p:cNvSpPr/>
           <p:nvPr/>
-        </p:nvPicPr>
-        <p:blipFill rotWithShape="1">
-          <a:blip r:embed="rId3">
-            <a:extLst>
-              <a:ext uri="{28A0092B-C50C-407E-A947-70E740481C1C}">
-                <a14:useLocalDpi xmlns:a14="http://schemas.microsoft.com/office/drawing/2010/main" val="0"/>
-              </a:ext>
-            </a:extLst>
-          </a:blip>
-          <a:srcRect l="34531" r="33359"/>
-          <a:stretch/>
-        </p:blipFill>
+        </p:nvSpPr>
         <p:spPr>
           <a:xfrm>
-            <a:off x="8905875" y="3733923"/>
-            <a:ext cx="2933700" cy="2923707"/>
+            <a:off x="4499999" y="3235341"/>
+            <a:ext cx="4441743" cy="1470432"/>
           </a:xfrm>
           <a:prstGeom prst="rect">
             <a:avLst/>
           </a:prstGeom>
+          <a:ln w="12700">
+            <a:miter lim="400000"/>
+          </a:ln>
+          <a:extLst>
+            <a:ext uri="{C572A759-6A51-4108-AA02-DFA0A04FC94B}">
+              <ma14:wrappingTextBoxFlag xmlns:ma14="http://schemas.microsoft.com/office/mac/drawingml/2011/main" xmlns="" val="1"/>
+            </a:ext>
+          </a:extLst>
         </p:spPr>
-      </p:pic>
-      <p:pic>
-        <p:nvPicPr>
-          <p:cNvPr id="5" name="Image 4" descr="Une image contenant bateau, capture d’écran, photo, différent&#10;&#10;Description générée automatiquement">
-            <a:extLst>
-              <a:ext uri="{FF2B5EF4-FFF2-40B4-BE49-F238E27FC236}">
-                <a16:creationId xmlns:a16="http://schemas.microsoft.com/office/drawing/2014/main" id="{7E611FB5-05CE-4822-899F-9F0E3BE74B4D}"/>
-              </a:ext>
-            </a:extLst>
-          </p:cNvPr>
-          <p:cNvPicPr>
-            <a:picLocks noChangeAspect="1"/>
-          </p:cNvPicPr>
-          <p:nvPr/>
-        </p:nvPicPr>
-        <p:blipFill>
-          <a:blip r:embed="rId4">
-            <a:extLst>
-              <a:ext uri="{28A0092B-C50C-407E-A947-70E740481C1C}">
-                <a14:useLocalDpi xmlns:a14="http://schemas.microsoft.com/office/drawing/2010/main" val="0"/>
-              </a:ext>
-            </a:extLst>
-          </a:blip>
-          <a:stretch>
-            <a:fillRect/>
-          </a:stretch>
-        </p:blipFill>
-        <p:spPr>
-          <a:xfrm>
-            <a:off x="150000" y="1710885"/>
-            <a:ext cx="6165075" cy="1972824"/>
-          </a:xfrm>
-          <a:prstGeom prst="rect">
-            <a:avLst/>
-          </a:prstGeom>
-        </p:spPr>
-      </p:pic>
-      <p:pic>
-        <p:nvPicPr>
-          <p:cNvPr id="9" name="Image 8">
-            <a:extLst>
-              <a:ext uri="{FF2B5EF4-FFF2-40B4-BE49-F238E27FC236}">
-                <a16:creationId xmlns:a16="http://schemas.microsoft.com/office/drawing/2014/main" id="{DBD4A2ED-5850-407A-8698-8B838A20DEC9}"/>
-              </a:ext>
-            </a:extLst>
-          </p:cNvPr>
-          <p:cNvPicPr>
-            <a:picLocks noChangeAspect="1"/>
-          </p:cNvPicPr>
-          <p:nvPr/>
-        </p:nvPicPr>
-        <p:blipFill>
-          <a:blip r:embed="rId5">
-            <a:extLst>
-              <a:ext uri="{28A0092B-C50C-407E-A947-70E740481C1C}">
-                <a14:useLocalDpi xmlns:a14="http://schemas.microsoft.com/office/drawing/2010/main" val="0"/>
-              </a:ext>
-            </a:extLst>
-          </a:blip>
-          <a:stretch>
-            <a:fillRect/>
-          </a:stretch>
-        </p:blipFill>
-        <p:spPr>
-          <a:xfrm>
-            <a:off x="352425" y="3950194"/>
-            <a:ext cx="7993800" cy="2558016"/>
-          </a:xfrm>
-          <a:prstGeom prst="rect">
-            <a:avLst/>
-          </a:prstGeom>
-        </p:spPr>
-      </p:pic>
-      <p:pic>
-        <p:nvPicPr>
-          <p:cNvPr id="11" name="Image 10" descr="Une image contenant capture d’écran&#10;&#10;Description générée automatiquement">
-            <a:extLst>
-              <a:ext uri="{FF2B5EF4-FFF2-40B4-BE49-F238E27FC236}">
-                <a16:creationId xmlns:a16="http://schemas.microsoft.com/office/drawing/2014/main" id="{DA8BB05D-CC56-4D61-90C6-520664B13994}"/>
-              </a:ext>
-            </a:extLst>
-          </p:cNvPr>
-          <p:cNvPicPr>
-            <a:picLocks noChangeAspect="1"/>
-          </p:cNvPicPr>
-          <p:nvPr/>
-        </p:nvPicPr>
-        <p:blipFill rotWithShape="1">
-          <a:blip r:embed="rId6">
-            <a:extLst>
-              <a:ext uri="{28A0092B-C50C-407E-A947-70E740481C1C}">
-                <a14:useLocalDpi xmlns:a14="http://schemas.microsoft.com/office/drawing/2010/main" val="0"/>
-              </a:ext>
-            </a:extLst>
-          </a:blip>
-          <a:srcRect l="37481" r="37832"/>
-          <a:stretch/>
-        </p:blipFill>
-        <p:spPr>
-          <a:xfrm>
-            <a:off x="6737465" y="309066"/>
-            <a:ext cx="2725649" cy="3532993"/>
-          </a:xfrm>
-          <a:prstGeom prst="rect">
-            <a:avLst/>
-          </a:prstGeom>
-        </p:spPr>
-      </p:pic>
+        <p:txBody>
+          <a:bodyPr lIns="35719" tIns="35719" rIns="35719" bIns="35719" anchor="ctr">
+            <a:normAutofit/>
+          </a:bodyPr>
+          <a:lstStyle>
+            <a:lvl1pPr>
+              <a:defRPr sz="8900">
+                <a:solidFill>
+                  <a:srgbClr val="FFFFFF"/>
+                </a:solidFill>
+                <a:latin typeface="Autumn Chant"/>
+                <a:ea typeface="Autumn Chant"/>
+                <a:cs typeface="Autumn Chant"/>
+                <a:sym typeface="Autumn Chant"/>
+              </a:defRPr>
+            </a:lvl1pPr>
+          </a:lstStyle>
+          <a:p>
+            <a:r>
+              <a:rPr lang="fr-CH" sz="4450" dirty="0" err="1"/>
+              <a:t>Additional</a:t>
+            </a:r>
+            <a:r>
+              <a:rPr lang="fr-CH" sz="4450" dirty="0"/>
+              <a:t> data</a:t>
+            </a:r>
+            <a:endParaRPr sz="4450" dirty="0"/>
+          </a:p>
+        </p:txBody>
+      </p:sp>
     </p:spTree>
-    <p:extLst>
-      <p:ext uri="{BB962C8B-B14F-4D97-AF65-F5344CB8AC3E}">
-        <p14:creationId xmlns:p14="http://schemas.microsoft.com/office/powerpoint/2010/main" val="4247085195"/>
-      </p:ext>
-    </p:extLst>
   </p:cSld>
   <p:clrMapOvr>
     <a:masterClrMapping/>
   </p:clrMapOvr>
-  <mc:AlternateContent xmlns:mc="http://schemas.openxmlformats.org/markup-compatibility/2006" xmlns:p14="http://schemas.microsoft.com/office/powerpoint/2010/main">
-    <mc:Choice Requires="p14">
-      <p:transition spd="slow" p14:dur="1700">
-        <p14:prism dir="r" isContent="1"/>
-      </p:transition>
-    </mc:Choice>
-    <mc:Fallback xmlns="">
-      <p:transition spd="slow">
-        <p:fade/>
-      </p:transition>
-    </mc:Fallback>
-  </mc:AlternateContent>
+  <p:transition spd="med"/>
 </p:sld>
 </file>
 
@@ -8800,11 +8790,7 @@
               </a:pPr>
               <a:r>
                 <a:rPr lang="fr-CH" sz="5050" dirty="0"/>
-                <a:t>Ellen </a:t>
-              </a:r>
-              <a:r>
-                <a:rPr lang="fr-CH" sz="5050" dirty="0" err="1"/>
-                <a:t>DeGeneres</a:t>
+                <a:t>Donal Trump</a:t>
               </a:r>
               <a:endParaRPr sz="5050" dirty="0"/>
             </a:p>
@@ -8899,10 +8885,10 @@
       </p:pic>
       <p:pic>
         <p:nvPicPr>
-          <p:cNvPr id="9" name="Image 8">
+          <p:cNvPr id="3" name="Image 2" descr="Une image contenant capture d’écran&#10;&#10;Description générée automatiquement">
             <a:extLst>
               <a:ext uri="{FF2B5EF4-FFF2-40B4-BE49-F238E27FC236}">
-                <a16:creationId xmlns:a16="http://schemas.microsoft.com/office/drawing/2014/main" id="{BD65ACF3-DC4C-4BDF-835D-24297016DA17}"/>
+                <a16:creationId xmlns:a16="http://schemas.microsoft.com/office/drawing/2014/main" id="{DD1B550A-A702-4F49-B843-D0EFA23C0953}"/>
               </a:ext>
             </a:extLst>
           </p:cNvPr>
@@ -8919,13 +8905,120 @@
               </a:ext>
             </a:extLst>
           </a:blip>
-          <a:srcRect l="39531" r="38125"/>
+          <a:srcRect l="34531" r="33359"/>
           <a:stretch/>
         </p:blipFill>
         <p:spPr>
           <a:xfrm>
-            <a:off x="457608" y="2073600"/>
-            <a:ext cx="2724150" cy="3901440"/>
+            <a:off x="8905875" y="3733923"/>
+            <a:ext cx="2933700" cy="2923707"/>
+          </a:xfrm>
+          <a:prstGeom prst="rect">
+            <a:avLst/>
+          </a:prstGeom>
+        </p:spPr>
+      </p:pic>
+      <p:pic>
+        <p:nvPicPr>
+          <p:cNvPr id="5" name="Image 4" descr="Une image contenant bateau, capture d’écran, photo, différent&#10;&#10;Description générée automatiquement">
+            <a:extLst>
+              <a:ext uri="{FF2B5EF4-FFF2-40B4-BE49-F238E27FC236}">
+                <a16:creationId xmlns:a16="http://schemas.microsoft.com/office/drawing/2014/main" id="{7E611FB5-05CE-4822-899F-9F0E3BE74B4D}"/>
+              </a:ext>
+            </a:extLst>
+          </p:cNvPr>
+          <p:cNvPicPr>
+            <a:picLocks noChangeAspect="1"/>
+          </p:cNvPicPr>
+          <p:nvPr/>
+        </p:nvPicPr>
+        <p:blipFill>
+          <a:blip r:embed="rId4">
+            <a:extLst>
+              <a:ext uri="{28A0092B-C50C-407E-A947-70E740481C1C}">
+                <a14:useLocalDpi xmlns:a14="http://schemas.microsoft.com/office/drawing/2010/main" val="0"/>
+              </a:ext>
+            </a:extLst>
+          </a:blip>
+          <a:stretch>
+            <a:fillRect/>
+          </a:stretch>
+        </p:blipFill>
+        <p:spPr>
+          <a:xfrm>
+            <a:off x="150000" y="1710885"/>
+            <a:ext cx="6165075" cy="1972824"/>
+          </a:xfrm>
+          <a:prstGeom prst="rect">
+            <a:avLst/>
+          </a:prstGeom>
+        </p:spPr>
+      </p:pic>
+      <p:pic>
+        <p:nvPicPr>
+          <p:cNvPr id="9" name="Image 8">
+            <a:extLst>
+              <a:ext uri="{FF2B5EF4-FFF2-40B4-BE49-F238E27FC236}">
+                <a16:creationId xmlns:a16="http://schemas.microsoft.com/office/drawing/2014/main" id="{DBD4A2ED-5850-407A-8698-8B838A20DEC9}"/>
+              </a:ext>
+            </a:extLst>
+          </p:cNvPr>
+          <p:cNvPicPr>
+            <a:picLocks noChangeAspect="1"/>
+          </p:cNvPicPr>
+          <p:nvPr/>
+        </p:nvPicPr>
+        <p:blipFill>
+          <a:blip r:embed="rId5">
+            <a:extLst>
+              <a:ext uri="{28A0092B-C50C-407E-A947-70E740481C1C}">
+                <a14:useLocalDpi xmlns:a14="http://schemas.microsoft.com/office/drawing/2010/main" val="0"/>
+              </a:ext>
+            </a:extLst>
+          </a:blip>
+          <a:stretch>
+            <a:fillRect/>
+          </a:stretch>
+        </p:blipFill>
+        <p:spPr>
+          <a:xfrm>
+            <a:off x="352425" y="3857625"/>
+            <a:ext cx="8283078" cy="2650585"/>
+          </a:xfrm>
+          <a:prstGeom prst="rect">
+            <a:avLst/>
+          </a:prstGeom>
+        </p:spPr>
+      </p:pic>
+      <p:pic>
+        <p:nvPicPr>
+          <p:cNvPr id="4" name="Image 3">
+            <a:extLst>
+              <a:ext uri="{FF2B5EF4-FFF2-40B4-BE49-F238E27FC236}">
+                <a16:creationId xmlns:a16="http://schemas.microsoft.com/office/drawing/2014/main" id="{6ADEAA79-AD96-4342-8C1A-7540C2BAB15C}"/>
+              </a:ext>
+            </a:extLst>
+          </p:cNvPr>
+          <p:cNvPicPr>
+            <a:picLocks noChangeAspect="1"/>
+          </p:cNvPicPr>
+          <p:nvPr/>
+        </p:nvPicPr>
+        <p:blipFill rotWithShape="1">
+          <a:blip r:embed="rId6">
+            <a:extLst>
+              <a:ext uri="{28A0092B-C50C-407E-A947-70E740481C1C}">
+                <a14:useLocalDpi xmlns:a14="http://schemas.microsoft.com/office/drawing/2010/main" val="0"/>
+              </a:ext>
+            </a:extLst>
+          </a:blip>
+          <a:srcRect l="35527" r="35335"/>
+          <a:stretch/>
+        </p:blipFill>
+        <p:spPr>
+          <a:xfrm>
+            <a:off x="6534149" y="471135"/>
+            <a:ext cx="2693251" cy="2957865"/>
           </a:xfrm>
           <a:prstGeom prst="rect">
             <a:avLst/>
@@ -8935,7 +9028,7 @@
     </p:spTree>
     <p:extLst>
       <p:ext uri="{BB962C8B-B14F-4D97-AF65-F5344CB8AC3E}">
-        <p14:creationId xmlns:p14="http://schemas.microsoft.com/office/powerpoint/2010/main" val="4091344023"/>
+        <p14:creationId xmlns:p14="http://schemas.microsoft.com/office/powerpoint/2010/main" val="4247085195"/>
       </p:ext>
     </p:extLst>
   </p:cSld>
@@ -9032,20 +9125,12 @@
                 </a:defRPr>
               </a:pPr>
               <a:r>
+                <a:rPr lang="fr-CH" sz="5050" dirty="0" err="1"/>
+                <a:t>Oprah</a:t>
+              </a:r>
+              <a:r>
                 <a:rPr lang="fr-CH" sz="5050" dirty="0"/>
-                <a:t>USA </a:t>
-              </a:r>
-              <a:r>
-                <a:rPr lang="fr-CH" sz="5050" dirty="0" err="1"/>
-                <a:t>Today</a:t>
-              </a:r>
-              <a:r>
-                <a:rPr lang="fr-CH" sz="5050" dirty="0"/>
-                <a:t> </a:t>
-              </a:r>
-              <a:r>
-                <a:rPr lang="fr-CH" sz="5050" dirty="0" err="1"/>
-                <a:t>Health</a:t>
+                <a:t> Winfrey</a:t>
               </a:r>
               <a:endParaRPr sz="5050" dirty="0"/>
             </a:p>
@@ -9140,10 +9225,10 @@
       </p:pic>
       <p:pic>
         <p:nvPicPr>
-          <p:cNvPr id="8" name="Image 7">
+          <p:cNvPr id="4" name="Image 3" descr="Une image contenant capture d’écran&#10;&#10;Description générée automatiquement">
             <a:extLst>
               <a:ext uri="{FF2B5EF4-FFF2-40B4-BE49-F238E27FC236}">
-                <a16:creationId xmlns:a16="http://schemas.microsoft.com/office/drawing/2014/main" id="{CC71F026-F59C-4B00-B772-EA5B6773B24C}"/>
+                <a16:creationId xmlns:a16="http://schemas.microsoft.com/office/drawing/2014/main" id="{6A8C48F1-8883-474E-B420-7308A6556FDB}"/>
               </a:ext>
             </a:extLst>
           </p:cNvPr>
@@ -9160,13 +9245,120 @@
               </a:ext>
             </a:extLst>
           </a:blip>
-          <a:srcRect l="42813" r="40547"/>
+          <a:srcRect l="36250" r="34687"/>
           <a:stretch/>
         </p:blipFill>
         <p:spPr>
           <a:xfrm>
-            <a:off x="683888" y="2025975"/>
-            <a:ext cx="2028825" cy="3901440"/>
+            <a:off x="8231244" y="2663201"/>
+            <a:ext cx="3543300" cy="3901440"/>
+          </a:xfrm>
+          <a:prstGeom prst="rect">
+            <a:avLst/>
+          </a:prstGeom>
+        </p:spPr>
+      </p:pic>
+      <p:pic>
+        <p:nvPicPr>
+          <p:cNvPr id="9" name="Image 8" descr="Une image contenant bateau, assis, photo, différent&#10;&#10;Description générée automatiquement">
+            <a:extLst>
+              <a:ext uri="{FF2B5EF4-FFF2-40B4-BE49-F238E27FC236}">
+                <a16:creationId xmlns:a16="http://schemas.microsoft.com/office/drawing/2014/main" id="{6EC30E84-8FB8-43E1-9D56-8490867DEFD0}"/>
+              </a:ext>
+            </a:extLst>
+          </p:cNvPr>
+          <p:cNvPicPr>
+            <a:picLocks noChangeAspect="1"/>
+          </p:cNvPicPr>
+          <p:nvPr/>
+        </p:nvPicPr>
+        <p:blipFill>
+          <a:blip r:embed="rId4">
+            <a:extLst>
+              <a:ext uri="{28A0092B-C50C-407E-A947-70E740481C1C}">
+                <a14:useLocalDpi xmlns:a14="http://schemas.microsoft.com/office/drawing/2010/main" val="0"/>
+              </a:ext>
+            </a:extLst>
+          </a:blip>
+          <a:stretch>
+            <a:fillRect/>
+          </a:stretch>
+        </p:blipFill>
+        <p:spPr>
+          <a:xfrm>
+            <a:off x="201225" y="1607064"/>
+            <a:ext cx="5693550" cy="1821936"/>
+          </a:xfrm>
+          <a:prstGeom prst="rect">
+            <a:avLst/>
+          </a:prstGeom>
+        </p:spPr>
+      </p:pic>
+      <p:pic>
+        <p:nvPicPr>
+          <p:cNvPr id="14" name="Image 13" descr="Une image contenant capture d’écran&#10;&#10;Description générée automatiquement">
+            <a:extLst>
+              <a:ext uri="{FF2B5EF4-FFF2-40B4-BE49-F238E27FC236}">
+                <a16:creationId xmlns:a16="http://schemas.microsoft.com/office/drawing/2014/main" id="{A163D179-04F1-4B71-8E3E-0A3EF09F2063}"/>
+              </a:ext>
+            </a:extLst>
+          </p:cNvPr>
+          <p:cNvPicPr>
+            <a:picLocks noChangeAspect="1"/>
+          </p:cNvPicPr>
+          <p:nvPr/>
+        </p:nvPicPr>
+        <p:blipFill rotWithShape="1">
+          <a:blip r:embed="rId5">
+            <a:extLst>
+              <a:ext uri="{28A0092B-C50C-407E-A947-70E740481C1C}">
+                <a14:useLocalDpi xmlns:a14="http://schemas.microsoft.com/office/drawing/2010/main" val="0"/>
+              </a:ext>
+            </a:extLst>
+          </a:blip>
+          <a:srcRect l="39356" r="38847"/>
+          <a:stretch/>
+        </p:blipFill>
+        <p:spPr>
+          <a:xfrm>
+            <a:off x="6095999" y="293359"/>
+            <a:ext cx="2428875" cy="3565832"/>
+          </a:xfrm>
+          <a:prstGeom prst="rect">
+            <a:avLst/>
+          </a:prstGeom>
+        </p:spPr>
+      </p:pic>
+      <p:pic>
+        <p:nvPicPr>
+          <p:cNvPr id="16" name="Image 15" descr="Une image contenant capture d’écran&#10;&#10;Description générée automatiquement">
+            <a:extLst>
+              <a:ext uri="{FF2B5EF4-FFF2-40B4-BE49-F238E27FC236}">
+                <a16:creationId xmlns:a16="http://schemas.microsoft.com/office/drawing/2014/main" id="{AEB85DD6-B467-400C-87E4-9BB6BB4C7B3D}"/>
+              </a:ext>
+            </a:extLst>
+          </p:cNvPr>
+          <p:cNvPicPr>
+            <a:picLocks noChangeAspect="1"/>
+          </p:cNvPicPr>
+          <p:nvPr/>
+        </p:nvPicPr>
+        <p:blipFill>
+          <a:blip r:embed="rId6">
+            <a:extLst>
+              <a:ext uri="{28A0092B-C50C-407E-A947-70E740481C1C}">
+                <a14:useLocalDpi xmlns:a14="http://schemas.microsoft.com/office/drawing/2010/main" val="0"/>
+              </a:ext>
+            </a:extLst>
+          </a:blip>
+          <a:stretch>
+            <a:fillRect/>
+          </a:stretch>
+        </p:blipFill>
+        <p:spPr>
+          <a:xfrm>
+            <a:off x="201225" y="4010024"/>
+            <a:ext cx="8198378" cy="2623481"/>
           </a:xfrm>
           <a:prstGeom prst="rect">
             <a:avLst/>
@@ -9176,7 +9368,7 @@
     </p:spTree>
     <p:extLst>
       <p:ext uri="{BB962C8B-B14F-4D97-AF65-F5344CB8AC3E}">
-        <p14:creationId xmlns:p14="http://schemas.microsoft.com/office/powerpoint/2010/main" val="1842959994"/>
+        <p14:creationId xmlns:p14="http://schemas.microsoft.com/office/powerpoint/2010/main" val="1261557669"/>
       </p:ext>
     </p:extLst>
   </p:cSld>
@@ -9274,7 +9466,19 @@
               </a:pPr>
               <a:r>
                 <a:rPr lang="fr-CH" sz="5050" dirty="0"/>
-                <a:t>Boris Johnson</a:t>
+                <a:t>USA </a:t>
+              </a:r>
+              <a:r>
+                <a:rPr lang="fr-CH" sz="5050" dirty="0" err="1"/>
+                <a:t>Today</a:t>
+              </a:r>
+              <a:r>
+                <a:rPr lang="fr-CH" sz="5050" dirty="0"/>
+                <a:t> </a:t>
+              </a:r>
+              <a:r>
+                <a:rPr lang="fr-CH" sz="5050" dirty="0" err="1"/>
+                <a:t>Health</a:t>
               </a:r>
               <a:endParaRPr sz="5050" dirty="0"/>
             </a:p>
@@ -9289,7 +9493,7 @@
           <p:spPr>
             <a:xfrm>
               <a:off x="-2" y="2967980"/>
-              <a:ext cx="4292200" cy="482570"/>
+              <a:ext cx="4510210" cy="482570"/>
             </a:xfrm>
             <a:prstGeom prst="rect">
               <a:avLst/>
@@ -9320,7 +9524,7 @@
               </a:pPr>
               <a:r>
                 <a:rPr lang="fr-CH" sz="1400" spc="300" dirty="0" err="1"/>
-                <a:t>Wordcloud</a:t>
+                <a:t>Wordclouds</a:t>
               </a:r>
               <a:r>
                 <a:rPr lang="fr-CH" sz="1400" spc="300" dirty="0"/>
@@ -9333,41 +9537,6 @@
       </p:grpSp>
       <p:pic>
         <p:nvPicPr>
-          <p:cNvPr id="12" name="Image 11">
-            <a:extLst>
-              <a:ext uri="{FF2B5EF4-FFF2-40B4-BE49-F238E27FC236}">
-                <a16:creationId xmlns:a16="http://schemas.microsoft.com/office/drawing/2014/main" id="{24392170-7254-4AC5-AAAA-49341283A230}"/>
-              </a:ext>
-            </a:extLst>
-          </p:cNvPr>
-          <p:cNvPicPr>
-            <a:picLocks noChangeAspect="1"/>
-          </p:cNvPicPr>
-          <p:nvPr/>
-        </p:nvPicPr>
-        <p:blipFill rotWithShape="1">
-          <a:blip r:embed="rId2">
-            <a:extLst>
-              <a:ext uri="{28A0092B-C50C-407E-A947-70E740481C1C}">
-                <a14:useLocalDpi xmlns:a14="http://schemas.microsoft.com/office/drawing/2010/main" val="0"/>
-              </a:ext>
-            </a:extLst>
-          </a:blip>
-          <a:srcRect l="38965" r="35175"/>
-          <a:stretch/>
-        </p:blipFill>
-        <p:spPr>
-          <a:xfrm>
-            <a:off x="6118365" y="120702"/>
-            <a:ext cx="3152775" cy="3901440"/>
-          </a:xfrm>
-          <a:prstGeom prst="rect">
-            <a:avLst/>
-          </a:prstGeom>
-        </p:spPr>
-      </p:pic>
-      <p:pic>
-        <p:nvPicPr>
           <p:cNvPr id="7" name="Image 6">
             <a:extLst>
               <a:ext uri="{FF2B5EF4-FFF2-40B4-BE49-F238E27FC236}">
@@ -9381,7 +9550,7 @@
           <p:nvPr/>
         </p:nvPicPr>
         <p:blipFill>
-          <a:blip r:embed="rId3">
+          <a:blip r:embed="rId2">
             <a:extLst>
               <a:ext uri="{28A0092B-C50C-407E-A947-70E740481C1C}">
                 <a14:useLocalDpi xmlns:a14="http://schemas.microsoft.com/office/drawing/2010/main" val="0"/>
@@ -9404,10 +9573,46 @@
       </p:pic>
       <p:pic>
         <p:nvPicPr>
-          <p:cNvPr id="4" name="Image 3">
+          <p:cNvPr id="5" name="Image 4" descr="Une image contenant bateau, assis, photo, différent&#10;&#10;Description générée automatiquement">
             <a:extLst>
               <a:ext uri="{FF2B5EF4-FFF2-40B4-BE49-F238E27FC236}">
-                <a16:creationId xmlns:a16="http://schemas.microsoft.com/office/drawing/2014/main" id="{5C6395AC-6D79-4F74-96AD-154FA1F0449F}"/>
+                <a16:creationId xmlns:a16="http://schemas.microsoft.com/office/drawing/2014/main" id="{D5544E01-350D-40E1-862D-80F2FAD13261}"/>
+              </a:ext>
+            </a:extLst>
+          </p:cNvPr>
+          <p:cNvPicPr>
+            <a:picLocks noChangeAspect="1"/>
+          </p:cNvPicPr>
+          <p:nvPr/>
+        </p:nvPicPr>
+        <p:blipFill>
+          <a:blip r:embed="rId3">
+            <a:extLst>
+              <a:ext uri="{28A0092B-C50C-407E-A947-70E740481C1C}">
+                <a14:useLocalDpi xmlns:a14="http://schemas.microsoft.com/office/drawing/2010/main" val="0"/>
+              </a:ext>
+            </a:extLst>
+          </a:blip>
+          <a:stretch>
+            <a:fillRect/>
+          </a:stretch>
+        </p:blipFill>
+        <p:spPr>
+          <a:xfrm>
+            <a:off x="150000" y="1628280"/>
+            <a:ext cx="6727050" cy="2152656"/>
+          </a:xfrm>
+          <a:prstGeom prst="rect">
+            <a:avLst/>
+          </a:prstGeom>
+        </p:spPr>
+      </p:pic>
+      <p:pic>
+        <p:nvPicPr>
+          <p:cNvPr id="11" name="Image 10">
+            <a:extLst>
+              <a:ext uri="{FF2B5EF4-FFF2-40B4-BE49-F238E27FC236}">
+                <a16:creationId xmlns:a16="http://schemas.microsoft.com/office/drawing/2014/main" id="{F2585BD8-FA84-4515-BF31-0D566197044C}"/>
               </a:ext>
             </a:extLst>
           </p:cNvPr>
@@ -9424,13 +9629,13 @@
               </a:ext>
             </a:extLst>
           </a:blip>
-          <a:srcRect l="36003" r="34905"/>
+          <a:srcRect l="39356" r="39472"/>
           <a:stretch/>
         </p:blipFill>
         <p:spPr>
           <a:xfrm>
-            <a:off x="8238629" y="2956560"/>
-            <a:ext cx="3546902" cy="3901440"/>
+            <a:off x="7136346" y="171639"/>
+            <a:ext cx="2255104" cy="3408453"/>
           </a:xfrm>
           <a:prstGeom prst="rect">
             <a:avLst/>
@@ -9439,10 +9644,10 @@
       </p:pic>
       <p:pic>
         <p:nvPicPr>
-          <p:cNvPr id="8" name="Image 7" descr="Une image contenant capture d’écran, bateau&#10;&#10;Description générée automatiquement">
+          <p:cNvPr id="13" name="Image 12" descr="Une image contenant fleur&#10;&#10;Description générée automatiquement">
             <a:extLst>
               <a:ext uri="{FF2B5EF4-FFF2-40B4-BE49-F238E27FC236}">
-                <a16:creationId xmlns:a16="http://schemas.microsoft.com/office/drawing/2014/main" id="{F0CBF740-AC4D-470A-B58C-BBA1299C73B2}"/>
+                <a16:creationId xmlns:a16="http://schemas.microsoft.com/office/drawing/2014/main" id="{85C4659C-FF05-4949-B266-3CBC535110D3}"/>
               </a:ext>
             </a:extLst>
           </p:cNvPr>
@@ -9451,7 +9656,7 @@
           </p:cNvPicPr>
           <p:nvPr/>
         </p:nvPicPr>
-        <p:blipFill>
+        <p:blipFill rotWithShape="1">
           <a:blip r:embed="rId5">
             <a:extLst>
               <a:ext uri="{28A0092B-C50C-407E-A947-70E740481C1C}">
@@ -9459,14 +9664,13 @@
               </a:ext>
             </a:extLst>
           </a:blip>
-          <a:stretch>
-            <a:fillRect/>
-          </a:stretch>
+          <a:srcRect l="41798" t="20948" r="35077" b="16553"/>
+          <a:stretch/>
         </p:blipFill>
         <p:spPr>
           <a:xfrm>
-            <a:off x="198825" y="1567811"/>
-            <a:ext cx="5664975" cy="1812792"/>
+            <a:off x="8865096" y="3143250"/>
+            <a:ext cx="3403104" cy="2943225"/>
           </a:xfrm>
           <a:prstGeom prst="rect">
             <a:avLst/>
@@ -9475,10 +9679,10 @@
       </p:pic>
       <p:pic>
         <p:nvPicPr>
-          <p:cNvPr id="10" name="Image 9" descr="Une image contenant capture d’écran&#10;&#10;Description générée automatiquement">
+          <p:cNvPr id="15" name="Image 14" descr="Une image contenant capture d’écran&#10;&#10;Description générée automatiquement">
             <a:extLst>
               <a:ext uri="{FF2B5EF4-FFF2-40B4-BE49-F238E27FC236}">
-                <a16:creationId xmlns:a16="http://schemas.microsoft.com/office/drawing/2014/main" id="{B7135865-C03E-45F1-9C5F-4CD71B721FF9}"/>
+                <a16:creationId xmlns:a16="http://schemas.microsoft.com/office/drawing/2014/main" id="{4596AA98-2BBB-4C3F-AB08-3419D7DA414A}"/>
               </a:ext>
             </a:extLst>
           </p:cNvPr>
@@ -9501,8 +9705,8 @@
         </p:blipFill>
         <p:spPr>
           <a:xfrm>
-            <a:off x="198825" y="4139343"/>
-            <a:ext cx="8129550" cy="2601456"/>
+            <a:off x="150000" y="3980505"/>
+            <a:ext cx="8455800" cy="2705856"/>
           </a:xfrm>
           <a:prstGeom prst="rect">
             <a:avLst/>
@@ -9512,7 +9716,7 @@
     </p:spTree>
     <p:extLst>
       <p:ext uri="{BB962C8B-B14F-4D97-AF65-F5344CB8AC3E}">
-        <p14:creationId xmlns:p14="http://schemas.microsoft.com/office/powerpoint/2010/main" val="2766095161"/>
+        <p14:creationId xmlns:p14="http://schemas.microsoft.com/office/powerpoint/2010/main" val="1842959994"/>
       </p:ext>
     </p:extLst>
   </p:cSld>
@@ -9610,11 +9814,7 @@
               </a:pPr>
               <a:r>
                 <a:rPr lang="fr-CH" sz="5050" dirty="0"/>
-                <a:t>Emily </a:t>
-              </a:r>
-              <a:r>
-                <a:rPr lang="fr-CH" sz="5050" dirty="0" err="1"/>
-                <a:t>Maitlis</a:t>
+                <a:t>Boris Johnson</a:t>
               </a:r>
               <a:endParaRPr sz="5050" dirty="0"/>
             </a:p>
@@ -9673,6 +9873,346 @@
       </p:grpSp>
       <p:pic>
         <p:nvPicPr>
+          <p:cNvPr id="12" name="Image 11">
+            <a:extLst>
+              <a:ext uri="{FF2B5EF4-FFF2-40B4-BE49-F238E27FC236}">
+                <a16:creationId xmlns:a16="http://schemas.microsoft.com/office/drawing/2014/main" id="{24392170-7254-4AC5-AAAA-49341283A230}"/>
+              </a:ext>
+            </a:extLst>
+          </p:cNvPr>
+          <p:cNvPicPr>
+            <a:picLocks noChangeAspect="1"/>
+          </p:cNvPicPr>
+          <p:nvPr/>
+        </p:nvPicPr>
+        <p:blipFill rotWithShape="1">
+          <a:blip r:embed="rId2">
+            <a:extLst>
+              <a:ext uri="{28A0092B-C50C-407E-A947-70E740481C1C}">
+                <a14:useLocalDpi xmlns:a14="http://schemas.microsoft.com/office/drawing/2010/main" val="0"/>
+              </a:ext>
+            </a:extLst>
+          </a:blip>
+          <a:srcRect l="38965" r="35175"/>
+          <a:stretch/>
+        </p:blipFill>
+        <p:spPr>
+          <a:xfrm>
+            <a:off x="6118365" y="120702"/>
+            <a:ext cx="3152775" cy="3901440"/>
+          </a:xfrm>
+          <a:prstGeom prst="rect">
+            <a:avLst/>
+          </a:prstGeom>
+        </p:spPr>
+      </p:pic>
+      <p:pic>
+        <p:nvPicPr>
+          <p:cNvPr id="7" name="Image 6">
+            <a:extLst>
+              <a:ext uri="{FF2B5EF4-FFF2-40B4-BE49-F238E27FC236}">
+                <a16:creationId xmlns:a16="http://schemas.microsoft.com/office/drawing/2014/main" id="{10C8246A-582D-4075-9861-F2535ECF1CFA}"/>
+              </a:ext>
+            </a:extLst>
+          </p:cNvPr>
+          <p:cNvPicPr>
+            <a:picLocks noChangeAspect="1"/>
+          </p:cNvPicPr>
+          <p:nvPr/>
+        </p:nvPicPr>
+        <p:blipFill>
+          <a:blip r:embed="rId3">
+            <a:extLst>
+              <a:ext uri="{28A0092B-C50C-407E-A947-70E740481C1C}">
+                <a14:useLocalDpi xmlns:a14="http://schemas.microsoft.com/office/drawing/2010/main" val="0"/>
+              </a:ext>
+            </a:extLst>
+          </a:blip>
+          <a:stretch>
+            <a:fillRect/>
+          </a:stretch>
+        </p:blipFill>
+        <p:spPr>
+          <a:xfrm>
+            <a:off x="10635101" y="116166"/>
+            <a:ext cx="1380897" cy="301035"/>
+          </a:xfrm>
+          <a:prstGeom prst="rect">
+            <a:avLst/>
+          </a:prstGeom>
+        </p:spPr>
+      </p:pic>
+      <p:pic>
+        <p:nvPicPr>
+          <p:cNvPr id="4" name="Image 3">
+            <a:extLst>
+              <a:ext uri="{FF2B5EF4-FFF2-40B4-BE49-F238E27FC236}">
+                <a16:creationId xmlns:a16="http://schemas.microsoft.com/office/drawing/2014/main" id="{5C6395AC-6D79-4F74-96AD-154FA1F0449F}"/>
+              </a:ext>
+            </a:extLst>
+          </p:cNvPr>
+          <p:cNvPicPr>
+            <a:picLocks noChangeAspect="1"/>
+          </p:cNvPicPr>
+          <p:nvPr/>
+        </p:nvPicPr>
+        <p:blipFill rotWithShape="1">
+          <a:blip r:embed="rId4">
+            <a:extLst>
+              <a:ext uri="{28A0092B-C50C-407E-A947-70E740481C1C}">
+                <a14:useLocalDpi xmlns:a14="http://schemas.microsoft.com/office/drawing/2010/main" val="0"/>
+              </a:ext>
+            </a:extLst>
+          </a:blip>
+          <a:srcRect l="36003" r="34905"/>
+          <a:stretch/>
+        </p:blipFill>
+        <p:spPr>
+          <a:xfrm>
+            <a:off x="8238629" y="2956560"/>
+            <a:ext cx="3546902" cy="3901440"/>
+          </a:xfrm>
+          <a:prstGeom prst="rect">
+            <a:avLst/>
+          </a:prstGeom>
+        </p:spPr>
+      </p:pic>
+      <p:pic>
+        <p:nvPicPr>
+          <p:cNvPr id="8" name="Image 7" descr="Une image contenant capture d’écran, bateau&#10;&#10;Description générée automatiquement">
+            <a:extLst>
+              <a:ext uri="{FF2B5EF4-FFF2-40B4-BE49-F238E27FC236}">
+                <a16:creationId xmlns:a16="http://schemas.microsoft.com/office/drawing/2014/main" id="{F0CBF740-AC4D-470A-B58C-BBA1299C73B2}"/>
+              </a:ext>
+            </a:extLst>
+          </p:cNvPr>
+          <p:cNvPicPr>
+            <a:picLocks noChangeAspect="1"/>
+          </p:cNvPicPr>
+          <p:nvPr/>
+        </p:nvPicPr>
+        <p:blipFill>
+          <a:blip r:embed="rId5">
+            <a:extLst>
+              <a:ext uri="{28A0092B-C50C-407E-A947-70E740481C1C}">
+                <a14:useLocalDpi xmlns:a14="http://schemas.microsoft.com/office/drawing/2010/main" val="0"/>
+              </a:ext>
+            </a:extLst>
+          </a:blip>
+          <a:stretch>
+            <a:fillRect/>
+          </a:stretch>
+        </p:blipFill>
+        <p:spPr>
+          <a:xfrm>
+            <a:off x="198825" y="1567811"/>
+            <a:ext cx="5664975" cy="1812792"/>
+          </a:xfrm>
+          <a:prstGeom prst="rect">
+            <a:avLst/>
+          </a:prstGeom>
+        </p:spPr>
+      </p:pic>
+      <p:pic>
+        <p:nvPicPr>
+          <p:cNvPr id="10" name="Image 9" descr="Une image contenant capture d’écran&#10;&#10;Description générée automatiquement">
+            <a:extLst>
+              <a:ext uri="{FF2B5EF4-FFF2-40B4-BE49-F238E27FC236}">
+                <a16:creationId xmlns:a16="http://schemas.microsoft.com/office/drawing/2014/main" id="{B7135865-C03E-45F1-9C5F-4CD71B721FF9}"/>
+              </a:ext>
+            </a:extLst>
+          </p:cNvPr>
+          <p:cNvPicPr>
+            <a:picLocks noChangeAspect="1"/>
+          </p:cNvPicPr>
+          <p:nvPr/>
+        </p:nvPicPr>
+        <p:blipFill>
+          <a:blip r:embed="rId6">
+            <a:extLst>
+              <a:ext uri="{28A0092B-C50C-407E-A947-70E740481C1C}">
+                <a14:useLocalDpi xmlns:a14="http://schemas.microsoft.com/office/drawing/2010/main" val="0"/>
+              </a:ext>
+            </a:extLst>
+          </a:blip>
+          <a:stretch>
+            <a:fillRect/>
+          </a:stretch>
+        </p:blipFill>
+        <p:spPr>
+          <a:xfrm>
+            <a:off x="198825" y="4139343"/>
+            <a:ext cx="8129550" cy="2601456"/>
+          </a:xfrm>
+          <a:prstGeom prst="rect">
+            <a:avLst/>
+          </a:prstGeom>
+        </p:spPr>
+      </p:pic>
+    </p:spTree>
+    <p:extLst>
+      <p:ext uri="{BB962C8B-B14F-4D97-AF65-F5344CB8AC3E}">
+        <p14:creationId xmlns:p14="http://schemas.microsoft.com/office/powerpoint/2010/main" val="2766095161"/>
+      </p:ext>
+    </p:extLst>
+  </p:cSld>
+  <p:clrMapOvr>
+    <a:masterClrMapping/>
+  </p:clrMapOvr>
+  <mc:AlternateContent xmlns:mc="http://schemas.openxmlformats.org/markup-compatibility/2006" xmlns:p14="http://schemas.microsoft.com/office/powerpoint/2010/main">
+    <mc:Choice Requires="p14">
+      <p:transition spd="slow" p14:dur="1700">
+        <p14:prism dir="r" isContent="1"/>
+      </p:transition>
+    </mc:Choice>
+    <mc:Fallback xmlns="">
+      <p:transition spd="slow">
+        <p:fade/>
+      </p:transition>
+    </mc:Fallback>
+  </mc:AlternateContent>
+</p:sld>
+</file>
+
+<file path=ppt/slides/slide25.xml><?xml version="1.0" encoding="utf-8"?>
+<p:sld xmlns:a="http://schemas.openxmlformats.org/drawingml/2006/main" xmlns:r="http://schemas.openxmlformats.org/officeDocument/2006/relationships" xmlns:p="http://schemas.openxmlformats.org/presentationml/2006/main">
+  <p:cSld>
+    <p:spTree>
+      <p:nvGrpSpPr>
+        <p:cNvPr id="1" name=""/>
+        <p:cNvGrpSpPr/>
+        <p:nvPr/>
+      </p:nvGrpSpPr>
+      <p:grpSpPr>
+        <a:xfrm>
+          <a:off x="0" y="0"/>
+          <a:ext cx="0" cy="0"/>
+          <a:chOff x="0" y="0"/>
+          <a:chExt cx="0" cy="0"/>
+        </a:xfrm>
+      </p:grpSpPr>
+      <p:grpSp>
+        <p:nvGrpSpPr>
+          <p:cNvPr id="433" name="Group 433"/>
+          <p:cNvGrpSpPr/>
+          <p:nvPr/>
+        </p:nvGrpSpPr>
+        <p:grpSpPr>
+          <a:xfrm>
+            <a:off x="457608" y="293359"/>
+            <a:ext cx="6076541" cy="878511"/>
+            <a:chOff x="-2" y="1693528"/>
+            <a:chExt cx="12153081" cy="1757022"/>
+          </a:xfrm>
+        </p:grpSpPr>
+        <p:sp>
+          <p:nvSpPr>
+            <p:cNvPr id="430" name="Shape 430"/>
+            <p:cNvSpPr/>
+            <p:nvPr/>
+          </p:nvSpPr>
+          <p:spPr>
+            <a:xfrm>
+              <a:off x="-2" y="1693528"/>
+              <a:ext cx="12153081" cy="1274452"/>
+            </a:xfrm>
+            <a:prstGeom prst="rect">
+              <a:avLst/>
+            </a:prstGeom>
+            <a:noFill/>
+            <a:ln w="12700" cap="flat">
+              <a:noFill/>
+              <a:miter lim="400000"/>
+            </a:ln>
+            <a:effectLst/>
+            <a:extLst>
+              <a:ext uri="{C572A759-6A51-4108-AA02-DFA0A04FC94B}">
+                <ma14:wrappingTextBoxFlag xmlns:ma14="http://schemas.microsoft.com/office/mac/drawingml/2011/main" xmlns="" val="1"/>
+              </a:ext>
+            </a:extLst>
+          </p:spPr>
+          <p:txBody>
+            <a:bodyPr wrap="square" lIns="0" tIns="0" rIns="0" bIns="0" numCol="1" anchor="b">
+              <a:spAutoFit/>
+            </a:bodyPr>
+            <a:lstStyle/>
+            <a:p>
+              <a:pPr>
+                <a:lnSpc>
+                  <a:spcPct val="80000"/>
+                </a:lnSpc>
+                <a:defRPr sz="10100" b="1">
+                  <a:latin typeface="Didot"/>
+                  <a:ea typeface="Didot"/>
+                  <a:cs typeface="Didot"/>
+                  <a:sym typeface="Didot"/>
+                </a:defRPr>
+              </a:pPr>
+              <a:r>
+                <a:rPr lang="fr-CH" sz="5050" dirty="0"/>
+                <a:t>Emily </a:t>
+              </a:r>
+              <a:r>
+                <a:rPr lang="fr-CH" sz="5050" dirty="0" err="1"/>
+                <a:t>Maitlis</a:t>
+              </a:r>
+              <a:endParaRPr sz="5050" dirty="0"/>
+            </a:p>
+          </p:txBody>
+        </p:sp>
+        <p:sp>
+          <p:nvSpPr>
+            <p:cNvPr id="431" name="Shape 431"/>
+            <p:cNvSpPr/>
+            <p:nvPr/>
+          </p:nvSpPr>
+          <p:spPr>
+            <a:xfrm>
+              <a:off x="-2" y="2967980"/>
+              <a:ext cx="4292200" cy="482570"/>
+            </a:xfrm>
+            <a:prstGeom prst="rect">
+              <a:avLst/>
+            </a:prstGeom>
+            <a:noFill/>
+            <a:ln w="12700" cap="flat">
+              <a:noFill/>
+              <a:miter lim="400000"/>
+            </a:ln>
+            <a:effectLst/>
+            <a:extLst>
+              <a:ext uri="{C572A759-6A51-4108-AA02-DFA0A04FC94B}">
+                <ma14:wrappingTextBoxFlag xmlns:ma14="http://schemas.microsoft.com/office/mac/drawingml/2011/main" xmlns="" val="1"/>
+              </a:ext>
+            </a:extLst>
+          </p:spPr>
+          <p:txBody>
+            <a:bodyPr wrap="none" lIns="0" tIns="0" rIns="0" bIns="0" numCol="1" anchor="ctr">
+              <a:spAutoFit/>
+            </a:bodyPr>
+            <a:lstStyle/>
+            <a:p>
+              <a:pPr>
+                <a:lnSpc>
+                  <a:spcPct val="120000"/>
+                </a:lnSpc>
+                <a:defRPr sz="2400" spc="647"/>
+              </a:pPr>
+              <a:r>
+                <a:rPr lang="fr-CH" sz="1400" spc="300" dirty="0" err="1"/>
+                <a:t>Wordcloud</a:t>
+              </a:r>
+              <a:r>
+                <a:rPr lang="fr-CH" sz="1400" spc="300" dirty="0"/>
+                <a:t> &amp; Topics</a:t>
+              </a:r>
+              <a:endParaRPr sz="1400" spc="300" dirty="0"/>
+            </a:p>
+          </p:txBody>
+        </p:sp>
+      </p:grpSp>
+      <p:pic>
+        <p:nvPicPr>
           <p:cNvPr id="7" name="Image 6">
             <a:extLst>
               <a:ext uri="{FF2B5EF4-FFF2-40B4-BE49-F238E27FC236}">
@@ -9815,10 +10355,10 @@
       </p:pic>
       <p:pic>
         <p:nvPicPr>
-          <p:cNvPr id="12" name="Image 11" descr="Une image contenant capture d’écran&#10;&#10;Description générée automatiquement">
+          <p:cNvPr id="16" name="Image 15" descr="Une image contenant capture d’écran&#10;&#10;Description générée automatiquement">
             <a:extLst>
               <a:ext uri="{FF2B5EF4-FFF2-40B4-BE49-F238E27FC236}">
-                <a16:creationId xmlns:a16="http://schemas.microsoft.com/office/drawing/2014/main" id="{816A30EB-6C65-4D07-9D90-01F27597428D}"/>
+                <a16:creationId xmlns:a16="http://schemas.microsoft.com/office/drawing/2014/main" id="{914333F7-F594-4C9B-BD1D-A40B27760477}"/>
               </a:ext>
             </a:extLst>
           </p:cNvPr>
@@ -9841,8 +10381,8 @@
         </p:blipFill>
         <p:spPr>
           <a:xfrm>
-            <a:off x="136449" y="3895963"/>
-            <a:ext cx="8477250" cy="2712720"/>
+            <a:off x="266700" y="3903094"/>
+            <a:ext cx="8067267" cy="2581525"/>
           </a:xfrm>
           <a:prstGeom prst="rect">
             <a:avLst/>
@@ -9874,7 +10414,7 @@
 </p:sld>
 </file>
 
-<file path=ppt/slides/slide25.xml><?xml version="1.0" encoding="utf-8"?>
+<file path=ppt/slides/slide26.xml><?xml version="1.0" encoding="utf-8"?>
 <p:sld xmlns:a="http://schemas.openxmlformats.org/drawingml/2006/main" xmlns:r="http://schemas.openxmlformats.org/officeDocument/2006/relationships" xmlns:p="http://schemas.openxmlformats.org/presentationml/2006/main">
   <p:cSld>
     <p:spTree>
@@ -14825,10 +15365,10 @@
         </p:nvGrpSpPr>
         <p:grpSpPr>
           <a:xfrm>
-            <a:off x="562383" y="478170"/>
-            <a:ext cx="6076541" cy="1988175"/>
-            <a:chOff x="-2" y="1693528"/>
-            <a:chExt cx="12153081" cy="3976349"/>
+            <a:off x="524284" y="506745"/>
+            <a:ext cx="5640210" cy="5180138"/>
+            <a:chOff x="0" y="1693528"/>
+            <a:chExt cx="11280419" cy="10360273"/>
           </a:xfrm>
         </p:grpSpPr>
         <p:sp>
@@ -14839,8 +15379,8 @@
           </p:nvSpPr>
           <p:spPr>
             <a:xfrm>
-              <a:off x="-2" y="1693528"/>
-              <a:ext cx="12153081" cy="1274452"/>
+              <a:off x="0" y="1693528"/>
+              <a:ext cx="11280419" cy="1274452"/>
             </a:xfrm>
             <a:prstGeom prst="rect">
               <a:avLst/>
@@ -14875,10 +15415,9 @@
                 </a:defRPr>
               </a:pPr>
               <a:r>
-                <a:rPr lang="fr-CH" sz="5050" dirty="0"/>
-                <a:t>Countries’ Actions </a:t>
-              </a:r>
-              <a:endParaRPr sz="5050" dirty="0"/>
+                <a:rPr lang="en-US" sz="5050"/>
+                <a:t>Sentiment Analysis</a:t>
+              </a:r>
             </a:p>
           </p:txBody>
         </p:sp>
@@ -14891,7 +15430,7 @@
           <p:spPr>
             <a:xfrm>
               <a:off x="43512" y="2967980"/>
-              <a:ext cx="8898589" cy="482570"/>
+              <a:ext cx="2195216" cy="482570"/>
             </a:xfrm>
             <a:prstGeom prst="rect">
               <a:avLst/>
@@ -14921,38 +15460,9 @@
                 <a:defRPr sz="2400" spc="647"/>
               </a:pPr>
               <a:r>
-                <a:rPr lang="fr-CH" sz="1400" spc="300" dirty="0" err="1"/>
-                <a:t>Specific</a:t>
-              </a:r>
-              <a:r>
-                <a:rPr lang="fr-CH" sz="1400" spc="300" dirty="0"/>
-                <a:t> </a:t>
-              </a:r>
-              <a:r>
-                <a:rPr lang="fr-CH" sz="1400" spc="300" dirty="0" err="1"/>
-                <a:t>measures</a:t>
-              </a:r>
-              <a:r>
-                <a:rPr lang="fr-CH" sz="1400" spc="300" dirty="0"/>
-                <a:t> </a:t>
-              </a:r>
-              <a:r>
-                <a:rPr lang="fr-CH" sz="1400" spc="300" dirty="0" err="1"/>
-                <a:t>taken</a:t>
-              </a:r>
-              <a:r>
-                <a:rPr lang="fr-CH" sz="1400" spc="300" dirty="0"/>
-                <a:t> by </a:t>
-              </a:r>
-              <a:r>
-                <a:rPr lang="fr-CH" sz="1400" spc="300" dirty="0" err="1"/>
-                <a:t>each</a:t>
-              </a:r>
-              <a:r>
-                <a:rPr lang="fr-CH" sz="1400" spc="300" dirty="0"/>
-                <a:t> country</a:t>
-              </a:r>
-              <a:endParaRPr sz="1400" spc="300" dirty="0"/>
+                <a:rPr lang="en-US" sz="1400" spc="300"/>
+                <a:t>Procedure</a:t>
+              </a:r>
             </a:p>
           </p:txBody>
         </p:sp>
@@ -14965,7 +15475,7 @@
           <p:spPr>
             <a:xfrm>
               <a:off x="43512" y="4888765"/>
-              <a:ext cx="8264367" cy="781112"/>
+              <a:ext cx="9080619" cy="7165036"/>
             </a:xfrm>
             <a:prstGeom prst="rect">
               <a:avLst/>
@@ -15001,45 +15511,172 @@
             </a:lstStyle>
             <a:p>
               <a:pPr marL="171450" indent="-171450">
+                <a:buFont typeface="Wingdings" panose="05000000000000000000" pitchFamily="2" charset="2"/>
+                <a:buChar char="§"/>
+              </a:pPr>
+              <a:r>
+                <a:rPr lang="en-US" sz="1200" b="1"/>
+                <a:t>Collecting the data</a:t>
+              </a:r>
+              <a:r>
+                <a:rPr lang="en-US" sz="1200"/>
+                <a:t>: </a:t>
+              </a:r>
+            </a:p>
+            <a:p>
+              <a:pPr marL="628650" lvl="1" indent="-171450">
                 <a:buFont typeface="Arial" panose="020B0604020202020204" pitchFamily="34" charset="0"/>
                 <a:buChar char="•"/>
               </a:pPr>
               <a:r>
-                <a:rPr lang="fr-CH" sz="1200" dirty="0"/>
-                <a:t>Time to </a:t>
-              </a:r>
-              <a:r>
-                <a:rPr lang="fr-CH" sz="1200" dirty="0" err="1"/>
-                <a:t>take</a:t>
-              </a:r>
-              <a:r>
-                <a:rPr lang="fr-CH" sz="1200" dirty="0"/>
-                <a:t> the </a:t>
-              </a:r>
-              <a:r>
-                <a:rPr lang="fr-CH" sz="1200" dirty="0" err="1"/>
-                <a:t>measures</a:t>
-              </a:r>
-              <a:endParaRPr lang="fr-CH" sz="1200" dirty="0"/>
+                <a:rPr lang="en-US" sz="1200">
+                  <a:latin typeface="PT Sans"/>
+                </a:rPr>
+                <a:t>Limitation in tweet numbers; challenge of finding people who tweet enough but not too much</a:t>
+              </a:r>
+            </a:p>
+            <a:p>
+              <a:pPr marL="628650" lvl="1" indent="-171450">
+                <a:buFont typeface="Arial" panose="020B0604020202020204" pitchFamily="34" charset="0"/>
+                <a:buChar char="•"/>
+              </a:pPr>
+              <a:r>
+                <a:rPr lang="en-US" sz="1200">
+                  <a:latin typeface="PT Sans"/>
+                </a:rPr>
+                <a:t>Taking only tweets between February 1st and May 12th</a:t>
+              </a:r>
+            </a:p>
+            <a:p>
+              <a:pPr marL="628650" lvl="1" indent="-171450">
+                <a:buFont typeface="Arial" panose="020B0604020202020204" pitchFamily="34" charset="0"/>
+                <a:buChar char="•"/>
+              </a:pPr>
+              <a:r>
+                <a:rPr lang="en-US" sz="1200">
+                  <a:latin typeface="PT Sans"/>
+                </a:rPr>
+                <a:t>Sometimes taking retweets when interesting</a:t>
+              </a:r>
             </a:p>
             <a:p>
               <a:pPr marL="171450" indent="-171450">
+                <a:buFont typeface="Wingdings" panose="05000000000000000000" pitchFamily="2" charset="2"/>
+                <a:buChar char="§"/>
+              </a:pPr>
+              <a:r>
+                <a:rPr lang="en-US" sz="1200" b="1"/>
+                <a:t>Analyzing and exporting the data</a:t>
+              </a:r>
+              <a:r>
+                <a:rPr lang="en-US" sz="1200"/>
+                <a:t>: </a:t>
+              </a:r>
+            </a:p>
+            <a:p>
+              <a:pPr marL="628650" lvl="1" indent="-171450">
                 <a:buFont typeface="Arial" panose="020B0604020202020204" pitchFamily="34" charset="0"/>
                 <a:buChar char="•"/>
               </a:pPr>
               <a:r>
-                <a:rPr lang="fr-CH" sz="1200" dirty="0" err="1"/>
-                <a:t>Effectiveness</a:t>
-              </a:r>
-              <a:r>
-                <a:rPr lang="fr-CH" sz="1200" dirty="0"/>
-                <a:t> of </a:t>
-              </a:r>
-              <a:r>
-                <a:rPr lang="fr-CH" sz="1200" dirty="0" err="1"/>
-                <a:t>measures</a:t>
-              </a:r>
-              <a:endParaRPr lang="fr-CH" sz="1200" dirty="0"/>
+                <a:rPr lang="en-US" sz="1200">
+                  <a:latin typeface="PT Sans"/>
+                </a:rPr>
+                <a:t>Sentiment evolution over time for each person </a:t>
+              </a:r>
+            </a:p>
+            <a:p>
+              <a:pPr marL="628650" lvl="1" indent="-171450">
+                <a:buFont typeface="Arial" panose="020B0604020202020204" pitchFamily="34" charset="0"/>
+                <a:buChar char="•"/>
+              </a:pPr>
+              <a:r>
+                <a:rPr lang="en-US" sz="1200">
+                  <a:latin typeface="PT Sans"/>
+                </a:rPr>
+                <a:t>General and polarized wordcloud for each person to check for main words</a:t>
+              </a:r>
+            </a:p>
+            <a:p>
+              <a:pPr marL="628650" lvl="1" indent="-171450">
+                <a:buFont typeface="Arial" panose="020B0604020202020204" pitchFamily="34" charset="0"/>
+                <a:buChar char="•"/>
+              </a:pPr>
+              <a:r>
+                <a:rPr lang="en-US" sz="1200">
+                  <a:latin typeface="PT Sans"/>
+                </a:rPr>
+                <a:t>Topic analysis for each person to make sure that Coronavirus is at least one main topic</a:t>
+              </a:r>
+            </a:p>
+            <a:p>
+              <a:pPr marL="628650" lvl="1" indent="-171450">
+                <a:buFont typeface="Arial" panose="020B0604020202020204" pitchFamily="34" charset="0"/>
+                <a:buChar char="•"/>
+              </a:pPr>
+              <a:r>
+                <a:rPr lang="en-US" sz="1200">
+                  <a:latin typeface="PT Sans"/>
+                </a:rPr>
+                <a:t>Aggregated sentiment evolution and polarized wordcloud for countries comparison</a:t>
+              </a:r>
+            </a:p>
+            <a:p>
+              <a:pPr marL="171450" indent="-171450">
+                <a:buFont typeface="Wingdings" panose="05000000000000000000" pitchFamily="2" charset="2"/>
+                <a:buChar char="§"/>
+              </a:pPr>
+              <a:r>
+                <a:rPr lang="en-US" sz="1200" b="1"/>
+                <a:t>Comparing and making inferences</a:t>
+              </a:r>
+              <a:r>
+                <a:rPr lang="en-US" sz="1200"/>
+                <a:t>:</a:t>
+              </a:r>
+            </a:p>
+            <a:p>
+              <a:pPr marL="628650" lvl="1" indent="-171450">
+                <a:buFont typeface="Arial" panose="020B0604020202020204" pitchFamily="34" charset="0"/>
+                <a:buChar char="•"/>
+              </a:pPr>
+              <a:r>
+                <a:rPr lang="en-US" sz="1200">
+                  <a:latin typeface="PT Sans"/>
+                </a:rPr>
+                <a:t>Keeping in mind our limitations</a:t>
+              </a:r>
+            </a:p>
+            <a:p>
+              <a:pPr marL="628650" lvl="1" indent="-171450">
+                <a:buFont typeface="Arial" panose="020B0604020202020204" pitchFamily="34" charset="0"/>
+                <a:buChar char="•"/>
+              </a:pPr>
+              <a:r>
+                <a:rPr lang="en-US" sz="1200">
+                  <a:latin typeface="PT Sans"/>
+                </a:rPr>
+                <a:t>Dynamic evolution; spread of the virus inside the country and actions taken over time</a:t>
+              </a:r>
+            </a:p>
+            <a:p>
+              <a:pPr marL="171450" indent="-171450">
+                <a:buFont typeface="Wingdings" panose="05000000000000000000" pitchFamily="2" charset="2"/>
+                <a:buChar char="§"/>
+              </a:pPr>
+              <a:r>
+                <a:rPr lang="en-US" sz="1200" b="1"/>
+                <a:t>All the graphs are in the appendix</a:t>
+              </a:r>
+              <a:endParaRPr lang="en-US" sz="1200">
+                <a:latin typeface="PT Sans"/>
+              </a:endParaRPr>
+            </a:p>
+            <a:p>
+              <a:pPr lvl="1"/>
+              <a:endParaRPr lang="en-US" sz="1200">
+                <a:latin typeface="PT Sans"/>
+              </a:endParaRPr>
             </a:p>
           </p:txBody>
         </p:sp>
@@ -15049,7 +15686,7 @@
           <p:cNvPr id="7" name="Image 6">
             <a:extLst>
               <a:ext uri="{FF2B5EF4-FFF2-40B4-BE49-F238E27FC236}">
-                <a16:creationId xmlns:a16="http://schemas.microsoft.com/office/drawing/2014/main" id="{10C8246A-582D-4075-9861-F2535ECF1CFA}"/>
+                <a16:creationId xmlns:a16="http://schemas.microsoft.com/office/drawing/2014/main" id="{B4FCBFFE-A783-489C-B4D6-FA305817AF0A}"/>
               </a:ext>
             </a:extLst>
           </p:cNvPr>
@@ -15080,10 +15717,152 @@
           </a:prstGeom>
         </p:spPr>
       </p:pic>
+      <p:pic>
+        <p:nvPicPr>
+          <p:cNvPr id="8" name="Image 7" descr="Une image contenant bateau, capture d’écran, photo, différent&#10;&#10;Description générée automatiquement">
+            <a:extLst>
+              <a:ext uri="{FF2B5EF4-FFF2-40B4-BE49-F238E27FC236}">
+                <a16:creationId xmlns:a16="http://schemas.microsoft.com/office/drawing/2014/main" id="{B6921115-EB5F-435E-9AED-0E04401C0319}"/>
+              </a:ext>
+            </a:extLst>
+          </p:cNvPr>
+          <p:cNvPicPr>
+            <a:picLocks noChangeAspect="1"/>
+          </p:cNvPicPr>
+          <p:nvPr/>
+        </p:nvPicPr>
+        <p:blipFill>
+          <a:blip r:embed="rId3">
+            <a:extLst>
+              <a:ext uri="{28A0092B-C50C-407E-A947-70E740481C1C}">
+                <a14:useLocalDpi xmlns:a14="http://schemas.microsoft.com/office/drawing/2010/main" val="0"/>
+              </a:ext>
+            </a:extLst>
+          </a:blip>
+          <a:stretch>
+            <a:fillRect/>
+          </a:stretch>
+        </p:blipFill>
+        <p:spPr>
+          <a:xfrm>
+            <a:off x="6096000" y="825358"/>
+            <a:ext cx="5481466" cy="1754069"/>
+          </a:xfrm>
+          <a:prstGeom prst="rect">
+            <a:avLst/>
+          </a:prstGeom>
+        </p:spPr>
+      </p:pic>
+      <p:pic>
+        <p:nvPicPr>
+          <p:cNvPr id="9" name="Image 8">
+            <a:extLst>
+              <a:ext uri="{FF2B5EF4-FFF2-40B4-BE49-F238E27FC236}">
+                <a16:creationId xmlns:a16="http://schemas.microsoft.com/office/drawing/2014/main" id="{26DC4552-EBD8-4EE7-8854-BB23CC3CF9A8}"/>
+              </a:ext>
+            </a:extLst>
+          </p:cNvPr>
+          <p:cNvPicPr>
+            <a:picLocks noChangeAspect="1"/>
+          </p:cNvPicPr>
+          <p:nvPr/>
+        </p:nvPicPr>
+        <p:blipFill rotWithShape="1">
+          <a:blip r:embed="rId4">
+            <a:extLst>
+              <a:ext uri="{28A0092B-C50C-407E-A947-70E740481C1C}">
+                <a14:useLocalDpi xmlns:a14="http://schemas.microsoft.com/office/drawing/2010/main" val="0"/>
+              </a:ext>
+            </a:extLst>
+          </a:blip>
+          <a:srcRect l="35527" r="35335"/>
+          <a:stretch/>
+        </p:blipFill>
+        <p:spPr>
+          <a:xfrm>
+            <a:off x="6496048" y="2664186"/>
+            <a:ext cx="1952625" cy="2144472"/>
+          </a:xfrm>
+          <a:prstGeom prst="rect">
+            <a:avLst/>
+          </a:prstGeom>
+        </p:spPr>
+      </p:pic>
+      <p:pic>
+        <p:nvPicPr>
+          <p:cNvPr id="10" name="Image 9" descr="Une image contenant capture d’écran&#10;&#10;Description générée automatiquement">
+            <a:extLst>
+              <a:ext uri="{FF2B5EF4-FFF2-40B4-BE49-F238E27FC236}">
+                <a16:creationId xmlns:a16="http://schemas.microsoft.com/office/drawing/2014/main" id="{9F73FDAB-476F-4330-BC4A-C227C2194C2A}"/>
+              </a:ext>
+            </a:extLst>
+          </p:cNvPr>
+          <p:cNvPicPr>
+            <a:picLocks noChangeAspect="1"/>
+          </p:cNvPicPr>
+          <p:nvPr/>
+        </p:nvPicPr>
+        <p:blipFill rotWithShape="1">
+          <a:blip r:embed="rId5">
+            <a:extLst>
+              <a:ext uri="{28A0092B-C50C-407E-A947-70E740481C1C}">
+                <a14:useLocalDpi xmlns:a14="http://schemas.microsoft.com/office/drawing/2010/main" val="0"/>
+              </a:ext>
+            </a:extLst>
+          </a:blip>
+          <a:srcRect l="34531" r="33359"/>
+          <a:stretch/>
+        </p:blipFill>
+        <p:spPr>
+          <a:xfrm>
+            <a:off x="8672951" y="2752238"/>
+            <a:ext cx="2162175" cy="2154810"/>
+          </a:xfrm>
+          <a:prstGeom prst="rect">
+            <a:avLst/>
+          </a:prstGeom>
+        </p:spPr>
+      </p:pic>
+      <p:pic>
+        <p:nvPicPr>
+          <p:cNvPr id="11" name="Image 10">
+            <a:extLst>
+              <a:ext uri="{FF2B5EF4-FFF2-40B4-BE49-F238E27FC236}">
+                <a16:creationId xmlns:a16="http://schemas.microsoft.com/office/drawing/2014/main" id="{0481EEE3-0542-493E-95DD-9BED95E8E373}"/>
+              </a:ext>
+            </a:extLst>
+          </p:cNvPr>
+          <p:cNvPicPr>
+            <a:picLocks noChangeAspect="1"/>
+          </p:cNvPicPr>
+          <p:nvPr/>
+        </p:nvPicPr>
+        <p:blipFill>
+          <a:blip r:embed="rId6">
+            <a:extLst>
+              <a:ext uri="{28A0092B-C50C-407E-A947-70E740481C1C}">
+                <a14:useLocalDpi xmlns:a14="http://schemas.microsoft.com/office/drawing/2010/main" val="0"/>
+              </a:ext>
+            </a:extLst>
+          </a:blip>
+          <a:stretch>
+            <a:fillRect/>
+          </a:stretch>
+        </p:blipFill>
+        <p:spPr>
+          <a:xfrm>
+            <a:off x="5816145" y="4808658"/>
+            <a:ext cx="6041175" cy="1933176"/>
+          </a:xfrm>
+          <a:prstGeom prst="rect">
+            <a:avLst/>
+          </a:prstGeom>
+        </p:spPr>
+      </p:pic>
     </p:spTree>
     <p:extLst>
       <p:ext uri="{BB962C8B-B14F-4D97-AF65-F5344CB8AC3E}">
-        <p14:creationId xmlns:p14="http://schemas.microsoft.com/office/powerpoint/2010/main" val="3747161261"/>
+        <p14:creationId xmlns:p14="http://schemas.microsoft.com/office/powerpoint/2010/main" val="3635757278"/>
       </p:ext>
     </p:extLst>
   </p:cSld>

--- a/Presentation.pptx
+++ b/Presentation.pptx
@@ -222,7 +222,7 @@
           <a:p>
             <a:fld id="{2580FC0D-554C-4C6F-803A-2A2A2A1D6B9C}" type="datetimeFigureOut">
               <a:rPr lang="fr-CH" smtClean="0"/>
-              <a:t>12.05.2020</a:t>
+              <a:t>13.05.2020</a:t>
             </a:fld>
             <a:endParaRPr lang="fr-CH"/>
           </a:p>
@@ -381,7 +381,7 @@
           <a:p>
             <a:fld id="{AD1EA8BB-FB99-47C5-A111-7E7FEAA7A2DA}" type="slidenum">
               <a:rPr lang="fr-CH" smtClean="0"/>
-              <a:t>‹N°›</a:t>
+              <a:t>‹Nr.›</a:t>
             </a:fld>
             <a:endParaRPr lang="fr-CH"/>
           </a:p>
@@ -584,6 +584,3841 @@
 </p:notes>
 </file>
 
+<file path=ppt/notesSlides/notesSlide2.xml><?xml version="1.0" encoding="utf-8"?>
+<p:notes xmlns:a="http://schemas.openxmlformats.org/drawingml/2006/main" xmlns:r="http://schemas.openxmlformats.org/officeDocument/2006/relationships" xmlns:p="http://schemas.openxmlformats.org/presentationml/2006/main">
+  <p:cSld>
+    <p:spTree>
+      <p:nvGrpSpPr>
+        <p:cNvPr id="1" name=""/>
+        <p:cNvGrpSpPr/>
+        <p:nvPr/>
+      </p:nvGrpSpPr>
+      <p:grpSpPr>
+        <a:xfrm>
+          <a:off x="0" y="0"/>
+          <a:ext cx="0" cy="0"/>
+          <a:chOff x="0" y="0"/>
+          <a:chExt cx="0" cy="0"/>
+        </a:xfrm>
+      </p:grpSpPr>
+      <p:sp>
+        <p:nvSpPr>
+          <p:cNvPr id="2" name="Folienbildplatzhalter 1"/>
+          <p:cNvSpPr>
+            <a:spLocks noGrp="1" noRot="1" noChangeAspect="1"/>
+          </p:cNvSpPr>
+          <p:nvPr>
+            <p:ph type="sldImg"/>
+          </p:nvPr>
+        </p:nvSpPr>
+        <p:spPr/>
+      </p:sp>
+      <p:sp>
+        <p:nvSpPr>
+          <p:cNvPr id="3" name="Notizenplatzhalter 2"/>
+          <p:cNvSpPr>
+            <a:spLocks noGrp="1"/>
+          </p:cNvSpPr>
+          <p:nvPr>
+            <p:ph type="body" idx="1"/>
+          </p:nvPr>
+        </p:nvSpPr>
+        <p:spPr/>
+        <p:txBody>
+          <a:bodyPr/>
+          <a:lstStyle/>
+          <a:p>
+            <a:r>
+              <a:rPr lang="de-CH" dirty="0"/>
+              <a:t>Emily Mathis </a:t>
+            </a:r>
+            <a:r>
+              <a:rPr lang="de-CH" dirty="0" err="1"/>
+              <a:t>asentiment</a:t>
+            </a:r>
+            <a:r>
+              <a:rPr lang="de-CH" dirty="0"/>
+              <a:t> </a:t>
+            </a:r>
+            <a:r>
+              <a:rPr lang="de-CH" dirty="0" err="1"/>
+              <a:t>evolution</a:t>
+            </a:r>
+            <a:r>
+              <a:rPr lang="de-CH" dirty="0"/>
+              <a:t> </a:t>
+            </a:r>
+            <a:r>
+              <a:rPr lang="en-US" dirty="0"/>
+              <a:t>develops against the direction of the other (beginning of April)</a:t>
+            </a:r>
+          </a:p>
+          <a:p>
+            <a:r>
+              <a:rPr lang="en-US" dirty="0"/>
+              <a:t>The strongest ups and down are from </a:t>
+            </a:r>
+            <a:r>
+              <a:rPr lang="en-US" dirty="0" err="1"/>
+              <a:t>boris</a:t>
+            </a:r>
+            <a:r>
+              <a:rPr lang="en-US" dirty="0"/>
+              <a:t> </a:t>
+            </a:r>
+            <a:r>
+              <a:rPr lang="en-US" dirty="0" err="1"/>
+              <a:t>johnson</a:t>
+            </a:r>
+            <a:endParaRPr lang="en-US" dirty="0"/>
+          </a:p>
+          <a:p>
+            <a:endParaRPr lang="en-US" dirty="0"/>
+          </a:p>
+          <a:p>
+            <a:endParaRPr lang="en-US" dirty="0"/>
+          </a:p>
+          <a:p>
+            <a:endParaRPr lang="en-US" dirty="0"/>
+          </a:p>
+          <a:p>
+            <a:pPr fontAlgn="base"/>
+            <a:r>
+              <a:rPr lang="de-CH" sz="1200" b="1" kern="1200" dirty="0" err="1">
+                <a:solidFill>
+                  <a:schemeClr val="tx1"/>
+                </a:solidFill>
+                <a:effectLst/>
+                <a:latin typeface="+mn-lt"/>
+                <a:ea typeface="+mn-ea"/>
+                <a:cs typeface="+mn-cs"/>
+              </a:rPr>
+              <a:t>January</a:t>
+            </a:r>
+            <a:r>
+              <a:rPr lang="de-CH" sz="1200" b="1" kern="1200" dirty="0">
+                <a:solidFill>
+                  <a:schemeClr val="tx1"/>
+                </a:solidFill>
+                <a:effectLst/>
+                <a:latin typeface="+mn-lt"/>
+                <a:ea typeface="+mn-ea"/>
+                <a:cs typeface="+mn-cs"/>
+              </a:rPr>
+              <a:t> 31</a:t>
+            </a:r>
+            <a:r>
+              <a:rPr lang="de-CH" sz="1200" b="0" kern="1200" dirty="0">
+                <a:solidFill>
+                  <a:schemeClr val="tx1"/>
+                </a:solidFill>
+                <a:effectLst/>
+                <a:latin typeface="+mn-lt"/>
+                <a:ea typeface="+mn-ea"/>
+                <a:cs typeface="+mn-cs"/>
+              </a:rPr>
+              <a:t> </a:t>
+            </a:r>
+            <a:r>
+              <a:rPr lang="de-CH" sz="1200" kern="1200" dirty="0">
+                <a:solidFill>
+                  <a:schemeClr val="tx1"/>
+                </a:solidFill>
+                <a:effectLst/>
+                <a:latin typeface="+mn-lt"/>
+                <a:ea typeface="+mn-ea"/>
+                <a:cs typeface="+mn-cs"/>
+              </a:rPr>
+              <a:t>United Kingdom </a:t>
+            </a:r>
+            <a:r>
+              <a:rPr lang="de-CH" sz="1200" u="sng" kern="1200" dirty="0" err="1">
+                <a:solidFill>
+                  <a:schemeClr val="tx1"/>
+                </a:solidFill>
+                <a:effectLst/>
+                <a:latin typeface="+mn-lt"/>
+                <a:ea typeface="+mn-ea"/>
+                <a:cs typeface="+mn-cs"/>
+                <a:hlinkClick r:id="rId3"/>
+              </a:rPr>
+              <a:t>confirms</a:t>
+            </a:r>
+            <a:r>
+              <a:rPr lang="de-CH" sz="1200" kern="1200" dirty="0">
+                <a:solidFill>
+                  <a:schemeClr val="tx1"/>
+                </a:solidFill>
+                <a:effectLst/>
+                <a:latin typeface="+mn-lt"/>
+                <a:ea typeface="+mn-ea"/>
+                <a:cs typeface="+mn-cs"/>
+              </a:rPr>
+              <a:t> </a:t>
+            </a:r>
+            <a:r>
+              <a:rPr lang="de-CH" sz="1200" kern="1200" dirty="0" err="1">
+                <a:solidFill>
+                  <a:schemeClr val="tx1"/>
+                </a:solidFill>
+                <a:effectLst/>
+                <a:latin typeface="+mn-lt"/>
+                <a:ea typeface="+mn-ea"/>
+                <a:cs typeface="+mn-cs"/>
+              </a:rPr>
+              <a:t>its</a:t>
+            </a:r>
+            <a:r>
+              <a:rPr lang="de-CH" sz="1200" kern="1200" dirty="0">
+                <a:solidFill>
+                  <a:schemeClr val="tx1"/>
+                </a:solidFill>
+                <a:effectLst/>
+                <a:latin typeface="+mn-lt"/>
+                <a:ea typeface="+mn-ea"/>
+                <a:cs typeface="+mn-cs"/>
+              </a:rPr>
+              <a:t> </a:t>
+            </a:r>
+            <a:r>
+              <a:rPr lang="de-CH" sz="1200" kern="1200" dirty="0" err="1">
+                <a:solidFill>
+                  <a:schemeClr val="tx1"/>
+                </a:solidFill>
+                <a:effectLst/>
+                <a:latin typeface="+mn-lt"/>
+                <a:ea typeface="+mn-ea"/>
+                <a:cs typeface="+mn-cs"/>
+              </a:rPr>
+              <a:t>first</a:t>
+            </a:r>
+            <a:r>
+              <a:rPr lang="de-CH" sz="1200" kern="1200" dirty="0">
+                <a:solidFill>
+                  <a:schemeClr val="tx1"/>
+                </a:solidFill>
+                <a:effectLst/>
+                <a:latin typeface="+mn-lt"/>
+                <a:ea typeface="+mn-ea"/>
+                <a:cs typeface="+mn-cs"/>
+              </a:rPr>
+              <a:t> </a:t>
+            </a:r>
+            <a:r>
+              <a:rPr lang="de-CH" sz="1200" kern="1200" dirty="0" err="1">
+                <a:solidFill>
+                  <a:schemeClr val="tx1"/>
+                </a:solidFill>
+                <a:effectLst/>
+                <a:latin typeface="+mn-lt"/>
+                <a:ea typeface="+mn-ea"/>
+                <a:cs typeface="+mn-cs"/>
+              </a:rPr>
+              <a:t>case</a:t>
+            </a:r>
+            <a:r>
+              <a:rPr lang="de-CH" sz="1200" kern="1200" dirty="0">
+                <a:solidFill>
+                  <a:schemeClr val="tx1"/>
+                </a:solidFill>
+                <a:effectLst/>
+                <a:latin typeface="+mn-lt"/>
+                <a:ea typeface="+mn-ea"/>
+                <a:cs typeface="+mn-cs"/>
+              </a:rPr>
+              <a:t>.</a:t>
+            </a:r>
+          </a:p>
+          <a:p>
+            <a:pPr fontAlgn="base"/>
+            <a:r>
+              <a:rPr lang="de-CH" sz="1200" b="1" kern="1200" dirty="0" err="1">
+                <a:solidFill>
+                  <a:schemeClr val="tx1"/>
+                </a:solidFill>
+                <a:effectLst/>
+                <a:latin typeface="+mn-lt"/>
+                <a:ea typeface="+mn-ea"/>
+                <a:cs typeface="+mn-cs"/>
+              </a:rPr>
+              <a:t>February</a:t>
+            </a:r>
+            <a:r>
+              <a:rPr lang="de-CH" sz="1200" b="1" kern="1200" dirty="0">
+                <a:solidFill>
+                  <a:schemeClr val="tx1"/>
+                </a:solidFill>
+                <a:effectLst/>
+                <a:latin typeface="+mn-lt"/>
+                <a:ea typeface="+mn-ea"/>
+                <a:cs typeface="+mn-cs"/>
+              </a:rPr>
+              <a:t> 3 </a:t>
+            </a:r>
+            <a:r>
+              <a:rPr lang="de-CH" sz="1200" b="0" kern="1200" dirty="0" err="1">
+                <a:solidFill>
+                  <a:schemeClr val="tx1"/>
+                </a:solidFill>
+                <a:effectLst/>
+                <a:latin typeface="+mn-lt"/>
+                <a:ea typeface="+mn-ea"/>
+                <a:cs typeface="+mn-cs"/>
+              </a:rPr>
+              <a:t>Ministries</a:t>
+            </a:r>
+            <a:r>
+              <a:rPr lang="de-CH" sz="1200" b="0" kern="1200" dirty="0">
+                <a:solidFill>
+                  <a:schemeClr val="tx1"/>
+                </a:solidFill>
+                <a:effectLst/>
+                <a:latin typeface="+mn-lt"/>
+                <a:ea typeface="+mn-ea"/>
+                <a:cs typeface="+mn-cs"/>
+              </a:rPr>
+              <a:t> of </a:t>
+            </a:r>
+            <a:r>
+              <a:rPr lang="de-CH" sz="1200" b="0" kern="1200" dirty="0" err="1">
+                <a:solidFill>
+                  <a:schemeClr val="tx1"/>
+                </a:solidFill>
+                <a:effectLst/>
+                <a:latin typeface="+mn-lt"/>
+                <a:ea typeface="+mn-ea"/>
+                <a:cs typeface="+mn-cs"/>
+              </a:rPr>
+              <a:t>health</a:t>
+            </a:r>
+            <a:r>
+              <a:rPr lang="de-CH" sz="1200" b="0" kern="1200" dirty="0">
+                <a:solidFill>
+                  <a:schemeClr val="tx1"/>
+                </a:solidFill>
+                <a:effectLst/>
+                <a:latin typeface="+mn-lt"/>
+                <a:ea typeface="+mn-ea"/>
+                <a:cs typeface="+mn-cs"/>
+              </a:rPr>
+              <a:t> </a:t>
+            </a:r>
+            <a:r>
+              <a:rPr lang="de-CH" sz="1200" b="0" kern="1200" dirty="0" err="1">
+                <a:solidFill>
+                  <a:schemeClr val="tx1"/>
+                </a:solidFill>
+                <a:effectLst/>
+                <a:latin typeface="+mn-lt"/>
+                <a:ea typeface="+mn-ea"/>
+                <a:cs typeface="+mn-cs"/>
+              </a:rPr>
+              <a:t>from</a:t>
+            </a:r>
+            <a:r>
+              <a:rPr lang="de-CH" sz="1200" b="0" kern="1200" dirty="0">
+                <a:solidFill>
+                  <a:schemeClr val="tx1"/>
+                </a:solidFill>
+                <a:effectLst/>
+                <a:latin typeface="+mn-lt"/>
+                <a:ea typeface="+mn-ea"/>
+                <a:cs typeface="+mn-cs"/>
+              </a:rPr>
+              <a:t> G7 countries </a:t>
+            </a:r>
+            <a:r>
+              <a:rPr lang="de-CH" sz="1200" b="0" u="sng" kern="1200" dirty="0" err="1">
+                <a:solidFill>
+                  <a:schemeClr val="tx1"/>
+                </a:solidFill>
+                <a:effectLst/>
+                <a:latin typeface="+mn-lt"/>
+                <a:ea typeface="+mn-ea"/>
+                <a:cs typeface="+mn-cs"/>
+                <a:hlinkClick r:id="rId4"/>
+              </a:rPr>
+              <a:t>agree</a:t>
+            </a:r>
+            <a:r>
+              <a:rPr lang="de-CH" sz="1200" b="0" kern="1200" dirty="0">
+                <a:solidFill>
+                  <a:schemeClr val="tx1"/>
+                </a:solidFill>
+                <a:effectLst/>
+                <a:latin typeface="+mn-lt"/>
+                <a:ea typeface="+mn-ea"/>
+                <a:cs typeface="+mn-cs"/>
+              </a:rPr>
+              <a:t> </a:t>
+            </a:r>
+            <a:r>
+              <a:rPr lang="de-CH" sz="1200" b="0" kern="1200" dirty="0" err="1">
+                <a:solidFill>
+                  <a:schemeClr val="tx1"/>
+                </a:solidFill>
+                <a:effectLst/>
+                <a:latin typeface="+mn-lt"/>
+                <a:ea typeface="+mn-ea"/>
+                <a:cs typeface="+mn-cs"/>
+              </a:rPr>
+              <a:t>to</a:t>
+            </a:r>
+            <a:r>
+              <a:rPr lang="de-CH" sz="1200" b="0" kern="1200" dirty="0">
+                <a:solidFill>
+                  <a:schemeClr val="tx1"/>
+                </a:solidFill>
+                <a:effectLst/>
+                <a:latin typeface="+mn-lt"/>
+                <a:ea typeface="+mn-ea"/>
+                <a:cs typeface="+mn-cs"/>
+              </a:rPr>
+              <a:t> </a:t>
+            </a:r>
+            <a:r>
+              <a:rPr lang="de-CH" sz="1200" b="0" kern="1200" dirty="0" err="1">
+                <a:solidFill>
+                  <a:schemeClr val="tx1"/>
+                </a:solidFill>
+                <a:effectLst/>
+                <a:latin typeface="+mn-lt"/>
+                <a:ea typeface="+mn-ea"/>
+                <a:cs typeface="+mn-cs"/>
+              </a:rPr>
+              <a:t>coordinate</a:t>
+            </a:r>
+            <a:r>
+              <a:rPr lang="de-CH" sz="1200" b="0" kern="1200" dirty="0">
+                <a:solidFill>
+                  <a:schemeClr val="tx1"/>
+                </a:solidFill>
+                <a:effectLst/>
+                <a:latin typeface="+mn-lt"/>
+                <a:ea typeface="+mn-ea"/>
+                <a:cs typeface="+mn-cs"/>
+              </a:rPr>
+              <a:t> </a:t>
+            </a:r>
+            <a:r>
+              <a:rPr lang="de-CH" sz="1200" b="0" kern="1200" dirty="0" err="1">
+                <a:solidFill>
+                  <a:schemeClr val="tx1"/>
+                </a:solidFill>
+                <a:effectLst/>
+                <a:latin typeface="+mn-lt"/>
+                <a:ea typeface="+mn-ea"/>
+                <a:cs typeface="+mn-cs"/>
+              </a:rPr>
+              <a:t>their</a:t>
+            </a:r>
+            <a:r>
+              <a:rPr lang="de-CH" sz="1200" b="0" kern="1200" dirty="0">
+                <a:solidFill>
+                  <a:schemeClr val="tx1"/>
+                </a:solidFill>
+                <a:effectLst/>
+                <a:latin typeface="+mn-lt"/>
+                <a:ea typeface="+mn-ea"/>
+                <a:cs typeface="+mn-cs"/>
+              </a:rPr>
+              <a:t> </a:t>
+            </a:r>
+            <a:r>
+              <a:rPr lang="de-CH" sz="1200" b="0" kern="1200" dirty="0" err="1">
+                <a:solidFill>
+                  <a:schemeClr val="tx1"/>
+                </a:solidFill>
+                <a:effectLst/>
+                <a:latin typeface="+mn-lt"/>
+                <a:ea typeface="+mn-ea"/>
+                <a:cs typeface="+mn-cs"/>
+              </a:rPr>
+              <a:t>responses</a:t>
+            </a:r>
+            <a:r>
+              <a:rPr lang="de-CH" sz="1200" b="0" kern="1200" dirty="0">
+                <a:solidFill>
+                  <a:schemeClr val="tx1"/>
+                </a:solidFill>
+                <a:effectLst/>
+                <a:latin typeface="+mn-lt"/>
+                <a:ea typeface="+mn-ea"/>
+                <a:cs typeface="+mn-cs"/>
+              </a:rPr>
+              <a:t> </a:t>
+            </a:r>
+            <a:r>
+              <a:rPr lang="de-CH" sz="1200" b="0" kern="1200" dirty="0" err="1">
+                <a:solidFill>
+                  <a:schemeClr val="tx1"/>
+                </a:solidFill>
+                <a:effectLst/>
+                <a:latin typeface="+mn-lt"/>
+                <a:ea typeface="+mn-ea"/>
+                <a:cs typeface="+mn-cs"/>
+              </a:rPr>
+              <a:t>to</a:t>
+            </a:r>
+            <a:r>
+              <a:rPr lang="de-CH" sz="1200" b="0" kern="1200" dirty="0">
+                <a:solidFill>
+                  <a:schemeClr val="tx1"/>
+                </a:solidFill>
+                <a:effectLst/>
+                <a:latin typeface="+mn-lt"/>
+                <a:ea typeface="+mn-ea"/>
+                <a:cs typeface="+mn-cs"/>
+              </a:rPr>
+              <a:t> the </a:t>
+            </a:r>
+            <a:r>
+              <a:rPr lang="de-CH" sz="1200" b="0" kern="1200" dirty="0" err="1">
+                <a:solidFill>
+                  <a:schemeClr val="tx1"/>
+                </a:solidFill>
+                <a:effectLst/>
+                <a:latin typeface="+mn-lt"/>
+                <a:ea typeface="+mn-ea"/>
+                <a:cs typeface="+mn-cs"/>
+              </a:rPr>
+              <a:t>outbreak</a:t>
+            </a:r>
+            <a:r>
+              <a:rPr lang="de-CH" sz="1200" b="0" kern="1200" dirty="0">
+                <a:solidFill>
+                  <a:schemeClr val="tx1"/>
+                </a:solidFill>
+                <a:effectLst/>
+                <a:latin typeface="+mn-lt"/>
+                <a:ea typeface="+mn-ea"/>
+                <a:cs typeface="+mn-cs"/>
+              </a:rPr>
+              <a:t>. </a:t>
+            </a:r>
+            <a:endParaRPr lang="de-CH" sz="1200" b="1" kern="1200" dirty="0">
+              <a:solidFill>
+                <a:schemeClr val="tx1"/>
+              </a:solidFill>
+              <a:effectLst/>
+              <a:latin typeface="+mn-lt"/>
+              <a:ea typeface="+mn-ea"/>
+              <a:cs typeface="+mn-cs"/>
+            </a:endParaRPr>
+          </a:p>
+          <a:p>
+            <a:pPr fontAlgn="base"/>
+            <a:r>
+              <a:rPr lang="de-CH" sz="1200" b="1" kern="1200" dirty="0" err="1">
+                <a:solidFill>
+                  <a:schemeClr val="tx1"/>
+                </a:solidFill>
+                <a:effectLst/>
+                <a:latin typeface="+mn-lt"/>
+                <a:ea typeface="+mn-ea"/>
+                <a:cs typeface="+mn-cs"/>
+              </a:rPr>
+              <a:t>February</a:t>
+            </a:r>
+            <a:r>
+              <a:rPr lang="de-CH" sz="1200" b="1" kern="1200" dirty="0">
+                <a:solidFill>
+                  <a:schemeClr val="tx1"/>
+                </a:solidFill>
+                <a:effectLst/>
+                <a:latin typeface="+mn-lt"/>
+                <a:ea typeface="+mn-ea"/>
+                <a:cs typeface="+mn-cs"/>
+              </a:rPr>
+              <a:t> 4 </a:t>
+            </a:r>
+            <a:r>
+              <a:rPr lang="de-CH" sz="1200" b="0" u="sng" kern="1200" dirty="0">
+                <a:solidFill>
+                  <a:schemeClr val="tx1"/>
+                </a:solidFill>
+                <a:effectLst/>
+                <a:latin typeface="+mn-lt"/>
+                <a:ea typeface="+mn-ea"/>
+                <a:cs typeface="+mn-cs"/>
+                <a:hlinkClick r:id="rId5"/>
+              </a:rPr>
+              <a:t>United Kingdom</a:t>
+            </a:r>
+            <a:r>
+              <a:rPr lang="de-CH" sz="1200" b="0" kern="1200" dirty="0">
+                <a:solidFill>
+                  <a:schemeClr val="tx1"/>
+                </a:solidFill>
+                <a:effectLst/>
+                <a:latin typeface="+mn-lt"/>
+                <a:ea typeface="+mn-ea"/>
+                <a:cs typeface="+mn-cs"/>
+              </a:rPr>
+              <a:t> and </a:t>
+            </a:r>
+            <a:r>
+              <a:rPr lang="de-CH" sz="1200" b="0" u="sng" kern="1200" dirty="0">
+                <a:solidFill>
+                  <a:schemeClr val="tx1"/>
+                </a:solidFill>
+                <a:effectLst/>
+                <a:latin typeface="+mn-lt"/>
+                <a:ea typeface="+mn-ea"/>
+                <a:cs typeface="+mn-cs"/>
+                <a:hlinkClick r:id="rId6"/>
+              </a:rPr>
+              <a:t>France</a:t>
+            </a:r>
+            <a:r>
+              <a:rPr lang="de-CH" sz="1200" b="0" kern="1200" dirty="0">
+                <a:solidFill>
+                  <a:schemeClr val="tx1"/>
+                </a:solidFill>
+                <a:effectLst/>
+                <a:latin typeface="+mn-lt"/>
+                <a:ea typeface="+mn-ea"/>
+                <a:cs typeface="+mn-cs"/>
+              </a:rPr>
+              <a:t> </a:t>
+            </a:r>
+            <a:r>
+              <a:rPr lang="de-CH" sz="1200" b="0" kern="1200" dirty="0" err="1">
+                <a:solidFill>
+                  <a:schemeClr val="tx1"/>
+                </a:solidFill>
+                <a:effectLst/>
+                <a:latin typeface="+mn-lt"/>
+                <a:ea typeface="+mn-ea"/>
+                <a:cs typeface="+mn-cs"/>
+              </a:rPr>
+              <a:t>advise</a:t>
+            </a:r>
+            <a:r>
+              <a:rPr lang="de-CH" sz="1200" b="0" kern="1200" dirty="0">
+                <a:solidFill>
+                  <a:schemeClr val="tx1"/>
+                </a:solidFill>
+                <a:effectLst/>
+                <a:latin typeface="+mn-lt"/>
+                <a:ea typeface="+mn-ea"/>
+                <a:cs typeface="+mn-cs"/>
+              </a:rPr>
+              <a:t> </a:t>
+            </a:r>
+            <a:r>
+              <a:rPr lang="de-CH" sz="1200" b="0" kern="1200" dirty="0" err="1">
+                <a:solidFill>
+                  <a:schemeClr val="tx1"/>
+                </a:solidFill>
+                <a:effectLst/>
+                <a:latin typeface="+mn-lt"/>
+                <a:ea typeface="+mn-ea"/>
+                <a:cs typeface="+mn-cs"/>
+              </a:rPr>
+              <a:t>against</a:t>
+            </a:r>
+            <a:r>
+              <a:rPr lang="de-CH" sz="1200" b="0" kern="1200" dirty="0">
+                <a:solidFill>
+                  <a:schemeClr val="tx1"/>
+                </a:solidFill>
+                <a:effectLst/>
+                <a:latin typeface="+mn-lt"/>
+                <a:ea typeface="+mn-ea"/>
+                <a:cs typeface="+mn-cs"/>
+              </a:rPr>
+              <a:t> all but essential </a:t>
+            </a:r>
+            <a:r>
+              <a:rPr lang="de-CH" sz="1200" b="0" kern="1200" dirty="0" err="1">
+                <a:solidFill>
+                  <a:schemeClr val="tx1"/>
+                </a:solidFill>
+                <a:effectLst/>
+                <a:latin typeface="+mn-lt"/>
+                <a:ea typeface="+mn-ea"/>
+                <a:cs typeface="+mn-cs"/>
+              </a:rPr>
+              <a:t>travel</a:t>
+            </a:r>
+            <a:r>
+              <a:rPr lang="de-CH" sz="1200" b="0" kern="1200" dirty="0">
+                <a:solidFill>
+                  <a:schemeClr val="tx1"/>
+                </a:solidFill>
+                <a:effectLst/>
+                <a:latin typeface="+mn-lt"/>
+                <a:ea typeface="+mn-ea"/>
+                <a:cs typeface="+mn-cs"/>
+              </a:rPr>
+              <a:t> </a:t>
+            </a:r>
+            <a:r>
+              <a:rPr lang="de-CH" sz="1200" b="0" kern="1200" dirty="0" err="1">
+                <a:solidFill>
+                  <a:schemeClr val="tx1"/>
+                </a:solidFill>
+                <a:effectLst/>
+                <a:latin typeface="+mn-lt"/>
+                <a:ea typeface="+mn-ea"/>
+                <a:cs typeface="+mn-cs"/>
+              </a:rPr>
+              <a:t>to</a:t>
+            </a:r>
+            <a:r>
+              <a:rPr lang="de-CH" sz="1200" b="0" kern="1200" dirty="0">
+                <a:solidFill>
+                  <a:schemeClr val="tx1"/>
+                </a:solidFill>
+                <a:effectLst/>
+                <a:latin typeface="+mn-lt"/>
+                <a:ea typeface="+mn-ea"/>
+                <a:cs typeface="+mn-cs"/>
+              </a:rPr>
+              <a:t> </a:t>
+            </a:r>
+            <a:r>
+              <a:rPr lang="de-CH" sz="1200" b="0" kern="1200" dirty="0" err="1">
+                <a:solidFill>
+                  <a:schemeClr val="tx1"/>
+                </a:solidFill>
+                <a:effectLst/>
+                <a:latin typeface="+mn-lt"/>
+                <a:ea typeface="+mn-ea"/>
+                <a:cs typeface="+mn-cs"/>
+              </a:rPr>
+              <a:t>mainland</a:t>
+            </a:r>
+            <a:r>
+              <a:rPr lang="de-CH" sz="1200" b="0" kern="1200" dirty="0">
+                <a:solidFill>
+                  <a:schemeClr val="tx1"/>
+                </a:solidFill>
+                <a:effectLst/>
+                <a:latin typeface="+mn-lt"/>
+                <a:ea typeface="+mn-ea"/>
+                <a:cs typeface="+mn-cs"/>
+              </a:rPr>
+              <a:t> China</a:t>
+            </a:r>
+            <a:r>
+              <a:rPr lang="de-CH" sz="1200" b="1" kern="1200" dirty="0">
+                <a:solidFill>
+                  <a:schemeClr val="tx1"/>
+                </a:solidFill>
+                <a:effectLst/>
+                <a:latin typeface="+mn-lt"/>
+                <a:ea typeface="+mn-ea"/>
+                <a:cs typeface="+mn-cs"/>
+              </a:rPr>
+              <a:t>. </a:t>
+            </a:r>
+            <a:r>
+              <a:rPr lang="de-CH" sz="1200" b="1" kern="1200" dirty="0">
+                <a:solidFill>
+                  <a:schemeClr val="tx1"/>
+                </a:solidFill>
+                <a:effectLst/>
+                <a:latin typeface="+mn-lt"/>
+                <a:ea typeface="+mn-ea"/>
+                <a:cs typeface="+mn-cs"/>
+                <a:sym typeface="Wingdings" panose="05000000000000000000" pitchFamily="2" charset="2"/>
+              </a:rPr>
+              <a:t> </a:t>
+            </a:r>
+            <a:r>
+              <a:rPr lang="de-CH" sz="1200" b="1" kern="1200" dirty="0" err="1">
+                <a:solidFill>
+                  <a:schemeClr val="tx1"/>
+                </a:solidFill>
+                <a:effectLst/>
+                <a:latin typeface="+mn-lt"/>
+                <a:ea typeface="+mn-ea"/>
+                <a:cs typeface="+mn-cs"/>
+                <a:sym typeface="Wingdings" panose="05000000000000000000" pitchFamily="2" charset="2"/>
+              </a:rPr>
+              <a:t>healt</a:t>
+            </a:r>
+            <a:r>
+              <a:rPr lang="de-CH" sz="1200" b="1" kern="1200" dirty="0">
+                <a:solidFill>
+                  <a:schemeClr val="tx1"/>
+                </a:solidFill>
+                <a:effectLst/>
+                <a:latin typeface="+mn-lt"/>
+                <a:ea typeface="+mn-ea"/>
+                <a:cs typeface="+mn-cs"/>
+                <a:sym typeface="Wingdings" panose="05000000000000000000" pitchFamily="2" charset="2"/>
+              </a:rPr>
+              <a:t> </a:t>
+            </a:r>
+            <a:r>
+              <a:rPr lang="de-CH" sz="1200" b="1" kern="1200" dirty="0" err="1">
+                <a:solidFill>
+                  <a:schemeClr val="tx1"/>
+                </a:solidFill>
+                <a:effectLst/>
+                <a:latin typeface="+mn-lt"/>
+                <a:ea typeface="+mn-ea"/>
+                <a:cs typeface="+mn-cs"/>
+                <a:sym typeface="Wingdings" panose="05000000000000000000" pitchFamily="2" charset="2"/>
+              </a:rPr>
+              <a:t>news</a:t>
+            </a:r>
+            <a:r>
+              <a:rPr lang="de-CH" sz="1200" b="1" kern="1200" dirty="0">
+                <a:solidFill>
+                  <a:schemeClr val="tx1"/>
+                </a:solidFill>
+                <a:effectLst/>
+                <a:latin typeface="+mn-lt"/>
+                <a:ea typeface="+mn-ea"/>
+                <a:cs typeface="+mn-cs"/>
+                <a:sym typeface="Wingdings" panose="05000000000000000000" pitchFamily="2" charset="2"/>
+              </a:rPr>
+              <a:t> </a:t>
+            </a:r>
+            <a:r>
+              <a:rPr lang="de-CH" sz="1200" b="1" kern="1200" dirty="0" err="1">
+                <a:solidFill>
+                  <a:schemeClr val="tx1"/>
+                </a:solidFill>
+                <a:effectLst/>
+                <a:latin typeface="+mn-lt"/>
+                <a:ea typeface="+mn-ea"/>
+                <a:cs typeface="+mn-cs"/>
+                <a:sym typeface="Wingdings" panose="05000000000000000000" pitchFamily="2" charset="2"/>
+              </a:rPr>
+              <a:t>sentiment</a:t>
+            </a:r>
+            <a:r>
+              <a:rPr lang="de-CH" sz="1200" b="1" kern="1200" dirty="0">
+                <a:solidFill>
+                  <a:schemeClr val="tx1"/>
+                </a:solidFill>
+                <a:effectLst/>
+                <a:latin typeface="+mn-lt"/>
+                <a:ea typeface="+mn-ea"/>
+                <a:cs typeface="+mn-cs"/>
+                <a:sym typeface="Wingdings" panose="05000000000000000000" pitchFamily="2" charset="2"/>
+              </a:rPr>
+              <a:t> </a:t>
+            </a:r>
+            <a:r>
+              <a:rPr lang="de-CH" sz="1200" b="1" kern="1200" dirty="0" err="1">
+                <a:solidFill>
+                  <a:schemeClr val="tx1"/>
+                </a:solidFill>
+                <a:effectLst/>
+                <a:latin typeface="+mn-lt"/>
+                <a:ea typeface="+mn-ea"/>
+                <a:cs typeface="+mn-cs"/>
+                <a:sym typeface="Wingdings" panose="05000000000000000000" pitchFamily="2" charset="2"/>
+              </a:rPr>
+              <a:t>evolution</a:t>
+            </a:r>
+            <a:r>
+              <a:rPr lang="de-CH" sz="1200" b="1" kern="1200" dirty="0">
+                <a:solidFill>
+                  <a:schemeClr val="tx1"/>
+                </a:solidFill>
+                <a:effectLst/>
+                <a:latin typeface="+mn-lt"/>
+                <a:ea typeface="+mn-ea"/>
+                <a:cs typeface="+mn-cs"/>
+                <a:sym typeface="Wingdings" panose="05000000000000000000" pitchFamily="2" charset="2"/>
+              </a:rPr>
+              <a:t> </a:t>
+            </a:r>
+            <a:r>
+              <a:rPr lang="de-CH" sz="1200" b="1" kern="1200" dirty="0" err="1">
+                <a:solidFill>
+                  <a:schemeClr val="tx1"/>
+                </a:solidFill>
+                <a:effectLst/>
+                <a:latin typeface="+mn-lt"/>
+                <a:ea typeface="+mn-ea"/>
+                <a:cs typeface="+mn-cs"/>
+                <a:sym typeface="Wingdings" panose="05000000000000000000" pitchFamily="2" charset="2"/>
+              </a:rPr>
+              <a:t>goes</a:t>
+            </a:r>
+            <a:r>
+              <a:rPr lang="de-CH" sz="1200" b="1" kern="1200" dirty="0">
+                <a:solidFill>
+                  <a:schemeClr val="tx1"/>
+                </a:solidFill>
+                <a:effectLst/>
+                <a:latin typeface="+mn-lt"/>
+                <a:ea typeface="+mn-ea"/>
+                <a:cs typeface="+mn-cs"/>
+                <a:sym typeface="Wingdings" panose="05000000000000000000" pitchFamily="2" charset="2"/>
+              </a:rPr>
+              <a:t> down </a:t>
+            </a:r>
+            <a:r>
+              <a:rPr lang="de-CH" sz="1200" b="1" kern="1200" dirty="0" err="1">
+                <a:solidFill>
+                  <a:schemeClr val="tx1"/>
+                </a:solidFill>
+                <a:effectLst/>
+                <a:latin typeface="+mn-lt"/>
+                <a:ea typeface="+mn-ea"/>
+                <a:cs typeface="+mn-cs"/>
+                <a:sym typeface="Wingdings" panose="05000000000000000000" pitchFamily="2" charset="2"/>
+              </a:rPr>
+              <a:t>util</a:t>
+            </a:r>
+            <a:r>
+              <a:rPr lang="de-CH" sz="1200" b="1" kern="1200" dirty="0">
+                <a:solidFill>
+                  <a:schemeClr val="tx1"/>
+                </a:solidFill>
+                <a:effectLst/>
+                <a:latin typeface="+mn-lt"/>
+                <a:ea typeface="+mn-ea"/>
+                <a:cs typeface="+mn-cs"/>
+                <a:sym typeface="Wingdings" panose="05000000000000000000" pitchFamily="2" charset="2"/>
+              </a:rPr>
+              <a:t> end of </a:t>
+            </a:r>
+            <a:r>
+              <a:rPr lang="de-CH" sz="1200" b="1" kern="1200" dirty="0" err="1">
+                <a:solidFill>
+                  <a:schemeClr val="tx1"/>
+                </a:solidFill>
+                <a:effectLst/>
+                <a:latin typeface="+mn-lt"/>
+                <a:ea typeface="+mn-ea"/>
+                <a:cs typeface="+mn-cs"/>
+                <a:sym typeface="Wingdings" panose="05000000000000000000" pitchFamily="2" charset="2"/>
+              </a:rPr>
+              <a:t>april</a:t>
+            </a:r>
+            <a:endParaRPr lang="de-CH" sz="1200" b="1" kern="1200" dirty="0">
+              <a:solidFill>
+                <a:schemeClr val="tx1"/>
+              </a:solidFill>
+              <a:effectLst/>
+              <a:latin typeface="+mn-lt"/>
+              <a:ea typeface="+mn-ea"/>
+              <a:cs typeface="+mn-cs"/>
+            </a:endParaRPr>
+          </a:p>
+          <a:p>
+            <a:pPr fontAlgn="base"/>
+            <a:r>
+              <a:rPr lang="de-CH" sz="1200" b="1" kern="1200" dirty="0" err="1">
+                <a:solidFill>
+                  <a:schemeClr val="tx1"/>
+                </a:solidFill>
+                <a:effectLst/>
+                <a:latin typeface="+mn-lt"/>
+                <a:ea typeface="+mn-ea"/>
+                <a:cs typeface="+mn-cs"/>
+              </a:rPr>
+              <a:t>February</a:t>
+            </a:r>
+            <a:r>
+              <a:rPr lang="de-CH" sz="1200" b="1" kern="1200" dirty="0">
+                <a:solidFill>
+                  <a:schemeClr val="tx1"/>
+                </a:solidFill>
+                <a:effectLst/>
+                <a:latin typeface="+mn-lt"/>
+                <a:ea typeface="+mn-ea"/>
+                <a:cs typeface="+mn-cs"/>
+              </a:rPr>
+              <a:t> 10 </a:t>
+            </a:r>
+            <a:r>
+              <a:rPr lang="de-CH" sz="1200" b="0" kern="1200" dirty="0">
+                <a:solidFill>
+                  <a:schemeClr val="tx1"/>
+                </a:solidFill>
+                <a:effectLst/>
+                <a:latin typeface="+mn-lt"/>
+                <a:ea typeface="+mn-ea"/>
+                <a:cs typeface="+mn-cs"/>
+              </a:rPr>
+              <a:t>The United Kingdom </a:t>
+            </a:r>
+            <a:r>
+              <a:rPr lang="de-CH" sz="1200" b="0" u="sng" kern="1200" dirty="0" err="1">
+                <a:solidFill>
+                  <a:schemeClr val="tx1"/>
+                </a:solidFill>
+                <a:effectLst/>
+                <a:latin typeface="+mn-lt"/>
+                <a:ea typeface="+mn-ea"/>
+                <a:cs typeface="+mn-cs"/>
+                <a:hlinkClick r:id="rId7"/>
+              </a:rPr>
+              <a:t>declares</a:t>
+            </a:r>
+            <a:r>
+              <a:rPr lang="de-CH" sz="1200" b="0" kern="1200" dirty="0">
+                <a:solidFill>
+                  <a:schemeClr val="tx1"/>
+                </a:solidFill>
+                <a:effectLst/>
+                <a:latin typeface="+mn-lt"/>
+                <a:ea typeface="+mn-ea"/>
+                <a:cs typeface="+mn-cs"/>
+              </a:rPr>
+              <a:t> </a:t>
+            </a:r>
+            <a:r>
+              <a:rPr lang="de-CH" sz="1200" b="0" kern="1200" dirty="0" err="1">
+                <a:solidFill>
+                  <a:schemeClr val="tx1"/>
+                </a:solidFill>
+                <a:effectLst/>
+                <a:latin typeface="+mn-lt"/>
+                <a:ea typeface="+mn-ea"/>
+                <a:cs typeface="+mn-cs"/>
+              </a:rPr>
+              <a:t>that</a:t>
+            </a:r>
+            <a:r>
+              <a:rPr lang="de-CH" sz="1200" b="0" kern="1200" dirty="0">
+                <a:solidFill>
+                  <a:schemeClr val="tx1"/>
+                </a:solidFill>
+                <a:effectLst/>
+                <a:latin typeface="+mn-lt"/>
+                <a:ea typeface="+mn-ea"/>
+                <a:cs typeface="+mn-cs"/>
+              </a:rPr>
+              <a:t> the </a:t>
+            </a:r>
+            <a:r>
+              <a:rPr lang="de-CH" sz="1200" b="0" kern="1200" dirty="0" err="1">
+                <a:solidFill>
+                  <a:schemeClr val="tx1"/>
+                </a:solidFill>
+                <a:effectLst/>
+                <a:latin typeface="+mn-lt"/>
+                <a:ea typeface="+mn-ea"/>
+                <a:cs typeface="+mn-cs"/>
+              </a:rPr>
+              <a:t>coronavirus</a:t>
+            </a:r>
+            <a:r>
+              <a:rPr lang="de-CH" sz="1200" b="0" kern="1200" dirty="0">
+                <a:solidFill>
+                  <a:schemeClr val="tx1"/>
+                </a:solidFill>
+                <a:effectLst/>
+                <a:latin typeface="+mn-lt"/>
+                <a:ea typeface="+mn-ea"/>
+                <a:cs typeface="+mn-cs"/>
+              </a:rPr>
+              <a:t> </a:t>
+            </a:r>
+            <a:r>
+              <a:rPr lang="de-CH" sz="1200" b="0" kern="1200" dirty="0" err="1">
+                <a:solidFill>
+                  <a:schemeClr val="tx1"/>
+                </a:solidFill>
+                <a:effectLst/>
+                <a:latin typeface="+mn-lt"/>
+                <a:ea typeface="+mn-ea"/>
+                <a:cs typeface="+mn-cs"/>
+              </a:rPr>
+              <a:t>constitutes</a:t>
+            </a:r>
+            <a:r>
+              <a:rPr lang="de-CH" sz="1200" b="0" kern="1200" dirty="0">
+                <a:solidFill>
+                  <a:schemeClr val="tx1"/>
+                </a:solidFill>
+                <a:effectLst/>
+                <a:latin typeface="+mn-lt"/>
+                <a:ea typeface="+mn-ea"/>
+                <a:cs typeface="+mn-cs"/>
+              </a:rPr>
+              <a:t> a </a:t>
+            </a:r>
+            <a:r>
+              <a:rPr lang="de-CH" sz="1200" b="0" kern="1200" dirty="0" err="1">
+                <a:solidFill>
+                  <a:schemeClr val="tx1"/>
+                </a:solidFill>
+                <a:effectLst/>
+                <a:latin typeface="+mn-lt"/>
+                <a:ea typeface="+mn-ea"/>
+                <a:cs typeface="+mn-cs"/>
+              </a:rPr>
+              <a:t>serious</a:t>
+            </a:r>
+            <a:r>
+              <a:rPr lang="de-CH" sz="1200" b="0" kern="1200" dirty="0">
+                <a:solidFill>
+                  <a:schemeClr val="tx1"/>
+                </a:solidFill>
+                <a:effectLst/>
+                <a:latin typeface="+mn-lt"/>
+                <a:ea typeface="+mn-ea"/>
+                <a:cs typeface="+mn-cs"/>
+              </a:rPr>
+              <a:t> and imminent </a:t>
+            </a:r>
+            <a:r>
+              <a:rPr lang="de-CH" sz="1200" b="0" kern="1200" dirty="0" err="1">
+                <a:solidFill>
+                  <a:schemeClr val="tx1"/>
+                </a:solidFill>
+                <a:effectLst/>
+                <a:latin typeface="+mn-lt"/>
+                <a:ea typeface="+mn-ea"/>
+                <a:cs typeface="+mn-cs"/>
+              </a:rPr>
+              <a:t>threat</a:t>
+            </a:r>
+            <a:r>
+              <a:rPr lang="de-CH" sz="1200" b="0" kern="1200" dirty="0">
+                <a:solidFill>
+                  <a:schemeClr val="tx1"/>
+                </a:solidFill>
+                <a:effectLst/>
+                <a:latin typeface="+mn-lt"/>
+                <a:ea typeface="+mn-ea"/>
+                <a:cs typeface="+mn-cs"/>
+              </a:rPr>
+              <a:t> </a:t>
+            </a:r>
+            <a:r>
+              <a:rPr lang="de-CH" sz="1200" b="0" kern="1200" dirty="0" err="1">
+                <a:solidFill>
+                  <a:schemeClr val="tx1"/>
+                </a:solidFill>
+                <a:effectLst/>
+                <a:latin typeface="+mn-lt"/>
+                <a:ea typeface="+mn-ea"/>
+                <a:cs typeface="+mn-cs"/>
+              </a:rPr>
+              <a:t>to</a:t>
+            </a:r>
+            <a:r>
+              <a:rPr lang="de-CH" sz="1200" b="0" kern="1200" dirty="0">
+                <a:solidFill>
+                  <a:schemeClr val="tx1"/>
+                </a:solidFill>
+                <a:effectLst/>
+                <a:latin typeface="+mn-lt"/>
+                <a:ea typeface="+mn-ea"/>
+                <a:cs typeface="+mn-cs"/>
+              </a:rPr>
+              <a:t> </a:t>
+            </a:r>
+            <a:r>
+              <a:rPr lang="de-CH" sz="1200" b="0" kern="1200" dirty="0" err="1">
+                <a:solidFill>
+                  <a:schemeClr val="tx1"/>
+                </a:solidFill>
+                <a:effectLst/>
+                <a:latin typeface="+mn-lt"/>
+                <a:ea typeface="+mn-ea"/>
+                <a:cs typeface="+mn-cs"/>
+              </a:rPr>
+              <a:t>public</a:t>
+            </a:r>
+            <a:r>
+              <a:rPr lang="de-CH" sz="1200" b="0" kern="1200" dirty="0">
+                <a:solidFill>
+                  <a:schemeClr val="tx1"/>
+                </a:solidFill>
+                <a:effectLst/>
+                <a:latin typeface="+mn-lt"/>
+                <a:ea typeface="+mn-ea"/>
+                <a:cs typeface="+mn-cs"/>
+              </a:rPr>
+              <a:t> </a:t>
+            </a:r>
+            <a:r>
+              <a:rPr lang="de-CH" sz="1200" b="0" kern="1200" dirty="0" err="1">
+                <a:solidFill>
+                  <a:schemeClr val="tx1"/>
+                </a:solidFill>
+                <a:effectLst/>
+                <a:latin typeface="+mn-lt"/>
+                <a:ea typeface="+mn-ea"/>
+                <a:cs typeface="+mn-cs"/>
+              </a:rPr>
+              <a:t>health</a:t>
+            </a:r>
+            <a:r>
+              <a:rPr lang="de-CH" sz="1200" b="0" kern="1200" dirty="0">
+                <a:solidFill>
+                  <a:schemeClr val="tx1"/>
+                </a:solidFill>
+                <a:effectLst/>
+                <a:latin typeface="+mn-lt"/>
+                <a:ea typeface="+mn-ea"/>
+                <a:cs typeface="+mn-cs"/>
+              </a:rPr>
+              <a:t>. </a:t>
+            </a:r>
+            <a:r>
+              <a:rPr lang="de-CH" sz="1200" b="0" kern="1200" dirty="0">
+                <a:solidFill>
+                  <a:schemeClr val="tx1"/>
+                </a:solidFill>
+                <a:effectLst/>
+                <a:latin typeface="+mn-lt"/>
+                <a:ea typeface="+mn-ea"/>
+                <a:cs typeface="+mn-cs"/>
+                <a:sym typeface="Wingdings" panose="05000000000000000000" pitchFamily="2" charset="2"/>
+              </a:rPr>
+              <a:t> Johnsons </a:t>
+            </a:r>
+            <a:r>
+              <a:rPr lang="de-CH" sz="1200" b="0" kern="1200" dirty="0" err="1">
+                <a:solidFill>
+                  <a:schemeClr val="tx1"/>
+                </a:solidFill>
+                <a:effectLst/>
+                <a:latin typeface="+mn-lt"/>
+                <a:ea typeface="+mn-ea"/>
+                <a:cs typeface="+mn-cs"/>
+                <a:sym typeface="Wingdings" panose="05000000000000000000" pitchFamily="2" charset="2"/>
+              </a:rPr>
+              <a:t>sentiment</a:t>
+            </a:r>
+            <a:r>
+              <a:rPr lang="de-CH" sz="1200" b="0" kern="1200" dirty="0">
+                <a:solidFill>
+                  <a:schemeClr val="tx1"/>
+                </a:solidFill>
+                <a:effectLst/>
+                <a:latin typeface="+mn-lt"/>
+                <a:ea typeface="+mn-ea"/>
+                <a:cs typeface="+mn-cs"/>
+                <a:sym typeface="Wingdings" panose="05000000000000000000" pitchFamily="2" charset="2"/>
+              </a:rPr>
+              <a:t> </a:t>
+            </a:r>
+            <a:r>
+              <a:rPr lang="de-CH" sz="1200" b="0" kern="1200" dirty="0" err="1">
+                <a:solidFill>
+                  <a:schemeClr val="tx1"/>
+                </a:solidFill>
+                <a:effectLst/>
+                <a:latin typeface="+mn-lt"/>
+                <a:ea typeface="+mn-ea"/>
+                <a:cs typeface="+mn-cs"/>
+                <a:sym typeface="Wingdings" panose="05000000000000000000" pitchFamily="2" charset="2"/>
+              </a:rPr>
+              <a:t>rather</a:t>
+            </a:r>
+            <a:r>
+              <a:rPr lang="de-CH" sz="1200" b="0" kern="1200" dirty="0">
+                <a:solidFill>
+                  <a:schemeClr val="tx1"/>
+                </a:solidFill>
+                <a:effectLst/>
+                <a:latin typeface="+mn-lt"/>
+                <a:ea typeface="+mn-ea"/>
+                <a:cs typeface="+mn-cs"/>
+                <a:sym typeface="Wingdings" panose="05000000000000000000" pitchFamily="2" charset="2"/>
+              </a:rPr>
+              <a:t> </a:t>
+            </a:r>
+            <a:r>
+              <a:rPr lang="de-CH" sz="1200" b="0" kern="1200" dirty="0" err="1">
+                <a:solidFill>
+                  <a:schemeClr val="tx1"/>
+                </a:solidFill>
+                <a:effectLst/>
+                <a:latin typeface="+mn-lt"/>
+                <a:ea typeface="+mn-ea"/>
+                <a:cs typeface="+mn-cs"/>
+                <a:sym typeface="Wingdings" panose="05000000000000000000" pitchFamily="2" charset="2"/>
+              </a:rPr>
+              <a:t>goes</a:t>
+            </a:r>
+            <a:r>
+              <a:rPr lang="de-CH" sz="1200" b="0" kern="1200" dirty="0">
+                <a:solidFill>
+                  <a:schemeClr val="tx1"/>
+                </a:solidFill>
+                <a:effectLst/>
+                <a:latin typeface="+mn-lt"/>
+                <a:ea typeface="+mn-ea"/>
+                <a:cs typeface="+mn-cs"/>
+                <a:sym typeface="Wingdings" panose="05000000000000000000" pitchFamily="2" charset="2"/>
+              </a:rPr>
+              <a:t> </a:t>
+            </a:r>
+            <a:r>
+              <a:rPr lang="de-CH" sz="1200" b="0" kern="1200" dirty="0" err="1">
+                <a:solidFill>
+                  <a:schemeClr val="tx1"/>
+                </a:solidFill>
+                <a:effectLst/>
+                <a:latin typeface="+mn-lt"/>
+                <a:ea typeface="+mn-ea"/>
+                <a:cs typeface="+mn-cs"/>
+                <a:sym typeface="Wingdings" panose="05000000000000000000" pitchFamily="2" charset="2"/>
+              </a:rPr>
+              <a:t>up</a:t>
+            </a:r>
+            <a:r>
+              <a:rPr lang="de-CH" sz="1200" b="0" kern="1200" dirty="0">
+                <a:solidFill>
+                  <a:schemeClr val="tx1"/>
+                </a:solidFill>
+                <a:effectLst/>
+                <a:latin typeface="+mn-lt"/>
+                <a:ea typeface="+mn-ea"/>
+                <a:cs typeface="+mn-cs"/>
+                <a:sym typeface="Wingdings" panose="05000000000000000000" pitchFamily="2" charset="2"/>
+              </a:rPr>
+              <a:t>  </a:t>
+            </a:r>
+            <a:r>
+              <a:rPr lang="de-CH" sz="1200" b="0" kern="1200" dirty="0" err="1">
+                <a:solidFill>
+                  <a:schemeClr val="tx1"/>
+                </a:solidFill>
+                <a:effectLst/>
+                <a:latin typeface="+mn-lt"/>
+                <a:ea typeface="+mn-ea"/>
+                <a:cs typeface="+mn-cs"/>
+                <a:sym typeface="Wingdings" panose="05000000000000000000" pitchFamily="2" charset="2"/>
+              </a:rPr>
+              <a:t>maybe</a:t>
+            </a:r>
+            <a:r>
+              <a:rPr lang="de-CH" sz="1200" b="0" kern="1200" dirty="0">
+                <a:solidFill>
+                  <a:schemeClr val="tx1"/>
+                </a:solidFill>
+                <a:effectLst/>
+                <a:latin typeface="+mn-lt"/>
+                <a:ea typeface="+mn-ea"/>
+                <a:cs typeface="+mn-cs"/>
+                <a:sym typeface="Wingdings" panose="05000000000000000000" pitchFamily="2" charset="2"/>
+              </a:rPr>
+              <a:t> </a:t>
+            </a:r>
+            <a:r>
+              <a:rPr lang="de-CH" sz="1200" b="0" kern="1200" dirty="0" err="1">
+                <a:solidFill>
+                  <a:schemeClr val="tx1"/>
+                </a:solidFill>
+                <a:effectLst/>
+                <a:latin typeface="+mn-lt"/>
+                <a:ea typeface="+mn-ea"/>
+                <a:cs typeface="+mn-cs"/>
+                <a:sym typeface="Wingdings" panose="05000000000000000000" pitchFamily="2" charset="2"/>
+              </a:rPr>
+              <a:t>because</a:t>
+            </a:r>
+            <a:r>
+              <a:rPr lang="de-CH" sz="1200" b="0" kern="1200" dirty="0">
+                <a:solidFill>
+                  <a:schemeClr val="tx1"/>
+                </a:solidFill>
+                <a:effectLst/>
+                <a:latin typeface="+mn-lt"/>
+                <a:ea typeface="+mn-ea"/>
+                <a:cs typeface="+mn-cs"/>
+                <a:sym typeface="Wingdings" panose="05000000000000000000" pitchFamily="2" charset="2"/>
+              </a:rPr>
+              <a:t> he </a:t>
+            </a:r>
+            <a:r>
+              <a:rPr lang="de-CH" sz="1200" b="0" kern="1200" dirty="0" err="1">
+                <a:solidFill>
+                  <a:schemeClr val="tx1"/>
+                </a:solidFill>
+                <a:effectLst/>
+                <a:latin typeface="+mn-lt"/>
+                <a:ea typeface="+mn-ea"/>
+                <a:cs typeface="+mn-cs"/>
+                <a:sym typeface="Wingdings" panose="05000000000000000000" pitchFamily="2" charset="2"/>
+              </a:rPr>
+              <a:t>now</a:t>
+            </a:r>
+            <a:r>
+              <a:rPr lang="de-CH" sz="1200" b="0" kern="1200" dirty="0">
+                <a:solidFill>
+                  <a:schemeClr val="tx1"/>
+                </a:solidFill>
+                <a:effectLst/>
+                <a:latin typeface="+mn-lt"/>
+                <a:ea typeface="+mn-ea"/>
+                <a:cs typeface="+mn-cs"/>
+                <a:sym typeface="Wingdings" panose="05000000000000000000" pitchFamily="2" charset="2"/>
+              </a:rPr>
+              <a:t> </a:t>
+            </a:r>
+            <a:r>
+              <a:rPr lang="de-CH" sz="1200" b="0" kern="1200" dirty="0" err="1">
+                <a:solidFill>
+                  <a:schemeClr val="tx1"/>
+                </a:solidFill>
+                <a:effectLst/>
+                <a:latin typeface="+mn-lt"/>
+                <a:ea typeface="+mn-ea"/>
+                <a:cs typeface="+mn-cs"/>
+                <a:sym typeface="Wingdings" panose="05000000000000000000" pitchFamily="2" charset="2"/>
+              </a:rPr>
+              <a:t>thinks</a:t>
+            </a:r>
+            <a:r>
+              <a:rPr lang="de-CH" sz="1200" b="0" kern="1200" dirty="0">
+                <a:solidFill>
+                  <a:schemeClr val="tx1"/>
+                </a:solidFill>
+                <a:effectLst/>
+                <a:latin typeface="+mn-lt"/>
+                <a:ea typeface="+mn-ea"/>
+                <a:cs typeface="+mn-cs"/>
+                <a:sym typeface="Wingdings" panose="05000000000000000000" pitchFamily="2" charset="2"/>
+              </a:rPr>
+              <a:t> </a:t>
+            </a:r>
+            <a:r>
+              <a:rPr lang="de-CH" sz="1200" b="0" kern="1200" dirty="0" err="1">
+                <a:solidFill>
+                  <a:schemeClr val="tx1"/>
+                </a:solidFill>
+                <a:effectLst/>
+                <a:latin typeface="+mn-lt"/>
+                <a:ea typeface="+mn-ea"/>
+                <a:cs typeface="+mn-cs"/>
+                <a:sym typeface="Wingdings" panose="05000000000000000000" pitchFamily="2" charset="2"/>
+              </a:rPr>
+              <a:t>that</a:t>
+            </a:r>
+            <a:r>
+              <a:rPr lang="de-CH" sz="1200" b="0" kern="1200" dirty="0">
+                <a:solidFill>
+                  <a:schemeClr val="tx1"/>
+                </a:solidFill>
+                <a:effectLst/>
+                <a:latin typeface="+mn-lt"/>
+                <a:ea typeface="+mn-ea"/>
+                <a:cs typeface="+mn-cs"/>
+                <a:sym typeface="Wingdings" panose="05000000000000000000" pitchFamily="2" charset="2"/>
+              </a:rPr>
+              <a:t> </a:t>
+            </a:r>
+            <a:r>
+              <a:rPr lang="de-CH" sz="1200" b="0" kern="1200" dirty="0" err="1">
+                <a:solidFill>
+                  <a:schemeClr val="tx1"/>
+                </a:solidFill>
+                <a:effectLst/>
+                <a:latin typeface="+mn-lt"/>
+                <a:ea typeface="+mn-ea"/>
+                <a:cs typeface="+mn-cs"/>
+                <a:sym typeface="Wingdings" panose="05000000000000000000" pitchFamily="2" charset="2"/>
+              </a:rPr>
+              <a:t>they</a:t>
+            </a:r>
+            <a:r>
+              <a:rPr lang="de-CH" sz="1200" b="0" kern="1200" dirty="0">
+                <a:solidFill>
+                  <a:schemeClr val="tx1"/>
+                </a:solidFill>
+                <a:effectLst/>
+                <a:latin typeface="+mn-lt"/>
+                <a:ea typeface="+mn-ea"/>
+                <a:cs typeface="+mn-cs"/>
+                <a:sym typeface="Wingdings" panose="05000000000000000000" pitchFamily="2" charset="2"/>
+              </a:rPr>
+              <a:t> </a:t>
+            </a:r>
+            <a:r>
+              <a:rPr lang="de-CH" sz="1200" b="0" kern="1200" dirty="0" err="1">
+                <a:solidFill>
+                  <a:schemeClr val="tx1"/>
+                </a:solidFill>
+                <a:effectLst/>
+                <a:latin typeface="+mn-lt"/>
+                <a:ea typeface="+mn-ea"/>
+                <a:cs typeface="+mn-cs"/>
+                <a:sym typeface="Wingdings" panose="05000000000000000000" pitchFamily="2" charset="2"/>
+              </a:rPr>
+              <a:t>have</a:t>
+            </a:r>
+            <a:r>
+              <a:rPr lang="de-CH" sz="1200" b="0" kern="1200" dirty="0">
+                <a:solidFill>
+                  <a:schemeClr val="tx1"/>
+                </a:solidFill>
+                <a:effectLst/>
+                <a:latin typeface="+mn-lt"/>
+                <a:ea typeface="+mn-ea"/>
+                <a:cs typeface="+mn-cs"/>
+                <a:sym typeface="Wingdings" panose="05000000000000000000" pitchFamily="2" charset="2"/>
+              </a:rPr>
+              <a:t> a plan. </a:t>
+            </a:r>
+          </a:p>
+          <a:p>
+            <a:pPr fontAlgn="base"/>
+            <a:r>
+              <a:rPr lang="de-CH" sz="1200" b="1" kern="1200" dirty="0">
+                <a:solidFill>
+                  <a:schemeClr val="tx1"/>
+                </a:solidFill>
+                <a:effectLst/>
+                <a:latin typeface="+mn-lt"/>
+                <a:ea typeface="+mn-ea"/>
+                <a:cs typeface="+mn-cs"/>
+              </a:rPr>
+              <a:t>March 9 UK </a:t>
+            </a:r>
+            <a:r>
+              <a:rPr lang="de-CH" sz="1200" b="0" u="sng" kern="1200" dirty="0" err="1">
+                <a:solidFill>
+                  <a:schemeClr val="tx1"/>
+                </a:solidFill>
+                <a:effectLst/>
+                <a:latin typeface="+mn-lt"/>
+                <a:ea typeface="+mn-ea"/>
+                <a:cs typeface="+mn-cs"/>
+                <a:hlinkClick r:id="rId8"/>
+              </a:rPr>
+              <a:t>advises</a:t>
+            </a:r>
+            <a:r>
+              <a:rPr lang="de-CH" sz="1200" b="1" kern="1200" dirty="0">
+                <a:solidFill>
+                  <a:schemeClr val="tx1"/>
+                </a:solidFill>
+                <a:effectLst/>
+                <a:latin typeface="+mn-lt"/>
+                <a:ea typeface="+mn-ea"/>
+                <a:cs typeface="+mn-cs"/>
+              </a:rPr>
+              <a:t> </a:t>
+            </a:r>
+            <a:r>
+              <a:rPr lang="de-CH" sz="1200" b="0" kern="1200" dirty="0" err="1">
+                <a:solidFill>
+                  <a:schemeClr val="tx1"/>
+                </a:solidFill>
+                <a:effectLst/>
+                <a:latin typeface="+mn-lt"/>
+                <a:ea typeface="+mn-ea"/>
+                <a:cs typeface="+mn-cs"/>
+              </a:rPr>
+              <a:t>against</a:t>
+            </a:r>
+            <a:r>
+              <a:rPr lang="de-CH" sz="1200" b="0" kern="1200" dirty="0">
+                <a:solidFill>
+                  <a:schemeClr val="tx1"/>
+                </a:solidFill>
+                <a:effectLst/>
+                <a:latin typeface="+mn-lt"/>
+                <a:ea typeface="+mn-ea"/>
+                <a:cs typeface="+mn-cs"/>
+              </a:rPr>
+              <a:t> all but essential </a:t>
+            </a:r>
+            <a:r>
+              <a:rPr lang="de-CH" sz="1200" b="0" kern="1200" dirty="0" err="1">
+                <a:solidFill>
+                  <a:schemeClr val="tx1"/>
+                </a:solidFill>
+                <a:effectLst/>
+                <a:latin typeface="+mn-lt"/>
+                <a:ea typeface="+mn-ea"/>
+                <a:cs typeface="+mn-cs"/>
+              </a:rPr>
+              <a:t>travel</a:t>
+            </a:r>
+            <a:r>
+              <a:rPr lang="de-CH" sz="1200" b="0" kern="1200" dirty="0">
+                <a:solidFill>
+                  <a:schemeClr val="tx1"/>
+                </a:solidFill>
+                <a:effectLst/>
+                <a:latin typeface="+mn-lt"/>
+                <a:ea typeface="+mn-ea"/>
+                <a:cs typeface="+mn-cs"/>
+              </a:rPr>
+              <a:t> </a:t>
+            </a:r>
+            <a:r>
+              <a:rPr lang="de-CH" sz="1200" b="0" kern="1200" dirty="0" err="1">
+                <a:solidFill>
+                  <a:schemeClr val="tx1"/>
+                </a:solidFill>
+                <a:effectLst/>
+                <a:latin typeface="+mn-lt"/>
+                <a:ea typeface="+mn-ea"/>
+                <a:cs typeface="+mn-cs"/>
+              </a:rPr>
+              <a:t>to</a:t>
+            </a:r>
+            <a:r>
+              <a:rPr lang="de-CH" sz="1200" b="0" kern="1200" dirty="0">
+                <a:solidFill>
+                  <a:schemeClr val="tx1"/>
+                </a:solidFill>
+                <a:effectLst/>
+                <a:latin typeface="+mn-lt"/>
+                <a:ea typeface="+mn-ea"/>
+                <a:cs typeface="+mn-cs"/>
+              </a:rPr>
+              <a:t> </a:t>
+            </a:r>
+            <a:r>
+              <a:rPr lang="de-CH" sz="1200" b="0" kern="1200" dirty="0" err="1">
+                <a:solidFill>
+                  <a:schemeClr val="tx1"/>
+                </a:solidFill>
+                <a:effectLst/>
+                <a:latin typeface="+mn-lt"/>
+                <a:ea typeface="+mn-ea"/>
+                <a:cs typeface="+mn-cs"/>
+              </a:rPr>
+              <a:t>Italy</a:t>
+            </a:r>
+            <a:endParaRPr lang="de-CH" sz="1200" b="1" kern="1200" dirty="0">
+              <a:solidFill>
+                <a:schemeClr val="tx1"/>
+              </a:solidFill>
+              <a:effectLst/>
+              <a:latin typeface="+mn-lt"/>
+              <a:ea typeface="+mn-ea"/>
+              <a:cs typeface="+mn-cs"/>
+            </a:endParaRPr>
+          </a:p>
+          <a:p>
+            <a:r>
+              <a:rPr lang="de-CH" sz="1200" b="1" kern="1200" dirty="0">
+                <a:solidFill>
+                  <a:schemeClr val="tx1"/>
+                </a:solidFill>
+                <a:effectLst/>
+                <a:latin typeface="+mn-lt"/>
+                <a:ea typeface="+mn-ea"/>
+                <a:cs typeface="+mn-cs"/>
+              </a:rPr>
+              <a:t>March 23</a:t>
+            </a:r>
+            <a:r>
+              <a:rPr lang="de-CH" sz="1200" kern="1200" dirty="0">
+                <a:solidFill>
+                  <a:schemeClr val="tx1"/>
+                </a:solidFill>
+                <a:effectLst/>
+                <a:latin typeface="+mn-lt"/>
+                <a:ea typeface="+mn-ea"/>
+                <a:cs typeface="+mn-cs"/>
+              </a:rPr>
+              <a:t> United Kingdom </a:t>
+            </a:r>
+            <a:r>
+              <a:rPr lang="de-CH" sz="1200" u="sng" kern="1200" dirty="0" err="1">
+                <a:solidFill>
+                  <a:schemeClr val="tx1"/>
+                </a:solidFill>
+                <a:effectLst/>
+                <a:latin typeface="+mn-lt"/>
+                <a:ea typeface="+mn-ea"/>
+                <a:cs typeface="+mn-cs"/>
+                <a:hlinkClick r:id="rId9"/>
+              </a:rPr>
+              <a:t>announces</a:t>
+            </a:r>
+            <a:r>
+              <a:rPr lang="de-CH" sz="1200" kern="1200" dirty="0">
+                <a:solidFill>
+                  <a:schemeClr val="tx1"/>
+                </a:solidFill>
+                <a:effectLst/>
+                <a:latin typeface="+mn-lt"/>
+                <a:ea typeface="+mn-ea"/>
+                <a:cs typeface="+mn-cs"/>
+              </a:rPr>
+              <a:t> </a:t>
+            </a:r>
+            <a:r>
+              <a:rPr lang="de-CH" sz="1200" kern="1200" dirty="0" err="1">
+                <a:solidFill>
+                  <a:schemeClr val="tx1"/>
+                </a:solidFill>
+                <a:effectLst/>
+                <a:latin typeface="+mn-lt"/>
+                <a:ea typeface="+mn-ea"/>
+                <a:cs typeface="+mn-cs"/>
+              </a:rPr>
+              <a:t>lockdown</a:t>
+            </a:r>
+            <a:r>
+              <a:rPr lang="de-CH" sz="1200" kern="1200" dirty="0">
+                <a:solidFill>
+                  <a:schemeClr val="tx1"/>
+                </a:solidFill>
+                <a:effectLst/>
+                <a:latin typeface="+mn-lt"/>
+                <a:ea typeface="+mn-ea"/>
+                <a:cs typeface="+mn-cs"/>
+              </a:rPr>
+              <a:t>. </a:t>
+            </a:r>
+            <a:r>
+              <a:rPr lang="de-CH" sz="1200" kern="1200" dirty="0">
+                <a:solidFill>
+                  <a:schemeClr val="tx1"/>
+                </a:solidFill>
+                <a:effectLst/>
+                <a:latin typeface="+mn-lt"/>
+                <a:ea typeface="+mn-ea"/>
+                <a:cs typeface="+mn-cs"/>
+                <a:sym typeface="Wingdings" panose="05000000000000000000" pitchFamily="2" charset="2"/>
+              </a:rPr>
+              <a:t> the </a:t>
+            </a:r>
+            <a:r>
+              <a:rPr lang="de-CH" sz="1200" kern="1200" dirty="0" err="1">
+                <a:solidFill>
+                  <a:schemeClr val="tx1"/>
+                </a:solidFill>
+                <a:effectLst/>
+                <a:latin typeface="+mn-lt"/>
+                <a:ea typeface="+mn-ea"/>
+                <a:cs typeface="+mn-cs"/>
+                <a:sym typeface="Wingdings" panose="05000000000000000000" pitchFamily="2" charset="2"/>
+              </a:rPr>
+              <a:t>sentiment</a:t>
+            </a:r>
+            <a:r>
+              <a:rPr lang="de-CH" sz="1200" kern="1200" dirty="0">
+                <a:solidFill>
+                  <a:schemeClr val="tx1"/>
+                </a:solidFill>
+                <a:effectLst/>
+                <a:latin typeface="+mn-lt"/>
+                <a:ea typeface="+mn-ea"/>
+                <a:cs typeface="+mn-cs"/>
+                <a:sym typeface="Wingdings" panose="05000000000000000000" pitchFamily="2" charset="2"/>
+              </a:rPr>
+              <a:t> of all </a:t>
+            </a:r>
+            <a:r>
+              <a:rPr lang="de-CH" sz="1200" kern="1200" dirty="0" err="1">
+                <a:solidFill>
+                  <a:schemeClr val="tx1"/>
+                </a:solidFill>
+                <a:effectLst/>
+                <a:latin typeface="+mn-lt"/>
+                <a:ea typeface="+mn-ea"/>
+                <a:cs typeface="+mn-cs"/>
+                <a:sym typeface="Wingdings" panose="05000000000000000000" pitchFamily="2" charset="2"/>
+              </a:rPr>
+              <a:t>three</a:t>
+            </a:r>
+            <a:r>
+              <a:rPr lang="de-CH" sz="1200" kern="1200" dirty="0">
+                <a:solidFill>
+                  <a:schemeClr val="tx1"/>
+                </a:solidFill>
+                <a:effectLst/>
+                <a:latin typeface="+mn-lt"/>
+                <a:ea typeface="+mn-ea"/>
+                <a:cs typeface="+mn-cs"/>
+                <a:sym typeface="Wingdings" panose="05000000000000000000" pitchFamily="2" charset="2"/>
+              </a:rPr>
+              <a:t> </a:t>
+            </a:r>
+            <a:r>
+              <a:rPr lang="de-CH" sz="1200" kern="1200" dirty="0" err="1">
+                <a:solidFill>
+                  <a:schemeClr val="tx1"/>
+                </a:solidFill>
+                <a:effectLst/>
+                <a:latin typeface="+mn-lt"/>
+                <a:ea typeface="+mn-ea"/>
+                <a:cs typeface="+mn-cs"/>
+                <a:sym typeface="Wingdings" panose="05000000000000000000" pitchFamily="2" charset="2"/>
+              </a:rPr>
+              <a:t>graph</a:t>
+            </a:r>
+            <a:r>
+              <a:rPr lang="de-CH" sz="1200" kern="1200" dirty="0">
+                <a:solidFill>
+                  <a:schemeClr val="tx1"/>
+                </a:solidFill>
+                <a:effectLst/>
+                <a:latin typeface="+mn-lt"/>
+                <a:ea typeface="+mn-ea"/>
+                <a:cs typeface="+mn-cs"/>
+                <a:sym typeface="Wingdings" panose="05000000000000000000" pitchFamily="2" charset="2"/>
+              </a:rPr>
+              <a:t> </a:t>
+            </a:r>
+            <a:r>
+              <a:rPr lang="de-CH" sz="1200" kern="1200" dirty="0" err="1">
+                <a:solidFill>
+                  <a:schemeClr val="tx1"/>
+                </a:solidFill>
+                <a:effectLst/>
+                <a:latin typeface="+mn-lt"/>
+                <a:ea typeface="+mn-ea"/>
+                <a:cs typeface="+mn-cs"/>
+                <a:sym typeface="Wingdings" panose="05000000000000000000" pitchFamily="2" charset="2"/>
+              </a:rPr>
+              <a:t>drops</a:t>
+            </a:r>
+            <a:r>
+              <a:rPr lang="de-CH" sz="1200" kern="1200" dirty="0">
+                <a:solidFill>
+                  <a:schemeClr val="tx1"/>
+                </a:solidFill>
+                <a:effectLst/>
+                <a:latin typeface="+mn-lt"/>
+                <a:ea typeface="+mn-ea"/>
+                <a:cs typeface="+mn-cs"/>
+                <a:sym typeface="Wingdings" panose="05000000000000000000" pitchFamily="2" charset="2"/>
+              </a:rPr>
+              <a:t>! Most of  all </a:t>
+            </a:r>
+            <a:r>
+              <a:rPr lang="de-CH" sz="1200" kern="1200" dirty="0" err="1">
+                <a:solidFill>
+                  <a:schemeClr val="tx1"/>
+                </a:solidFill>
+                <a:effectLst/>
+                <a:latin typeface="+mn-lt"/>
+                <a:ea typeface="+mn-ea"/>
+                <a:cs typeface="+mn-cs"/>
+                <a:sym typeface="Wingdings" panose="05000000000000000000" pitchFamily="2" charset="2"/>
+              </a:rPr>
+              <a:t>boris</a:t>
+            </a:r>
+            <a:r>
+              <a:rPr lang="de-CH" sz="1200" kern="1200" dirty="0">
+                <a:solidFill>
+                  <a:schemeClr val="tx1"/>
+                </a:solidFill>
+                <a:effectLst/>
+                <a:latin typeface="+mn-lt"/>
+                <a:ea typeface="+mn-ea"/>
+                <a:cs typeface="+mn-cs"/>
+                <a:sym typeface="Wingdings" panose="05000000000000000000" pitchFamily="2" charset="2"/>
+              </a:rPr>
+              <a:t> </a:t>
+            </a:r>
+            <a:r>
+              <a:rPr lang="de-CH" sz="1200" kern="1200" dirty="0" err="1">
+                <a:solidFill>
+                  <a:schemeClr val="tx1"/>
+                </a:solidFill>
+                <a:effectLst/>
+                <a:latin typeface="+mn-lt"/>
+                <a:ea typeface="+mn-ea"/>
+                <a:cs typeface="+mn-cs"/>
+                <a:sym typeface="Wingdings" panose="05000000000000000000" pitchFamily="2" charset="2"/>
+              </a:rPr>
+              <a:t>johnson</a:t>
+            </a:r>
+            <a:r>
+              <a:rPr lang="de-CH" sz="1200" kern="1200" dirty="0">
+                <a:solidFill>
+                  <a:schemeClr val="tx1"/>
+                </a:solidFill>
+                <a:effectLst/>
+                <a:latin typeface="+mn-lt"/>
+                <a:ea typeface="+mn-ea"/>
+                <a:cs typeface="+mn-cs"/>
+                <a:sym typeface="Wingdings" panose="05000000000000000000" pitchFamily="2" charset="2"/>
+              </a:rPr>
+              <a:t> a </a:t>
+            </a:r>
+            <a:r>
+              <a:rPr lang="de-CH" sz="1200" kern="1200" dirty="0" err="1">
+                <a:solidFill>
+                  <a:schemeClr val="tx1"/>
+                </a:solidFill>
+                <a:effectLst/>
+                <a:latin typeface="+mn-lt"/>
+                <a:ea typeface="+mn-ea"/>
+                <a:cs typeface="+mn-cs"/>
+                <a:sym typeface="Wingdings" panose="05000000000000000000" pitchFamily="2" charset="2"/>
+              </a:rPr>
+              <a:t>further</a:t>
+            </a:r>
+            <a:r>
+              <a:rPr lang="de-CH" sz="1200" kern="1200" dirty="0">
+                <a:solidFill>
+                  <a:schemeClr val="tx1"/>
+                </a:solidFill>
+                <a:effectLst/>
+                <a:latin typeface="+mn-lt"/>
+                <a:ea typeface="+mn-ea"/>
+                <a:cs typeface="+mn-cs"/>
+                <a:sym typeface="Wingdings" panose="05000000000000000000" pitchFamily="2" charset="2"/>
+              </a:rPr>
+              <a:t> </a:t>
+            </a:r>
+            <a:r>
+              <a:rPr lang="de-CH" sz="1200" kern="1200" dirty="0" err="1">
+                <a:solidFill>
+                  <a:schemeClr val="tx1"/>
+                </a:solidFill>
+                <a:effectLst/>
+                <a:latin typeface="+mn-lt"/>
+                <a:ea typeface="+mn-ea"/>
+                <a:cs typeface="+mn-cs"/>
+                <a:sym typeface="Wingdings" panose="05000000000000000000" pitchFamily="2" charset="2"/>
+              </a:rPr>
+              <a:t>reason</a:t>
+            </a:r>
+            <a:r>
+              <a:rPr lang="de-CH" sz="1200" kern="1200" dirty="0">
+                <a:solidFill>
+                  <a:schemeClr val="tx1"/>
+                </a:solidFill>
+                <a:effectLst/>
+                <a:latin typeface="+mn-lt"/>
+                <a:ea typeface="+mn-ea"/>
+                <a:cs typeface="+mn-cs"/>
+                <a:sym typeface="Wingdings" panose="05000000000000000000" pitchFamily="2" charset="2"/>
+              </a:rPr>
+              <a:t> </a:t>
+            </a:r>
+            <a:r>
+              <a:rPr lang="de-CH" sz="1200" kern="1200" dirty="0" err="1">
+                <a:solidFill>
+                  <a:schemeClr val="tx1"/>
+                </a:solidFill>
+                <a:effectLst/>
+                <a:latin typeface="+mn-lt"/>
+                <a:ea typeface="+mn-ea"/>
+                <a:cs typeface="+mn-cs"/>
+                <a:sym typeface="Wingdings" panose="05000000000000000000" pitchFamily="2" charset="2"/>
+              </a:rPr>
+              <a:t>for</a:t>
+            </a:r>
+            <a:r>
+              <a:rPr lang="de-CH" sz="1200" kern="1200" dirty="0">
+                <a:solidFill>
+                  <a:schemeClr val="tx1"/>
+                </a:solidFill>
+                <a:effectLst/>
+                <a:latin typeface="+mn-lt"/>
+                <a:ea typeface="+mn-ea"/>
+                <a:cs typeface="+mn-cs"/>
+                <a:sym typeface="Wingdings" panose="05000000000000000000" pitchFamily="2" charset="2"/>
+              </a:rPr>
+              <a:t> </a:t>
+            </a:r>
+            <a:r>
+              <a:rPr lang="de-CH" sz="1200" kern="1200" dirty="0" err="1">
+                <a:solidFill>
+                  <a:schemeClr val="tx1"/>
+                </a:solidFill>
+                <a:effectLst/>
+                <a:latin typeface="+mn-lt"/>
+                <a:ea typeface="+mn-ea"/>
+                <a:cs typeface="+mn-cs"/>
+                <a:sym typeface="Wingdings" panose="05000000000000000000" pitchFamily="2" charset="2"/>
+              </a:rPr>
+              <a:t>that</a:t>
+            </a:r>
+            <a:r>
+              <a:rPr lang="de-CH" sz="1200" kern="1200" dirty="0">
+                <a:solidFill>
+                  <a:schemeClr val="tx1"/>
+                </a:solidFill>
+                <a:effectLst/>
+                <a:latin typeface="+mn-lt"/>
+                <a:ea typeface="+mn-ea"/>
+                <a:cs typeface="+mn-cs"/>
+                <a:sym typeface="Wingdings" panose="05000000000000000000" pitchFamily="2" charset="2"/>
+              </a:rPr>
+              <a:t> </a:t>
+            </a:r>
+            <a:r>
+              <a:rPr lang="de-CH" sz="1200" kern="1200" dirty="0" err="1">
+                <a:solidFill>
+                  <a:schemeClr val="tx1"/>
+                </a:solidFill>
+                <a:effectLst/>
+                <a:latin typeface="+mn-lt"/>
+                <a:ea typeface="+mn-ea"/>
+                <a:cs typeface="+mn-cs"/>
+                <a:sym typeface="Wingdings" panose="05000000000000000000" pitchFamily="2" charset="2"/>
+              </a:rPr>
+              <a:t>might</a:t>
+            </a:r>
+            <a:r>
+              <a:rPr lang="de-CH" sz="1200" kern="1200" dirty="0">
+                <a:solidFill>
+                  <a:schemeClr val="tx1"/>
+                </a:solidFill>
+                <a:effectLst/>
+                <a:latin typeface="+mn-lt"/>
+                <a:ea typeface="+mn-ea"/>
+                <a:cs typeface="+mn-cs"/>
+                <a:sym typeface="Wingdings" panose="05000000000000000000" pitchFamily="2" charset="2"/>
+              </a:rPr>
+              <a:t> </a:t>
+            </a:r>
+            <a:r>
+              <a:rPr lang="de-CH" sz="1200" kern="1200" dirty="0" err="1">
+                <a:solidFill>
+                  <a:schemeClr val="tx1"/>
+                </a:solidFill>
+                <a:effectLst/>
+                <a:latin typeface="+mn-lt"/>
+                <a:ea typeface="+mn-ea"/>
+                <a:cs typeface="+mn-cs"/>
+                <a:sym typeface="Wingdings" panose="05000000000000000000" pitchFamily="2" charset="2"/>
+              </a:rPr>
+              <a:t>be</a:t>
+            </a:r>
+            <a:r>
+              <a:rPr lang="de-CH" sz="1200" kern="1200" dirty="0">
+                <a:solidFill>
+                  <a:schemeClr val="tx1"/>
+                </a:solidFill>
+                <a:effectLst/>
+                <a:latin typeface="+mn-lt"/>
+                <a:ea typeface="+mn-ea"/>
+                <a:cs typeface="+mn-cs"/>
+                <a:sym typeface="Wingdings" panose="05000000000000000000" pitchFamily="2" charset="2"/>
+              </a:rPr>
+              <a:t> </a:t>
+            </a:r>
+            <a:r>
+              <a:rPr lang="de-CH" sz="1200" kern="1200" dirty="0" err="1">
+                <a:solidFill>
+                  <a:schemeClr val="tx1"/>
+                </a:solidFill>
+                <a:effectLst/>
+                <a:latin typeface="+mn-lt"/>
+                <a:ea typeface="+mn-ea"/>
+                <a:cs typeface="+mn-cs"/>
+                <a:sym typeface="Wingdings" panose="05000000000000000000" pitchFamily="2" charset="2"/>
+              </a:rPr>
+              <a:t>that</a:t>
+            </a:r>
+            <a:r>
+              <a:rPr lang="de-CH" sz="1200" kern="1200" dirty="0">
+                <a:solidFill>
+                  <a:schemeClr val="tx1"/>
+                </a:solidFill>
+                <a:effectLst/>
+                <a:latin typeface="+mn-lt"/>
+                <a:ea typeface="+mn-ea"/>
+                <a:cs typeface="+mn-cs"/>
+                <a:sym typeface="Wingdings" panose="05000000000000000000" pitchFamily="2" charset="2"/>
+              </a:rPr>
+              <a:t> he is </a:t>
+            </a:r>
+            <a:r>
+              <a:rPr lang="de-CH" sz="1200" kern="1200" dirty="0" err="1">
+                <a:solidFill>
+                  <a:schemeClr val="tx1"/>
+                </a:solidFill>
+                <a:effectLst/>
+                <a:latin typeface="+mn-lt"/>
+                <a:ea typeface="+mn-ea"/>
+                <a:cs typeface="+mn-cs"/>
+                <a:sym typeface="Wingdings" panose="05000000000000000000" pitchFamily="2" charset="2"/>
+              </a:rPr>
+              <a:t>tested</a:t>
+            </a:r>
+            <a:r>
+              <a:rPr lang="de-CH" sz="1200" kern="1200" dirty="0">
+                <a:solidFill>
+                  <a:schemeClr val="tx1"/>
+                </a:solidFill>
+                <a:effectLst/>
+                <a:latin typeface="+mn-lt"/>
+                <a:ea typeface="+mn-ea"/>
+                <a:cs typeface="+mn-cs"/>
+                <a:sym typeface="Wingdings" panose="05000000000000000000" pitchFamily="2" charset="2"/>
+              </a:rPr>
+              <a:t> positive on </a:t>
+            </a:r>
+            <a:r>
+              <a:rPr lang="de-CH" sz="1200" kern="1200" dirty="0" err="1">
+                <a:solidFill>
+                  <a:schemeClr val="tx1"/>
+                </a:solidFill>
+                <a:effectLst/>
+                <a:latin typeface="+mn-lt"/>
+                <a:ea typeface="+mn-ea"/>
+                <a:cs typeface="+mn-cs"/>
+                <a:sym typeface="Wingdings" panose="05000000000000000000" pitchFamily="2" charset="2"/>
+              </a:rPr>
+              <a:t>coronavirus</a:t>
+            </a:r>
+            <a:r>
+              <a:rPr lang="de-CH" sz="1200" kern="1200" dirty="0">
+                <a:solidFill>
+                  <a:schemeClr val="tx1"/>
+                </a:solidFill>
+                <a:effectLst/>
+                <a:latin typeface="+mn-lt"/>
+                <a:ea typeface="+mn-ea"/>
+                <a:cs typeface="+mn-cs"/>
+                <a:sym typeface="Wingdings" panose="05000000000000000000" pitchFamily="2" charset="2"/>
+              </a:rPr>
+              <a:t>.</a:t>
+            </a:r>
+          </a:p>
+          <a:p>
+            <a:endParaRPr lang="de-CH" sz="1200" kern="1200" dirty="0">
+              <a:solidFill>
+                <a:schemeClr val="tx1"/>
+              </a:solidFill>
+              <a:effectLst/>
+              <a:latin typeface="+mn-lt"/>
+              <a:ea typeface="+mn-ea"/>
+              <a:cs typeface="+mn-cs"/>
+              <a:sym typeface="Wingdings" panose="05000000000000000000" pitchFamily="2" charset="2"/>
+            </a:endParaRPr>
+          </a:p>
+          <a:p>
+            <a:endParaRPr lang="de-CH" sz="1200" kern="1200" dirty="0">
+              <a:solidFill>
+                <a:schemeClr val="tx1"/>
+              </a:solidFill>
+              <a:effectLst/>
+              <a:latin typeface="+mn-lt"/>
+              <a:ea typeface="+mn-ea"/>
+              <a:cs typeface="+mn-cs"/>
+              <a:sym typeface="Wingdings" panose="05000000000000000000" pitchFamily="2" charset="2"/>
+            </a:endParaRPr>
+          </a:p>
+          <a:p>
+            <a:r>
+              <a:rPr lang="de-CH" sz="1200" b="1" kern="1200" dirty="0">
+                <a:solidFill>
+                  <a:schemeClr val="tx1"/>
+                </a:solidFill>
+                <a:effectLst/>
+                <a:latin typeface="+mn-lt"/>
+                <a:ea typeface="+mn-ea"/>
+                <a:cs typeface="+mn-cs"/>
+                <a:sym typeface="Wingdings" panose="05000000000000000000" pitchFamily="2" charset="2"/>
+              </a:rPr>
+              <a:t>Boris Johnson</a:t>
+            </a:r>
+          </a:p>
+          <a:p>
+            <a:endParaRPr lang="de-CH" sz="1200" kern="1200" dirty="0">
+              <a:solidFill>
+                <a:schemeClr val="tx1"/>
+              </a:solidFill>
+              <a:effectLst/>
+              <a:latin typeface="+mn-lt"/>
+              <a:ea typeface="+mn-ea"/>
+              <a:cs typeface="+mn-cs"/>
+              <a:sym typeface="Wingdings" panose="05000000000000000000" pitchFamily="2" charset="2"/>
+            </a:endParaRPr>
+          </a:p>
+          <a:p>
+            <a:r>
+              <a:rPr lang="de-CH" sz="1200" kern="1200" dirty="0">
+                <a:solidFill>
+                  <a:schemeClr val="tx1"/>
+                </a:solidFill>
+                <a:effectLst/>
+                <a:latin typeface="+mn-lt"/>
+                <a:ea typeface="+mn-ea"/>
+                <a:cs typeface="+mn-cs"/>
+                <a:sym typeface="Wingdings" panose="05000000000000000000" pitchFamily="2" charset="2"/>
+              </a:rPr>
+              <a:t>F27 </a:t>
+            </a:r>
+            <a:r>
+              <a:rPr lang="de-CH" sz="1200" kern="1200" dirty="0" err="1">
+                <a:solidFill>
+                  <a:schemeClr val="tx1"/>
+                </a:solidFill>
+                <a:effectLst/>
+                <a:latin typeface="+mn-lt"/>
+                <a:ea typeface="+mn-ea"/>
+                <a:cs typeface="+mn-cs"/>
+                <a:sym typeface="Wingdings" panose="05000000000000000000" pitchFamily="2" charset="2"/>
+              </a:rPr>
+              <a:t>feb.</a:t>
+            </a:r>
+            <a:r>
+              <a:rPr lang="de-CH" sz="1200" kern="1200" dirty="0">
+                <a:solidFill>
+                  <a:schemeClr val="tx1"/>
+                </a:solidFill>
+                <a:effectLst/>
+                <a:latin typeface="+mn-lt"/>
+                <a:ea typeface="+mn-ea"/>
+                <a:cs typeface="+mn-cs"/>
+                <a:sym typeface="Wingdings" panose="05000000000000000000" pitchFamily="2" charset="2"/>
+              </a:rPr>
+              <a:t> </a:t>
+            </a:r>
+            <a:r>
+              <a:rPr lang="de-CH" sz="1200" kern="1200" dirty="0" err="1">
+                <a:solidFill>
+                  <a:schemeClr val="tx1"/>
+                </a:solidFill>
+                <a:effectLst/>
+                <a:latin typeface="+mn-lt"/>
+                <a:ea typeface="+mn-ea"/>
+                <a:cs typeface="+mn-cs"/>
+                <a:sym typeface="Wingdings" panose="05000000000000000000" pitchFamily="2" charset="2"/>
+              </a:rPr>
+              <a:t>irst</a:t>
+            </a:r>
+            <a:r>
+              <a:rPr lang="de-CH" sz="1200" kern="1200" dirty="0">
+                <a:solidFill>
+                  <a:schemeClr val="tx1"/>
+                </a:solidFill>
+                <a:effectLst/>
+                <a:latin typeface="+mn-lt"/>
+                <a:ea typeface="+mn-ea"/>
+                <a:cs typeface="+mn-cs"/>
+                <a:sym typeface="Wingdings" panose="05000000000000000000" pitchFamily="2" charset="2"/>
+              </a:rPr>
+              <a:t> </a:t>
+            </a:r>
+            <a:r>
+              <a:rPr lang="de-CH" sz="1200" kern="1200" dirty="0" err="1">
+                <a:solidFill>
+                  <a:schemeClr val="tx1"/>
+                </a:solidFill>
+                <a:effectLst/>
+                <a:latin typeface="+mn-lt"/>
+                <a:ea typeface="+mn-ea"/>
+                <a:cs typeface="+mn-cs"/>
+                <a:sym typeface="Wingdings" panose="05000000000000000000" pitchFamily="2" charset="2"/>
+              </a:rPr>
+              <a:t>post</a:t>
+            </a:r>
+            <a:r>
+              <a:rPr lang="de-CH" sz="1200" kern="1200" dirty="0">
+                <a:solidFill>
+                  <a:schemeClr val="tx1"/>
+                </a:solidFill>
+                <a:effectLst/>
+                <a:latin typeface="+mn-lt"/>
+                <a:ea typeface="+mn-ea"/>
+                <a:cs typeface="+mn-cs"/>
+                <a:sym typeface="Wingdings" panose="05000000000000000000" pitchFamily="2" charset="2"/>
+              </a:rPr>
+              <a:t> </a:t>
+            </a:r>
+            <a:r>
+              <a:rPr lang="de-CH" sz="1200" kern="1200" dirty="0" err="1">
+                <a:solidFill>
+                  <a:schemeClr val="tx1"/>
+                </a:solidFill>
+                <a:effectLst/>
+                <a:latin typeface="+mn-lt"/>
+                <a:ea typeface="+mn-ea"/>
+                <a:cs typeface="+mn-cs"/>
+                <a:sym typeface="Wingdings" panose="05000000000000000000" pitchFamily="2" charset="2"/>
+              </a:rPr>
+              <a:t>corona</a:t>
+            </a:r>
+            <a:r>
+              <a:rPr lang="de-CH" sz="1200" kern="1200" dirty="0">
+                <a:solidFill>
+                  <a:schemeClr val="tx1"/>
+                </a:solidFill>
+                <a:effectLst/>
+                <a:latin typeface="+mn-lt"/>
+                <a:ea typeface="+mn-ea"/>
+                <a:cs typeface="+mn-cs"/>
+                <a:sym typeface="Wingdings" panose="05000000000000000000" pitchFamily="2" charset="2"/>
+              </a:rPr>
+              <a:t>: </a:t>
+            </a:r>
+          </a:p>
+          <a:p>
+            <a:r>
+              <a:rPr lang="de-CH" sz="1200" kern="1200" dirty="0" err="1">
+                <a:solidFill>
+                  <a:schemeClr val="tx1"/>
+                </a:solidFill>
+                <a:effectLst/>
+                <a:latin typeface="+mn-lt"/>
+                <a:ea typeface="+mn-ea"/>
+                <a:cs typeface="+mn-cs"/>
+                <a:sym typeface="Wingdings" panose="05000000000000000000" pitchFamily="2" charset="2"/>
+              </a:rPr>
+              <a:t>Going</a:t>
+            </a:r>
+            <a:r>
+              <a:rPr lang="de-CH" sz="1200" kern="1200" dirty="0">
+                <a:solidFill>
+                  <a:schemeClr val="tx1"/>
+                </a:solidFill>
+                <a:effectLst/>
+                <a:latin typeface="+mn-lt"/>
+                <a:ea typeface="+mn-ea"/>
+                <a:cs typeface="+mn-cs"/>
+                <a:sym typeface="Wingdings" panose="05000000000000000000" pitchFamily="2" charset="2"/>
+              </a:rPr>
+              <a:t> on </a:t>
+            </a:r>
+            <a:r>
+              <a:rPr lang="de-CH" sz="1200" kern="1200" dirty="0" err="1">
+                <a:solidFill>
+                  <a:schemeClr val="tx1"/>
+                </a:solidFill>
+                <a:effectLst/>
+                <a:latin typeface="+mn-lt"/>
+                <a:ea typeface="+mn-ea"/>
+                <a:cs typeface="+mn-cs"/>
+                <a:sym typeface="Wingdings" panose="05000000000000000000" pitchFamily="2" charset="2"/>
+              </a:rPr>
+              <a:t>with</a:t>
+            </a:r>
+            <a:r>
+              <a:rPr lang="de-CH" sz="1200" kern="1200" dirty="0">
+                <a:solidFill>
+                  <a:schemeClr val="tx1"/>
+                </a:solidFill>
+                <a:effectLst/>
+                <a:latin typeface="+mn-lt"/>
+                <a:ea typeface="+mn-ea"/>
+                <a:cs typeface="+mn-cs"/>
+                <a:sym typeface="Wingdings" panose="05000000000000000000" pitchFamily="2" charset="2"/>
+              </a:rPr>
+              <a:t> </a:t>
+            </a:r>
+            <a:r>
+              <a:rPr lang="de-CH" sz="1200" kern="1200" dirty="0" err="1">
+                <a:solidFill>
+                  <a:schemeClr val="tx1"/>
+                </a:solidFill>
+                <a:effectLst/>
+                <a:latin typeface="+mn-lt"/>
+                <a:ea typeface="+mn-ea"/>
+                <a:cs typeface="+mn-cs"/>
+                <a:sym typeface="Wingdings" panose="05000000000000000000" pitchFamily="2" charset="2"/>
+              </a:rPr>
+              <a:t>tahnking</a:t>
+            </a:r>
+            <a:r>
+              <a:rPr lang="de-CH" sz="1200" kern="1200" dirty="0">
+                <a:solidFill>
+                  <a:schemeClr val="tx1"/>
+                </a:solidFill>
+                <a:effectLst/>
+                <a:latin typeface="+mn-lt"/>
+                <a:ea typeface="+mn-ea"/>
+                <a:cs typeface="+mn-cs"/>
+                <a:sym typeface="Wingdings" panose="05000000000000000000" pitchFamily="2" charset="2"/>
+              </a:rPr>
+              <a:t> the  </a:t>
+            </a:r>
+            <a:r>
+              <a:rPr lang="de-CH" sz="1200" kern="1200" dirty="0" err="1">
+                <a:solidFill>
+                  <a:schemeClr val="tx1"/>
+                </a:solidFill>
+                <a:effectLst/>
+                <a:latin typeface="+mn-lt"/>
+                <a:ea typeface="+mn-ea"/>
+                <a:cs typeface="+mn-cs"/>
+                <a:sym typeface="Wingdings" panose="05000000000000000000" pitchFamily="2" charset="2"/>
+              </a:rPr>
+              <a:t>nhs</a:t>
+            </a:r>
+            <a:r>
+              <a:rPr lang="de-CH" sz="1200" kern="1200" dirty="0">
+                <a:solidFill>
+                  <a:schemeClr val="tx1"/>
+                </a:solidFill>
+                <a:effectLst/>
+                <a:latin typeface="+mn-lt"/>
+                <a:ea typeface="+mn-ea"/>
+                <a:cs typeface="+mn-cs"/>
+                <a:sym typeface="Wingdings" panose="05000000000000000000" pitchFamily="2" charset="2"/>
+              </a:rPr>
+              <a:t> and  </a:t>
+            </a:r>
+            <a:r>
+              <a:rPr lang="de-CH" sz="1200" kern="1200" dirty="0" err="1">
+                <a:solidFill>
+                  <a:schemeClr val="tx1"/>
+                </a:solidFill>
+                <a:effectLst/>
+                <a:latin typeface="+mn-lt"/>
+                <a:ea typeface="+mn-ea"/>
+                <a:cs typeface="+mn-cs"/>
+                <a:sym typeface="Wingdings" panose="05000000000000000000" pitchFamily="2" charset="2"/>
+              </a:rPr>
+              <a:t>asking</a:t>
+            </a:r>
+            <a:r>
+              <a:rPr lang="de-CH" sz="1200" kern="1200" dirty="0">
+                <a:solidFill>
+                  <a:schemeClr val="tx1"/>
+                </a:solidFill>
+                <a:effectLst/>
+                <a:latin typeface="+mn-lt"/>
+                <a:ea typeface="+mn-ea"/>
+                <a:cs typeface="+mn-cs"/>
+                <a:sym typeface="Wingdings" panose="05000000000000000000" pitchFamily="2" charset="2"/>
+              </a:rPr>
+              <a:t> </a:t>
+            </a:r>
+            <a:r>
+              <a:rPr lang="de-CH" sz="1200" kern="1200" dirty="0" err="1">
+                <a:solidFill>
+                  <a:schemeClr val="tx1"/>
+                </a:solidFill>
+                <a:effectLst/>
+                <a:latin typeface="+mn-lt"/>
+                <a:ea typeface="+mn-ea"/>
+                <a:cs typeface="+mn-cs"/>
+                <a:sym typeface="Wingdings" panose="05000000000000000000" pitchFamily="2" charset="2"/>
+              </a:rPr>
+              <a:t>everyone</a:t>
+            </a:r>
+            <a:r>
+              <a:rPr lang="de-CH" sz="1200" kern="1200" dirty="0">
+                <a:solidFill>
+                  <a:schemeClr val="tx1"/>
+                </a:solidFill>
+                <a:effectLst/>
+                <a:latin typeface="+mn-lt"/>
+                <a:ea typeface="+mn-ea"/>
+                <a:cs typeface="+mn-cs"/>
+                <a:sym typeface="Wingdings" panose="05000000000000000000" pitchFamily="2" charset="2"/>
+              </a:rPr>
+              <a:t> </a:t>
+            </a:r>
+            <a:r>
+              <a:rPr lang="de-CH" sz="1200" kern="1200" dirty="0" err="1">
+                <a:solidFill>
+                  <a:schemeClr val="tx1"/>
+                </a:solidFill>
+                <a:effectLst/>
+                <a:latin typeface="+mn-lt"/>
+                <a:ea typeface="+mn-ea"/>
+                <a:cs typeface="+mn-cs"/>
+                <a:sym typeface="Wingdings" panose="05000000000000000000" pitchFamily="2" charset="2"/>
+              </a:rPr>
+              <a:t>to</a:t>
+            </a:r>
+            <a:r>
+              <a:rPr lang="de-CH" sz="1200" kern="1200" dirty="0">
+                <a:solidFill>
+                  <a:schemeClr val="tx1"/>
+                </a:solidFill>
+                <a:effectLst/>
+                <a:latin typeface="+mn-lt"/>
+                <a:ea typeface="+mn-ea"/>
+                <a:cs typeface="+mn-cs"/>
+                <a:sym typeface="Wingdings" panose="05000000000000000000" pitchFamily="2" charset="2"/>
+              </a:rPr>
+              <a:t> </a:t>
+            </a:r>
+            <a:r>
+              <a:rPr lang="de-CH" sz="1200" kern="1200" dirty="0" err="1">
+                <a:solidFill>
+                  <a:schemeClr val="tx1"/>
+                </a:solidFill>
+                <a:effectLst/>
+                <a:latin typeface="+mn-lt"/>
+                <a:ea typeface="+mn-ea"/>
+                <a:cs typeface="+mn-cs"/>
+                <a:sym typeface="Wingdings" panose="05000000000000000000" pitchFamily="2" charset="2"/>
+              </a:rPr>
+              <a:t>stay</a:t>
+            </a:r>
+            <a:r>
+              <a:rPr lang="de-CH" sz="1200" kern="1200" dirty="0">
+                <a:solidFill>
+                  <a:schemeClr val="tx1"/>
+                </a:solidFill>
+                <a:effectLst/>
+                <a:latin typeface="+mn-lt"/>
+                <a:ea typeface="+mn-ea"/>
+                <a:cs typeface="+mn-cs"/>
+                <a:sym typeface="Wingdings" panose="05000000000000000000" pitchFamily="2" charset="2"/>
+              </a:rPr>
+              <a:t> at </a:t>
+            </a:r>
+            <a:r>
+              <a:rPr lang="de-CH" sz="1200" kern="1200" dirty="0" err="1">
+                <a:solidFill>
+                  <a:schemeClr val="tx1"/>
+                </a:solidFill>
+                <a:effectLst/>
+                <a:latin typeface="+mn-lt"/>
+                <a:ea typeface="+mn-ea"/>
+                <a:cs typeface="+mn-cs"/>
+                <a:sym typeface="Wingdings" panose="05000000000000000000" pitchFamily="2" charset="2"/>
+              </a:rPr>
+              <a:t>home</a:t>
+            </a:r>
+            <a:r>
+              <a:rPr lang="de-CH" sz="1200" kern="1200" dirty="0">
+                <a:solidFill>
+                  <a:schemeClr val="tx1"/>
+                </a:solidFill>
+                <a:effectLst/>
+                <a:latin typeface="+mn-lt"/>
+                <a:ea typeface="+mn-ea"/>
+                <a:cs typeface="+mn-cs"/>
+                <a:sym typeface="Wingdings" panose="05000000000000000000" pitchFamily="2" charset="2"/>
+              </a:rPr>
+              <a:t> and </a:t>
+            </a:r>
+            <a:r>
+              <a:rPr lang="de-CH" sz="1200" kern="1200" dirty="0" err="1">
+                <a:solidFill>
+                  <a:schemeClr val="tx1"/>
+                </a:solidFill>
+                <a:effectLst/>
+                <a:latin typeface="+mn-lt"/>
+                <a:ea typeface="+mn-ea"/>
+                <a:cs typeface="+mn-cs"/>
+                <a:sym typeface="Wingdings" panose="05000000000000000000" pitchFamily="2" charset="2"/>
+              </a:rPr>
+              <a:t>keep</a:t>
+            </a:r>
+            <a:r>
+              <a:rPr lang="de-CH" sz="1200" kern="1200" dirty="0">
+                <a:solidFill>
+                  <a:schemeClr val="tx1"/>
+                </a:solidFill>
+                <a:effectLst/>
+                <a:latin typeface="+mn-lt"/>
+                <a:ea typeface="+mn-ea"/>
+                <a:cs typeface="+mn-cs"/>
+                <a:sym typeface="Wingdings" panose="05000000000000000000" pitchFamily="2" charset="2"/>
+              </a:rPr>
+              <a:t> 2 m </a:t>
+            </a:r>
+            <a:r>
+              <a:rPr lang="de-CH" sz="1200" kern="1200" dirty="0" err="1">
+                <a:solidFill>
+                  <a:schemeClr val="tx1"/>
+                </a:solidFill>
+                <a:effectLst/>
+                <a:latin typeface="+mn-lt"/>
+                <a:ea typeface="+mn-ea"/>
+                <a:cs typeface="+mn-cs"/>
+                <a:sym typeface="Wingdings" panose="05000000000000000000" pitchFamily="2" charset="2"/>
+              </a:rPr>
+              <a:t>distance</a:t>
+            </a:r>
+            <a:endParaRPr lang="de-CH" sz="1200" kern="1200" dirty="0">
+              <a:solidFill>
+                <a:schemeClr val="tx1"/>
+              </a:solidFill>
+              <a:effectLst/>
+              <a:latin typeface="+mn-lt"/>
+              <a:ea typeface="+mn-ea"/>
+              <a:cs typeface="+mn-cs"/>
+              <a:sym typeface="Wingdings" panose="05000000000000000000" pitchFamily="2" charset="2"/>
+            </a:endParaRPr>
+          </a:p>
+          <a:p>
+            <a:pPr marL="0" marR="0" lvl="0" indent="0" algn="l" defTabSz="914400" rtl="0" eaLnBrk="1" fontAlgn="auto" latinLnBrk="0" hangingPunct="1">
+              <a:lnSpc>
+                <a:spcPct val="100000"/>
+              </a:lnSpc>
+              <a:spcBef>
+                <a:spcPts val="0"/>
+              </a:spcBef>
+              <a:spcAft>
+                <a:spcPts val="0"/>
+              </a:spcAft>
+              <a:buClrTx/>
+              <a:buSzTx/>
+              <a:buFontTx/>
+              <a:buNone/>
+              <a:tabLst/>
+              <a:defRPr/>
+            </a:pPr>
+            <a:r>
+              <a:rPr lang="de-CH" sz="1200" kern="1200" dirty="0">
+                <a:solidFill>
+                  <a:schemeClr val="tx1"/>
+                </a:solidFill>
+                <a:effectLst/>
+                <a:latin typeface="+mn-lt"/>
+                <a:ea typeface="+mn-ea"/>
+                <a:cs typeface="+mn-cs"/>
+                <a:sym typeface="Wingdings" panose="05000000000000000000" pitchFamily="2" charset="2"/>
+              </a:rPr>
+              <a:t>March 27: </a:t>
+            </a:r>
+            <a:r>
+              <a:rPr lang="de-CH" sz="1200" kern="1200" dirty="0" err="1">
+                <a:solidFill>
+                  <a:schemeClr val="tx1"/>
+                </a:solidFill>
+                <a:effectLst/>
+                <a:latin typeface="+mn-lt"/>
+                <a:ea typeface="+mn-ea"/>
+                <a:cs typeface="+mn-cs"/>
+                <a:sym typeface="Wingdings" panose="05000000000000000000" pitchFamily="2" charset="2"/>
+              </a:rPr>
+              <a:t>boris</a:t>
+            </a:r>
+            <a:r>
+              <a:rPr lang="de-CH" sz="1200" kern="1200" dirty="0">
+                <a:solidFill>
+                  <a:schemeClr val="tx1"/>
+                </a:solidFill>
+                <a:effectLst/>
+                <a:latin typeface="+mn-lt"/>
+                <a:ea typeface="+mn-ea"/>
+                <a:cs typeface="+mn-cs"/>
+                <a:sym typeface="Wingdings" panose="05000000000000000000" pitchFamily="2" charset="2"/>
+              </a:rPr>
+              <a:t> </a:t>
+            </a:r>
+            <a:r>
+              <a:rPr lang="de-CH" sz="1200" kern="1200" dirty="0" err="1">
+                <a:solidFill>
+                  <a:schemeClr val="tx1"/>
+                </a:solidFill>
+                <a:effectLst/>
+                <a:latin typeface="+mn-lt"/>
+                <a:ea typeface="+mn-ea"/>
+                <a:cs typeface="+mn-cs"/>
+                <a:sym typeface="Wingdings" panose="05000000000000000000" pitchFamily="2" charset="2"/>
+              </a:rPr>
+              <a:t>johnson</a:t>
+            </a:r>
+            <a:r>
+              <a:rPr lang="de-CH" sz="1200" kern="1200" dirty="0">
+                <a:solidFill>
+                  <a:schemeClr val="tx1"/>
+                </a:solidFill>
+                <a:effectLst/>
+                <a:latin typeface="+mn-lt"/>
+                <a:ea typeface="+mn-ea"/>
+                <a:cs typeface="+mn-cs"/>
+                <a:sym typeface="Wingdings" panose="05000000000000000000" pitchFamily="2" charset="2"/>
+              </a:rPr>
+              <a:t> teste </a:t>
+            </a:r>
+            <a:r>
+              <a:rPr lang="de-CH" sz="1200" kern="1200" dirty="0" err="1">
+                <a:solidFill>
+                  <a:schemeClr val="tx1"/>
+                </a:solidFill>
+                <a:effectLst/>
+                <a:latin typeface="+mn-lt"/>
+                <a:ea typeface="+mn-ea"/>
+                <a:cs typeface="+mn-cs"/>
+                <a:sym typeface="Wingdings" panose="05000000000000000000" pitchFamily="2" charset="2"/>
+              </a:rPr>
+              <a:t>corona</a:t>
+            </a:r>
+            <a:r>
+              <a:rPr lang="de-CH" sz="1200" kern="1200" dirty="0">
+                <a:solidFill>
+                  <a:schemeClr val="tx1"/>
+                </a:solidFill>
+                <a:effectLst/>
+                <a:latin typeface="+mn-lt"/>
+                <a:ea typeface="+mn-ea"/>
+                <a:cs typeface="+mn-cs"/>
+                <a:sym typeface="Wingdings" panose="05000000000000000000" pitchFamily="2" charset="2"/>
+              </a:rPr>
+              <a:t>-positive </a:t>
+            </a:r>
+          </a:p>
+          <a:p>
+            <a:r>
+              <a:rPr lang="de-CH" sz="1200" kern="1200" dirty="0">
+                <a:solidFill>
+                  <a:schemeClr val="tx1"/>
+                </a:solidFill>
+                <a:effectLst/>
+                <a:latin typeface="+mn-lt"/>
+                <a:ea typeface="+mn-ea"/>
+                <a:cs typeface="+mn-cs"/>
+                <a:sym typeface="Wingdings" panose="05000000000000000000" pitchFamily="2" charset="2"/>
+              </a:rPr>
+              <a:t>Boris  12-27 </a:t>
+            </a:r>
+            <a:r>
+              <a:rPr lang="de-CH" sz="1200" kern="1200" dirty="0" err="1">
+                <a:solidFill>
+                  <a:schemeClr val="tx1"/>
+                </a:solidFill>
+                <a:effectLst/>
+                <a:latin typeface="+mn-lt"/>
+                <a:ea typeface="+mn-ea"/>
+                <a:cs typeface="+mn-cs"/>
+                <a:sym typeface="Wingdings" panose="05000000000000000000" pitchFamily="2" charset="2"/>
+              </a:rPr>
+              <a:t>april</a:t>
+            </a:r>
+            <a:r>
+              <a:rPr lang="de-CH" sz="1200" kern="1200" dirty="0">
+                <a:solidFill>
+                  <a:schemeClr val="tx1"/>
+                </a:solidFill>
+                <a:effectLst/>
+                <a:latin typeface="+mn-lt"/>
+                <a:ea typeface="+mn-ea"/>
+                <a:cs typeface="+mn-cs"/>
+                <a:sym typeface="Wingdings" panose="05000000000000000000" pitchFamily="2" charset="2"/>
+              </a:rPr>
+              <a:t> keine </a:t>
+            </a:r>
+            <a:r>
+              <a:rPr lang="de-CH" sz="1200" kern="1200" dirty="0" err="1">
+                <a:solidFill>
+                  <a:schemeClr val="tx1"/>
+                </a:solidFill>
+                <a:effectLst/>
+                <a:latin typeface="+mn-lt"/>
+                <a:ea typeface="+mn-ea"/>
+                <a:cs typeface="+mn-cs"/>
+                <a:sym typeface="Wingdings" panose="05000000000000000000" pitchFamily="2" charset="2"/>
+              </a:rPr>
+              <a:t>posts</a:t>
+            </a:r>
+            <a:r>
+              <a:rPr lang="de-CH" sz="1200" kern="1200" dirty="0">
+                <a:solidFill>
+                  <a:schemeClr val="tx1"/>
+                </a:solidFill>
+                <a:effectLst/>
+                <a:latin typeface="+mn-lt"/>
+                <a:ea typeface="+mn-ea"/>
+                <a:cs typeface="+mn-cs"/>
+                <a:sym typeface="Wingdings" panose="05000000000000000000" pitchFamily="2" charset="2"/>
+              </a:rPr>
+              <a:t>  Intensivstation</a:t>
+            </a:r>
+            <a:endParaRPr lang="de-CH" sz="1200" kern="1200" dirty="0">
+              <a:solidFill>
+                <a:schemeClr val="tx1"/>
+              </a:solidFill>
+              <a:effectLst/>
+              <a:latin typeface="+mn-lt"/>
+              <a:ea typeface="+mn-ea"/>
+              <a:cs typeface="+mn-cs"/>
+            </a:endParaRPr>
+          </a:p>
+          <a:p>
+            <a:r>
+              <a:rPr lang="de-CH" sz="1200" kern="1200" dirty="0">
+                <a:solidFill>
+                  <a:schemeClr val="tx1"/>
+                </a:solidFill>
+                <a:effectLst/>
+                <a:latin typeface="+mn-lt"/>
+                <a:ea typeface="+mn-ea"/>
+                <a:cs typeface="+mn-cs"/>
+              </a:rPr>
+              <a:t>1. </a:t>
+            </a:r>
+            <a:r>
+              <a:rPr lang="de-CH" sz="1200" kern="1200" dirty="0" err="1">
+                <a:solidFill>
+                  <a:schemeClr val="tx1"/>
+                </a:solidFill>
+                <a:effectLst/>
+                <a:latin typeface="+mn-lt"/>
+                <a:ea typeface="+mn-ea"/>
+                <a:cs typeface="+mn-cs"/>
+              </a:rPr>
+              <a:t>mai</a:t>
+            </a:r>
+            <a:r>
+              <a:rPr lang="de-CH" sz="1200" kern="1200" dirty="0">
+                <a:solidFill>
+                  <a:schemeClr val="tx1"/>
+                </a:solidFill>
+                <a:effectLst/>
+                <a:latin typeface="+mn-lt"/>
+                <a:ea typeface="+mn-ea"/>
+                <a:cs typeface="+mn-cs"/>
+              </a:rPr>
+              <a:t>: </a:t>
+            </a:r>
+            <a:r>
+              <a:rPr lang="de-CH" sz="1200" kern="1200" dirty="0" err="1">
+                <a:solidFill>
+                  <a:schemeClr val="tx1"/>
+                </a:solidFill>
+                <a:effectLst/>
+                <a:latin typeface="+mn-lt"/>
+                <a:ea typeface="+mn-ea"/>
+                <a:cs typeface="+mn-cs"/>
+              </a:rPr>
+              <a:t>corona</a:t>
+            </a:r>
+            <a:r>
+              <a:rPr lang="de-CH" sz="1200" kern="1200" dirty="0">
+                <a:solidFill>
+                  <a:schemeClr val="tx1"/>
+                </a:solidFill>
+                <a:effectLst/>
+                <a:latin typeface="+mn-lt"/>
+                <a:ea typeface="+mn-ea"/>
+                <a:cs typeface="+mn-cs"/>
+              </a:rPr>
+              <a:t> </a:t>
+            </a:r>
+            <a:r>
+              <a:rPr lang="de-CH" sz="1200" kern="1200" dirty="0" err="1">
+                <a:solidFill>
+                  <a:schemeClr val="tx1"/>
+                </a:solidFill>
+                <a:effectLst/>
+                <a:latin typeface="+mn-lt"/>
+                <a:ea typeface="+mn-ea"/>
+                <a:cs typeface="+mn-cs"/>
+              </a:rPr>
+              <a:t>peak</a:t>
+            </a:r>
+            <a:r>
+              <a:rPr lang="de-CH" sz="1200" kern="1200" dirty="0">
+                <a:solidFill>
+                  <a:schemeClr val="tx1"/>
+                </a:solidFill>
+                <a:effectLst/>
+                <a:latin typeface="+mn-lt"/>
+                <a:ea typeface="+mn-ea"/>
+                <a:cs typeface="+mn-cs"/>
+              </a:rPr>
+              <a:t> </a:t>
+            </a:r>
+            <a:r>
+              <a:rPr lang="de-CH" sz="1200" kern="1200" dirty="0" err="1">
+                <a:solidFill>
+                  <a:schemeClr val="tx1"/>
+                </a:solidFill>
+                <a:effectLst/>
+                <a:latin typeface="+mn-lt"/>
+                <a:ea typeface="+mn-ea"/>
+                <a:cs typeface="+mn-cs"/>
+              </a:rPr>
+              <a:t>reached</a:t>
+            </a:r>
+            <a:r>
+              <a:rPr lang="de-CH" sz="1200" kern="1200" dirty="0">
+                <a:solidFill>
+                  <a:schemeClr val="tx1"/>
+                </a:solidFill>
+                <a:effectLst/>
+                <a:latin typeface="+mn-lt"/>
+                <a:ea typeface="+mn-ea"/>
+                <a:cs typeface="+mn-cs"/>
+              </a:rPr>
+              <a:t> </a:t>
+            </a:r>
+            <a:r>
+              <a:rPr lang="de-CH" sz="1200" kern="1200" dirty="0">
+                <a:solidFill>
+                  <a:schemeClr val="tx1"/>
+                </a:solidFill>
+                <a:effectLst/>
+                <a:latin typeface="+mn-lt"/>
+                <a:ea typeface="+mn-ea"/>
+                <a:cs typeface="+mn-cs"/>
+                <a:sym typeface="Wingdings" panose="05000000000000000000" pitchFamily="2" charset="2"/>
+              </a:rPr>
+              <a:t> still </a:t>
+            </a:r>
+            <a:r>
+              <a:rPr lang="de-CH" sz="1200" kern="1200" dirty="0" err="1">
+                <a:solidFill>
+                  <a:schemeClr val="tx1"/>
+                </a:solidFill>
+                <a:effectLst/>
+                <a:latin typeface="+mn-lt"/>
+                <a:ea typeface="+mn-ea"/>
+                <a:cs typeface="+mn-cs"/>
+                <a:sym typeface="Wingdings" panose="05000000000000000000" pitchFamily="2" charset="2"/>
+              </a:rPr>
+              <a:t>sentiment</a:t>
+            </a:r>
+            <a:r>
+              <a:rPr lang="de-CH" sz="1200" kern="1200" dirty="0">
+                <a:solidFill>
+                  <a:schemeClr val="tx1"/>
+                </a:solidFill>
+                <a:effectLst/>
+                <a:latin typeface="+mn-lt"/>
+                <a:ea typeface="+mn-ea"/>
+                <a:cs typeface="+mn-cs"/>
+                <a:sym typeface="Wingdings" panose="05000000000000000000" pitchFamily="2" charset="2"/>
+              </a:rPr>
+              <a:t> </a:t>
+            </a:r>
+            <a:r>
+              <a:rPr lang="de-CH" sz="1200" kern="1200" dirty="0" err="1">
+                <a:solidFill>
+                  <a:schemeClr val="tx1"/>
+                </a:solidFill>
+                <a:effectLst/>
+                <a:latin typeface="+mn-lt"/>
+                <a:ea typeface="+mn-ea"/>
+                <a:cs typeface="+mn-cs"/>
+                <a:sym typeface="Wingdings" panose="05000000000000000000" pitchFamily="2" charset="2"/>
+              </a:rPr>
+              <a:t>goes</a:t>
+            </a:r>
+            <a:r>
+              <a:rPr lang="de-CH" sz="1200" kern="1200" dirty="0">
+                <a:solidFill>
+                  <a:schemeClr val="tx1"/>
+                </a:solidFill>
+                <a:effectLst/>
+                <a:latin typeface="+mn-lt"/>
+                <a:ea typeface="+mn-ea"/>
+                <a:cs typeface="+mn-cs"/>
+                <a:sym typeface="Wingdings" panose="05000000000000000000" pitchFamily="2" charset="2"/>
+              </a:rPr>
+              <a:t> down  </a:t>
+            </a:r>
+            <a:r>
+              <a:rPr lang="de-CH" sz="1200" kern="1200" dirty="0" err="1">
+                <a:solidFill>
+                  <a:schemeClr val="tx1"/>
+                </a:solidFill>
+                <a:effectLst/>
+                <a:latin typeface="+mn-lt"/>
+                <a:ea typeface="+mn-ea"/>
+                <a:cs typeface="+mn-cs"/>
+                <a:sym typeface="Wingdings" panose="05000000000000000000" pitchFamily="2" charset="2"/>
+              </a:rPr>
+              <a:t>many</a:t>
+            </a:r>
+            <a:r>
+              <a:rPr lang="de-CH" sz="1200" kern="1200" dirty="0">
+                <a:solidFill>
+                  <a:schemeClr val="tx1"/>
+                </a:solidFill>
+                <a:effectLst/>
+                <a:latin typeface="+mn-lt"/>
+                <a:ea typeface="+mn-ea"/>
+                <a:cs typeface="+mn-cs"/>
+                <a:sym typeface="Wingdings" panose="05000000000000000000" pitchFamily="2" charset="2"/>
+              </a:rPr>
+              <a:t> </a:t>
+            </a:r>
+            <a:r>
+              <a:rPr lang="de-CH" sz="1200" kern="1200" dirty="0" err="1">
+                <a:solidFill>
+                  <a:schemeClr val="tx1"/>
+                </a:solidFill>
+                <a:effectLst/>
+                <a:latin typeface="+mn-lt"/>
+                <a:ea typeface="+mn-ea"/>
+                <a:cs typeface="+mn-cs"/>
+                <a:sym typeface="Wingdings" panose="05000000000000000000" pitchFamily="2" charset="2"/>
+              </a:rPr>
+              <a:t>people</a:t>
+            </a:r>
+            <a:r>
+              <a:rPr lang="de-CH" sz="1200" kern="1200" dirty="0">
+                <a:solidFill>
+                  <a:schemeClr val="tx1"/>
+                </a:solidFill>
+                <a:effectLst/>
+                <a:latin typeface="+mn-lt"/>
+                <a:ea typeface="+mn-ea"/>
+                <a:cs typeface="+mn-cs"/>
+                <a:sym typeface="Wingdings" panose="05000000000000000000" pitchFamily="2" charset="2"/>
+              </a:rPr>
+              <a:t> </a:t>
+            </a:r>
+            <a:r>
+              <a:rPr lang="de-CH" sz="1200" kern="1200" dirty="0" err="1">
+                <a:solidFill>
+                  <a:schemeClr val="tx1"/>
+                </a:solidFill>
+                <a:effectLst/>
+                <a:latin typeface="+mn-lt"/>
+                <a:ea typeface="+mn-ea"/>
+                <a:cs typeface="+mn-cs"/>
+                <a:sym typeface="Wingdings" panose="05000000000000000000" pitchFamily="2" charset="2"/>
+              </a:rPr>
+              <a:t>coronavirus</a:t>
+            </a:r>
+            <a:r>
+              <a:rPr lang="de-CH" sz="1200" kern="1200" dirty="0">
+                <a:solidFill>
+                  <a:schemeClr val="tx1"/>
+                </a:solidFill>
+                <a:effectLst/>
+                <a:latin typeface="+mn-lt"/>
+                <a:ea typeface="+mn-ea"/>
+                <a:cs typeface="+mn-cs"/>
+                <a:sym typeface="Wingdings" panose="05000000000000000000" pitchFamily="2" charset="2"/>
+              </a:rPr>
+              <a:t> still a </a:t>
+            </a:r>
+            <a:r>
+              <a:rPr lang="de-CH" sz="1200" kern="1200" dirty="0" err="1">
+                <a:solidFill>
+                  <a:schemeClr val="tx1"/>
+                </a:solidFill>
+                <a:effectLst/>
+                <a:latin typeface="+mn-lt"/>
+                <a:ea typeface="+mn-ea"/>
+                <a:cs typeface="+mn-cs"/>
+                <a:sym typeface="Wingdings" panose="05000000000000000000" pitchFamily="2" charset="2"/>
+              </a:rPr>
+              <a:t>threat</a:t>
+            </a:r>
+            <a:r>
+              <a:rPr lang="de-CH" sz="1200" kern="1200" dirty="0">
+                <a:solidFill>
+                  <a:schemeClr val="tx1"/>
+                </a:solidFill>
+                <a:effectLst/>
+                <a:latin typeface="+mn-lt"/>
+                <a:ea typeface="+mn-ea"/>
+                <a:cs typeface="+mn-cs"/>
+                <a:sym typeface="Wingdings" panose="05000000000000000000" pitchFamily="2" charset="2"/>
+              </a:rPr>
+              <a:t>. </a:t>
+            </a:r>
+            <a:endParaRPr lang="de-CH" sz="1200" kern="1200" dirty="0">
+              <a:solidFill>
+                <a:schemeClr val="tx1"/>
+              </a:solidFill>
+              <a:effectLst/>
+              <a:latin typeface="+mn-lt"/>
+              <a:ea typeface="+mn-ea"/>
+              <a:cs typeface="+mn-cs"/>
+            </a:endParaRPr>
+          </a:p>
+          <a:p>
+            <a:endParaRPr lang="de-CH" sz="1200" kern="1200" dirty="0">
+              <a:solidFill>
+                <a:schemeClr val="tx1"/>
+              </a:solidFill>
+              <a:effectLst/>
+              <a:latin typeface="+mn-lt"/>
+              <a:ea typeface="+mn-ea"/>
+              <a:cs typeface="+mn-cs"/>
+            </a:endParaRPr>
+          </a:p>
+          <a:p>
+            <a:r>
+              <a:rPr lang="de-CH" sz="1200" b="1" kern="1200" dirty="0">
+                <a:solidFill>
+                  <a:schemeClr val="tx1"/>
+                </a:solidFill>
+                <a:effectLst/>
+                <a:latin typeface="+mn-lt"/>
+                <a:ea typeface="+mn-ea"/>
+                <a:cs typeface="+mn-cs"/>
+              </a:rPr>
+              <a:t>Emily </a:t>
+            </a:r>
+            <a:r>
+              <a:rPr lang="de-CH" sz="1200" b="1" kern="1200" dirty="0" err="1">
+                <a:solidFill>
+                  <a:schemeClr val="tx1"/>
+                </a:solidFill>
+                <a:effectLst/>
+                <a:latin typeface="+mn-lt"/>
+                <a:ea typeface="+mn-ea"/>
+                <a:cs typeface="+mn-cs"/>
+              </a:rPr>
+              <a:t>Maitlis</a:t>
+            </a:r>
+            <a:endParaRPr lang="de-CH" sz="1200" b="1" kern="1200" dirty="0">
+              <a:solidFill>
+                <a:schemeClr val="tx1"/>
+              </a:solidFill>
+              <a:effectLst/>
+              <a:latin typeface="+mn-lt"/>
+              <a:ea typeface="+mn-ea"/>
+              <a:cs typeface="+mn-cs"/>
+            </a:endParaRPr>
+          </a:p>
+          <a:p>
+            <a:r>
+              <a:rPr lang="de-CH" sz="1200" kern="1200" dirty="0" err="1">
+                <a:solidFill>
+                  <a:schemeClr val="tx1"/>
+                </a:solidFill>
+                <a:effectLst/>
+                <a:latin typeface="+mn-lt"/>
+                <a:ea typeface="+mn-ea"/>
+                <a:cs typeface="+mn-cs"/>
+              </a:rPr>
+              <a:t>Downturn</a:t>
+            </a:r>
+            <a:r>
+              <a:rPr lang="de-CH" sz="1200" kern="1200" dirty="0">
+                <a:solidFill>
+                  <a:schemeClr val="tx1"/>
+                </a:solidFill>
+                <a:effectLst/>
+                <a:latin typeface="+mn-lt"/>
+                <a:ea typeface="+mn-ea"/>
+                <a:cs typeface="+mn-cs"/>
+              </a:rPr>
+              <a:t> end of </a:t>
+            </a:r>
+            <a:r>
+              <a:rPr lang="de-CH" sz="1200" kern="1200" dirty="0" err="1">
+                <a:solidFill>
+                  <a:schemeClr val="tx1"/>
+                </a:solidFill>
+                <a:effectLst/>
+                <a:latin typeface="+mn-lt"/>
+                <a:ea typeface="+mn-ea"/>
+                <a:cs typeface="+mn-cs"/>
+              </a:rPr>
+              <a:t>february</a:t>
+            </a:r>
+            <a:r>
+              <a:rPr lang="de-CH" sz="1200" kern="1200" dirty="0">
+                <a:solidFill>
+                  <a:schemeClr val="tx1"/>
+                </a:solidFill>
+                <a:effectLst/>
+                <a:latin typeface="+mn-lt"/>
+                <a:ea typeface="+mn-ea"/>
+                <a:cs typeface="+mn-cs"/>
+              </a:rPr>
+              <a:t> </a:t>
+            </a:r>
+            <a:r>
+              <a:rPr lang="de-CH" sz="1200" kern="1200" dirty="0">
+                <a:solidFill>
+                  <a:schemeClr val="tx1"/>
+                </a:solidFill>
+                <a:effectLst/>
+                <a:latin typeface="+mn-lt"/>
+                <a:ea typeface="+mn-ea"/>
+                <a:cs typeface="+mn-cs"/>
+                <a:sym typeface="Wingdings" panose="05000000000000000000" pitchFamily="2" charset="2"/>
+              </a:rPr>
+              <a:t></a:t>
+            </a:r>
+            <a:r>
+              <a:rPr lang="de-CH" sz="1200" kern="1200" dirty="0" err="1">
+                <a:solidFill>
+                  <a:schemeClr val="tx1"/>
+                </a:solidFill>
+                <a:effectLst/>
+                <a:latin typeface="+mn-lt"/>
+                <a:ea typeface="+mn-ea"/>
+                <a:cs typeface="+mn-cs"/>
+                <a:sym typeface="Wingdings" panose="05000000000000000000" pitchFamily="2" charset="2"/>
+              </a:rPr>
+              <a:t>uk</a:t>
+            </a:r>
+            <a:r>
+              <a:rPr lang="de-CH" sz="1200" kern="1200" dirty="0">
+                <a:solidFill>
+                  <a:schemeClr val="tx1"/>
+                </a:solidFill>
+                <a:effectLst/>
+                <a:latin typeface="+mn-lt"/>
+                <a:ea typeface="+mn-ea"/>
+                <a:cs typeface="+mn-cs"/>
+                <a:sym typeface="Wingdings" panose="05000000000000000000" pitchFamily="2" charset="2"/>
+              </a:rPr>
+              <a:t> </a:t>
+            </a:r>
+            <a:r>
+              <a:rPr lang="de-CH" sz="1200" kern="1200" dirty="0" err="1">
+                <a:solidFill>
+                  <a:schemeClr val="tx1"/>
+                </a:solidFill>
+                <a:effectLst/>
+                <a:latin typeface="+mn-lt"/>
+                <a:ea typeface="+mn-ea"/>
+                <a:cs typeface="+mn-cs"/>
+                <a:sym typeface="Wingdings" panose="05000000000000000000" pitchFamily="2" charset="2"/>
+              </a:rPr>
+              <a:t>declares</a:t>
+            </a:r>
+            <a:r>
+              <a:rPr lang="de-CH" sz="1200" kern="1200" dirty="0">
+                <a:solidFill>
+                  <a:schemeClr val="tx1"/>
+                </a:solidFill>
+                <a:effectLst/>
+                <a:latin typeface="+mn-lt"/>
+                <a:ea typeface="+mn-ea"/>
+                <a:cs typeface="+mn-cs"/>
+                <a:sym typeface="Wingdings" panose="05000000000000000000" pitchFamily="2" charset="2"/>
+              </a:rPr>
+              <a:t> </a:t>
+            </a:r>
+            <a:r>
+              <a:rPr lang="de-CH" sz="1200" kern="1200" dirty="0" err="1">
+                <a:solidFill>
+                  <a:schemeClr val="tx1"/>
+                </a:solidFill>
+                <a:effectLst/>
+                <a:latin typeface="+mn-lt"/>
+                <a:ea typeface="+mn-ea"/>
+                <a:cs typeface="+mn-cs"/>
+                <a:sym typeface="Wingdings" panose="05000000000000000000" pitchFamily="2" charset="2"/>
+              </a:rPr>
+              <a:t>coronavirus</a:t>
+            </a:r>
+            <a:r>
+              <a:rPr lang="de-CH" sz="1200" kern="1200" dirty="0">
+                <a:solidFill>
+                  <a:schemeClr val="tx1"/>
+                </a:solidFill>
+                <a:effectLst/>
+                <a:latin typeface="+mn-lt"/>
+                <a:ea typeface="+mn-ea"/>
+                <a:cs typeface="+mn-cs"/>
+                <a:sym typeface="Wingdings" panose="05000000000000000000" pitchFamily="2" charset="2"/>
+              </a:rPr>
+              <a:t> </a:t>
+            </a:r>
+            <a:r>
+              <a:rPr lang="de-CH" sz="1200" kern="1200" dirty="0" err="1">
+                <a:solidFill>
+                  <a:schemeClr val="tx1"/>
+                </a:solidFill>
+                <a:effectLst/>
+                <a:latin typeface="+mn-lt"/>
+                <a:ea typeface="+mn-ea"/>
+                <a:cs typeface="+mn-cs"/>
+                <a:sym typeface="Wingdings" panose="05000000000000000000" pitchFamily="2" charset="2"/>
+              </a:rPr>
+              <a:t>as</a:t>
+            </a:r>
+            <a:r>
+              <a:rPr lang="de-CH" sz="1200" kern="1200" dirty="0">
+                <a:solidFill>
+                  <a:schemeClr val="tx1"/>
+                </a:solidFill>
+                <a:effectLst/>
+                <a:latin typeface="+mn-lt"/>
+                <a:ea typeface="+mn-ea"/>
+                <a:cs typeface="+mn-cs"/>
+                <a:sym typeface="Wingdings" panose="05000000000000000000" pitchFamily="2" charset="2"/>
+              </a:rPr>
+              <a:t> a </a:t>
+            </a:r>
+            <a:r>
+              <a:rPr lang="de-CH" sz="1200" kern="1200" dirty="0" err="1">
+                <a:solidFill>
+                  <a:schemeClr val="tx1"/>
+                </a:solidFill>
+                <a:effectLst/>
+                <a:latin typeface="+mn-lt"/>
+                <a:ea typeface="+mn-ea"/>
+                <a:cs typeface="+mn-cs"/>
+                <a:sym typeface="Wingdings" panose="05000000000000000000" pitchFamily="2" charset="2"/>
+              </a:rPr>
+              <a:t>serous</a:t>
+            </a:r>
+            <a:r>
+              <a:rPr lang="de-CH" sz="1200" kern="1200" dirty="0">
+                <a:solidFill>
+                  <a:schemeClr val="tx1"/>
+                </a:solidFill>
+                <a:effectLst/>
+                <a:latin typeface="+mn-lt"/>
+                <a:ea typeface="+mn-ea"/>
+                <a:cs typeface="+mn-cs"/>
+                <a:sym typeface="Wingdings" panose="05000000000000000000" pitchFamily="2" charset="2"/>
+              </a:rPr>
+              <a:t> imminent </a:t>
+            </a:r>
+            <a:r>
+              <a:rPr lang="de-CH" sz="1200" kern="1200" dirty="0" err="1">
+                <a:solidFill>
+                  <a:schemeClr val="tx1"/>
+                </a:solidFill>
+                <a:effectLst/>
+                <a:latin typeface="+mn-lt"/>
+                <a:ea typeface="+mn-ea"/>
+                <a:cs typeface="+mn-cs"/>
+                <a:sym typeface="Wingdings" panose="05000000000000000000" pitchFamily="2" charset="2"/>
+              </a:rPr>
+              <a:t>threat</a:t>
+            </a:r>
+            <a:r>
+              <a:rPr lang="de-CH" sz="1200" kern="1200" dirty="0">
+                <a:solidFill>
+                  <a:schemeClr val="tx1"/>
+                </a:solidFill>
+                <a:effectLst/>
+                <a:latin typeface="+mn-lt"/>
+                <a:ea typeface="+mn-ea"/>
+                <a:cs typeface="+mn-cs"/>
+                <a:sym typeface="Wingdings" panose="05000000000000000000" pitchFamily="2" charset="2"/>
+              </a:rPr>
+              <a:t>. </a:t>
+            </a:r>
+          </a:p>
+          <a:p>
+            <a:r>
+              <a:rPr lang="de-CH" sz="1200" kern="1200" dirty="0" err="1">
+                <a:solidFill>
+                  <a:schemeClr val="tx1"/>
+                </a:solidFill>
+                <a:effectLst/>
+                <a:latin typeface="+mn-lt"/>
+                <a:ea typeface="+mn-ea"/>
+                <a:cs typeface="+mn-cs"/>
+                <a:sym typeface="Wingdings" panose="05000000000000000000" pitchFamily="2" charset="2"/>
+              </a:rPr>
+              <a:t>Lowest</a:t>
+            </a:r>
+            <a:r>
+              <a:rPr lang="de-CH" sz="1200" kern="1200" dirty="0">
+                <a:solidFill>
+                  <a:schemeClr val="tx1"/>
+                </a:solidFill>
+                <a:effectLst/>
+                <a:latin typeface="+mn-lt"/>
+                <a:ea typeface="+mn-ea"/>
+                <a:cs typeface="+mn-cs"/>
+                <a:sym typeface="Wingdings" panose="05000000000000000000" pitchFamily="2" charset="2"/>
+              </a:rPr>
+              <a:t> </a:t>
+            </a:r>
+            <a:r>
+              <a:rPr lang="de-CH" sz="1200" kern="1200" dirty="0" err="1">
+                <a:solidFill>
+                  <a:schemeClr val="tx1"/>
+                </a:solidFill>
+                <a:effectLst/>
+                <a:latin typeface="+mn-lt"/>
+                <a:ea typeface="+mn-ea"/>
+                <a:cs typeface="+mn-cs"/>
+                <a:sym typeface="Wingdings" panose="05000000000000000000" pitchFamily="2" charset="2"/>
+              </a:rPr>
+              <a:t>point</a:t>
+            </a:r>
+            <a:r>
+              <a:rPr lang="de-CH" sz="1200" kern="1200" dirty="0">
+                <a:solidFill>
+                  <a:schemeClr val="tx1"/>
+                </a:solidFill>
+                <a:effectLst/>
+                <a:latin typeface="+mn-lt"/>
+                <a:ea typeface="+mn-ea"/>
+                <a:cs typeface="+mn-cs"/>
+                <a:sym typeface="Wingdings" panose="05000000000000000000" pitchFamily="2" charset="2"/>
+              </a:rPr>
+              <a:t>: </a:t>
+            </a:r>
+            <a:r>
+              <a:rPr lang="de-CH" sz="1200" kern="1200" dirty="0" err="1">
+                <a:solidFill>
+                  <a:schemeClr val="tx1"/>
+                </a:solidFill>
+                <a:effectLst/>
+                <a:latin typeface="+mn-lt"/>
+                <a:ea typeface="+mn-ea"/>
+                <a:cs typeface="+mn-cs"/>
+                <a:sym typeface="Wingdings" panose="05000000000000000000" pitchFamily="2" charset="2"/>
+              </a:rPr>
+              <a:t>mid</a:t>
+            </a:r>
+            <a:r>
+              <a:rPr lang="de-CH" sz="1200" kern="1200" dirty="0">
+                <a:solidFill>
+                  <a:schemeClr val="tx1"/>
+                </a:solidFill>
+                <a:effectLst/>
+                <a:latin typeface="+mn-lt"/>
+                <a:ea typeface="+mn-ea"/>
+                <a:cs typeface="+mn-cs"/>
+                <a:sym typeface="Wingdings" panose="05000000000000000000" pitchFamily="2" charset="2"/>
+              </a:rPr>
+              <a:t> </a:t>
+            </a:r>
+            <a:r>
+              <a:rPr lang="de-CH" sz="1200" kern="1200" dirty="0" err="1">
+                <a:solidFill>
+                  <a:schemeClr val="tx1"/>
+                </a:solidFill>
+                <a:effectLst/>
+                <a:latin typeface="+mn-lt"/>
+                <a:ea typeface="+mn-ea"/>
+                <a:cs typeface="+mn-cs"/>
+                <a:sym typeface="Wingdings" panose="05000000000000000000" pitchFamily="2" charset="2"/>
+              </a:rPr>
+              <a:t>march</a:t>
+            </a:r>
+            <a:r>
+              <a:rPr lang="de-CH" sz="1200" kern="1200" dirty="0">
+                <a:solidFill>
+                  <a:schemeClr val="tx1"/>
+                </a:solidFill>
+                <a:effectLst/>
+                <a:latin typeface="+mn-lt"/>
+                <a:ea typeface="+mn-ea"/>
+                <a:cs typeface="+mn-cs"/>
+                <a:sym typeface="Wingdings" panose="05000000000000000000" pitchFamily="2" charset="2"/>
+              </a:rPr>
+              <a:t>  </a:t>
+            </a:r>
+          </a:p>
+          <a:p>
+            <a:r>
+              <a:rPr lang="de-CH" sz="1200" kern="1200" dirty="0">
+                <a:solidFill>
+                  <a:schemeClr val="tx1"/>
+                </a:solidFill>
+                <a:effectLst/>
+                <a:latin typeface="+mn-lt"/>
+                <a:ea typeface="+mn-ea"/>
+                <a:cs typeface="+mn-cs"/>
+                <a:sym typeface="Wingdings" panose="05000000000000000000" pitchFamily="2" charset="2"/>
+              </a:rPr>
+              <a:t>Even </a:t>
+            </a:r>
+            <a:r>
+              <a:rPr lang="de-CH" sz="1200" kern="1200" dirty="0" err="1">
+                <a:solidFill>
+                  <a:schemeClr val="tx1"/>
+                </a:solidFill>
+                <a:effectLst/>
+                <a:latin typeface="+mn-lt"/>
+                <a:ea typeface="+mn-ea"/>
+                <a:cs typeface="+mn-cs"/>
+                <a:sym typeface="Wingdings" panose="05000000000000000000" pitchFamily="2" charset="2"/>
+              </a:rPr>
+              <a:t>goes</a:t>
+            </a:r>
+            <a:r>
+              <a:rPr lang="de-CH" sz="1200" kern="1200" dirty="0">
+                <a:solidFill>
+                  <a:schemeClr val="tx1"/>
+                </a:solidFill>
+                <a:effectLst/>
+                <a:latin typeface="+mn-lt"/>
+                <a:ea typeface="+mn-ea"/>
+                <a:cs typeface="+mn-cs"/>
+                <a:sym typeface="Wingdings" panose="05000000000000000000" pitchFamily="2" charset="2"/>
+              </a:rPr>
+              <a:t> </a:t>
+            </a:r>
+            <a:r>
+              <a:rPr lang="de-CH" sz="1200" kern="1200" dirty="0" err="1">
+                <a:solidFill>
+                  <a:schemeClr val="tx1"/>
+                </a:solidFill>
+                <a:effectLst/>
+                <a:latin typeface="+mn-lt"/>
+                <a:ea typeface="+mn-ea"/>
+                <a:cs typeface="+mn-cs"/>
+                <a:sym typeface="Wingdings" panose="05000000000000000000" pitchFamily="2" charset="2"/>
+              </a:rPr>
+              <a:t>up</a:t>
+            </a:r>
+            <a:r>
+              <a:rPr lang="de-CH" sz="1200" kern="1200" dirty="0">
+                <a:solidFill>
+                  <a:schemeClr val="tx1"/>
+                </a:solidFill>
+                <a:effectLst/>
+                <a:latin typeface="+mn-lt"/>
+                <a:ea typeface="+mn-ea"/>
+                <a:cs typeface="+mn-cs"/>
+                <a:sym typeface="Wingdings" panose="05000000000000000000" pitchFamily="2" charset="2"/>
+              </a:rPr>
+              <a:t>, </a:t>
+            </a:r>
+            <a:r>
+              <a:rPr lang="de-CH" sz="1200" kern="1200" dirty="0" err="1">
+                <a:solidFill>
+                  <a:schemeClr val="tx1"/>
+                </a:solidFill>
+                <a:effectLst/>
+                <a:latin typeface="+mn-lt"/>
+                <a:ea typeface="+mn-ea"/>
+                <a:cs typeface="+mn-cs"/>
+                <a:sym typeface="Wingdings" panose="05000000000000000000" pitchFamily="2" charset="2"/>
+              </a:rPr>
+              <a:t>when</a:t>
+            </a:r>
+            <a:r>
+              <a:rPr lang="de-CH" sz="1200" kern="1200" dirty="0">
+                <a:solidFill>
+                  <a:schemeClr val="tx1"/>
+                </a:solidFill>
+                <a:effectLst/>
+                <a:latin typeface="+mn-lt"/>
+                <a:ea typeface="+mn-ea"/>
+                <a:cs typeface="+mn-cs"/>
+                <a:sym typeface="Wingdings" panose="05000000000000000000" pitchFamily="2" charset="2"/>
+              </a:rPr>
+              <a:t> </a:t>
+            </a:r>
+            <a:r>
+              <a:rPr lang="de-CH" sz="1200" kern="1200" dirty="0" err="1">
+                <a:solidFill>
+                  <a:schemeClr val="tx1"/>
+                </a:solidFill>
+                <a:effectLst/>
+                <a:latin typeface="+mn-lt"/>
+                <a:ea typeface="+mn-ea"/>
+                <a:cs typeface="+mn-cs"/>
+                <a:sym typeface="Wingdings" panose="05000000000000000000" pitchFamily="2" charset="2"/>
+              </a:rPr>
+              <a:t>lockdown</a:t>
+            </a:r>
+            <a:r>
+              <a:rPr lang="de-CH" sz="1200" kern="1200" dirty="0">
+                <a:solidFill>
+                  <a:schemeClr val="tx1"/>
+                </a:solidFill>
+                <a:effectLst/>
+                <a:latin typeface="+mn-lt"/>
+                <a:ea typeface="+mn-ea"/>
+                <a:cs typeface="+mn-cs"/>
+                <a:sym typeface="Wingdings" panose="05000000000000000000" pitchFamily="2" charset="2"/>
+              </a:rPr>
+              <a:t> is </a:t>
+            </a:r>
+            <a:r>
+              <a:rPr lang="de-CH" sz="1200" kern="1200" dirty="0" err="1">
+                <a:solidFill>
+                  <a:schemeClr val="tx1"/>
+                </a:solidFill>
+                <a:effectLst/>
+                <a:latin typeface="+mn-lt"/>
+                <a:ea typeface="+mn-ea"/>
+                <a:cs typeface="+mn-cs"/>
+                <a:sym typeface="Wingdings" panose="05000000000000000000" pitchFamily="2" charset="2"/>
+              </a:rPr>
+              <a:t>anounced</a:t>
+            </a:r>
+            <a:endParaRPr lang="de-CH" sz="1200" kern="1200" dirty="0">
+              <a:solidFill>
+                <a:schemeClr val="tx1"/>
+              </a:solidFill>
+              <a:effectLst/>
+              <a:latin typeface="+mn-lt"/>
+              <a:ea typeface="+mn-ea"/>
+              <a:cs typeface="+mn-cs"/>
+            </a:endParaRPr>
+          </a:p>
+          <a:p>
+            <a:r>
+              <a:rPr lang="de-CH" dirty="0" err="1"/>
+              <a:t>Beginning</a:t>
+            </a:r>
+            <a:r>
+              <a:rPr lang="de-CH" dirty="0"/>
+              <a:t> of </a:t>
+            </a:r>
+            <a:r>
+              <a:rPr lang="de-CH" dirty="0" err="1"/>
+              <a:t>april</a:t>
+            </a:r>
+            <a:r>
+              <a:rPr lang="de-CH" dirty="0"/>
+              <a:t> </a:t>
+            </a:r>
+            <a:r>
+              <a:rPr lang="de-CH" dirty="0" err="1"/>
+              <a:t>agein</a:t>
+            </a:r>
+            <a:r>
+              <a:rPr lang="de-CH" dirty="0"/>
+              <a:t> down and </a:t>
+            </a:r>
+            <a:r>
+              <a:rPr lang="de-CH" dirty="0" err="1"/>
+              <a:t>then</a:t>
+            </a:r>
+            <a:r>
+              <a:rPr lang="de-CH" dirty="0"/>
+              <a:t> </a:t>
+            </a:r>
+            <a:r>
+              <a:rPr lang="de-CH" dirty="0" err="1"/>
+              <a:t>slowly</a:t>
+            </a:r>
+            <a:r>
+              <a:rPr lang="de-CH" dirty="0"/>
+              <a:t> but </a:t>
+            </a:r>
+            <a:r>
+              <a:rPr lang="de-CH" dirty="0" err="1"/>
+              <a:t>steadyli</a:t>
+            </a:r>
+            <a:r>
+              <a:rPr lang="de-CH" dirty="0"/>
+              <a:t> </a:t>
+            </a:r>
+            <a:r>
+              <a:rPr lang="de-CH" dirty="0" err="1"/>
+              <a:t>up</a:t>
+            </a:r>
+            <a:r>
+              <a:rPr lang="de-CH" dirty="0"/>
+              <a:t> </a:t>
+            </a:r>
+            <a:r>
+              <a:rPr lang="de-CH" dirty="0" err="1"/>
+              <a:t>again</a:t>
+            </a:r>
+            <a:endParaRPr lang="de-CH" dirty="0"/>
+          </a:p>
+          <a:p>
+            <a:endParaRPr lang="de-CH" dirty="0"/>
+          </a:p>
+          <a:p>
+            <a:r>
+              <a:rPr lang="de-CH" b="1" dirty="0"/>
+              <a:t>BBC </a:t>
+            </a:r>
+            <a:r>
+              <a:rPr lang="de-CH" b="1" dirty="0" err="1"/>
+              <a:t>health</a:t>
+            </a:r>
+            <a:r>
+              <a:rPr lang="de-CH" b="1" dirty="0"/>
+              <a:t>: </a:t>
+            </a:r>
+          </a:p>
+          <a:p>
+            <a:r>
+              <a:rPr lang="de-CH" dirty="0"/>
+              <a:t>Sentiment is </a:t>
+            </a:r>
+            <a:r>
+              <a:rPr lang="de-CH" dirty="0" err="1"/>
+              <a:t>always</a:t>
+            </a:r>
+            <a:r>
+              <a:rPr lang="de-CH" dirty="0"/>
+              <a:t> </a:t>
+            </a:r>
+            <a:r>
+              <a:rPr lang="de-CH" dirty="0" err="1"/>
+              <a:t>below</a:t>
+            </a:r>
+            <a:r>
+              <a:rPr lang="de-CH" dirty="0"/>
+              <a:t> </a:t>
+            </a:r>
+            <a:r>
+              <a:rPr lang="de-CH" dirty="0" err="1"/>
+              <a:t>zero</a:t>
+            </a:r>
+            <a:r>
+              <a:rPr lang="de-CH" dirty="0"/>
+              <a:t> </a:t>
+            </a:r>
+            <a:r>
+              <a:rPr lang="de-CH" dirty="0" err="1"/>
+              <a:t>starting</a:t>
+            </a:r>
+            <a:r>
+              <a:rPr lang="de-CH" dirty="0"/>
+              <a:t> </a:t>
+            </a:r>
+            <a:r>
+              <a:rPr lang="de-CH" dirty="0" err="1"/>
+              <a:t>from</a:t>
+            </a:r>
+            <a:r>
+              <a:rPr lang="de-CH" dirty="0"/>
+              <a:t> </a:t>
+            </a:r>
+            <a:r>
+              <a:rPr lang="de-CH" dirty="0" err="1"/>
+              <a:t>beginning</a:t>
+            </a:r>
+            <a:r>
+              <a:rPr lang="de-CH" dirty="0"/>
+              <a:t> of </a:t>
+            </a:r>
+            <a:r>
+              <a:rPr lang="de-CH" dirty="0" err="1"/>
+              <a:t>february</a:t>
+            </a:r>
+            <a:r>
+              <a:rPr lang="de-CH" dirty="0"/>
+              <a:t>. </a:t>
+            </a:r>
+          </a:p>
+          <a:p>
+            <a:r>
+              <a:rPr lang="de-CH" dirty="0"/>
+              <a:t>Mai -&gt; </a:t>
+            </a:r>
+            <a:r>
+              <a:rPr lang="de-CH" dirty="0" err="1"/>
+              <a:t>anounced</a:t>
+            </a:r>
+            <a:r>
+              <a:rPr lang="de-CH" dirty="0"/>
+              <a:t> </a:t>
+            </a:r>
+            <a:r>
+              <a:rPr lang="de-CH" dirty="0" err="1"/>
+              <a:t>that</a:t>
+            </a:r>
+            <a:r>
+              <a:rPr lang="de-CH" dirty="0"/>
+              <a:t> </a:t>
+            </a:r>
+            <a:r>
+              <a:rPr lang="de-CH" dirty="0" err="1"/>
+              <a:t>peak</a:t>
+            </a:r>
+            <a:r>
+              <a:rPr lang="de-CH" dirty="0"/>
+              <a:t> is </a:t>
+            </a:r>
+            <a:r>
+              <a:rPr lang="de-CH" dirty="0" err="1"/>
+              <a:t>reched</a:t>
+            </a:r>
+            <a:r>
+              <a:rPr lang="de-CH" dirty="0"/>
+              <a:t> </a:t>
+            </a:r>
+            <a:r>
+              <a:rPr lang="de-CH" dirty="0">
+                <a:sym typeface="Wingdings" panose="05000000000000000000" pitchFamily="2" charset="2"/>
+              </a:rPr>
+              <a:t> </a:t>
+            </a:r>
+            <a:r>
+              <a:rPr lang="de-CH" dirty="0" err="1">
+                <a:sym typeface="Wingdings" panose="05000000000000000000" pitchFamily="2" charset="2"/>
+              </a:rPr>
+              <a:t>sentiment</a:t>
+            </a:r>
+            <a:r>
+              <a:rPr lang="de-CH" dirty="0">
+                <a:sym typeface="Wingdings" panose="05000000000000000000" pitchFamily="2" charset="2"/>
+              </a:rPr>
+              <a:t> </a:t>
+            </a:r>
+            <a:r>
+              <a:rPr lang="de-CH" dirty="0" err="1">
+                <a:sym typeface="Wingdings" panose="05000000000000000000" pitchFamily="2" charset="2"/>
+              </a:rPr>
+              <a:t>almost</a:t>
+            </a:r>
+            <a:r>
+              <a:rPr lang="de-CH" dirty="0">
+                <a:sym typeface="Wingdings" panose="05000000000000000000" pitchFamily="2" charset="2"/>
+              </a:rPr>
+              <a:t> </a:t>
+            </a:r>
+            <a:r>
+              <a:rPr lang="de-CH" dirty="0" err="1">
+                <a:sym typeface="Wingdings" panose="05000000000000000000" pitchFamily="2" charset="2"/>
+              </a:rPr>
+              <a:t>zero</a:t>
+            </a:r>
+            <a:r>
+              <a:rPr lang="de-CH" dirty="0">
+                <a:sym typeface="Wingdings" panose="05000000000000000000" pitchFamily="2" charset="2"/>
+              </a:rPr>
+              <a:t> and </a:t>
+            </a:r>
+            <a:r>
+              <a:rPr lang="de-CH" dirty="0" err="1">
+                <a:sym typeface="Wingdings" panose="05000000000000000000" pitchFamily="2" charset="2"/>
+              </a:rPr>
+              <a:t>then</a:t>
+            </a:r>
+            <a:r>
+              <a:rPr lang="de-CH" dirty="0">
+                <a:sym typeface="Wingdings" panose="05000000000000000000" pitchFamily="2" charset="2"/>
+              </a:rPr>
+              <a:t> </a:t>
+            </a:r>
+            <a:r>
+              <a:rPr lang="de-CH" dirty="0" err="1">
+                <a:sym typeface="Wingdings" panose="05000000000000000000" pitchFamily="2" charset="2"/>
+              </a:rPr>
+              <a:t>it</a:t>
+            </a:r>
+            <a:r>
+              <a:rPr lang="de-CH" dirty="0">
+                <a:sym typeface="Wingdings" panose="05000000000000000000" pitchFamily="2" charset="2"/>
+              </a:rPr>
+              <a:t> </a:t>
+            </a:r>
+            <a:r>
+              <a:rPr lang="de-CH" dirty="0" err="1">
+                <a:sym typeface="Wingdings" panose="05000000000000000000" pitchFamily="2" charset="2"/>
+              </a:rPr>
+              <a:t>decreases</a:t>
+            </a:r>
+            <a:r>
+              <a:rPr lang="de-CH" dirty="0">
+                <a:sym typeface="Wingdings" panose="05000000000000000000" pitchFamily="2" charset="2"/>
+              </a:rPr>
+              <a:t> </a:t>
+            </a:r>
+            <a:r>
+              <a:rPr lang="de-CH">
+                <a:sym typeface="Wingdings" panose="05000000000000000000" pitchFamily="2" charset="2"/>
+              </a:rPr>
+              <a:t>again</a:t>
+            </a:r>
+            <a:endParaRPr lang="de-CH" dirty="0"/>
+          </a:p>
+          <a:p>
+            <a:endParaRPr lang="de-CH" dirty="0"/>
+          </a:p>
+        </p:txBody>
+      </p:sp>
+      <p:sp>
+        <p:nvSpPr>
+          <p:cNvPr id="4" name="Foliennummernplatzhalter 3"/>
+          <p:cNvSpPr>
+            <a:spLocks noGrp="1"/>
+          </p:cNvSpPr>
+          <p:nvPr>
+            <p:ph type="sldNum" sz="quarter" idx="5"/>
+          </p:nvPr>
+        </p:nvSpPr>
+        <p:spPr/>
+        <p:txBody>
+          <a:bodyPr/>
+          <a:lstStyle/>
+          <a:p>
+            <a:fld id="{AD1EA8BB-FB99-47C5-A111-7E7FEAA7A2DA}" type="slidenum">
+              <a:rPr lang="fr-CH" smtClean="0"/>
+              <a:t>13</a:t>
+            </a:fld>
+            <a:endParaRPr lang="fr-CH"/>
+          </a:p>
+        </p:txBody>
+      </p:sp>
+    </p:spTree>
+    <p:extLst>
+      <p:ext uri="{BB962C8B-B14F-4D97-AF65-F5344CB8AC3E}">
+        <p14:creationId xmlns:p14="http://schemas.microsoft.com/office/powerpoint/2010/main" val="1023440169"/>
+      </p:ext>
+    </p:extLst>
+  </p:cSld>
+  <p:clrMapOvr>
+    <a:masterClrMapping/>
+  </p:clrMapOvr>
+</p:notes>
+</file>
+
 <file path=ppt/slideLayouts/slideLayout1.xml><?xml version="1.0" encoding="utf-8"?>
 <p:sldLayout xmlns:a="http://schemas.openxmlformats.org/drawingml/2006/main" xmlns:r="http://schemas.openxmlformats.org/officeDocument/2006/relationships" xmlns:p="http://schemas.openxmlformats.org/presentationml/2006/main" type="title" preserve="1">
   <p:cSld name="Diapositive de titre">
@@ -733,7 +4568,7 @@
           <a:p>
             <a:fld id="{FBE19751-BD6C-4399-B088-8DD8399288A9}" type="datetimeFigureOut">
               <a:rPr lang="fr-CH" smtClean="0"/>
-              <a:t>12.05.2020</a:t>
+              <a:t>13.05.2020</a:t>
             </a:fld>
             <a:endParaRPr lang="fr-CH"/>
           </a:p>
@@ -787,7 +4622,7 @@
           <a:p>
             <a:fld id="{E0995B2B-B3DB-4BBC-BE39-A27E83E1DBB5}" type="slidenum">
               <a:rPr lang="fr-CH" smtClean="0"/>
-              <a:t>‹N°›</a:t>
+              <a:t>‹Nr.›</a:t>
             </a:fld>
             <a:endParaRPr lang="fr-CH"/>
           </a:p>
@@ -933,7 +4768,7 @@
           <a:p>
             <a:fld id="{FBE19751-BD6C-4399-B088-8DD8399288A9}" type="datetimeFigureOut">
               <a:rPr lang="fr-CH" smtClean="0"/>
-              <a:t>12.05.2020</a:t>
+              <a:t>13.05.2020</a:t>
             </a:fld>
             <a:endParaRPr lang="fr-CH"/>
           </a:p>
@@ -987,7 +4822,7 @@
           <a:p>
             <a:fld id="{E0995B2B-B3DB-4BBC-BE39-A27E83E1DBB5}" type="slidenum">
               <a:rPr lang="fr-CH" smtClean="0"/>
-              <a:t>‹N°›</a:t>
+              <a:t>‹Nr.›</a:t>
             </a:fld>
             <a:endParaRPr lang="fr-CH"/>
           </a:p>
@@ -1143,7 +4978,7 @@
           <a:p>
             <a:fld id="{FBE19751-BD6C-4399-B088-8DD8399288A9}" type="datetimeFigureOut">
               <a:rPr lang="fr-CH" smtClean="0"/>
-              <a:t>12.05.2020</a:t>
+              <a:t>13.05.2020</a:t>
             </a:fld>
             <a:endParaRPr lang="fr-CH"/>
           </a:p>
@@ -1197,7 +5032,7 @@
           <a:p>
             <a:fld id="{E0995B2B-B3DB-4BBC-BE39-A27E83E1DBB5}" type="slidenum">
               <a:rPr lang="fr-CH" smtClean="0"/>
-              <a:t>‹N°›</a:t>
+              <a:t>‹Nr.›</a:t>
             </a:fld>
             <a:endParaRPr lang="fr-CH"/>
           </a:p>
@@ -1253,7 +5088,7 @@
           <a:lstStyle/>
           <a:p>
             <a:fld id="{86CB4B4D-7CA3-9044-876B-883B54F8677D}" type="slidenum">
-              <a:t>‹N°›</a:t>
+              <a:t>‹Nr.›</a:t>
             </a:fld>
             <a:endParaRPr/>
           </a:p>
@@ -1400,7 +5235,7 @@
           <a:p>
             <a:fld id="{FBE19751-BD6C-4399-B088-8DD8399288A9}" type="datetimeFigureOut">
               <a:rPr lang="fr-CH" smtClean="0"/>
-              <a:t>12.05.2020</a:t>
+              <a:t>13.05.2020</a:t>
             </a:fld>
             <a:endParaRPr lang="fr-CH"/>
           </a:p>
@@ -1454,7 +5289,7 @@
           <a:p>
             <a:fld id="{E0995B2B-B3DB-4BBC-BE39-A27E83E1DBB5}" type="slidenum">
               <a:rPr lang="fr-CH" smtClean="0"/>
-              <a:t>‹N°›</a:t>
+              <a:t>‹Nr.›</a:t>
             </a:fld>
             <a:endParaRPr lang="fr-CH"/>
           </a:p>
@@ -1676,7 +5511,7 @@
           <a:p>
             <a:fld id="{FBE19751-BD6C-4399-B088-8DD8399288A9}" type="datetimeFigureOut">
               <a:rPr lang="fr-CH" smtClean="0"/>
-              <a:t>12.05.2020</a:t>
+              <a:t>13.05.2020</a:t>
             </a:fld>
             <a:endParaRPr lang="fr-CH"/>
           </a:p>
@@ -1730,7 +5565,7 @@
           <a:p>
             <a:fld id="{E0995B2B-B3DB-4BBC-BE39-A27E83E1DBB5}" type="slidenum">
               <a:rPr lang="fr-CH" smtClean="0"/>
-              <a:t>‹N°›</a:t>
+              <a:t>‹Nr.›</a:t>
             </a:fld>
             <a:endParaRPr lang="fr-CH"/>
           </a:p>
@@ -1944,7 +5779,7 @@
           <a:p>
             <a:fld id="{FBE19751-BD6C-4399-B088-8DD8399288A9}" type="datetimeFigureOut">
               <a:rPr lang="fr-CH" smtClean="0"/>
-              <a:t>12.05.2020</a:t>
+              <a:t>13.05.2020</a:t>
             </a:fld>
             <a:endParaRPr lang="fr-CH"/>
           </a:p>
@@ -1998,7 +5833,7 @@
           <a:p>
             <a:fld id="{E0995B2B-B3DB-4BBC-BE39-A27E83E1DBB5}" type="slidenum">
               <a:rPr lang="fr-CH" smtClean="0"/>
-              <a:t>‹N°›</a:t>
+              <a:t>‹Nr.›</a:t>
             </a:fld>
             <a:endParaRPr lang="fr-CH"/>
           </a:p>
@@ -2359,7 +6194,7 @@
           <a:p>
             <a:fld id="{FBE19751-BD6C-4399-B088-8DD8399288A9}" type="datetimeFigureOut">
               <a:rPr lang="fr-CH" smtClean="0"/>
-              <a:t>12.05.2020</a:t>
+              <a:t>13.05.2020</a:t>
             </a:fld>
             <a:endParaRPr lang="fr-CH"/>
           </a:p>
@@ -2413,7 +6248,7 @@
           <a:p>
             <a:fld id="{E0995B2B-B3DB-4BBC-BE39-A27E83E1DBB5}" type="slidenum">
               <a:rPr lang="fr-CH" smtClean="0"/>
-              <a:t>‹N°›</a:t>
+              <a:t>‹Nr.›</a:t>
             </a:fld>
             <a:endParaRPr lang="fr-CH"/>
           </a:p>
@@ -2501,7 +6336,7 @@
           <a:p>
             <a:fld id="{FBE19751-BD6C-4399-B088-8DD8399288A9}" type="datetimeFigureOut">
               <a:rPr lang="fr-CH" smtClean="0"/>
-              <a:t>12.05.2020</a:t>
+              <a:t>13.05.2020</a:t>
             </a:fld>
             <a:endParaRPr lang="fr-CH"/>
           </a:p>
@@ -2555,7 +6390,7 @@
           <a:p>
             <a:fld id="{E0995B2B-B3DB-4BBC-BE39-A27E83E1DBB5}" type="slidenum">
               <a:rPr lang="fr-CH" smtClean="0"/>
-              <a:t>‹N°›</a:t>
+              <a:t>‹Nr.›</a:t>
             </a:fld>
             <a:endParaRPr lang="fr-CH"/>
           </a:p>
@@ -2614,7 +6449,7 @@
           <a:p>
             <a:fld id="{FBE19751-BD6C-4399-B088-8DD8399288A9}" type="datetimeFigureOut">
               <a:rPr lang="fr-CH" smtClean="0"/>
-              <a:t>12.05.2020</a:t>
+              <a:t>13.05.2020</a:t>
             </a:fld>
             <a:endParaRPr lang="fr-CH"/>
           </a:p>
@@ -2668,7 +6503,7 @@
           <a:p>
             <a:fld id="{E0995B2B-B3DB-4BBC-BE39-A27E83E1DBB5}" type="slidenum">
               <a:rPr lang="fr-CH" smtClean="0"/>
-              <a:t>‹N°›</a:t>
+              <a:t>‹Nr.›</a:t>
             </a:fld>
             <a:endParaRPr lang="fr-CH"/>
           </a:p>
@@ -2927,7 +6762,7 @@
           <a:p>
             <a:fld id="{FBE19751-BD6C-4399-B088-8DD8399288A9}" type="datetimeFigureOut">
               <a:rPr lang="fr-CH" smtClean="0"/>
-              <a:t>12.05.2020</a:t>
+              <a:t>13.05.2020</a:t>
             </a:fld>
             <a:endParaRPr lang="fr-CH"/>
           </a:p>
@@ -2981,7 +6816,7 @@
           <a:p>
             <a:fld id="{E0995B2B-B3DB-4BBC-BE39-A27E83E1DBB5}" type="slidenum">
               <a:rPr lang="fr-CH" smtClean="0"/>
-              <a:t>‹N°›</a:t>
+              <a:t>‹Nr.›</a:t>
             </a:fld>
             <a:endParaRPr lang="fr-CH"/>
           </a:p>
@@ -3216,7 +7051,7 @@
           <a:p>
             <a:fld id="{FBE19751-BD6C-4399-B088-8DD8399288A9}" type="datetimeFigureOut">
               <a:rPr lang="fr-CH" smtClean="0"/>
-              <a:t>12.05.2020</a:t>
+              <a:t>13.05.2020</a:t>
             </a:fld>
             <a:endParaRPr lang="fr-CH"/>
           </a:p>
@@ -3270,7 +7105,7 @@
           <a:p>
             <a:fld id="{E0995B2B-B3DB-4BBC-BE39-A27E83E1DBB5}" type="slidenum">
               <a:rPr lang="fr-CH" smtClean="0"/>
-              <a:t>‹N°›</a:t>
+              <a:t>‹Nr.›</a:t>
             </a:fld>
             <a:endParaRPr lang="fr-CH"/>
           </a:p>
@@ -3459,7 +7294,7 @@
           <a:p>
             <a:fld id="{FBE19751-BD6C-4399-B088-8DD8399288A9}" type="datetimeFigureOut">
               <a:rPr lang="fr-CH" smtClean="0"/>
-              <a:t>12.05.2020</a:t>
+              <a:t>13.05.2020</a:t>
             </a:fld>
             <a:endParaRPr lang="fr-CH"/>
           </a:p>
@@ -3549,7 +7384,7 @@
           <a:p>
             <a:fld id="{E0995B2B-B3DB-4BBC-BE39-A27E83E1DBB5}" type="slidenum">
               <a:rPr lang="fr-CH" smtClean="0"/>
-              <a:t>‹N°›</a:t>
+              <a:t>‹Nr.›</a:t>
             </a:fld>
             <a:endParaRPr lang="fr-CH"/>
           </a:p>
@@ -3952,7 +7787,7 @@
           </a:ln>
           <a:extLst>
             <a:ext uri="{C572A759-6A51-4108-AA02-DFA0A04FC94B}">
-              <ma14:wrappingTextBoxFlag xmlns:ma14="http://schemas.microsoft.com/office/mac/drawingml/2011/main" xmlns="" val="1"/>
+              <ma14:wrappingTextBoxFlag xmlns="" xmlns:ma14="http://schemas.microsoft.com/office/mac/drawingml/2011/main" val="1"/>
             </a:ext>
           </a:extLst>
         </p:spPr>
@@ -4178,7 +8013,7 @@
             <a:effectLst/>
             <a:extLst>
               <a:ext uri="{C572A759-6A51-4108-AA02-DFA0A04FC94B}">
-                <ma14:wrappingTextBoxFlag xmlns:ma14="http://schemas.microsoft.com/office/mac/drawingml/2011/main" xmlns="" val="1"/>
+                <ma14:wrappingTextBoxFlag xmlns="" xmlns:ma14="http://schemas.microsoft.com/office/mac/drawingml/2011/main" val="1"/>
               </a:ext>
             </a:extLst>
           </p:spPr>
@@ -4229,7 +8064,7 @@
             <a:effectLst/>
             <a:extLst>
               <a:ext uri="{C572A759-6A51-4108-AA02-DFA0A04FC94B}">
-                <ma14:wrappingTextBoxFlag xmlns:ma14="http://schemas.microsoft.com/office/mac/drawingml/2011/main" xmlns="" val="1"/>
+                <ma14:wrappingTextBoxFlag xmlns="" xmlns:ma14="http://schemas.microsoft.com/office/mac/drawingml/2011/main" val="1"/>
               </a:ext>
             </a:extLst>
           </p:spPr>
@@ -4303,7 +8138,7 @@
             <a:effectLst/>
             <a:extLst>
               <a:ext uri="{C572A759-6A51-4108-AA02-DFA0A04FC94B}">
-                <ma14:wrappingTextBoxFlag xmlns:ma14="http://schemas.microsoft.com/office/mac/drawingml/2011/main" xmlns="" val="1"/>
+                <ma14:wrappingTextBoxFlag xmlns="" xmlns:ma14="http://schemas.microsoft.com/office/mac/drawingml/2011/main" val="1"/>
               </a:ext>
             </a:extLst>
           </p:spPr>
@@ -4483,7 +8318,7 @@
             <a:effectLst/>
             <a:extLst>
               <a:ext uri="{C572A759-6A51-4108-AA02-DFA0A04FC94B}">
-                <ma14:wrappingTextBoxFlag xmlns:ma14="http://schemas.microsoft.com/office/mac/drawingml/2011/main" xmlns="" val="1"/>
+                <ma14:wrappingTextBoxFlag xmlns="" xmlns:ma14="http://schemas.microsoft.com/office/mac/drawingml/2011/main" val="1"/>
               </a:ext>
             </a:extLst>
           </p:spPr>
@@ -4533,7 +8368,7 @@
             <a:effectLst/>
             <a:extLst>
               <a:ext uri="{C572A759-6A51-4108-AA02-DFA0A04FC94B}">
-                <ma14:wrappingTextBoxFlag xmlns:ma14="http://schemas.microsoft.com/office/mac/drawingml/2011/main" xmlns="" val="1"/>
+                <ma14:wrappingTextBoxFlag xmlns="" xmlns:ma14="http://schemas.microsoft.com/office/mac/drawingml/2011/main" val="1"/>
               </a:ext>
             </a:extLst>
           </p:spPr>
@@ -4583,7 +8418,7 @@
             <a:effectLst/>
             <a:extLst>
               <a:ext uri="{C572A759-6A51-4108-AA02-DFA0A04FC94B}">
-                <ma14:wrappingTextBoxFlag xmlns:ma14="http://schemas.microsoft.com/office/mac/drawingml/2011/main" xmlns="" val="1"/>
+                <ma14:wrappingTextBoxFlag xmlns="" xmlns:ma14="http://schemas.microsoft.com/office/mac/drawingml/2011/main" val="1"/>
               </a:ext>
             </a:extLst>
           </p:spPr>
@@ -4895,7 +8730,7 @@
             <a:effectLst/>
             <a:extLst>
               <a:ext uri="{C572A759-6A51-4108-AA02-DFA0A04FC94B}">
-                <ma14:wrappingTextBoxFlag xmlns:ma14="http://schemas.microsoft.com/office/mac/drawingml/2011/main" xmlns="" val="1"/>
+                <ma14:wrappingTextBoxFlag xmlns="" xmlns:ma14="http://schemas.microsoft.com/office/mac/drawingml/2011/main" val="1"/>
               </a:ext>
             </a:extLst>
           </p:spPr>
@@ -4945,7 +8780,7 @@
             <a:effectLst/>
             <a:extLst>
               <a:ext uri="{C572A759-6A51-4108-AA02-DFA0A04FC94B}">
-                <ma14:wrappingTextBoxFlag xmlns:ma14="http://schemas.microsoft.com/office/mac/drawingml/2011/main" xmlns="" val="1"/>
+                <ma14:wrappingTextBoxFlag xmlns="" xmlns:ma14="http://schemas.microsoft.com/office/mac/drawingml/2011/main" val="1"/>
               </a:ext>
             </a:extLst>
           </p:spPr>
@@ -4999,7 +8834,7 @@
             <a:effectLst/>
             <a:extLst>
               <a:ext uri="{C572A759-6A51-4108-AA02-DFA0A04FC94B}">
-                <ma14:wrappingTextBoxFlag xmlns:ma14="http://schemas.microsoft.com/office/mac/drawingml/2011/main" xmlns="" val="1"/>
+                <ma14:wrappingTextBoxFlag xmlns="" xmlns:ma14="http://schemas.microsoft.com/office/mac/drawingml/2011/main" val="1"/>
               </a:ext>
             </a:extLst>
           </p:spPr>
@@ -5246,7 +9081,7 @@
             <a:effectLst/>
             <a:extLst>
               <a:ext uri="{C572A759-6A51-4108-AA02-DFA0A04FC94B}">
-                <ma14:wrappingTextBoxFlag xmlns:ma14="http://schemas.microsoft.com/office/mac/drawingml/2011/main" xmlns="" val="1"/>
+                <ma14:wrappingTextBoxFlag xmlns="" xmlns:ma14="http://schemas.microsoft.com/office/mac/drawingml/2011/main" val="1"/>
               </a:ext>
             </a:extLst>
           </p:spPr>
@@ -5301,7 +9136,7 @@
             <a:effectLst/>
             <a:extLst>
               <a:ext uri="{C572A759-6A51-4108-AA02-DFA0A04FC94B}">
-                <ma14:wrappingTextBoxFlag xmlns:ma14="http://schemas.microsoft.com/office/mac/drawingml/2011/main" xmlns="" val="1"/>
+                <ma14:wrappingTextBoxFlag xmlns="" xmlns:ma14="http://schemas.microsoft.com/office/mac/drawingml/2011/main" val="1"/>
               </a:ext>
             </a:extLst>
           </p:spPr>
@@ -5351,7 +9186,7 @@
             <a:effectLst/>
             <a:extLst>
               <a:ext uri="{C572A759-6A51-4108-AA02-DFA0A04FC94B}">
-                <ma14:wrappingTextBoxFlag xmlns:ma14="http://schemas.microsoft.com/office/mac/drawingml/2011/main" xmlns="" val="1"/>
+                <ma14:wrappingTextBoxFlag xmlns="" xmlns:ma14="http://schemas.microsoft.com/office/mac/drawingml/2011/main" val="1"/>
               </a:ext>
             </a:extLst>
           </p:spPr>
@@ -5459,7 +9294,7 @@
           <p:nvPr/>
         </p:nvPicPr>
         <p:blipFill>
-          <a:blip r:embed="rId2">
+          <a:blip r:embed="rId3">
             <a:extLst>
               <a:ext uri="{28A0092B-C50C-407E-A947-70E740481C1C}">
                 <a14:useLocalDpi xmlns:a14="http://schemas.microsoft.com/office/drawing/2010/main" val="0"/>
@@ -5495,7 +9330,7 @@
           <p:nvPr/>
         </p:nvPicPr>
         <p:blipFill>
-          <a:blip r:embed="rId3">
+          <a:blip r:embed="rId4">
             <a:extLst>
               <a:ext uri="{28A0092B-C50C-407E-A947-70E740481C1C}">
                 <a14:useLocalDpi xmlns:a14="http://schemas.microsoft.com/office/drawing/2010/main" val="0"/>
@@ -5531,7 +9366,7 @@
           <p:nvPr/>
         </p:nvPicPr>
         <p:blipFill>
-          <a:blip r:embed="rId4">
+          <a:blip r:embed="rId5">
             <a:extLst>
               <a:ext uri="{28A0092B-C50C-407E-A947-70E740481C1C}">
                 <a14:useLocalDpi xmlns:a14="http://schemas.microsoft.com/office/drawing/2010/main" val="0"/>
@@ -5567,7 +9402,7 @@
           <p:nvPr/>
         </p:nvPicPr>
         <p:blipFill>
-          <a:blip r:embed="rId5">
+          <a:blip r:embed="rId6">
             <a:extLst>
               <a:ext uri="{28A0092B-C50C-407E-A947-70E740481C1C}">
                 <a14:useLocalDpi xmlns:a14="http://schemas.microsoft.com/office/drawing/2010/main" val="0"/>
@@ -5580,8 +9415,338 @@
         </p:blipFill>
         <p:spPr>
           <a:xfrm>
-            <a:off x="5181599" y="4554827"/>
+            <a:off x="5150746" y="4670993"/>
             <a:ext cx="6834397" cy="2187007"/>
+          </a:xfrm>
+          <a:prstGeom prst="rect">
+            <a:avLst/>
+          </a:prstGeom>
+        </p:spPr>
+      </p:pic>
+      <p:pic>
+        <p:nvPicPr>
+          <p:cNvPr id="3" name="Grafik 2">
+            <a:extLst>
+              <a:ext uri="{FF2B5EF4-FFF2-40B4-BE49-F238E27FC236}">
+                <a16:creationId xmlns:a16="http://schemas.microsoft.com/office/drawing/2014/main" id="{65ABA05A-1C8A-43C4-A7F6-70EAE4BE9BE8}"/>
+              </a:ext>
+            </a:extLst>
+          </p:cNvPr>
+          <p:cNvPicPr>
+            <a:picLocks noChangeAspect="1"/>
+          </p:cNvPicPr>
+          <p:nvPr/>
+        </p:nvPicPr>
+        <p:blipFill>
+          <a:blip r:embed="rId7"/>
+          <a:stretch>
+            <a:fillRect/>
+          </a:stretch>
+        </p:blipFill>
+        <p:spPr>
+          <a:xfrm>
+            <a:off x="-9962656" y="-1357120"/>
+            <a:ext cx="2533991" cy="1942416"/>
+          </a:xfrm>
+          <a:prstGeom prst="rect">
+            <a:avLst/>
+          </a:prstGeom>
+        </p:spPr>
+      </p:pic>
+      <p:pic>
+        <p:nvPicPr>
+          <p:cNvPr id="4" name="Grafik 3">
+            <a:extLst>
+              <a:ext uri="{FF2B5EF4-FFF2-40B4-BE49-F238E27FC236}">
+                <a16:creationId xmlns:a16="http://schemas.microsoft.com/office/drawing/2014/main" id="{8BE72D8D-06C4-4E24-AEC0-82DA72F270DD}"/>
+              </a:ext>
+            </a:extLst>
+          </p:cNvPr>
+          <p:cNvPicPr>
+            <a:picLocks noChangeAspect="1"/>
+          </p:cNvPicPr>
+          <p:nvPr/>
+        </p:nvPicPr>
+        <p:blipFill>
+          <a:blip r:embed="rId8"/>
+          <a:stretch>
+            <a:fillRect/>
+          </a:stretch>
+        </p:blipFill>
+        <p:spPr>
+          <a:xfrm>
+            <a:off x="-7018426" y="1150569"/>
+            <a:ext cx="1740271" cy="2187008"/>
+          </a:xfrm>
+          <a:prstGeom prst="rect">
+            <a:avLst/>
+          </a:prstGeom>
+        </p:spPr>
+      </p:pic>
+      <p:pic>
+        <p:nvPicPr>
+          <p:cNvPr id="6" name="Grafik 5">
+            <a:extLst>
+              <a:ext uri="{FF2B5EF4-FFF2-40B4-BE49-F238E27FC236}">
+                <a16:creationId xmlns:a16="http://schemas.microsoft.com/office/drawing/2014/main" id="{ECCCE87B-027C-42B5-B8A5-CE9E0E2E3B4D}"/>
+              </a:ext>
+            </a:extLst>
+          </p:cNvPr>
+          <p:cNvPicPr>
+            <a:picLocks noChangeAspect="1"/>
+          </p:cNvPicPr>
+          <p:nvPr/>
+        </p:nvPicPr>
+        <p:blipFill>
+          <a:blip r:embed="rId9"/>
+          <a:stretch>
+            <a:fillRect/>
+          </a:stretch>
+        </p:blipFill>
+        <p:spPr>
+          <a:xfrm>
+            <a:off x="-9962656" y="1842701"/>
+            <a:ext cx="2384810" cy="696686"/>
+          </a:xfrm>
+          <a:prstGeom prst="rect">
+            <a:avLst/>
+          </a:prstGeom>
+        </p:spPr>
+      </p:pic>
+      <p:pic>
+        <p:nvPicPr>
+          <p:cNvPr id="9" name="Grafik 8">
+            <a:extLst>
+              <a:ext uri="{FF2B5EF4-FFF2-40B4-BE49-F238E27FC236}">
+                <a16:creationId xmlns:a16="http://schemas.microsoft.com/office/drawing/2014/main" id="{A59EB296-823E-4814-8148-07A27BE6BE2E}"/>
+              </a:ext>
+            </a:extLst>
+          </p:cNvPr>
+          <p:cNvPicPr>
+            <a:picLocks noChangeAspect="1"/>
+          </p:cNvPicPr>
+          <p:nvPr/>
+        </p:nvPicPr>
+        <p:blipFill>
+          <a:blip r:embed="rId10"/>
+          <a:stretch>
+            <a:fillRect/>
+          </a:stretch>
+        </p:blipFill>
+        <p:spPr>
+          <a:xfrm>
+            <a:off x="-7287675" y="-1460832"/>
+            <a:ext cx="1995743" cy="2149840"/>
+          </a:xfrm>
+          <a:prstGeom prst="rect">
+            <a:avLst/>
+          </a:prstGeom>
+        </p:spPr>
+      </p:pic>
+      <p:pic>
+        <p:nvPicPr>
+          <p:cNvPr id="10" name="Grafik 9">
+            <a:extLst>
+              <a:ext uri="{FF2B5EF4-FFF2-40B4-BE49-F238E27FC236}">
+                <a16:creationId xmlns:a16="http://schemas.microsoft.com/office/drawing/2014/main" id="{B491A9ED-1DD0-48F6-B4AC-0149F7E29D41}"/>
+              </a:ext>
+            </a:extLst>
+          </p:cNvPr>
+          <p:cNvPicPr>
+            <a:picLocks noChangeAspect="1"/>
+          </p:cNvPicPr>
+          <p:nvPr/>
+        </p:nvPicPr>
+        <p:blipFill>
+          <a:blip r:embed="rId11"/>
+          <a:stretch>
+            <a:fillRect/>
+          </a:stretch>
+        </p:blipFill>
+        <p:spPr>
+          <a:xfrm>
+            <a:off x="-5291932" y="-578644"/>
+            <a:ext cx="2509839" cy="1157288"/>
+          </a:xfrm>
+          <a:prstGeom prst="rect">
+            <a:avLst/>
+          </a:prstGeom>
+        </p:spPr>
+      </p:pic>
+      <p:pic>
+        <p:nvPicPr>
+          <p:cNvPr id="11" name="Grafik 10">
+            <a:extLst>
+              <a:ext uri="{FF2B5EF4-FFF2-40B4-BE49-F238E27FC236}">
+                <a16:creationId xmlns:a16="http://schemas.microsoft.com/office/drawing/2014/main" id="{ECB521EF-8C72-478A-B687-C123EF88579E}"/>
+              </a:ext>
+            </a:extLst>
+          </p:cNvPr>
+          <p:cNvPicPr>
+            <a:picLocks noChangeAspect="1"/>
+          </p:cNvPicPr>
+          <p:nvPr/>
+        </p:nvPicPr>
+        <p:blipFill>
+          <a:blip r:embed="rId12"/>
+          <a:stretch>
+            <a:fillRect/>
+          </a:stretch>
+        </p:blipFill>
+        <p:spPr>
+          <a:xfrm>
+            <a:off x="-2775468" y="-1987434"/>
+            <a:ext cx="2055399" cy="2187007"/>
+          </a:xfrm>
+          <a:prstGeom prst="rect">
+            <a:avLst/>
+          </a:prstGeom>
+        </p:spPr>
+      </p:pic>
+      <p:pic>
+        <p:nvPicPr>
+          <p:cNvPr id="13" name="Grafik 12">
+            <a:extLst>
+              <a:ext uri="{FF2B5EF4-FFF2-40B4-BE49-F238E27FC236}">
+                <a16:creationId xmlns:a16="http://schemas.microsoft.com/office/drawing/2014/main" id="{11048584-2EC1-4B7B-A455-B39401FB4BC0}"/>
+              </a:ext>
+            </a:extLst>
+          </p:cNvPr>
+          <p:cNvPicPr>
+            <a:picLocks noChangeAspect="1"/>
+          </p:cNvPicPr>
+          <p:nvPr/>
+        </p:nvPicPr>
+        <p:blipFill>
+          <a:blip r:embed="rId13"/>
+          <a:stretch>
+            <a:fillRect/>
+          </a:stretch>
+        </p:blipFill>
+        <p:spPr>
+          <a:xfrm>
+            <a:off x="-4372217" y="829600"/>
+            <a:ext cx="3793662" cy="2483517"/>
+          </a:xfrm>
+          <a:prstGeom prst="rect">
+            <a:avLst/>
+          </a:prstGeom>
+        </p:spPr>
+      </p:pic>
+      <p:pic>
+        <p:nvPicPr>
+          <p:cNvPr id="14" name="Grafik 13">
+            <a:extLst>
+              <a:ext uri="{FF2B5EF4-FFF2-40B4-BE49-F238E27FC236}">
+                <a16:creationId xmlns:a16="http://schemas.microsoft.com/office/drawing/2014/main" id="{D99CB2CF-23EA-4BEF-A7EA-7F1E677CB473}"/>
+              </a:ext>
+            </a:extLst>
+          </p:cNvPr>
+          <p:cNvPicPr>
+            <a:picLocks noChangeAspect="1"/>
+          </p:cNvPicPr>
+          <p:nvPr/>
+        </p:nvPicPr>
+        <p:blipFill>
+          <a:blip r:embed="rId14"/>
+          <a:stretch>
+            <a:fillRect/>
+          </a:stretch>
+        </p:blipFill>
+        <p:spPr>
+          <a:xfrm>
+            <a:off x="-9962656" y="3313117"/>
+            <a:ext cx="2074290" cy="2339924"/>
+          </a:xfrm>
+          <a:prstGeom prst="rect">
+            <a:avLst/>
+          </a:prstGeom>
+        </p:spPr>
+      </p:pic>
+      <p:pic>
+        <p:nvPicPr>
+          <p:cNvPr id="15" name="Grafik 14">
+            <a:extLst>
+              <a:ext uri="{FF2B5EF4-FFF2-40B4-BE49-F238E27FC236}">
+                <a16:creationId xmlns:a16="http://schemas.microsoft.com/office/drawing/2014/main" id="{3E15C406-9353-4764-B781-E97C97893640}"/>
+              </a:ext>
+            </a:extLst>
+          </p:cNvPr>
+          <p:cNvPicPr>
+            <a:picLocks noChangeAspect="1"/>
+          </p:cNvPicPr>
+          <p:nvPr/>
+        </p:nvPicPr>
+        <p:blipFill>
+          <a:blip r:embed="rId15"/>
+          <a:stretch>
+            <a:fillRect/>
+          </a:stretch>
+        </p:blipFill>
+        <p:spPr>
+          <a:xfrm>
+            <a:off x="-7082251" y="4106506"/>
+            <a:ext cx="2708985" cy="750258"/>
+          </a:xfrm>
+          <a:prstGeom prst="rect">
+            <a:avLst/>
+          </a:prstGeom>
+        </p:spPr>
+      </p:pic>
+      <p:pic>
+        <p:nvPicPr>
+          <p:cNvPr id="16" name="Grafik 15">
+            <a:extLst>
+              <a:ext uri="{FF2B5EF4-FFF2-40B4-BE49-F238E27FC236}">
+                <a16:creationId xmlns:a16="http://schemas.microsoft.com/office/drawing/2014/main" id="{2562B03B-914B-4867-9548-1D326277AB1D}"/>
+              </a:ext>
+            </a:extLst>
+          </p:cNvPr>
+          <p:cNvPicPr>
+            <a:picLocks noChangeAspect="1"/>
+          </p:cNvPicPr>
+          <p:nvPr/>
+        </p:nvPicPr>
+        <p:blipFill>
+          <a:blip r:embed="rId16"/>
+          <a:stretch>
+            <a:fillRect/>
+          </a:stretch>
+        </p:blipFill>
+        <p:spPr>
+          <a:xfrm>
+            <a:off x="-3736218" y="3861401"/>
+            <a:ext cx="2576514" cy="995363"/>
+          </a:xfrm>
+          <a:prstGeom prst="rect">
+            <a:avLst/>
+          </a:prstGeom>
+        </p:spPr>
+      </p:pic>
+      <p:pic>
+        <p:nvPicPr>
+          <p:cNvPr id="17" name="Grafik 16">
+            <a:extLst>
+              <a:ext uri="{FF2B5EF4-FFF2-40B4-BE49-F238E27FC236}">
+                <a16:creationId xmlns:a16="http://schemas.microsoft.com/office/drawing/2014/main" id="{B8A42DAB-D064-4EA2-AFC7-554936803124}"/>
+              </a:ext>
+            </a:extLst>
+          </p:cNvPr>
+          <p:cNvPicPr>
+            <a:picLocks noChangeAspect="1"/>
+          </p:cNvPicPr>
+          <p:nvPr/>
+        </p:nvPicPr>
+        <p:blipFill>
+          <a:blip r:embed="rId17"/>
+          <a:stretch>
+            <a:fillRect/>
+          </a:stretch>
+        </p:blipFill>
+        <p:spPr>
+          <a:xfrm>
+            <a:off x="-10232808" y="6067249"/>
+            <a:ext cx="3246817" cy="2187007"/>
           </a:xfrm>
           <a:prstGeom prst="rect">
             <a:avLst/>
@@ -5666,7 +9831,7 @@
             <a:effectLst/>
             <a:extLst>
               <a:ext uri="{C572A759-6A51-4108-AA02-DFA0A04FC94B}">
-                <ma14:wrappingTextBoxFlag xmlns:ma14="http://schemas.microsoft.com/office/mac/drawingml/2011/main" xmlns="" val="1"/>
+                <ma14:wrappingTextBoxFlag xmlns="" xmlns:ma14="http://schemas.microsoft.com/office/mac/drawingml/2011/main" val="1"/>
               </a:ext>
             </a:extLst>
           </p:spPr>
@@ -5721,7 +9886,7 @@
             <a:effectLst/>
             <a:extLst>
               <a:ext uri="{C572A759-6A51-4108-AA02-DFA0A04FC94B}">
-                <ma14:wrappingTextBoxFlag xmlns:ma14="http://schemas.microsoft.com/office/mac/drawingml/2011/main" xmlns="" val="1"/>
+                <ma14:wrappingTextBoxFlag xmlns="" xmlns:ma14="http://schemas.microsoft.com/office/mac/drawingml/2011/main" val="1"/>
               </a:ext>
             </a:extLst>
           </p:spPr>
@@ -5775,7 +9940,7 @@
             <a:effectLst/>
             <a:extLst>
               <a:ext uri="{C572A759-6A51-4108-AA02-DFA0A04FC94B}">
-                <ma14:wrappingTextBoxFlag xmlns:ma14="http://schemas.microsoft.com/office/mac/drawingml/2011/main" xmlns="" val="1"/>
+                <ma14:wrappingTextBoxFlag xmlns="" xmlns:ma14="http://schemas.microsoft.com/office/mac/drawingml/2011/main" val="1"/>
               </a:ext>
             </a:extLst>
           </p:spPr>
@@ -6022,7 +10187,7 @@
             <a:effectLst/>
             <a:extLst>
               <a:ext uri="{C572A759-6A51-4108-AA02-DFA0A04FC94B}">
-                <ma14:wrappingTextBoxFlag xmlns:ma14="http://schemas.microsoft.com/office/mac/drawingml/2011/main" xmlns="" val="1"/>
+                <ma14:wrappingTextBoxFlag xmlns="" xmlns:ma14="http://schemas.microsoft.com/office/mac/drawingml/2011/main" val="1"/>
               </a:ext>
             </a:extLst>
           </p:spPr>
@@ -6073,7 +10238,7 @@
             <a:effectLst/>
             <a:extLst>
               <a:ext uri="{C572A759-6A51-4108-AA02-DFA0A04FC94B}">
-                <ma14:wrappingTextBoxFlag xmlns:ma14="http://schemas.microsoft.com/office/mac/drawingml/2011/main" xmlns="" val="1"/>
+                <ma14:wrappingTextBoxFlag xmlns="" xmlns:ma14="http://schemas.microsoft.com/office/mac/drawingml/2011/main" val="1"/>
               </a:ext>
             </a:extLst>
           </p:spPr>
@@ -6123,7 +10288,7 @@
             <a:effectLst/>
             <a:extLst>
               <a:ext uri="{C572A759-6A51-4108-AA02-DFA0A04FC94B}">
-                <ma14:wrappingTextBoxFlag xmlns:ma14="http://schemas.microsoft.com/office/mac/drawingml/2011/main" xmlns="" val="1"/>
+                <ma14:wrappingTextBoxFlag xmlns="" xmlns:ma14="http://schemas.microsoft.com/office/mac/drawingml/2011/main" val="1"/>
               </a:ext>
             </a:extLst>
           </p:spPr>
@@ -6282,7 +10447,7 @@
             <a:effectLst/>
             <a:extLst>
               <a:ext uri="{C572A759-6A51-4108-AA02-DFA0A04FC94B}">
-                <ma14:wrappingTextBoxFlag xmlns:ma14="http://schemas.microsoft.com/office/mac/drawingml/2011/main" xmlns="" val="1"/>
+                <ma14:wrappingTextBoxFlag xmlns="" xmlns:ma14="http://schemas.microsoft.com/office/mac/drawingml/2011/main" val="1"/>
               </a:ext>
             </a:extLst>
           </p:spPr>
@@ -6332,7 +10497,7 @@
             <a:effectLst/>
             <a:extLst>
               <a:ext uri="{C572A759-6A51-4108-AA02-DFA0A04FC94B}">
-                <ma14:wrappingTextBoxFlag xmlns:ma14="http://schemas.microsoft.com/office/mac/drawingml/2011/main" xmlns="" val="1"/>
+                <ma14:wrappingTextBoxFlag xmlns="" xmlns:ma14="http://schemas.microsoft.com/office/mac/drawingml/2011/main" val="1"/>
               </a:ext>
             </a:extLst>
           </p:spPr>
@@ -6386,7 +10551,7 @@
             <a:effectLst/>
             <a:extLst>
               <a:ext uri="{C572A759-6A51-4108-AA02-DFA0A04FC94B}">
-                <ma14:wrappingTextBoxFlag xmlns:ma14="http://schemas.microsoft.com/office/mac/drawingml/2011/main" xmlns="" val="1"/>
+                <ma14:wrappingTextBoxFlag xmlns="" xmlns:ma14="http://schemas.microsoft.com/office/mac/drawingml/2011/main" val="1"/>
               </a:ext>
             </a:extLst>
           </p:spPr>
@@ -6562,7 +10727,7 @@
             <a:effectLst/>
             <a:extLst>
               <a:ext uri="{C572A759-6A51-4108-AA02-DFA0A04FC94B}">
-                <ma14:wrappingTextBoxFlag xmlns:ma14="http://schemas.microsoft.com/office/mac/drawingml/2011/main" xmlns="" val="1"/>
+                <ma14:wrappingTextBoxFlag xmlns="" xmlns:ma14="http://schemas.microsoft.com/office/mac/drawingml/2011/main" val="1"/>
               </a:ext>
             </a:extLst>
           </p:spPr>
@@ -6617,7 +10782,7 @@
             <a:effectLst/>
             <a:extLst>
               <a:ext uri="{C572A759-6A51-4108-AA02-DFA0A04FC94B}">
-                <ma14:wrappingTextBoxFlag xmlns:ma14="http://schemas.microsoft.com/office/mac/drawingml/2011/main" xmlns="" val="1"/>
+                <ma14:wrappingTextBoxFlag xmlns="" xmlns:ma14="http://schemas.microsoft.com/office/mac/drawingml/2011/main" val="1"/>
               </a:ext>
             </a:extLst>
           </p:spPr>
@@ -6679,7 +10844,7 @@
             <a:effectLst/>
             <a:extLst>
               <a:ext uri="{C572A759-6A51-4108-AA02-DFA0A04FC94B}">
-                <ma14:wrappingTextBoxFlag xmlns:ma14="http://schemas.microsoft.com/office/mac/drawingml/2011/main" xmlns="" val="1"/>
+                <ma14:wrappingTextBoxFlag xmlns="" xmlns:ma14="http://schemas.microsoft.com/office/mac/drawingml/2011/main" val="1"/>
               </a:ext>
             </a:extLst>
           </p:spPr>
@@ -7050,7 +11215,7 @@
             <a:effectLst/>
             <a:extLst>
               <a:ext uri="{C572A759-6A51-4108-AA02-DFA0A04FC94B}">
-                <ma14:wrappingTextBoxFlag xmlns:ma14="http://schemas.microsoft.com/office/mac/drawingml/2011/main" xmlns="" val="1"/>
+                <ma14:wrappingTextBoxFlag xmlns="" xmlns:ma14="http://schemas.microsoft.com/office/mac/drawingml/2011/main" val="1"/>
               </a:ext>
             </a:extLst>
           </p:spPr>
@@ -7109,7 +11274,7 @@
             <a:effectLst/>
             <a:extLst>
               <a:ext uri="{C572A759-6A51-4108-AA02-DFA0A04FC94B}">
-                <ma14:wrappingTextBoxFlag xmlns:ma14="http://schemas.microsoft.com/office/mac/drawingml/2011/main" xmlns="" val="1"/>
+                <ma14:wrappingTextBoxFlag xmlns="" xmlns:ma14="http://schemas.microsoft.com/office/mac/drawingml/2011/main" val="1"/>
               </a:ext>
             </a:extLst>
           </p:spPr>
@@ -7251,7 +11416,7 @@
             <a:effectLst/>
             <a:extLst>
               <a:ext uri="{C572A759-6A51-4108-AA02-DFA0A04FC94B}">
-                <ma14:wrappingTextBoxFlag xmlns:ma14="http://schemas.microsoft.com/office/mac/drawingml/2011/main" xmlns="" val="1"/>
+                <ma14:wrappingTextBoxFlag xmlns="" xmlns:ma14="http://schemas.microsoft.com/office/mac/drawingml/2011/main" val="1"/>
               </a:ext>
             </a:extLst>
           </p:spPr>
@@ -7323,7 +11488,7 @@
             <a:effectLst/>
             <a:extLst>
               <a:ext uri="{C572A759-6A51-4108-AA02-DFA0A04FC94B}">
-                <ma14:wrappingTextBoxFlag xmlns:ma14="http://schemas.microsoft.com/office/mac/drawingml/2011/main" xmlns="" val="1"/>
+                <ma14:wrappingTextBoxFlag xmlns="" xmlns:ma14="http://schemas.microsoft.com/office/mac/drawingml/2011/main" val="1"/>
               </a:ext>
             </a:extLst>
           </p:spPr>
@@ -7410,7 +11575,7 @@
           </a:ln>
           <a:extLst>
             <a:ext uri="{C572A759-6A51-4108-AA02-DFA0A04FC94B}">
-              <ma14:wrappingTextBoxFlag xmlns:ma14="http://schemas.microsoft.com/office/mac/drawingml/2011/main" xmlns="" val="1"/>
+              <ma14:wrappingTextBoxFlag xmlns="" xmlns:ma14="http://schemas.microsoft.com/office/mac/drawingml/2011/main" val="1"/>
             </a:ext>
           </a:extLst>
         </p:spPr>
@@ -7673,7 +11838,7 @@
             <a:effectLst/>
             <a:extLst>
               <a:ext uri="{C572A759-6A51-4108-AA02-DFA0A04FC94B}">
-                <ma14:wrappingTextBoxFlag xmlns:ma14="http://schemas.microsoft.com/office/mac/drawingml/2011/main" xmlns="" val="1"/>
+                <ma14:wrappingTextBoxFlag xmlns="" xmlns:ma14="http://schemas.microsoft.com/office/mac/drawingml/2011/main" val="1"/>
               </a:ext>
             </a:extLst>
           </p:spPr>
@@ -7722,7 +11887,7 @@
             <a:effectLst/>
             <a:extLst>
               <a:ext uri="{C572A759-6A51-4108-AA02-DFA0A04FC94B}">
-                <ma14:wrappingTextBoxFlag xmlns:ma14="http://schemas.microsoft.com/office/mac/drawingml/2011/main" xmlns="" val="1"/>
+                <ma14:wrappingTextBoxFlag xmlns="" xmlns:ma14="http://schemas.microsoft.com/office/mac/drawingml/2011/main" val="1"/>
               </a:ext>
             </a:extLst>
           </p:spPr>
@@ -7769,7 +11934,7 @@
           </a:ln>
           <a:extLst>
             <a:ext uri="{C572A759-6A51-4108-AA02-DFA0A04FC94B}">
-              <ma14:wrappingTextBoxFlag xmlns:ma14="http://schemas.microsoft.com/office/mac/drawingml/2011/main" xmlns="" val="1"/>
+              <ma14:wrappingTextBoxFlag xmlns="" xmlns:ma14="http://schemas.microsoft.com/office/mac/drawingml/2011/main" val="1"/>
             </a:ext>
           </a:extLst>
         </p:spPr>
@@ -7911,7 +12076,7 @@
           </a:ln>
           <a:extLst>
             <a:ext uri="{C572A759-6A51-4108-AA02-DFA0A04FC94B}">
-              <ma14:wrappingTextBoxFlag xmlns:ma14="http://schemas.microsoft.com/office/mac/drawingml/2011/main" xmlns="" val="1"/>
+              <ma14:wrappingTextBoxFlag xmlns="" xmlns:ma14="http://schemas.microsoft.com/office/mac/drawingml/2011/main" val="1"/>
             </a:ext>
           </a:extLst>
         </p:spPr>
@@ -7961,7 +12126,7 @@
           </a:ln>
           <a:extLst>
             <a:ext uri="{C572A759-6A51-4108-AA02-DFA0A04FC94B}">
-              <ma14:wrappingTextBoxFlag xmlns:ma14="http://schemas.microsoft.com/office/mac/drawingml/2011/main" xmlns="" val="1"/>
+              <ma14:wrappingTextBoxFlag xmlns="" xmlns:ma14="http://schemas.microsoft.com/office/mac/drawingml/2011/main" val="1"/>
             </a:ext>
           </a:extLst>
         </p:spPr>
@@ -8011,7 +12176,7 @@
           </a:ln>
           <a:extLst>
             <a:ext uri="{C572A759-6A51-4108-AA02-DFA0A04FC94B}">
-              <ma14:wrappingTextBoxFlag xmlns:ma14="http://schemas.microsoft.com/office/mac/drawingml/2011/main" xmlns="" val="1"/>
+              <ma14:wrappingTextBoxFlag xmlns="" xmlns:ma14="http://schemas.microsoft.com/office/mac/drawingml/2011/main" val="1"/>
             </a:ext>
           </a:extLst>
         </p:spPr>
@@ -8061,7 +12226,7 @@
           </a:ln>
           <a:extLst>
             <a:ext uri="{C572A759-6A51-4108-AA02-DFA0A04FC94B}">
-              <ma14:wrappingTextBoxFlag xmlns:ma14="http://schemas.microsoft.com/office/mac/drawingml/2011/main" xmlns="" val="1"/>
+              <ma14:wrappingTextBoxFlag xmlns="" xmlns:ma14="http://schemas.microsoft.com/office/mac/drawingml/2011/main" val="1"/>
             </a:ext>
           </a:extLst>
         </p:spPr>
@@ -8243,7 +12408,7 @@
           </a:ln>
           <a:extLst>
             <a:ext uri="{C572A759-6A51-4108-AA02-DFA0A04FC94B}">
-              <ma14:wrappingTextBoxFlag xmlns:ma14="http://schemas.microsoft.com/office/mac/drawingml/2011/main" xmlns="" val="1"/>
+              <ma14:wrappingTextBoxFlag xmlns="" xmlns:ma14="http://schemas.microsoft.com/office/mac/drawingml/2011/main" val="1"/>
             </a:ext>
           </a:extLst>
         </p:spPr>
@@ -8293,7 +12458,7 @@
           </a:ln>
           <a:extLst>
             <a:ext uri="{C572A759-6A51-4108-AA02-DFA0A04FC94B}">
-              <ma14:wrappingTextBoxFlag xmlns:ma14="http://schemas.microsoft.com/office/mac/drawingml/2011/main" xmlns="" val="1"/>
+              <ma14:wrappingTextBoxFlag xmlns="" xmlns:ma14="http://schemas.microsoft.com/office/mac/drawingml/2011/main" val="1"/>
             </a:ext>
           </a:extLst>
         </p:spPr>
@@ -8343,7 +12508,7 @@
           </a:ln>
           <a:extLst>
             <a:ext uri="{C572A759-6A51-4108-AA02-DFA0A04FC94B}">
-              <ma14:wrappingTextBoxFlag xmlns:ma14="http://schemas.microsoft.com/office/mac/drawingml/2011/main" xmlns="" val="1"/>
+              <ma14:wrappingTextBoxFlag xmlns="" xmlns:ma14="http://schemas.microsoft.com/office/mac/drawingml/2011/main" val="1"/>
             </a:ext>
           </a:extLst>
         </p:spPr>
@@ -8393,7 +12558,7 @@
           </a:ln>
           <a:extLst>
             <a:ext uri="{C572A759-6A51-4108-AA02-DFA0A04FC94B}">
-              <ma14:wrappingTextBoxFlag xmlns:ma14="http://schemas.microsoft.com/office/mac/drawingml/2011/main" xmlns="" val="1"/>
+              <ma14:wrappingTextBoxFlag xmlns="" xmlns:ma14="http://schemas.microsoft.com/office/mac/drawingml/2011/main" val="1"/>
             </a:ext>
           </a:extLst>
         </p:spPr>
@@ -8443,7 +12608,7 @@
           </a:ln>
           <a:extLst>
             <a:ext uri="{C572A759-6A51-4108-AA02-DFA0A04FC94B}">
-              <ma14:wrappingTextBoxFlag xmlns:ma14="http://schemas.microsoft.com/office/mac/drawingml/2011/main" xmlns="" val="1"/>
+              <ma14:wrappingTextBoxFlag xmlns="" xmlns:ma14="http://schemas.microsoft.com/office/mac/drawingml/2011/main" val="1"/>
             </a:ext>
           </a:extLst>
         </p:spPr>
@@ -8622,7 +12787,7 @@
           </a:ln>
           <a:extLst>
             <a:ext uri="{C572A759-6A51-4108-AA02-DFA0A04FC94B}">
-              <ma14:wrappingTextBoxFlag xmlns:ma14="http://schemas.microsoft.com/office/mac/drawingml/2011/main" xmlns="" val="1"/>
+              <ma14:wrappingTextBoxFlag xmlns="" xmlns:ma14="http://schemas.microsoft.com/office/mac/drawingml/2011/main" val="1"/>
             </a:ext>
           </a:extLst>
         </p:spPr>
@@ -8671,7 +12836,7 @@
           </a:ln>
           <a:extLst>
             <a:ext uri="{C572A759-6A51-4108-AA02-DFA0A04FC94B}">
-              <ma14:wrappingTextBoxFlag xmlns:ma14="http://schemas.microsoft.com/office/mac/drawingml/2011/main" xmlns="" val="1"/>
+              <ma14:wrappingTextBoxFlag xmlns="" xmlns:ma14="http://schemas.microsoft.com/office/mac/drawingml/2011/main" val="1"/>
             </a:ext>
           </a:extLst>
         </p:spPr>
@@ -8767,7 +12932,7 @@
             <a:effectLst/>
             <a:extLst>
               <a:ext uri="{C572A759-6A51-4108-AA02-DFA0A04FC94B}">
-                <ma14:wrappingTextBoxFlag xmlns:ma14="http://schemas.microsoft.com/office/mac/drawingml/2011/main" xmlns="" val="1"/>
+                <ma14:wrappingTextBoxFlag xmlns="" xmlns:ma14="http://schemas.microsoft.com/office/mac/drawingml/2011/main" val="1"/>
               </a:ext>
             </a:extLst>
           </p:spPr>
@@ -8818,7 +12983,7 @@
             <a:effectLst/>
             <a:extLst>
               <a:ext uri="{C572A759-6A51-4108-AA02-DFA0A04FC94B}">
-                <ma14:wrappingTextBoxFlag xmlns:ma14="http://schemas.microsoft.com/office/mac/drawingml/2011/main" xmlns="" val="1"/>
+                <ma14:wrappingTextBoxFlag xmlns="" xmlns:ma14="http://schemas.microsoft.com/office/mac/drawingml/2011/main" val="1"/>
               </a:ext>
             </a:extLst>
           </p:spPr>
@@ -9103,7 +13268,7 @@
             <a:effectLst/>
             <a:extLst>
               <a:ext uri="{C572A759-6A51-4108-AA02-DFA0A04FC94B}">
-                <ma14:wrappingTextBoxFlag xmlns:ma14="http://schemas.microsoft.com/office/mac/drawingml/2011/main" xmlns="" val="1"/>
+                <ma14:wrappingTextBoxFlag xmlns="" xmlns:ma14="http://schemas.microsoft.com/office/mac/drawingml/2011/main" val="1"/>
               </a:ext>
             </a:extLst>
           </p:spPr>
@@ -9158,7 +13323,7 @@
             <a:effectLst/>
             <a:extLst>
               <a:ext uri="{C572A759-6A51-4108-AA02-DFA0A04FC94B}">
-                <ma14:wrappingTextBoxFlag xmlns:ma14="http://schemas.microsoft.com/office/mac/drawingml/2011/main" xmlns="" val="1"/>
+                <ma14:wrappingTextBoxFlag xmlns="" xmlns:ma14="http://schemas.microsoft.com/office/mac/drawingml/2011/main" val="1"/>
               </a:ext>
             </a:extLst>
           </p:spPr>
@@ -9443,7 +13608,7 @@
             <a:effectLst/>
             <a:extLst>
               <a:ext uri="{C572A759-6A51-4108-AA02-DFA0A04FC94B}">
-                <ma14:wrappingTextBoxFlag xmlns:ma14="http://schemas.microsoft.com/office/mac/drawingml/2011/main" xmlns="" val="1"/>
+                <ma14:wrappingTextBoxFlag xmlns="" xmlns:ma14="http://schemas.microsoft.com/office/mac/drawingml/2011/main" val="1"/>
               </a:ext>
             </a:extLst>
           </p:spPr>
@@ -9506,7 +13671,7 @@
             <a:effectLst/>
             <a:extLst>
               <a:ext uri="{C572A759-6A51-4108-AA02-DFA0A04FC94B}">
-                <ma14:wrappingTextBoxFlag xmlns:ma14="http://schemas.microsoft.com/office/mac/drawingml/2011/main" xmlns="" val="1"/>
+                <ma14:wrappingTextBoxFlag xmlns="" xmlns:ma14="http://schemas.microsoft.com/office/mac/drawingml/2011/main" val="1"/>
               </a:ext>
             </a:extLst>
           </p:spPr>
@@ -9791,7 +13956,7 @@
             <a:effectLst/>
             <a:extLst>
               <a:ext uri="{C572A759-6A51-4108-AA02-DFA0A04FC94B}">
-                <ma14:wrappingTextBoxFlag xmlns:ma14="http://schemas.microsoft.com/office/mac/drawingml/2011/main" xmlns="" val="1"/>
+                <ma14:wrappingTextBoxFlag xmlns="" xmlns:ma14="http://schemas.microsoft.com/office/mac/drawingml/2011/main" val="1"/>
               </a:ext>
             </a:extLst>
           </p:spPr>
@@ -9842,7 +14007,7 @@
             <a:effectLst/>
             <a:extLst>
               <a:ext uri="{C572A759-6A51-4108-AA02-DFA0A04FC94B}">
-                <ma14:wrappingTextBoxFlag xmlns:ma14="http://schemas.microsoft.com/office/mac/drawingml/2011/main" xmlns="" val="1"/>
+                <ma14:wrappingTextBoxFlag xmlns="" xmlns:ma14="http://schemas.microsoft.com/office/mac/drawingml/2011/main" val="1"/>
               </a:ext>
             </a:extLst>
           </p:spPr>
@@ -10127,7 +14292,7 @@
             <a:effectLst/>
             <a:extLst>
               <a:ext uri="{C572A759-6A51-4108-AA02-DFA0A04FC94B}">
-                <ma14:wrappingTextBoxFlag xmlns:ma14="http://schemas.microsoft.com/office/mac/drawingml/2011/main" xmlns="" val="1"/>
+                <ma14:wrappingTextBoxFlag xmlns="" xmlns:ma14="http://schemas.microsoft.com/office/mac/drawingml/2011/main" val="1"/>
               </a:ext>
             </a:extLst>
           </p:spPr>
@@ -10182,7 +14347,7 @@
             <a:effectLst/>
             <a:extLst>
               <a:ext uri="{C572A759-6A51-4108-AA02-DFA0A04FC94B}">
-                <ma14:wrappingTextBoxFlag xmlns:ma14="http://schemas.microsoft.com/office/mac/drawingml/2011/main" xmlns="" val="1"/>
+                <ma14:wrappingTextBoxFlag xmlns="" xmlns:ma14="http://schemas.microsoft.com/office/mac/drawingml/2011/main" val="1"/>
               </a:ext>
             </a:extLst>
           </p:spPr>
@@ -10467,7 +14632,7 @@
             <a:effectLst/>
             <a:extLst>
               <a:ext uri="{C572A759-6A51-4108-AA02-DFA0A04FC94B}">
-                <ma14:wrappingTextBoxFlag xmlns:ma14="http://schemas.microsoft.com/office/mac/drawingml/2011/main" xmlns="" val="1"/>
+                <ma14:wrappingTextBoxFlag xmlns="" xmlns:ma14="http://schemas.microsoft.com/office/mac/drawingml/2011/main" val="1"/>
               </a:ext>
             </a:extLst>
           </p:spPr>
@@ -10526,7 +14691,7 @@
             <a:effectLst/>
             <a:extLst>
               <a:ext uri="{C572A759-6A51-4108-AA02-DFA0A04FC94B}">
-                <ma14:wrappingTextBoxFlag xmlns:ma14="http://schemas.microsoft.com/office/mac/drawingml/2011/main" xmlns="" val="1"/>
+                <ma14:wrappingTextBoxFlag xmlns="" xmlns:ma14="http://schemas.microsoft.com/office/mac/drawingml/2011/main" val="1"/>
               </a:ext>
             </a:extLst>
           </p:spPr>
@@ -10897,7 +15062,7 @@
             <a:effectLst/>
             <a:extLst>
               <a:ext uri="{C572A759-6A51-4108-AA02-DFA0A04FC94B}">
-                <ma14:wrappingTextBoxFlag xmlns:ma14="http://schemas.microsoft.com/office/mac/drawingml/2011/main" xmlns="" val="1"/>
+                <ma14:wrappingTextBoxFlag xmlns="" xmlns:ma14="http://schemas.microsoft.com/office/mac/drawingml/2011/main" val="1"/>
               </a:ext>
             </a:extLst>
           </p:spPr>
@@ -10960,7 +15125,7 @@
             <a:effectLst/>
             <a:extLst>
               <a:ext uri="{C572A759-6A51-4108-AA02-DFA0A04FC94B}">
-                <ma14:wrappingTextBoxFlag xmlns:ma14="http://schemas.microsoft.com/office/mac/drawingml/2011/main" xmlns="" val="1"/>
+                <ma14:wrappingTextBoxFlag xmlns="" xmlns:ma14="http://schemas.microsoft.com/office/mac/drawingml/2011/main" val="1"/>
               </a:ext>
             </a:extLst>
           </p:spPr>
@@ -11011,7 +15176,7 @@
             <a:effectLst/>
             <a:extLst>
               <a:ext uri="{C572A759-6A51-4108-AA02-DFA0A04FC94B}">
-                <ma14:wrappingTextBoxFlag xmlns:ma14="http://schemas.microsoft.com/office/mac/drawingml/2011/main" xmlns="" val="1"/>
+                <ma14:wrappingTextBoxFlag xmlns="" xmlns:ma14="http://schemas.microsoft.com/office/mac/drawingml/2011/main" val="1"/>
               </a:ext>
             </a:extLst>
           </p:spPr>
@@ -11344,7 +15509,7 @@
             <a:effectLst/>
             <a:extLst>
               <a:ext uri="{C572A759-6A51-4108-AA02-DFA0A04FC94B}">
-                <ma14:wrappingTextBoxFlag xmlns:ma14="http://schemas.microsoft.com/office/mac/drawingml/2011/main" xmlns="" val="1"/>
+                <ma14:wrappingTextBoxFlag xmlns="" xmlns:ma14="http://schemas.microsoft.com/office/mac/drawingml/2011/main" val="1"/>
               </a:ext>
             </a:extLst>
           </p:spPr>
@@ -11447,7 +15612,7 @@
             <a:effectLst/>
             <a:extLst>
               <a:ext uri="{C572A759-6A51-4108-AA02-DFA0A04FC94B}">
-                <ma14:wrappingTextBoxFlag xmlns:ma14="http://schemas.microsoft.com/office/mac/drawingml/2011/main" xmlns="" val="1"/>
+                <ma14:wrappingTextBoxFlag xmlns="" xmlns:ma14="http://schemas.microsoft.com/office/mac/drawingml/2011/main" val="1"/>
               </a:ext>
             </a:extLst>
           </p:spPr>
@@ -11589,7 +15754,7 @@
             <a:effectLst/>
             <a:extLst>
               <a:ext uri="{C572A759-6A51-4108-AA02-DFA0A04FC94B}">
-                <ma14:wrappingTextBoxFlag xmlns:ma14="http://schemas.microsoft.com/office/mac/drawingml/2011/main" xmlns="" val="1"/>
+                <ma14:wrappingTextBoxFlag xmlns="" xmlns:ma14="http://schemas.microsoft.com/office/mac/drawingml/2011/main" val="1"/>
               </a:ext>
             </a:extLst>
           </p:spPr>
@@ -11661,7 +15826,7 @@
             <a:effectLst/>
             <a:extLst>
               <a:ext uri="{C572A759-6A51-4108-AA02-DFA0A04FC94B}">
-                <ma14:wrappingTextBoxFlag xmlns:ma14="http://schemas.microsoft.com/office/mac/drawingml/2011/main" xmlns="" val="1"/>
+                <ma14:wrappingTextBoxFlag xmlns="" xmlns:ma14="http://schemas.microsoft.com/office/mac/drawingml/2011/main" val="1"/>
               </a:ext>
             </a:extLst>
           </p:spPr>
@@ -11748,7 +15913,7 @@
           </a:ln>
           <a:extLst>
             <a:ext uri="{C572A759-6A51-4108-AA02-DFA0A04FC94B}">
-              <ma14:wrappingTextBoxFlag xmlns:ma14="http://schemas.microsoft.com/office/mac/drawingml/2011/main" xmlns="" val="1"/>
+              <ma14:wrappingTextBoxFlag xmlns="" xmlns:ma14="http://schemas.microsoft.com/office/mac/drawingml/2011/main" val="1"/>
             </a:ext>
           </a:extLst>
         </p:spPr>
@@ -11898,7 +16063,7 @@
             <a:effectLst/>
             <a:extLst>
               <a:ext uri="{C572A759-6A51-4108-AA02-DFA0A04FC94B}">
-                <ma14:wrappingTextBoxFlag xmlns:ma14="http://schemas.microsoft.com/office/mac/drawingml/2011/main" xmlns="" val="1"/>
+                <ma14:wrappingTextBoxFlag xmlns="" xmlns:ma14="http://schemas.microsoft.com/office/mac/drawingml/2011/main" val="1"/>
               </a:ext>
             </a:extLst>
           </p:spPr>
@@ -11955,7 +16120,7 @@
             <a:effectLst/>
             <a:extLst>
               <a:ext uri="{C572A759-6A51-4108-AA02-DFA0A04FC94B}">
-                <ma14:wrappingTextBoxFlag xmlns:ma14="http://schemas.microsoft.com/office/mac/drawingml/2011/main" xmlns="" val="1"/>
+                <ma14:wrappingTextBoxFlag xmlns="" xmlns:ma14="http://schemas.microsoft.com/office/mac/drawingml/2011/main" val="1"/>
               </a:ext>
             </a:extLst>
           </p:spPr>
@@ -12007,7 +16172,7 @@
             <a:effectLst/>
             <a:extLst>
               <a:ext uri="{C572A759-6A51-4108-AA02-DFA0A04FC94B}">
-                <ma14:wrappingTextBoxFlag xmlns:ma14="http://schemas.microsoft.com/office/mac/drawingml/2011/main" xmlns="" val="1"/>
+                <ma14:wrappingTextBoxFlag xmlns="" xmlns:ma14="http://schemas.microsoft.com/office/mac/drawingml/2011/main" val="1"/>
               </a:ext>
             </a:extLst>
           </p:spPr>
@@ -12163,7 +16328,7 @@
           <a:effectLst/>
           <a:extLst>
             <a:ext uri="{C572A759-6A51-4108-AA02-DFA0A04FC94B}">
-              <ma14:wrappingTextBoxFlag xmlns:ma14="http://schemas.microsoft.com/office/mac/drawingml/2011/main" xmlns="" val="1"/>
+              <ma14:wrappingTextBoxFlag xmlns="" xmlns:ma14="http://schemas.microsoft.com/office/mac/drawingml/2011/main" val="1"/>
             </a:ext>
           </a:extLst>
         </p:spPr>
@@ -13152,7 +17317,7 @@
             <a:effectLst/>
             <a:extLst>
               <a:ext uri="{C572A759-6A51-4108-AA02-DFA0A04FC94B}">
-                <ma14:wrappingTextBoxFlag xmlns:ma14="http://schemas.microsoft.com/office/mac/drawingml/2011/main" xmlns="" val="1"/>
+                <ma14:wrappingTextBoxFlag xmlns="" xmlns:ma14="http://schemas.microsoft.com/office/mac/drawingml/2011/main" val="1"/>
               </a:ext>
             </a:extLst>
           </p:spPr>
@@ -13208,7 +17373,7 @@
             <a:effectLst/>
             <a:extLst>
               <a:ext uri="{C572A759-6A51-4108-AA02-DFA0A04FC94B}">
-                <ma14:wrappingTextBoxFlag xmlns:ma14="http://schemas.microsoft.com/office/mac/drawingml/2011/main" xmlns="" val="1"/>
+                <ma14:wrappingTextBoxFlag xmlns="" xmlns:ma14="http://schemas.microsoft.com/office/mac/drawingml/2011/main" val="1"/>
               </a:ext>
             </a:extLst>
           </p:spPr>
@@ -13259,7 +17424,7 @@
             <a:effectLst/>
             <a:extLst>
               <a:ext uri="{C572A759-6A51-4108-AA02-DFA0A04FC94B}">
-                <ma14:wrappingTextBoxFlag xmlns:ma14="http://schemas.microsoft.com/office/mac/drawingml/2011/main" xmlns="" val="1"/>
+                <ma14:wrappingTextBoxFlag xmlns="" xmlns:ma14="http://schemas.microsoft.com/office/mac/drawingml/2011/main" val="1"/>
               </a:ext>
             </a:extLst>
           </p:spPr>
@@ -14315,7 +18480,7 @@
             <a:effectLst/>
             <a:extLst>
               <a:ext uri="{C572A759-6A51-4108-AA02-DFA0A04FC94B}">
-                <ma14:wrappingTextBoxFlag xmlns:ma14="http://schemas.microsoft.com/office/mac/drawingml/2011/main" xmlns="" val="1"/>
+                <ma14:wrappingTextBoxFlag xmlns="" xmlns:ma14="http://schemas.microsoft.com/office/mac/drawingml/2011/main" val="1"/>
               </a:ext>
             </a:extLst>
           </p:spPr>
@@ -14365,7 +18530,7 @@
             <a:effectLst/>
             <a:extLst>
               <a:ext uri="{C572A759-6A51-4108-AA02-DFA0A04FC94B}">
-                <ma14:wrappingTextBoxFlag xmlns:ma14="http://schemas.microsoft.com/office/mac/drawingml/2011/main" xmlns="" val="1"/>
+                <ma14:wrappingTextBoxFlag xmlns="" xmlns:ma14="http://schemas.microsoft.com/office/mac/drawingml/2011/main" val="1"/>
               </a:ext>
             </a:extLst>
           </p:spPr>
@@ -14410,7 +18575,7 @@
             <a:effectLst/>
             <a:extLst>
               <a:ext uri="{C572A759-6A51-4108-AA02-DFA0A04FC94B}">
-                <ma14:wrappingTextBoxFlag xmlns:ma14="http://schemas.microsoft.com/office/mac/drawingml/2011/main" xmlns="" val="1"/>
+                <ma14:wrappingTextBoxFlag xmlns="" xmlns:ma14="http://schemas.microsoft.com/office/mac/drawingml/2011/main" val="1"/>
               </a:ext>
             </a:extLst>
           </p:spPr>
@@ -14640,7 +18805,7 @@
           <a:effectLst/>
           <a:extLst>
             <a:ext uri="{C572A759-6A51-4108-AA02-DFA0A04FC94B}">
-              <ma14:wrappingTextBoxFlag xmlns:ma14="http://schemas.microsoft.com/office/mac/drawingml/2011/main" xmlns="" val="1"/>
+              <ma14:wrappingTextBoxFlag xmlns="" xmlns:ma14="http://schemas.microsoft.com/office/mac/drawingml/2011/main" val="1"/>
             </a:ext>
           </a:extLst>
         </p:spPr>
@@ -14896,7 +19061,7 @@
             <a:effectLst/>
             <a:extLst>
               <a:ext uri="{C572A759-6A51-4108-AA02-DFA0A04FC94B}">
-                <ma14:wrappingTextBoxFlag xmlns:ma14="http://schemas.microsoft.com/office/mac/drawingml/2011/main" xmlns="" val="1"/>
+                <ma14:wrappingTextBoxFlag xmlns="" xmlns:ma14="http://schemas.microsoft.com/office/mac/drawingml/2011/main" val="1"/>
               </a:ext>
             </a:extLst>
           </p:spPr>
@@ -14975,7 +19140,7 @@
             <a:effectLst/>
             <a:extLst>
               <a:ext uri="{C572A759-6A51-4108-AA02-DFA0A04FC94B}">
-                <ma14:wrappingTextBoxFlag xmlns:ma14="http://schemas.microsoft.com/office/mac/drawingml/2011/main" xmlns="" val="1"/>
+                <ma14:wrappingTextBoxFlag xmlns="" xmlns:ma14="http://schemas.microsoft.com/office/mac/drawingml/2011/main" val="1"/>
               </a:ext>
             </a:extLst>
           </p:spPr>
@@ -15117,7 +19282,7 @@
             <a:effectLst/>
             <a:extLst>
               <a:ext uri="{C572A759-6A51-4108-AA02-DFA0A04FC94B}">
-                <ma14:wrappingTextBoxFlag xmlns:ma14="http://schemas.microsoft.com/office/mac/drawingml/2011/main" xmlns="" val="1"/>
+                <ma14:wrappingTextBoxFlag xmlns="" xmlns:ma14="http://schemas.microsoft.com/office/mac/drawingml/2011/main" val="1"/>
               </a:ext>
             </a:extLst>
           </p:spPr>
@@ -15199,7 +19364,7 @@
             <a:effectLst/>
             <a:extLst>
               <a:ext uri="{C572A759-6A51-4108-AA02-DFA0A04FC94B}">
-                <ma14:wrappingTextBoxFlag xmlns:ma14="http://schemas.microsoft.com/office/mac/drawingml/2011/main" xmlns="" val="1"/>
+                <ma14:wrappingTextBoxFlag xmlns="" xmlns:ma14="http://schemas.microsoft.com/office/mac/drawingml/2011/main" val="1"/>
               </a:ext>
             </a:extLst>
           </p:spPr>
@@ -15286,7 +19451,7 @@
           </a:ln>
           <a:extLst>
             <a:ext uri="{C572A759-6A51-4108-AA02-DFA0A04FC94B}">
-              <ma14:wrappingTextBoxFlag xmlns:ma14="http://schemas.microsoft.com/office/mac/drawingml/2011/main" xmlns="" val="1"/>
+              <ma14:wrappingTextBoxFlag xmlns="" xmlns:ma14="http://schemas.microsoft.com/office/mac/drawingml/2011/main" val="1"/>
             </a:ext>
           </a:extLst>
         </p:spPr>
@@ -15393,7 +19558,7 @@
             <a:effectLst/>
             <a:extLst>
               <a:ext uri="{C572A759-6A51-4108-AA02-DFA0A04FC94B}">
-                <ma14:wrappingTextBoxFlag xmlns:ma14="http://schemas.microsoft.com/office/mac/drawingml/2011/main" xmlns="" val="1"/>
+                <ma14:wrappingTextBoxFlag xmlns="" xmlns:ma14="http://schemas.microsoft.com/office/mac/drawingml/2011/main" val="1"/>
               </a:ext>
             </a:extLst>
           </p:spPr>
@@ -15443,7 +19608,7 @@
             <a:effectLst/>
             <a:extLst>
               <a:ext uri="{C572A759-6A51-4108-AA02-DFA0A04FC94B}">
-                <ma14:wrappingTextBoxFlag xmlns:ma14="http://schemas.microsoft.com/office/mac/drawingml/2011/main" xmlns="" val="1"/>
+                <ma14:wrappingTextBoxFlag xmlns="" xmlns:ma14="http://schemas.microsoft.com/office/mac/drawingml/2011/main" val="1"/>
               </a:ext>
             </a:extLst>
           </p:spPr>
@@ -15488,7 +19653,7 @@
             <a:effectLst/>
             <a:extLst>
               <a:ext uri="{C572A759-6A51-4108-AA02-DFA0A04FC94B}">
-                <ma14:wrappingTextBoxFlag xmlns:ma14="http://schemas.microsoft.com/office/mac/drawingml/2011/main" xmlns="" val="1"/>
+                <ma14:wrappingTextBoxFlag xmlns="" xmlns:ma14="http://schemas.microsoft.com/office/mac/drawingml/2011/main" val="1"/>
               </a:ext>
             </a:extLst>
           </p:spPr>

--- a/Presentation.pptx
+++ b/Presentation.pptx
@@ -628,6 +628,18 @@
           <a:bodyPr/>
           <a:lstStyle/>
           <a:p>
+            <a:endParaRPr lang="de-CH" dirty="0"/>
+          </a:p>
+          <a:p>
+            <a:r>
+              <a:rPr lang="de-CH" dirty="0"/>
+              <a:t>https://www.worldometers.info/coronavirus/country/uk/</a:t>
+            </a:r>
+          </a:p>
+          <a:p>
+            <a:endParaRPr lang="de-CH" dirty="0"/>
+          </a:p>
+          <a:p>
             <a:r>
               <a:rPr lang="de-CH" dirty="0"/>
               <a:t>Emily Mathis </a:t>
@@ -684,11 +696,14 @@
           <a:p>
             <a:pPr fontAlgn="base"/>
             <a:r>
-              <a:rPr lang="de-CH" sz="1200" b="1" kern="1200" dirty="0" err="1">
-                <a:solidFill>
-                  <a:schemeClr val="tx1"/>
-                </a:solidFill>
-                <a:effectLst/>
+              <a:rPr lang="de-CH" sz="1600" b="1" kern="1200" dirty="0" err="1">
+                <a:solidFill>
+                  <a:schemeClr val="tx1"/>
+                </a:solidFill>
+                <a:effectLst/>
+                <a:highlight>
+                  <a:srgbClr val="FFFF00"/>
+                </a:highlight>
                 <a:latin typeface="+mn-lt"/>
                 <a:ea typeface="+mn-ea"/>
                 <a:cs typeface="+mn-cs"/>
@@ -696,19 +711,59 @@
               <a:t>January</a:t>
             </a:r>
             <a:r>
-              <a:rPr lang="de-CH" sz="1200" b="1" kern="1200" dirty="0">
-                <a:solidFill>
-                  <a:schemeClr val="tx1"/>
-                </a:solidFill>
-                <a:effectLst/>
-                <a:latin typeface="+mn-lt"/>
-                <a:ea typeface="+mn-ea"/>
-                <a:cs typeface="+mn-cs"/>
-              </a:rPr>
-              <a:t> 31</a:t>
-            </a:r>
-            <a:r>
-              <a:rPr lang="de-CH" sz="1200" b="0" kern="1200" dirty="0">
+              <a:rPr lang="de-CH" sz="1600" b="1" kern="1200" dirty="0">
+                <a:solidFill>
+                  <a:schemeClr val="tx1"/>
+                </a:solidFill>
+                <a:effectLst/>
+                <a:highlight>
+                  <a:srgbClr val="FFFF00"/>
+                </a:highlight>
+                <a:latin typeface="+mn-lt"/>
+                <a:ea typeface="+mn-ea"/>
+                <a:cs typeface="+mn-cs"/>
+              </a:rPr>
+              <a:t> 31 United Kingdom </a:t>
+            </a:r>
+            <a:r>
+              <a:rPr lang="de-CH" sz="1600" b="1" u="sng" kern="1200" dirty="0" err="1">
+                <a:solidFill>
+                  <a:schemeClr val="tx1"/>
+                </a:solidFill>
+                <a:effectLst/>
+                <a:latin typeface="+mn-lt"/>
+                <a:ea typeface="+mn-ea"/>
+                <a:cs typeface="+mn-cs"/>
+                <a:hlinkClick r:id="rId3"/>
+              </a:rPr>
+              <a:t>confirms</a:t>
+            </a:r>
+            <a:r>
+              <a:rPr lang="de-CH" sz="1600" b="1" kern="1200" dirty="0">
+                <a:solidFill>
+                  <a:schemeClr val="tx1"/>
+                </a:solidFill>
+                <a:effectLst/>
+                <a:latin typeface="+mn-lt"/>
+                <a:ea typeface="+mn-ea"/>
+                <a:cs typeface="+mn-cs"/>
+              </a:rPr>
+              <a:t> </a:t>
+            </a:r>
+            <a:r>
+              <a:rPr lang="de-CH" sz="1600" b="1" kern="1200" dirty="0" err="1">
+                <a:solidFill>
+                  <a:schemeClr val="tx1"/>
+                </a:solidFill>
+                <a:effectLst/>
+                <a:latin typeface="+mn-lt"/>
+                <a:ea typeface="+mn-ea"/>
+                <a:cs typeface="+mn-cs"/>
+              </a:rPr>
+              <a:t>its</a:t>
+            </a:r>
+            <a:r>
+              <a:rPr lang="de-CH" sz="1600" b="1" kern="1200" dirty="0">
                 <a:solidFill>
                   <a:schemeClr val="tx1"/>
                 </a:solidFill>
@@ -720,56 +775,19 @@
               <a:t> </a:t>
             </a:r>
             <a:r>
-              <a:rPr lang="de-CH" sz="1200" kern="1200" dirty="0">
-                <a:solidFill>
-                  <a:schemeClr val="tx1"/>
-                </a:solidFill>
-                <a:effectLst/>
-                <a:latin typeface="+mn-lt"/>
-                <a:ea typeface="+mn-ea"/>
-                <a:cs typeface="+mn-cs"/>
-              </a:rPr>
-              <a:t>United Kingdom </a:t>
-            </a:r>
-            <a:r>
-              <a:rPr lang="de-CH" sz="1200" u="sng" kern="1200" dirty="0" err="1">
-                <a:solidFill>
-                  <a:schemeClr val="tx1"/>
-                </a:solidFill>
-                <a:effectLst/>
-                <a:latin typeface="+mn-lt"/>
-                <a:ea typeface="+mn-ea"/>
-                <a:cs typeface="+mn-cs"/>
-                <a:hlinkClick r:id="rId3"/>
-              </a:rPr>
-              <a:t>confirms</a:t>
-            </a:r>
-            <a:r>
-              <a:rPr lang="de-CH" sz="1200" kern="1200" dirty="0">
-                <a:solidFill>
-                  <a:schemeClr val="tx1"/>
-                </a:solidFill>
-                <a:effectLst/>
-                <a:latin typeface="+mn-lt"/>
-                <a:ea typeface="+mn-ea"/>
-                <a:cs typeface="+mn-cs"/>
-              </a:rPr>
-              <a:t> </a:t>
-            </a:r>
-            <a:r>
-              <a:rPr lang="de-CH" sz="1200" kern="1200" dirty="0" err="1">
-                <a:solidFill>
-                  <a:schemeClr val="tx1"/>
-                </a:solidFill>
-                <a:effectLst/>
-                <a:latin typeface="+mn-lt"/>
-                <a:ea typeface="+mn-ea"/>
-                <a:cs typeface="+mn-cs"/>
-              </a:rPr>
-              <a:t>its</a:t>
-            </a:r>
-            <a:r>
-              <a:rPr lang="de-CH" sz="1200" kern="1200" dirty="0">
+              <a:rPr lang="de-CH" sz="1600" b="1" kern="1200" dirty="0" err="1">
+                <a:solidFill>
+                  <a:schemeClr val="tx1"/>
+                </a:solidFill>
+                <a:effectLst/>
+                <a:latin typeface="+mn-lt"/>
+                <a:ea typeface="+mn-ea"/>
+                <a:cs typeface="+mn-cs"/>
+              </a:rPr>
+              <a:t>first</a:t>
+            </a:r>
+            <a:r>
+              <a:rPr lang="de-CH" sz="1600" b="1" kern="1200" dirty="0">
                 <a:solidFill>
                   <a:schemeClr val="tx1"/>
                 </a:solidFill>
@@ -781,31 +799,7 @@
               <a:t> </a:t>
             </a:r>
             <a:r>
-              <a:rPr lang="de-CH" sz="1200" kern="1200" dirty="0" err="1">
-                <a:solidFill>
-                  <a:schemeClr val="tx1"/>
-                </a:solidFill>
-                <a:effectLst/>
-                <a:latin typeface="+mn-lt"/>
-                <a:ea typeface="+mn-ea"/>
-                <a:cs typeface="+mn-cs"/>
-              </a:rPr>
-              <a:t>first</a:t>
-            </a:r>
-            <a:r>
-              <a:rPr lang="de-CH" sz="1200" kern="1200" dirty="0">
-                <a:solidFill>
-                  <a:schemeClr val="tx1"/>
-                </a:solidFill>
-                <a:effectLst/>
-                <a:latin typeface="+mn-lt"/>
-                <a:ea typeface="+mn-ea"/>
-                <a:cs typeface="+mn-cs"/>
-              </a:rPr>
-              <a:t> </a:t>
-            </a:r>
-            <a:r>
-              <a:rPr lang="de-CH" sz="1200" kern="1200" dirty="0" err="1">
+              <a:rPr lang="de-CH" sz="1600" b="1" kern="1200" dirty="0" err="1">
                 <a:solidFill>
                   <a:schemeClr val="tx1"/>
                 </a:solidFill>
@@ -817,7 +811,7 @@
               <a:t>case</a:t>
             </a:r>
             <a:r>
-              <a:rPr lang="de-CH" sz="1200" kern="1200" dirty="0">
+              <a:rPr lang="de-CH" sz="1600" b="1" kern="1200" dirty="0">
                 <a:solidFill>
                   <a:schemeClr val="tx1"/>
                 </a:solidFill>
@@ -1133,7 +1127,7 @@
               <a:t> 4 </a:t>
             </a:r>
             <a:r>
-              <a:rPr lang="de-CH" sz="1200" b="0" u="sng" kern="1200" dirty="0">
+              <a:rPr lang="de-CH" sz="1200" b="1" u="sng" kern="1200" dirty="0">
                 <a:solidFill>
                   <a:schemeClr val="tx1"/>
                 </a:solidFill>
@@ -1146,7 +1140,7 @@
               <a:t>United Kingdom</a:t>
             </a:r>
             <a:r>
-              <a:rPr lang="de-CH" sz="1200" b="0" kern="1200" dirty="0">
+              <a:rPr lang="de-CH" sz="1200" b="1" kern="1200" dirty="0">
                 <a:solidFill>
                   <a:schemeClr val="tx1"/>
                 </a:solidFill>
@@ -1158,7 +1152,7 @@
               <a:t> and </a:t>
             </a:r>
             <a:r>
-              <a:rPr lang="de-CH" sz="1200" b="0" u="sng" kern="1200" dirty="0">
+              <a:rPr lang="de-CH" sz="1200" b="1" u="sng" kern="1200" dirty="0">
                 <a:solidFill>
                   <a:schemeClr val="tx1"/>
                 </a:solidFill>
@@ -1171,7 +1165,7 @@
               <a:t>France</a:t>
             </a:r>
             <a:r>
-              <a:rPr lang="de-CH" sz="1200" b="0" kern="1200" dirty="0">
+              <a:rPr lang="de-CH" sz="1200" b="1" kern="1200" dirty="0">
                 <a:solidFill>
                   <a:schemeClr val="tx1"/>
                 </a:solidFill>
@@ -1183,7 +1177,7 @@
               <a:t> </a:t>
             </a:r>
             <a:r>
-              <a:rPr lang="de-CH" sz="1200" b="0" kern="1200" dirty="0" err="1">
+              <a:rPr lang="de-CH" sz="1200" b="1" kern="1200" dirty="0" err="1">
                 <a:solidFill>
                   <a:schemeClr val="tx1"/>
                 </a:solidFill>
@@ -1195,7 +1189,7 @@
               <a:t>advise</a:t>
             </a:r>
             <a:r>
-              <a:rPr lang="de-CH" sz="1200" b="0" kern="1200" dirty="0">
+              <a:rPr lang="de-CH" sz="1200" b="1" kern="1200" dirty="0">
                 <a:solidFill>
                   <a:schemeClr val="tx1"/>
                 </a:solidFill>
@@ -1207,7 +1201,7 @@
               <a:t> </a:t>
             </a:r>
             <a:r>
-              <a:rPr lang="de-CH" sz="1200" b="0" kern="1200" dirty="0" err="1">
+              <a:rPr lang="de-CH" sz="1200" b="1" kern="1200" dirty="0" err="1">
                 <a:solidFill>
                   <a:schemeClr val="tx1"/>
                 </a:solidFill>
@@ -1219,7 +1213,7 @@
               <a:t>against</a:t>
             </a:r>
             <a:r>
-              <a:rPr lang="de-CH" sz="1200" b="0" kern="1200" dirty="0">
+              <a:rPr lang="de-CH" sz="1200" b="1" kern="1200" dirty="0">
                 <a:solidFill>
                   <a:schemeClr val="tx1"/>
                 </a:solidFill>
@@ -1231,7 +1225,7 @@
               <a:t> all but essential </a:t>
             </a:r>
             <a:r>
-              <a:rPr lang="de-CH" sz="1200" b="0" kern="1200" dirty="0" err="1">
+              <a:rPr lang="de-CH" sz="1200" b="1" kern="1200" dirty="0" err="1">
                 <a:solidFill>
                   <a:schemeClr val="tx1"/>
                 </a:solidFill>
@@ -1243,7 +1237,7 @@
               <a:t>travel</a:t>
             </a:r>
             <a:r>
-              <a:rPr lang="de-CH" sz="1200" b="0" kern="1200" dirty="0">
+              <a:rPr lang="de-CH" sz="1200" b="1" kern="1200" dirty="0">
                 <a:solidFill>
                   <a:schemeClr val="tx1"/>
                 </a:solidFill>
@@ -1255,7 +1249,7 @@
               <a:t> </a:t>
             </a:r>
             <a:r>
-              <a:rPr lang="de-CH" sz="1200" b="0" kern="1200" dirty="0" err="1">
+              <a:rPr lang="de-CH" sz="1200" b="1" kern="1200" dirty="0" err="1">
                 <a:solidFill>
                   <a:schemeClr val="tx1"/>
                 </a:solidFill>
@@ -1267,7 +1261,7 @@
               <a:t>to</a:t>
             </a:r>
             <a:r>
-              <a:rPr lang="de-CH" sz="1200" b="0" kern="1200" dirty="0">
+              <a:rPr lang="de-CH" sz="1200" b="1" kern="1200" dirty="0">
                 <a:solidFill>
                   <a:schemeClr val="tx1"/>
                 </a:solidFill>
@@ -1279,7 +1273,7 @@
               <a:t> </a:t>
             </a:r>
             <a:r>
-              <a:rPr lang="de-CH" sz="1200" b="0" kern="1200" dirty="0" err="1">
+              <a:rPr lang="de-CH" sz="1200" b="1" kern="1200" dirty="0" err="1">
                 <a:solidFill>
                   <a:schemeClr val="tx1"/>
                 </a:solidFill>
@@ -1291,18 +1285,6 @@
               <a:t>mainland</a:t>
             </a:r>
             <a:r>
-              <a:rPr lang="de-CH" sz="1200" b="0" kern="1200" dirty="0">
-                <a:solidFill>
-                  <a:schemeClr val="tx1"/>
-                </a:solidFill>
-                <a:effectLst/>
-                <a:latin typeface="+mn-lt"/>
-                <a:ea typeface="+mn-ea"/>
-                <a:cs typeface="+mn-cs"/>
-              </a:rPr>
-              <a:t> China</a:t>
-            </a:r>
-            <a:r>
               <a:rPr lang="de-CH" sz="1200" b="1" kern="1200" dirty="0">
                 <a:solidFill>
                   <a:schemeClr val="tx1"/>
@@ -1312,7 +1294,7 @@
                 <a:ea typeface="+mn-ea"/>
                 <a:cs typeface="+mn-cs"/>
               </a:rPr>
-              <a:t>. </a:t>
+              <a:t> China. </a:t>
             </a:r>
             <a:r>
               <a:rPr lang="de-CH" sz="1200" b="1" kern="1200" dirty="0">
@@ -2072,6 +2054,45 @@
                 <a:latin typeface="+mn-lt"/>
                 <a:ea typeface="+mn-ea"/>
                 <a:cs typeface="+mn-cs"/>
+                <a:sym typeface="Wingdings" panose="05000000000000000000" pitchFamily="2" charset="2"/>
+              </a:rPr>
+              <a:t>March 11 – WHO </a:t>
+            </a:r>
+            <a:r>
+              <a:rPr lang="de-CH" sz="1200" b="1" kern="1200" dirty="0" err="1">
+                <a:solidFill>
+                  <a:schemeClr val="tx1"/>
+                </a:solidFill>
+                <a:effectLst/>
+                <a:latin typeface="+mn-lt"/>
+                <a:ea typeface="+mn-ea"/>
+                <a:cs typeface="+mn-cs"/>
+                <a:sym typeface="Wingdings" panose="05000000000000000000" pitchFamily="2" charset="2"/>
+              </a:rPr>
+              <a:t>Pandemic</a:t>
+            </a:r>
+            <a:endParaRPr lang="de-CH" sz="1200" b="1" kern="1200" dirty="0">
+              <a:solidFill>
+                <a:schemeClr val="tx1"/>
+              </a:solidFill>
+              <a:effectLst/>
+              <a:latin typeface="+mn-lt"/>
+              <a:ea typeface="+mn-ea"/>
+              <a:cs typeface="+mn-cs"/>
+              <a:sym typeface="Wingdings" panose="05000000000000000000" pitchFamily="2" charset="2"/>
+            </a:endParaRPr>
+          </a:p>
+          <a:p>
+            <a:pPr fontAlgn="base"/>
+            <a:r>
+              <a:rPr lang="de-CH" sz="1200" b="1" kern="1200" dirty="0">
+                <a:solidFill>
+                  <a:schemeClr val="tx1"/>
+                </a:solidFill>
+                <a:effectLst/>
+                <a:latin typeface="+mn-lt"/>
+                <a:ea typeface="+mn-ea"/>
+                <a:cs typeface="+mn-cs"/>
               </a:rPr>
               <a:t>March 9 UK </a:t>
             </a:r>
@@ -2205,22 +2226,10 @@
                 <a:ea typeface="+mn-ea"/>
                 <a:cs typeface="+mn-cs"/>
               </a:rPr>
-              <a:t>March 23</a:t>
-            </a:r>
-            <a:r>
-              <a:rPr lang="de-CH" sz="1200" kern="1200" dirty="0">
-                <a:solidFill>
-                  <a:schemeClr val="tx1"/>
-                </a:solidFill>
-                <a:effectLst/>
-                <a:latin typeface="+mn-lt"/>
-                <a:ea typeface="+mn-ea"/>
-                <a:cs typeface="+mn-cs"/>
-              </a:rPr>
-              <a:t> United Kingdom </a:t>
-            </a:r>
-            <a:r>
-              <a:rPr lang="de-CH" sz="1200" u="sng" kern="1200" dirty="0" err="1">
+              <a:t>March 23 United Kingdom </a:t>
+            </a:r>
+            <a:r>
+              <a:rPr lang="de-CH" sz="1200" b="1" u="sng" kern="1200" dirty="0" err="1">
                 <a:solidFill>
                   <a:schemeClr val="tx1"/>
                 </a:solidFill>
@@ -2233,7 +2242,7 @@
               <a:t>announces</a:t>
             </a:r>
             <a:r>
-              <a:rPr lang="de-CH" sz="1200" kern="1200" dirty="0">
+              <a:rPr lang="de-CH" sz="1200" b="1" kern="1200" dirty="0">
                 <a:solidFill>
                   <a:schemeClr val="tx1"/>
                 </a:solidFill>
@@ -2245,7 +2254,7 @@
               <a:t> </a:t>
             </a:r>
             <a:r>
-              <a:rPr lang="de-CH" sz="1200" kern="1200" dirty="0" err="1">
+              <a:rPr lang="de-CH" sz="1200" b="1" kern="1200" dirty="0" err="1">
                 <a:solidFill>
                   <a:schemeClr val="tx1"/>
                 </a:solidFill>
@@ -2712,410 +2721,6 @@
             </a:r>
           </a:p>
           <a:p>
-            <a:endParaRPr lang="de-CH" sz="1200" kern="1200" dirty="0">
-              <a:solidFill>
-                <a:schemeClr val="tx1"/>
-              </a:solidFill>
-              <a:effectLst/>
-              <a:latin typeface="+mn-lt"/>
-              <a:ea typeface="+mn-ea"/>
-              <a:cs typeface="+mn-cs"/>
-              <a:sym typeface="Wingdings" panose="05000000000000000000" pitchFamily="2" charset="2"/>
-            </a:endParaRPr>
-          </a:p>
-          <a:p>
-            <a:r>
-              <a:rPr lang="de-CH" sz="1200" kern="1200" dirty="0">
-                <a:solidFill>
-                  <a:schemeClr val="tx1"/>
-                </a:solidFill>
-                <a:effectLst/>
-                <a:latin typeface="+mn-lt"/>
-                <a:ea typeface="+mn-ea"/>
-                <a:cs typeface="+mn-cs"/>
-                <a:sym typeface="Wingdings" panose="05000000000000000000" pitchFamily="2" charset="2"/>
-              </a:rPr>
-              <a:t>F27 </a:t>
-            </a:r>
-            <a:r>
-              <a:rPr lang="de-CH" sz="1200" kern="1200" dirty="0" err="1">
-                <a:solidFill>
-                  <a:schemeClr val="tx1"/>
-                </a:solidFill>
-                <a:effectLst/>
-                <a:latin typeface="+mn-lt"/>
-                <a:ea typeface="+mn-ea"/>
-                <a:cs typeface="+mn-cs"/>
-                <a:sym typeface="Wingdings" panose="05000000000000000000" pitchFamily="2" charset="2"/>
-              </a:rPr>
-              <a:t>feb.</a:t>
-            </a:r>
-            <a:r>
-              <a:rPr lang="de-CH" sz="1200" kern="1200" dirty="0">
-                <a:solidFill>
-                  <a:schemeClr val="tx1"/>
-                </a:solidFill>
-                <a:effectLst/>
-                <a:latin typeface="+mn-lt"/>
-                <a:ea typeface="+mn-ea"/>
-                <a:cs typeface="+mn-cs"/>
-                <a:sym typeface="Wingdings" panose="05000000000000000000" pitchFamily="2" charset="2"/>
-              </a:rPr>
-              <a:t> </a:t>
-            </a:r>
-            <a:r>
-              <a:rPr lang="de-CH" sz="1200" kern="1200" dirty="0" err="1">
-                <a:solidFill>
-                  <a:schemeClr val="tx1"/>
-                </a:solidFill>
-                <a:effectLst/>
-                <a:latin typeface="+mn-lt"/>
-                <a:ea typeface="+mn-ea"/>
-                <a:cs typeface="+mn-cs"/>
-                <a:sym typeface="Wingdings" panose="05000000000000000000" pitchFamily="2" charset="2"/>
-              </a:rPr>
-              <a:t>irst</a:t>
-            </a:r>
-            <a:r>
-              <a:rPr lang="de-CH" sz="1200" kern="1200" dirty="0">
-                <a:solidFill>
-                  <a:schemeClr val="tx1"/>
-                </a:solidFill>
-                <a:effectLst/>
-                <a:latin typeface="+mn-lt"/>
-                <a:ea typeface="+mn-ea"/>
-                <a:cs typeface="+mn-cs"/>
-                <a:sym typeface="Wingdings" panose="05000000000000000000" pitchFamily="2" charset="2"/>
-              </a:rPr>
-              <a:t> </a:t>
-            </a:r>
-            <a:r>
-              <a:rPr lang="de-CH" sz="1200" kern="1200" dirty="0" err="1">
-                <a:solidFill>
-                  <a:schemeClr val="tx1"/>
-                </a:solidFill>
-                <a:effectLst/>
-                <a:latin typeface="+mn-lt"/>
-                <a:ea typeface="+mn-ea"/>
-                <a:cs typeface="+mn-cs"/>
-                <a:sym typeface="Wingdings" panose="05000000000000000000" pitchFamily="2" charset="2"/>
-              </a:rPr>
-              <a:t>post</a:t>
-            </a:r>
-            <a:r>
-              <a:rPr lang="de-CH" sz="1200" kern="1200" dirty="0">
-                <a:solidFill>
-                  <a:schemeClr val="tx1"/>
-                </a:solidFill>
-                <a:effectLst/>
-                <a:latin typeface="+mn-lt"/>
-                <a:ea typeface="+mn-ea"/>
-                <a:cs typeface="+mn-cs"/>
-                <a:sym typeface="Wingdings" panose="05000000000000000000" pitchFamily="2" charset="2"/>
-              </a:rPr>
-              <a:t> </a:t>
-            </a:r>
-            <a:r>
-              <a:rPr lang="de-CH" sz="1200" kern="1200" dirty="0" err="1">
-                <a:solidFill>
-                  <a:schemeClr val="tx1"/>
-                </a:solidFill>
-                <a:effectLst/>
-                <a:latin typeface="+mn-lt"/>
-                <a:ea typeface="+mn-ea"/>
-                <a:cs typeface="+mn-cs"/>
-                <a:sym typeface="Wingdings" panose="05000000000000000000" pitchFamily="2" charset="2"/>
-              </a:rPr>
-              <a:t>corona</a:t>
-            </a:r>
-            <a:r>
-              <a:rPr lang="de-CH" sz="1200" kern="1200" dirty="0">
-                <a:solidFill>
-                  <a:schemeClr val="tx1"/>
-                </a:solidFill>
-                <a:effectLst/>
-                <a:latin typeface="+mn-lt"/>
-                <a:ea typeface="+mn-ea"/>
-                <a:cs typeface="+mn-cs"/>
-                <a:sym typeface="Wingdings" panose="05000000000000000000" pitchFamily="2" charset="2"/>
-              </a:rPr>
-              <a:t>: </a:t>
-            </a:r>
-          </a:p>
-          <a:p>
-            <a:r>
-              <a:rPr lang="de-CH" sz="1200" kern="1200" dirty="0" err="1">
-                <a:solidFill>
-                  <a:schemeClr val="tx1"/>
-                </a:solidFill>
-                <a:effectLst/>
-                <a:latin typeface="+mn-lt"/>
-                <a:ea typeface="+mn-ea"/>
-                <a:cs typeface="+mn-cs"/>
-                <a:sym typeface="Wingdings" panose="05000000000000000000" pitchFamily="2" charset="2"/>
-              </a:rPr>
-              <a:t>Going</a:t>
-            </a:r>
-            <a:r>
-              <a:rPr lang="de-CH" sz="1200" kern="1200" dirty="0">
-                <a:solidFill>
-                  <a:schemeClr val="tx1"/>
-                </a:solidFill>
-                <a:effectLst/>
-                <a:latin typeface="+mn-lt"/>
-                <a:ea typeface="+mn-ea"/>
-                <a:cs typeface="+mn-cs"/>
-                <a:sym typeface="Wingdings" panose="05000000000000000000" pitchFamily="2" charset="2"/>
-              </a:rPr>
-              <a:t> on </a:t>
-            </a:r>
-            <a:r>
-              <a:rPr lang="de-CH" sz="1200" kern="1200" dirty="0" err="1">
-                <a:solidFill>
-                  <a:schemeClr val="tx1"/>
-                </a:solidFill>
-                <a:effectLst/>
-                <a:latin typeface="+mn-lt"/>
-                <a:ea typeface="+mn-ea"/>
-                <a:cs typeface="+mn-cs"/>
-                <a:sym typeface="Wingdings" panose="05000000000000000000" pitchFamily="2" charset="2"/>
-              </a:rPr>
-              <a:t>with</a:t>
-            </a:r>
-            <a:r>
-              <a:rPr lang="de-CH" sz="1200" kern="1200" dirty="0">
-                <a:solidFill>
-                  <a:schemeClr val="tx1"/>
-                </a:solidFill>
-                <a:effectLst/>
-                <a:latin typeface="+mn-lt"/>
-                <a:ea typeface="+mn-ea"/>
-                <a:cs typeface="+mn-cs"/>
-                <a:sym typeface="Wingdings" panose="05000000000000000000" pitchFamily="2" charset="2"/>
-              </a:rPr>
-              <a:t> </a:t>
-            </a:r>
-            <a:r>
-              <a:rPr lang="de-CH" sz="1200" kern="1200" dirty="0" err="1">
-                <a:solidFill>
-                  <a:schemeClr val="tx1"/>
-                </a:solidFill>
-                <a:effectLst/>
-                <a:latin typeface="+mn-lt"/>
-                <a:ea typeface="+mn-ea"/>
-                <a:cs typeface="+mn-cs"/>
-                <a:sym typeface="Wingdings" panose="05000000000000000000" pitchFamily="2" charset="2"/>
-              </a:rPr>
-              <a:t>tahnking</a:t>
-            </a:r>
-            <a:r>
-              <a:rPr lang="de-CH" sz="1200" kern="1200" dirty="0">
-                <a:solidFill>
-                  <a:schemeClr val="tx1"/>
-                </a:solidFill>
-                <a:effectLst/>
-                <a:latin typeface="+mn-lt"/>
-                <a:ea typeface="+mn-ea"/>
-                <a:cs typeface="+mn-cs"/>
-                <a:sym typeface="Wingdings" panose="05000000000000000000" pitchFamily="2" charset="2"/>
-              </a:rPr>
-              <a:t> the  </a:t>
-            </a:r>
-            <a:r>
-              <a:rPr lang="de-CH" sz="1200" kern="1200" dirty="0" err="1">
-                <a:solidFill>
-                  <a:schemeClr val="tx1"/>
-                </a:solidFill>
-                <a:effectLst/>
-                <a:latin typeface="+mn-lt"/>
-                <a:ea typeface="+mn-ea"/>
-                <a:cs typeface="+mn-cs"/>
-                <a:sym typeface="Wingdings" panose="05000000000000000000" pitchFamily="2" charset="2"/>
-              </a:rPr>
-              <a:t>nhs</a:t>
-            </a:r>
-            <a:r>
-              <a:rPr lang="de-CH" sz="1200" kern="1200" dirty="0">
-                <a:solidFill>
-                  <a:schemeClr val="tx1"/>
-                </a:solidFill>
-                <a:effectLst/>
-                <a:latin typeface="+mn-lt"/>
-                <a:ea typeface="+mn-ea"/>
-                <a:cs typeface="+mn-cs"/>
-                <a:sym typeface="Wingdings" panose="05000000000000000000" pitchFamily="2" charset="2"/>
-              </a:rPr>
-              <a:t> and  </a:t>
-            </a:r>
-            <a:r>
-              <a:rPr lang="de-CH" sz="1200" kern="1200" dirty="0" err="1">
-                <a:solidFill>
-                  <a:schemeClr val="tx1"/>
-                </a:solidFill>
-                <a:effectLst/>
-                <a:latin typeface="+mn-lt"/>
-                <a:ea typeface="+mn-ea"/>
-                <a:cs typeface="+mn-cs"/>
-                <a:sym typeface="Wingdings" panose="05000000000000000000" pitchFamily="2" charset="2"/>
-              </a:rPr>
-              <a:t>asking</a:t>
-            </a:r>
-            <a:r>
-              <a:rPr lang="de-CH" sz="1200" kern="1200" dirty="0">
-                <a:solidFill>
-                  <a:schemeClr val="tx1"/>
-                </a:solidFill>
-                <a:effectLst/>
-                <a:latin typeface="+mn-lt"/>
-                <a:ea typeface="+mn-ea"/>
-                <a:cs typeface="+mn-cs"/>
-                <a:sym typeface="Wingdings" panose="05000000000000000000" pitchFamily="2" charset="2"/>
-              </a:rPr>
-              <a:t> </a:t>
-            </a:r>
-            <a:r>
-              <a:rPr lang="de-CH" sz="1200" kern="1200" dirty="0" err="1">
-                <a:solidFill>
-                  <a:schemeClr val="tx1"/>
-                </a:solidFill>
-                <a:effectLst/>
-                <a:latin typeface="+mn-lt"/>
-                <a:ea typeface="+mn-ea"/>
-                <a:cs typeface="+mn-cs"/>
-                <a:sym typeface="Wingdings" panose="05000000000000000000" pitchFamily="2" charset="2"/>
-              </a:rPr>
-              <a:t>everyone</a:t>
-            </a:r>
-            <a:r>
-              <a:rPr lang="de-CH" sz="1200" kern="1200" dirty="0">
-                <a:solidFill>
-                  <a:schemeClr val="tx1"/>
-                </a:solidFill>
-                <a:effectLst/>
-                <a:latin typeface="+mn-lt"/>
-                <a:ea typeface="+mn-ea"/>
-                <a:cs typeface="+mn-cs"/>
-                <a:sym typeface="Wingdings" panose="05000000000000000000" pitchFamily="2" charset="2"/>
-              </a:rPr>
-              <a:t> </a:t>
-            </a:r>
-            <a:r>
-              <a:rPr lang="de-CH" sz="1200" kern="1200" dirty="0" err="1">
-                <a:solidFill>
-                  <a:schemeClr val="tx1"/>
-                </a:solidFill>
-                <a:effectLst/>
-                <a:latin typeface="+mn-lt"/>
-                <a:ea typeface="+mn-ea"/>
-                <a:cs typeface="+mn-cs"/>
-                <a:sym typeface="Wingdings" panose="05000000000000000000" pitchFamily="2" charset="2"/>
-              </a:rPr>
-              <a:t>to</a:t>
-            </a:r>
-            <a:r>
-              <a:rPr lang="de-CH" sz="1200" kern="1200" dirty="0">
-                <a:solidFill>
-                  <a:schemeClr val="tx1"/>
-                </a:solidFill>
-                <a:effectLst/>
-                <a:latin typeface="+mn-lt"/>
-                <a:ea typeface="+mn-ea"/>
-                <a:cs typeface="+mn-cs"/>
-                <a:sym typeface="Wingdings" panose="05000000000000000000" pitchFamily="2" charset="2"/>
-              </a:rPr>
-              <a:t> </a:t>
-            </a:r>
-            <a:r>
-              <a:rPr lang="de-CH" sz="1200" kern="1200" dirty="0" err="1">
-                <a:solidFill>
-                  <a:schemeClr val="tx1"/>
-                </a:solidFill>
-                <a:effectLst/>
-                <a:latin typeface="+mn-lt"/>
-                <a:ea typeface="+mn-ea"/>
-                <a:cs typeface="+mn-cs"/>
-                <a:sym typeface="Wingdings" panose="05000000000000000000" pitchFamily="2" charset="2"/>
-              </a:rPr>
-              <a:t>stay</a:t>
-            </a:r>
-            <a:r>
-              <a:rPr lang="de-CH" sz="1200" kern="1200" dirty="0">
-                <a:solidFill>
-                  <a:schemeClr val="tx1"/>
-                </a:solidFill>
-                <a:effectLst/>
-                <a:latin typeface="+mn-lt"/>
-                <a:ea typeface="+mn-ea"/>
-                <a:cs typeface="+mn-cs"/>
-                <a:sym typeface="Wingdings" panose="05000000000000000000" pitchFamily="2" charset="2"/>
-              </a:rPr>
-              <a:t> at </a:t>
-            </a:r>
-            <a:r>
-              <a:rPr lang="de-CH" sz="1200" kern="1200" dirty="0" err="1">
-                <a:solidFill>
-                  <a:schemeClr val="tx1"/>
-                </a:solidFill>
-                <a:effectLst/>
-                <a:latin typeface="+mn-lt"/>
-                <a:ea typeface="+mn-ea"/>
-                <a:cs typeface="+mn-cs"/>
-                <a:sym typeface="Wingdings" panose="05000000000000000000" pitchFamily="2" charset="2"/>
-              </a:rPr>
-              <a:t>home</a:t>
-            </a:r>
-            <a:r>
-              <a:rPr lang="de-CH" sz="1200" kern="1200" dirty="0">
-                <a:solidFill>
-                  <a:schemeClr val="tx1"/>
-                </a:solidFill>
-                <a:effectLst/>
-                <a:latin typeface="+mn-lt"/>
-                <a:ea typeface="+mn-ea"/>
-                <a:cs typeface="+mn-cs"/>
-                <a:sym typeface="Wingdings" panose="05000000000000000000" pitchFamily="2" charset="2"/>
-              </a:rPr>
-              <a:t> and </a:t>
-            </a:r>
-            <a:r>
-              <a:rPr lang="de-CH" sz="1200" kern="1200" dirty="0" err="1">
-                <a:solidFill>
-                  <a:schemeClr val="tx1"/>
-                </a:solidFill>
-                <a:effectLst/>
-                <a:latin typeface="+mn-lt"/>
-                <a:ea typeface="+mn-ea"/>
-                <a:cs typeface="+mn-cs"/>
-                <a:sym typeface="Wingdings" panose="05000000000000000000" pitchFamily="2" charset="2"/>
-              </a:rPr>
-              <a:t>keep</a:t>
-            </a:r>
-            <a:r>
-              <a:rPr lang="de-CH" sz="1200" kern="1200" dirty="0">
-                <a:solidFill>
-                  <a:schemeClr val="tx1"/>
-                </a:solidFill>
-                <a:effectLst/>
-                <a:latin typeface="+mn-lt"/>
-                <a:ea typeface="+mn-ea"/>
-                <a:cs typeface="+mn-cs"/>
-                <a:sym typeface="Wingdings" panose="05000000000000000000" pitchFamily="2" charset="2"/>
-              </a:rPr>
-              <a:t> 2 m </a:t>
-            </a:r>
-            <a:r>
-              <a:rPr lang="de-CH" sz="1200" kern="1200" dirty="0" err="1">
-                <a:solidFill>
-                  <a:schemeClr val="tx1"/>
-                </a:solidFill>
-                <a:effectLst/>
-                <a:latin typeface="+mn-lt"/>
-                <a:ea typeface="+mn-ea"/>
-                <a:cs typeface="+mn-cs"/>
-                <a:sym typeface="Wingdings" panose="05000000000000000000" pitchFamily="2" charset="2"/>
-              </a:rPr>
-              <a:t>distance</a:t>
-            </a:r>
             <a:endParaRPr lang="de-CH" sz="1200" kern="1200" dirty="0">
               <a:solidFill>
                 <a:schemeClr val="tx1"/>
@@ -3234,10 +2839,79 @@
                 <a:cs typeface="+mn-cs"/>
                 <a:sym typeface="Wingdings" panose="05000000000000000000" pitchFamily="2" charset="2"/>
               </a:rPr>
-              <a:t>-positive </a:t>
+              <a:t>-positive   </a:t>
+            </a:r>
+            <a:r>
+              <a:rPr lang="de-CH" sz="1200" kern="1200" dirty="0" err="1">
+                <a:solidFill>
+                  <a:schemeClr val="tx1"/>
+                </a:solidFill>
+                <a:effectLst/>
+                <a:latin typeface="+mn-lt"/>
+                <a:ea typeface="+mn-ea"/>
+                <a:cs typeface="+mn-cs"/>
+                <a:sym typeface="Wingdings" panose="05000000000000000000" pitchFamily="2" charset="2"/>
+              </a:rPr>
+              <a:t>sentiment</a:t>
+            </a:r>
+            <a:r>
+              <a:rPr lang="de-CH" sz="1200" kern="1200" dirty="0">
+                <a:solidFill>
+                  <a:schemeClr val="tx1"/>
+                </a:solidFill>
+                <a:effectLst/>
+                <a:latin typeface="+mn-lt"/>
+                <a:ea typeface="+mn-ea"/>
+                <a:cs typeface="+mn-cs"/>
+                <a:sym typeface="Wingdings" panose="05000000000000000000" pitchFamily="2" charset="2"/>
+              </a:rPr>
+              <a:t> </a:t>
+            </a:r>
+            <a:r>
+              <a:rPr lang="de-CH" sz="1200" kern="1200" dirty="0" err="1">
+                <a:solidFill>
+                  <a:schemeClr val="tx1"/>
+                </a:solidFill>
+                <a:effectLst/>
+                <a:latin typeface="+mn-lt"/>
+                <a:ea typeface="+mn-ea"/>
+                <a:cs typeface="+mn-cs"/>
+                <a:sym typeface="Wingdings" panose="05000000000000000000" pitchFamily="2" charset="2"/>
+              </a:rPr>
+              <a:t>goes</a:t>
+            </a:r>
+            <a:r>
+              <a:rPr lang="de-CH" sz="1200" kern="1200" dirty="0">
+                <a:solidFill>
+                  <a:schemeClr val="tx1"/>
+                </a:solidFill>
+                <a:effectLst/>
+                <a:latin typeface="+mn-lt"/>
+                <a:ea typeface="+mn-ea"/>
+                <a:cs typeface="+mn-cs"/>
+                <a:sym typeface="Wingdings" panose="05000000000000000000" pitchFamily="2" charset="2"/>
+              </a:rPr>
+              <a:t> down</a:t>
             </a:r>
           </a:p>
           <a:p>
+            <a:pPr marL="0" marR="0" lvl="0" indent="0" algn="l" defTabSz="914400" rtl="0" eaLnBrk="1" fontAlgn="auto" latinLnBrk="0" hangingPunct="1">
+              <a:lnSpc>
+                <a:spcPct val="100000"/>
+              </a:lnSpc>
+              <a:spcBef>
+                <a:spcPts val="0"/>
+              </a:spcBef>
+              <a:spcAft>
+                <a:spcPts val="0"/>
+              </a:spcAft>
+              <a:buClrTx/>
+              <a:buSzTx/>
+              <a:buFontTx/>
+              <a:buNone/>
+              <a:tabLst/>
+              <a:defRPr/>
+            </a:pPr>
             <a:r>
               <a:rPr lang="de-CH" sz="1200" kern="1200" dirty="0">
                 <a:solidFill>
@@ -3249,6 +2923,47 @@
                 <a:cs typeface="+mn-cs"/>
                 <a:sym typeface="Wingdings" panose="05000000000000000000" pitchFamily="2" charset="2"/>
               </a:rPr>
+              <a:t>6. April </a:t>
+            </a:r>
+            <a:r>
+              <a:rPr lang="de-CH" sz="1200" kern="1200" dirty="0" err="1">
+                <a:solidFill>
+                  <a:schemeClr val="tx1"/>
+                </a:solidFill>
+                <a:effectLst/>
+                <a:latin typeface="+mn-lt"/>
+                <a:ea typeface="+mn-ea"/>
+                <a:cs typeface="+mn-cs"/>
+                <a:sym typeface="Wingdings" panose="05000000000000000000" pitchFamily="2" charset="2"/>
+              </a:rPr>
+              <a:t>johnson</a:t>
+            </a:r>
+            <a:r>
+              <a:rPr lang="de-CH" sz="1200" kern="1200" dirty="0">
+                <a:solidFill>
+                  <a:schemeClr val="tx1"/>
+                </a:solidFill>
+                <a:effectLst/>
+                <a:latin typeface="+mn-lt"/>
+                <a:ea typeface="+mn-ea"/>
+                <a:cs typeface="+mn-cs"/>
+                <a:sym typeface="Wingdings" panose="05000000000000000000" pitchFamily="2" charset="2"/>
+              </a:rPr>
+              <a:t> im Spital</a:t>
+            </a:r>
+          </a:p>
+          <a:p>
+            <a:r>
+              <a:rPr lang="de-CH" sz="1200" kern="1200" dirty="0">
+                <a:solidFill>
+                  <a:schemeClr val="tx1"/>
+                </a:solidFill>
+                <a:effectLst/>
+                <a:latin typeface="+mn-lt"/>
+                <a:ea typeface="+mn-ea"/>
+                <a:cs typeface="+mn-cs"/>
+                <a:sym typeface="Wingdings" panose="05000000000000000000" pitchFamily="2" charset="2"/>
+              </a:rPr>
               <a:t>Boris  12-27 </a:t>
             </a:r>
             <a:r>
@@ -3302,6 +3017,333 @@
                 <a:sym typeface="Wingdings" panose="05000000000000000000" pitchFamily="2" charset="2"/>
               </a:rPr>
               <a:t>  Intensivstation</a:t>
+            </a:r>
+          </a:p>
+          <a:p>
+            <a:r>
+              <a:rPr lang="de-CH" sz="1200" kern="1200" dirty="0">
+                <a:solidFill>
+                  <a:schemeClr val="tx1"/>
+                </a:solidFill>
+                <a:effectLst/>
+                <a:latin typeface="+mn-lt"/>
+                <a:ea typeface="+mn-ea"/>
+                <a:cs typeface="+mn-cs"/>
+                <a:sym typeface="Wingdings" panose="05000000000000000000" pitchFamily="2" charset="2"/>
+              </a:rPr>
+              <a:t>Situation </a:t>
+            </a:r>
+            <a:r>
+              <a:rPr lang="de-CH" sz="1200" kern="1200" dirty="0" err="1">
+                <a:solidFill>
+                  <a:schemeClr val="tx1"/>
+                </a:solidFill>
+                <a:effectLst/>
+                <a:latin typeface="+mn-lt"/>
+                <a:ea typeface="+mn-ea"/>
+                <a:cs typeface="+mn-cs"/>
+                <a:sym typeface="Wingdings" panose="05000000000000000000" pitchFamily="2" charset="2"/>
+              </a:rPr>
+              <a:t>int</a:t>
+            </a:r>
+            <a:r>
+              <a:rPr lang="de-CH" sz="1200" kern="1200" dirty="0">
+                <a:solidFill>
+                  <a:schemeClr val="tx1"/>
+                </a:solidFill>
+                <a:effectLst/>
+                <a:latin typeface="+mn-lt"/>
+                <a:ea typeface="+mn-ea"/>
+                <a:cs typeface="+mn-cs"/>
+                <a:sym typeface="Wingdings" panose="05000000000000000000" pitchFamily="2" charset="2"/>
+              </a:rPr>
+              <a:t> the </a:t>
+            </a:r>
+            <a:r>
+              <a:rPr lang="de-CH" sz="1200" kern="1200" dirty="0" err="1">
+                <a:solidFill>
+                  <a:schemeClr val="tx1"/>
+                </a:solidFill>
+                <a:effectLst/>
+                <a:latin typeface="+mn-lt"/>
+                <a:ea typeface="+mn-ea"/>
+                <a:cs typeface="+mn-cs"/>
+                <a:sym typeface="Wingdings" panose="05000000000000000000" pitchFamily="2" charset="2"/>
+              </a:rPr>
+              <a:t>country</a:t>
+            </a:r>
+            <a:r>
+              <a:rPr lang="de-CH" sz="1200" kern="1200" dirty="0">
+                <a:solidFill>
+                  <a:schemeClr val="tx1"/>
+                </a:solidFill>
+                <a:effectLst/>
+                <a:latin typeface="+mn-lt"/>
+                <a:ea typeface="+mn-ea"/>
+                <a:cs typeface="+mn-cs"/>
+                <a:sym typeface="Wingdings" panose="05000000000000000000" pitchFamily="2" charset="2"/>
+              </a:rPr>
+              <a:t> </a:t>
+            </a:r>
+            <a:r>
+              <a:rPr lang="de-CH" sz="1200" kern="1200" dirty="0" err="1">
+                <a:solidFill>
+                  <a:schemeClr val="tx1"/>
+                </a:solidFill>
+                <a:effectLst/>
+                <a:latin typeface="+mn-lt"/>
+                <a:ea typeface="+mn-ea"/>
+                <a:cs typeface="+mn-cs"/>
+                <a:sym typeface="Wingdings" panose="05000000000000000000" pitchFamily="2" charset="2"/>
+              </a:rPr>
+              <a:t>gets</a:t>
+            </a:r>
+            <a:r>
+              <a:rPr lang="de-CH" sz="1200" kern="1200" dirty="0">
+                <a:solidFill>
+                  <a:schemeClr val="tx1"/>
+                </a:solidFill>
+                <a:effectLst/>
+                <a:latin typeface="+mn-lt"/>
+                <a:ea typeface="+mn-ea"/>
+                <a:cs typeface="+mn-cs"/>
+                <a:sym typeface="Wingdings" panose="05000000000000000000" pitchFamily="2" charset="2"/>
+              </a:rPr>
+              <a:t> </a:t>
+            </a:r>
+            <a:r>
+              <a:rPr lang="de-CH" sz="1200" kern="1200" dirty="0" err="1">
+                <a:solidFill>
+                  <a:schemeClr val="tx1"/>
+                </a:solidFill>
+                <a:effectLst/>
+                <a:latin typeface="+mn-lt"/>
+                <a:ea typeface="+mn-ea"/>
+                <a:cs typeface="+mn-cs"/>
+                <a:sym typeface="Wingdings" panose="05000000000000000000" pitchFamily="2" charset="2"/>
+              </a:rPr>
+              <a:t>worse</a:t>
+            </a:r>
+            <a:r>
+              <a:rPr lang="de-CH" sz="1200" kern="1200" dirty="0">
+                <a:solidFill>
+                  <a:schemeClr val="tx1"/>
+                </a:solidFill>
+                <a:effectLst/>
+                <a:latin typeface="+mn-lt"/>
+                <a:ea typeface="+mn-ea"/>
+                <a:cs typeface="+mn-cs"/>
+                <a:sym typeface="Wingdings" panose="05000000000000000000" pitchFamily="2" charset="2"/>
+              </a:rPr>
+              <a:t> and </a:t>
+            </a:r>
+            <a:r>
+              <a:rPr lang="de-CH" sz="1200" kern="1200" dirty="0" err="1">
+                <a:solidFill>
+                  <a:schemeClr val="tx1"/>
+                </a:solidFill>
+                <a:effectLst/>
+                <a:latin typeface="+mn-lt"/>
+                <a:ea typeface="+mn-ea"/>
+                <a:cs typeface="+mn-cs"/>
+                <a:sym typeface="Wingdings" panose="05000000000000000000" pitchFamily="2" charset="2"/>
+              </a:rPr>
+              <a:t>worse</a:t>
+            </a:r>
+            <a:r>
+              <a:rPr lang="de-CH" sz="1200" kern="1200" dirty="0">
+                <a:solidFill>
+                  <a:schemeClr val="tx1"/>
+                </a:solidFill>
+                <a:effectLst/>
+                <a:latin typeface="+mn-lt"/>
+                <a:ea typeface="+mn-ea"/>
+                <a:cs typeface="+mn-cs"/>
+                <a:sym typeface="Wingdings" panose="05000000000000000000" pitchFamily="2" charset="2"/>
+              </a:rPr>
+              <a:t>  </a:t>
+            </a:r>
+            <a:r>
+              <a:rPr lang="de-CH" sz="1200" kern="1200" dirty="0" err="1">
+                <a:solidFill>
+                  <a:schemeClr val="tx1"/>
+                </a:solidFill>
+                <a:effectLst/>
+                <a:latin typeface="+mn-lt"/>
+                <a:ea typeface="+mn-ea"/>
+                <a:cs typeface="+mn-cs"/>
+                <a:sym typeface="Wingdings" panose="05000000000000000000" pitchFamily="2" charset="2"/>
+              </a:rPr>
+              <a:t>asks</a:t>
+            </a:r>
+            <a:r>
+              <a:rPr lang="de-CH" sz="1200" kern="1200" dirty="0">
+                <a:solidFill>
+                  <a:schemeClr val="tx1"/>
+                </a:solidFill>
+                <a:effectLst/>
+                <a:latin typeface="+mn-lt"/>
+                <a:ea typeface="+mn-ea"/>
+                <a:cs typeface="+mn-cs"/>
+                <a:sym typeface="Wingdings" panose="05000000000000000000" pitchFamily="2" charset="2"/>
+              </a:rPr>
+              <a:t> the </a:t>
+            </a:r>
+            <a:r>
+              <a:rPr lang="de-CH" sz="1200" kern="1200" dirty="0" err="1">
+                <a:solidFill>
+                  <a:schemeClr val="tx1"/>
+                </a:solidFill>
+                <a:effectLst/>
+                <a:latin typeface="+mn-lt"/>
+                <a:ea typeface="+mn-ea"/>
+                <a:cs typeface="+mn-cs"/>
+                <a:sym typeface="Wingdings" panose="05000000000000000000" pitchFamily="2" charset="2"/>
+              </a:rPr>
+              <a:t>people</a:t>
+            </a:r>
+            <a:r>
+              <a:rPr lang="de-CH" sz="1200" kern="1200" dirty="0">
+                <a:solidFill>
+                  <a:schemeClr val="tx1"/>
+                </a:solidFill>
+                <a:effectLst/>
+                <a:latin typeface="+mn-lt"/>
+                <a:ea typeface="+mn-ea"/>
+                <a:cs typeface="+mn-cs"/>
+                <a:sym typeface="Wingdings" panose="05000000000000000000" pitchFamily="2" charset="2"/>
+              </a:rPr>
+              <a:t> </a:t>
+            </a:r>
+            <a:r>
+              <a:rPr lang="de-CH" sz="1200" kern="1200" dirty="0" err="1">
+                <a:solidFill>
+                  <a:schemeClr val="tx1"/>
+                </a:solidFill>
+                <a:effectLst/>
+                <a:latin typeface="+mn-lt"/>
+                <a:ea typeface="+mn-ea"/>
+                <a:cs typeface="+mn-cs"/>
+                <a:sym typeface="Wingdings" panose="05000000000000000000" pitchFamily="2" charset="2"/>
+              </a:rPr>
+              <a:t>to</a:t>
+            </a:r>
+            <a:r>
+              <a:rPr lang="de-CH" sz="1200" kern="1200" dirty="0">
+                <a:solidFill>
+                  <a:schemeClr val="tx1"/>
+                </a:solidFill>
+                <a:effectLst/>
+                <a:latin typeface="+mn-lt"/>
+                <a:ea typeface="+mn-ea"/>
+                <a:cs typeface="+mn-cs"/>
+                <a:sym typeface="Wingdings" panose="05000000000000000000" pitchFamily="2" charset="2"/>
+              </a:rPr>
+              <a:t> </a:t>
+            </a:r>
+            <a:r>
+              <a:rPr lang="de-CH" sz="1200" kern="1200" dirty="0" err="1">
+                <a:solidFill>
+                  <a:schemeClr val="tx1"/>
+                </a:solidFill>
+                <a:effectLst/>
+                <a:latin typeface="+mn-lt"/>
+                <a:ea typeface="+mn-ea"/>
+                <a:cs typeface="+mn-cs"/>
+                <a:sym typeface="Wingdings" panose="05000000000000000000" pitchFamily="2" charset="2"/>
+              </a:rPr>
+              <a:t>please</a:t>
+            </a:r>
+            <a:r>
+              <a:rPr lang="de-CH" sz="1200" kern="1200" dirty="0">
+                <a:solidFill>
+                  <a:schemeClr val="tx1"/>
+                </a:solidFill>
+                <a:effectLst/>
+                <a:latin typeface="+mn-lt"/>
+                <a:ea typeface="+mn-ea"/>
+                <a:cs typeface="+mn-cs"/>
+                <a:sym typeface="Wingdings" panose="05000000000000000000" pitchFamily="2" charset="2"/>
+              </a:rPr>
+              <a:t> follow the </a:t>
+            </a:r>
+            <a:r>
+              <a:rPr lang="de-CH" sz="1200" kern="1200" dirty="0" err="1">
+                <a:solidFill>
+                  <a:schemeClr val="tx1"/>
+                </a:solidFill>
+                <a:effectLst/>
+                <a:latin typeface="+mn-lt"/>
+                <a:ea typeface="+mn-ea"/>
+                <a:cs typeface="+mn-cs"/>
+                <a:sym typeface="Wingdings" panose="05000000000000000000" pitchFamily="2" charset="2"/>
+              </a:rPr>
+              <a:t>rules</a:t>
+            </a:r>
+            <a:r>
+              <a:rPr lang="de-CH" sz="1200" kern="1200" dirty="0">
+                <a:solidFill>
+                  <a:schemeClr val="tx1"/>
+                </a:solidFill>
+                <a:effectLst/>
+                <a:latin typeface="+mn-lt"/>
+                <a:ea typeface="+mn-ea"/>
+                <a:cs typeface="+mn-cs"/>
+                <a:sym typeface="Wingdings" panose="05000000000000000000" pitchFamily="2" charset="2"/>
+              </a:rPr>
+              <a:t> (2 </a:t>
+            </a:r>
+            <a:r>
+              <a:rPr lang="de-CH" sz="1200" kern="1200" dirty="0" err="1">
+                <a:solidFill>
+                  <a:schemeClr val="tx1"/>
+                </a:solidFill>
+                <a:effectLst/>
+                <a:latin typeface="+mn-lt"/>
+                <a:ea typeface="+mn-ea"/>
+                <a:cs typeface="+mn-cs"/>
+                <a:sym typeface="Wingdings" panose="05000000000000000000" pitchFamily="2" charset="2"/>
+              </a:rPr>
+              <a:t>mr</a:t>
+            </a:r>
+            <a:r>
+              <a:rPr lang="de-CH" sz="1200" kern="1200" dirty="0">
+                <a:solidFill>
+                  <a:schemeClr val="tx1"/>
+                </a:solidFill>
+                <a:effectLst/>
+                <a:latin typeface="+mn-lt"/>
+                <a:ea typeface="+mn-ea"/>
+                <a:cs typeface="+mn-cs"/>
+                <a:sym typeface="Wingdings" panose="05000000000000000000" pitchFamily="2" charset="2"/>
+              </a:rPr>
+              <a:t> </a:t>
+            </a:r>
+            <a:r>
+              <a:rPr lang="de-CH" sz="1200" kern="1200" dirty="0" err="1">
+                <a:solidFill>
+                  <a:schemeClr val="tx1"/>
+                </a:solidFill>
+                <a:effectLst/>
+                <a:latin typeface="+mn-lt"/>
+                <a:ea typeface="+mn-ea"/>
+                <a:cs typeface="+mn-cs"/>
+                <a:sym typeface="Wingdings" panose="05000000000000000000" pitchFamily="2" charset="2"/>
+              </a:rPr>
+              <a:t>distance</a:t>
+            </a:r>
+            <a:r>
+              <a:rPr lang="de-CH" sz="1200" kern="1200" dirty="0">
+                <a:solidFill>
+                  <a:schemeClr val="tx1"/>
+                </a:solidFill>
+                <a:effectLst/>
+                <a:latin typeface="+mn-lt"/>
+                <a:ea typeface="+mn-ea"/>
+                <a:cs typeface="+mn-cs"/>
+                <a:sym typeface="Wingdings" panose="05000000000000000000" pitchFamily="2" charset="2"/>
+              </a:rPr>
+              <a:t>, … )</a:t>
             </a:r>
             <a:endParaRPr lang="de-CH" sz="1200" kern="1200" dirty="0">
               <a:solidFill>
@@ -4371,7 +4413,7 @@
               <a:t> </a:t>
             </a:r>
             <a:r>
-              <a:rPr lang="de-CH">
+              <a:rPr lang="de-CH" dirty="0" err="1">
                 <a:sym typeface="Wingdings" panose="05000000000000000000" pitchFamily="2" charset="2"/>
               </a:rPr>
               <a:t>again</a:t>
@@ -4410,6 +4452,233 @@
     <p:extLst>
       <p:ext uri="{BB962C8B-B14F-4D97-AF65-F5344CB8AC3E}">
         <p14:creationId xmlns:p14="http://schemas.microsoft.com/office/powerpoint/2010/main" val="1023440169"/>
+      </p:ext>
+    </p:extLst>
+  </p:cSld>
+  <p:clrMapOvr>
+    <a:masterClrMapping/>
+  </p:clrMapOvr>
+</p:notes>
+</file>
+
+<file path=ppt/notesSlides/notesSlide3.xml><?xml version="1.0" encoding="utf-8"?>
+<p:notes xmlns:a="http://schemas.openxmlformats.org/drawingml/2006/main" xmlns:r="http://schemas.openxmlformats.org/officeDocument/2006/relationships" xmlns:p="http://schemas.openxmlformats.org/presentationml/2006/main">
+  <p:cSld>
+    <p:spTree>
+      <p:nvGrpSpPr>
+        <p:cNvPr id="1" name=""/>
+        <p:cNvGrpSpPr/>
+        <p:nvPr/>
+      </p:nvGrpSpPr>
+      <p:grpSpPr>
+        <a:xfrm>
+          <a:off x="0" y="0"/>
+          <a:ext cx="0" cy="0"/>
+          <a:chOff x="0" y="0"/>
+          <a:chExt cx="0" cy="0"/>
+        </a:xfrm>
+      </p:grpSpPr>
+      <p:sp>
+        <p:nvSpPr>
+          <p:cNvPr id="2" name="Folienbildplatzhalter 1"/>
+          <p:cNvSpPr>
+            <a:spLocks noGrp="1" noRot="1" noChangeAspect="1"/>
+          </p:cNvSpPr>
+          <p:nvPr>
+            <p:ph type="sldImg"/>
+          </p:nvPr>
+        </p:nvSpPr>
+        <p:spPr/>
+      </p:sp>
+      <p:sp>
+        <p:nvSpPr>
+          <p:cNvPr id="3" name="Notizenplatzhalter 2"/>
+          <p:cNvSpPr>
+            <a:spLocks noGrp="1"/>
+          </p:cNvSpPr>
+          <p:nvPr>
+            <p:ph type="body" idx="1"/>
+          </p:nvPr>
+        </p:nvSpPr>
+        <p:spPr/>
+        <p:txBody>
+          <a:bodyPr/>
+          <a:lstStyle/>
+          <a:p>
+            <a:r>
+              <a:rPr lang="de-CH" dirty="0"/>
+              <a:t>Mid </a:t>
+            </a:r>
+            <a:r>
+              <a:rPr lang="de-CH" dirty="0" err="1"/>
+              <a:t>april</a:t>
+            </a:r>
+            <a:r>
+              <a:rPr lang="de-CH" dirty="0"/>
+              <a:t> </a:t>
+            </a:r>
+            <a:r>
+              <a:rPr lang="de-CH" dirty="0" err="1"/>
+              <a:t>may</a:t>
+            </a:r>
+            <a:r>
+              <a:rPr lang="de-CH" dirty="0"/>
+              <a:t> </a:t>
+            </a:r>
+            <a:r>
+              <a:rPr lang="de-CH" dirty="0" err="1"/>
+              <a:t>deaths</a:t>
+            </a:r>
+            <a:r>
+              <a:rPr lang="de-CH" dirty="0"/>
+              <a:t> in the </a:t>
+            </a:r>
+            <a:r>
+              <a:rPr lang="de-CH" dirty="0" err="1"/>
+              <a:t>uk</a:t>
+            </a:r>
+            <a:r>
+              <a:rPr lang="de-CH" dirty="0"/>
+              <a:t> </a:t>
+            </a:r>
+            <a:r>
+              <a:rPr lang="de-CH" dirty="0">
+                <a:sym typeface="Wingdings" panose="05000000000000000000" pitchFamily="2" charset="2"/>
+              </a:rPr>
+              <a:t> </a:t>
+            </a:r>
+            <a:r>
+              <a:rPr lang="de-CH" dirty="0" err="1">
+                <a:sym typeface="Wingdings" panose="05000000000000000000" pitchFamily="2" charset="2"/>
+              </a:rPr>
+              <a:t>mai</a:t>
+            </a:r>
+            <a:r>
+              <a:rPr lang="de-CH" dirty="0">
+                <a:sym typeface="Wingdings" panose="05000000000000000000" pitchFamily="2" charset="2"/>
+              </a:rPr>
+              <a:t> 1. </a:t>
+            </a:r>
+            <a:r>
+              <a:rPr lang="de-CH" dirty="0" err="1">
+                <a:sym typeface="Wingdings" panose="05000000000000000000" pitchFamily="2" charset="2"/>
+              </a:rPr>
+              <a:t>peak</a:t>
+            </a:r>
+            <a:r>
+              <a:rPr lang="de-CH" dirty="0">
+                <a:sym typeface="Wingdings" panose="05000000000000000000" pitchFamily="2" charset="2"/>
+              </a:rPr>
+              <a:t> </a:t>
+            </a:r>
+            <a:r>
+              <a:rPr lang="de-CH" dirty="0" err="1">
+                <a:sym typeface="Wingdings" panose="05000000000000000000" pitchFamily="2" charset="2"/>
+              </a:rPr>
+              <a:t>reached</a:t>
+            </a:r>
+            <a:endParaRPr lang="de-CH" dirty="0">
+              <a:sym typeface="Wingdings" panose="05000000000000000000" pitchFamily="2" charset="2"/>
+            </a:endParaRPr>
+          </a:p>
+          <a:p>
+            <a:r>
+              <a:rPr lang="de-CH" dirty="0" err="1">
+                <a:sym typeface="Wingdings" panose="05000000000000000000" pitchFamily="2" charset="2"/>
+              </a:rPr>
+              <a:t>From</a:t>
+            </a:r>
+            <a:r>
+              <a:rPr lang="de-CH" dirty="0">
+                <a:sym typeface="Wingdings" panose="05000000000000000000" pitchFamily="2" charset="2"/>
+              </a:rPr>
+              <a:t> </a:t>
+            </a:r>
+            <a:r>
+              <a:rPr lang="de-CH" dirty="0" err="1">
+                <a:sym typeface="Wingdings" panose="05000000000000000000" pitchFamily="2" charset="2"/>
+              </a:rPr>
+              <a:t>beginning</a:t>
+            </a:r>
+            <a:r>
+              <a:rPr lang="de-CH" dirty="0">
+                <a:sym typeface="Wingdings" panose="05000000000000000000" pitchFamily="2" charset="2"/>
+              </a:rPr>
+              <a:t> of </a:t>
+            </a:r>
+            <a:r>
+              <a:rPr lang="de-CH" dirty="0" err="1">
+                <a:sym typeface="Wingdings" panose="05000000000000000000" pitchFamily="2" charset="2"/>
+              </a:rPr>
+              <a:t>may</a:t>
+            </a:r>
+            <a:r>
+              <a:rPr lang="de-CH" dirty="0">
+                <a:sym typeface="Wingdings" panose="05000000000000000000" pitchFamily="2" charset="2"/>
+              </a:rPr>
+              <a:t>, </a:t>
+            </a:r>
+            <a:r>
+              <a:rPr lang="de-CH" dirty="0" err="1">
+                <a:sym typeface="Wingdings" panose="05000000000000000000" pitchFamily="2" charset="2"/>
+              </a:rPr>
+              <a:t>sentiment</a:t>
+            </a:r>
+            <a:r>
+              <a:rPr lang="de-CH" dirty="0">
+                <a:sym typeface="Wingdings" panose="05000000000000000000" pitchFamily="2" charset="2"/>
+              </a:rPr>
+              <a:t> </a:t>
+            </a:r>
+            <a:r>
+              <a:rPr lang="de-CH" dirty="0" err="1">
+                <a:sym typeface="Wingdings" panose="05000000000000000000" pitchFamily="2" charset="2"/>
+              </a:rPr>
+              <a:t>starts</a:t>
+            </a:r>
+            <a:r>
+              <a:rPr lang="de-CH" dirty="0">
+                <a:sym typeface="Wingdings" panose="05000000000000000000" pitchFamily="2" charset="2"/>
+              </a:rPr>
+              <a:t> </a:t>
+            </a:r>
+            <a:r>
+              <a:rPr lang="de-CH" dirty="0" err="1">
+                <a:sym typeface="Wingdings" panose="05000000000000000000" pitchFamily="2" charset="2"/>
+              </a:rPr>
+              <a:t>again</a:t>
+            </a:r>
+            <a:endParaRPr lang="de-CH" dirty="0"/>
+          </a:p>
+        </p:txBody>
+      </p:sp>
+      <p:sp>
+        <p:nvSpPr>
+          <p:cNvPr id="4" name="Foliennummernplatzhalter 3"/>
+          <p:cNvSpPr>
+            <a:spLocks noGrp="1"/>
+          </p:cNvSpPr>
+          <p:nvPr>
+            <p:ph type="sldNum" sz="quarter" idx="5"/>
+          </p:nvPr>
+        </p:nvSpPr>
+        <p:spPr/>
+        <p:txBody>
+          <a:bodyPr/>
+          <a:lstStyle/>
+          <a:p>
+            <a:fld id="{AD1EA8BB-FB99-47C5-A111-7E7FEAA7A2DA}" type="slidenum">
+              <a:rPr lang="fr-CH" smtClean="0"/>
+              <a:t>14</a:t>
+            </a:fld>
+            <a:endParaRPr lang="fr-CH"/>
+          </a:p>
+        </p:txBody>
+      </p:sp>
+    </p:spTree>
+    <p:extLst>
+      <p:ext uri="{BB962C8B-B14F-4D97-AF65-F5344CB8AC3E}">
+        <p14:creationId xmlns:p14="http://schemas.microsoft.com/office/powerpoint/2010/main" val="3933820759"/>
       </p:ext>
     </p:extLst>
   </p:cSld>
@@ -7787,7 +8056,7 @@
           </a:ln>
           <a:extLst>
             <a:ext uri="{C572A759-6A51-4108-AA02-DFA0A04FC94B}">
-              <ma14:wrappingTextBoxFlag xmlns="" xmlns:ma14="http://schemas.microsoft.com/office/mac/drawingml/2011/main" val="1"/>
+              <ma14:wrappingTextBoxFlag xmlns:ma14="http://schemas.microsoft.com/office/mac/drawingml/2011/main" xmlns="" val="1"/>
             </a:ext>
           </a:extLst>
         </p:spPr>
@@ -8013,7 +8282,7 @@
             <a:effectLst/>
             <a:extLst>
               <a:ext uri="{C572A759-6A51-4108-AA02-DFA0A04FC94B}">
-                <ma14:wrappingTextBoxFlag xmlns="" xmlns:ma14="http://schemas.microsoft.com/office/mac/drawingml/2011/main" val="1"/>
+                <ma14:wrappingTextBoxFlag xmlns:ma14="http://schemas.microsoft.com/office/mac/drawingml/2011/main" xmlns="" val="1"/>
               </a:ext>
             </a:extLst>
           </p:spPr>
@@ -8064,7 +8333,7 @@
             <a:effectLst/>
             <a:extLst>
               <a:ext uri="{C572A759-6A51-4108-AA02-DFA0A04FC94B}">
-                <ma14:wrappingTextBoxFlag xmlns="" xmlns:ma14="http://schemas.microsoft.com/office/mac/drawingml/2011/main" val="1"/>
+                <ma14:wrappingTextBoxFlag xmlns:ma14="http://schemas.microsoft.com/office/mac/drawingml/2011/main" xmlns="" val="1"/>
               </a:ext>
             </a:extLst>
           </p:spPr>
@@ -8138,7 +8407,7 @@
             <a:effectLst/>
             <a:extLst>
               <a:ext uri="{C572A759-6A51-4108-AA02-DFA0A04FC94B}">
-                <ma14:wrappingTextBoxFlag xmlns="" xmlns:ma14="http://schemas.microsoft.com/office/mac/drawingml/2011/main" val="1"/>
+                <ma14:wrappingTextBoxFlag xmlns:ma14="http://schemas.microsoft.com/office/mac/drawingml/2011/main" xmlns="" val="1"/>
               </a:ext>
             </a:extLst>
           </p:spPr>
@@ -8318,7 +8587,7 @@
             <a:effectLst/>
             <a:extLst>
               <a:ext uri="{C572A759-6A51-4108-AA02-DFA0A04FC94B}">
-                <ma14:wrappingTextBoxFlag xmlns="" xmlns:ma14="http://schemas.microsoft.com/office/mac/drawingml/2011/main" val="1"/>
+                <ma14:wrappingTextBoxFlag xmlns:ma14="http://schemas.microsoft.com/office/mac/drawingml/2011/main" xmlns="" val="1"/>
               </a:ext>
             </a:extLst>
           </p:spPr>
@@ -8368,7 +8637,7 @@
             <a:effectLst/>
             <a:extLst>
               <a:ext uri="{C572A759-6A51-4108-AA02-DFA0A04FC94B}">
-                <ma14:wrappingTextBoxFlag xmlns="" xmlns:ma14="http://schemas.microsoft.com/office/mac/drawingml/2011/main" val="1"/>
+                <ma14:wrappingTextBoxFlag xmlns:ma14="http://schemas.microsoft.com/office/mac/drawingml/2011/main" xmlns="" val="1"/>
               </a:ext>
             </a:extLst>
           </p:spPr>
@@ -8418,7 +8687,7 @@
             <a:effectLst/>
             <a:extLst>
               <a:ext uri="{C572A759-6A51-4108-AA02-DFA0A04FC94B}">
-                <ma14:wrappingTextBoxFlag xmlns="" xmlns:ma14="http://schemas.microsoft.com/office/mac/drawingml/2011/main" val="1"/>
+                <ma14:wrappingTextBoxFlag xmlns:ma14="http://schemas.microsoft.com/office/mac/drawingml/2011/main" xmlns="" val="1"/>
               </a:ext>
             </a:extLst>
           </p:spPr>
@@ -8730,7 +8999,7 @@
             <a:effectLst/>
             <a:extLst>
               <a:ext uri="{C572A759-6A51-4108-AA02-DFA0A04FC94B}">
-                <ma14:wrappingTextBoxFlag xmlns="" xmlns:ma14="http://schemas.microsoft.com/office/mac/drawingml/2011/main" val="1"/>
+                <ma14:wrappingTextBoxFlag xmlns:ma14="http://schemas.microsoft.com/office/mac/drawingml/2011/main" xmlns="" val="1"/>
               </a:ext>
             </a:extLst>
           </p:spPr>
@@ -8780,7 +9049,7 @@
             <a:effectLst/>
             <a:extLst>
               <a:ext uri="{C572A759-6A51-4108-AA02-DFA0A04FC94B}">
-                <ma14:wrappingTextBoxFlag xmlns="" xmlns:ma14="http://schemas.microsoft.com/office/mac/drawingml/2011/main" val="1"/>
+                <ma14:wrappingTextBoxFlag xmlns:ma14="http://schemas.microsoft.com/office/mac/drawingml/2011/main" xmlns="" val="1"/>
               </a:ext>
             </a:extLst>
           </p:spPr>
@@ -8834,7 +9103,7 @@
             <a:effectLst/>
             <a:extLst>
               <a:ext uri="{C572A759-6A51-4108-AA02-DFA0A04FC94B}">
-                <ma14:wrappingTextBoxFlag xmlns="" xmlns:ma14="http://schemas.microsoft.com/office/mac/drawingml/2011/main" val="1"/>
+                <ma14:wrappingTextBoxFlag xmlns:ma14="http://schemas.microsoft.com/office/mac/drawingml/2011/main" xmlns="" val="1"/>
               </a:ext>
             </a:extLst>
           </p:spPr>
@@ -9081,7 +9350,7 @@
             <a:effectLst/>
             <a:extLst>
               <a:ext uri="{C572A759-6A51-4108-AA02-DFA0A04FC94B}">
-                <ma14:wrappingTextBoxFlag xmlns="" xmlns:ma14="http://schemas.microsoft.com/office/mac/drawingml/2011/main" val="1"/>
+                <ma14:wrappingTextBoxFlag xmlns:ma14="http://schemas.microsoft.com/office/mac/drawingml/2011/main" xmlns="" val="1"/>
               </a:ext>
             </a:extLst>
           </p:spPr>
@@ -9136,7 +9405,7 @@
             <a:effectLst/>
             <a:extLst>
               <a:ext uri="{C572A759-6A51-4108-AA02-DFA0A04FC94B}">
-                <ma14:wrappingTextBoxFlag xmlns="" xmlns:ma14="http://schemas.microsoft.com/office/mac/drawingml/2011/main" val="1"/>
+                <ma14:wrappingTextBoxFlag xmlns:ma14="http://schemas.microsoft.com/office/mac/drawingml/2011/main" xmlns="" val="1"/>
               </a:ext>
             </a:extLst>
           </p:spPr>
@@ -9180,13 +9449,17 @@
             </a:prstGeom>
             <a:noFill/>
             <a:ln w="12700" cap="flat">
-              <a:noFill/>
+              <a:solidFill>
+                <a:schemeClr val="bg1">
+                  <a:lumMod val="50000"/>
+                </a:schemeClr>
+              </a:solidFill>
               <a:miter lim="400000"/>
             </a:ln>
             <a:effectLst/>
             <a:extLst>
               <a:ext uri="{C572A759-6A51-4108-AA02-DFA0A04FC94B}">
-                <ma14:wrappingTextBoxFlag xmlns="" xmlns:ma14="http://schemas.microsoft.com/office/mac/drawingml/2011/main" val="1"/>
+                <ma14:wrappingTextBoxFlag xmlns:ma14="http://schemas.microsoft.com/office/mac/drawingml/2011/main" xmlns="" val="1"/>
               </a:ext>
             </a:extLst>
           </p:spPr>
@@ -9343,8 +9616,8 @@
         </p:blipFill>
         <p:spPr>
           <a:xfrm>
-            <a:off x="5181599" y="865341"/>
-            <a:ext cx="6834397" cy="2187007"/>
+            <a:off x="7709941" y="1717863"/>
+            <a:ext cx="4293542" cy="1319043"/>
           </a:xfrm>
           <a:prstGeom prst="rect">
             <a:avLst/>
@@ -9379,8 +9652,8 @@
         </p:blipFill>
         <p:spPr>
           <a:xfrm>
-            <a:off x="5181600" y="2658716"/>
-            <a:ext cx="6834397" cy="2187007"/>
+            <a:off x="5181600" y="3313117"/>
+            <a:ext cx="6834397" cy="1319042"/>
           </a:xfrm>
           <a:prstGeom prst="rect">
             <a:avLst/>
@@ -9415,8 +9688,8 @@
         </p:blipFill>
         <p:spPr>
           <a:xfrm>
-            <a:off x="5150746" y="4670993"/>
-            <a:ext cx="6834397" cy="2187007"/>
+            <a:off x="5169086" y="4908369"/>
+            <a:ext cx="6834397" cy="1319042"/>
           </a:xfrm>
           <a:prstGeom prst="rect">
             <a:avLst/>
@@ -9475,7 +9748,7 @@
         </p:blipFill>
         <p:spPr>
           <a:xfrm>
-            <a:off x="-7018426" y="1150569"/>
+            <a:off x="-3070121" y="1249071"/>
             <a:ext cx="1740271" cy="2187008"/>
           </a:xfrm>
           <a:prstGeom prst="rect">
@@ -9505,8 +9778,8 @@
         </p:blipFill>
         <p:spPr>
           <a:xfrm>
-            <a:off x="-9962656" y="1842701"/>
-            <a:ext cx="2384810" cy="696686"/>
+            <a:off x="-6830857" y="1682144"/>
+            <a:ext cx="3316181" cy="968772"/>
           </a:xfrm>
           <a:prstGeom prst="rect">
             <a:avLst/>
@@ -9625,8 +9898,8 @@
         </p:blipFill>
         <p:spPr>
           <a:xfrm>
-            <a:off x="-4372217" y="829600"/>
-            <a:ext cx="3793662" cy="2483517"/>
+            <a:off x="-8949118" y="1612969"/>
+            <a:ext cx="1520453" cy="995363"/>
           </a:xfrm>
           <a:prstGeom prst="rect">
             <a:avLst/>
@@ -9753,6 +10026,580 @@
           </a:prstGeom>
         </p:spPr>
       </p:pic>
+      <p:pic>
+        <p:nvPicPr>
+          <p:cNvPr id="18" name="Grafik 17">
+            <a:extLst>
+              <a:ext uri="{FF2B5EF4-FFF2-40B4-BE49-F238E27FC236}">
+                <a16:creationId xmlns:a16="http://schemas.microsoft.com/office/drawing/2014/main" id="{11541B44-93CF-49FE-B362-E6A61BA5B8C7}"/>
+              </a:ext>
+            </a:extLst>
+          </p:cNvPr>
+          <p:cNvPicPr>
+            <a:picLocks noChangeAspect="1"/>
+          </p:cNvPicPr>
+          <p:nvPr/>
+        </p:nvPicPr>
+        <p:blipFill>
+          <a:blip r:embed="rId18"/>
+          <a:stretch>
+            <a:fillRect/>
+          </a:stretch>
+        </p:blipFill>
+        <p:spPr>
+          <a:xfrm>
+            <a:off x="12631706" y="500732"/>
+            <a:ext cx="4210968" cy="2550225"/>
+          </a:xfrm>
+          <a:prstGeom prst="rect">
+            <a:avLst/>
+          </a:prstGeom>
+        </p:spPr>
+      </p:pic>
+      <p:pic>
+        <p:nvPicPr>
+          <p:cNvPr id="19" name="Grafik 18">
+            <a:extLst>
+              <a:ext uri="{FF2B5EF4-FFF2-40B4-BE49-F238E27FC236}">
+                <a16:creationId xmlns:a16="http://schemas.microsoft.com/office/drawing/2014/main" id="{B6D9A774-F2CF-4C53-BEA2-F926937A361F}"/>
+              </a:ext>
+            </a:extLst>
+          </p:cNvPr>
+          <p:cNvPicPr>
+            <a:picLocks noChangeAspect="1"/>
+          </p:cNvPicPr>
+          <p:nvPr/>
+        </p:nvPicPr>
+        <p:blipFill>
+          <a:blip r:embed="rId19"/>
+          <a:stretch>
+            <a:fillRect/>
+          </a:stretch>
+        </p:blipFill>
+        <p:spPr>
+          <a:xfrm>
+            <a:off x="12631706" y="3317645"/>
+            <a:ext cx="4615148" cy="2929451"/>
+          </a:xfrm>
+          <a:prstGeom prst="rect">
+            <a:avLst/>
+          </a:prstGeom>
+        </p:spPr>
+      </p:pic>
+      <p:pic>
+        <p:nvPicPr>
+          <p:cNvPr id="24" name="Image 11" descr="Une image contenant table&#10;&#10;Description générée automatiquement">
+            <a:extLst>
+              <a:ext uri="{FF2B5EF4-FFF2-40B4-BE49-F238E27FC236}">
+                <a16:creationId xmlns:a16="http://schemas.microsoft.com/office/drawing/2014/main" id="{D187642D-BA73-407B-B145-783A98CF6096}"/>
+              </a:ext>
+            </a:extLst>
+          </p:cNvPr>
+          <p:cNvPicPr>
+            <a:picLocks noChangeAspect="1"/>
+          </p:cNvPicPr>
+          <p:nvPr/>
+        </p:nvPicPr>
+        <p:blipFill>
+          <a:blip r:embed="rId20">
+            <a:extLst>
+              <a:ext uri="{28A0092B-C50C-407E-A947-70E740481C1C}">
+                <a14:useLocalDpi xmlns:a14="http://schemas.microsoft.com/office/drawing/2010/main" val="0"/>
+              </a:ext>
+            </a:extLst>
+          </a:blip>
+          <a:stretch>
+            <a:fillRect/>
+          </a:stretch>
+        </p:blipFill>
+        <p:spPr>
+          <a:xfrm>
+            <a:off x="12631706" y="7160752"/>
+            <a:ext cx="7346167" cy="2350774"/>
+          </a:xfrm>
+          <a:prstGeom prst="rect">
+            <a:avLst/>
+          </a:prstGeom>
+        </p:spPr>
+      </p:pic>
+      <p:cxnSp>
+        <p:nvCxnSpPr>
+          <p:cNvPr id="21" name="Gerader Verbinder 20">
+            <a:extLst>
+              <a:ext uri="{FF2B5EF4-FFF2-40B4-BE49-F238E27FC236}">
+                <a16:creationId xmlns:a16="http://schemas.microsoft.com/office/drawing/2014/main" id="{35BE5188-8948-42A0-8A5E-71E975B43BB6}"/>
+              </a:ext>
+            </a:extLst>
+          </p:cNvPr>
+          <p:cNvCxnSpPr>
+            <a:cxnSpLocks/>
+          </p:cNvCxnSpPr>
+          <p:nvPr/>
+        </p:nvCxnSpPr>
+        <p:spPr>
+          <a:xfrm>
+            <a:off x="6452558" y="997466"/>
+            <a:ext cx="0" cy="5455092"/>
+          </a:xfrm>
+          <a:prstGeom prst="line">
+            <a:avLst/>
+          </a:prstGeom>
+          <a:ln w="38100"/>
+        </p:spPr>
+        <p:style>
+          <a:lnRef idx="1">
+            <a:schemeClr val="accent1"/>
+          </a:lnRef>
+          <a:fillRef idx="0">
+            <a:schemeClr val="accent1"/>
+          </a:fillRef>
+          <a:effectRef idx="0">
+            <a:schemeClr val="accent1"/>
+          </a:effectRef>
+          <a:fontRef idx="minor">
+            <a:schemeClr val="tx1"/>
+          </a:fontRef>
+        </p:style>
+      </p:cxnSp>
+      <p:sp>
+        <p:nvSpPr>
+          <p:cNvPr id="23" name="Rechteck: abgerundete Ecken 22">
+            <a:extLst>
+              <a:ext uri="{FF2B5EF4-FFF2-40B4-BE49-F238E27FC236}">
+                <a16:creationId xmlns:a16="http://schemas.microsoft.com/office/drawing/2014/main" id="{313C2FDF-A815-41A1-9363-7C870E34B5AA}"/>
+              </a:ext>
+            </a:extLst>
+          </p:cNvPr>
+          <p:cNvSpPr/>
+          <p:nvPr/>
+        </p:nvSpPr>
+        <p:spPr>
+          <a:xfrm>
+            <a:off x="5318338" y="694065"/>
+            <a:ext cx="1789828" cy="730783"/>
+          </a:xfrm>
+          <a:prstGeom prst="roundRect">
+            <a:avLst/>
+          </a:prstGeom>
+        </p:spPr>
+        <p:style>
+          <a:lnRef idx="2">
+            <a:schemeClr val="accent1">
+              <a:shade val="50000"/>
+            </a:schemeClr>
+          </a:lnRef>
+          <a:fillRef idx="1">
+            <a:schemeClr val="accent1"/>
+          </a:fillRef>
+          <a:effectRef idx="0">
+            <a:schemeClr val="accent1"/>
+          </a:effectRef>
+          <a:fontRef idx="minor">
+            <a:schemeClr val="lt1"/>
+          </a:fontRef>
+        </p:style>
+        <p:txBody>
+          <a:bodyPr rtlCol="0" anchor="ctr"/>
+          <a:lstStyle/>
+          <a:p>
+            <a:pPr algn="ctr"/>
+            <a:r>
+              <a:rPr lang="de-CH" dirty="0"/>
+              <a:t>First </a:t>
+            </a:r>
+            <a:r>
+              <a:rPr lang="de-CH" dirty="0" err="1"/>
+              <a:t>case</a:t>
+            </a:r>
+            <a:r>
+              <a:rPr lang="de-CH" dirty="0"/>
+              <a:t> </a:t>
+            </a:r>
+            <a:r>
+              <a:rPr lang="de-CH" dirty="0" err="1"/>
+              <a:t>confirmed</a:t>
+            </a:r>
+            <a:r>
+              <a:rPr lang="de-CH" dirty="0"/>
+              <a:t> (31. </a:t>
+            </a:r>
+            <a:r>
+              <a:rPr lang="de-CH" dirty="0" err="1"/>
+              <a:t>januar</a:t>
+            </a:r>
+            <a:r>
+              <a:rPr lang="de-CH" dirty="0"/>
+              <a:t>)</a:t>
+            </a:r>
+          </a:p>
+        </p:txBody>
+      </p:sp>
+      <p:cxnSp>
+        <p:nvCxnSpPr>
+          <p:cNvPr id="29" name="Gerader Verbinder 28">
+            <a:extLst>
+              <a:ext uri="{FF2B5EF4-FFF2-40B4-BE49-F238E27FC236}">
+                <a16:creationId xmlns:a16="http://schemas.microsoft.com/office/drawing/2014/main" id="{5B91D6F7-B8F5-48C6-A07F-6AFE45A376D1}"/>
+              </a:ext>
+            </a:extLst>
+          </p:cNvPr>
+          <p:cNvCxnSpPr>
+            <a:cxnSpLocks/>
+          </p:cNvCxnSpPr>
+          <p:nvPr/>
+        </p:nvCxnSpPr>
+        <p:spPr>
+          <a:xfrm>
+            <a:off x="7948499" y="997466"/>
+            <a:ext cx="0" cy="5455092"/>
+          </a:xfrm>
+          <a:prstGeom prst="line">
+            <a:avLst/>
+          </a:prstGeom>
+          <a:ln w="38100"/>
+        </p:spPr>
+        <p:style>
+          <a:lnRef idx="1">
+            <a:schemeClr val="accent1"/>
+          </a:lnRef>
+          <a:fillRef idx="0">
+            <a:schemeClr val="accent1"/>
+          </a:fillRef>
+          <a:effectRef idx="0">
+            <a:schemeClr val="accent1"/>
+          </a:effectRef>
+          <a:fontRef idx="minor">
+            <a:schemeClr val="tx1"/>
+          </a:fontRef>
+        </p:style>
+      </p:cxnSp>
+      <p:sp>
+        <p:nvSpPr>
+          <p:cNvPr id="30" name="Rechteck: abgerundete Ecken 29">
+            <a:extLst>
+              <a:ext uri="{FF2B5EF4-FFF2-40B4-BE49-F238E27FC236}">
+                <a16:creationId xmlns:a16="http://schemas.microsoft.com/office/drawing/2014/main" id="{03A572A4-E959-4D4F-A8B1-87311A91D5E3}"/>
+              </a:ext>
+            </a:extLst>
+          </p:cNvPr>
+          <p:cNvSpPr/>
+          <p:nvPr/>
+        </p:nvSpPr>
+        <p:spPr>
+          <a:xfrm>
+            <a:off x="6639127" y="694065"/>
+            <a:ext cx="2409862" cy="730783"/>
+          </a:xfrm>
+          <a:prstGeom prst="roundRect">
+            <a:avLst/>
+          </a:prstGeom>
+        </p:spPr>
+        <p:style>
+          <a:lnRef idx="2">
+            <a:schemeClr val="accent1">
+              <a:shade val="50000"/>
+            </a:schemeClr>
+          </a:lnRef>
+          <a:fillRef idx="1">
+            <a:schemeClr val="accent1"/>
+          </a:fillRef>
+          <a:effectRef idx="0">
+            <a:schemeClr val="accent1"/>
+          </a:effectRef>
+          <a:fontRef idx="minor">
+            <a:schemeClr val="lt1"/>
+          </a:fontRef>
+        </p:style>
+        <p:txBody>
+          <a:bodyPr rtlCol="0" anchor="ctr"/>
+          <a:lstStyle/>
+          <a:p>
+            <a:pPr algn="ctr"/>
+            <a:r>
+              <a:rPr lang="en-US" b="1" dirty="0"/>
+              <a:t>advising UK nationals against all but essential international travel (17. March)</a:t>
+            </a:r>
+            <a:endParaRPr lang="de-CH" dirty="0"/>
+          </a:p>
+        </p:txBody>
+      </p:sp>
+      <p:cxnSp>
+        <p:nvCxnSpPr>
+          <p:cNvPr id="31" name="Gerader Verbinder 30">
+            <a:extLst>
+              <a:ext uri="{FF2B5EF4-FFF2-40B4-BE49-F238E27FC236}">
+                <a16:creationId xmlns:a16="http://schemas.microsoft.com/office/drawing/2014/main" id="{27829327-3D2F-4DE2-899C-27D09C1312B2}"/>
+              </a:ext>
+            </a:extLst>
+          </p:cNvPr>
+          <p:cNvCxnSpPr>
+            <a:cxnSpLocks/>
+          </p:cNvCxnSpPr>
+          <p:nvPr/>
+        </p:nvCxnSpPr>
+        <p:spPr>
+          <a:xfrm>
+            <a:off x="9444440" y="1100508"/>
+            <a:ext cx="0" cy="5455092"/>
+          </a:xfrm>
+          <a:prstGeom prst="line">
+            <a:avLst/>
+          </a:prstGeom>
+          <a:ln w="38100"/>
+        </p:spPr>
+        <p:style>
+          <a:lnRef idx="1">
+            <a:schemeClr val="accent1"/>
+          </a:lnRef>
+          <a:fillRef idx="0">
+            <a:schemeClr val="accent1"/>
+          </a:fillRef>
+          <a:effectRef idx="0">
+            <a:schemeClr val="accent1"/>
+          </a:effectRef>
+          <a:fontRef idx="minor">
+            <a:schemeClr val="tx1"/>
+          </a:fontRef>
+        </p:style>
+      </p:cxnSp>
+      <p:sp>
+        <p:nvSpPr>
+          <p:cNvPr id="32" name="Rechteck: abgerundete Ecken 31">
+            <a:extLst>
+              <a:ext uri="{FF2B5EF4-FFF2-40B4-BE49-F238E27FC236}">
+                <a16:creationId xmlns:a16="http://schemas.microsoft.com/office/drawing/2014/main" id="{1C9D8BFC-2887-4855-937C-33C187CC2D7E}"/>
+              </a:ext>
+            </a:extLst>
+          </p:cNvPr>
+          <p:cNvSpPr/>
+          <p:nvPr/>
+        </p:nvSpPr>
+        <p:spPr>
+          <a:xfrm>
+            <a:off x="8788832" y="797107"/>
+            <a:ext cx="1756097" cy="730783"/>
+          </a:xfrm>
+          <a:prstGeom prst="roundRect">
+            <a:avLst/>
+          </a:prstGeom>
+        </p:spPr>
+        <p:style>
+          <a:lnRef idx="2">
+            <a:schemeClr val="accent1">
+              <a:shade val="50000"/>
+            </a:schemeClr>
+          </a:lnRef>
+          <a:fillRef idx="1">
+            <a:schemeClr val="accent1"/>
+          </a:fillRef>
+          <a:effectRef idx="0">
+            <a:schemeClr val="accent1"/>
+          </a:effectRef>
+          <a:fontRef idx="minor">
+            <a:schemeClr val="lt1"/>
+          </a:fontRef>
+        </p:style>
+        <p:txBody>
+          <a:bodyPr rtlCol="0" anchor="ctr"/>
+          <a:lstStyle/>
+          <a:p>
+            <a:pPr algn="ctr"/>
+            <a:r>
+              <a:rPr lang="de-CH" dirty="0"/>
+              <a:t>WHO: </a:t>
+            </a:r>
+            <a:r>
+              <a:rPr lang="de-CH" dirty="0" err="1"/>
+              <a:t>Pandemic</a:t>
+            </a:r>
+            <a:r>
+              <a:rPr lang="de-CH" dirty="0"/>
+              <a:t> March 11</a:t>
+            </a:r>
+          </a:p>
+        </p:txBody>
+      </p:sp>
+      <p:cxnSp>
+        <p:nvCxnSpPr>
+          <p:cNvPr id="35" name="Gerader Verbinder 34">
+            <a:extLst>
+              <a:ext uri="{FF2B5EF4-FFF2-40B4-BE49-F238E27FC236}">
+                <a16:creationId xmlns:a16="http://schemas.microsoft.com/office/drawing/2014/main" id="{07F7B5E0-2F09-4E15-99FA-B67B3E6A3130}"/>
+              </a:ext>
+            </a:extLst>
+          </p:cNvPr>
+          <p:cNvCxnSpPr>
+            <a:cxnSpLocks/>
+          </p:cNvCxnSpPr>
+          <p:nvPr/>
+        </p:nvCxnSpPr>
+        <p:spPr>
+          <a:xfrm>
+            <a:off x="10987549" y="1014270"/>
+            <a:ext cx="0" cy="5455092"/>
+          </a:xfrm>
+          <a:prstGeom prst="line">
+            <a:avLst/>
+          </a:prstGeom>
+          <a:ln w="38100"/>
+        </p:spPr>
+        <p:style>
+          <a:lnRef idx="1">
+            <a:schemeClr val="accent1"/>
+          </a:lnRef>
+          <a:fillRef idx="0">
+            <a:schemeClr val="accent1"/>
+          </a:fillRef>
+          <a:effectRef idx="0">
+            <a:schemeClr val="accent1"/>
+          </a:effectRef>
+          <a:fontRef idx="minor">
+            <a:schemeClr val="tx1"/>
+          </a:fontRef>
+        </p:style>
+      </p:cxnSp>
+      <p:sp>
+        <p:nvSpPr>
+          <p:cNvPr id="36" name="Rechteck: abgerundete Ecken 35">
+            <a:extLst>
+              <a:ext uri="{FF2B5EF4-FFF2-40B4-BE49-F238E27FC236}">
+                <a16:creationId xmlns:a16="http://schemas.microsoft.com/office/drawing/2014/main" id="{D945ECAA-9FED-4CDD-B114-C699F07782EF}"/>
+              </a:ext>
+            </a:extLst>
+          </p:cNvPr>
+          <p:cNvSpPr/>
+          <p:nvPr/>
+        </p:nvSpPr>
+        <p:spPr>
+          <a:xfrm>
+            <a:off x="10331941" y="710869"/>
+            <a:ext cx="1359316" cy="730783"/>
+          </a:xfrm>
+          <a:prstGeom prst="roundRect">
+            <a:avLst/>
+          </a:prstGeom>
+        </p:spPr>
+        <p:style>
+          <a:lnRef idx="2">
+            <a:schemeClr val="accent1">
+              <a:shade val="50000"/>
+            </a:schemeClr>
+          </a:lnRef>
+          <a:fillRef idx="1">
+            <a:schemeClr val="accent1"/>
+          </a:fillRef>
+          <a:effectRef idx="0">
+            <a:schemeClr val="accent1"/>
+          </a:effectRef>
+          <a:fontRef idx="minor">
+            <a:schemeClr val="lt1"/>
+          </a:fontRef>
+        </p:style>
+        <p:txBody>
+          <a:bodyPr rtlCol="0" anchor="ctr"/>
+          <a:lstStyle/>
+          <a:p>
+            <a:pPr algn="ctr"/>
+            <a:r>
+              <a:rPr lang="de-CH" dirty="0"/>
+              <a:t>23. March Lock down</a:t>
+            </a:r>
+          </a:p>
+        </p:txBody>
+      </p:sp>
+      <p:cxnSp>
+        <p:nvCxnSpPr>
+          <p:cNvPr id="37" name="Gerader Verbinder 36">
+            <a:extLst>
+              <a:ext uri="{FF2B5EF4-FFF2-40B4-BE49-F238E27FC236}">
+                <a16:creationId xmlns:a16="http://schemas.microsoft.com/office/drawing/2014/main" id="{886D6F43-AF7A-46F7-A696-388F1C890EB5}"/>
+              </a:ext>
+            </a:extLst>
+          </p:cNvPr>
+          <p:cNvCxnSpPr>
+            <a:cxnSpLocks/>
+          </p:cNvCxnSpPr>
+          <p:nvPr/>
+        </p:nvCxnSpPr>
+        <p:spPr>
+          <a:xfrm>
+            <a:off x="7187669" y="2105535"/>
+            <a:ext cx="0" cy="4347023"/>
+          </a:xfrm>
+          <a:prstGeom prst="line">
+            <a:avLst/>
+          </a:prstGeom>
+          <a:ln w="38100"/>
+        </p:spPr>
+        <p:style>
+          <a:lnRef idx="1">
+            <a:schemeClr val="accent1"/>
+          </a:lnRef>
+          <a:fillRef idx="0">
+            <a:schemeClr val="accent1"/>
+          </a:fillRef>
+          <a:effectRef idx="0">
+            <a:schemeClr val="accent1"/>
+          </a:effectRef>
+          <a:fontRef idx="minor">
+            <a:schemeClr val="tx1"/>
+          </a:fontRef>
+        </p:style>
+      </p:cxnSp>
+      <p:sp>
+        <p:nvSpPr>
+          <p:cNvPr id="38" name="Rechteck: abgerundete Ecken 37">
+            <a:extLst>
+              <a:ext uri="{FF2B5EF4-FFF2-40B4-BE49-F238E27FC236}">
+                <a16:creationId xmlns:a16="http://schemas.microsoft.com/office/drawing/2014/main" id="{E216B514-5F59-41B8-8B1A-9810B6E968AB}"/>
+              </a:ext>
+            </a:extLst>
+          </p:cNvPr>
+          <p:cNvSpPr/>
+          <p:nvPr/>
+        </p:nvSpPr>
+        <p:spPr>
+          <a:xfrm>
+            <a:off x="6532061" y="1802134"/>
+            <a:ext cx="1311215" cy="730783"/>
+          </a:xfrm>
+          <a:prstGeom prst="roundRect">
+            <a:avLst/>
+          </a:prstGeom>
+        </p:spPr>
+        <p:style>
+          <a:lnRef idx="2">
+            <a:schemeClr val="accent1">
+              <a:shade val="50000"/>
+            </a:schemeClr>
+          </a:lnRef>
+          <a:fillRef idx="1">
+            <a:schemeClr val="accent1"/>
+          </a:fillRef>
+          <a:effectRef idx="0">
+            <a:schemeClr val="accent1"/>
+          </a:effectRef>
+          <a:fontRef idx="minor">
+            <a:schemeClr val="lt1"/>
+          </a:fontRef>
+        </p:style>
+        <p:txBody>
+          <a:bodyPr rtlCol="0" anchor="ctr"/>
+          <a:lstStyle/>
+          <a:p>
+            <a:pPr algn="ctr"/>
+            <a:r>
+              <a:rPr lang="de-CH" dirty="0"/>
+              <a:t>Social </a:t>
+            </a:r>
+            <a:r>
+              <a:rPr lang="de-CH" dirty="0" err="1"/>
+              <a:t>distancing</a:t>
+            </a:r>
+            <a:endParaRPr lang="de-CH" dirty="0"/>
+          </a:p>
+        </p:txBody>
+      </p:sp>
     </p:spTree>
     <p:extLst>
       <p:ext uri="{BB962C8B-B14F-4D97-AF65-F5344CB8AC3E}">
@@ -9831,7 +10678,7 @@
             <a:effectLst/>
             <a:extLst>
               <a:ext uri="{C572A759-6A51-4108-AA02-DFA0A04FC94B}">
-                <ma14:wrappingTextBoxFlag xmlns="" xmlns:ma14="http://schemas.microsoft.com/office/mac/drawingml/2011/main" val="1"/>
+                <ma14:wrappingTextBoxFlag xmlns:ma14="http://schemas.microsoft.com/office/mac/drawingml/2011/main" xmlns="" val="1"/>
               </a:ext>
             </a:extLst>
           </p:spPr>
@@ -9886,7 +10733,7 @@
             <a:effectLst/>
             <a:extLst>
               <a:ext uri="{C572A759-6A51-4108-AA02-DFA0A04FC94B}">
-                <ma14:wrappingTextBoxFlag xmlns="" xmlns:ma14="http://schemas.microsoft.com/office/mac/drawingml/2011/main" val="1"/>
+                <ma14:wrappingTextBoxFlag xmlns:ma14="http://schemas.microsoft.com/office/mac/drawingml/2011/main" xmlns="" val="1"/>
               </a:ext>
             </a:extLst>
           </p:spPr>
@@ -9940,7 +10787,7 @@
             <a:effectLst/>
             <a:extLst>
               <a:ext uri="{C572A759-6A51-4108-AA02-DFA0A04FC94B}">
-                <ma14:wrappingTextBoxFlag xmlns="" xmlns:ma14="http://schemas.microsoft.com/office/mac/drawingml/2011/main" val="1"/>
+                <ma14:wrappingTextBoxFlag xmlns:ma14="http://schemas.microsoft.com/office/mac/drawingml/2011/main" xmlns="" val="1"/>
               </a:ext>
             </a:extLst>
           </p:spPr>
@@ -10017,7 +10864,7 @@
           <p:nvPr/>
         </p:nvPicPr>
         <p:blipFill>
-          <a:blip r:embed="rId2">
+          <a:blip r:embed="rId3">
             <a:extLst>
               <a:ext uri="{28A0092B-C50C-407E-A947-70E740481C1C}">
                 <a14:useLocalDpi xmlns:a14="http://schemas.microsoft.com/office/drawing/2010/main" val="0"/>
@@ -10053,7 +10900,7 @@
           <p:nvPr/>
         </p:nvPicPr>
         <p:blipFill>
-          <a:blip r:embed="rId3">
+          <a:blip r:embed="rId4">
             <a:extLst>
               <a:ext uri="{28A0092B-C50C-407E-A947-70E740481C1C}">
                 <a14:useLocalDpi xmlns:a14="http://schemas.microsoft.com/office/drawing/2010/main" val="0"/>
@@ -10089,7 +10936,7 @@
           <p:nvPr/>
         </p:nvPicPr>
         <p:blipFill rotWithShape="1">
-          <a:blip r:embed="rId4">
+          <a:blip r:embed="rId5">
             <a:extLst>
               <a:ext uri="{28A0092B-C50C-407E-A947-70E740481C1C}">
                 <a14:useLocalDpi xmlns:a14="http://schemas.microsoft.com/office/drawing/2010/main" val="0"/>
@@ -10187,7 +11034,7 @@
             <a:effectLst/>
             <a:extLst>
               <a:ext uri="{C572A759-6A51-4108-AA02-DFA0A04FC94B}">
-                <ma14:wrappingTextBoxFlag xmlns="" xmlns:ma14="http://schemas.microsoft.com/office/mac/drawingml/2011/main" val="1"/>
+                <ma14:wrappingTextBoxFlag xmlns:ma14="http://schemas.microsoft.com/office/mac/drawingml/2011/main" xmlns="" val="1"/>
               </a:ext>
             </a:extLst>
           </p:spPr>
@@ -10238,7 +11085,7 @@
             <a:effectLst/>
             <a:extLst>
               <a:ext uri="{C572A759-6A51-4108-AA02-DFA0A04FC94B}">
-                <ma14:wrappingTextBoxFlag xmlns="" xmlns:ma14="http://schemas.microsoft.com/office/mac/drawingml/2011/main" val="1"/>
+                <ma14:wrappingTextBoxFlag xmlns:ma14="http://schemas.microsoft.com/office/mac/drawingml/2011/main" xmlns="" val="1"/>
               </a:ext>
             </a:extLst>
           </p:spPr>
@@ -10288,7 +11135,7 @@
             <a:effectLst/>
             <a:extLst>
               <a:ext uri="{C572A759-6A51-4108-AA02-DFA0A04FC94B}">
-                <ma14:wrappingTextBoxFlag xmlns="" xmlns:ma14="http://schemas.microsoft.com/office/mac/drawingml/2011/main" val="1"/>
+                <ma14:wrappingTextBoxFlag xmlns:ma14="http://schemas.microsoft.com/office/mac/drawingml/2011/main" xmlns="" val="1"/>
               </a:ext>
             </a:extLst>
           </p:spPr>
@@ -10447,7 +11294,7 @@
             <a:effectLst/>
             <a:extLst>
               <a:ext uri="{C572A759-6A51-4108-AA02-DFA0A04FC94B}">
-                <ma14:wrappingTextBoxFlag xmlns="" xmlns:ma14="http://schemas.microsoft.com/office/mac/drawingml/2011/main" val="1"/>
+                <ma14:wrappingTextBoxFlag xmlns:ma14="http://schemas.microsoft.com/office/mac/drawingml/2011/main" xmlns="" val="1"/>
               </a:ext>
             </a:extLst>
           </p:spPr>
@@ -10497,7 +11344,7 @@
             <a:effectLst/>
             <a:extLst>
               <a:ext uri="{C572A759-6A51-4108-AA02-DFA0A04FC94B}">
-                <ma14:wrappingTextBoxFlag xmlns="" xmlns:ma14="http://schemas.microsoft.com/office/mac/drawingml/2011/main" val="1"/>
+                <ma14:wrappingTextBoxFlag xmlns:ma14="http://schemas.microsoft.com/office/mac/drawingml/2011/main" xmlns="" val="1"/>
               </a:ext>
             </a:extLst>
           </p:spPr>
@@ -10551,7 +11398,7 @@
             <a:effectLst/>
             <a:extLst>
               <a:ext uri="{C572A759-6A51-4108-AA02-DFA0A04FC94B}">
-                <ma14:wrappingTextBoxFlag xmlns="" xmlns:ma14="http://schemas.microsoft.com/office/mac/drawingml/2011/main" val="1"/>
+                <ma14:wrappingTextBoxFlag xmlns:ma14="http://schemas.microsoft.com/office/mac/drawingml/2011/main" xmlns="" val="1"/>
               </a:ext>
             </a:extLst>
           </p:spPr>
@@ -10727,7 +11574,7 @@
             <a:effectLst/>
             <a:extLst>
               <a:ext uri="{C572A759-6A51-4108-AA02-DFA0A04FC94B}">
-                <ma14:wrappingTextBoxFlag xmlns="" xmlns:ma14="http://schemas.microsoft.com/office/mac/drawingml/2011/main" val="1"/>
+                <ma14:wrappingTextBoxFlag xmlns:ma14="http://schemas.microsoft.com/office/mac/drawingml/2011/main" xmlns="" val="1"/>
               </a:ext>
             </a:extLst>
           </p:spPr>
@@ -10782,7 +11629,7 @@
             <a:effectLst/>
             <a:extLst>
               <a:ext uri="{C572A759-6A51-4108-AA02-DFA0A04FC94B}">
-                <ma14:wrappingTextBoxFlag xmlns="" xmlns:ma14="http://schemas.microsoft.com/office/mac/drawingml/2011/main" val="1"/>
+                <ma14:wrappingTextBoxFlag xmlns:ma14="http://schemas.microsoft.com/office/mac/drawingml/2011/main" xmlns="" val="1"/>
               </a:ext>
             </a:extLst>
           </p:spPr>
@@ -10844,7 +11691,7 @@
             <a:effectLst/>
             <a:extLst>
               <a:ext uri="{C572A759-6A51-4108-AA02-DFA0A04FC94B}">
-                <ma14:wrappingTextBoxFlag xmlns="" xmlns:ma14="http://schemas.microsoft.com/office/mac/drawingml/2011/main" val="1"/>
+                <ma14:wrappingTextBoxFlag xmlns:ma14="http://schemas.microsoft.com/office/mac/drawingml/2011/main" xmlns="" val="1"/>
               </a:ext>
             </a:extLst>
           </p:spPr>
@@ -11215,7 +12062,7 @@
             <a:effectLst/>
             <a:extLst>
               <a:ext uri="{C572A759-6A51-4108-AA02-DFA0A04FC94B}">
-                <ma14:wrappingTextBoxFlag xmlns="" xmlns:ma14="http://schemas.microsoft.com/office/mac/drawingml/2011/main" val="1"/>
+                <ma14:wrappingTextBoxFlag xmlns:ma14="http://schemas.microsoft.com/office/mac/drawingml/2011/main" xmlns="" val="1"/>
               </a:ext>
             </a:extLst>
           </p:spPr>
@@ -11274,7 +12121,7 @@
             <a:effectLst/>
             <a:extLst>
               <a:ext uri="{C572A759-6A51-4108-AA02-DFA0A04FC94B}">
-                <ma14:wrappingTextBoxFlag xmlns="" xmlns:ma14="http://schemas.microsoft.com/office/mac/drawingml/2011/main" val="1"/>
+                <ma14:wrappingTextBoxFlag xmlns:ma14="http://schemas.microsoft.com/office/mac/drawingml/2011/main" xmlns="" val="1"/>
               </a:ext>
             </a:extLst>
           </p:spPr>
@@ -11416,7 +12263,7 @@
             <a:effectLst/>
             <a:extLst>
               <a:ext uri="{C572A759-6A51-4108-AA02-DFA0A04FC94B}">
-                <ma14:wrappingTextBoxFlag xmlns="" xmlns:ma14="http://schemas.microsoft.com/office/mac/drawingml/2011/main" val="1"/>
+                <ma14:wrappingTextBoxFlag xmlns:ma14="http://schemas.microsoft.com/office/mac/drawingml/2011/main" xmlns="" val="1"/>
               </a:ext>
             </a:extLst>
           </p:spPr>
@@ -11488,7 +12335,7 @@
             <a:effectLst/>
             <a:extLst>
               <a:ext uri="{C572A759-6A51-4108-AA02-DFA0A04FC94B}">
-                <ma14:wrappingTextBoxFlag xmlns="" xmlns:ma14="http://schemas.microsoft.com/office/mac/drawingml/2011/main" val="1"/>
+                <ma14:wrappingTextBoxFlag xmlns:ma14="http://schemas.microsoft.com/office/mac/drawingml/2011/main" xmlns="" val="1"/>
               </a:ext>
             </a:extLst>
           </p:spPr>
@@ -11575,7 +12422,7 @@
           </a:ln>
           <a:extLst>
             <a:ext uri="{C572A759-6A51-4108-AA02-DFA0A04FC94B}">
-              <ma14:wrappingTextBoxFlag xmlns="" xmlns:ma14="http://schemas.microsoft.com/office/mac/drawingml/2011/main" val="1"/>
+              <ma14:wrappingTextBoxFlag xmlns:ma14="http://schemas.microsoft.com/office/mac/drawingml/2011/main" xmlns="" val="1"/>
             </a:ext>
           </a:extLst>
         </p:spPr>
@@ -11838,7 +12685,7 @@
             <a:effectLst/>
             <a:extLst>
               <a:ext uri="{C572A759-6A51-4108-AA02-DFA0A04FC94B}">
-                <ma14:wrappingTextBoxFlag xmlns="" xmlns:ma14="http://schemas.microsoft.com/office/mac/drawingml/2011/main" val="1"/>
+                <ma14:wrappingTextBoxFlag xmlns:ma14="http://schemas.microsoft.com/office/mac/drawingml/2011/main" xmlns="" val="1"/>
               </a:ext>
             </a:extLst>
           </p:spPr>
@@ -11887,7 +12734,7 @@
             <a:effectLst/>
             <a:extLst>
               <a:ext uri="{C572A759-6A51-4108-AA02-DFA0A04FC94B}">
-                <ma14:wrappingTextBoxFlag xmlns="" xmlns:ma14="http://schemas.microsoft.com/office/mac/drawingml/2011/main" val="1"/>
+                <ma14:wrappingTextBoxFlag xmlns:ma14="http://schemas.microsoft.com/office/mac/drawingml/2011/main" xmlns="" val="1"/>
               </a:ext>
             </a:extLst>
           </p:spPr>
@@ -11934,7 +12781,7 @@
           </a:ln>
           <a:extLst>
             <a:ext uri="{C572A759-6A51-4108-AA02-DFA0A04FC94B}">
-              <ma14:wrappingTextBoxFlag xmlns="" xmlns:ma14="http://schemas.microsoft.com/office/mac/drawingml/2011/main" val="1"/>
+              <ma14:wrappingTextBoxFlag xmlns:ma14="http://schemas.microsoft.com/office/mac/drawingml/2011/main" xmlns="" val="1"/>
             </a:ext>
           </a:extLst>
         </p:spPr>
@@ -12076,7 +12923,7 @@
           </a:ln>
           <a:extLst>
             <a:ext uri="{C572A759-6A51-4108-AA02-DFA0A04FC94B}">
-              <ma14:wrappingTextBoxFlag xmlns="" xmlns:ma14="http://schemas.microsoft.com/office/mac/drawingml/2011/main" val="1"/>
+              <ma14:wrappingTextBoxFlag xmlns:ma14="http://schemas.microsoft.com/office/mac/drawingml/2011/main" xmlns="" val="1"/>
             </a:ext>
           </a:extLst>
         </p:spPr>
@@ -12126,7 +12973,7 @@
           </a:ln>
           <a:extLst>
             <a:ext uri="{C572A759-6A51-4108-AA02-DFA0A04FC94B}">
-              <ma14:wrappingTextBoxFlag xmlns="" xmlns:ma14="http://schemas.microsoft.com/office/mac/drawingml/2011/main" val="1"/>
+              <ma14:wrappingTextBoxFlag xmlns:ma14="http://schemas.microsoft.com/office/mac/drawingml/2011/main" xmlns="" val="1"/>
             </a:ext>
           </a:extLst>
         </p:spPr>
@@ -12176,7 +13023,7 @@
           </a:ln>
           <a:extLst>
             <a:ext uri="{C572A759-6A51-4108-AA02-DFA0A04FC94B}">
-              <ma14:wrappingTextBoxFlag xmlns="" xmlns:ma14="http://schemas.microsoft.com/office/mac/drawingml/2011/main" val="1"/>
+              <ma14:wrappingTextBoxFlag xmlns:ma14="http://schemas.microsoft.com/office/mac/drawingml/2011/main" xmlns="" val="1"/>
             </a:ext>
           </a:extLst>
         </p:spPr>
@@ -12226,7 +13073,7 @@
           </a:ln>
           <a:extLst>
             <a:ext uri="{C572A759-6A51-4108-AA02-DFA0A04FC94B}">
-              <ma14:wrappingTextBoxFlag xmlns="" xmlns:ma14="http://schemas.microsoft.com/office/mac/drawingml/2011/main" val="1"/>
+              <ma14:wrappingTextBoxFlag xmlns:ma14="http://schemas.microsoft.com/office/mac/drawingml/2011/main" xmlns="" val="1"/>
             </a:ext>
           </a:extLst>
         </p:spPr>
@@ -12408,7 +13255,7 @@
           </a:ln>
           <a:extLst>
             <a:ext uri="{C572A759-6A51-4108-AA02-DFA0A04FC94B}">
-              <ma14:wrappingTextBoxFlag xmlns="" xmlns:ma14="http://schemas.microsoft.com/office/mac/drawingml/2011/main" val="1"/>
+              <ma14:wrappingTextBoxFlag xmlns:ma14="http://schemas.microsoft.com/office/mac/drawingml/2011/main" xmlns="" val="1"/>
             </a:ext>
           </a:extLst>
         </p:spPr>
@@ -12458,7 +13305,7 @@
           </a:ln>
           <a:extLst>
             <a:ext uri="{C572A759-6A51-4108-AA02-DFA0A04FC94B}">
-              <ma14:wrappingTextBoxFlag xmlns="" xmlns:ma14="http://schemas.microsoft.com/office/mac/drawingml/2011/main" val="1"/>
+              <ma14:wrappingTextBoxFlag xmlns:ma14="http://schemas.microsoft.com/office/mac/drawingml/2011/main" xmlns="" val="1"/>
             </a:ext>
           </a:extLst>
         </p:spPr>
@@ -12508,7 +13355,7 @@
           </a:ln>
           <a:extLst>
             <a:ext uri="{C572A759-6A51-4108-AA02-DFA0A04FC94B}">
-              <ma14:wrappingTextBoxFlag xmlns="" xmlns:ma14="http://schemas.microsoft.com/office/mac/drawingml/2011/main" val="1"/>
+              <ma14:wrappingTextBoxFlag xmlns:ma14="http://schemas.microsoft.com/office/mac/drawingml/2011/main" xmlns="" val="1"/>
             </a:ext>
           </a:extLst>
         </p:spPr>
@@ -12558,7 +13405,7 @@
           </a:ln>
           <a:extLst>
             <a:ext uri="{C572A759-6A51-4108-AA02-DFA0A04FC94B}">
-              <ma14:wrappingTextBoxFlag xmlns="" xmlns:ma14="http://schemas.microsoft.com/office/mac/drawingml/2011/main" val="1"/>
+              <ma14:wrappingTextBoxFlag xmlns:ma14="http://schemas.microsoft.com/office/mac/drawingml/2011/main" xmlns="" val="1"/>
             </a:ext>
           </a:extLst>
         </p:spPr>
@@ -12608,7 +13455,7 @@
           </a:ln>
           <a:extLst>
             <a:ext uri="{C572A759-6A51-4108-AA02-DFA0A04FC94B}">
-              <ma14:wrappingTextBoxFlag xmlns="" xmlns:ma14="http://schemas.microsoft.com/office/mac/drawingml/2011/main" val="1"/>
+              <ma14:wrappingTextBoxFlag xmlns:ma14="http://schemas.microsoft.com/office/mac/drawingml/2011/main" xmlns="" val="1"/>
             </a:ext>
           </a:extLst>
         </p:spPr>
@@ -12787,7 +13634,7 @@
           </a:ln>
           <a:extLst>
             <a:ext uri="{C572A759-6A51-4108-AA02-DFA0A04FC94B}">
-              <ma14:wrappingTextBoxFlag xmlns="" xmlns:ma14="http://schemas.microsoft.com/office/mac/drawingml/2011/main" val="1"/>
+              <ma14:wrappingTextBoxFlag xmlns:ma14="http://schemas.microsoft.com/office/mac/drawingml/2011/main" xmlns="" val="1"/>
             </a:ext>
           </a:extLst>
         </p:spPr>
@@ -12836,7 +13683,7 @@
           </a:ln>
           <a:extLst>
             <a:ext uri="{C572A759-6A51-4108-AA02-DFA0A04FC94B}">
-              <ma14:wrappingTextBoxFlag xmlns="" xmlns:ma14="http://schemas.microsoft.com/office/mac/drawingml/2011/main" val="1"/>
+              <ma14:wrappingTextBoxFlag xmlns:ma14="http://schemas.microsoft.com/office/mac/drawingml/2011/main" xmlns="" val="1"/>
             </a:ext>
           </a:extLst>
         </p:spPr>
@@ -12932,7 +13779,7 @@
             <a:effectLst/>
             <a:extLst>
               <a:ext uri="{C572A759-6A51-4108-AA02-DFA0A04FC94B}">
-                <ma14:wrappingTextBoxFlag xmlns="" xmlns:ma14="http://schemas.microsoft.com/office/mac/drawingml/2011/main" val="1"/>
+                <ma14:wrappingTextBoxFlag xmlns:ma14="http://schemas.microsoft.com/office/mac/drawingml/2011/main" xmlns="" val="1"/>
               </a:ext>
             </a:extLst>
           </p:spPr>
@@ -12983,7 +13830,7 @@
             <a:effectLst/>
             <a:extLst>
               <a:ext uri="{C572A759-6A51-4108-AA02-DFA0A04FC94B}">
-                <ma14:wrappingTextBoxFlag xmlns="" xmlns:ma14="http://schemas.microsoft.com/office/mac/drawingml/2011/main" val="1"/>
+                <ma14:wrappingTextBoxFlag xmlns:ma14="http://schemas.microsoft.com/office/mac/drawingml/2011/main" xmlns="" val="1"/>
               </a:ext>
             </a:extLst>
           </p:spPr>
@@ -13268,7 +14115,7 @@
             <a:effectLst/>
             <a:extLst>
               <a:ext uri="{C572A759-6A51-4108-AA02-DFA0A04FC94B}">
-                <ma14:wrappingTextBoxFlag xmlns="" xmlns:ma14="http://schemas.microsoft.com/office/mac/drawingml/2011/main" val="1"/>
+                <ma14:wrappingTextBoxFlag xmlns:ma14="http://schemas.microsoft.com/office/mac/drawingml/2011/main" xmlns="" val="1"/>
               </a:ext>
             </a:extLst>
           </p:spPr>
@@ -13323,7 +14170,7 @@
             <a:effectLst/>
             <a:extLst>
               <a:ext uri="{C572A759-6A51-4108-AA02-DFA0A04FC94B}">
-                <ma14:wrappingTextBoxFlag xmlns="" xmlns:ma14="http://schemas.microsoft.com/office/mac/drawingml/2011/main" val="1"/>
+                <ma14:wrappingTextBoxFlag xmlns:ma14="http://schemas.microsoft.com/office/mac/drawingml/2011/main" xmlns="" val="1"/>
               </a:ext>
             </a:extLst>
           </p:spPr>
@@ -13608,7 +14455,7 @@
             <a:effectLst/>
             <a:extLst>
               <a:ext uri="{C572A759-6A51-4108-AA02-DFA0A04FC94B}">
-                <ma14:wrappingTextBoxFlag xmlns="" xmlns:ma14="http://schemas.microsoft.com/office/mac/drawingml/2011/main" val="1"/>
+                <ma14:wrappingTextBoxFlag xmlns:ma14="http://schemas.microsoft.com/office/mac/drawingml/2011/main" xmlns="" val="1"/>
               </a:ext>
             </a:extLst>
           </p:spPr>
@@ -13671,7 +14518,7 @@
             <a:effectLst/>
             <a:extLst>
               <a:ext uri="{C572A759-6A51-4108-AA02-DFA0A04FC94B}">
-                <ma14:wrappingTextBoxFlag xmlns="" xmlns:ma14="http://schemas.microsoft.com/office/mac/drawingml/2011/main" val="1"/>
+                <ma14:wrappingTextBoxFlag xmlns:ma14="http://schemas.microsoft.com/office/mac/drawingml/2011/main" xmlns="" val="1"/>
               </a:ext>
             </a:extLst>
           </p:spPr>
@@ -13956,7 +14803,7 @@
             <a:effectLst/>
             <a:extLst>
               <a:ext uri="{C572A759-6A51-4108-AA02-DFA0A04FC94B}">
-                <ma14:wrappingTextBoxFlag xmlns="" xmlns:ma14="http://schemas.microsoft.com/office/mac/drawingml/2011/main" val="1"/>
+                <ma14:wrappingTextBoxFlag xmlns:ma14="http://schemas.microsoft.com/office/mac/drawingml/2011/main" xmlns="" val="1"/>
               </a:ext>
             </a:extLst>
           </p:spPr>
@@ -14007,7 +14854,7 @@
             <a:effectLst/>
             <a:extLst>
               <a:ext uri="{C572A759-6A51-4108-AA02-DFA0A04FC94B}">
-                <ma14:wrappingTextBoxFlag xmlns="" xmlns:ma14="http://schemas.microsoft.com/office/mac/drawingml/2011/main" val="1"/>
+                <ma14:wrappingTextBoxFlag xmlns:ma14="http://schemas.microsoft.com/office/mac/drawingml/2011/main" xmlns="" val="1"/>
               </a:ext>
             </a:extLst>
           </p:spPr>
@@ -14292,7 +15139,7 @@
             <a:effectLst/>
             <a:extLst>
               <a:ext uri="{C572A759-6A51-4108-AA02-DFA0A04FC94B}">
-                <ma14:wrappingTextBoxFlag xmlns="" xmlns:ma14="http://schemas.microsoft.com/office/mac/drawingml/2011/main" val="1"/>
+                <ma14:wrappingTextBoxFlag xmlns:ma14="http://schemas.microsoft.com/office/mac/drawingml/2011/main" xmlns="" val="1"/>
               </a:ext>
             </a:extLst>
           </p:spPr>
@@ -14347,7 +15194,7 @@
             <a:effectLst/>
             <a:extLst>
               <a:ext uri="{C572A759-6A51-4108-AA02-DFA0A04FC94B}">
-                <ma14:wrappingTextBoxFlag xmlns="" xmlns:ma14="http://schemas.microsoft.com/office/mac/drawingml/2011/main" val="1"/>
+                <ma14:wrappingTextBoxFlag xmlns:ma14="http://schemas.microsoft.com/office/mac/drawingml/2011/main" xmlns="" val="1"/>
               </a:ext>
             </a:extLst>
           </p:spPr>
@@ -14632,7 +15479,7 @@
             <a:effectLst/>
             <a:extLst>
               <a:ext uri="{C572A759-6A51-4108-AA02-DFA0A04FC94B}">
-                <ma14:wrappingTextBoxFlag xmlns="" xmlns:ma14="http://schemas.microsoft.com/office/mac/drawingml/2011/main" val="1"/>
+                <ma14:wrappingTextBoxFlag xmlns:ma14="http://schemas.microsoft.com/office/mac/drawingml/2011/main" xmlns="" val="1"/>
               </a:ext>
             </a:extLst>
           </p:spPr>
@@ -14691,7 +15538,7 @@
             <a:effectLst/>
             <a:extLst>
               <a:ext uri="{C572A759-6A51-4108-AA02-DFA0A04FC94B}">
-                <ma14:wrappingTextBoxFlag xmlns="" xmlns:ma14="http://schemas.microsoft.com/office/mac/drawingml/2011/main" val="1"/>
+                <ma14:wrappingTextBoxFlag xmlns:ma14="http://schemas.microsoft.com/office/mac/drawingml/2011/main" xmlns="" val="1"/>
               </a:ext>
             </a:extLst>
           </p:spPr>
@@ -15062,7 +15909,7 @@
             <a:effectLst/>
             <a:extLst>
               <a:ext uri="{C572A759-6A51-4108-AA02-DFA0A04FC94B}">
-                <ma14:wrappingTextBoxFlag xmlns="" xmlns:ma14="http://schemas.microsoft.com/office/mac/drawingml/2011/main" val="1"/>
+                <ma14:wrappingTextBoxFlag xmlns:ma14="http://schemas.microsoft.com/office/mac/drawingml/2011/main" xmlns="" val="1"/>
               </a:ext>
             </a:extLst>
           </p:spPr>
@@ -15125,7 +15972,7 @@
             <a:effectLst/>
             <a:extLst>
               <a:ext uri="{C572A759-6A51-4108-AA02-DFA0A04FC94B}">
-                <ma14:wrappingTextBoxFlag xmlns="" xmlns:ma14="http://schemas.microsoft.com/office/mac/drawingml/2011/main" val="1"/>
+                <ma14:wrappingTextBoxFlag xmlns:ma14="http://schemas.microsoft.com/office/mac/drawingml/2011/main" xmlns="" val="1"/>
               </a:ext>
             </a:extLst>
           </p:spPr>
@@ -15176,7 +16023,7 @@
             <a:effectLst/>
             <a:extLst>
               <a:ext uri="{C572A759-6A51-4108-AA02-DFA0A04FC94B}">
-                <ma14:wrappingTextBoxFlag xmlns="" xmlns:ma14="http://schemas.microsoft.com/office/mac/drawingml/2011/main" val="1"/>
+                <ma14:wrappingTextBoxFlag xmlns:ma14="http://schemas.microsoft.com/office/mac/drawingml/2011/main" xmlns="" val="1"/>
               </a:ext>
             </a:extLst>
           </p:spPr>
@@ -15509,7 +16356,7 @@
             <a:effectLst/>
             <a:extLst>
               <a:ext uri="{C572A759-6A51-4108-AA02-DFA0A04FC94B}">
-                <ma14:wrappingTextBoxFlag xmlns="" xmlns:ma14="http://schemas.microsoft.com/office/mac/drawingml/2011/main" val="1"/>
+                <ma14:wrappingTextBoxFlag xmlns:ma14="http://schemas.microsoft.com/office/mac/drawingml/2011/main" xmlns="" val="1"/>
               </a:ext>
             </a:extLst>
           </p:spPr>
@@ -15612,7 +16459,7 @@
             <a:effectLst/>
             <a:extLst>
               <a:ext uri="{C572A759-6A51-4108-AA02-DFA0A04FC94B}">
-                <ma14:wrappingTextBoxFlag xmlns="" xmlns:ma14="http://schemas.microsoft.com/office/mac/drawingml/2011/main" val="1"/>
+                <ma14:wrappingTextBoxFlag xmlns:ma14="http://schemas.microsoft.com/office/mac/drawingml/2011/main" xmlns="" val="1"/>
               </a:ext>
             </a:extLst>
           </p:spPr>
@@ -15754,7 +16601,7 @@
             <a:effectLst/>
             <a:extLst>
               <a:ext uri="{C572A759-6A51-4108-AA02-DFA0A04FC94B}">
-                <ma14:wrappingTextBoxFlag xmlns="" xmlns:ma14="http://schemas.microsoft.com/office/mac/drawingml/2011/main" val="1"/>
+                <ma14:wrappingTextBoxFlag xmlns:ma14="http://schemas.microsoft.com/office/mac/drawingml/2011/main" xmlns="" val="1"/>
               </a:ext>
             </a:extLst>
           </p:spPr>
@@ -15826,7 +16673,7 @@
             <a:effectLst/>
             <a:extLst>
               <a:ext uri="{C572A759-6A51-4108-AA02-DFA0A04FC94B}">
-                <ma14:wrappingTextBoxFlag xmlns="" xmlns:ma14="http://schemas.microsoft.com/office/mac/drawingml/2011/main" val="1"/>
+                <ma14:wrappingTextBoxFlag xmlns:ma14="http://schemas.microsoft.com/office/mac/drawingml/2011/main" xmlns="" val="1"/>
               </a:ext>
             </a:extLst>
           </p:spPr>
@@ -15913,7 +16760,7 @@
           </a:ln>
           <a:extLst>
             <a:ext uri="{C572A759-6A51-4108-AA02-DFA0A04FC94B}">
-              <ma14:wrappingTextBoxFlag xmlns="" xmlns:ma14="http://schemas.microsoft.com/office/mac/drawingml/2011/main" val="1"/>
+              <ma14:wrappingTextBoxFlag xmlns:ma14="http://schemas.microsoft.com/office/mac/drawingml/2011/main" xmlns="" val="1"/>
             </a:ext>
           </a:extLst>
         </p:spPr>
@@ -16063,7 +16910,7 @@
             <a:effectLst/>
             <a:extLst>
               <a:ext uri="{C572A759-6A51-4108-AA02-DFA0A04FC94B}">
-                <ma14:wrappingTextBoxFlag xmlns="" xmlns:ma14="http://schemas.microsoft.com/office/mac/drawingml/2011/main" val="1"/>
+                <ma14:wrappingTextBoxFlag xmlns:ma14="http://schemas.microsoft.com/office/mac/drawingml/2011/main" xmlns="" val="1"/>
               </a:ext>
             </a:extLst>
           </p:spPr>
@@ -16120,7 +16967,7 @@
             <a:effectLst/>
             <a:extLst>
               <a:ext uri="{C572A759-6A51-4108-AA02-DFA0A04FC94B}">
-                <ma14:wrappingTextBoxFlag xmlns="" xmlns:ma14="http://schemas.microsoft.com/office/mac/drawingml/2011/main" val="1"/>
+                <ma14:wrappingTextBoxFlag xmlns:ma14="http://schemas.microsoft.com/office/mac/drawingml/2011/main" xmlns="" val="1"/>
               </a:ext>
             </a:extLst>
           </p:spPr>
@@ -16172,7 +17019,7 @@
             <a:effectLst/>
             <a:extLst>
               <a:ext uri="{C572A759-6A51-4108-AA02-DFA0A04FC94B}">
-                <ma14:wrappingTextBoxFlag xmlns="" xmlns:ma14="http://schemas.microsoft.com/office/mac/drawingml/2011/main" val="1"/>
+                <ma14:wrappingTextBoxFlag xmlns:ma14="http://schemas.microsoft.com/office/mac/drawingml/2011/main" xmlns="" val="1"/>
               </a:ext>
             </a:extLst>
           </p:spPr>
@@ -16328,7 +17175,7 @@
           <a:effectLst/>
           <a:extLst>
             <a:ext uri="{C572A759-6A51-4108-AA02-DFA0A04FC94B}">
-              <ma14:wrappingTextBoxFlag xmlns="" xmlns:ma14="http://schemas.microsoft.com/office/mac/drawingml/2011/main" val="1"/>
+              <ma14:wrappingTextBoxFlag xmlns:ma14="http://schemas.microsoft.com/office/mac/drawingml/2011/main" xmlns="" val="1"/>
             </a:ext>
           </a:extLst>
         </p:spPr>
@@ -17317,7 +18164,7 @@
             <a:effectLst/>
             <a:extLst>
               <a:ext uri="{C572A759-6A51-4108-AA02-DFA0A04FC94B}">
-                <ma14:wrappingTextBoxFlag xmlns="" xmlns:ma14="http://schemas.microsoft.com/office/mac/drawingml/2011/main" val="1"/>
+                <ma14:wrappingTextBoxFlag xmlns:ma14="http://schemas.microsoft.com/office/mac/drawingml/2011/main" xmlns="" val="1"/>
               </a:ext>
             </a:extLst>
           </p:spPr>
@@ -17373,7 +18220,7 @@
             <a:effectLst/>
             <a:extLst>
               <a:ext uri="{C572A759-6A51-4108-AA02-DFA0A04FC94B}">
-                <ma14:wrappingTextBoxFlag xmlns="" xmlns:ma14="http://schemas.microsoft.com/office/mac/drawingml/2011/main" val="1"/>
+                <ma14:wrappingTextBoxFlag xmlns:ma14="http://schemas.microsoft.com/office/mac/drawingml/2011/main" xmlns="" val="1"/>
               </a:ext>
             </a:extLst>
           </p:spPr>
@@ -17424,7 +18271,7 @@
             <a:effectLst/>
             <a:extLst>
               <a:ext uri="{C572A759-6A51-4108-AA02-DFA0A04FC94B}">
-                <ma14:wrappingTextBoxFlag xmlns="" xmlns:ma14="http://schemas.microsoft.com/office/mac/drawingml/2011/main" val="1"/>
+                <ma14:wrappingTextBoxFlag xmlns:ma14="http://schemas.microsoft.com/office/mac/drawingml/2011/main" xmlns="" val="1"/>
               </a:ext>
             </a:extLst>
           </p:spPr>
@@ -18480,7 +19327,7 @@
             <a:effectLst/>
             <a:extLst>
               <a:ext uri="{C572A759-6A51-4108-AA02-DFA0A04FC94B}">
-                <ma14:wrappingTextBoxFlag xmlns="" xmlns:ma14="http://schemas.microsoft.com/office/mac/drawingml/2011/main" val="1"/>
+                <ma14:wrappingTextBoxFlag xmlns:ma14="http://schemas.microsoft.com/office/mac/drawingml/2011/main" xmlns="" val="1"/>
               </a:ext>
             </a:extLst>
           </p:spPr>
@@ -18530,7 +19377,7 @@
             <a:effectLst/>
             <a:extLst>
               <a:ext uri="{C572A759-6A51-4108-AA02-DFA0A04FC94B}">
-                <ma14:wrappingTextBoxFlag xmlns="" xmlns:ma14="http://schemas.microsoft.com/office/mac/drawingml/2011/main" val="1"/>
+                <ma14:wrappingTextBoxFlag xmlns:ma14="http://schemas.microsoft.com/office/mac/drawingml/2011/main" xmlns="" val="1"/>
               </a:ext>
             </a:extLst>
           </p:spPr>
@@ -18575,7 +19422,7 @@
             <a:effectLst/>
             <a:extLst>
               <a:ext uri="{C572A759-6A51-4108-AA02-DFA0A04FC94B}">
-                <ma14:wrappingTextBoxFlag xmlns="" xmlns:ma14="http://schemas.microsoft.com/office/mac/drawingml/2011/main" val="1"/>
+                <ma14:wrappingTextBoxFlag xmlns:ma14="http://schemas.microsoft.com/office/mac/drawingml/2011/main" xmlns="" val="1"/>
               </a:ext>
             </a:extLst>
           </p:spPr>
@@ -18805,7 +19652,7 @@
           <a:effectLst/>
           <a:extLst>
             <a:ext uri="{C572A759-6A51-4108-AA02-DFA0A04FC94B}">
-              <ma14:wrappingTextBoxFlag xmlns="" xmlns:ma14="http://schemas.microsoft.com/office/mac/drawingml/2011/main" val="1"/>
+              <ma14:wrappingTextBoxFlag xmlns:ma14="http://schemas.microsoft.com/office/mac/drawingml/2011/main" xmlns="" val="1"/>
             </a:ext>
           </a:extLst>
         </p:spPr>
@@ -19061,7 +19908,7 @@
             <a:effectLst/>
             <a:extLst>
               <a:ext uri="{C572A759-6A51-4108-AA02-DFA0A04FC94B}">
-                <ma14:wrappingTextBoxFlag xmlns="" xmlns:ma14="http://schemas.microsoft.com/office/mac/drawingml/2011/main" val="1"/>
+                <ma14:wrappingTextBoxFlag xmlns:ma14="http://schemas.microsoft.com/office/mac/drawingml/2011/main" xmlns="" val="1"/>
               </a:ext>
             </a:extLst>
           </p:spPr>
@@ -19140,7 +19987,7 @@
             <a:effectLst/>
             <a:extLst>
               <a:ext uri="{C572A759-6A51-4108-AA02-DFA0A04FC94B}">
-                <ma14:wrappingTextBoxFlag xmlns="" xmlns:ma14="http://schemas.microsoft.com/office/mac/drawingml/2011/main" val="1"/>
+                <ma14:wrappingTextBoxFlag xmlns:ma14="http://schemas.microsoft.com/office/mac/drawingml/2011/main" xmlns="" val="1"/>
               </a:ext>
             </a:extLst>
           </p:spPr>
@@ -19282,7 +20129,7 @@
             <a:effectLst/>
             <a:extLst>
               <a:ext uri="{C572A759-6A51-4108-AA02-DFA0A04FC94B}">
-                <ma14:wrappingTextBoxFlag xmlns="" xmlns:ma14="http://schemas.microsoft.com/office/mac/drawingml/2011/main" val="1"/>
+                <ma14:wrappingTextBoxFlag xmlns:ma14="http://schemas.microsoft.com/office/mac/drawingml/2011/main" xmlns="" val="1"/>
               </a:ext>
             </a:extLst>
           </p:spPr>
@@ -19364,7 +20211,7 @@
             <a:effectLst/>
             <a:extLst>
               <a:ext uri="{C572A759-6A51-4108-AA02-DFA0A04FC94B}">
-                <ma14:wrappingTextBoxFlag xmlns="" xmlns:ma14="http://schemas.microsoft.com/office/mac/drawingml/2011/main" val="1"/>
+                <ma14:wrappingTextBoxFlag xmlns:ma14="http://schemas.microsoft.com/office/mac/drawingml/2011/main" xmlns="" val="1"/>
               </a:ext>
             </a:extLst>
           </p:spPr>
@@ -19451,7 +20298,7 @@
           </a:ln>
           <a:extLst>
             <a:ext uri="{C572A759-6A51-4108-AA02-DFA0A04FC94B}">
-              <ma14:wrappingTextBoxFlag xmlns="" xmlns:ma14="http://schemas.microsoft.com/office/mac/drawingml/2011/main" val="1"/>
+              <ma14:wrappingTextBoxFlag xmlns:ma14="http://schemas.microsoft.com/office/mac/drawingml/2011/main" xmlns="" val="1"/>
             </a:ext>
           </a:extLst>
         </p:spPr>
@@ -19558,7 +20405,7 @@
             <a:effectLst/>
             <a:extLst>
               <a:ext uri="{C572A759-6A51-4108-AA02-DFA0A04FC94B}">
-                <ma14:wrappingTextBoxFlag xmlns="" xmlns:ma14="http://schemas.microsoft.com/office/mac/drawingml/2011/main" val="1"/>
+                <ma14:wrappingTextBoxFlag xmlns:ma14="http://schemas.microsoft.com/office/mac/drawingml/2011/main" xmlns="" val="1"/>
               </a:ext>
             </a:extLst>
           </p:spPr>
@@ -19608,7 +20455,7 @@
             <a:effectLst/>
             <a:extLst>
               <a:ext uri="{C572A759-6A51-4108-AA02-DFA0A04FC94B}">
-                <ma14:wrappingTextBoxFlag xmlns="" xmlns:ma14="http://schemas.microsoft.com/office/mac/drawingml/2011/main" val="1"/>
+                <ma14:wrappingTextBoxFlag xmlns:ma14="http://schemas.microsoft.com/office/mac/drawingml/2011/main" xmlns="" val="1"/>
               </a:ext>
             </a:extLst>
           </p:spPr>
@@ -19653,7 +20500,7 @@
             <a:effectLst/>
             <a:extLst>
               <a:ext uri="{C572A759-6A51-4108-AA02-DFA0A04FC94B}">
-                <ma14:wrappingTextBoxFlag xmlns="" xmlns:ma14="http://schemas.microsoft.com/office/mac/drawingml/2011/main" val="1"/>
+                <ma14:wrappingTextBoxFlag xmlns:ma14="http://schemas.microsoft.com/office/mac/drawingml/2011/main" xmlns="" val="1"/>
               </a:ext>
             </a:extLst>
           </p:spPr>

--- a/Presentation.pptx
+++ b/Presentation.pptx
@@ -3356,6 +3356,21 @@
             </a:endParaRPr>
           </a:p>
           <a:p>
+            <a:pPr marL="228600" indent="-228600">
+              <a:buAutoNum type="arabicPeriod"/>
+            </a:pPr>
+            <a:r>
+              <a:rPr lang="de-CH" sz="1200" kern="1200" dirty="0" err="1">
+                <a:solidFill>
+                  <a:schemeClr val="tx1"/>
+                </a:solidFill>
+                <a:effectLst/>
+                <a:latin typeface="+mn-lt"/>
+                <a:ea typeface="+mn-ea"/>
+                <a:cs typeface="+mn-cs"/>
+              </a:rPr>
+              <a:t>mai</a:t>
+            </a:r>
             <a:r>
               <a:rPr lang="de-CH" sz="1200" kern="1200" dirty="0">
                 <a:solidFill>
@@ -3366,7 +3381,7 @@
                 <a:ea typeface="+mn-ea"/>
                 <a:cs typeface="+mn-cs"/>
               </a:rPr>
-              <a:t>1. </a:t>
+              <a:t>: </a:t>
             </a:r>
             <a:r>
               <a:rPr lang="de-CH" sz="1200" kern="1200" dirty="0" err="1">
@@ -3378,7 +3393,7 @@
                 <a:ea typeface="+mn-ea"/>
                 <a:cs typeface="+mn-cs"/>
               </a:rPr>
-              <a:t>mai</a:t>
+              <a:t>corona</a:t>
             </a:r>
             <a:r>
               <a:rPr lang="de-CH" sz="1200" kern="1200" dirty="0">
@@ -3390,7 +3405,7 @@
                 <a:ea typeface="+mn-ea"/>
                 <a:cs typeface="+mn-cs"/>
               </a:rPr>
-              <a:t>: </a:t>
+              <a:t> </a:t>
             </a:r>
             <a:r>
               <a:rPr lang="de-CH" sz="1200" kern="1200" dirty="0" err="1">
@@ -3402,7 +3417,7 @@
                 <a:ea typeface="+mn-ea"/>
                 <a:cs typeface="+mn-cs"/>
               </a:rPr>
-              <a:t>corona</a:t>
+              <a:t>peak</a:t>
             </a:r>
             <a:r>
               <a:rPr lang="de-CH" sz="1200" kern="1200" dirty="0">
@@ -3426,7 +3441,7 @@
                 <a:ea typeface="+mn-ea"/>
                 <a:cs typeface="+mn-cs"/>
               </a:rPr>
-              <a:t>peak</a:t>
+              <a:t>reached</a:t>
             </a:r>
             <a:r>
               <a:rPr lang="de-CH" sz="1200" kern="1200" dirty="0">
@@ -3441,6 +3456,19 @@
               <a:t> </a:t>
             </a:r>
             <a:r>
+              <a:rPr lang="de-CH" sz="1200" kern="1200" dirty="0">
+                <a:solidFill>
+                  <a:schemeClr val="tx1"/>
+                </a:solidFill>
+                <a:effectLst/>
+                <a:latin typeface="+mn-lt"/>
+                <a:ea typeface="+mn-ea"/>
+                <a:cs typeface="+mn-cs"/>
+                <a:sym typeface="Wingdings" panose="05000000000000000000" pitchFamily="2" charset="2"/>
+              </a:rPr>
+              <a:t> still </a:t>
+            </a:r>
+            <a:r>
               <a:rPr lang="de-CH" sz="1200" kern="1200" dirty="0" err="1">
                 <a:solidFill>
                   <a:schemeClr val="tx1"/>
@@ -3449,8 +3477,9 @@
                 <a:latin typeface="+mn-lt"/>
                 <a:ea typeface="+mn-ea"/>
                 <a:cs typeface="+mn-cs"/>
-              </a:rPr>
-              <a:t>reached</a:t>
+                <a:sym typeface="Wingdings" panose="05000000000000000000" pitchFamily="2" charset="2"/>
+              </a:rPr>
+              <a:t>sentiment</a:t>
             </a:r>
             <a:r>
               <a:rPr lang="de-CH" sz="1200" kern="1200" dirty="0">
@@ -3461,10 +3490,24 @@
                 <a:latin typeface="+mn-lt"/>
                 <a:ea typeface="+mn-ea"/>
                 <a:cs typeface="+mn-cs"/>
+                <a:sym typeface="Wingdings" panose="05000000000000000000" pitchFamily="2" charset="2"/>
               </a:rPr>
               <a:t> </a:t>
             </a:r>
             <a:r>
+              <a:rPr lang="de-CH" sz="1200" kern="1200" dirty="0" err="1">
+                <a:solidFill>
+                  <a:schemeClr val="tx1"/>
+                </a:solidFill>
+                <a:effectLst/>
+                <a:latin typeface="+mn-lt"/>
+                <a:ea typeface="+mn-ea"/>
+                <a:cs typeface="+mn-cs"/>
+                <a:sym typeface="Wingdings" panose="05000000000000000000" pitchFamily="2" charset="2"/>
+              </a:rPr>
+              <a:t>goes</a:t>
+            </a:r>
+            <a:r>
               <a:rPr lang="de-CH" sz="1200" kern="1200" dirty="0">
                 <a:solidFill>
                   <a:schemeClr val="tx1"/>
@@ -3475,7 +3518,7 @@
                 <a:cs typeface="+mn-cs"/>
                 <a:sym typeface="Wingdings" panose="05000000000000000000" pitchFamily="2" charset="2"/>
               </a:rPr>
-              <a:t> still </a:t>
+              <a:t> down  </a:t>
             </a:r>
             <a:r>
               <a:rPr lang="de-CH" sz="1200" kern="1200" dirty="0" err="1">
@@ -3488,7 +3531,7 @@
                 <a:cs typeface="+mn-cs"/>
                 <a:sym typeface="Wingdings" panose="05000000000000000000" pitchFamily="2" charset="2"/>
               </a:rPr>
-              <a:t>sentiment</a:t>
+              <a:t>many</a:t>
             </a:r>
             <a:r>
               <a:rPr lang="de-CH" sz="1200" kern="1200" dirty="0">
@@ -3514,7 +3557,7 @@
                 <a:cs typeface="+mn-cs"/>
                 <a:sym typeface="Wingdings" panose="05000000000000000000" pitchFamily="2" charset="2"/>
               </a:rPr>
-              <a:t>goes</a:t>
+              <a:t>people</a:t>
             </a:r>
             <a:r>
               <a:rPr lang="de-CH" sz="1200" kern="1200" dirty="0">
@@ -3527,7 +3570,7 @@
                 <a:cs typeface="+mn-cs"/>
                 <a:sym typeface="Wingdings" panose="05000000000000000000" pitchFamily="2" charset="2"/>
               </a:rPr>
-              <a:t> down  </a:t>
+              <a:t> </a:t>
             </a:r>
             <a:r>
               <a:rPr lang="de-CH" sz="1200" kern="1200" dirty="0" err="1">
@@ -3540,7 +3583,7 @@
                 <a:cs typeface="+mn-cs"/>
                 <a:sym typeface="Wingdings" panose="05000000000000000000" pitchFamily="2" charset="2"/>
               </a:rPr>
-              <a:t>many</a:t>
+              <a:t>coronavirus</a:t>
             </a:r>
             <a:r>
               <a:rPr lang="de-CH" sz="1200" kern="1200" dirty="0">
@@ -3553,23 +3596,251 @@
                 <a:cs typeface="+mn-cs"/>
                 <a:sym typeface="Wingdings" panose="05000000000000000000" pitchFamily="2" charset="2"/>
               </a:rPr>
+              <a:t> still a </a:t>
+            </a:r>
+            <a:r>
+              <a:rPr lang="de-CH" sz="1200" kern="1200" dirty="0" err="1">
+                <a:solidFill>
+                  <a:schemeClr val="tx1"/>
+                </a:solidFill>
+                <a:effectLst/>
+                <a:latin typeface="+mn-lt"/>
+                <a:ea typeface="+mn-ea"/>
+                <a:cs typeface="+mn-cs"/>
+                <a:sym typeface="Wingdings" panose="05000000000000000000" pitchFamily="2" charset="2"/>
+              </a:rPr>
+              <a:t>threat</a:t>
+            </a:r>
+            <a:r>
+              <a:rPr lang="de-CH" sz="1200" kern="1200" dirty="0">
+                <a:solidFill>
+                  <a:schemeClr val="tx1"/>
+                </a:solidFill>
+                <a:effectLst/>
+                <a:latin typeface="+mn-lt"/>
+                <a:ea typeface="+mn-ea"/>
+                <a:cs typeface="+mn-cs"/>
+                <a:sym typeface="Wingdings" panose="05000000000000000000" pitchFamily="2" charset="2"/>
+              </a:rPr>
+              <a:t>. </a:t>
+            </a:r>
+          </a:p>
+          <a:p>
+            <a:pPr marL="0" indent="0">
+              <a:buNone/>
+            </a:pPr>
+            <a:endParaRPr lang="de-CH" sz="1200" kern="1200" dirty="0">
+              <a:solidFill>
+                <a:schemeClr val="tx1"/>
+              </a:solidFill>
+              <a:effectLst/>
+              <a:latin typeface="+mn-lt"/>
+              <a:ea typeface="+mn-ea"/>
+              <a:cs typeface="+mn-cs"/>
+              <a:sym typeface="Wingdings" panose="05000000000000000000" pitchFamily="2" charset="2"/>
+            </a:endParaRPr>
+          </a:p>
+          <a:p>
+            <a:pPr marL="0" indent="0">
+              <a:buNone/>
+            </a:pPr>
+            <a:r>
+              <a:rPr lang="de-CH" sz="1200" kern="1200" dirty="0">
+                <a:solidFill>
+                  <a:schemeClr val="tx1"/>
+                </a:solidFill>
+                <a:effectLst/>
+                <a:latin typeface="+mn-lt"/>
+                <a:ea typeface="+mn-ea"/>
+                <a:cs typeface="+mn-cs"/>
+                <a:sym typeface="Wingdings" panose="05000000000000000000" pitchFamily="2" charset="2"/>
+              </a:rPr>
+              <a:t> </a:t>
+            </a:r>
+            <a:r>
+              <a:rPr lang="de-CH" sz="1200" i="1" kern="1200" dirty="0">
+                <a:solidFill>
+                  <a:schemeClr val="tx1"/>
+                </a:solidFill>
+                <a:effectLst/>
+                <a:latin typeface="+mn-lt"/>
+                <a:ea typeface="+mn-ea"/>
+                <a:cs typeface="+mn-cs"/>
+                <a:sym typeface="Wingdings" panose="05000000000000000000" pitchFamily="2" charset="2"/>
+              </a:rPr>
+              <a:t>At </a:t>
+            </a:r>
+            <a:r>
+              <a:rPr lang="de-CH" sz="1200" i="1" kern="1200" dirty="0" err="1">
+                <a:solidFill>
+                  <a:schemeClr val="tx1"/>
+                </a:solidFill>
+                <a:effectLst/>
+                <a:latin typeface="+mn-lt"/>
+                <a:ea typeface="+mn-ea"/>
+                <a:cs typeface="+mn-cs"/>
+                <a:sym typeface="Wingdings" panose="05000000000000000000" pitchFamily="2" charset="2"/>
+              </a:rPr>
+              <a:t>first</a:t>
+            </a:r>
+            <a:r>
+              <a:rPr lang="de-CH" sz="1200" i="1" kern="1200" dirty="0">
+                <a:solidFill>
+                  <a:schemeClr val="tx1"/>
+                </a:solidFill>
+                <a:effectLst/>
+                <a:latin typeface="+mn-lt"/>
+                <a:ea typeface="+mn-ea"/>
+                <a:cs typeface="+mn-cs"/>
+                <a:sym typeface="Wingdings" panose="05000000000000000000" pitchFamily="2" charset="2"/>
+              </a:rPr>
+              <a:t> he </a:t>
+            </a:r>
+            <a:r>
+              <a:rPr lang="de-CH" sz="1200" i="1" kern="1200" dirty="0" err="1">
+                <a:solidFill>
+                  <a:schemeClr val="tx1"/>
+                </a:solidFill>
+                <a:effectLst/>
+                <a:latin typeface="+mn-lt"/>
+                <a:ea typeface="+mn-ea"/>
+                <a:cs typeface="+mn-cs"/>
+                <a:sym typeface="Wingdings" panose="05000000000000000000" pitchFamily="2" charset="2"/>
+              </a:rPr>
+              <a:t>does</a:t>
+            </a:r>
+            <a:r>
+              <a:rPr lang="de-CH" sz="1200" i="1" kern="1200" dirty="0">
+                <a:solidFill>
+                  <a:schemeClr val="tx1"/>
+                </a:solidFill>
+                <a:effectLst/>
+                <a:latin typeface="+mn-lt"/>
+                <a:ea typeface="+mn-ea"/>
+                <a:cs typeface="+mn-cs"/>
+                <a:sym typeface="Wingdings" panose="05000000000000000000" pitchFamily="2" charset="2"/>
+              </a:rPr>
+              <a:t> not </a:t>
+            </a:r>
+            <a:r>
+              <a:rPr lang="de-CH" sz="1200" i="1" kern="1200" dirty="0" err="1">
+                <a:solidFill>
+                  <a:schemeClr val="tx1"/>
+                </a:solidFill>
+                <a:effectLst/>
+                <a:latin typeface="+mn-lt"/>
+                <a:ea typeface="+mn-ea"/>
+                <a:cs typeface="+mn-cs"/>
+                <a:sym typeface="Wingdings" panose="05000000000000000000" pitchFamily="2" charset="2"/>
+              </a:rPr>
+              <a:t>really</a:t>
+            </a:r>
+            <a:r>
+              <a:rPr lang="de-CH" sz="1200" i="1" kern="1200" dirty="0">
+                <a:solidFill>
+                  <a:schemeClr val="tx1"/>
+                </a:solidFill>
+                <a:effectLst/>
+                <a:latin typeface="+mn-lt"/>
+                <a:ea typeface="+mn-ea"/>
+                <a:cs typeface="+mn-cs"/>
+                <a:sym typeface="Wingdings" panose="05000000000000000000" pitchFamily="2" charset="2"/>
+              </a:rPr>
               <a:t> </a:t>
             </a:r>
             <a:r>
-              <a:rPr lang="de-CH" sz="1200" kern="1200" dirty="0" err="1">
-                <a:solidFill>
-                  <a:schemeClr val="tx1"/>
-                </a:solidFill>
-                <a:effectLst/>
-                <a:latin typeface="+mn-lt"/>
-                <a:ea typeface="+mn-ea"/>
-                <a:cs typeface="+mn-cs"/>
-                <a:sym typeface="Wingdings" panose="05000000000000000000" pitchFamily="2" charset="2"/>
-              </a:rPr>
-              <a:t>people</a:t>
-            </a:r>
-            <a:r>
-              <a:rPr lang="de-CH" sz="1200" kern="1200" dirty="0">
+              <a:rPr lang="de-CH" sz="1200" i="1" kern="1200" dirty="0" err="1">
+                <a:solidFill>
+                  <a:schemeClr val="tx1"/>
+                </a:solidFill>
+                <a:effectLst/>
+                <a:latin typeface="+mn-lt"/>
+                <a:ea typeface="+mn-ea"/>
+                <a:cs typeface="+mn-cs"/>
+                <a:sym typeface="Wingdings" panose="05000000000000000000" pitchFamily="2" charset="2"/>
+              </a:rPr>
+              <a:t>see</a:t>
+            </a:r>
+            <a:r>
+              <a:rPr lang="de-CH" sz="1200" i="1" kern="1200" dirty="0">
+                <a:solidFill>
+                  <a:schemeClr val="tx1"/>
+                </a:solidFill>
+                <a:effectLst/>
+                <a:latin typeface="+mn-lt"/>
+                <a:ea typeface="+mn-ea"/>
+                <a:cs typeface="+mn-cs"/>
+                <a:sym typeface="Wingdings" panose="05000000000000000000" pitchFamily="2" charset="2"/>
+              </a:rPr>
+              <a:t> the </a:t>
+            </a:r>
+            <a:r>
+              <a:rPr lang="de-CH" sz="1200" i="1" kern="1200" dirty="0" err="1">
+                <a:solidFill>
+                  <a:schemeClr val="tx1"/>
+                </a:solidFill>
+                <a:effectLst/>
+                <a:latin typeface="+mn-lt"/>
+                <a:ea typeface="+mn-ea"/>
+                <a:cs typeface="+mn-cs"/>
+                <a:sym typeface="Wingdings" panose="05000000000000000000" pitchFamily="2" charset="2"/>
+              </a:rPr>
+              <a:t>serousness</a:t>
+            </a:r>
+            <a:r>
+              <a:rPr lang="de-CH" sz="1200" i="1" kern="1200" dirty="0">
+                <a:solidFill>
+                  <a:schemeClr val="tx1"/>
+                </a:solidFill>
+                <a:effectLst/>
+                <a:latin typeface="+mn-lt"/>
+                <a:ea typeface="+mn-ea"/>
+                <a:cs typeface="+mn-cs"/>
+                <a:sym typeface="Wingdings" panose="05000000000000000000" pitchFamily="2" charset="2"/>
+              </a:rPr>
+              <a:t> of the </a:t>
+            </a:r>
+            <a:r>
+              <a:rPr lang="de-CH" sz="1200" i="1" kern="1200" dirty="0" err="1">
+                <a:solidFill>
+                  <a:schemeClr val="tx1"/>
+                </a:solidFill>
+                <a:effectLst/>
+                <a:latin typeface="+mn-lt"/>
+                <a:ea typeface="+mn-ea"/>
+                <a:cs typeface="+mn-cs"/>
+                <a:sym typeface="Wingdings" panose="05000000000000000000" pitchFamily="2" charset="2"/>
+              </a:rPr>
+              <a:t>desease</a:t>
+            </a:r>
+            <a:r>
+              <a:rPr lang="de-CH" sz="1200" i="1" kern="1200" dirty="0">
+                <a:solidFill>
+                  <a:schemeClr val="tx1"/>
+                </a:solidFill>
+                <a:effectLst/>
+                <a:latin typeface="+mn-lt"/>
+                <a:ea typeface="+mn-ea"/>
+                <a:cs typeface="+mn-cs"/>
+                <a:sym typeface="Wingdings" panose="05000000000000000000" pitchFamily="2" charset="2"/>
+              </a:rPr>
+              <a:t>  the </a:t>
+            </a:r>
+            <a:r>
+              <a:rPr lang="de-CH" sz="1200" i="1" kern="1200" dirty="0" err="1">
+                <a:solidFill>
+                  <a:schemeClr val="tx1"/>
+                </a:solidFill>
+                <a:effectLst/>
+                <a:latin typeface="+mn-lt"/>
+                <a:ea typeface="+mn-ea"/>
+                <a:cs typeface="+mn-cs"/>
+                <a:sym typeface="Wingdings" panose="05000000000000000000" pitchFamily="2" charset="2"/>
+              </a:rPr>
+              <a:t>complete</a:t>
+            </a:r>
+            <a:r>
+              <a:rPr lang="de-CH" sz="1200" i="1" kern="1200" dirty="0">
                 <a:solidFill>
                   <a:schemeClr val="tx1"/>
                 </a:solidFill>
@@ -3582,58 +3853,643 @@
               <a:t> </a:t>
             </a:r>
             <a:r>
-              <a:rPr lang="de-CH" sz="1200" kern="1200" dirty="0" err="1">
-                <a:solidFill>
-                  <a:schemeClr val="tx1"/>
-                </a:solidFill>
-                <a:effectLst/>
-                <a:latin typeface="+mn-lt"/>
-                <a:ea typeface="+mn-ea"/>
-                <a:cs typeface="+mn-cs"/>
-                <a:sym typeface="Wingdings" panose="05000000000000000000" pitchFamily="2" charset="2"/>
-              </a:rPr>
-              <a:t>coronavirus</a:t>
-            </a:r>
-            <a:r>
-              <a:rPr lang="de-CH" sz="1200" kern="1200" dirty="0">
-                <a:solidFill>
-                  <a:schemeClr val="tx1"/>
-                </a:solidFill>
-                <a:effectLst/>
-                <a:latin typeface="+mn-lt"/>
-                <a:ea typeface="+mn-ea"/>
-                <a:cs typeface="+mn-cs"/>
-                <a:sym typeface="Wingdings" panose="05000000000000000000" pitchFamily="2" charset="2"/>
-              </a:rPr>
-              <a:t> still a </a:t>
-            </a:r>
-            <a:r>
-              <a:rPr lang="de-CH" sz="1200" kern="1200" dirty="0" err="1">
-                <a:solidFill>
-                  <a:schemeClr val="tx1"/>
-                </a:solidFill>
-                <a:effectLst/>
-                <a:latin typeface="+mn-lt"/>
-                <a:ea typeface="+mn-ea"/>
-                <a:cs typeface="+mn-cs"/>
-                <a:sym typeface="Wingdings" panose="05000000000000000000" pitchFamily="2" charset="2"/>
-              </a:rPr>
-              <a:t>threat</a:t>
-            </a:r>
-            <a:r>
-              <a:rPr lang="de-CH" sz="1200" kern="1200" dirty="0">
-                <a:solidFill>
-                  <a:schemeClr val="tx1"/>
-                </a:solidFill>
-                <a:effectLst/>
-                <a:latin typeface="+mn-lt"/>
-                <a:ea typeface="+mn-ea"/>
-                <a:cs typeface="+mn-cs"/>
-                <a:sym typeface="Wingdings" panose="05000000000000000000" pitchFamily="2" charset="2"/>
-              </a:rPr>
-              <a:t>. </a:t>
-            </a:r>
-            <a:endParaRPr lang="de-CH" sz="1200" kern="1200" dirty="0">
+              <a:rPr lang="de-CH" sz="1200" i="1" kern="1200" dirty="0" err="1">
+                <a:solidFill>
+                  <a:schemeClr val="tx1"/>
+                </a:solidFill>
+                <a:effectLst/>
+                <a:latin typeface="+mn-lt"/>
+                <a:ea typeface="+mn-ea"/>
+                <a:cs typeface="+mn-cs"/>
+                <a:sym typeface="Wingdings" panose="05000000000000000000" pitchFamily="2" charset="2"/>
+              </a:rPr>
+              <a:t>turnignpoint</a:t>
+            </a:r>
+            <a:r>
+              <a:rPr lang="de-CH" sz="1200" i="1" kern="1200" dirty="0">
+                <a:solidFill>
+                  <a:schemeClr val="tx1"/>
+                </a:solidFill>
+                <a:effectLst/>
+                <a:latin typeface="+mn-lt"/>
+                <a:ea typeface="+mn-ea"/>
+                <a:cs typeface="+mn-cs"/>
+                <a:sym typeface="Wingdings" panose="05000000000000000000" pitchFamily="2" charset="2"/>
+              </a:rPr>
+              <a:t> was </a:t>
+            </a:r>
+            <a:r>
+              <a:rPr lang="de-CH" sz="1200" i="1" kern="1200" dirty="0" err="1">
+                <a:solidFill>
+                  <a:schemeClr val="tx1"/>
+                </a:solidFill>
+                <a:effectLst/>
+                <a:latin typeface="+mn-lt"/>
+                <a:ea typeface="+mn-ea"/>
+                <a:cs typeface="+mn-cs"/>
+                <a:sym typeface="Wingdings" panose="05000000000000000000" pitchFamily="2" charset="2"/>
+              </a:rPr>
+              <a:t>when</a:t>
+            </a:r>
+            <a:r>
+              <a:rPr lang="de-CH" sz="1200" i="1" kern="1200" dirty="0">
+                <a:solidFill>
+                  <a:schemeClr val="tx1"/>
+                </a:solidFill>
+                <a:effectLst/>
+                <a:latin typeface="+mn-lt"/>
+                <a:ea typeface="+mn-ea"/>
+                <a:cs typeface="+mn-cs"/>
+                <a:sym typeface="Wingdings" panose="05000000000000000000" pitchFamily="2" charset="2"/>
+              </a:rPr>
+              <a:t> he </a:t>
+            </a:r>
+            <a:r>
+              <a:rPr lang="de-CH" sz="1200" i="1" kern="1200" dirty="0" err="1">
+                <a:solidFill>
+                  <a:schemeClr val="tx1"/>
+                </a:solidFill>
+                <a:effectLst/>
+                <a:latin typeface="+mn-lt"/>
+                <a:ea typeface="+mn-ea"/>
+                <a:cs typeface="+mn-cs"/>
+                <a:sym typeface="Wingdings" panose="05000000000000000000" pitchFamily="2" charset="2"/>
+              </a:rPr>
+              <a:t>got</a:t>
+            </a:r>
+            <a:r>
+              <a:rPr lang="de-CH" sz="1200" i="1" kern="1200" dirty="0">
+                <a:solidFill>
+                  <a:schemeClr val="tx1"/>
+                </a:solidFill>
+                <a:effectLst/>
+                <a:latin typeface="+mn-lt"/>
+                <a:ea typeface="+mn-ea"/>
+                <a:cs typeface="+mn-cs"/>
+                <a:sym typeface="Wingdings" panose="05000000000000000000" pitchFamily="2" charset="2"/>
+              </a:rPr>
+              <a:t> </a:t>
+            </a:r>
+            <a:r>
+              <a:rPr lang="de-CH" sz="1200" i="1" kern="1200" dirty="0" err="1">
+                <a:solidFill>
+                  <a:schemeClr val="tx1"/>
+                </a:solidFill>
+                <a:effectLst/>
+                <a:latin typeface="+mn-lt"/>
+                <a:ea typeface="+mn-ea"/>
+                <a:cs typeface="+mn-cs"/>
+                <a:sym typeface="Wingdings" panose="05000000000000000000" pitchFamily="2" charset="2"/>
+              </a:rPr>
+              <a:t>affected</a:t>
+            </a:r>
+            <a:r>
+              <a:rPr lang="de-CH" sz="1200" i="1" kern="1200" dirty="0">
+                <a:solidFill>
+                  <a:schemeClr val="tx1"/>
+                </a:solidFill>
+                <a:effectLst/>
+                <a:latin typeface="+mn-lt"/>
+                <a:ea typeface="+mn-ea"/>
+                <a:cs typeface="+mn-cs"/>
+                <a:sym typeface="Wingdings" panose="05000000000000000000" pitchFamily="2" charset="2"/>
+              </a:rPr>
+              <a:t> and </a:t>
+            </a:r>
+            <a:r>
+              <a:rPr lang="de-CH" sz="1200" i="1" kern="1200" dirty="0" err="1">
+                <a:solidFill>
+                  <a:schemeClr val="tx1"/>
+                </a:solidFill>
+                <a:effectLst/>
+                <a:latin typeface="+mn-lt"/>
+                <a:ea typeface="+mn-ea"/>
+                <a:cs typeface="+mn-cs"/>
+                <a:sym typeface="Wingdings" panose="05000000000000000000" pitchFamily="2" charset="2"/>
+              </a:rPr>
+              <a:t>landed</a:t>
+            </a:r>
+            <a:r>
+              <a:rPr lang="de-CH" sz="1200" i="1" kern="1200" dirty="0">
+                <a:solidFill>
+                  <a:schemeClr val="tx1"/>
+                </a:solidFill>
+                <a:effectLst/>
+                <a:latin typeface="+mn-lt"/>
+                <a:ea typeface="+mn-ea"/>
+                <a:cs typeface="+mn-cs"/>
+                <a:sym typeface="Wingdings" panose="05000000000000000000" pitchFamily="2" charset="2"/>
+              </a:rPr>
+              <a:t> in the </a:t>
+            </a:r>
+            <a:r>
+              <a:rPr lang="de-CH" sz="1200" i="1" kern="1200" dirty="0" err="1">
+                <a:solidFill>
+                  <a:schemeClr val="tx1"/>
+                </a:solidFill>
+                <a:effectLst/>
+                <a:latin typeface="+mn-lt"/>
+                <a:ea typeface="+mn-ea"/>
+                <a:cs typeface="+mn-cs"/>
+                <a:sym typeface="Wingdings" panose="05000000000000000000" pitchFamily="2" charset="2"/>
+              </a:rPr>
+              <a:t>intensivstation</a:t>
+            </a:r>
+            <a:r>
+              <a:rPr lang="de-CH" sz="1200" i="1" kern="1200" dirty="0">
+                <a:solidFill>
+                  <a:schemeClr val="tx1"/>
+                </a:solidFill>
+                <a:effectLst/>
+                <a:latin typeface="+mn-lt"/>
+                <a:ea typeface="+mn-ea"/>
+                <a:cs typeface="+mn-cs"/>
+                <a:sym typeface="Wingdings" panose="05000000000000000000" pitchFamily="2" charset="2"/>
+              </a:rPr>
+              <a:t>. And also </a:t>
+            </a:r>
+            <a:r>
+              <a:rPr lang="de-CH" sz="1200" i="1" kern="1200" dirty="0" err="1">
+                <a:solidFill>
+                  <a:schemeClr val="tx1"/>
+                </a:solidFill>
+                <a:effectLst/>
+                <a:latin typeface="+mn-lt"/>
+                <a:ea typeface="+mn-ea"/>
+                <a:cs typeface="+mn-cs"/>
+                <a:sym typeface="Wingdings" panose="05000000000000000000" pitchFamily="2" charset="2"/>
+              </a:rPr>
+              <a:t>when</a:t>
+            </a:r>
+            <a:r>
+              <a:rPr lang="de-CH" sz="1200" i="1" kern="1200" dirty="0">
+                <a:solidFill>
+                  <a:schemeClr val="tx1"/>
+                </a:solidFill>
+                <a:effectLst/>
+                <a:latin typeface="+mn-lt"/>
+                <a:ea typeface="+mn-ea"/>
+                <a:cs typeface="+mn-cs"/>
+                <a:sym typeface="Wingdings" panose="05000000000000000000" pitchFamily="2" charset="2"/>
+              </a:rPr>
+              <a:t> the </a:t>
+            </a:r>
+            <a:r>
+              <a:rPr lang="de-CH" sz="1200" i="1" kern="1200" dirty="0" err="1">
+                <a:solidFill>
+                  <a:schemeClr val="tx1"/>
+                </a:solidFill>
+                <a:effectLst/>
+                <a:latin typeface="+mn-lt"/>
+                <a:ea typeface="+mn-ea"/>
+                <a:cs typeface="+mn-cs"/>
+                <a:sym typeface="Wingdings" panose="05000000000000000000" pitchFamily="2" charset="2"/>
+              </a:rPr>
+              <a:t>deaths</a:t>
+            </a:r>
+            <a:r>
+              <a:rPr lang="de-CH" sz="1200" i="1" kern="1200" dirty="0">
+                <a:solidFill>
+                  <a:schemeClr val="tx1"/>
+                </a:solidFill>
+                <a:effectLst/>
+                <a:latin typeface="+mn-lt"/>
+                <a:ea typeface="+mn-ea"/>
+                <a:cs typeface="+mn-cs"/>
+                <a:sym typeface="Wingdings" panose="05000000000000000000" pitchFamily="2" charset="2"/>
+              </a:rPr>
+              <a:t> </a:t>
+            </a:r>
+            <a:r>
+              <a:rPr lang="de-CH" sz="1200" i="1" kern="1200" dirty="0" err="1">
+                <a:solidFill>
+                  <a:schemeClr val="tx1"/>
+                </a:solidFill>
+                <a:effectLst/>
+                <a:latin typeface="+mn-lt"/>
+                <a:ea typeface="+mn-ea"/>
+                <a:cs typeface="+mn-cs"/>
+                <a:sym typeface="Wingdings" panose="05000000000000000000" pitchFamily="2" charset="2"/>
+              </a:rPr>
+              <a:t>started</a:t>
+            </a:r>
+            <a:r>
+              <a:rPr lang="de-CH" sz="1200" i="1" kern="1200" dirty="0">
+                <a:solidFill>
+                  <a:schemeClr val="tx1"/>
+                </a:solidFill>
+                <a:effectLst/>
+                <a:latin typeface="+mn-lt"/>
+                <a:ea typeface="+mn-ea"/>
+                <a:cs typeface="+mn-cs"/>
+                <a:sym typeface="Wingdings" panose="05000000000000000000" pitchFamily="2" charset="2"/>
+              </a:rPr>
+              <a:t> </a:t>
+            </a:r>
+            <a:r>
+              <a:rPr lang="de-CH" sz="1200" i="1" kern="1200" dirty="0" err="1">
+                <a:solidFill>
+                  <a:schemeClr val="tx1"/>
+                </a:solidFill>
+                <a:effectLst/>
+                <a:latin typeface="+mn-lt"/>
+                <a:ea typeface="+mn-ea"/>
+                <a:cs typeface="+mn-cs"/>
+                <a:sym typeface="Wingdings" panose="05000000000000000000" pitchFamily="2" charset="2"/>
+              </a:rPr>
+              <a:t>raising</a:t>
+            </a:r>
+            <a:r>
+              <a:rPr lang="de-CH" sz="1200" i="1" kern="1200" dirty="0">
+                <a:solidFill>
+                  <a:schemeClr val="tx1"/>
+                </a:solidFill>
+                <a:effectLst/>
+                <a:latin typeface="+mn-lt"/>
+                <a:ea typeface="+mn-ea"/>
+                <a:cs typeface="+mn-cs"/>
+                <a:sym typeface="Wingdings" panose="05000000000000000000" pitchFamily="2" charset="2"/>
+              </a:rPr>
+              <a:t> </a:t>
+            </a:r>
+            <a:r>
+              <a:rPr lang="de-CH" sz="1200" i="1" kern="1200" dirty="0" err="1">
+                <a:solidFill>
+                  <a:schemeClr val="tx1"/>
+                </a:solidFill>
+                <a:effectLst/>
+                <a:latin typeface="+mn-lt"/>
+                <a:ea typeface="+mn-ea"/>
+                <a:cs typeface="+mn-cs"/>
+                <a:sym typeface="Wingdings" panose="05000000000000000000" pitchFamily="2" charset="2"/>
+              </a:rPr>
+              <a:t>highly</a:t>
+            </a:r>
+            <a:r>
+              <a:rPr lang="de-CH" sz="1200" i="1" kern="1200" dirty="0">
+                <a:solidFill>
+                  <a:schemeClr val="tx1"/>
+                </a:solidFill>
+                <a:effectLst/>
+                <a:latin typeface="+mn-lt"/>
+                <a:ea typeface="+mn-ea"/>
+                <a:cs typeface="+mn-cs"/>
+                <a:sym typeface="Wingdings" panose="05000000000000000000" pitchFamily="2" charset="2"/>
+              </a:rPr>
+              <a:t>  </a:t>
+            </a:r>
+            <a:r>
+              <a:rPr lang="de-CH" sz="1200" i="1" kern="1200" dirty="0" err="1">
+                <a:solidFill>
+                  <a:schemeClr val="tx1"/>
+                </a:solidFill>
+                <a:effectLst/>
+                <a:latin typeface="+mn-lt"/>
+                <a:ea typeface="+mn-ea"/>
+                <a:cs typeface="+mn-cs"/>
+                <a:sym typeface="Wingdings" panose="05000000000000000000" pitchFamily="2" charset="2"/>
+              </a:rPr>
+              <a:t>then</a:t>
+            </a:r>
+            <a:r>
+              <a:rPr lang="de-CH" sz="1200" i="1" kern="1200" dirty="0">
+                <a:solidFill>
+                  <a:schemeClr val="tx1"/>
+                </a:solidFill>
+                <a:effectLst/>
+                <a:latin typeface="+mn-lt"/>
+                <a:ea typeface="+mn-ea"/>
+                <a:cs typeface="+mn-cs"/>
+                <a:sym typeface="Wingdings" panose="05000000000000000000" pitchFamily="2" charset="2"/>
+              </a:rPr>
+              <a:t> </a:t>
+            </a:r>
+            <a:r>
+              <a:rPr lang="de-CH" sz="1200" i="1" kern="1200" dirty="0" err="1">
+                <a:solidFill>
+                  <a:schemeClr val="tx1"/>
+                </a:solidFill>
+                <a:effectLst/>
+                <a:latin typeface="+mn-lt"/>
+                <a:ea typeface="+mn-ea"/>
+                <a:cs typeface="+mn-cs"/>
+                <a:sym typeface="Wingdings" panose="05000000000000000000" pitchFamily="2" charset="2"/>
+              </a:rPr>
+              <a:t>adopted</a:t>
+            </a:r>
+            <a:r>
+              <a:rPr lang="de-CH" sz="1200" i="1" kern="1200" dirty="0">
+                <a:solidFill>
+                  <a:schemeClr val="tx1"/>
+                </a:solidFill>
+                <a:effectLst/>
+                <a:latin typeface="+mn-lt"/>
+                <a:ea typeface="+mn-ea"/>
+                <a:cs typeface="+mn-cs"/>
+                <a:sym typeface="Wingdings" panose="05000000000000000000" pitchFamily="2" charset="2"/>
+              </a:rPr>
+              <a:t> </a:t>
+            </a:r>
+            <a:r>
+              <a:rPr lang="de-CH" sz="1200" i="1" kern="1200" dirty="0" err="1">
+                <a:solidFill>
+                  <a:schemeClr val="tx1"/>
+                </a:solidFill>
+                <a:effectLst/>
+                <a:latin typeface="+mn-lt"/>
+                <a:ea typeface="+mn-ea"/>
+                <a:cs typeface="+mn-cs"/>
+                <a:sym typeface="Wingdings" panose="05000000000000000000" pitchFamily="2" charset="2"/>
+              </a:rPr>
+              <a:t>their</a:t>
+            </a:r>
+            <a:r>
+              <a:rPr lang="de-CH" sz="1200" i="1" kern="1200" dirty="0">
+                <a:solidFill>
+                  <a:schemeClr val="tx1"/>
+                </a:solidFill>
+                <a:effectLst/>
+                <a:latin typeface="+mn-lt"/>
+                <a:ea typeface="+mn-ea"/>
+                <a:cs typeface="+mn-cs"/>
+                <a:sym typeface="Wingdings" panose="05000000000000000000" pitchFamily="2" charset="2"/>
+              </a:rPr>
+              <a:t> </a:t>
+            </a:r>
+            <a:r>
+              <a:rPr lang="de-CH" sz="1200" i="1" kern="1200" dirty="0" err="1">
+                <a:solidFill>
+                  <a:schemeClr val="tx1"/>
+                </a:solidFill>
+                <a:effectLst/>
+                <a:latin typeface="+mn-lt"/>
+                <a:ea typeface="+mn-ea"/>
+                <a:cs typeface="+mn-cs"/>
+                <a:sym typeface="Wingdings" panose="05000000000000000000" pitchFamily="2" charset="2"/>
+              </a:rPr>
+              <a:t>strategy</a:t>
+            </a:r>
+            <a:r>
+              <a:rPr lang="de-CH" sz="1200" i="1" kern="1200" dirty="0">
+                <a:solidFill>
+                  <a:schemeClr val="tx1"/>
+                </a:solidFill>
+                <a:effectLst/>
+                <a:latin typeface="+mn-lt"/>
+                <a:ea typeface="+mn-ea"/>
+                <a:cs typeface="+mn-cs"/>
+                <a:sym typeface="Wingdings" panose="05000000000000000000" pitchFamily="2" charset="2"/>
+              </a:rPr>
+              <a:t> and </a:t>
+            </a:r>
+            <a:r>
+              <a:rPr lang="de-CH" sz="1200" i="1" kern="1200" dirty="0" err="1">
+                <a:solidFill>
+                  <a:schemeClr val="tx1"/>
+                </a:solidFill>
+                <a:effectLst/>
+                <a:latin typeface="+mn-lt"/>
+                <a:ea typeface="+mn-ea"/>
+                <a:cs typeface="+mn-cs"/>
+                <a:sym typeface="Wingdings" panose="05000000000000000000" pitchFamily="2" charset="2"/>
+              </a:rPr>
+              <a:t>locked</a:t>
+            </a:r>
+            <a:r>
+              <a:rPr lang="de-CH" sz="1200" i="1" kern="1200" dirty="0">
+                <a:solidFill>
+                  <a:schemeClr val="tx1"/>
+                </a:solidFill>
+                <a:effectLst/>
+                <a:latin typeface="+mn-lt"/>
+                <a:ea typeface="+mn-ea"/>
+                <a:cs typeface="+mn-cs"/>
+                <a:sym typeface="Wingdings" panose="05000000000000000000" pitchFamily="2" charset="2"/>
+              </a:rPr>
+              <a:t> down the </a:t>
+            </a:r>
+            <a:r>
+              <a:rPr lang="de-CH" sz="1200" i="1" kern="1200" dirty="0" err="1">
+                <a:solidFill>
+                  <a:schemeClr val="tx1"/>
+                </a:solidFill>
+                <a:effectLst/>
+                <a:latin typeface="+mn-lt"/>
+                <a:ea typeface="+mn-ea"/>
+                <a:cs typeface="+mn-cs"/>
+                <a:sym typeface="Wingdings" panose="05000000000000000000" pitchFamily="2" charset="2"/>
+              </a:rPr>
+              <a:t>yountry</a:t>
+            </a:r>
+            <a:r>
+              <a:rPr lang="de-CH" sz="1200" i="1" kern="1200" dirty="0">
+                <a:solidFill>
+                  <a:schemeClr val="tx1"/>
+                </a:solidFill>
+                <a:effectLst/>
+                <a:latin typeface="+mn-lt"/>
+                <a:ea typeface="+mn-ea"/>
+                <a:cs typeface="+mn-cs"/>
+                <a:sym typeface="Wingdings" panose="05000000000000000000" pitchFamily="2" charset="2"/>
+              </a:rPr>
+              <a:t> and </a:t>
+            </a:r>
+            <a:r>
+              <a:rPr lang="de-CH" sz="1200" i="1" kern="1200" dirty="0" err="1">
+                <a:solidFill>
+                  <a:schemeClr val="tx1"/>
+                </a:solidFill>
+                <a:effectLst/>
+                <a:latin typeface="+mn-lt"/>
+                <a:ea typeface="+mn-ea"/>
+                <a:cs typeface="+mn-cs"/>
+                <a:sym typeface="Wingdings" panose="05000000000000000000" pitchFamily="2" charset="2"/>
+              </a:rPr>
+              <a:t>intrudocued</a:t>
+            </a:r>
+            <a:r>
+              <a:rPr lang="de-CH" sz="1200" i="1" kern="1200" dirty="0">
+                <a:solidFill>
+                  <a:schemeClr val="tx1"/>
+                </a:solidFill>
+                <a:effectLst/>
+                <a:latin typeface="+mn-lt"/>
+                <a:ea typeface="+mn-ea"/>
+                <a:cs typeface="+mn-cs"/>
+                <a:sym typeface="Wingdings" panose="05000000000000000000" pitchFamily="2" charset="2"/>
+              </a:rPr>
+              <a:t> the #</a:t>
+            </a:r>
+            <a:r>
+              <a:rPr lang="de-CH" sz="1200" i="1" kern="1200" dirty="0" err="1">
+                <a:solidFill>
+                  <a:schemeClr val="tx1"/>
+                </a:solidFill>
+                <a:effectLst/>
+                <a:latin typeface="+mn-lt"/>
+                <a:ea typeface="+mn-ea"/>
+                <a:cs typeface="+mn-cs"/>
+                <a:sym typeface="Wingdings" panose="05000000000000000000" pitchFamily="2" charset="2"/>
+              </a:rPr>
+              <a:t>stay</a:t>
+            </a:r>
+            <a:r>
+              <a:rPr lang="de-CH" sz="1200" i="1" kern="1200" dirty="0">
+                <a:solidFill>
+                  <a:schemeClr val="tx1"/>
+                </a:solidFill>
+                <a:effectLst/>
+                <a:latin typeface="+mn-lt"/>
+                <a:ea typeface="+mn-ea"/>
+                <a:cs typeface="+mn-cs"/>
+                <a:sym typeface="Wingdings" panose="05000000000000000000" pitchFamily="2" charset="2"/>
+              </a:rPr>
+              <a:t> alert </a:t>
+            </a:r>
+            <a:r>
+              <a:rPr lang="de-CH" sz="1200" i="1" kern="1200" dirty="0" err="1">
+                <a:solidFill>
+                  <a:schemeClr val="tx1"/>
+                </a:solidFill>
+                <a:effectLst/>
+                <a:latin typeface="+mn-lt"/>
+                <a:ea typeface="+mn-ea"/>
+                <a:cs typeface="+mn-cs"/>
+                <a:sym typeface="Wingdings" panose="05000000000000000000" pitchFamily="2" charset="2"/>
+              </a:rPr>
+              <a:t>wher</a:t>
+            </a:r>
+            <a:r>
+              <a:rPr lang="de-CH" sz="1200" i="1" kern="1200" dirty="0">
+                <a:solidFill>
+                  <a:schemeClr val="tx1"/>
+                </a:solidFill>
+                <a:effectLst/>
+                <a:latin typeface="+mn-lt"/>
+                <a:ea typeface="+mn-ea"/>
+                <a:cs typeface="+mn-cs"/>
+                <a:sym typeface="Wingdings" panose="05000000000000000000" pitchFamily="2" charset="2"/>
+              </a:rPr>
+              <a:t> </a:t>
+            </a:r>
+            <a:r>
+              <a:rPr lang="de-CH" sz="1200" i="1" kern="1200" dirty="0" err="1">
+                <a:solidFill>
+                  <a:schemeClr val="tx1"/>
+                </a:solidFill>
+                <a:effectLst/>
+                <a:latin typeface="+mn-lt"/>
+                <a:ea typeface="+mn-ea"/>
+                <a:cs typeface="+mn-cs"/>
+                <a:sym typeface="Wingdings" panose="05000000000000000000" pitchFamily="2" charset="2"/>
+              </a:rPr>
+              <a:t>everyone</a:t>
+            </a:r>
+            <a:r>
+              <a:rPr lang="de-CH" sz="1200" i="1" kern="1200" dirty="0">
+                <a:solidFill>
+                  <a:schemeClr val="tx1"/>
+                </a:solidFill>
+                <a:effectLst/>
+                <a:latin typeface="+mn-lt"/>
+                <a:ea typeface="+mn-ea"/>
+                <a:cs typeface="+mn-cs"/>
+                <a:sym typeface="Wingdings" panose="05000000000000000000" pitchFamily="2" charset="2"/>
+              </a:rPr>
+              <a:t> is </a:t>
+            </a:r>
+            <a:r>
+              <a:rPr lang="de-CH" sz="1200" i="1" kern="1200" dirty="0" err="1">
+                <a:solidFill>
+                  <a:schemeClr val="tx1"/>
+                </a:solidFill>
+                <a:effectLst/>
+                <a:latin typeface="+mn-lt"/>
+                <a:ea typeface="+mn-ea"/>
+                <a:cs typeface="+mn-cs"/>
+                <a:sym typeface="Wingdings" panose="05000000000000000000" pitchFamily="2" charset="2"/>
+              </a:rPr>
+              <a:t>apelled</a:t>
+            </a:r>
+            <a:r>
+              <a:rPr lang="de-CH" sz="1200" i="1" kern="1200" dirty="0">
+                <a:solidFill>
+                  <a:schemeClr val="tx1"/>
+                </a:solidFill>
+                <a:effectLst/>
+                <a:latin typeface="+mn-lt"/>
+                <a:ea typeface="+mn-ea"/>
+                <a:cs typeface="+mn-cs"/>
+                <a:sym typeface="Wingdings" panose="05000000000000000000" pitchFamily="2" charset="2"/>
+              </a:rPr>
+              <a:t> </a:t>
+            </a:r>
+            <a:r>
+              <a:rPr lang="de-CH" sz="1200" i="1" kern="1200" dirty="0" err="1">
+                <a:solidFill>
+                  <a:schemeClr val="tx1"/>
+                </a:solidFill>
+                <a:effectLst/>
+                <a:latin typeface="+mn-lt"/>
+                <a:ea typeface="+mn-ea"/>
+                <a:cs typeface="+mn-cs"/>
+                <a:sym typeface="Wingdings" panose="05000000000000000000" pitchFamily="2" charset="2"/>
+              </a:rPr>
+              <a:t>to</a:t>
+            </a:r>
+            <a:r>
+              <a:rPr lang="de-CH" sz="1200" i="1" kern="1200" dirty="0">
+                <a:solidFill>
+                  <a:schemeClr val="tx1"/>
+                </a:solidFill>
+                <a:effectLst/>
+                <a:latin typeface="+mn-lt"/>
+                <a:ea typeface="+mn-ea"/>
+                <a:cs typeface="+mn-cs"/>
+                <a:sym typeface="Wingdings" panose="05000000000000000000" pitchFamily="2" charset="2"/>
+              </a:rPr>
+              <a:t> </a:t>
+            </a:r>
+            <a:r>
+              <a:rPr lang="de-CH" sz="1200" i="1" kern="1200" dirty="0" err="1">
+                <a:solidFill>
+                  <a:schemeClr val="tx1"/>
+                </a:solidFill>
+                <a:effectLst/>
+                <a:latin typeface="+mn-lt"/>
+                <a:ea typeface="+mn-ea"/>
+                <a:cs typeface="+mn-cs"/>
+                <a:sym typeface="Wingdings" panose="05000000000000000000" pitchFamily="2" charset="2"/>
+              </a:rPr>
+              <a:t>stay</a:t>
+            </a:r>
+            <a:r>
+              <a:rPr lang="de-CH" sz="1200" i="1" kern="1200" dirty="0">
+                <a:solidFill>
+                  <a:schemeClr val="tx1"/>
+                </a:solidFill>
+                <a:effectLst/>
+                <a:latin typeface="+mn-lt"/>
+                <a:ea typeface="+mn-ea"/>
+                <a:cs typeface="+mn-cs"/>
+                <a:sym typeface="Wingdings" panose="05000000000000000000" pitchFamily="2" charset="2"/>
+              </a:rPr>
+              <a:t> </a:t>
+            </a:r>
+            <a:r>
+              <a:rPr lang="de-CH" sz="1200" i="1" kern="1200" dirty="0" err="1">
+                <a:solidFill>
+                  <a:schemeClr val="tx1"/>
+                </a:solidFill>
+                <a:effectLst/>
+                <a:latin typeface="+mn-lt"/>
+                <a:ea typeface="+mn-ea"/>
+                <a:cs typeface="+mn-cs"/>
+                <a:sym typeface="Wingdings" panose="05000000000000000000" pitchFamily="2" charset="2"/>
+              </a:rPr>
+              <a:t>home</a:t>
+            </a:r>
+            <a:endParaRPr lang="de-CH" sz="1200" i="1" kern="1200" dirty="0">
               <a:solidFill>
                 <a:schemeClr val="tx1"/>
               </a:solidFill>
@@ -8056,7 +8912,7 @@
           </a:ln>
           <a:extLst>
             <a:ext uri="{C572A759-6A51-4108-AA02-DFA0A04FC94B}">
-              <ma14:wrappingTextBoxFlag xmlns:ma14="http://schemas.microsoft.com/office/mac/drawingml/2011/main" xmlns="" val="1"/>
+              <ma14:wrappingTextBoxFlag xmlns="" xmlns:ma14="http://schemas.microsoft.com/office/mac/drawingml/2011/main" val="1"/>
             </a:ext>
           </a:extLst>
         </p:spPr>
@@ -8282,7 +9138,7 @@
             <a:effectLst/>
             <a:extLst>
               <a:ext uri="{C572A759-6A51-4108-AA02-DFA0A04FC94B}">
-                <ma14:wrappingTextBoxFlag xmlns:ma14="http://schemas.microsoft.com/office/mac/drawingml/2011/main" xmlns="" val="1"/>
+                <ma14:wrappingTextBoxFlag xmlns="" xmlns:ma14="http://schemas.microsoft.com/office/mac/drawingml/2011/main" val="1"/>
               </a:ext>
             </a:extLst>
           </p:spPr>
@@ -8333,7 +9189,7 @@
             <a:effectLst/>
             <a:extLst>
               <a:ext uri="{C572A759-6A51-4108-AA02-DFA0A04FC94B}">
-                <ma14:wrappingTextBoxFlag xmlns:ma14="http://schemas.microsoft.com/office/mac/drawingml/2011/main" xmlns="" val="1"/>
+                <ma14:wrappingTextBoxFlag xmlns="" xmlns:ma14="http://schemas.microsoft.com/office/mac/drawingml/2011/main" val="1"/>
               </a:ext>
             </a:extLst>
           </p:spPr>
@@ -8407,7 +9263,7 @@
             <a:effectLst/>
             <a:extLst>
               <a:ext uri="{C572A759-6A51-4108-AA02-DFA0A04FC94B}">
-                <ma14:wrappingTextBoxFlag xmlns:ma14="http://schemas.microsoft.com/office/mac/drawingml/2011/main" xmlns="" val="1"/>
+                <ma14:wrappingTextBoxFlag xmlns="" xmlns:ma14="http://schemas.microsoft.com/office/mac/drawingml/2011/main" val="1"/>
               </a:ext>
             </a:extLst>
           </p:spPr>
@@ -8587,7 +9443,7 @@
             <a:effectLst/>
             <a:extLst>
               <a:ext uri="{C572A759-6A51-4108-AA02-DFA0A04FC94B}">
-                <ma14:wrappingTextBoxFlag xmlns:ma14="http://schemas.microsoft.com/office/mac/drawingml/2011/main" xmlns="" val="1"/>
+                <ma14:wrappingTextBoxFlag xmlns="" xmlns:ma14="http://schemas.microsoft.com/office/mac/drawingml/2011/main" val="1"/>
               </a:ext>
             </a:extLst>
           </p:spPr>
@@ -8637,7 +9493,7 @@
             <a:effectLst/>
             <a:extLst>
               <a:ext uri="{C572A759-6A51-4108-AA02-DFA0A04FC94B}">
-                <ma14:wrappingTextBoxFlag xmlns:ma14="http://schemas.microsoft.com/office/mac/drawingml/2011/main" xmlns="" val="1"/>
+                <ma14:wrappingTextBoxFlag xmlns="" xmlns:ma14="http://schemas.microsoft.com/office/mac/drawingml/2011/main" val="1"/>
               </a:ext>
             </a:extLst>
           </p:spPr>
@@ -8687,7 +9543,7 @@
             <a:effectLst/>
             <a:extLst>
               <a:ext uri="{C572A759-6A51-4108-AA02-DFA0A04FC94B}">
-                <ma14:wrappingTextBoxFlag xmlns:ma14="http://schemas.microsoft.com/office/mac/drawingml/2011/main" xmlns="" val="1"/>
+                <ma14:wrappingTextBoxFlag xmlns="" xmlns:ma14="http://schemas.microsoft.com/office/mac/drawingml/2011/main" val="1"/>
               </a:ext>
             </a:extLst>
           </p:spPr>
@@ -8999,7 +9855,7 @@
             <a:effectLst/>
             <a:extLst>
               <a:ext uri="{C572A759-6A51-4108-AA02-DFA0A04FC94B}">
-                <ma14:wrappingTextBoxFlag xmlns:ma14="http://schemas.microsoft.com/office/mac/drawingml/2011/main" xmlns="" val="1"/>
+                <ma14:wrappingTextBoxFlag xmlns="" xmlns:ma14="http://schemas.microsoft.com/office/mac/drawingml/2011/main" val="1"/>
               </a:ext>
             </a:extLst>
           </p:spPr>
@@ -9049,7 +9905,7 @@
             <a:effectLst/>
             <a:extLst>
               <a:ext uri="{C572A759-6A51-4108-AA02-DFA0A04FC94B}">
-                <ma14:wrappingTextBoxFlag xmlns:ma14="http://schemas.microsoft.com/office/mac/drawingml/2011/main" xmlns="" val="1"/>
+                <ma14:wrappingTextBoxFlag xmlns="" xmlns:ma14="http://schemas.microsoft.com/office/mac/drawingml/2011/main" val="1"/>
               </a:ext>
             </a:extLst>
           </p:spPr>
@@ -9103,7 +9959,7 @@
             <a:effectLst/>
             <a:extLst>
               <a:ext uri="{C572A759-6A51-4108-AA02-DFA0A04FC94B}">
-                <ma14:wrappingTextBoxFlag xmlns:ma14="http://schemas.microsoft.com/office/mac/drawingml/2011/main" xmlns="" val="1"/>
+                <ma14:wrappingTextBoxFlag xmlns="" xmlns:ma14="http://schemas.microsoft.com/office/mac/drawingml/2011/main" val="1"/>
               </a:ext>
             </a:extLst>
           </p:spPr>
@@ -9350,7 +10206,7 @@
             <a:effectLst/>
             <a:extLst>
               <a:ext uri="{C572A759-6A51-4108-AA02-DFA0A04FC94B}">
-                <ma14:wrappingTextBoxFlag xmlns:ma14="http://schemas.microsoft.com/office/mac/drawingml/2011/main" xmlns="" val="1"/>
+                <ma14:wrappingTextBoxFlag xmlns="" xmlns:ma14="http://schemas.microsoft.com/office/mac/drawingml/2011/main" val="1"/>
               </a:ext>
             </a:extLst>
           </p:spPr>
@@ -9405,7 +10261,7 @@
             <a:effectLst/>
             <a:extLst>
               <a:ext uri="{C572A759-6A51-4108-AA02-DFA0A04FC94B}">
-                <ma14:wrappingTextBoxFlag xmlns:ma14="http://schemas.microsoft.com/office/mac/drawingml/2011/main" xmlns="" val="1"/>
+                <ma14:wrappingTextBoxFlag xmlns="" xmlns:ma14="http://schemas.microsoft.com/office/mac/drawingml/2011/main" val="1"/>
               </a:ext>
             </a:extLst>
           </p:spPr>
@@ -9459,7 +10315,7 @@
             <a:effectLst/>
             <a:extLst>
               <a:ext uri="{C572A759-6A51-4108-AA02-DFA0A04FC94B}">
-                <ma14:wrappingTextBoxFlag xmlns:ma14="http://schemas.microsoft.com/office/mac/drawingml/2011/main" xmlns="" val="1"/>
+                <ma14:wrappingTextBoxFlag xmlns="" xmlns:ma14="http://schemas.microsoft.com/office/mac/drawingml/2011/main" val="1"/>
               </a:ext>
             </a:extLst>
           </p:spPr>
@@ -10288,7 +11144,7 @@
         <p:spPr>
           <a:xfrm>
             <a:off x="6639127" y="694065"/>
-            <a:ext cx="2409862" cy="730783"/>
+            <a:ext cx="2409862" cy="1186323"/>
           </a:xfrm>
           <a:prstGeom prst="roundRect">
             <a:avLst/>
@@ -10317,7 +11173,7 @@
             <a:pPr algn="ctr"/>
             <a:r>
               <a:rPr lang="en-US" b="1" dirty="0"/>
-              <a:t>advising UK nationals against all but essential international travel (17. March)</a:t>
+              <a:t>advising UK nationals against all but essential international travel &amp; social distancing (17. March)</a:t>
             </a:r>
             <a:endParaRPr lang="de-CH" dirty="0"/>
           </a:p>
@@ -10678,7 +11534,7 @@
             <a:effectLst/>
             <a:extLst>
               <a:ext uri="{C572A759-6A51-4108-AA02-DFA0A04FC94B}">
-                <ma14:wrappingTextBoxFlag xmlns:ma14="http://schemas.microsoft.com/office/mac/drawingml/2011/main" xmlns="" val="1"/>
+                <ma14:wrappingTextBoxFlag xmlns="" xmlns:ma14="http://schemas.microsoft.com/office/mac/drawingml/2011/main" val="1"/>
               </a:ext>
             </a:extLst>
           </p:spPr>
@@ -10733,7 +11589,7 @@
             <a:effectLst/>
             <a:extLst>
               <a:ext uri="{C572A759-6A51-4108-AA02-DFA0A04FC94B}">
-                <ma14:wrappingTextBoxFlag xmlns:ma14="http://schemas.microsoft.com/office/mac/drawingml/2011/main" xmlns="" val="1"/>
+                <ma14:wrappingTextBoxFlag xmlns="" xmlns:ma14="http://schemas.microsoft.com/office/mac/drawingml/2011/main" val="1"/>
               </a:ext>
             </a:extLst>
           </p:spPr>
@@ -10787,7 +11643,7 @@
             <a:effectLst/>
             <a:extLst>
               <a:ext uri="{C572A759-6A51-4108-AA02-DFA0A04FC94B}">
-                <ma14:wrappingTextBoxFlag xmlns:ma14="http://schemas.microsoft.com/office/mac/drawingml/2011/main" xmlns="" val="1"/>
+                <ma14:wrappingTextBoxFlag xmlns="" xmlns:ma14="http://schemas.microsoft.com/office/mac/drawingml/2011/main" val="1"/>
               </a:ext>
             </a:extLst>
           </p:spPr>
@@ -11034,7 +11890,7 @@
             <a:effectLst/>
             <a:extLst>
               <a:ext uri="{C572A759-6A51-4108-AA02-DFA0A04FC94B}">
-                <ma14:wrappingTextBoxFlag xmlns:ma14="http://schemas.microsoft.com/office/mac/drawingml/2011/main" xmlns="" val="1"/>
+                <ma14:wrappingTextBoxFlag xmlns="" xmlns:ma14="http://schemas.microsoft.com/office/mac/drawingml/2011/main" val="1"/>
               </a:ext>
             </a:extLst>
           </p:spPr>
@@ -11085,7 +11941,7 @@
             <a:effectLst/>
             <a:extLst>
               <a:ext uri="{C572A759-6A51-4108-AA02-DFA0A04FC94B}">
-                <ma14:wrappingTextBoxFlag xmlns:ma14="http://schemas.microsoft.com/office/mac/drawingml/2011/main" xmlns="" val="1"/>
+                <ma14:wrappingTextBoxFlag xmlns="" xmlns:ma14="http://schemas.microsoft.com/office/mac/drawingml/2011/main" val="1"/>
               </a:ext>
             </a:extLst>
           </p:spPr>
@@ -11135,7 +11991,7 @@
             <a:effectLst/>
             <a:extLst>
               <a:ext uri="{C572A759-6A51-4108-AA02-DFA0A04FC94B}">
-                <ma14:wrappingTextBoxFlag xmlns:ma14="http://schemas.microsoft.com/office/mac/drawingml/2011/main" xmlns="" val="1"/>
+                <ma14:wrappingTextBoxFlag xmlns="" xmlns:ma14="http://schemas.microsoft.com/office/mac/drawingml/2011/main" val="1"/>
               </a:ext>
             </a:extLst>
           </p:spPr>
@@ -11294,7 +12150,7 @@
             <a:effectLst/>
             <a:extLst>
               <a:ext uri="{C572A759-6A51-4108-AA02-DFA0A04FC94B}">
-                <ma14:wrappingTextBoxFlag xmlns:ma14="http://schemas.microsoft.com/office/mac/drawingml/2011/main" xmlns="" val="1"/>
+                <ma14:wrappingTextBoxFlag xmlns="" xmlns:ma14="http://schemas.microsoft.com/office/mac/drawingml/2011/main" val="1"/>
               </a:ext>
             </a:extLst>
           </p:spPr>
@@ -11344,7 +12200,7 @@
             <a:effectLst/>
             <a:extLst>
               <a:ext uri="{C572A759-6A51-4108-AA02-DFA0A04FC94B}">
-                <ma14:wrappingTextBoxFlag xmlns:ma14="http://schemas.microsoft.com/office/mac/drawingml/2011/main" xmlns="" val="1"/>
+                <ma14:wrappingTextBoxFlag xmlns="" xmlns:ma14="http://schemas.microsoft.com/office/mac/drawingml/2011/main" val="1"/>
               </a:ext>
             </a:extLst>
           </p:spPr>
@@ -11398,7 +12254,7 @@
             <a:effectLst/>
             <a:extLst>
               <a:ext uri="{C572A759-6A51-4108-AA02-DFA0A04FC94B}">
-                <ma14:wrappingTextBoxFlag xmlns:ma14="http://schemas.microsoft.com/office/mac/drawingml/2011/main" xmlns="" val="1"/>
+                <ma14:wrappingTextBoxFlag xmlns="" xmlns:ma14="http://schemas.microsoft.com/office/mac/drawingml/2011/main" val="1"/>
               </a:ext>
             </a:extLst>
           </p:spPr>
@@ -11574,7 +12430,7 @@
             <a:effectLst/>
             <a:extLst>
               <a:ext uri="{C572A759-6A51-4108-AA02-DFA0A04FC94B}">
-                <ma14:wrappingTextBoxFlag xmlns:ma14="http://schemas.microsoft.com/office/mac/drawingml/2011/main" xmlns="" val="1"/>
+                <ma14:wrappingTextBoxFlag xmlns="" xmlns:ma14="http://schemas.microsoft.com/office/mac/drawingml/2011/main" val="1"/>
               </a:ext>
             </a:extLst>
           </p:spPr>
@@ -11629,7 +12485,7 @@
             <a:effectLst/>
             <a:extLst>
               <a:ext uri="{C572A759-6A51-4108-AA02-DFA0A04FC94B}">
-                <ma14:wrappingTextBoxFlag xmlns:ma14="http://schemas.microsoft.com/office/mac/drawingml/2011/main" xmlns="" val="1"/>
+                <ma14:wrappingTextBoxFlag xmlns="" xmlns:ma14="http://schemas.microsoft.com/office/mac/drawingml/2011/main" val="1"/>
               </a:ext>
             </a:extLst>
           </p:spPr>
@@ -11691,7 +12547,7 @@
             <a:effectLst/>
             <a:extLst>
               <a:ext uri="{C572A759-6A51-4108-AA02-DFA0A04FC94B}">
-                <ma14:wrappingTextBoxFlag xmlns:ma14="http://schemas.microsoft.com/office/mac/drawingml/2011/main" xmlns="" val="1"/>
+                <ma14:wrappingTextBoxFlag xmlns="" xmlns:ma14="http://schemas.microsoft.com/office/mac/drawingml/2011/main" val="1"/>
               </a:ext>
             </a:extLst>
           </p:spPr>
@@ -12062,7 +12918,7 @@
             <a:effectLst/>
             <a:extLst>
               <a:ext uri="{C572A759-6A51-4108-AA02-DFA0A04FC94B}">
-                <ma14:wrappingTextBoxFlag xmlns:ma14="http://schemas.microsoft.com/office/mac/drawingml/2011/main" xmlns="" val="1"/>
+                <ma14:wrappingTextBoxFlag xmlns="" xmlns:ma14="http://schemas.microsoft.com/office/mac/drawingml/2011/main" val="1"/>
               </a:ext>
             </a:extLst>
           </p:spPr>
@@ -12121,7 +12977,7 @@
             <a:effectLst/>
             <a:extLst>
               <a:ext uri="{C572A759-6A51-4108-AA02-DFA0A04FC94B}">
-                <ma14:wrappingTextBoxFlag xmlns:ma14="http://schemas.microsoft.com/office/mac/drawingml/2011/main" xmlns="" val="1"/>
+                <ma14:wrappingTextBoxFlag xmlns="" xmlns:ma14="http://schemas.microsoft.com/office/mac/drawingml/2011/main" val="1"/>
               </a:ext>
             </a:extLst>
           </p:spPr>
@@ -12263,7 +13119,7 @@
             <a:effectLst/>
             <a:extLst>
               <a:ext uri="{C572A759-6A51-4108-AA02-DFA0A04FC94B}">
-                <ma14:wrappingTextBoxFlag xmlns:ma14="http://schemas.microsoft.com/office/mac/drawingml/2011/main" xmlns="" val="1"/>
+                <ma14:wrappingTextBoxFlag xmlns="" xmlns:ma14="http://schemas.microsoft.com/office/mac/drawingml/2011/main" val="1"/>
               </a:ext>
             </a:extLst>
           </p:spPr>
@@ -12335,7 +13191,7 @@
             <a:effectLst/>
             <a:extLst>
               <a:ext uri="{C572A759-6A51-4108-AA02-DFA0A04FC94B}">
-                <ma14:wrappingTextBoxFlag xmlns:ma14="http://schemas.microsoft.com/office/mac/drawingml/2011/main" xmlns="" val="1"/>
+                <ma14:wrappingTextBoxFlag xmlns="" xmlns:ma14="http://schemas.microsoft.com/office/mac/drawingml/2011/main" val="1"/>
               </a:ext>
             </a:extLst>
           </p:spPr>
@@ -12422,7 +13278,7 @@
           </a:ln>
           <a:extLst>
             <a:ext uri="{C572A759-6A51-4108-AA02-DFA0A04FC94B}">
-              <ma14:wrappingTextBoxFlag xmlns:ma14="http://schemas.microsoft.com/office/mac/drawingml/2011/main" xmlns="" val="1"/>
+              <ma14:wrappingTextBoxFlag xmlns="" xmlns:ma14="http://schemas.microsoft.com/office/mac/drawingml/2011/main" val="1"/>
             </a:ext>
           </a:extLst>
         </p:spPr>
@@ -12685,7 +13541,7 @@
             <a:effectLst/>
             <a:extLst>
               <a:ext uri="{C572A759-6A51-4108-AA02-DFA0A04FC94B}">
-                <ma14:wrappingTextBoxFlag xmlns:ma14="http://schemas.microsoft.com/office/mac/drawingml/2011/main" xmlns="" val="1"/>
+                <ma14:wrappingTextBoxFlag xmlns="" xmlns:ma14="http://schemas.microsoft.com/office/mac/drawingml/2011/main" val="1"/>
               </a:ext>
             </a:extLst>
           </p:spPr>
@@ -12734,7 +13590,7 @@
             <a:effectLst/>
             <a:extLst>
               <a:ext uri="{C572A759-6A51-4108-AA02-DFA0A04FC94B}">
-                <ma14:wrappingTextBoxFlag xmlns:ma14="http://schemas.microsoft.com/office/mac/drawingml/2011/main" xmlns="" val="1"/>
+                <ma14:wrappingTextBoxFlag xmlns="" xmlns:ma14="http://schemas.microsoft.com/office/mac/drawingml/2011/main" val="1"/>
               </a:ext>
             </a:extLst>
           </p:spPr>
@@ -12781,7 +13637,7 @@
           </a:ln>
           <a:extLst>
             <a:ext uri="{C572A759-6A51-4108-AA02-DFA0A04FC94B}">
-              <ma14:wrappingTextBoxFlag xmlns:ma14="http://schemas.microsoft.com/office/mac/drawingml/2011/main" xmlns="" val="1"/>
+              <ma14:wrappingTextBoxFlag xmlns="" xmlns:ma14="http://schemas.microsoft.com/office/mac/drawingml/2011/main" val="1"/>
             </a:ext>
           </a:extLst>
         </p:spPr>
@@ -12923,7 +13779,7 @@
           </a:ln>
           <a:extLst>
             <a:ext uri="{C572A759-6A51-4108-AA02-DFA0A04FC94B}">
-              <ma14:wrappingTextBoxFlag xmlns:ma14="http://schemas.microsoft.com/office/mac/drawingml/2011/main" xmlns="" val="1"/>
+              <ma14:wrappingTextBoxFlag xmlns="" xmlns:ma14="http://schemas.microsoft.com/office/mac/drawingml/2011/main" val="1"/>
             </a:ext>
           </a:extLst>
         </p:spPr>
@@ -12973,7 +13829,7 @@
           </a:ln>
           <a:extLst>
             <a:ext uri="{C572A759-6A51-4108-AA02-DFA0A04FC94B}">
-              <ma14:wrappingTextBoxFlag xmlns:ma14="http://schemas.microsoft.com/office/mac/drawingml/2011/main" xmlns="" val="1"/>
+              <ma14:wrappingTextBoxFlag xmlns="" xmlns:ma14="http://schemas.microsoft.com/office/mac/drawingml/2011/main" val="1"/>
             </a:ext>
           </a:extLst>
         </p:spPr>
@@ -13023,7 +13879,7 @@
           </a:ln>
           <a:extLst>
             <a:ext uri="{C572A759-6A51-4108-AA02-DFA0A04FC94B}">
-              <ma14:wrappingTextBoxFlag xmlns:ma14="http://schemas.microsoft.com/office/mac/drawingml/2011/main" xmlns="" val="1"/>
+              <ma14:wrappingTextBoxFlag xmlns="" xmlns:ma14="http://schemas.microsoft.com/office/mac/drawingml/2011/main" val="1"/>
             </a:ext>
           </a:extLst>
         </p:spPr>
@@ -13073,7 +13929,7 @@
           </a:ln>
           <a:extLst>
             <a:ext uri="{C572A759-6A51-4108-AA02-DFA0A04FC94B}">
-              <ma14:wrappingTextBoxFlag xmlns:ma14="http://schemas.microsoft.com/office/mac/drawingml/2011/main" xmlns="" val="1"/>
+              <ma14:wrappingTextBoxFlag xmlns="" xmlns:ma14="http://schemas.microsoft.com/office/mac/drawingml/2011/main" val="1"/>
             </a:ext>
           </a:extLst>
         </p:spPr>
@@ -13255,7 +14111,7 @@
           </a:ln>
           <a:extLst>
             <a:ext uri="{C572A759-6A51-4108-AA02-DFA0A04FC94B}">
-              <ma14:wrappingTextBoxFlag xmlns:ma14="http://schemas.microsoft.com/office/mac/drawingml/2011/main" xmlns="" val="1"/>
+              <ma14:wrappingTextBoxFlag xmlns="" xmlns:ma14="http://schemas.microsoft.com/office/mac/drawingml/2011/main" val="1"/>
             </a:ext>
           </a:extLst>
         </p:spPr>
@@ -13305,7 +14161,7 @@
           </a:ln>
           <a:extLst>
             <a:ext uri="{C572A759-6A51-4108-AA02-DFA0A04FC94B}">
-              <ma14:wrappingTextBoxFlag xmlns:ma14="http://schemas.microsoft.com/office/mac/drawingml/2011/main" xmlns="" val="1"/>
+              <ma14:wrappingTextBoxFlag xmlns="" xmlns:ma14="http://schemas.microsoft.com/office/mac/drawingml/2011/main" val="1"/>
             </a:ext>
           </a:extLst>
         </p:spPr>
@@ -13355,7 +14211,7 @@
           </a:ln>
           <a:extLst>
             <a:ext uri="{C572A759-6A51-4108-AA02-DFA0A04FC94B}">
-              <ma14:wrappingTextBoxFlag xmlns:ma14="http://schemas.microsoft.com/office/mac/drawingml/2011/main" xmlns="" val="1"/>
+              <ma14:wrappingTextBoxFlag xmlns="" xmlns:ma14="http://schemas.microsoft.com/office/mac/drawingml/2011/main" val="1"/>
             </a:ext>
           </a:extLst>
         </p:spPr>
@@ -13405,7 +14261,7 @@
           </a:ln>
           <a:extLst>
             <a:ext uri="{C572A759-6A51-4108-AA02-DFA0A04FC94B}">
-              <ma14:wrappingTextBoxFlag xmlns:ma14="http://schemas.microsoft.com/office/mac/drawingml/2011/main" xmlns="" val="1"/>
+              <ma14:wrappingTextBoxFlag xmlns="" xmlns:ma14="http://schemas.microsoft.com/office/mac/drawingml/2011/main" val="1"/>
             </a:ext>
           </a:extLst>
         </p:spPr>
@@ -13455,7 +14311,7 @@
           </a:ln>
           <a:extLst>
             <a:ext uri="{C572A759-6A51-4108-AA02-DFA0A04FC94B}">
-              <ma14:wrappingTextBoxFlag xmlns:ma14="http://schemas.microsoft.com/office/mac/drawingml/2011/main" xmlns="" val="1"/>
+              <ma14:wrappingTextBoxFlag xmlns="" xmlns:ma14="http://schemas.microsoft.com/office/mac/drawingml/2011/main" val="1"/>
             </a:ext>
           </a:extLst>
         </p:spPr>
@@ -13634,7 +14490,7 @@
           </a:ln>
           <a:extLst>
             <a:ext uri="{C572A759-6A51-4108-AA02-DFA0A04FC94B}">
-              <ma14:wrappingTextBoxFlag xmlns:ma14="http://schemas.microsoft.com/office/mac/drawingml/2011/main" xmlns="" val="1"/>
+              <ma14:wrappingTextBoxFlag xmlns="" xmlns:ma14="http://schemas.microsoft.com/office/mac/drawingml/2011/main" val="1"/>
             </a:ext>
           </a:extLst>
         </p:spPr>
@@ -13683,7 +14539,7 @@
           </a:ln>
           <a:extLst>
             <a:ext uri="{C572A759-6A51-4108-AA02-DFA0A04FC94B}">
-              <ma14:wrappingTextBoxFlag xmlns:ma14="http://schemas.microsoft.com/office/mac/drawingml/2011/main" xmlns="" val="1"/>
+              <ma14:wrappingTextBoxFlag xmlns="" xmlns:ma14="http://schemas.microsoft.com/office/mac/drawingml/2011/main" val="1"/>
             </a:ext>
           </a:extLst>
         </p:spPr>
@@ -13779,7 +14635,7 @@
             <a:effectLst/>
             <a:extLst>
               <a:ext uri="{C572A759-6A51-4108-AA02-DFA0A04FC94B}">
-                <ma14:wrappingTextBoxFlag xmlns:ma14="http://schemas.microsoft.com/office/mac/drawingml/2011/main" xmlns="" val="1"/>
+                <ma14:wrappingTextBoxFlag xmlns="" xmlns:ma14="http://schemas.microsoft.com/office/mac/drawingml/2011/main" val="1"/>
               </a:ext>
             </a:extLst>
           </p:spPr>
@@ -13830,7 +14686,7 @@
             <a:effectLst/>
             <a:extLst>
               <a:ext uri="{C572A759-6A51-4108-AA02-DFA0A04FC94B}">
-                <ma14:wrappingTextBoxFlag xmlns:ma14="http://schemas.microsoft.com/office/mac/drawingml/2011/main" xmlns="" val="1"/>
+                <ma14:wrappingTextBoxFlag xmlns="" xmlns:ma14="http://schemas.microsoft.com/office/mac/drawingml/2011/main" val="1"/>
               </a:ext>
             </a:extLst>
           </p:spPr>
@@ -14115,7 +14971,7 @@
             <a:effectLst/>
             <a:extLst>
               <a:ext uri="{C572A759-6A51-4108-AA02-DFA0A04FC94B}">
-                <ma14:wrappingTextBoxFlag xmlns:ma14="http://schemas.microsoft.com/office/mac/drawingml/2011/main" xmlns="" val="1"/>
+                <ma14:wrappingTextBoxFlag xmlns="" xmlns:ma14="http://schemas.microsoft.com/office/mac/drawingml/2011/main" val="1"/>
               </a:ext>
             </a:extLst>
           </p:spPr>
@@ -14170,7 +15026,7 @@
             <a:effectLst/>
             <a:extLst>
               <a:ext uri="{C572A759-6A51-4108-AA02-DFA0A04FC94B}">
-                <ma14:wrappingTextBoxFlag xmlns:ma14="http://schemas.microsoft.com/office/mac/drawingml/2011/main" xmlns="" val="1"/>
+                <ma14:wrappingTextBoxFlag xmlns="" xmlns:ma14="http://schemas.microsoft.com/office/mac/drawingml/2011/main" val="1"/>
               </a:ext>
             </a:extLst>
           </p:spPr>
@@ -14455,7 +15311,7 @@
             <a:effectLst/>
             <a:extLst>
               <a:ext uri="{C572A759-6A51-4108-AA02-DFA0A04FC94B}">
-                <ma14:wrappingTextBoxFlag xmlns:ma14="http://schemas.microsoft.com/office/mac/drawingml/2011/main" xmlns="" val="1"/>
+                <ma14:wrappingTextBoxFlag xmlns="" xmlns:ma14="http://schemas.microsoft.com/office/mac/drawingml/2011/main" val="1"/>
               </a:ext>
             </a:extLst>
           </p:spPr>
@@ -14518,7 +15374,7 @@
             <a:effectLst/>
             <a:extLst>
               <a:ext uri="{C572A759-6A51-4108-AA02-DFA0A04FC94B}">
-                <ma14:wrappingTextBoxFlag xmlns:ma14="http://schemas.microsoft.com/office/mac/drawingml/2011/main" xmlns="" val="1"/>
+                <ma14:wrappingTextBoxFlag xmlns="" xmlns:ma14="http://schemas.microsoft.com/office/mac/drawingml/2011/main" val="1"/>
               </a:ext>
             </a:extLst>
           </p:spPr>
@@ -14803,7 +15659,7 @@
             <a:effectLst/>
             <a:extLst>
               <a:ext uri="{C572A759-6A51-4108-AA02-DFA0A04FC94B}">
-                <ma14:wrappingTextBoxFlag xmlns:ma14="http://schemas.microsoft.com/office/mac/drawingml/2011/main" xmlns="" val="1"/>
+                <ma14:wrappingTextBoxFlag xmlns="" xmlns:ma14="http://schemas.microsoft.com/office/mac/drawingml/2011/main" val="1"/>
               </a:ext>
             </a:extLst>
           </p:spPr>
@@ -14854,7 +15710,7 @@
             <a:effectLst/>
             <a:extLst>
               <a:ext uri="{C572A759-6A51-4108-AA02-DFA0A04FC94B}">
-                <ma14:wrappingTextBoxFlag xmlns:ma14="http://schemas.microsoft.com/office/mac/drawingml/2011/main" xmlns="" val="1"/>
+                <ma14:wrappingTextBoxFlag xmlns="" xmlns:ma14="http://schemas.microsoft.com/office/mac/drawingml/2011/main" val="1"/>
               </a:ext>
             </a:extLst>
           </p:spPr>
@@ -15139,7 +15995,7 @@
             <a:effectLst/>
             <a:extLst>
               <a:ext uri="{C572A759-6A51-4108-AA02-DFA0A04FC94B}">
-                <ma14:wrappingTextBoxFlag xmlns:ma14="http://schemas.microsoft.com/office/mac/drawingml/2011/main" xmlns="" val="1"/>
+                <ma14:wrappingTextBoxFlag xmlns="" xmlns:ma14="http://schemas.microsoft.com/office/mac/drawingml/2011/main" val="1"/>
               </a:ext>
             </a:extLst>
           </p:spPr>
@@ -15194,7 +16050,7 @@
             <a:effectLst/>
             <a:extLst>
               <a:ext uri="{C572A759-6A51-4108-AA02-DFA0A04FC94B}">
-                <ma14:wrappingTextBoxFlag xmlns:ma14="http://schemas.microsoft.com/office/mac/drawingml/2011/main" xmlns="" val="1"/>
+                <ma14:wrappingTextBoxFlag xmlns="" xmlns:ma14="http://schemas.microsoft.com/office/mac/drawingml/2011/main" val="1"/>
               </a:ext>
             </a:extLst>
           </p:spPr>
@@ -15479,7 +16335,7 @@
             <a:effectLst/>
             <a:extLst>
               <a:ext uri="{C572A759-6A51-4108-AA02-DFA0A04FC94B}">
-                <ma14:wrappingTextBoxFlag xmlns:ma14="http://schemas.microsoft.com/office/mac/drawingml/2011/main" xmlns="" val="1"/>
+                <ma14:wrappingTextBoxFlag xmlns="" xmlns:ma14="http://schemas.microsoft.com/office/mac/drawingml/2011/main" val="1"/>
               </a:ext>
             </a:extLst>
           </p:spPr>
@@ -15538,7 +16394,7 @@
             <a:effectLst/>
             <a:extLst>
               <a:ext uri="{C572A759-6A51-4108-AA02-DFA0A04FC94B}">
-                <ma14:wrappingTextBoxFlag xmlns:ma14="http://schemas.microsoft.com/office/mac/drawingml/2011/main" xmlns="" val="1"/>
+                <ma14:wrappingTextBoxFlag xmlns="" xmlns:ma14="http://schemas.microsoft.com/office/mac/drawingml/2011/main" val="1"/>
               </a:ext>
             </a:extLst>
           </p:spPr>
@@ -15909,7 +16765,7 @@
             <a:effectLst/>
             <a:extLst>
               <a:ext uri="{C572A759-6A51-4108-AA02-DFA0A04FC94B}">
-                <ma14:wrappingTextBoxFlag xmlns:ma14="http://schemas.microsoft.com/office/mac/drawingml/2011/main" xmlns="" val="1"/>
+                <ma14:wrappingTextBoxFlag xmlns="" xmlns:ma14="http://schemas.microsoft.com/office/mac/drawingml/2011/main" val="1"/>
               </a:ext>
             </a:extLst>
           </p:spPr>
@@ -15972,7 +16828,7 @@
             <a:effectLst/>
             <a:extLst>
               <a:ext uri="{C572A759-6A51-4108-AA02-DFA0A04FC94B}">
-                <ma14:wrappingTextBoxFlag xmlns:ma14="http://schemas.microsoft.com/office/mac/drawingml/2011/main" xmlns="" val="1"/>
+                <ma14:wrappingTextBoxFlag xmlns="" xmlns:ma14="http://schemas.microsoft.com/office/mac/drawingml/2011/main" val="1"/>
               </a:ext>
             </a:extLst>
           </p:spPr>
@@ -16023,7 +16879,7 @@
             <a:effectLst/>
             <a:extLst>
               <a:ext uri="{C572A759-6A51-4108-AA02-DFA0A04FC94B}">
-                <ma14:wrappingTextBoxFlag xmlns:ma14="http://schemas.microsoft.com/office/mac/drawingml/2011/main" xmlns="" val="1"/>
+                <ma14:wrappingTextBoxFlag xmlns="" xmlns:ma14="http://schemas.microsoft.com/office/mac/drawingml/2011/main" val="1"/>
               </a:ext>
             </a:extLst>
           </p:spPr>
@@ -16356,7 +17212,7 @@
             <a:effectLst/>
             <a:extLst>
               <a:ext uri="{C572A759-6A51-4108-AA02-DFA0A04FC94B}">
-                <ma14:wrappingTextBoxFlag xmlns:ma14="http://schemas.microsoft.com/office/mac/drawingml/2011/main" xmlns="" val="1"/>
+                <ma14:wrappingTextBoxFlag xmlns="" xmlns:ma14="http://schemas.microsoft.com/office/mac/drawingml/2011/main" val="1"/>
               </a:ext>
             </a:extLst>
           </p:spPr>
@@ -16459,7 +17315,7 @@
             <a:effectLst/>
             <a:extLst>
               <a:ext uri="{C572A759-6A51-4108-AA02-DFA0A04FC94B}">
-                <ma14:wrappingTextBoxFlag xmlns:ma14="http://schemas.microsoft.com/office/mac/drawingml/2011/main" xmlns="" val="1"/>
+                <ma14:wrappingTextBoxFlag xmlns="" xmlns:ma14="http://schemas.microsoft.com/office/mac/drawingml/2011/main" val="1"/>
               </a:ext>
             </a:extLst>
           </p:spPr>
@@ -16601,7 +17457,7 @@
             <a:effectLst/>
             <a:extLst>
               <a:ext uri="{C572A759-6A51-4108-AA02-DFA0A04FC94B}">
-                <ma14:wrappingTextBoxFlag xmlns:ma14="http://schemas.microsoft.com/office/mac/drawingml/2011/main" xmlns="" val="1"/>
+                <ma14:wrappingTextBoxFlag xmlns="" xmlns:ma14="http://schemas.microsoft.com/office/mac/drawingml/2011/main" val="1"/>
               </a:ext>
             </a:extLst>
           </p:spPr>
@@ -16673,7 +17529,7 @@
             <a:effectLst/>
             <a:extLst>
               <a:ext uri="{C572A759-6A51-4108-AA02-DFA0A04FC94B}">
-                <ma14:wrappingTextBoxFlag xmlns:ma14="http://schemas.microsoft.com/office/mac/drawingml/2011/main" xmlns="" val="1"/>
+                <ma14:wrappingTextBoxFlag xmlns="" xmlns:ma14="http://schemas.microsoft.com/office/mac/drawingml/2011/main" val="1"/>
               </a:ext>
             </a:extLst>
           </p:spPr>
@@ -16760,7 +17616,7 @@
           </a:ln>
           <a:extLst>
             <a:ext uri="{C572A759-6A51-4108-AA02-DFA0A04FC94B}">
-              <ma14:wrappingTextBoxFlag xmlns:ma14="http://schemas.microsoft.com/office/mac/drawingml/2011/main" xmlns="" val="1"/>
+              <ma14:wrappingTextBoxFlag xmlns="" xmlns:ma14="http://schemas.microsoft.com/office/mac/drawingml/2011/main" val="1"/>
             </a:ext>
           </a:extLst>
         </p:spPr>
@@ -16910,7 +17766,7 @@
             <a:effectLst/>
             <a:extLst>
               <a:ext uri="{C572A759-6A51-4108-AA02-DFA0A04FC94B}">
-                <ma14:wrappingTextBoxFlag xmlns:ma14="http://schemas.microsoft.com/office/mac/drawingml/2011/main" xmlns="" val="1"/>
+                <ma14:wrappingTextBoxFlag xmlns="" xmlns:ma14="http://schemas.microsoft.com/office/mac/drawingml/2011/main" val="1"/>
               </a:ext>
             </a:extLst>
           </p:spPr>
@@ -16967,7 +17823,7 @@
             <a:effectLst/>
             <a:extLst>
               <a:ext uri="{C572A759-6A51-4108-AA02-DFA0A04FC94B}">
-                <ma14:wrappingTextBoxFlag xmlns:ma14="http://schemas.microsoft.com/office/mac/drawingml/2011/main" xmlns="" val="1"/>
+                <ma14:wrappingTextBoxFlag xmlns="" xmlns:ma14="http://schemas.microsoft.com/office/mac/drawingml/2011/main" val="1"/>
               </a:ext>
             </a:extLst>
           </p:spPr>
@@ -17019,7 +17875,7 @@
             <a:effectLst/>
             <a:extLst>
               <a:ext uri="{C572A759-6A51-4108-AA02-DFA0A04FC94B}">
-                <ma14:wrappingTextBoxFlag xmlns:ma14="http://schemas.microsoft.com/office/mac/drawingml/2011/main" xmlns="" val="1"/>
+                <ma14:wrappingTextBoxFlag xmlns="" xmlns:ma14="http://schemas.microsoft.com/office/mac/drawingml/2011/main" val="1"/>
               </a:ext>
             </a:extLst>
           </p:spPr>
@@ -17175,7 +18031,7 @@
           <a:effectLst/>
           <a:extLst>
             <a:ext uri="{C572A759-6A51-4108-AA02-DFA0A04FC94B}">
-              <ma14:wrappingTextBoxFlag xmlns:ma14="http://schemas.microsoft.com/office/mac/drawingml/2011/main" xmlns="" val="1"/>
+              <ma14:wrappingTextBoxFlag xmlns="" xmlns:ma14="http://schemas.microsoft.com/office/mac/drawingml/2011/main" val="1"/>
             </a:ext>
           </a:extLst>
         </p:spPr>
@@ -18164,7 +19020,7 @@
             <a:effectLst/>
             <a:extLst>
               <a:ext uri="{C572A759-6A51-4108-AA02-DFA0A04FC94B}">
-                <ma14:wrappingTextBoxFlag xmlns:ma14="http://schemas.microsoft.com/office/mac/drawingml/2011/main" xmlns="" val="1"/>
+                <ma14:wrappingTextBoxFlag xmlns="" xmlns:ma14="http://schemas.microsoft.com/office/mac/drawingml/2011/main" val="1"/>
               </a:ext>
             </a:extLst>
           </p:spPr>
@@ -18220,7 +19076,7 @@
             <a:effectLst/>
             <a:extLst>
               <a:ext uri="{C572A759-6A51-4108-AA02-DFA0A04FC94B}">
-                <ma14:wrappingTextBoxFlag xmlns:ma14="http://schemas.microsoft.com/office/mac/drawingml/2011/main" xmlns="" val="1"/>
+                <ma14:wrappingTextBoxFlag xmlns="" xmlns:ma14="http://schemas.microsoft.com/office/mac/drawingml/2011/main" val="1"/>
               </a:ext>
             </a:extLst>
           </p:spPr>
@@ -18271,7 +19127,7 @@
             <a:effectLst/>
             <a:extLst>
               <a:ext uri="{C572A759-6A51-4108-AA02-DFA0A04FC94B}">
-                <ma14:wrappingTextBoxFlag xmlns:ma14="http://schemas.microsoft.com/office/mac/drawingml/2011/main" xmlns="" val="1"/>
+                <ma14:wrappingTextBoxFlag xmlns="" xmlns:ma14="http://schemas.microsoft.com/office/mac/drawingml/2011/main" val="1"/>
               </a:ext>
             </a:extLst>
           </p:spPr>
@@ -19327,7 +20183,7 @@
             <a:effectLst/>
             <a:extLst>
               <a:ext uri="{C572A759-6A51-4108-AA02-DFA0A04FC94B}">
-                <ma14:wrappingTextBoxFlag xmlns:ma14="http://schemas.microsoft.com/office/mac/drawingml/2011/main" xmlns="" val="1"/>
+                <ma14:wrappingTextBoxFlag xmlns="" xmlns:ma14="http://schemas.microsoft.com/office/mac/drawingml/2011/main" val="1"/>
               </a:ext>
             </a:extLst>
           </p:spPr>
@@ -19377,7 +20233,7 @@
             <a:effectLst/>
             <a:extLst>
               <a:ext uri="{C572A759-6A51-4108-AA02-DFA0A04FC94B}">
-                <ma14:wrappingTextBoxFlag xmlns:ma14="http://schemas.microsoft.com/office/mac/drawingml/2011/main" xmlns="" val="1"/>
+                <ma14:wrappingTextBoxFlag xmlns="" xmlns:ma14="http://schemas.microsoft.com/office/mac/drawingml/2011/main" val="1"/>
               </a:ext>
             </a:extLst>
           </p:spPr>
@@ -19422,7 +20278,7 @@
             <a:effectLst/>
             <a:extLst>
               <a:ext uri="{C572A759-6A51-4108-AA02-DFA0A04FC94B}">
-                <ma14:wrappingTextBoxFlag xmlns:ma14="http://schemas.microsoft.com/office/mac/drawingml/2011/main" xmlns="" val="1"/>
+                <ma14:wrappingTextBoxFlag xmlns="" xmlns:ma14="http://schemas.microsoft.com/office/mac/drawingml/2011/main" val="1"/>
               </a:ext>
             </a:extLst>
           </p:spPr>
@@ -19652,7 +20508,7 @@
           <a:effectLst/>
           <a:extLst>
             <a:ext uri="{C572A759-6A51-4108-AA02-DFA0A04FC94B}">
-              <ma14:wrappingTextBoxFlag xmlns:ma14="http://schemas.microsoft.com/office/mac/drawingml/2011/main" xmlns="" val="1"/>
+              <ma14:wrappingTextBoxFlag xmlns="" xmlns:ma14="http://schemas.microsoft.com/office/mac/drawingml/2011/main" val="1"/>
             </a:ext>
           </a:extLst>
         </p:spPr>
@@ -19908,7 +20764,7 @@
             <a:effectLst/>
             <a:extLst>
               <a:ext uri="{C572A759-6A51-4108-AA02-DFA0A04FC94B}">
-                <ma14:wrappingTextBoxFlag xmlns:ma14="http://schemas.microsoft.com/office/mac/drawingml/2011/main" xmlns="" val="1"/>
+                <ma14:wrappingTextBoxFlag xmlns="" xmlns:ma14="http://schemas.microsoft.com/office/mac/drawingml/2011/main" val="1"/>
               </a:ext>
             </a:extLst>
           </p:spPr>
@@ -19987,7 +20843,7 @@
             <a:effectLst/>
             <a:extLst>
               <a:ext uri="{C572A759-6A51-4108-AA02-DFA0A04FC94B}">
-                <ma14:wrappingTextBoxFlag xmlns:ma14="http://schemas.microsoft.com/office/mac/drawingml/2011/main" xmlns="" val="1"/>
+                <ma14:wrappingTextBoxFlag xmlns="" xmlns:ma14="http://schemas.microsoft.com/office/mac/drawingml/2011/main" val="1"/>
               </a:ext>
             </a:extLst>
           </p:spPr>
@@ -20129,7 +20985,7 @@
             <a:effectLst/>
             <a:extLst>
               <a:ext uri="{C572A759-6A51-4108-AA02-DFA0A04FC94B}">
-                <ma14:wrappingTextBoxFlag xmlns:ma14="http://schemas.microsoft.com/office/mac/drawingml/2011/main" xmlns="" val="1"/>
+                <ma14:wrappingTextBoxFlag xmlns="" xmlns:ma14="http://schemas.microsoft.com/office/mac/drawingml/2011/main" val="1"/>
               </a:ext>
             </a:extLst>
           </p:spPr>
@@ -20211,7 +21067,7 @@
             <a:effectLst/>
             <a:extLst>
               <a:ext uri="{C572A759-6A51-4108-AA02-DFA0A04FC94B}">
-                <ma14:wrappingTextBoxFlag xmlns:ma14="http://schemas.microsoft.com/office/mac/drawingml/2011/main" xmlns="" val="1"/>
+                <ma14:wrappingTextBoxFlag xmlns="" xmlns:ma14="http://schemas.microsoft.com/office/mac/drawingml/2011/main" val="1"/>
               </a:ext>
             </a:extLst>
           </p:spPr>
@@ -20298,7 +21154,7 @@
           </a:ln>
           <a:extLst>
             <a:ext uri="{C572A759-6A51-4108-AA02-DFA0A04FC94B}">
-              <ma14:wrappingTextBoxFlag xmlns:ma14="http://schemas.microsoft.com/office/mac/drawingml/2011/main" xmlns="" val="1"/>
+              <ma14:wrappingTextBoxFlag xmlns="" xmlns:ma14="http://schemas.microsoft.com/office/mac/drawingml/2011/main" val="1"/>
             </a:ext>
           </a:extLst>
         </p:spPr>
@@ -20405,7 +21261,7 @@
             <a:effectLst/>
             <a:extLst>
               <a:ext uri="{C572A759-6A51-4108-AA02-DFA0A04FC94B}">
-                <ma14:wrappingTextBoxFlag xmlns:ma14="http://schemas.microsoft.com/office/mac/drawingml/2011/main" xmlns="" val="1"/>
+                <ma14:wrappingTextBoxFlag xmlns="" xmlns:ma14="http://schemas.microsoft.com/office/mac/drawingml/2011/main" val="1"/>
               </a:ext>
             </a:extLst>
           </p:spPr>
@@ -20455,7 +21311,7 @@
             <a:effectLst/>
             <a:extLst>
               <a:ext uri="{C572A759-6A51-4108-AA02-DFA0A04FC94B}">
-                <ma14:wrappingTextBoxFlag xmlns:ma14="http://schemas.microsoft.com/office/mac/drawingml/2011/main" xmlns="" val="1"/>
+                <ma14:wrappingTextBoxFlag xmlns="" xmlns:ma14="http://schemas.microsoft.com/office/mac/drawingml/2011/main" val="1"/>
               </a:ext>
             </a:extLst>
           </p:spPr>
@@ -20500,7 +21356,7 @@
             <a:effectLst/>
             <a:extLst>
               <a:ext uri="{C572A759-6A51-4108-AA02-DFA0A04FC94B}">
-                <ma14:wrappingTextBoxFlag xmlns:ma14="http://schemas.microsoft.com/office/mac/drawingml/2011/main" xmlns="" val="1"/>
+                <ma14:wrappingTextBoxFlag xmlns="" xmlns:ma14="http://schemas.microsoft.com/office/mac/drawingml/2011/main" val="1"/>
               </a:ext>
             </a:extLst>
           </p:spPr>

--- a/Presentation.pptx
+++ b/Presentation.pptx
@@ -381,7 +381,7 @@
           <a:p>
             <a:fld id="{AD1EA8BB-FB99-47C5-A111-7E7FEAA7A2DA}" type="slidenum">
               <a:rPr lang="fr-CH" smtClean="0"/>
-              <a:t>‹Nr.›</a:t>
+              <a:t>‹N°›</a:t>
             </a:fld>
             <a:endParaRPr lang="fr-CH"/>
           </a:p>
@@ -3356,9 +3356,18 @@
             </a:endParaRPr>
           </a:p>
           <a:p>
-            <a:pPr marL="228600" indent="-228600">
-              <a:buAutoNum type="arabicPeriod"/>
-            </a:pPr>
+            <a:r>
+              <a:rPr lang="de-CH" sz="1200" kern="1200" dirty="0">
+                <a:solidFill>
+                  <a:schemeClr val="tx1"/>
+                </a:solidFill>
+                <a:effectLst/>
+                <a:latin typeface="+mn-lt"/>
+                <a:ea typeface="+mn-ea"/>
+                <a:cs typeface="+mn-cs"/>
+              </a:rPr>
+              <a:t>1. </a:t>
+            </a:r>
             <a:r>
               <a:rPr lang="de-CH" sz="1200" kern="1200" dirty="0" err="1">
                 <a:solidFill>
@@ -3624,872 +3633,7 @@
               </a:rPr>
               <a:t>. </a:t>
             </a:r>
-          </a:p>
-          <a:p>
-            <a:pPr marL="0" indent="0">
-              <a:buNone/>
-            </a:pPr>
             <a:endParaRPr lang="de-CH" sz="1200" kern="1200" dirty="0">
-              <a:solidFill>
-                <a:schemeClr val="tx1"/>
-              </a:solidFill>
-              <a:effectLst/>
-              <a:latin typeface="+mn-lt"/>
-              <a:ea typeface="+mn-ea"/>
-              <a:cs typeface="+mn-cs"/>
-              <a:sym typeface="Wingdings" panose="05000000000000000000" pitchFamily="2" charset="2"/>
-            </a:endParaRPr>
-          </a:p>
-          <a:p>
-            <a:pPr marL="0" indent="0">
-              <a:buNone/>
-            </a:pPr>
-            <a:r>
-              <a:rPr lang="de-CH" sz="1200" kern="1200" dirty="0">
-                <a:solidFill>
-                  <a:schemeClr val="tx1"/>
-                </a:solidFill>
-                <a:effectLst/>
-                <a:latin typeface="+mn-lt"/>
-                <a:ea typeface="+mn-ea"/>
-                <a:cs typeface="+mn-cs"/>
-                <a:sym typeface="Wingdings" panose="05000000000000000000" pitchFamily="2" charset="2"/>
-              </a:rPr>
-              <a:t> </a:t>
-            </a:r>
-            <a:r>
-              <a:rPr lang="de-CH" sz="1200" i="1" kern="1200" dirty="0">
-                <a:solidFill>
-                  <a:schemeClr val="tx1"/>
-                </a:solidFill>
-                <a:effectLst/>
-                <a:latin typeface="+mn-lt"/>
-                <a:ea typeface="+mn-ea"/>
-                <a:cs typeface="+mn-cs"/>
-                <a:sym typeface="Wingdings" panose="05000000000000000000" pitchFamily="2" charset="2"/>
-              </a:rPr>
-              <a:t>At </a:t>
-            </a:r>
-            <a:r>
-              <a:rPr lang="de-CH" sz="1200" i="1" kern="1200" dirty="0" err="1">
-                <a:solidFill>
-                  <a:schemeClr val="tx1"/>
-                </a:solidFill>
-                <a:effectLst/>
-                <a:latin typeface="+mn-lt"/>
-                <a:ea typeface="+mn-ea"/>
-                <a:cs typeface="+mn-cs"/>
-                <a:sym typeface="Wingdings" panose="05000000000000000000" pitchFamily="2" charset="2"/>
-              </a:rPr>
-              <a:t>first</a:t>
-            </a:r>
-            <a:r>
-              <a:rPr lang="de-CH" sz="1200" i="1" kern="1200" dirty="0">
-                <a:solidFill>
-                  <a:schemeClr val="tx1"/>
-                </a:solidFill>
-                <a:effectLst/>
-                <a:latin typeface="+mn-lt"/>
-                <a:ea typeface="+mn-ea"/>
-                <a:cs typeface="+mn-cs"/>
-                <a:sym typeface="Wingdings" panose="05000000000000000000" pitchFamily="2" charset="2"/>
-              </a:rPr>
-              <a:t> he </a:t>
-            </a:r>
-            <a:r>
-              <a:rPr lang="de-CH" sz="1200" i="1" kern="1200" dirty="0" err="1">
-                <a:solidFill>
-                  <a:schemeClr val="tx1"/>
-                </a:solidFill>
-                <a:effectLst/>
-                <a:latin typeface="+mn-lt"/>
-                <a:ea typeface="+mn-ea"/>
-                <a:cs typeface="+mn-cs"/>
-                <a:sym typeface="Wingdings" panose="05000000000000000000" pitchFamily="2" charset="2"/>
-              </a:rPr>
-              <a:t>does</a:t>
-            </a:r>
-            <a:r>
-              <a:rPr lang="de-CH" sz="1200" i="1" kern="1200" dirty="0">
-                <a:solidFill>
-                  <a:schemeClr val="tx1"/>
-                </a:solidFill>
-                <a:effectLst/>
-                <a:latin typeface="+mn-lt"/>
-                <a:ea typeface="+mn-ea"/>
-                <a:cs typeface="+mn-cs"/>
-                <a:sym typeface="Wingdings" panose="05000000000000000000" pitchFamily="2" charset="2"/>
-              </a:rPr>
-              <a:t> not </a:t>
-            </a:r>
-            <a:r>
-              <a:rPr lang="de-CH" sz="1200" i="1" kern="1200" dirty="0" err="1">
-                <a:solidFill>
-                  <a:schemeClr val="tx1"/>
-                </a:solidFill>
-                <a:effectLst/>
-                <a:latin typeface="+mn-lt"/>
-                <a:ea typeface="+mn-ea"/>
-                <a:cs typeface="+mn-cs"/>
-                <a:sym typeface="Wingdings" panose="05000000000000000000" pitchFamily="2" charset="2"/>
-              </a:rPr>
-              <a:t>really</a:t>
-            </a:r>
-            <a:r>
-              <a:rPr lang="de-CH" sz="1200" i="1" kern="1200" dirty="0">
-                <a:solidFill>
-                  <a:schemeClr val="tx1"/>
-                </a:solidFill>
-                <a:effectLst/>
-                <a:latin typeface="+mn-lt"/>
-                <a:ea typeface="+mn-ea"/>
-                <a:cs typeface="+mn-cs"/>
-                <a:sym typeface="Wingdings" panose="05000000000000000000" pitchFamily="2" charset="2"/>
-              </a:rPr>
-              <a:t> </a:t>
-            </a:r>
-            <a:r>
-              <a:rPr lang="de-CH" sz="1200" i="1" kern="1200" dirty="0" err="1">
-                <a:solidFill>
-                  <a:schemeClr val="tx1"/>
-                </a:solidFill>
-                <a:effectLst/>
-                <a:latin typeface="+mn-lt"/>
-                <a:ea typeface="+mn-ea"/>
-                <a:cs typeface="+mn-cs"/>
-                <a:sym typeface="Wingdings" panose="05000000000000000000" pitchFamily="2" charset="2"/>
-              </a:rPr>
-              <a:t>see</a:t>
-            </a:r>
-            <a:r>
-              <a:rPr lang="de-CH" sz="1200" i="1" kern="1200" dirty="0">
-                <a:solidFill>
-                  <a:schemeClr val="tx1"/>
-                </a:solidFill>
-                <a:effectLst/>
-                <a:latin typeface="+mn-lt"/>
-                <a:ea typeface="+mn-ea"/>
-                <a:cs typeface="+mn-cs"/>
-                <a:sym typeface="Wingdings" panose="05000000000000000000" pitchFamily="2" charset="2"/>
-              </a:rPr>
-              <a:t> the </a:t>
-            </a:r>
-            <a:r>
-              <a:rPr lang="de-CH" sz="1200" i="1" kern="1200" dirty="0" err="1">
-                <a:solidFill>
-                  <a:schemeClr val="tx1"/>
-                </a:solidFill>
-                <a:effectLst/>
-                <a:latin typeface="+mn-lt"/>
-                <a:ea typeface="+mn-ea"/>
-                <a:cs typeface="+mn-cs"/>
-                <a:sym typeface="Wingdings" panose="05000000000000000000" pitchFamily="2" charset="2"/>
-              </a:rPr>
-              <a:t>serousness</a:t>
-            </a:r>
-            <a:r>
-              <a:rPr lang="de-CH" sz="1200" i="1" kern="1200" dirty="0">
-                <a:solidFill>
-                  <a:schemeClr val="tx1"/>
-                </a:solidFill>
-                <a:effectLst/>
-                <a:latin typeface="+mn-lt"/>
-                <a:ea typeface="+mn-ea"/>
-                <a:cs typeface="+mn-cs"/>
-                <a:sym typeface="Wingdings" panose="05000000000000000000" pitchFamily="2" charset="2"/>
-              </a:rPr>
-              <a:t> of the </a:t>
-            </a:r>
-            <a:r>
-              <a:rPr lang="de-CH" sz="1200" i="1" kern="1200" dirty="0" err="1">
-                <a:solidFill>
-                  <a:schemeClr val="tx1"/>
-                </a:solidFill>
-                <a:effectLst/>
-                <a:latin typeface="+mn-lt"/>
-                <a:ea typeface="+mn-ea"/>
-                <a:cs typeface="+mn-cs"/>
-                <a:sym typeface="Wingdings" panose="05000000000000000000" pitchFamily="2" charset="2"/>
-              </a:rPr>
-              <a:t>desease</a:t>
-            </a:r>
-            <a:r>
-              <a:rPr lang="de-CH" sz="1200" i="1" kern="1200" dirty="0">
-                <a:solidFill>
-                  <a:schemeClr val="tx1"/>
-                </a:solidFill>
-                <a:effectLst/>
-                <a:latin typeface="+mn-lt"/>
-                <a:ea typeface="+mn-ea"/>
-                <a:cs typeface="+mn-cs"/>
-                <a:sym typeface="Wingdings" panose="05000000000000000000" pitchFamily="2" charset="2"/>
-              </a:rPr>
-              <a:t>  the </a:t>
-            </a:r>
-            <a:r>
-              <a:rPr lang="de-CH" sz="1200" i="1" kern="1200" dirty="0" err="1">
-                <a:solidFill>
-                  <a:schemeClr val="tx1"/>
-                </a:solidFill>
-                <a:effectLst/>
-                <a:latin typeface="+mn-lt"/>
-                <a:ea typeface="+mn-ea"/>
-                <a:cs typeface="+mn-cs"/>
-                <a:sym typeface="Wingdings" panose="05000000000000000000" pitchFamily="2" charset="2"/>
-              </a:rPr>
-              <a:t>complete</a:t>
-            </a:r>
-            <a:r>
-              <a:rPr lang="de-CH" sz="1200" i="1" kern="1200" dirty="0">
-                <a:solidFill>
-                  <a:schemeClr val="tx1"/>
-                </a:solidFill>
-                <a:effectLst/>
-                <a:latin typeface="+mn-lt"/>
-                <a:ea typeface="+mn-ea"/>
-                <a:cs typeface="+mn-cs"/>
-                <a:sym typeface="Wingdings" panose="05000000000000000000" pitchFamily="2" charset="2"/>
-              </a:rPr>
-              <a:t> </a:t>
-            </a:r>
-            <a:r>
-              <a:rPr lang="de-CH" sz="1200" i="1" kern="1200" dirty="0" err="1">
-                <a:solidFill>
-                  <a:schemeClr val="tx1"/>
-                </a:solidFill>
-                <a:effectLst/>
-                <a:latin typeface="+mn-lt"/>
-                <a:ea typeface="+mn-ea"/>
-                <a:cs typeface="+mn-cs"/>
-                <a:sym typeface="Wingdings" panose="05000000000000000000" pitchFamily="2" charset="2"/>
-              </a:rPr>
-              <a:t>turnignpoint</a:t>
-            </a:r>
-            <a:r>
-              <a:rPr lang="de-CH" sz="1200" i="1" kern="1200" dirty="0">
-                <a:solidFill>
-                  <a:schemeClr val="tx1"/>
-                </a:solidFill>
-                <a:effectLst/>
-                <a:latin typeface="+mn-lt"/>
-                <a:ea typeface="+mn-ea"/>
-                <a:cs typeface="+mn-cs"/>
-                <a:sym typeface="Wingdings" panose="05000000000000000000" pitchFamily="2" charset="2"/>
-              </a:rPr>
-              <a:t> was </a:t>
-            </a:r>
-            <a:r>
-              <a:rPr lang="de-CH" sz="1200" i="1" kern="1200" dirty="0" err="1">
-                <a:solidFill>
-                  <a:schemeClr val="tx1"/>
-                </a:solidFill>
-                <a:effectLst/>
-                <a:latin typeface="+mn-lt"/>
-                <a:ea typeface="+mn-ea"/>
-                <a:cs typeface="+mn-cs"/>
-                <a:sym typeface="Wingdings" panose="05000000000000000000" pitchFamily="2" charset="2"/>
-              </a:rPr>
-              <a:t>when</a:t>
-            </a:r>
-            <a:r>
-              <a:rPr lang="de-CH" sz="1200" i="1" kern="1200" dirty="0">
-                <a:solidFill>
-                  <a:schemeClr val="tx1"/>
-                </a:solidFill>
-                <a:effectLst/>
-                <a:latin typeface="+mn-lt"/>
-                <a:ea typeface="+mn-ea"/>
-                <a:cs typeface="+mn-cs"/>
-                <a:sym typeface="Wingdings" panose="05000000000000000000" pitchFamily="2" charset="2"/>
-              </a:rPr>
-              <a:t> he </a:t>
-            </a:r>
-            <a:r>
-              <a:rPr lang="de-CH" sz="1200" i="1" kern="1200" dirty="0" err="1">
-                <a:solidFill>
-                  <a:schemeClr val="tx1"/>
-                </a:solidFill>
-                <a:effectLst/>
-                <a:latin typeface="+mn-lt"/>
-                <a:ea typeface="+mn-ea"/>
-                <a:cs typeface="+mn-cs"/>
-                <a:sym typeface="Wingdings" panose="05000000000000000000" pitchFamily="2" charset="2"/>
-              </a:rPr>
-              <a:t>got</a:t>
-            </a:r>
-            <a:r>
-              <a:rPr lang="de-CH" sz="1200" i="1" kern="1200" dirty="0">
-                <a:solidFill>
-                  <a:schemeClr val="tx1"/>
-                </a:solidFill>
-                <a:effectLst/>
-                <a:latin typeface="+mn-lt"/>
-                <a:ea typeface="+mn-ea"/>
-                <a:cs typeface="+mn-cs"/>
-                <a:sym typeface="Wingdings" panose="05000000000000000000" pitchFamily="2" charset="2"/>
-              </a:rPr>
-              <a:t> </a:t>
-            </a:r>
-            <a:r>
-              <a:rPr lang="de-CH" sz="1200" i="1" kern="1200" dirty="0" err="1">
-                <a:solidFill>
-                  <a:schemeClr val="tx1"/>
-                </a:solidFill>
-                <a:effectLst/>
-                <a:latin typeface="+mn-lt"/>
-                <a:ea typeface="+mn-ea"/>
-                <a:cs typeface="+mn-cs"/>
-                <a:sym typeface="Wingdings" panose="05000000000000000000" pitchFamily="2" charset="2"/>
-              </a:rPr>
-              <a:t>affected</a:t>
-            </a:r>
-            <a:r>
-              <a:rPr lang="de-CH" sz="1200" i="1" kern="1200" dirty="0">
-                <a:solidFill>
-                  <a:schemeClr val="tx1"/>
-                </a:solidFill>
-                <a:effectLst/>
-                <a:latin typeface="+mn-lt"/>
-                <a:ea typeface="+mn-ea"/>
-                <a:cs typeface="+mn-cs"/>
-                <a:sym typeface="Wingdings" panose="05000000000000000000" pitchFamily="2" charset="2"/>
-              </a:rPr>
-              <a:t> and </a:t>
-            </a:r>
-            <a:r>
-              <a:rPr lang="de-CH" sz="1200" i="1" kern="1200" dirty="0" err="1">
-                <a:solidFill>
-                  <a:schemeClr val="tx1"/>
-                </a:solidFill>
-                <a:effectLst/>
-                <a:latin typeface="+mn-lt"/>
-                <a:ea typeface="+mn-ea"/>
-                <a:cs typeface="+mn-cs"/>
-                <a:sym typeface="Wingdings" panose="05000000000000000000" pitchFamily="2" charset="2"/>
-              </a:rPr>
-              <a:t>landed</a:t>
-            </a:r>
-            <a:r>
-              <a:rPr lang="de-CH" sz="1200" i="1" kern="1200" dirty="0">
-                <a:solidFill>
-                  <a:schemeClr val="tx1"/>
-                </a:solidFill>
-                <a:effectLst/>
-                <a:latin typeface="+mn-lt"/>
-                <a:ea typeface="+mn-ea"/>
-                <a:cs typeface="+mn-cs"/>
-                <a:sym typeface="Wingdings" panose="05000000000000000000" pitchFamily="2" charset="2"/>
-              </a:rPr>
-              <a:t> in the </a:t>
-            </a:r>
-            <a:r>
-              <a:rPr lang="de-CH" sz="1200" i="1" kern="1200" dirty="0" err="1">
-                <a:solidFill>
-                  <a:schemeClr val="tx1"/>
-                </a:solidFill>
-                <a:effectLst/>
-                <a:latin typeface="+mn-lt"/>
-                <a:ea typeface="+mn-ea"/>
-                <a:cs typeface="+mn-cs"/>
-                <a:sym typeface="Wingdings" panose="05000000000000000000" pitchFamily="2" charset="2"/>
-              </a:rPr>
-              <a:t>intensivstation</a:t>
-            </a:r>
-            <a:r>
-              <a:rPr lang="de-CH" sz="1200" i="1" kern="1200" dirty="0">
-                <a:solidFill>
-                  <a:schemeClr val="tx1"/>
-                </a:solidFill>
-                <a:effectLst/>
-                <a:latin typeface="+mn-lt"/>
-                <a:ea typeface="+mn-ea"/>
-                <a:cs typeface="+mn-cs"/>
-                <a:sym typeface="Wingdings" panose="05000000000000000000" pitchFamily="2" charset="2"/>
-              </a:rPr>
-              <a:t>. And also </a:t>
-            </a:r>
-            <a:r>
-              <a:rPr lang="de-CH" sz="1200" i="1" kern="1200" dirty="0" err="1">
-                <a:solidFill>
-                  <a:schemeClr val="tx1"/>
-                </a:solidFill>
-                <a:effectLst/>
-                <a:latin typeface="+mn-lt"/>
-                <a:ea typeface="+mn-ea"/>
-                <a:cs typeface="+mn-cs"/>
-                <a:sym typeface="Wingdings" panose="05000000000000000000" pitchFamily="2" charset="2"/>
-              </a:rPr>
-              <a:t>when</a:t>
-            </a:r>
-            <a:r>
-              <a:rPr lang="de-CH" sz="1200" i="1" kern="1200" dirty="0">
-                <a:solidFill>
-                  <a:schemeClr val="tx1"/>
-                </a:solidFill>
-                <a:effectLst/>
-                <a:latin typeface="+mn-lt"/>
-                <a:ea typeface="+mn-ea"/>
-                <a:cs typeface="+mn-cs"/>
-                <a:sym typeface="Wingdings" panose="05000000000000000000" pitchFamily="2" charset="2"/>
-              </a:rPr>
-              <a:t> the </a:t>
-            </a:r>
-            <a:r>
-              <a:rPr lang="de-CH" sz="1200" i="1" kern="1200" dirty="0" err="1">
-                <a:solidFill>
-                  <a:schemeClr val="tx1"/>
-                </a:solidFill>
-                <a:effectLst/>
-                <a:latin typeface="+mn-lt"/>
-                <a:ea typeface="+mn-ea"/>
-                <a:cs typeface="+mn-cs"/>
-                <a:sym typeface="Wingdings" panose="05000000000000000000" pitchFamily="2" charset="2"/>
-              </a:rPr>
-              <a:t>deaths</a:t>
-            </a:r>
-            <a:r>
-              <a:rPr lang="de-CH" sz="1200" i="1" kern="1200" dirty="0">
-                <a:solidFill>
-                  <a:schemeClr val="tx1"/>
-                </a:solidFill>
-                <a:effectLst/>
-                <a:latin typeface="+mn-lt"/>
-                <a:ea typeface="+mn-ea"/>
-                <a:cs typeface="+mn-cs"/>
-                <a:sym typeface="Wingdings" panose="05000000000000000000" pitchFamily="2" charset="2"/>
-              </a:rPr>
-              <a:t> </a:t>
-            </a:r>
-            <a:r>
-              <a:rPr lang="de-CH" sz="1200" i="1" kern="1200" dirty="0" err="1">
-                <a:solidFill>
-                  <a:schemeClr val="tx1"/>
-                </a:solidFill>
-                <a:effectLst/>
-                <a:latin typeface="+mn-lt"/>
-                <a:ea typeface="+mn-ea"/>
-                <a:cs typeface="+mn-cs"/>
-                <a:sym typeface="Wingdings" panose="05000000000000000000" pitchFamily="2" charset="2"/>
-              </a:rPr>
-              <a:t>started</a:t>
-            </a:r>
-            <a:r>
-              <a:rPr lang="de-CH" sz="1200" i="1" kern="1200" dirty="0">
-                <a:solidFill>
-                  <a:schemeClr val="tx1"/>
-                </a:solidFill>
-                <a:effectLst/>
-                <a:latin typeface="+mn-lt"/>
-                <a:ea typeface="+mn-ea"/>
-                <a:cs typeface="+mn-cs"/>
-                <a:sym typeface="Wingdings" panose="05000000000000000000" pitchFamily="2" charset="2"/>
-              </a:rPr>
-              <a:t> </a:t>
-            </a:r>
-            <a:r>
-              <a:rPr lang="de-CH" sz="1200" i="1" kern="1200" dirty="0" err="1">
-                <a:solidFill>
-                  <a:schemeClr val="tx1"/>
-                </a:solidFill>
-                <a:effectLst/>
-                <a:latin typeface="+mn-lt"/>
-                <a:ea typeface="+mn-ea"/>
-                <a:cs typeface="+mn-cs"/>
-                <a:sym typeface="Wingdings" panose="05000000000000000000" pitchFamily="2" charset="2"/>
-              </a:rPr>
-              <a:t>raising</a:t>
-            </a:r>
-            <a:r>
-              <a:rPr lang="de-CH" sz="1200" i="1" kern="1200" dirty="0">
-                <a:solidFill>
-                  <a:schemeClr val="tx1"/>
-                </a:solidFill>
-                <a:effectLst/>
-                <a:latin typeface="+mn-lt"/>
-                <a:ea typeface="+mn-ea"/>
-                <a:cs typeface="+mn-cs"/>
-                <a:sym typeface="Wingdings" panose="05000000000000000000" pitchFamily="2" charset="2"/>
-              </a:rPr>
-              <a:t> </a:t>
-            </a:r>
-            <a:r>
-              <a:rPr lang="de-CH" sz="1200" i="1" kern="1200" dirty="0" err="1">
-                <a:solidFill>
-                  <a:schemeClr val="tx1"/>
-                </a:solidFill>
-                <a:effectLst/>
-                <a:latin typeface="+mn-lt"/>
-                <a:ea typeface="+mn-ea"/>
-                <a:cs typeface="+mn-cs"/>
-                <a:sym typeface="Wingdings" panose="05000000000000000000" pitchFamily="2" charset="2"/>
-              </a:rPr>
-              <a:t>highly</a:t>
-            </a:r>
-            <a:r>
-              <a:rPr lang="de-CH" sz="1200" i="1" kern="1200" dirty="0">
-                <a:solidFill>
-                  <a:schemeClr val="tx1"/>
-                </a:solidFill>
-                <a:effectLst/>
-                <a:latin typeface="+mn-lt"/>
-                <a:ea typeface="+mn-ea"/>
-                <a:cs typeface="+mn-cs"/>
-                <a:sym typeface="Wingdings" panose="05000000000000000000" pitchFamily="2" charset="2"/>
-              </a:rPr>
-              <a:t>  </a:t>
-            </a:r>
-            <a:r>
-              <a:rPr lang="de-CH" sz="1200" i="1" kern="1200" dirty="0" err="1">
-                <a:solidFill>
-                  <a:schemeClr val="tx1"/>
-                </a:solidFill>
-                <a:effectLst/>
-                <a:latin typeface="+mn-lt"/>
-                <a:ea typeface="+mn-ea"/>
-                <a:cs typeface="+mn-cs"/>
-                <a:sym typeface="Wingdings" panose="05000000000000000000" pitchFamily="2" charset="2"/>
-              </a:rPr>
-              <a:t>then</a:t>
-            </a:r>
-            <a:r>
-              <a:rPr lang="de-CH" sz="1200" i="1" kern="1200" dirty="0">
-                <a:solidFill>
-                  <a:schemeClr val="tx1"/>
-                </a:solidFill>
-                <a:effectLst/>
-                <a:latin typeface="+mn-lt"/>
-                <a:ea typeface="+mn-ea"/>
-                <a:cs typeface="+mn-cs"/>
-                <a:sym typeface="Wingdings" panose="05000000000000000000" pitchFamily="2" charset="2"/>
-              </a:rPr>
-              <a:t> </a:t>
-            </a:r>
-            <a:r>
-              <a:rPr lang="de-CH" sz="1200" i="1" kern="1200" dirty="0" err="1">
-                <a:solidFill>
-                  <a:schemeClr val="tx1"/>
-                </a:solidFill>
-                <a:effectLst/>
-                <a:latin typeface="+mn-lt"/>
-                <a:ea typeface="+mn-ea"/>
-                <a:cs typeface="+mn-cs"/>
-                <a:sym typeface="Wingdings" panose="05000000000000000000" pitchFamily="2" charset="2"/>
-              </a:rPr>
-              <a:t>adopted</a:t>
-            </a:r>
-            <a:r>
-              <a:rPr lang="de-CH" sz="1200" i="1" kern="1200" dirty="0">
-                <a:solidFill>
-                  <a:schemeClr val="tx1"/>
-                </a:solidFill>
-                <a:effectLst/>
-                <a:latin typeface="+mn-lt"/>
-                <a:ea typeface="+mn-ea"/>
-                <a:cs typeface="+mn-cs"/>
-                <a:sym typeface="Wingdings" panose="05000000000000000000" pitchFamily="2" charset="2"/>
-              </a:rPr>
-              <a:t> </a:t>
-            </a:r>
-            <a:r>
-              <a:rPr lang="de-CH" sz="1200" i="1" kern="1200" dirty="0" err="1">
-                <a:solidFill>
-                  <a:schemeClr val="tx1"/>
-                </a:solidFill>
-                <a:effectLst/>
-                <a:latin typeface="+mn-lt"/>
-                <a:ea typeface="+mn-ea"/>
-                <a:cs typeface="+mn-cs"/>
-                <a:sym typeface="Wingdings" panose="05000000000000000000" pitchFamily="2" charset="2"/>
-              </a:rPr>
-              <a:t>their</a:t>
-            </a:r>
-            <a:r>
-              <a:rPr lang="de-CH" sz="1200" i="1" kern="1200" dirty="0">
-                <a:solidFill>
-                  <a:schemeClr val="tx1"/>
-                </a:solidFill>
-                <a:effectLst/>
-                <a:latin typeface="+mn-lt"/>
-                <a:ea typeface="+mn-ea"/>
-                <a:cs typeface="+mn-cs"/>
-                <a:sym typeface="Wingdings" panose="05000000000000000000" pitchFamily="2" charset="2"/>
-              </a:rPr>
-              <a:t> </a:t>
-            </a:r>
-            <a:r>
-              <a:rPr lang="de-CH" sz="1200" i="1" kern="1200" dirty="0" err="1">
-                <a:solidFill>
-                  <a:schemeClr val="tx1"/>
-                </a:solidFill>
-                <a:effectLst/>
-                <a:latin typeface="+mn-lt"/>
-                <a:ea typeface="+mn-ea"/>
-                <a:cs typeface="+mn-cs"/>
-                <a:sym typeface="Wingdings" panose="05000000000000000000" pitchFamily="2" charset="2"/>
-              </a:rPr>
-              <a:t>strategy</a:t>
-            </a:r>
-            <a:r>
-              <a:rPr lang="de-CH" sz="1200" i="1" kern="1200" dirty="0">
-                <a:solidFill>
-                  <a:schemeClr val="tx1"/>
-                </a:solidFill>
-                <a:effectLst/>
-                <a:latin typeface="+mn-lt"/>
-                <a:ea typeface="+mn-ea"/>
-                <a:cs typeface="+mn-cs"/>
-                <a:sym typeface="Wingdings" panose="05000000000000000000" pitchFamily="2" charset="2"/>
-              </a:rPr>
-              <a:t> and </a:t>
-            </a:r>
-            <a:r>
-              <a:rPr lang="de-CH" sz="1200" i="1" kern="1200" dirty="0" err="1">
-                <a:solidFill>
-                  <a:schemeClr val="tx1"/>
-                </a:solidFill>
-                <a:effectLst/>
-                <a:latin typeface="+mn-lt"/>
-                <a:ea typeface="+mn-ea"/>
-                <a:cs typeface="+mn-cs"/>
-                <a:sym typeface="Wingdings" panose="05000000000000000000" pitchFamily="2" charset="2"/>
-              </a:rPr>
-              <a:t>locked</a:t>
-            </a:r>
-            <a:r>
-              <a:rPr lang="de-CH" sz="1200" i="1" kern="1200" dirty="0">
-                <a:solidFill>
-                  <a:schemeClr val="tx1"/>
-                </a:solidFill>
-                <a:effectLst/>
-                <a:latin typeface="+mn-lt"/>
-                <a:ea typeface="+mn-ea"/>
-                <a:cs typeface="+mn-cs"/>
-                <a:sym typeface="Wingdings" panose="05000000000000000000" pitchFamily="2" charset="2"/>
-              </a:rPr>
-              <a:t> down the </a:t>
-            </a:r>
-            <a:r>
-              <a:rPr lang="de-CH" sz="1200" i="1" kern="1200" dirty="0" err="1">
-                <a:solidFill>
-                  <a:schemeClr val="tx1"/>
-                </a:solidFill>
-                <a:effectLst/>
-                <a:latin typeface="+mn-lt"/>
-                <a:ea typeface="+mn-ea"/>
-                <a:cs typeface="+mn-cs"/>
-                <a:sym typeface="Wingdings" panose="05000000000000000000" pitchFamily="2" charset="2"/>
-              </a:rPr>
-              <a:t>yountry</a:t>
-            </a:r>
-            <a:r>
-              <a:rPr lang="de-CH" sz="1200" i="1" kern="1200" dirty="0">
-                <a:solidFill>
-                  <a:schemeClr val="tx1"/>
-                </a:solidFill>
-                <a:effectLst/>
-                <a:latin typeface="+mn-lt"/>
-                <a:ea typeface="+mn-ea"/>
-                <a:cs typeface="+mn-cs"/>
-                <a:sym typeface="Wingdings" panose="05000000000000000000" pitchFamily="2" charset="2"/>
-              </a:rPr>
-              <a:t> and </a:t>
-            </a:r>
-            <a:r>
-              <a:rPr lang="de-CH" sz="1200" i="1" kern="1200" dirty="0" err="1">
-                <a:solidFill>
-                  <a:schemeClr val="tx1"/>
-                </a:solidFill>
-                <a:effectLst/>
-                <a:latin typeface="+mn-lt"/>
-                <a:ea typeface="+mn-ea"/>
-                <a:cs typeface="+mn-cs"/>
-                <a:sym typeface="Wingdings" panose="05000000000000000000" pitchFamily="2" charset="2"/>
-              </a:rPr>
-              <a:t>intrudocued</a:t>
-            </a:r>
-            <a:r>
-              <a:rPr lang="de-CH" sz="1200" i="1" kern="1200" dirty="0">
-                <a:solidFill>
-                  <a:schemeClr val="tx1"/>
-                </a:solidFill>
-                <a:effectLst/>
-                <a:latin typeface="+mn-lt"/>
-                <a:ea typeface="+mn-ea"/>
-                <a:cs typeface="+mn-cs"/>
-                <a:sym typeface="Wingdings" panose="05000000000000000000" pitchFamily="2" charset="2"/>
-              </a:rPr>
-              <a:t> the #</a:t>
-            </a:r>
-            <a:r>
-              <a:rPr lang="de-CH" sz="1200" i="1" kern="1200" dirty="0" err="1">
-                <a:solidFill>
-                  <a:schemeClr val="tx1"/>
-                </a:solidFill>
-                <a:effectLst/>
-                <a:latin typeface="+mn-lt"/>
-                <a:ea typeface="+mn-ea"/>
-                <a:cs typeface="+mn-cs"/>
-                <a:sym typeface="Wingdings" panose="05000000000000000000" pitchFamily="2" charset="2"/>
-              </a:rPr>
-              <a:t>stay</a:t>
-            </a:r>
-            <a:r>
-              <a:rPr lang="de-CH" sz="1200" i="1" kern="1200" dirty="0">
-                <a:solidFill>
-                  <a:schemeClr val="tx1"/>
-                </a:solidFill>
-                <a:effectLst/>
-                <a:latin typeface="+mn-lt"/>
-                <a:ea typeface="+mn-ea"/>
-                <a:cs typeface="+mn-cs"/>
-                <a:sym typeface="Wingdings" panose="05000000000000000000" pitchFamily="2" charset="2"/>
-              </a:rPr>
-              <a:t> alert </a:t>
-            </a:r>
-            <a:r>
-              <a:rPr lang="de-CH" sz="1200" i="1" kern="1200" dirty="0" err="1">
-                <a:solidFill>
-                  <a:schemeClr val="tx1"/>
-                </a:solidFill>
-                <a:effectLst/>
-                <a:latin typeface="+mn-lt"/>
-                <a:ea typeface="+mn-ea"/>
-                <a:cs typeface="+mn-cs"/>
-                <a:sym typeface="Wingdings" panose="05000000000000000000" pitchFamily="2" charset="2"/>
-              </a:rPr>
-              <a:t>wher</a:t>
-            </a:r>
-            <a:r>
-              <a:rPr lang="de-CH" sz="1200" i="1" kern="1200" dirty="0">
-                <a:solidFill>
-                  <a:schemeClr val="tx1"/>
-                </a:solidFill>
-                <a:effectLst/>
-                <a:latin typeface="+mn-lt"/>
-                <a:ea typeface="+mn-ea"/>
-                <a:cs typeface="+mn-cs"/>
-                <a:sym typeface="Wingdings" panose="05000000000000000000" pitchFamily="2" charset="2"/>
-              </a:rPr>
-              <a:t> </a:t>
-            </a:r>
-            <a:r>
-              <a:rPr lang="de-CH" sz="1200" i="1" kern="1200" dirty="0" err="1">
-                <a:solidFill>
-                  <a:schemeClr val="tx1"/>
-                </a:solidFill>
-                <a:effectLst/>
-                <a:latin typeface="+mn-lt"/>
-                <a:ea typeface="+mn-ea"/>
-                <a:cs typeface="+mn-cs"/>
-                <a:sym typeface="Wingdings" panose="05000000000000000000" pitchFamily="2" charset="2"/>
-              </a:rPr>
-              <a:t>everyone</a:t>
-            </a:r>
-            <a:r>
-              <a:rPr lang="de-CH" sz="1200" i="1" kern="1200" dirty="0">
-                <a:solidFill>
-                  <a:schemeClr val="tx1"/>
-                </a:solidFill>
-                <a:effectLst/>
-                <a:latin typeface="+mn-lt"/>
-                <a:ea typeface="+mn-ea"/>
-                <a:cs typeface="+mn-cs"/>
-                <a:sym typeface="Wingdings" panose="05000000000000000000" pitchFamily="2" charset="2"/>
-              </a:rPr>
-              <a:t> is </a:t>
-            </a:r>
-            <a:r>
-              <a:rPr lang="de-CH" sz="1200" i="1" kern="1200" dirty="0" err="1">
-                <a:solidFill>
-                  <a:schemeClr val="tx1"/>
-                </a:solidFill>
-                <a:effectLst/>
-                <a:latin typeface="+mn-lt"/>
-                <a:ea typeface="+mn-ea"/>
-                <a:cs typeface="+mn-cs"/>
-                <a:sym typeface="Wingdings" panose="05000000000000000000" pitchFamily="2" charset="2"/>
-              </a:rPr>
-              <a:t>apelled</a:t>
-            </a:r>
-            <a:r>
-              <a:rPr lang="de-CH" sz="1200" i="1" kern="1200" dirty="0">
-                <a:solidFill>
-                  <a:schemeClr val="tx1"/>
-                </a:solidFill>
-                <a:effectLst/>
-                <a:latin typeface="+mn-lt"/>
-                <a:ea typeface="+mn-ea"/>
-                <a:cs typeface="+mn-cs"/>
-                <a:sym typeface="Wingdings" panose="05000000000000000000" pitchFamily="2" charset="2"/>
-              </a:rPr>
-              <a:t> </a:t>
-            </a:r>
-            <a:r>
-              <a:rPr lang="de-CH" sz="1200" i="1" kern="1200" dirty="0" err="1">
-                <a:solidFill>
-                  <a:schemeClr val="tx1"/>
-                </a:solidFill>
-                <a:effectLst/>
-                <a:latin typeface="+mn-lt"/>
-                <a:ea typeface="+mn-ea"/>
-                <a:cs typeface="+mn-cs"/>
-                <a:sym typeface="Wingdings" panose="05000000000000000000" pitchFamily="2" charset="2"/>
-              </a:rPr>
-              <a:t>to</a:t>
-            </a:r>
-            <a:r>
-              <a:rPr lang="de-CH" sz="1200" i="1" kern="1200" dirty="0">
-                <a:solidFill>
-                  <a:schemeClr val="tx1"/>
-                </a:solidFill>
-                <a:effectLst/>
-                <a:latin typeface="+mn-lt"/>
-                <a:ea typeface="+mn-ea"/>
-                <a:cs typeface="+mn-cs"/>
-                <a:sym typeface="Wingdings" panose="05000000000000000000" pitchFamily="2" charset="2"/>
-              </a:rPr>
-              <a:t> </a:t>
-            </a:r>
-            <a:r>
-              <a:rPr lang="de-CH" sz="1200" i="1" kern="1200" dirty="0" err="1">
-                <a:solidFill>
-                  <a:schemeClr val="tx1"/>
-                </a:solidFill>
-                <a:effectLst/>
-                <a:latin typeface="+mn-lt"/>
-                <a:ea typeface="+mn-ea"/>
-                <a:cs typeface="+mn-cs"/>
-                <a:sym typeface="Wingdings" panose="05000000000000000000" pitchFamily="2" charset="2"/>
-              </a:rPr>
-              <a:t>stay</a:t>
-            </a:r>
-            <a:r>
-              <a:rPr lang="de-CH" sz="1200" i="1" kern="1200" dirty="0">
-                <a:solidFill>
-                  <a:schemeClr val="tx1"/>
-                </a:solidFill>
-                <a:effectLst/>
-                <a:latin typeface="+mn-lt"/>
-                <a:ea typeface="+mn-ea"/>
-                <a:cs typeface="+mn-cs"/>
-                <a:sym typeface="Wingdings" panose="05000000000000000000" pitchFamily="2" charset="2"/>
-              </a:rPr>
-              <a:t> </a:t>
-            </a:r>
-            <a:r>
-              <a:rPr lang="de-CH" sz="1200" i="1" kern="1200" dirty="0" err="1">
-                <a:solidFill>
-                  <a:schemeClr val="tx1"/>
-                </a:solidFill>
-                <a:effectLst/>
-                <a:latin typeface="+mn-lt"/>
-                <a:ea typeface="+mn-ea"/>
-                <a:cs typeface="+mn-cs"/>
-                <a:sym typeface="Wingdings" panose="05000000000000000000" pitchFamily="2" charset="2"/>
-              </a:rPr>
-              <a:t>home</a:t>
-            </a:r>
-            <a:endParaRPr lang="de-CH" sz="1200" i="1" kern="1200" dirty="0">
               <a:solidFill>
                 <a:schemeClr val="tx1"/>
               </a:solidFill>
@@ -5747,7 +4891,7 @@
           <a:p>
             <a:fld id="{E0995B2B-B3DB-4BBC-BE39-A27E83E1DBB5}" type="slidenum">
               <a:rPr lang="fr-CH" smtClean="0"/>
-              <a:t>‹Nr.›</a:t>
+              <a:t>‹N°›</a:t>
             </a:fld>
             <a:endParaRPr lang="fr-CH"/>
           </a:p>
@@ -5947,7 +5091,7 @@
           <a:p>
             <a:fld id="{E0995B2B-B3DB-4BBC-BE39-A27E83E1DBB5}" type="slidenum">
               <a:rPr lang="fr-CH" smtClean="0"/>
-              <a:t>‹Nr.›</a:t>
+              <a:t>‹N°›</a:t>
             </a:fld>
             <a:endParaRPr lang="fr-CH"/>
           </a:p>
@@ -6157,7 +5301,7 @@
           <a:p>
             <a:fld id="{E0995B2B-B3DB-4BBC-BE39-A27E83E1DBB5}" type="slidenum">
               <a:rPr lang="fr-CH" smtClean="0"/>
-              <a:t>‹Nr.›</a:t>
+              <a:t>‹N°›</a:t>
             </a:fld>
             <a:endParaRPr lang="fr-CH"/>
           </a:p>
@@ -6213,7 +5357,7 @@
           <a:lstStyle/>
           <a:p>
             <a:fld id="{86CB4B4D-7CA3-9044-876B-883B54F8677D}" type="slidenum">
-              <a:t>‹Nr.›</a:t>
+              <a:t>‹N°›</a:t>
             </a:fld>
             <a:endParaRPr/>
           </a:p>
@@ -6414,7 +5558,7 @@
           <a:p>
             <a:fld id="{E0995B2B-B3DB-4BBC-BE39-A27E83E1DBB5}" type="slidenum">
               <a:rPr lang="fr-CH" smtClean="0"/>
-              <a:t>‹Nr.›</a:t>
+              <a:t>‹N°›</a:t>
             </a:fld>
             <a:endParaRPr lang="fr-CH"/>
           </a:p>
@@ -6690,7 +5834,7 @@
           <a:p>
             <a:fld id="{E0995B2B-B3DB-4BBC-BE39-A27E83E1DBB5}" type="slidenum">
               <a:rPr lang="fr-CH" smtClean="0"/>
-              <a:t>‹Nr.›</a:t>
+              <a:t>‹N°›</a:t>
             </a:fld>
             <a:endParaRPr lang="fr-CH"/>
           </a:p>
@@ -6958,7 +6102,7 @@
           <a:p>
             <a:fld id="{E0995B2B-B3DB-4BBC-BE39-A27E83E1DBB5}" type="slidenum">
               <a:rPr lang="fr-CH" smtClean="0"/>
-              <a:t>‹Nr.›</a:t>
+              <a:t>‹N°›</a:t>
             </a:fld>
             <a:endParaRPr lang="fr-CH"/>
           </a:p>
@@ -7373,7 +6517,7 @@
           <a:p>
             <a:fld id="{E0995B2B-B3DB-4BBC-BE39-A27E83E1DBB5}" type="slidenum">
               <a:rPr lang="fr-CH" smtClean="0"/>
-              <a:t>‹Nr.›</a:t>
+              <a:t>‹N°›</a:t>
             </a:fld>
             <a:endParaRPr lang="fr-CH"/>
           </a:p>
@@ -7515,7 +6659,7 @@
           <a:p>
             <a:fld id="{E0995B2B-B3DB-4BBC-BE39-A27E83E1DBB5}" type="slidenum">
               <a:rPr lang="fr-CH" smtClean="0"/>
-              <a:t>‹Nr.›</a:t>
+              <a:t>‹N°›</a:t>
             </a:fld>
             <a:endParaRPr lang="fr-CH"/>
           </a:p>
@@ -7628,7 +6772,7 @@
           <a:p>
             <a:fld id="{E0995B2B-B3DB-4BBC-BE39-A27E83E1DBB5}" type="slidenum">
               <a:rPr lang="fr-CH" smtClean="0"/>
-              <a:t>‹Nr.›</a:t>
+              <a:t>‹N°›</a:t>
             </a:fld>
             <a:endParaRPr lang="fr-CH"/>
           </a:p>
@@ -7941,7 +7085,7 @@
           <a:p>
             <a:fld id="{E0995B2B-B3DB-4BBC-BE39-A27E83E1DBB5}" type="slidenum">
               <a:rPr lang="fr-CH" smtClean="0"/>
-              <a:t>‹Nr.›</a:t>
+              <a:t>‹N°›</a:t>
             </a:fld>
             <a:endParaRPr lang="fr-CH"/>
           </a:p>
@@ -8230,7 +7374,7 @@
           <a:p>
             <a:fld id="{E0995B2B-B3DB-4BBC-BE39-A27E83E1DBB5}" type="slidenum">
               <a:rPr lang="fr-CH" smtClean="0"/>
-              <a:t>‹Nr.›</a:t>
+              <a:t>‹N°›</a:t>
             </a:fld>
             <a:endParaRPr lang="fr-CH"/>
           </a:p>
@@ -8509,7 +7653,7 @@
           <a:p>
             <a:fld id="{E0995B2B-B3DB-4BBC-BE39-A27E83E1DBB5}" type="slidenum">
               <a:rPr lang="fr-CH" smtClean="0"/>
-              <a:t>‹Nr.›</a:t>
+              <a:t>‹N°›</a:t>
             </a:fld>
             <a:endParaRPr lang="fr-CH"/>
           </a:p>
@@ -9671,10 +8815,10 @@
       </p:pic>
       <p:pic>
         <p:nvPicPr>
-          <p:cNvPr id="4" name="Image 3">
+          <p:cNvPr id="13" name="Image 12">
             <a:extLst>
               <a:ext uri="{FF2B5EF4-FFF2-40B4-BE49-F238E27FC236}">
-                <a16:creationId xmlns:a16="http://schemas.microsoft.com/office/drawing/2014/main" id="{0EA37355-D16D-456E-9F71-A7302EA6B30F}"/>
+                <a16:creationId xmlns:a16="http://schemas.microsoft.com/office/drawing/2014/main" id="{87DB6A25-8A1D-44AE-8F8C-82287E1980DE}"/>
               </a:ext>
             </a:extLst>
           </p:cNvPr>
@@ -9697,8 +8841,8 @@
         </p:blipFill>
         <p:spPr>
           <a:xfrm>
-            <a:off x="5074522" y="548353"/>
-            <a:ext cx="6937057" cy="2219858"/>
+            <a:off x="5074520" y="417201"/>
+            <a:ext cx="6937059" cy="2219859"/>
           </a:xfrm>
           <a:prstGeom prst="rect">
             <a:avLst/>
@@ -9707,10 +8851,10 @@
       </p:pic>
       <p:pic>
         <p:nvPicPr>
-          <p:cNvPr id="10" name="Image 9">
+          <p:cNvPr id="3" name="Image 2">
             <a:extLst>
               <a:ext uri="{FF2B5EF4-FFF2-40B4-BE49-F238E27FC236}">
-                <a16:creationId xmlns:a16="http://schemas.microsoft.com/office/drawing/2014/main" id="{23F03B60-DF6C-43F6-A2D8-FAB3AF03F2EE}"/>
+                <a16:creationId xmlns:a16="http://schemas.microsoft.com/office/drawing/2014/main" id="{93C64866-A11C-4B57-8621-E890937924F9}"/>
               </a:ext>
             </a:extLst>
           </p:cNvPr>
@@ -9733,8 +8877,8 @@
         </p:blipFill>
         <p:spPr>
           <a:xfrm>
-            <a:off x="5074522" y="2471367"/>
-            <a:ext cx="6937057" cy="2219858"/>
+            <a:off x="5074523" y="2471367"/>
+            <a:ext cx="6937056" cy="2219858"/>
           </a:xfrm>
           <a:prstGeom prst="rect">
             <a:avLst/>
@@ -9743,10 +8887,10 @@
       </p:pic>
       <p:pic>
         <p:nvPicPr>
-          <p:cNvPr id="12" name="Image 11">
+          <p:cNvPr id="6" name="Image 5">
             <a:extLst>
               <a:ext uri="{FF2B5EF4-FFF2-40B4-BE49-F238E27FC236}">
-                <a16:creationId xmlns:a16="http://schemas.microsoft.com/office/drawing/2014/main" id="{54E48E97-0ECF-4A0C-A387-95284798E6B1}"/>
+                <a16:creationId xmlns:a16="http://schemas.microsoft.com/office/drawing/2014/main" id="{1310E545-F782-40C2-A41B-078607EB1A86}"/>
               </a:ext>
             </a:extLst>
           </p:cNvPr>
@@ -9769,8 +8913,8 @@
         </p:blipFill>
         <p:spPr>
           <a:xfrm>
-            <a:off x="5074523" y="4521976"/>
-            <a:ext cx="6937056" cy="2219858"/>
+            <a:off x="5074521" y="4521975"/>
+            <a:ext cx="6937058" cy="2219859"/>
           </a:xfrm>
           <a:prstGeom prst="rect">
             <a:avLst/>
@@ -10059,10 +9203,10 @@
       </p:pic>
       <p:pic>
         <p:nvPicPr>
-          <p:cNvPr id="3" name="Image 2">
+          <p:cNvPr id="4" name="Image 3">
             <a:extLst>
               <a:ext uri="{FF2B5EF4-FFF2-40B4-BE49-F238E27FC236}">
-                <a16:creationId xmlns:a16="http://schemas.microsoft.com/office/drawing/2014/main" id="{3D47457E-D4D4-4C79-9C04-6CE65747474F}"/>
+                <a16:creationId xmlns:a16="http://schemas.microsoft.com/office/drawing/2014/main" id="{B96B8CC3-5E05-4434-813E-0B788783F3EF}"/>
               </a:ext>
             </a:extLst>
           </p:cNvPr>
@@ -10085,8 +9229,8 @@
         </p:blipFill>
         <p:spPr>
           <a:xfrm>
-            <a:off x="342900" y="3227490"/>
-            <a:ext cx="10982325" cy="3514344"/>
+            <a:off x="321844" y="3167599"/>
+            <a:ext cx="10982764" cy="3514485"/>
           </a:xfrm>
           <a:prstGeom prst="rect">
             <a:avLst/>
@@ -10095,10 +9239,10 @@
       </p:pic>
       <p:pic>
         <p:nvPicPr>
-          <p:cNvPr id="5" name="Image 4" descr="Une image contenant capture d’écran&#10;&#10;Description générée automatiquement">
+          <p:cNvPr id="8" name="Image 7">
             <a:extLst>
               <a:ext uri="{FF2B5EF4-FFF2-40B4-BE49-F238E27FC236}">
-                <a16:creationId xmlns:a16="http://schemas.microsoft.com/office/drawing/2014/main" id="{87752ECC-FC67-431E-B0F8-7EBF1354032C}"/>
+                <a16:creationId xmlns:a16="http://schemas.microsoft.com/office/drawing/2014/main" id="{8C3FBF67-2A65-434D-81ED-125C70276EDD}"/>
               </a:ext>
             </a:extLst>
           </p:cNvPr>
@@ -10115,13 +9259,13 @@
               </a:ext>
             </a:extLst>
           </a:blip>
-          <a:srcRect l="35859" r="34140"/>
+          <a:srcRect l="37570" r="38073"/>
           <a:stretch/>
         </p:blipFill>
         <p:spPr>
           <a:xfrm>
-            <a:off x="6557774" y="175916"/>
-            <a:ext cx="3452291" cy="3682444"/>
+            <a:off x="6880741" y="266683"/>
+            <a:ext cx="2969619" cy="3901440"/>
           </a:xfrm>
           <a:prstGeom prst="rect">
             <a:avLst/>
@@ -10446,10 +9590,10 @@
       </p:pic>
       <p:pic>
         <p:nvPicPr>
-          <p:cNvPr id="8" name="Image 7">
+          <p:cNvPr id="3" name="Grafik 2">
             <a:extLst>
               <a:ext uri="{FF2B5EF4-FFF2-40B4-BE49-F238E27FC236}">
-                <a16:creationId xmlns:a16="http://schemas.microsoft.com/office/drawing/2014/main" id="{4533AFA6-6851-457C-9706-FB69C93991A1}"/>
+                <a16:creationId xmlns:a16="http://schemas.microsoft.com/office/drawing/2014/main" id="{65ABA05A-1C8A-43C4-A7F6-70EAE4BE9BE8}"/>
               </a:ext>
             </a:extLst>
           </p:cNvPr>
@@ -10459,115 +9603,7 @@
           <p:nvPr/>
         </p:nvPicPr>
         <p:blipFill>
-          <a:blip r:embed="rId4">
-            <a:extLst>
-              <a:ext uri="{28A0092B-C50C-407E-A947-70E740481C1C}">
-                <a14:useLocalDpi xmlns:a14="http://schemas.microsoft.com/office/drawing/2010/main" val="0"/>
-              </a:ext>
-            </a:extLst>
-          </a:blip>
-          <a:stretch>
-            <a:fillRect/>
-          </a:stretch>
-        </p:blipFill>
-        <p:spPr>
-          <a:xfrm>
-            <a:off x="7709941" y="1717863"/>
-            <a:ext cx="4293542" cy="1319043"/>
-          </a:xfrm>
-          <a:prstGeom prst="rect">
-            <a:avLst/>
-          </a:prstGeom>
-        </p:spPr>
-      </p:pic>
-      <p:pic>
-        <p:nvPicPr>
-          <p:cNvPr id="5" name="Image 4" descr="Une image contenant miroir&#10;&#10;Description générée automatiquement">
-            <a:extLst>
-              <a:ext uri="{FF2B5EF4-FFF2-40B4-BE49-F238E27FC236}">
-                <a16:creationId xmlns:a16="http://schemas.microsoft.com/office/drawing/2014/main" id="{1FFDE5A4-773B-4CD8-B889-C790E98B6F04}"/>
-              </a:ext>
-            </a:extLst>
-          </p:cNvPr>
-          <p:cNvPicPr>
-            <a:picLocks noChangeAspect="1"/>
-          </p:cNvPicPr>
-          <p:nvPr/>
-        </p:nvPicPr>
-        <p:blipFill>
-          <a:blip r:embed="rId5">
-            <a:extLst>
-              <a:ext uri="{28A0092B-C50C-407E-A947-70E740481C1C}">
-                <a14:useLocalDpi xmlns:a14="http://schemas.microsoft.com/office/drawing/2010/main" val="0"/>
-              </a:ext>
-            </a:extLst>
-          </a:blip>
-          <a:stretch>
-            <a:fillRect/>
-          </a:stretch>
-        </p:blipFill>
-        <p:spPr>
-          <a:xfrm>
-            <a:off x="5181600" y="3313117"/>
-            <a:ext cx="6834397" cy="1319042"/>
-          </a:xfrm>
-          <a:prstGeom prst="rect">
-            <a:avLst/>
-          </a:prstGeom>
-        </p:spPr>
-      </p:pic>
-      <p:pic>
-        <p:nvPicPr>
-          <p:cNvPr id="12" name="Image 11" descr="Une image contenant photo, debout, homme, groupe&#10;&#10;Description générée automatiquement">
-            <a:extLst>
-              <a:ext uri="{FF2B5EF4-FFF2-40B4-BE49-F238E27FC236}">
-                <a16:creationId xmlns:a16="http://schemas.microsoft.com/office/drawing/2014/main" id="{30DAA3D4-342A-4389-82DD-F1BCEC0ED035}"/>
-              </a:ext>
-            </a:extLst>
-          </p:cNvPr>
-          <p:cNvPicPr>
-            <a:picLocks noChangeAspect="1"/>
-          </p:cNvPicPr>
-          <p:nvPr/>
-        </p:nvPicPr>
-        <p:blipFill>
-          <a:blip r:embed="rId6">
-            <a:extLst>
-              <a:ext uri="{28A0092B-C50C-407E-A947-70E740481C1C}">
-                <a14:useLocalDpi xmlns:a14="http://schemas.microsoft.com/office/drawing/2010/main" val="0"/>
-              </a:ext>
-            </a:extLst>
-          </a:blip>
-          <a:stretch>
-            <a:fillRect/>
-          </a:stretch>
-        </p:blipFill>
-        <p:spPr>
-          <a:xfrm>
-            <a:off x="5169086" y="4908369"/>
-            <a:ext cx="6834397" cy="1319042"/>
-          </a:xfrm>
-          <a:prstGeom prst="rect">
-            <a:avLst/>
-          </a:prstGeom>
-        </p:spPr>
-      </p:pic>
-      <p:pic>
-        <p:nvPicPr>
-          <p:cNvPr id="3" name="Grafik 2">
-            <a:extLst>
-              <a:ext uri="{FF2B5EF4-FFF2-40B4-BE49-F238E27FC236}">
-                <a16:creationId xmlns:a16="http://schemas.microsoft.com/office/drawing/2014/main" id="{65ABA05A-1C8A-43C4-A7F6-70EAE4BE9BE8}"/>
-              </a:ext>
-            </a:extLst>
-          </p:cNvPr>
-          <p:cNvPicPr>
-            <a:picLocks noChangeAspect="1"/>
-          </p:cNvPicPr>
-          <p:nvPr/>
-        </p:nvPicPr>
-        <p:blipFill>
-          <a:blip r:embed="rId7"/>
+          <a:blip r:embed="rId4"/>
           <a:stretch>
             <a:fillRect/>
           </a:stretch>
@@ -10597,7 +9633,7 @@
           <p:nvPr/>
         </p:nvPicPr>
         <p:blipFill>
-          <a:blip r:embed="rId8"/>
+          <a:blip r:embed="rId5"/>
           <a:stretch>
             <a:fillRect/>
           </a:stretch>
@@ -10627,7 +9663,7 @@
           <p:nvPr/>
         </p:nvPicPr>
         <p:blipFill>
-          <a:blip r:embed="rId9"/>
+          <a:blip r:embed="rId6"/>
           <a:stretch>
             <a:fillRect/>
           </a:stretch>
@@ -10657,7 +9693,7 @@
           <p:nvPr/>
         </p:nvPicPr>
         <p:blipFill>
-          <a:blip r:embed="rId10"/>
+          <a:blip r:embed="rId7"/>
           <a:stretch>
             <a:fillRect/>
           </a:stretch>
@@ -10687,7 +9723,7 @@
           <p:nvPr/>
         </p:nvPicPr>
         <p:blipFill>
-          <a:blip r:embed="rId11"/>
+          <a:blip r:embed="rId8"/>
           <a:stretch>
             <a:fillRect/>
           </a:stretch>
@@ -10717,7 +9753,7 @@
           <p:nvPr/>
         </p:nvPicPr>
         <p:blipFill>
-          <a:blip r:embed="rId12"/>
+          <a:blip r:embed="rId9"/>
           <a:stretch>
             <a:fillRect/>
           </a:stretch>
@@ -10747,7 +9783,7 @@
           <p:nvPr/>
         </p:nvPicPr>
         <p:blipFill>
-          <a:blip r:embed="rId13"/>
+          <a:blip r:embed="rId10"/>
           <a:stretch>
             <a:fillRect/>
           </a:stretch>
@@ -10777,7 +9813,7 @@
           <p:nvPr/>
         </p:nvPicPr>
         <p:blipFill>
-          <a:blip r:embed="rId14"/>
+          <a:blip r:embed="rId11"/>
           <a:stretch>
             <a:fillRect/>
           </a:stretch>
@@ -10807,7 +9843,7 @@
           <p:nvPr/>
         </p:nvPicPr>
         <p:blipFill>
-          <a:blip r:embed="rId15"/>
+          <a:blip r:embed="rId12"/>
           <a:stretch>
             <a:fillRect/>
           </a:stretch>
@@ -10837,7 +9873,7 @@
           <p:nvPr/>
         </p:nvPicPr>
         <p:blipFill>
-          <a:blip r:embed="rId16"/>
+          <a:blip r:embed="rId13"/>
           <a:stretch>
             <a:fillRect/>
           </a:stretch>
@@ -10867,7 +9903,7 @@
           <p:nvPr/>
         </p:nvPicPr>
         <p:blipFill>
-          <a:blip r:embed="rId17"/>
+          <a:blip r:embed="rId14"/>
           <a:stretch>
             <a:fillRect/>
           </a:stretch>
@@ -10897,7 +9933,7 @@
           <p:nvPr/>
         </p:nvPicPr>
         <p:blipFill>
-          <a:blip r:embed="rId18"/>
+          <a:blip r:embed="rId15"/>
           <a:stretch>
             <a:fillRect/>
           </a:stretch>
@@ -10914,10 +9950,10 @@
       </p:pic>
       <p:pic>
         <p:nvPicPr>
-          <p:cNvPr id="19" name="Grafik 18">
+          <p:cNvPr id="27" name="Image 26">
             <a:extLst>
               <a:ext uri="{FF2B5EF4-FFF2-40B4-BE49-F238E27FC236}">
-                <a16:creationId xmlns:a16="http://schemas.microsoft.com/office/drawing/2014/main" id="{B6D9A774-F2CF-4C53-BEA2-F926937A361F}"/>
+                <a16:creationId xmlns:a16="http://schemas.microsoft.com/office/drawing/2014/main" id="{034F7C41-8322-45C2-948E-3D7049B2E443}"/>
               </a:ext>
             </a:extLst>
           </p:cNvPr>
@@ -10927,7 +9963,43 @@
           <p:nvPr/>
         </p:nvPicPr>
         <p:blipFill>
-          <a:blip r:embed="rId19"/>
+          <a:blip r:embed="rId16">
+            <a:extLst>
+              <a:ext uri="{28A0092B-C50C-407E-A947-70E740481C1C}">
+                <a14:useLocalDpi xmlns:a14="http://schemas.microsoft.com/office/drawing/2010/main" val="0"/>
+              </a:ext>
+            </a:extLst>
+          </a:blip>
+          <a:stretch>
+            <a:fillRect/>
+          </a:stretch>
+        </p:blipFill>
+        <p:spPr>
+          <a:xfrm>
+            <a:off x="5201672" y="1173961"/>
+            <a:ext cx="6801811" cy="2176580"/>
+          </a:xfrm>
+          <a:prstGeom prst="rect">
+            <a:avLst/>
+          </a:prstGeom>
+        </p:spPr>
+      </p:pic>
+      <p:pic>
+        <p:nvPicPr>
+          <p:cNvPr id="19" name="Grafik 18">
+            <a:extLst>
+              <a:ext uri="{FF2B5EF4-FFF2-40B4-BE49-F238E27FC236}">
+                <a16:creationId xmlns:a16="http://schemas.microsoft.com/office/drawing/2014/main" id="{B6D9A774-F2CF-4C53-BEA2-F926937A361F}"/>
+              </a:ext>
+            </a:extLst>
+          </p:cNvPr>
+          <p:cNvPicPr>
+            <a:picLocks noChangeAspect="1"/>
+          </p:cNvPicPr>
+          <p:nvPr/>
+        </p:nvPicPr>
+        <p:blipFill>
+          <a:blip r:embed="rId17"/>
           <a:stretch>
             <a:fillRect/>
           </a:stretch>
@@ -10936,6 +10008,78 @@
           <a:xfrm>
             <a:off x="12631706" y="3317645"/>
             <a:ext cx="4615148" cy="2929451"/>
+          </a:xfrm>
+          <a:prstGeom prst="rect">
+            <a:avLst/>
+          </a:prstGeom>
+        </p:spPr>
+      </p:pic>
+      <p:pic>
+        <p:nvPicPr>
+          <p:cNvPr id="20" name="Image 19">
+            <a:extLst>
+              <a:ext uri="{FF2B5EF4-FFF2-40B4-BE49-F238E27FC236}">
+                <a16:creationId xmlns:a16="http://schemas.microsoft.com/office/drawing/2014/main" id="{702377A2-94A4-42CE-BFE3-AC37C5CD3D33}"/>
+              </a:ext>
+            </a:extLst>
+          </p:cNvPr>
+          <p:cNvPicPr>
+            <a:picLocks noChangeAspect="1"/>
+          </p:cNvPicPr>
+          <p:nvPr/>
+        </p:nvPicPr>
+        <p:blipFill>
+          <a:blip r:embed="rId18">
+            <a:extLst>
+              <a:ext uri="{28A0092B-C50C-407E-A947-70E740481C1C}">
+                <a14:useLocalDpi xmlns:a14="http://schemas.microsoft.com/office/drawing/2010/main" val="0"/>
+              </a:ext>
+            </a:extLst>
+          </a:blip>
+          <a:stretch>
+            <a:fillRect/>
+          </a:stretch>
+        </p:blipFill>
+        <p:spPr>
+          <a:xfrm>
+            <a:off x="5201672" y="2836318"/>
+            <a:ext cx="6834400" cy="2187008"/>
+          </a:xfrm>
+          <a:prstGeom prst="rect">
+            <a:avLst/>
+          </a:prstGeom>
+        </p:spPr>
+      </p:pic>
+      <p:pic>
+        <p:nvPicPr>
+          <p:cNvPr id="25" name="Image 24">
+            <a:extLst>
+              <a:ext uri="{FF2B5EF4-FFF2-40B4-BE49-F238E27FC236}">
+                <a16:creationId xmlns:a16="http://schemas.microsoft.com/office/drawing/2014/main" id="{6D8CE5B5-7003-4B6B-9B4C-04FDBE71AB22}"/>
+              </a:ext>
+            </a:extLst>
+          </p:cNvPr>
+          <p:cNvPicPr>
+            <a:picLocks noChangeAspect="1"/>
+          </p:cNvPicPr>
+          <p:nvPr/>
+        </p:nvPicPr>
+        <p:blipFill>
+          <a:blip r:embed="rId19">
+            <a:extLst>
+              <a:ext uri="{28A0092B-C50C-407E-A947-70E740481C1C}">
+                <a14:useLocalDpi xmlns:a14="http://schemas.microsoft.com/office/drawing/2010/main" val="0"/>
+              </a:ext>
+            </a:extLst>
+          </a:blip>
+          <a:stretch>
+            <a:fillRect/>
+          </a:stretch>
+        </p:blipFill>
+        <p:spPr>
+          <a:xfrm>
+            <a:off x="5169080" y="4670991"/>
+            <a:ext cx="6834403" cy="2187009"/>
           </a:xfrm>
           <a:prstGeom prst="rect">
             <a:avLst/>
@@ -11144,7 +10288,7 @@
         <p:spPr>
           <a:xfrm>
             <a:off x="6639127" y="694065"/>
-            <a:ext cx="2409862" cy="1186323"/>
+            <a:ext cx="2409862" cy="730783"/>
           </a:xfrm>
           <a:prstGeom prst="roundRect">
             <a:avLst/>
@@ -11173,7 +10317,7 @@
             <a:pPr algn="ctr"/>
             <a:r>
               <a:rPr lang="en-US" b="1" dirty="0"/>
-              <a:t>advising UK nationals against all but essential international travel &amp; social distancing (17. March)</a:t>
+              <a:t>advising UK nationals against all but essential international travel (17. March)</a:t>
             </a:r>
             <a:endParaRPr lang="de-CH" dirty="0"/>
           </a:p>
@@ -11743,10 +10887,10 @@
       </p:pic>
       <p:pic>
         <p:nvPicPr>
-          <p:cNvPr id="3" name="Image 2" descr="Une image contenant table&#10;&#10;Description générée automatiquement">
+          <p:cNvPr id="12" name="Image 11">
             <a:extLst>
               <a:ext uri="{FF2B5EF4-FFF2-40B4-BE49-F238E27FC236}">
-                <a16:creationId xmlns:a16="http://schemas.microsoft.com/office/drawing/2014/main" id="{CD9AB4EB-FF2F-4320-A70F-1913FA5418CE}"/>
+                <a16:creationId xmlns:a16="http://schemas.microsoft.com/office/drawing/2014/main" id="{A8C7611E-AB6D-4633-A29D-A12962ABB9A4}"/>
               </a:ext>
             </a:extLst>
           </p:cNvPr>
@@ -11769,8 +10913,8 @@
         </p:blipFill>
         <p:spPr>
           <a:xfrm>
-            <a:off x="704850" y="3505921"/>
-            <a:ext cx="10056990" cy="3218237"/>
+            <a:off x="763928" y="3294375"/>
+            <a:ext cx="10302945" cy="3296942"/>
           </a:xfrm>
           <a:prstGeom prst="rect">
             <a:avLst/>
@@ -11779,10 +10923,10 @@
       </p:pic>
       <p:pic>
         <p:nvPicPr>
-          <p:cNvPr id="5" name="Image 4" descr="Une image contenant capture d’écran&#10;&#10;Description générée automatiquement">
+          <p:cNvPr id="10" name="Image 9" descr="Une image contenant carte&#10;&#10;Description générée automatiquement">
             <a:extLst>
               <a:ext uri="{FF2B5EF4-FFF2-40B4-BE49-F238E27FC236}">
-                <a16:creationId xmlns:a16="http://schemas.microsoft.com/office/drawing/2014/main" id="{BE422D5F-012F-4319-BD30-B4063C2A7E89}"/>
+                <a16:creationId xmlns:a16="http://schemas.microsoft.com/office/drawing/2014/main" id="{6B33F4DC-F1FC-4C9A-8DDC-E9C4674D3208}"/>
               </a:ext>
             </a:extLst>
           </p:cNvPr>
@@ -11799,13 +10943,13 @@
               </a:ext>
             </a:extLst>
           </a:blip>
-          <a:srcRect l="32422" r="31875"/>
+          <a:srcRect l="35604" r="34969"/>
           <a:stretch/>
         </p:blipFill>
         <p:spPr>
           <a:xfrm>
-            <a:off x="6096000" y="417201"/>
-            <a:ext cx="4352925" cy="3901440"/>
+            <a:off x="6096000" y="266683"/>
+            <a:ext cx="3587810" cy="3901440"/>
           </a:xfrm>
           <a:prstGeom prst="rect">
             <a:avLst/>
@@ -12650,78 +11794,6 @@
           <a:xfrm>
             <a:off x="10635101" y="116166"/>
             <a:ext cx="1380897" cy="301035"/>
-          </a:xfrm>
-          <a:prstGeom prst="rect">
-            <a:avLst/>
-          </a:prstGeom>
-        </p:spPr>
-      </p:pic>
-      <p:pic>
-        <p:nvPicPr>
-          <p:cNvPr id="11" name="Image 10">
-            <a:extLst>
-              <a:ext uri="{FF2B5EF4-FFF2-40B4-BE49-F238E27FC236}">
-                <a16:creationId xmlns:a16="http://schemas.microsoft.com/office/drawing/2014/main" id="{0C471408-BC54-481C-8F4F-09E61C1E80D1}"/>
-              </a:ext>
-            </a:extLst>
-          </p:cNvPr>
-          <p:cNvPicPr>
-            <a:picLocks noChangeAspect="1"/>
-          </p:cNvPicPr>
-          <p:nvPr/>
-        </p:nvPicPr>
-        <p:blipFill>
-          <a:blip r:embed="rId3">
-            <a:extLst>
-              <a:ext uri="{28A0092B-C50C-407E-A947-70E740481C1C}">
-                <a14:useLocalDpi xmlns:a14="http://schemas.microsoft.com/office/drawing/2010/main" val="0"/>
-              </a:ext>
-            </a:extLst>
-          </a:blip>
-          <a:stretch>
-            <a:fillRect/>
-          </a:stretch>
-        </p:blipFill>
-        <p:spPr>
-          <a:xfrm>
-            <a:off x="4888717" y="913975"/>
-            <a:ext cx="7267575" cy="2325624"/>
-          </a:xfrm>
-          <a:prstGeom prst="rect">
-            <a:avLst/>
-          </a:prstGeom>
-        </p:spPr>
-      </p:pic>
-      <p:pic>
-        <p:nvPicPr>
-          <p:cNvPr id="12" name="Image 11" descr="Une image contenant table&#10;&#10;Description générée automatiquement">
-            <a:extLst>
-              <a:ext uri="{FF2B5EF4-FFF2-40B4-BE49-F238E27FC236}">
-                <a16:creationId xmlns:a16="http://schemas.microsoft.com/office/drawing/2014/main" id="{D5D4A005-CC9C-4EE3-ACAE-0549B56F325A}"/>
-              </a:ext>
-            </a:extLst>
-          </p:cNvPr>
-          <p:cNvPicPr>
-            <a:picLocks noChangeAspect="1"/>
-          </p:cNvPicPr>
-          <p:nvPr/>
-        </p:nvPicPr>
-        <p:blipFill>
-          <a:blip r:embed="rId4">
-            <a:extLst>
-              <a:ext uri="{28A0092B-C50C-407E-A947-70E740481C1C}">
-                <a14:useLocalDpi xmlns:a14="http://schemas.microsoft.com/office/drawing/2010/main" val="0"/>
-              </a:ext>
-            </a:extLst>
-          </a:blip>
-          <a:stretch>
-            <a:fillRect/>
-          </a:stretch>
-        </p:blipFill>
-        <p:spPr>
-          <a:xfrm>
-            <a:off x="4810125" y="2861773"/>
-            <a:ext cx="7346167" cy="2350774"/>
           </a:xfrm>
           <a:prstGeom prst="rect">
             <a:avLst/>
@@ -14599,6 +13671,41 @@
           <a:chExt cx="0" cy="0"/>
         </a:xfrm>
       </p:grpSpPr>
+      <p:pic>
+        <p:nvPicPr>
+          <p:cNvPr id="15" name="Image 14">
+            <a:extLst>
+              <a:ext uri="{FF2B5EF4-FFF2-40B4-BE49-F238E27FC236}">
+                <a16:creationId xmlns:a16="http://schemas.microsoft.com/office/drawing/2014/main" id="{3F2006C9-DC43-4962-AE35-7D0B91EC11E5}"/>
+              </a:ext>
+            </a:extLst>
+          </p:cNvPr>
+          <p:cNvPicPr>
+            <a:picLocks noChangeAspect="1"/>
+          </p:cNvPicPr>
+          <p:nvPr/>
+        </p:nvPicPr>
+        <p:blipFill rotWithShape="1">
+          <a:blip r:embed="rId2">
+            <a:extLst>
+              <a:ext uri="{28A0092B-C50C-407E-A947-70E740481C1C}">
+                <a14:useLocalDpi xmlns:a14="http://schemas.microsoft.com/office/drawing/2010/main" val="0"/>
+              </a:ext>
+            </a:extLst>
+          </a:blip>
+          <a:srcRect l="39589" r="37721"/>
+          <a:stretch/>
+        </p:blipFill>
+        <p:spPr>
+          <a:xfrm>
+            <a:off x="8646290" y="2466268"/>
+            <a:ext cx="3324334" cy="4688377"/>
+          </a:xfrm>
+          <a:prstGeom prst="rect">
+            <a:avLst/>
+          </a:prstGeom>
+        </p:spPr>
+      </p:pic>
       <p:grpSp>
         <p:nvGrpSpPr>
           <p:cNvPr id="433" name="Group 433"/>
@@ -14730,7 +13837,7 @@
           <p:nvPr/>
         </p:nvPicPr>
         <p:blipFill>
-          <a:blip r:embed="rId2">
+          <a:blip r:embed="rId3">
             <a:extLst>
               <a:ext uri="{28A0092B-C50C-407E-A947-70E740481C1C}">
                 <a14:useLocalDpi xmlns:a14="http://schemas.microsoft.com/office/drawing/2010/main" val="0"/>
@@ -14753,10 +13860,10 @@
       </p:pic>
       <p:pic>
         <p:nvPicPr>
-          <p:cNvPr id="3" name="Image 2" descr="Une image contenant capture d’écran&#10;&#10;Description générée automatiquement">
+          <p:cNvPr id="16" name="Image 15" descr="Une image contenant bateau, groupe, différent, eau&#10;&#10;Description générée automatiquement">
             <a:extLst>
               <a:ext uri="{FF2B5EF4-FFF2-40B4-BE49-F238E27FC236}">
-                <a16:creationId xmlns:a16="http://schemas.microsoft.com/office/drawing/2014/main" id="{DD1B550A-A702-4F49-B843-D0EFA23C0953}"/>
+                <a16:creationId xmlns:a16="http://schemas.microsoft.com/office/drawing/2014/main" id="{141F6AB4-05CB-4A78-ABFA-81B42FF64DC8}"/>
               </a:ext>
             </a:extLst>
           </p:cNvPr>
@@ -14765,21 +13872,22 @@
           </p:cNvPicPr>
           <p:nvPr/>
         </p:nvPicPr>
-        <p:blipFill rotWithShape="1">
-          <a:blip r:embed="rId3">
+        <p:blipFill>
+          <a:blip r:embed="rId4">
             <a:extLst>
               <a:ext uri="{28A0092B-C50C-407E-A947-70E740481C1C}">
                 <a14:useLocalDpi xmlns:a14="http://schemas.microsoft.com/office/drawing/2010/main" val="0"/>
               </a:ext>
             </a:extLst>
           </a:blip>
-          <a:srcRect l="34531" r="33359"/>
-          <a:stretch/>
+          <a:stretch>
+            <a:fillRect/>
+          </a:stretch>
         </p:blipFill>
         <p:spPr>
           <a:xfrm>
-            <a:off x="8905875" y="3733923"/>
-            <a:ext cx="2933700" cy="2923707"/>
+            <a:off x="457608" y="1609673"/>
+            <a:ext cx="6047517" cy="1935205"/>
           </a:xfrm>
           <a:prstGeom prst="rect">
             <a:avLst/>
@@ -14788,10 +13896,10 @@
       </p:pic>
       <p:pic>
         <p:nvPicPr>
-          <p:cNvPr id="5" name="Image 4" descr="Une image contenant bateau, capture d’écran, photo, différent&#10;&#10;Description générée automatiquement">
+          <p:cNvPr id="17" name="Image 16">
             <a:extLst>
               <a:ext uri="{FF2B5EF4-FFF2-40B4-BE49-F238E27FC236}">
-                <a16:creationId xmlns:a16="http://schemas.microsoft.com/office/drawing/2014/main" id="{7E611FB5-05CE-4822-899F-9F0E3BE74B4D}"/>
+                <a16:creationId xmlns:a16="http://schemas.microsoft.com/office/drawing/2014/main" id="{9B7820D6-0F5A-4B5C-95F6-867A6B49CD57}"/>
               </a:ext>
             </a:extLst>
           </p:cNvPr>
@@ -14801,7 +13909,7 @@
           <p:nvPr/>
         </p:nvPicPr>
         <p:blipFill>
-          <a:blip r:embed="rId4">
+          <a:blip r:embed="rId5">
             <a:extLst>
               <a:ext uri="{28A0092B-C50C-407E-A947-70E740481C1C}">
                 <a14:useLocalDpi xmlns:a14="http://schemas.microsoft.com/office/drawing/2010/main" val="0"/>
@@ -14814,8 +13922,8 @@
         </p:blipFill>
         <p:spPr>
           <a:xfrm>
-            <a:off x="150000" y="1710885"/>
-            <a:ext cx="6165075" cy="1972824"/>
+            <a:off x="580117" y="3978794"/>
+            <a:ext cx="7131042" cy="2281934"/>
           </a:xfrm>
           <a:prstGeom prst="rect">
             <a:avLst/>
@@ -14824,46 +13932,10 @@
       </p:pic>
       <p:pic>
         <p:nvPicPr>
-          <p:cNvPr id="9" name="Image 8">
+          <p:cNvPr id="18" name="Image 17">
             <a:extLst>
               <a:ext uri="{FF2B5EF4-FFF2-40B4-BE49-F238E27FC236}">
-                <a16:creationId xmlns:a16="http://schemas.microsoft.com/office/drawing/2014/main" id="{DBD4A2ED-5850-407A-8698-8B838A20DEC9}"/>
-              </a:ext>
-            </a:extLst>
-          </p:cNvPr>
-          <p:cNvPicPr>
-            <a:picLocks noChangeAspect="1"/>
-          </p:cNvPicPr>
-          <p:nvPr/>
-        </p:nvPicPr>
-        <p:blipFill>
-          <a:blip r:embed="rId5">
-            <a:extLst>
-              <a:ext uri="{28A0092B-C50C-407E-A947-70E740481C1C}">
-                <a14:useLocalDpi xmlns:a14="http://schemas.microsoft.com/office/drawing/2010/main" val="0"/>
-              </a:ext>
-            </a:extLst>
-          </a:blip>
-          <a:stretch>
-            <a:fillRect/>
-          </a:stretch>
-        </p:blipFill>
-        <p:spPr>
-          <a:xfrm>
-            <a:off x="352425" y="3857625"/>
-            <a:ext cx="8283078" cy="2650585"/>
-          </a:xfrm>
-          <a:prstGeom prst="rect">
-            <a:avLst/>
-          </a:prstGeom>
-        </p:spPr>
-      </p:pic>
-      <p:pic>
-        <p:nvPicPr>
-          <p:cNvPr id="4" name="Image 3">
-            <a:extLst>
-              <a:ext uri="{FF2B5EF4-FFF2-40B4-BE49-F238E27FC236}">
-                <a16:creationId xmlns:a16="http://schemas.microsoft.com/office/drawing/2014/main" id="{6ADEAA79-AD96-4342-8C1A-7540C2BAB15C}"/>
+                <a16:creationId xmlns:a16="http://schemas.microsoft.com/office/drawing/2014/main" id="{E1C017DB-425F-4CB4-8729-66292E048760}"/>
               </a:ext>
             </a:extLst>
           </p:cNvPr>
@@ -14880,13 +13952,13 @@
               </a:ext>
             </a:extLst>
           </a:blip>
-          <a:srcRect l="35527" r="35335"/>
+          <a:srcRect l="36562" r="37710"/>
           <a:stretch/>
         </p:blipFill>
         <p:spPr>
           <a:xfrm>
-            <a:off x="6534149" y="471135"/>
-            <a:ext cx="2693251" cy="2957865"/>
+            <a:off x="6655635" y="417200"/>
+            <a:ext cx="2511514" cy="3123791"/>
           </a:xfrm>
           <a:prstGeom prst="rect">
             <a:avLst/>
@@ -15741,41 +14813,6 @@
       </p:grpSp>
       <p:pic>
         <p:nvPicPr>
-          <p:cNvPr id="12" name="Image 11">
-            <a:extLst>
-              <a:ext uri="{FF2B5EF4-FFF2-40B4-BE49-F238E27FC236}">
-                <a16:creationId xmlns:a16="http://schemas.microsoft.com/office/drawing/2014/main" id="{24392170-7254-4AC5-AAAA-49341283A230}"/>
-              </a:ext>
-            </a:extLst>
-          </p:cNvPr>
-          <p:cNvPicPr>
-            <a:picLocks noChangeAspect="1"/>
-          </p:cNvPicPr>
-          <p:nvPr/>
-        </p:nvPicPr>
-        <p:blipFill rotWithShape="1">
-          <a:blip r:embed="rId2">
-            <a:extLst>
-              <a:ext uri="{28A0092B-C50C-407E-A947-70E740481C1C}">
-                <a14:useLocalDpi xmlns:a14="http://schemas.microsoft.com/office/drawing/2010/main" val="0"/>
-              </a:ext>
-            </a:extLst>
-          </a:blip>
-          <a:srcRect l="38965" r="35175"/>
-          <a:stretch/>
-        </p:blipFill>
-        <p:spPr>
-          <a:xfrm>
-            <a:off x="6118365" y="120702"/>
-            <a:ext cx="3152775" cy="3901440"/>
-          </a:xfrm>
-          <a:prstGeom prst="rect">
-            <a:avLst/>
-          </a:prstGeom>
-        </p:spPr>
-      </p:pic>
-      <p:pic>
-        <p:nvPicPr>
           <p:cNvPr id="7" name="Image 6">
             <a:extLst>
               <a:ext uri="{FF2B5EF4-FFF2-40B4-BE49-F238E27FC236}">
@@ -15789,7 +14826,7 @@
           <p:nvPr/>
         </p:nvPicPr>
         <p:blipFill>
-          <a:blip r:embed="rId3">
+          <a:blip r:embed="rId2">
             <a:extLst>
               <a:ext uri="{28A0092B-C50C-407E-A947-70E740481C1C}">
                 <a14:useLocalDpi xmlns:a14="http://schemas.microsoft.com/office/drawing/2010/main" val="0"/>
@@ -15812,10 +14849,45 @@
       </p:pic>
       <p:pic>
         <p:nvPicPr>
-          <p:cNvPr id="4" name="Image 3">
+          <p:cNvPr id="3" name="Image 2" descr="Une image contenant capture d’écran&#10;&#10;Description générée automatiquement">
             <a:extLst>
               <a:ext uri="{FF2B5EF4-FFF2-40B4-BE49-F238E27FC236}">
-                <a16:creationId xmlns:a16="http://schemas.microsoft.com/office/drawing/2014/main" id="{5C6395AC-6D79-4F74-96AD-154FA1F0449F}"/>
+                <a16:creationId xmlns:a16="http://schemas.microsoft.com/office/drawing/2014/main" id="{99CB28F2-A5ED-4651-888D-3154C3E81AEF}"/>
+              </a:ext>
+            </a:extLst>
+          </p:cNvPr>
+          <p:cNvPicPr>
+            <a:picLocks noChangeAspect="1"/>
+          </p:cNvPicPr>
+          <p:nvPr/>
+        </p:nvPicPr>
+        <p:blipFill rotWithShape="1">
+          <a:blip r:embed="rId3">
+            <a:extLst>
+              <a:ext uri="{28A0092B-C50C-407E-A947-70E740481C1C}">
+                <a14:useLocalDpi xmlns:a14="http://schemas.microsoft.com/office/drawing/2010/main" val="0"/>
+              </a:ext>
+            </a:extLst>
+          </a:blip>
+          <a:srcRect l="34462" r="34874"/>
+          <a:stretch/>
+        </p:blipFill>
+        <p:spPr>
+          <a:xfrm>
+            <a:off x="8087792" y="3191333"/>
+            <a:ext cx="3738623" cy="3901440"/>
+          </a:xfrm>
+          <a:prstGeom prst="rect">
+            <a:avLst/>
+          </a:prstGeom>
+        </p:spPr>
+      </p:pic>
+      <p:pic>
+        <p:nvPicPr>
+          <p:cNvPr id="14" name="Image 13" descr="Une image contenant capture d’écran&#10;&#10;Description générée automatiquement">
+            <a:extLst>
+              <a:ext uri="{FF2B5EF4-FFF2-40B4-BE49-F238E27FC236}">
+                <a16:creationId xmlns:a16="http://schemas.microsoft.com/office/drawing/2014/main" id="{7FDFA7CA-3E33-411B-97BC-0ACEA92D0C34}"/>
               </a:ext>
             </a:extLst>
           </p:cNvPr>
@@ -15832,13 +14904,13 @@
               </a:ext>
             </a:extLst>
           </a:blip>
-          <a:srcRect l="36003" r="34905"/>
+          <a:srcRect l="39220" r="37425"/>
           <a:stretch/>
         </p:blipFill>
         <p:spPr>
           <a:xfrm>
-            <a:off x="8238629" y="2956560"/>
-            <a:ext cx="3546902" cy="3901440"/>
+            <a:off x="6944810" y="116166"/>
+            <a:ext cx="2627453" cy="3600109"/>
           </a:xfrm>
           <a:prstGeom prst="rect">
             <a:avLst/>
@@ -15847,10 +14919,10 @@
       </p:pic>
       <p:pic>
         <p:nvPicPr>
-          <p:cNvPr id="8" name="Image 7" descr="Une image contenant capture d’écran, bateau&#10;&#10;Description générée automatiquement">
+          <p:cNvPr id="6" name="Image 5" descr="Une image contenant bateau, eau, océan&#10;&#10;Description générée automatiquement">
             <a:extLst>
               <a:ext uri="{FF2B5EF4-FFF2-40B4-BE49-F238E27FC236}">
-                <a16:creationId xmlns:a16="http://schemas.microsoft.com/office/drawing/2014/main" id="{F0CBF740-AC4D-470A-B58C-BBA1299C73B2}"/>
+                <a16:creationId xmlns:a16="http://schemas.microsoft.com/office/drawing/2014/main" id="{93322CB2-DD02-4FB6-AB2C-0F329CCA79EA}"/>
               </a:ext>
             </a:extLst>
           </p:cNvPr>
@@ -15873,8 +14945,8 @@
         </p:blipFill>
         <p:spPr>
           <a:xfrm>
-            <a:off x="198825" y="1567811"/>
-            <a:ext cx="5664975" cy="1812792"/>
+            <a:off x="365585" y="1577854"/>
+            <a:ext cx="6487202" cy="2075904"/>
           </a:xfrm>
           <a:prstGeom prst="rect">
             <a:avLst/>
@@ -15883,10 +14955,10 @@
       </p:pic>
       <p:pic>
         <p:nvPicPr>
-          <p:cNvPr id="10" name="Image 9" descr="Une image contenant capture d’écran&#10;&#10;Description générée automatiquement">
+          <p:cNvPr id="11" name="Image 10">
             <a:extLst>
               <a:ext uri="{FF2B5EF4-FFF2-40B4-BE49-F238E27FC236}">
-                <a16:creationId xmlns:a16="http://schemas.microsoft.com/office/drawing/2014/main" id="{B7135865-C03E-45F1-9C5F-4CD71B721FF9}"/>
+                <a16:creationId xmlns:a16="http://schemas.microsoft.com/office/drawing/2014/main" id="{099F3819-002E-4FDD-88C9-EEA60441A00F}"/>
               </a:ext>
             </a:extLst>
           </p:cNvPr>
@@ -15909,8 +14981,8 @@
         </p:blipFill>
         <p:spPr>
           <a:xfrm>
-            <a:off x="198825" y="4139343"/>
-            <a:ext cx="8129550" cy="2601456"/>
+            <a:off x="256520" y="4059743"/>
+            <a:ext cx="7690287" cy="2460892"/>
           </a:xfrm>
           <a:prstGeom prst="rect">
             <a:avLst/>
@@ -21587,10 +20659,10 @@
       </p:pic>
       <p:pic>
         <p:nvPicPr>
-          <p:cNvPr id="8" name="Image 7" descr="Une image contenant bateau, capture d’écran, photo, différent&#10;&#10;Description générée automatiquement">
+          <p:cNvPr id="15" name="Image 14">
             <a:extLst>
               <a:ext uri="{FF2B5EF4-FFF2-40B4-BE49-F238E27FC236}">
-                <a16:creationId xmlns:a16="http://schemas.microsoft.com/office/drawing/2014/main" id="{B6921115-EB5F-435E-9AED-0E04401C0319}"/>
+                <a16:creationId xmlns:a16="http://schemas.microsoft.com/office/drawing/2014/main" id="{71DED712-5887-47C2-A436-CC90BA8346AA}"/>
               </a:ext>
             </a:extLst>
           </p:cNvPr>
@@ -21599,7 +20671,7 @@
           </p:cNvPicPr>
           <p:nvPr/>
         </p:nvPicPr>
-        <p:blipFill>
+        <p:blipFill rotWithShape="1">
           <a:blip r:embed="rId3">
             <a:extLst>
               <a:ext uri="{28A0092B-C50C-407E-A947-70E740481C1C}">
@@ -21607,14 +20679,13 @@
               </a:ext>
             </a:extLst>
           </a:blip>
-          <a:stretch>
-            <a:fillRect/>
-          </a:stretch>
+          <a:srcRect l="39589" r="37721"/>
+          <a:stretch/>
         </p:blipFill>
         <p:spPr>
           <a:xfrm>
-            <a:off x="6096000" y="825358"/>
-            <a:ext cx="5481466" cy="1754069"/>
+            <a:off x="9214765" y="2362145"/>
+            <a:ext cx="1912672" cy="2697481"/>
           </a:xfrm>
           <a:prstGeom prst="rect">
             <a:avLst/>
@@ -21623,10 +20694,10 @@
       </p:pic>
       <p:pic>
         <p:nvPicPr>
-          <p:cNvPr id="9" name="Image 8">
+          <p:cNvPr id="17" name="Image 16" descr="Une image contenant bateau, groupe, différent, eau&#10;&#10;Description générée automatiquement">
             <a:extLst>
               <a:ext uri="{FF2B5EF4-FFF2-40B4-BE49-F238E27FC236}">
-                <a16:creationId xmlns:a16="http://schemas.microsoft.com/office/drawing/2014/main" id="{26DC4552-EBD8-4EE7-8854-BB23CC3CF9A8}"/>
+                <a16:creationId xmlns:a16="http://schemas.microsoft.com/office/drawing/2014/main" id="{1113C221-9C53-451F-9D07-27AF2EE4EE4D}"/>
               </a:ext>
             </a:extLst>
           </p:cNvPr>
@@ -21635,7 +20706,7 @@
           </p:cNvPicPr>
           <p:nvPr/>
         </p:nvPicPr>
-        <p:blipFill rotWithShape="1">
+        <p:blipFill>
           <a:blip r:embed="rId4">
             <a:extLst>
               <a:ext uri="{28A0092B-C50C-407E-A947-70E740481C1C}">
@@ -21643,13 +20714,14 @@
               </a:ext>
             </a:extLst>
           </a:blip>
-          <a:srcRect l="35527" r="35335"/>
-          <a:stretch/>
+          <a:stretch>
+            <a:fillRect/>
+          </a:stretch>
         </p:blipFill>
         <p:spPr>
           <a:xfrm>
-            <a:off x="6496048" y="2664186"/>
-            <a:ext cx="1952625" cy="2144472"/>
+            <a:off x="5772063" y="669357"/>
+            <a:ext cx="6047517" cy="1935205"/>
           </a:xfrm>
           <a:prstGeom prst="rect">
             <a:avLst/>
@@ -21658,10 +20730,10 @@
       </p:pic>
       <p:pic>
         <p:nvPicPr>
-          <p:cNvPr id="10" name="Image 9" descr="Une image contenant capture d’écran&#10;&#10;Description générée automatiquement">
+          <p:cNvPr id="19" name="Image 18">
             <a:extLst>
               <a:ext uri="{FF2B5EF4-FFF2-40B4-BE49-F238E27FC236}">
-                <a16:creationId xmlns:a16="http://schemas.microsoft.com/office/drawing/2014/main" id="{9F73FDAB-476F-4330-BC4A-C227C2194C2A}"/>
+                <a16:creationId xmlns:a16="http://schemas.microsoft.com/office/drawing/2014/main" id="{2F531230-676C-432E-9FC4-7C6AF8903A79}"/>
               </a:ext>
             </a:extLst>
           </p:cNvPr>
@@ -21670,7 +20742,7 @@
           </p:cNvPicPr>
           <p:nvPr/>
         </p:nvPicPr>
-        <p:blipFill rotWithShape="1">
+        <p:blipFill>
           <a:blip r:embed="rId5">
             <a:extLst>
               <a:ext uri="{28A0092B-C50C-407E-A947-70E740481C1C}">
@@ -21678,13 +20750,14 @@
               </a:ext>
             </a:extLst>
           </a:blip>
-          <a:srcRect l="34531" r="33359"/>
-          <a:stretch/>
+          <a:stretch>
+            <a:fillRect/>
+          </a:stretch>
         </p:blipFill>
         <p:spPr>
           <a:xfrm>
-            <a:off x="8672951" y="2752238"/>
-            <a:ext cx="2162175" cy="2154810"/>
+            <a:off x="5492075" y="4727612"/>
+            <a:ext cx="6327505" cy="2024802"/>
           </a:xfrm>
           <a:prstGeom prst="rect">
             <a:avLst/>
@@ -21693,10 +20766,10 @@
       </p:pic>
       <p:pic>
         <p:nvPicPr>
-          <p:cNvPr id="11" name="Image 10">
+          <p:cNvPr id="21" name="Image 20">
             <a:extLst>
               <a:ext uri="{FF2B5EF4-FFF2-40B4-BE49-F238E27FC236}">
-                <a16:creationId xmlns:a16="http://schemas.microsoft.com/office/drawing/2014/main" id="{0481EEE3-0542-493E-95DD-9BED95E8E373}"/>
+                <a16:creationId xmlns:a16="http://schemas.microsoft.com/office/drawing/2014/main" id="{72E197A4-F598-446A-9FDE-E36BEF672245}"/>
               </a:ext>
             </a:extLst>
           </p:cNvPr>
@@ -21705,7 +20778,7 @@
           </p:cNvPicPr>
           <p:nvPr/>
         </p:nvPicPr>
-        <p:blipFill>
+        <p:blipFill rotWithShape="1">
           <a:blip r:embed="rId6">
             <a:extLst>
               <a:ext uri="{28A0092B-C50C-407E-A947-70E740481C1C}">
@@ -21713,14 +20786,13 @@
               </a:ext>
             </a:extLst>
           </a:blip>
-          <a:stretch>
-            <a:fillRect/>
-          </a:stretch>
+          <a:srcRect l="36562" r="37710"/>
+          <a:stretch/>
         </p:blipFill>
         <p:spPr>
           <a:xfrm>
-            <a:off x="5816145" y="4808658"/>
-            <a:ext cx="6041175" cy="1933176"/>
+            <a:off x="7105652" y="2716564"/>
+            <a:ext cx="1574157" cy="1957918"/>
           </a:xfrm>
           <a:prstGeom prst="rect">
             <a:avLst/>
